--- a/slides/02_agents_discussion.pptx
+++ b/slides/02_agents_discussion.pptx
@@ -6034,7 +6034,7 @@
             <a:fld id="{C590261E-DED2-4ECB-93F0-6041BFF84361}" type="datetimeFigureOut">
               <a:rPr lang="en-US" smtClean="0"/>
               <a:pPr/>
-              <a:t>6/7/2024</a:t>
+              <a:t>9/11/2024</a:t>
             </a:fld>
             <a:endParaRPr lang="en-US"/>
           </a:p>
@@ -11111,42 +11111,60 @@
         <p:spPr>
           <a:xfrm>
             <a:off x="628650" y="2765427"/>
-            <a:ext cx="7886700" cy="3101973"/>
+            <a:ext cx="7886700" cy="3635373"/>
           </a:xfrm>
+          <a:noFill/>
+          <a:ln w="9525" cap="flat" cmpd="sng" algn="ctr">
+            <a:solidFill>
+              <a:schemeClr val="dk1"/>
+            </a:solidFill>
+            <a:prstDash val="solid"/>
+            <a:round/>
+            <a:headEnd type="none" w="med" len="med"/>
+            <a:tailEnd type="none" w="med" len="med"/>
+          </a:ln>
         </p:spPr>
         <p:style>
-          <a:lnRef idx="2">
-            <a:schemeClr val="accent5">
-              <a:shade val="15000"/>
-            </a:schemeClr>
+          <a:lnRef idx="0">
+            <a:scrgbClr r="0" g="0" b="0"/>
           </a:lnRef>
-          <a:fillRef idx="1">
-            <a:schemeClr val="accent5"/>
+          <a:fillRef idx="0">
+            <a:scrgbClr r="0" g="0" b="0"/>
           </a:fillRef>
           <a:effectRef idx="0">
-            <a:schemeClr val="accent5"/>
+            <a:scrgbClr r="0" g="0" b="0"/>
           </a:effectRef>
           <a:fontRef idx="minor">
-            <a:schemeClr val="lt1"/>
+            <a:schemeClr val="dk1"/>
           </a:fontRef>
         </p:style>
         <p:txBody>
           <a:bodyPr>
-            <a:normAutofit/>
+            <a:noAutofit/>
           </a:bodyPr>
           <a:lstStyle/>
           <a:p>
             <a:r>
-              <a:rPr lang="en-US" dirty="0"/>
-              <a:t>If we have two cars and one provides more (expected) utility. Which car is rational?</a:t>
-            </a:r>
-          </a:p>
-          <a:p>
-            <a:endParaRPr lang="en-US" dirty="0"/>
-          </a:p>
-          <a:p>
-            <a:r>
-              <a:rPr lang="en-US" dirty="0"/>
+              <a:rPr lang="en-US" sz="1400" dirty="0"/>
+              <a:t>If we have two cars and one provides more (expected) utility. </a:t>
+            </a:r>
+            <a:br>
+              <a:rPr lang="en-US" sz="1400" dirty="0"/>
+            </a:br>
+            <a:r>
+              <a:rPr lang="en-US" sz="1400" dirty="0"/>
+              <a:t>Which car is rational?</a:t>
+            </a:r>
+          </a:p>
+          <a:p>
+            <a:endParaRPr lang="en-US" sz="1400" dirty="0"/>
+          </a:p>
+          <a:p>
+            <a:endParaRPr lang="en-US" sz="1400" dirty="0"/>
+          </a:p>
+          <a:p>
+            <a:r>
+              <a:rPr lang="en-US" sz="1400" dirty="0"/>
               <a:t>Can a rational self-driving car be involved in an accident?</a:t>
             </a:r>
           </a:p>
@@ -11154,22 +11172,37 @@
             <a:pPr marL="0" indent="0">
               <a:buNone/>
             </a:pPr>
-            <a:endParaRPr lang="en-US" dirty="0"/>
-          </a:p>
-          <a:p>
-            <a:r>
-              <a:rPr lang="en-US" dirty="0"/>
+            <a:endParaRPr lang="en-US" sz="1400" dirty="0"/>
+          </a:p>
+          <a:p>
+            <a:pPr marL="0" indent="0">
+              <a:buNone/>
+            </a:pPr>
+            <a:endParaRPr lang="en-US" sz="1400" dirty="0"/>
+          </a:p>
+          <a:p>
+            <a:r>
+              <a:rPr lang="en-US" sz="1400" dirty="0"/>
               <a:t>How would a self-driving car explore and learn?</a:t>
             </a:r>
           </a:p>
           <a:p>
-            <a:endParaRPr lang="en-US" dirty="0"/>
-          </a:p>
-          <a:p>
-            <a:r>
-              <a:rPr lang="en-US" dirty="0"/>
+            <a:endParaRPr lang="en-US" sz="1400" dirty="0"/>
+          </a:p>
+          <a:p>
+            <a:endParaRPr lang="en-US" sz="1400" dirty="0"/>
+          </a:p>
+          <a:p>
+            <a:r>
+              <a:rPr lang="en-US" sz="1400" dirty="0"/>
               <a:t>What does bounded rationality mean for a self-driving car?</a:t>
             </a:r>
+          </a:p>
+          <a:p>
+            <a:endParaRPr lang="en-US" sz="1400" dirty="0"/>
+          </a:p>
+          <a:p>
+            <a:endParaRPr lang="en-US" sz="1400" dirty="0"/>
           </a:p>
         </p:txBody>
       </p:sp>
@@ -11436,6 +11469,41 @@
           </a:ln>
         </p:spPr>
       </p:pic>
+      <p:sp>
+        <p:nvSpPr>
+          <p:cNvPr id="4" name="TextBox 3">
+            <a:extLst>
+              <a:ext uri="{FF2B5EF4-FFF2-40B4-BE49-F238E27FC236}">
+                <a16:creationId xmlns:a16="http://schemas.microsoft.com/office/drawing/2014/main" id="{C20D2D7F-D965-DCC3-C313-9DF376A2998E}"/>
+              </a:ext>
+            </a:extLst>
+          </p:cNvPr>
+          <p:cNvSpPr txBox="1"/>
+          <p:nvPr/>
+        </p:nvSpPr>
+        <p:spPr>
+          <a:xfrm>
+            <a:off x="608985" y="2408467"/>
+            <a:ext cx="3638550" cy="338554"/>
+          </a:xfrm>
+          <a:prstGeom prst="rect">
+            <a:avLst/>
+          </a:prstGeom>
+          <a:noFill/>
+        </p:spPr>
+        <p:txBody>
+          <a:bodyPr wrap="square" rtlCol="0">
+            <a:spAutoFit/>
+          </a:bodyPr>
+          <a:lstStyle/>
+          <a:p>
+            <a:r>
+              <a:rPr lang="en-US" sz="1600" dirty="0"/>
+              <a:t>Answer the following questions:</a:t>
+            </a:r>
+          </a:p>
+        </p:txBody>
+      </p:sp>
     </p:spTree>
     <p:extLst>
       <p:ext uri="{BB962C8B-B14F-4D97-AF65-F5344CB8AC3E}">
@@ -11531,7 +11599,7 @@
                                         <p:tgtEl>
                                           <p:spTgt spid="10243">
                                             <p:txEl>
-                                              <p:pRg st="2" end="2"/>
+                                              <p:pRg st="3" end="3"/>
                                             </p:txEl>
                                           </p:spTgt>
                                         </p:tgtEl>
@@ -11580,7 +11648,7 @@
                                         <p:tgtEl>
                                           <p:spTgt spid="10243">
                                             <p:txEl>
-                                              <p:pRg st="4" end="4"/>
+                                              <p:pRg st="6" end="6"/>
                                             </p:txEl>
                                           </p:spTgt>
                                         </p:tgtEl>
@@ -11629,7 +11697,7 @@
                                         <p:tgtEl>
                                           <p:spTgt spid="10243">
                                             <p:txEl>
-                                              <p:pRg st="6" end="6"/>
+                                              <p:pRg st="9" end="9"/>
                                             </p:txEl>
                                           </p:spTgt>
                                         </p:tgtEl>
@@ -11797,6 +11865,41 @@
           </a:ln>
         </p:spPr>
       </p:pic>
+      <p:sp>
+        <p:nvSpPr>
+          <p:cNvPr id="3" name="TextBox 2">
+            <a:extLst>
+              <a:ext uri="{FF2B5EF4-FFF2-40B4-BE49-F238E27FC236}">
+                <a16:creationId xmlns:a16="http://schemas.microsoft.com/office/drawing/2014/main" id="{DD44A013-EECD-0365-9F5B-4164E530DF2E}"/>
+              </a:ext>
+            </a:extLst>
+          </p:cNvPr>
+          <p:cNvSpPr txBox="1"/>
+          <p:nvPr/>
+        </p:nvSpPr>
+        <p:spPr>
+          <a:xfrm>
+            <a:off x="533400" y="1825625"/>
+            <a:ext cx="3638550" cy="338554"/>
+          </a:xfrm>
+          <a:prstGeom prst="rect">
+            <a:avLst/>
+          </a:prstGeom>
+          <a:noFill/>
+        </p:spPr>
+        <p:txBody>
+          <a:bodyPr wrap="square" rtlCol="0">
+            <a:spAutoFit/>
+          </a:bodyPr>
+          <a:lstStyle/>
+          <a:p>
+            <a:r>
+              <a:rPr lang="en-US" sz="1600" dirty="0"/>
+              <a:t>Complete the PEAS description.</a:t>
+            </a:r>
+          </a:p>
+        </p:txBody>
+      </p:sp>
     </p:spTree>
     <p:extLst>
       <p:ext uri="{BB962C8B-B14F-4D97-AF65-F5344CB8AC3E}">
@@ -12066,6 +12169,41 @@
           </a:ln>
         </p:spPr>
       </p:pic>
+      <p:sp>
+        <p:nvSpPr>
+          <p:cNvPr id="3" name="TextBox 2">
+            <a:extLst>
+              <a:ext uri="{FF2B5EF4-FFF2-40B4-BE49-F238E27FC236}">
+                <a16:creationId xmlns:a16="http://schemas.microsoft.com/office/drawing/2014/main" id="{A8BD2AA4-3A41-666C-9A21-13E65F063BC0}"/>
+              </a:ext>
+            </a:extLst>
+          </p:cNvPr>
+          <p:cNvSpPr txBox="1"/>
+          <p:nvPr/>
+        </p:nvSpPr>
+        <p:spPr>
+          <a:xfrm>
+            <a:off x="1060040" y="1034768"/>
+            <a:ext cx="3638550" cy="338554"/>
+          </a:xfrm>
+          <a:prstGeom prst="rect">
+            <a:avLst/>
+          </a:prstGeom>
+          <a:noFill/>
+        </p:spPr>
+        <p:txBody>
+          <a:bodyPr wrap="square" rtlCol="0">
+            <a:spAutoFit/>
+          </a:bodyPr>
+          <a:lstStyle/>
+          <a:p>
+            <a:r>
+              <a:rPr lang="en-US" sz="1600" dirty="0"/>
+              <a:t>Describe percepts and states.</a:t>
+            </a:r>
+          </a:p>
+        </p:txBody>
+      </p:sp>
     </p:spTree>
     <p:extLst>
       <p:ext uri="{BB962C8B-B14F-4D97-AF65-F5344CB8AC3E}">
@@ -12177,7 +12315,7 @@
         </p:spPr>
         <p:txBody>
           <a:bodyPr>
-            <a:normAutofit fontScale="92500" lnSpcReduction="20000"/>
+            <a:normAutofit fontScale="85000" lnSpcReduction="10000"/>
           </a:bodyPr>
           <a:lstStyle/>
           <a:p>
@@ -12209,6 +12347,10 @@
             </a:r>
           </a:p>
           <a:p>
+            <a:pPr marL="457200" indent="-457200">
+              <a:buFont typeface="+mj-lt"/>
+              <a:buAutoNum type="alphaLcParenR"/>
+            </a:pPr>
             <a:r>
               <a:rPr lang="en-US" sz="2000" dirty="0"/>
               <a:t>What </a:t>
@@ -12223,9 +12365,23 @@
             </a:r>
           </a:p>
           <a:p>
+            <a:pPr marL="457200" indent="-457200">
+              <a:buFont typeface="+mj-lt"/>
+              <a:buAutoNum type="alphaLcParenR"/>
+            </a:pPr>
             <a:r>
               <a:rPr lang="en-US" sz="2000" dirty="0"/>
               <a:t>What actions can cause transitions?</a:t>
+            </a:r>
+          </a:p>
+          <a:p>
+            <a:pPr marL="457200" indent="-457200">
+              <a:buFont typeface="+mj-lt"/>
+              <a:buAutoNum type="alphaLcParenR"/>
+            </a:pPr>
+            <a:r>
+              <a:rPr lang="en-US" sz="2000" dirty="0"/>
+              <a:t>Draw a small transition diagram.</a:t>
             </a:r>
           </a:p>
           <a:p>
@@ -12630,7 +12786,7 @@
         </p:nvSpPr>
         <p:spPr>
           <a:xfrm>
-            <a:off x="4505325" y="1600200"/>
+            <a:off x="4687491" y="1600200"/>
             <a:ext cx="3495676" cy="738664"/>
           </a:xfrm>
           <a:prstGeom prst="rect">
@@ -12681,8 +12837,8 @@
         </p:nvSpPr>
         <p:spPr>
           <a:xfrm>
-            <a:off x="679847" y="3167374"/>
-            <a:ext cx="3352800" cy="954107"/>
+            <a:off x="713261" y="2963113"/>
+            <a:ext cx="3352800" cy="1384995"/>
           </a:xfrm>
           <a:prstGeom prst="rect">
             <a:avLst/>
@@ -12706,13 +12862,29 @@
               </a:rPr>
               <a:t>Deterministic: </a:t>
             </a:r>
+          </a:p>
+          <a:p>
+            <a:pPr marL="342900" indent="-342900">
+              <a:buFont typeface="+mj-lt"/>
+              <a:buAutoNum type="alphaLcParenR"/>
+            </a:pPr>
             <a:r>
               <a:rPr lang="en-US" sz="1400" b="1" dirty="0"/>
               <a:t>Percepts</a:t>
             </a:r>
             <a:r>
               <a:rPr lang="en-US" sz="1400" dirty="0"/>
-              <a:t> are 100% reliable and changes in the environment is completely determined by the current </a:t>
+              <a:t> are 100% reliable</a:t>
+            </a:r>
+          </a:p>
+          <a:p>
+            <a:pPr marL="342900" indent="-342900">
+              <a:buFont typeface="+mj-lt"/>
+              <a:buAutoNum type="alphaLcParenR"/>
+            </a:pPr>
+            <a:r>
+              <a:rPr lang="en-US" sz="1400" dirty="0"/>
+              <a:t>Changes in the environment are completely determined by the current </a:t>
             </a:r>
             <a:r>
               <a:rPr lang="en-US" sz="1400" b="1" dirty="0"/>
@@ -12747,7 +12919,7 @@
         </p:nvSpPr>
         <p:spPr>
           <a:xfrm>
-            <a:off x="4544615" y="2946481"/>
+            <a:off x="4726781" y="2946481"/>
             <a:ext cx="3807619" cy="1815882"/>
           </a:xfrm>
           <a:prstGeom prst="rect">
@@ -12774,9 +12946,9 @@
             </a:r>
           </a:p>
           <a:p>
-            <a:pPr marL="285750" indent="-285750">
-              <a:buFont typeface="Arial" panose="020B0604020202020204" pitchFamily="34" charset="0"/>
-              <a:buChar char="•"/>
+            <a:pPr marL="342900" indent="-342900">
+              <a:buFont typeface="+mj-lt"/>
+              <a:buAutoNum type="alphaLcParenR"/>
             </a:pPr>
             <a:r>
               <a:rPr lang="en-US" sz="1400" b="1" dirty="0"/>
@@ -12789,9 +12961,9 @@
             <a:endParaRPr lang="en-US" dirty="0"/>
           </a:p>
           <a:p>
-            <a:pPr marL="285750" indent="-285750">
-              <a:buFont typeface="Arial" panose="020B0604020202020204" pitchFamily="34" charset="0"/>
-              <a:buChar char="•"/>
+            <a:pPr marL="342900" indent="-342900">
+              <a:buFont typeface="+mj-lt"/>
+              <a:buAutoNum type="alphaLcParenR"/>
             </a:pPr>
             <a:r>
               <a:rPr lang="en-US" sz="1400" dirty="0"/>
@@ -12826,7 +12998,7 @@
         </p:nvSpPr>
         <p:spPr>
           <a:xfrm>
-            <a:off x="710803" y="4934868"/>
+            <a:off x="761999" y="4917979"/>
             <a:ext cx="3192066" cy="523220"/>
           </a:xfrm>
           <a:prstGeom prst="rect">
@@ -12885,7 +13057,7 @@
         </p:nvSpPr>
         <p:spPr>
           <a:xfrm>
-            <a:off x="4505325" y="4888450"/>
+            <a:off x="4687491" y="4888450"/>
             <a:ext cx="3807618" cy="523220"/>
           </a:xfrm>
           <a:prstGeom prst="rect">
@@ -13063,6 +13235,438 @@
           </a:ln>
         </p:spPr>
       </p:pic>
+      <p:sp>
+        <p:nvSpPr>
+          <p:cNvPr id="6" name="Rectangle 5">
+            <a:extLst>
+              <a:ext uri="{FF2B5EF4-FFF2-40B4-BE49-F238E27FC236}">
+                <a16:creationId xmlns:a16="http://schemas.microsoft.com/office/drawing/2014/main" id="{566E63DC-4FAD-0129-38C3-4CF7FEC95F25}"/>
+              </a:ext>
+            </a:extLst>
+          </p:cNvPr>
+          <p:cNvSpPr/>
+          <p:nvPr/>
+        </p:nvSpPr>
+        <p:spPr>
+          <a:xfrm>
+            <a:off x="569272" y="1747024"/>
+            <a:ext cx="150019" cy="152400"/>
+          </a:xfrm>
+          <a:prstGeom prst="rect">
+            <a:avLst/>
+          </a:prstGeom>
+          <a:noFill/>
+          <a:ln w="28575" cap="flat" cmpd="sng" algn="ctr">
+            <a:solidFill>
+              <a:schemeClr val="dk1"/>
+            </a:solidFill>
+            <a:prstDash val="solid"/>
+            <a:round/>
+            <a:headEnd type="none" w="med" len="med"/>
+            <a:tailEnd type="none" w="med" len="med"/>
+          </a:ln>
+        </p:spPr>
+        <p:style>
+          <a:lnRef idx="0">
+            <a:scrgbClr r="0" g="0" b="0"/>
+          </a:lnRef>
+          <a:fillRef idx="0">
+            <a:scrgbClr r="0" g="0" b="0"/>
+          </a:fillRef>
+          <a:effectRef idx="0">
+            <a:scrgbClr r="0" g="0" b="0"/>
+          </a:effectRef>
+          <a:fontRef idx="minor">
+            <a:schemeClr val="dk1"/>
+          </a:fontRef>
+        </p:style>
+        <p:txBody>
+          <a:bodyPr rtlCol="0" anchor="ctr"/>
+          <a:lstStyle/>
+          <a:p>
+            <a:pPr algn="ctr"/>
+            <a:endParaRPr lang="en-US"/>
+          </a:p>
+        </p:txBody>
+      </p:sp>
+      <p:sp>
+        <p:nvSpPr>
+          <p:cNvPr id="12" name="Rectangle 11">
+            <a:extLst>
+              <a:ext uri="{FF2B5EF4-FFF2-40B4-BE49-F238E27FC236}">
+                <a16:creationId xmlns:a16="http://schemas.microsoft.com/office/drawing/2014/main" id="{75628FD9-0B73-33F3-50F6-DE1FFCB8F080}"/>
+              </a:ext>
+            </a:extLst>
+          </p:cNvPr>
+          <p:cNvSpPr/>
+          <p:nvPr/>
+        </p:nvSpPr>
+        <p:spPr>
+          <a:xfrm>
+            <a:off x="4553525" y="1702769"/>
+            <a:ext cx="150019" cy="152400"/>
+          </a:xfrm>
+          <a:prstGeom prst="rect">
+            <a:avLst/>
+          </a:prstGeom>
+          <a:noFill/>
+          <a:ln w="28575" cap="flat" cmpd="sng" algn="ctr">
+            <a:solidFill>
+              <a:schemeClr val="dk1"/>
+            </a:solidFill>
+            <a:prstDash val="solid"/>
+            <a:round/>
+            <a:headEnd type="none" w="med" len="med"/>
+            <a:tailEnd type="none" w="med" len="med"/>
+          </a:ln>
+        </p:spPr>
+        <p:style>
+          <a:lnRef idx="0">
+            <a:scrgbClr r="0" g="0" b="0"/>
+          </a:lnRef>
+          <a:fillRef idx="0">
+            <a:scrgbClr r="0" g="0" b="0"/>
+          </a:fillRef>
+          <a:effectRef idx="0">
+            <a:scrgbClr r="0" g="0" b="0"/>
+          </a:effectRef>
+          <a:fontRef idx="minor">
+            <a:schemeClr val="dk1"/>
+          </a:fontRef>
+        </p:style>
+        <p:txBody>
+          <a:bodyPr rtlCol="0" anchor="ctr"/>
+          <a:lstStyle/>
+          <a:p>
+            <a:pPr algn="ctr"/>
+            <a:endParaRPr lang="en-US"/>
+          </a:p>
+        </p:txBody>
+      </p:sp>
+      <p:sp>
+        <p:nvSpPr>
+          <p:cNvPr id="14" name="Rectangle 13">
+            <a:extLst>
+              <a:ext uri="{FF2B5EF4-FFF2-40B4-BE49-F238E27FC236}">
+                <a16:creationId xmlns:a16="http://schemas.microsoft.com/office/drawing/2014/main" id="{2708C98F-8052-7D31-94C5-319C0A31AE60}"/>
+              </a:ext>
+            </a:extLst>
+          </p:cNvPr>
+          <p:cNvSpPr/>
+          <p:nvPr/>
+        </p:nvSpPr>
+        <p:spPr>
+          <a:xfrm>
+            <a:off x="569271" y="3268669"/>
+            <a:ext cx="150019" cy="152400"/>
+          </a:xfrm>
+          <a:prstGeom prst="rect">
+            <a:avLst/>
+          </a:prstGeom>
+          <a:noFill/>
+          <a:ln w="28575" cap="flat" cmpd="sng" algn="ctr">
+            <a:solidFill>
+              <a:schemeClr val="dk1"/>
+            </a:solidFill>
+            <a:prstDash val="solid"/>
+            <a:round/>
+            <a:headEnd type="none" w="med" len="med"/>
+            <a:tailEnd type="none" w="med" len="med"/>
+          </a:ln>
+        </p:spPr>
+        <p:style>
+          <a:lnRef idx="0">
+            <a:scrgbClr r="0" g="0" b="0"/>
+          </a:lnRef>
+          <a:fillRef idx="0">
+            <a:scrgbClr r="0" g="0" b="0"/>
+          </a:fillRef>
+          <a:effectRef idx="0">
+            <a:scrgbClr r="0" g="0" b="0"/>
+          </a:effectRef>
+          <a:fontRef idx="minor">
+            <a:schemeClr val="dk1"/>
+          </a:fontRef>
+        </p:style>
+        <p:txBody>
+          <a:bodyPr rtlCol="0" anchor="ctr"/>
+          <a:lstStyle/>
+          <a:p>
+            <a:pPr algn="ctr"/>
+            <a:endParaRPr lang="en-US"/>
+          </a:p>
+        </p:txBody>
+      </p:sp>
+      <p:sp>
+        <p:nvSpPr>
+          <p:cNvPr id="16" name="Rectangle 15">
+            <a:extLst>
+              <a:ext uri="{FF2B5EF4-FFF2-40B4-BE49-F238E27FC236}">
+                <a16:creationId xmlns:a16="http://schemas.microsoft.com/office/drawing/2014/main" id="{6B497673-FF9B-1BF0-0C0D-B58F06885D92}"/>
+              </a:ext>
+            </a:extLst>
+          </p:cNvPr>
+          <p:cNvSpPr/>
+          <p:nvPr/>
+        </p:nvSpPr>
+        <p:spPr>
+          <a:xfrm>
+            <a:off x="569270" y="3477404"/>
+            <a:ext cx="150019" cy="152400"/>
+          </a:xfrm>
+          <a:prstGeom prst="rect">
+            <a:avLst/>
+          </a:prstGeom>
+          <a:noFill/>
+          <a:ln w="28575" cap="flat" cmpd="sng" algn="ctr">
+            <a:solidFill>
+              <a:schemeClr val="dk1"/>
+            </a:solidFill>
+            <a:prstDash val="solid"/>
+            <a:round/>
+            <a:headEnd type="none" w="med" len="med"/>
+            <a:tailEnd type="none" w="med" len="med"/>
+          </a:ln>
+        </p:spPr>
+        <p:style>
+          <a:lnRef idx="0">
+            <a:scrgbClr r="0" g="0" b="0"/>
+          </a:lnRef>
+          <a:fillRef idx="0">
+            <a:scrgbClr r="0" g="0" b="0"/>
+          </a:fillRef>
+          <a:effectRef idx="0">
+            <a:scrgbClr r="0" g="0" b="0"/>
+          </a:effectRef>
+          <a:fontRef idx="minor">
+            <a:schemeClr val="dk1"/>
+          </a:fontRef>
+        </p:style>
+        <p:txBody>
+          <a:bodyPr rtlCol="0" anchor="ctr"/>
+          <a:lstStyle/>
+          <a:p>
+            <a:pPr algn="ctr"/>
+            <a:endParaRPr lang="en-US"/>
+          </a:p>
+        </p:txBody>
+      </p:sp>
+      <p:sp>
+        <p:nvSpPr>
+          <p:cNvPr id="19" name="Rectangle 18">
+            <a:extLst>
+              <a:ext uri="{FF2B5EF4-FFF2-40B4-BE49-F238E27FC236}">
+                <a16:creationId xmlns:a16="http://schemas.microsoft.com/office/drawing/2014/main" id="{958ACB31-3A60-D1BA-B70D-74060BAF3607}"/>
+              </a:ext>
+            </a:extLst>
+          </p:cNvPr>
+          <p:cNvSpPr/>
+          <p:nvPr/>
+        </p:nvSpPr>
+        <p:spPr>
+          <a:xfrm>
+            <a:off x="4553525" y="3240356"/>
+            <a:ext cx="150019" cy="152400"/>
+          </a:xfrm>
+          <a:prstGeom prst="rect">
+            <a:avLst/>
+          </a:prstGeom>
+          <a:noFill/>
+          <a:ln w="28575" cap="flat" cmpd="sng" algn="ctr">
+            <a:solidFill>
+              <a:schemeClr val="dk1"/>
+            </a:solidFill>
+            <a:prstDash val="solid"/>
+            <a:round/>
+            <a:headEnd type="none" w="med" len="med"/>
+            <a:tailEnd type="none" w="med" len="med"/>
+          </a:ln>
+        </p:spPr>
+        <p:style>
+          <a:lnRef idx="0">
+            <a:scrgbClr r="0" g="0" b="0"/>
+          </a:lnRef>
+          <a:fillRef idx="0">
+            <a:scrgbClr r="0" g="0" b="0"/>
+          </a:fillRef>
+          <a:effectRef idx="0">
+            <a:scrgbClr r="0" g="0" b="0"/>
+          </a:effectRef>
+          <a:fontRef idx="minor">
+            <a:schemeClr val="dk1"/>
+          </a:fontRef>
+        </p:style>
+        <p:txBody>
+          <a:bodyPr rtlCol="0" anchor="ctr"/>
+          <a:lstStyle/>
+          <a:p>
+            <a:pPr algn="ctr"/>
+            <a:endParaRPr lang="en-US"/>
+          </a:p>
+        </p:txBody>
+      </p:sp>
+      <p:sp>
+        <p:nvSpPr>
+          <p:cNvPr id="20" name="Rectangle 19">
+            <a:extLst>
+              <a:ext uri="{FF2B5EF4-FFF2-40B4-BE49-F238E27FC236}">
+                <a16:creationId xmlns:a16="http://schemas.microsoft.com/office/drawing/2014/main" id="{4FD65F93-AC14-C686-D4F3-98EDE02C81CE}"/>
+              </a:ext>
+            </a:extLst>
+          </p:cNvPr>
+          <p:cNvSpPr/>
+          <p:nvPr/>
+        </p:nvSpPr>
+        <p:spPr>
+          <a:xfrm>
+            <a:off x="581025" y="5008793"/>
+            <a:ext cx="150019" cy="152400"/>
+          </a:xfrm>
+          <a:prstGeom prst="rect">
+            <a:avLst/>
+          </a:prstGeom>
+          <a:noFill/>
+          <a:ln w="28575" cap="flat" cmpd="sng" algn="ctr">
+            <a:solidFill>
+              <a:schemeClr val="dk1"/>
+            </a:solidFill>
+            <a:prstDash val="solid"/>
+            <a:round/>
+            <a:headEnd type="none" w="med" len="med"/>
+            <a:tailEnd type="none" w="med" len="med"/>
+          </a:ln>
+        </p:spPr>
+        <p:style>
+          <a:lnRef idx="0">
+            <a:scrgbClr r="0" g="0" b="0"/>
+          </a:lnRef>
+          <a:fillRef idx="0">
+            <a:scrgbClr r="0" g="0" b="0"/>
+          </a:fillRef>
+          <a:effectRef idx="0">
+            <a:scrgbClr r="0" g="0" b="0"/>
+          </a:effectRef>
+          <a:fontRef idx="minor">
+            <a:schemeClr val="dk1"/>
+          </a:fontRef>
+        </p:style>
+        <p:txBody>
+          <a:bodyPr rtlCol="0" anchor="ctr"/>
+          <a:lstStyle/>
+          <a:p>
+            <a:pPr algn="ctr"/>
+            <a:endParaRPr lang="en-US"/>
+          </a:p>
+        </p:txBody>
+      </p:sp>
+      <p:sp>
+        <p:nvSpPr>
+          <p:cNvPr id="21" name="Rectangle 20">
+            <a:extLst>
+              <a:ext uri="{FF2B5EF4-FFF2-40B4-BE49-F238E27FC236}">
+                <a16:creationId xmlns:a16="http://schemas.microsoft.com/office/drawing/2014/main" id="{28040EDB-C97A-AE21-5D4A-0CACE7D9828F}"/>
+              </a:ext>
+            </a:extLst>
+          </p:cNvPr>
+          <p:cNvSpPr/>
+          <p:nvPr/>
+        </p:nvSpPr>
+        <p:spPr>
+          <a:xfrm>
+            <a:off x="4553525" y="3901637"/>
+            <a:ext cx="150019" cy="152400"/>
+          </a:xfrm>
+          <a:prstGeom prst="rect">
+            <a:avLst/>
+          </a:prstGeom>
+          <a:noFill/>
+          <a:ln w="28575" cap="flat" cmpd="sng" algn="ctr">
+            <a:solidFill>
+              <a:schemeClr val="dk1"/>
+            </a:solidFill>
+            <a:prstDash val="solid"/>
+            <a:round/>
+            <a:headEnd type="none" w="med" len="med"/>
+            <a:tailEnd type="none" w="med" len="med"/>
+          </a:ln>
+        </p:spPr>
+        <p:style>
+          <a:lnRef idx="0">
+            <a:scrgbClr r="0" g="0" b="0"/>
+          </a:lnRef>
+          <a:fillRef idx="0">
+            <a:scrgbClr r="0" g="0" b="0"/>
+          </a:fillRef>
+          <a:effectRef idx="0">
+            <a:scrgbClr r="0" g="0" b="0"/>
+          </a:effectRef>
+          <a:fontRef idx="minor">
+            <a:schemeClr val="dk1"/>
+          </a:fontRef>
+        </p:style>
+        <p:txBody>
+          <a:bodyPr rtlCol="0" anchor="ctr"/>
+          <a:lstStyle/>
+          <a:p>
+            <a:pPr algn="ctr"/>
+            <a:endParaRPr lang="en-US"/>
+          </a:p>
+        </p:txBody>
+      </p:sp>
+      <p:sp>
+        <p:nvSpPr>
+          <p:cNvPr id="22" name="Rectangle 21">
+            <a:extLst>
+              <a:ext uri="{FF2B5EF4-FFF2-40B4-BE49-F238E27FC236}">
+                <a16:creationId xmlns:a16="http://schemas.microsoft.com/office/drawing/2014/main" id="{5D0E9108-79B7-BE93-A2D0-6CF2BED3671A}"/>
+              </a:ext>
+            </a:extLst>
+          </p:cNvPr>
+          <p:cNvSpPr/>
+          <p:nvPr/>
+        </p:nvSpPr>
+        <p:spPr>
+          <a:xfrm>
+            <a:off x="4553525" y="5038299"/>
+            <a:ext cx="150019" cy="152400"/>
+          </a:xfrm>
+          <a:prstGeom prst="rect">
+            <a:avLst/>
+          </a:prstGeom>
+          <a:noFill/>
+          <a:ln w="28575" cap="flat" cmpd="sng" algn="ctr">
+            <a:solidFill>
+              <a:schemeClr val="dk1"/>
+            </a:solidFill>
+            <a:prstDash val="solid"/>
+            <a:round/>
+            <a:headEnd type="none" w="med" len="med"/>
+            <a:tailEnd type="none" w="med" len="med"/>
+          </a:ln>
+        </p:spPr>
+        <p:style>
+          <a:lnRef idx="0">
+            <a:scrgbClr r="0" g="0" b="0"/>
+          </a:lnRef>
+          <a:fillRef idx="0">
+            <a:scrgbClr r="0" g="0" b="0"/>
+          </a:fillRef>
+          <a:effectRef idx="0">
+            <a:scrgbClr r="0" g="0" b="0"/>
+          </a:effectRef>
+          <a:fontRef idx="minor">
+            <a:schemeClr val="dk1"/>
+          </a:fontRef>
+        </p:style>
+        <p:txBody>
+          <a:bodyPr rtlCol="0" anchor="ctr"/>
+          <a:lstStyle/>
+          <a:p>
+            <a:pPr algn="ctr"/>
+            <a:endParaRPr lang="en-US"/>
+          </a:p>
+        </p:txBody>
+      </p:sp>
     </p:spTree>
     <p:extLst>
       <p:ext uri="{BB962C8B-B14F-4D97-AF65-F5344CB8AC3E}">
@@ -13073,344 +13677,6 @@
   <p:clrMapOvr>
     <a:masterClrMapping/>
   </p:clrMapOvr>
-  <p:timing>
-    <p:tnLst>
-      <p:par>
-        <p:cTn id="1" dur="indefinite" restart="never" nodeType="tmRoot">
-          <p:childTnLst>
-            <p:seq concurrent="1" nextAc="seek">
-              <p:cTn id="2" dur="indefinite" nodeType="mainSeq">
-                <p:childTnLst>
-                  <p:par>
-                    <p:cTn id="3" fill="hold">
-                      <p:stCondLst>
-                        <p:cond delay="indefinite"/>
-                      </p:stCondLst>
-                      <p:childTnLst>
-                        <p:par>
-                          <p:cTn id="4" fill="hold">
-                            <p:stCondLst>
-                              <p:cond delay="0"/>
-                            </p:stCondLst>
-                            <p:childTnLst>
-                              <p:par>
-                                <p:cTn id="5" presetID="1" presetClass="entr" presetSubtype="0" fill="hold" grpId="0" nodeType="clickEffect">
-                                  <p:stCondLst>
-                                    <p:cond delay="0"/>
-                                  </p:stCondLst>
-                                  <p:childTnLst>
-                                    <p:set>
-                                      <p:cBhvr>
-                                        <p:cTn id="6" dur="1" fill="hold">
-                                          <p:stCondLst>
-                                            <p:cond delay="0"/>
-                                          </p:stCondLst>
-                                        </p:cTn>
-                                        <p:tgtEl>
-                                          <p:spTgt spid="3"/>
-                                        </p:tgtEl>
-                                        <p:attrNameLst>
-                                          <p:attrName>style.visibility</p:attrName>
-                                        </p:attrNameLst>
-                                      </p:cBhvr>
-                                      <p:to>
-                                        <p:strVal val="visible"/>
-                                      </p:to>
-                                    </p:set>
-                                  </p:childTnLst>
-                                </p:cTn>
-                              </p:par>
-                              <p:par>
-                                <p:cTn id="7" presetID="1" presetClass="entr" presetSubtype="0" fill="hold" grpId="0" nodeType="withEffect">
-                                  <p:stCondLst>
-                                    <p:cond delay="0"/>
-                                  </p:stCondLst>
-                                  <p:childTnLst>
-                                    <p:set>
-                                      <p:cBhvr>
-                                        <p:cTn id="8" dur="1" fill="hold">
-                                          <p:stCondLst>
-                                            <p:cond delay="0"/>
-                                          </p:stCondLst>
-                                        </p:cTn>
-                                        <p:tgtEl>
-                                          <p:spTgt spid="7"/>
-                                        </p:tgtEl>
-                                        <p:attrNameLst>
-                                          <p:attrName>style.visibility</p:attrName>
-                                        </p:attrNameLst>
-                                      </p:cBhvr>
-                                      <p:to>
-                                        <p:strVal val="visible"/>
-                                      </p:to>
-                                    </p:set>
-                                  </p:childTnLst>
-                                </p:cTn>
-                              </p:par>
-                              <p:par>
-                                <p:cTn id="9" presetID="1" presetClass="entr" presetSubtype="0" fill="hold" grpId="0" nodeType="withEffect">
-                                  <p:stCondLst>
-                                    <p:cond delay="0"/>
-                                  </p:stCondLst>
-                                  <p:childTnLst>
-                                    <p:set>
-                                      <p:cBhvr>
-                                        <p:cTn id="10" dur="1" fill="hold">
-                                          <p:stCondLst>
-                                            <p:cond delay="0"/>
-                                          </p:stCondLst>
-                                        </p:cTn>
-                                        <p:tgtEl>
-                                          <p:spTgt spid="9"/>
-                                        </p:tgtEl>
-                                        <p:attrNameLst>
-                                          <p:attrName>style.visibility</p:attrName>
-                                        </p:attrNameLst>
-                                      </p:cBhvr>
-                                      <p:to>
-                                        <p:strVal val="visible"/>
-                                      </p:to>
-                                    </p:set>
-                                  </p:childTnLst>
-                                </p:cTn>
-                              </p:par>
-                            </p:childTnLst>
-                          </p:cTn>
-                        </p:par>
-                      </p:childTnLst>
-                    </p:cTn>
-                  </p:par>
-                  <p:par>
-                    <p:cTn id="11" fill="hold">
-                      <p:stCondLst>
-                        <p:cond delay="indefinite"/>
-                      </p:stCondLst>
-                      <p:childTnLst>
-                        <p:par>
-                          <p:cTn id="12" fill="hold">
-                            <p:stCondLst>
-                              <p:cond delay="0"/>
-                            </p:stCondLst>
-                            <p:childTnLst>
-                              <p:par>
-                                <p:cTn id="13" presetID="1" presetClass="entr" presetSubtype="0" fill="hold" grpId="0" nodeType="clickEffect">
-                                  <p:stCondLst>
-                                    <p:cond delay="0"/>
-                                  </p:stCondLst>
-                                  <p:childTnLst>
-                                    <p:set>
-                                      <p:cBhvr>
-                                        <p:cTn id="14" dur="1" fill="hold">
-                                          <p:stCondLst>
-                                            <p:cond delay="0"/>
-                                          </p:stCondLst>
-                                        </p:cTn>
-                                        <p:tgtEl>
-                                          <p:spTgt spid="4"/>
-                                        </p:tgtEl>
-                                        <p:attrNameLst>
-                                          <p:attrName>style.visibility</p:attrName>
-                                        </p:attrNameLst>
-                                      </p:cBhvr>
-                                      <p:to>
-                                        <p:strVal val="visible"/>
-                                      </p:to>
-                                    </p:set>
-                                  </p:childTnLst>
-                                </p:cTn>
-                              </p:par>
-                              <p:par>
-                                <p:cTn id="15" presetID="1" presetClass="entr" presetSubtype="0" fill="hold" grpId="0" nodeType="withEffect">
-                                  <p:stCondLst>
-                                    <p:cond delay="0"/>
-                                  </p:stCondLst>
-                                  <p:childTnLst>
-                                    <p:set>
-                                      <p:cBhvr>
-                                        <p:cTn id="16" dur="1" fill="hold">
-                                          <p:stCondLst>
-                                            <p:cond delay="0"/>
-                                          </p:stCondLst>
-                                        </p:cTn>
-                                        <p:tgtEl>
-                                          <p:spTgt spid="11"/>
-                                        </p:tgtEl>
-                                        <p:attrNameLst>
-                                          <p:attrName>style.visibility</p:attrName>
-                                        </p:attrNameLst>
-                                      </p:cBhvr>
-                                      <p:to>
-                                        <p:strVal val="visible"/>
-                                      </p:to>
-                                    </p:set>
-                                  </p:childTnLst>
-                                </p:cTn>
-                              </p:par>
-                              <p:par>
-                                <p:cTn id="17" presetID="1" presetClass="entr" presetSubtype="0" fill="hold" grpId="0" nodeType="withEffect">
-                                  <p:stCondLst>
-                                    <p:cond delay="0"/>
-                                  </p:stCondLst>
-                                  <p:childTnLst>
-                                    <p:set>
-                                      <p:cBhvr>
-                                        <p:cTn id="18" dur="1" fill="hold">
-                                          <p:stCondLst>
-                                            <p:cond delay="0"/>
-                                          </p:stCondLst>
-                                        </p:cTn>
-                                        <p:tgtEl>
-                                          <p:spTgt spid="13"/>
-                                        </p:tgtEl>
-                                        <p:attrNameLst>
-                                          <p:attrName>style.visibility</p:attrName>
-                                        </p:attrNameLst>
-                                      </p:cBhvr>
-                                      <p:to>
-                                        <p:strVal val="visible"/>
-                                      </p:to>
-                                    </p:set>
-                                  </p:childTnLst>
-                                </p:cTn>
-                              </p:par>
-                            </p:childTnLst>
-                          </p:cTn>
-                        </p:par>
-                      </p:childTnLst>
-                    </p:cTn>
-                  </p:par>
-                  <p:par>
-                    <p:cTn id="19" fill="hold">
-                      <p:stCondLst>
-                        <p:cond delay="indefinite"/>
-                      </p:stCondLst>
-                      <p:childTnLst>
-                        <p:par>
-                          <p:cTn id="20" fill="hold">
-                            <p:stCondLst>
-                              <p:cond delay="0"/>
-                            </p:stCondLst>
-                            <p:childTnLst>
-                              <p:par>
-                                <p:cTn id="21" presetID="1" presetClass="entr" presetSubtype="0" fill="hold" grpId="0" nodeType="clickEffect">
-                                  <p:stCondLst>
-                                    <p:cond delay="0"/>
-                                  </p:stCondLst>
-                                  <p:childTnLst>
-                                    <p:set>
-                                      <p:cBhvr>
-                                        <p:cTn id="22" dur="1" fill="hold">
-                                          <p:stCondLst>
-                                            <p:cond delay="0"/>
-                                          </p:stCondLst>
-                                        </p:cTn>
-                                        <p:tgtEl>
-                                          <p:spTgt spid="5"/>
-                                        </p:tgtEl>
-                                        <p:attrNameLst>
-                                          <p:attrName>style.visibility</p:attrName>
-                                        </p:attrNameLst>
-                                      </p:cBhvr>
-                                      <p:to>
-                                        <p:strVal val="visible"/>
-                                      </p:to>
-                                    </p:set>
-                                  </p:childTnLst>
-                                </p:cTn>
-                              </p:par>
-                              <p:par>
-                                <p:cTn id="23" presetID="1" presetClass="entr" presetSubtype="0" fill="hold" grpId="0" nodeType="withEffect">
-                                  <p:stCondLst>
-                                    <p:cond delay="0"/>
-                                  </p:stCondLst>
-                                  <p:childTnLst>
-                                    <p:set>
-                                      <p:cBhvr>
-                                        <p:cTn id="24" dur="1" fill="hold">
-                                          <p:stCondLst>
-                                            <p:cond delay="0"/>
-                                          </p:stCondLst>
-                                        </p:cTn>
-                                        <p:tgtEl>
-                                          <p:spTgt spid="15"/>
-                                        </p:tgtEl>
-                                        <p:attrNameLst>
-                                          <p:attrName>style.visibility</p:attrName>
-                                        </p:attrNameLst>
-                                      </p:cBhvr>
-                                      <p:to>
-                                        <p:strVal val="visible"/>
-                                      </p:to>
-                                    </p:set>
-                                  </p:childTnLst>
-                                </p:cTn>
-                              </p:par>
-                              <p:par>
-                                <p:cTn id="25" presetID="1" presetClass="entr" presetSubtype="0" fill="hold" grpId="0" nodeType="withEffect">
-                                  <p:stCondLst>
-                                    <p:cond delay="0"/>
-                                  </p:stCondLst>
-                                  <p:childTnLst>
-                                    <p:set>
-                                      <p:cBhvr>
-                                        <p:cTn id="26" dur="1" fill="hold">
-                                          <p:stCondLst>
-                                            <p:cond delay="0"/>
-                                          </p:stCondLst>
-                                        </p:cTn>
-                                        <p:tgtEl>
-                                          <p:spTgt spid="17"/>
-                                        </p:tgtEl>
-                                        <p:attrNameLst>
-                                          <p:attrName>style.visibility</p:attrName>
-                                        </p:attrNameLst>
-                                      </p:cBhvr>
-                                      <p:to>
-                                        <p:strVal val="visible"/>
-                                      </p:to>
-                                    </p:set>
-                                  </p:childTnLst>
-                                </p:cTn>
-                              </p:par>
-                            </p:childTnLst>
-                          </p:cTn>
-                        </p:par>
-                      </p:childTnLst>
-                    </p:cTn>
-                  </p:par>
-                </p:childTnLst>
-              </p:cTn>
-              <p:prevCondLst>
-                <p:cond evt="onPrev" delay="0">
-                  <p:tgtEl>
-                    <p:sldTgt/>
-                  </p:tgtEl>
-                </p:cond>
-              </p:prevCondLst>
-              <p:nextCondLst>
-                <p:cond evt="onNext" delay="0">
-                  <p:tgtEl>
-                    <p:sldTgt/>
-                  </p:tgtEl>
-                </p:cond>
-              </p:nextCondLst>
-            </p:seq>
-          </p:childTnLst>
-        </p:cTn>
-      </p:par>
-    </p:tnLst>
-    <p:bldLst>
-      <p:bldP spid="3" grpId="0"/>
-      <p:bldP spid="4" grpId="0"/>
-      <p:bldP spid="5" grpId="0"/>
-      <p:bldP spid="7" grpId="0"/>
-      <p:bldP spid="9" grpId="0"/>
-      <p:bldP spid="11" grpId="0"/>
-      <p:bldP spid="13" grpId="0"/>
-      <p:bldP spid="15" grpId="0"/>
-      <p:bldP spid="17" grpId="0"/>
-    </p:bldLst>
-  </p:timing>
 </p:sld>
 </file>
 
@@ -13816,6 +14082,276 @@
           </a:ln>
         </p:spPr>
       </p:pic>
+      <p:sp>
+        <p:nvSpPr>
+          <p:cNvPr id="10" name="Rectangle 9">
+            <a:extLst>
+              <a:ext uri="{FF2B5EF4-FFF2-40B4-BE49-F238E27FC236}">
+                <a16:creationId xmlns:a16="http://schemas.microsoft.com/office/drawing/2014/main" id="{2A106359-2FAB-A148-0AAB-FE5F68BEF13C}"/>
+              </a:ext>
+            </a:extLst>
+          </p:cNvPr>
+          <p:cNvSpPr/>
+          <p:nvPr/>
+        </p:nvSpPr>
+        <p:spPr>
+          <a:xfrm>
+            <a:off x="2514600" y="2382302"/>
+            <a:ext cx="150019" cy="152400"/>
+          </a:xfrm>
+          <a:prstGeom prst="rect">
+            <a:avLst/>
+          </a:prstGeom>
+          <a:noFill/>
+          <a:ln w="28575" cap="flat" cmpd="sng" algn="ctr">
+            <a:solidFill>
+              <a:schemeClr val="dk1"/>
+            </a:solidFill>
+            <a:prstDash val="solid"/>
+            <a:round/>
+            <a:headEnd type="none" w="med" len="med"/>
+            <a:tailEnd type="none" w="med" len="med"/>
+          </a:ln>
+        </p:spPr>
+        <p:style>
+          <a:lnRef idx="0">
+            <a:scrgbClr r="0" g="0" b="0"/>
+          </a:lnRef>
+          <a:fillRef idx="0">
+            <a:scrgbClr r="0" g="0" b="0"/>
+          </a:fillRef>
+          <a:effectRef idx="0">
+            <a:scrgbClr r="0" g="0" b="0"/>
+          </a:effectRef>
+          <a:fontRef idx="minor">
+            <a:schemeClr val="dk1"/>
+          </a:fontRef>
+        </p:style>
+        <p:txBody>
+          <a:bodyPr rtlCol="0" anchor="ctr"/>
+          <a:lstStyle/>
+          <a:p>
+            <a:pPr algn="ctr"/>
+            <a:endParaRPr lang="en-US"/>
+          </a:p>
+        </p:txBody>
+      </p:sp>
+      <p:sp>
+        <p:nvSpPr>
+          <p:cNvPr id="13" name="Rectangle 12">
+            <a:extLst>
+              <a:ext uri="{FF2B5EF4-FFF2-40B4-BE49-F238E27FC236}">
+                <a16:creationId xmlns:a16="http://schemas.microsoft.com/office/drawing/2014/main" id="{E0832BBB-D08C-990F-289A-30DAE7EF6776}"/>
+              </a:ext>
+            </a:extLst>
+          </p:cNvPr>
+          <p:cNvSpPr/>
+          <p:nvPr/>
+        </p:nvSpPr>
+        <p:spPr>
+          <a:xfrm>
+            <a:off x="2523818" y="3264865"/>
+            <a:ext cx="150019" cy="152400"/>
+          </a:xfrm>
+          <a:prstGeom prst="rect">
+            <a:avLst/>
+          </a:prstGeom>
+          <a:noFill/>
+          <a:ln w="28575" cap="flat" cmpd="sng" algn="ctr">
+            <a:solidFill>
+              <a:schemeClr val="dk1"/>
+            </a:solidFill>
+            <a:prstDash val="solid"/>
+            <a:round/>
+            <a:headEnd type="none" w="med" len="med"/>
+            <a:tailEnd type="none" w="med" len="med"/>
+          </a:ln>
+        </p:spPr>
+        <p:style>
+          <a:lnRef idx="0">
+            <a:scrgbClr r="0" g="0" b="0"/>
+          </a:lnRef>
+          <a:fillRef idx="0">
+            <a:scrgbClr r="0" g="0" b="0"/>
+          </a:fillRef>
+          <a:effectRef idx="0">
+            <a:scrgbClr r="0" g="0" b="0"/>
+          </a:effectRef>
+          <a:fontRef idx="minor">
+            <a:schemeClr val="dk1"/>
+          </a:fontRef>
+        </p:style>
+        <p:txBody>
+          <a:bodyPr rtlCol="0" anchor="ctr"/>
+          <a:lstStyle/>
+          <a:p>
+            <a:pPr algn="ctr"/>
+            <a:endParaRPr lang="en-US"/>
+          </a:p>
+        </p:txBody>
+      </p:sp>
+      <p:sp>
+        <p:nvSpPr>
+          <p:cNvPr id="14" name="Rectangle 13">
+            <a:extLst>
+              <a:ext uri="{FF2B5EF4-FFF2-40B4-BE49-F238E27FC236}">
+                <a16:creationId xmlns:a16="http://schemas.microsoft.com/office/drawing/2014/main" id="{4B59F746-FF70-F10B-B65B-A480561B17F6}"/>
+              </a:ext>
+            </a:extLst>
+          </p:cNvPr>
+          <p:cNvSpPr/>
+          <p:nvPr/>
+        </p:nvSpPr>
+        <p:spPr>
+          <a:xfrm>
+            <a:off x="2514600" y="5010655"/>
+            <a:ext cx="150019" cy="152400"/>
+          </a:xfrm>
+          <a:prstGeom prst="rect">
+            <a:avLst/>
+          </a:prstGeom>
+          <a:noFill/>
+          <a:ln w="28575" cap="flat" cmpd="sng" algn="ctr">
+            <a:solidFill>
+              <a:schemeClr val="dk1"/>
+            </a:solidFill>
+            <a:prstDash val="solid"/>
+            <a:round/>
+            <a:headEnd type="none" w="med" len="med"/>
+            <a:tailEnd type="none" w="med" len="med"/>
+          </a:ln>
+        </p:spPr>
+        <p:style>
+          <a:lnRef idx="0">
+            <a:scrgbClr r="0" g="0" b="0"/>
+          </a:lnRef>
+          <a:fillRef idx="0">
+            <a:scrgbClr r="0" g="0" b="0"/>
+          </a:fillRef>
+          <a:effectRef idx="0">
+            <a:scrgbClr r="0" g="0" b="0"/>
+          </a:effectRef>
+          <a:fontRef idx="minor">
+            <a:schemeClr val="dk1"/>
+          </a:fontRef>
+        </p:style>
+        <p:txBody>
+          <a:bodyPr rtlCol="0" anchor="ctr"/>
+          <a:lstStyle/>
+          <a:p>
+            <a:pPr algn="ctr"/>
+            <a:endParaRPr lang="en-US"/>
+          </a:p>
+        </p:txBody>
+      </p:sp>
+      <p:sp>
+        <p:nvSpPr>
+          <p:cNvPr id="15" name="Rectangle 14">
+            <a:extLst>
+              <a:ext uri="{FF2B5EF4-FFF2-40B4-BE49-F238E27FC236}">
+                <a16:creationId xmlns:a16="http://schemas.microsoft.com/office/drawing/2014/main" id="{5E5F1E30-EF93-2A83-69F7-FF310ACC5076}"/>
+              </a:ext>
+            </a:extLst>
+          </p:cNvPr>
+          <p:cNvSpPr/>
+          <p:nvPr/>
+        </p:nvSpPr>
+        <p:spPr>
+          <a:xfrm>
+            <a:off x="2523818" y="3929995"/>
+            <a:ext cx="150019" cy="152400"/>
+          </a:xfrm>
+          <a:prstGeom prst="rect">
+            <a:avLst/>
+          </a:prstGeom>
+          <a:noFill/>
+          <a:ln w="28575" cap="flat" cmpd="sng" algn="ctr">
+            <a:solidFill>
+              <a:schemeClr val="dk1"/>
+            </a:solidFill>
+            <a:prstDash val="solid"/>
+            <a:round/>
+            <a:headEnd type="none" w="med" len="med"/>
+            <a:tailEnd type="none" w="med" len="med"/>
+          </a:ln>
+        </p:spPr>
+        <p:style>
+          <a:lnRef idx="0">
+            <a:scrgbClr r="0" g="0" b="0"/>
+          </a:lnRef>
+          <a:fillRef idx="0">
+            <a:scrgbClr r="0" g="0" b="0"/>
+          </a:fillRef>
+          <a:effectRef idx="0">
+            <a:scrgbClr r="0" g="0" b="0"/>
+          </a:effectRef>
+          <a:fontRef idx="minor">
+            <a:schemeClr val="dk1"/>
+          </a:fontRef>
+        </p:style>
+        <p:txBody>
+          <a:bodyPr rtlCol="0" anchor="ctr"/>
+          <a:lstStyle/>
+          <a:p>
+            <a:pPr algn="ctr"/>
+            <a:endParaRPr lang="en-US"/>
+          </a:p>
+        </p:txBody>
+      </p:sp>
+      <p:sp>
+        <p:nvSpPr>
+          <p:cNvPr id="16" name="Rectangle 15">
+            <a:extLst>
+              <a:ext uri="{FF2B5EF4-FFF2-40B4-BE49-F238E27FC236}">
+                <a16:creationId xmlns:a16="http://schemas.microsoft.com/office/drawing/2014/main" id="{3E1EA7DD-9200-5534-2C7D-00F7F72FBC10}"/>
+              </a:ext>
+            </a:extLst>
+          </p:cNvPr>
+          <p:cNvSpPr/>
+          <p:nvPr/>
+        </p:nvSpPr>
+        <p:spPr>
+          <a:xfrm>
+            <a:off x="1829990" y="4754295"/>
+            <a:ext cx="150019" cy="152400"/>
+          </a:xfrm>
+          <a:prstGeom prst="rect">
+            <a:avLst/>
+          </a:prstGeom>
+          <a:noFill/>
+          <a:ln w="28575" cap="flat" cmpd="sng" algn="ctr">
+            <a:solidFill>
+              <a:schemeClr val="dk1"/>
+            </a:solidFill>
+            <a:prstDash val="solid"/>
+            <a:round/>
+            <a:headEnd type="none" w="med" len="med"/>
+            <a:tailEnd type="none" w="med" len="med"/>
+          </a:ln>
+        </p:spPr>
+        <p:style>
+          <a:lnRef idx="0">
+            <a:scrgbClr r="0" g="0" b="0"/>
+          </a:lnRef>
+          <a:fillRef idx="0">
+            <a:scrgbClr r="0" g="0" b="0"/>
+          </a:fillRef>
+          <a:effectRef idx="0">
+            <a:scrgbClr r="0" g="0" b="0"/>
+          </a:effectRef>
+          <a:fontRef idx="minor">
+            <a:schemeClr val="dk1"/>
+          </a:fontRef>
+        </p:style>
+        <p:txBody>
+          <a:bodyPr rtlCol="0" anchor="ctr"/>
+          <a:lstStyle/>
+          <a:p>
+            <a:pPr algn="ctr"/>
+            <a:endParaRPr lang="en-US"/>
+          </a:p>
+        </p:txBody>
+      </p:sp>
     </p:spTree>
     <p:extLst>
       <p:ext uri="{BB962C8B-B14F-4D97-AF65-F5344CB8AC3E}">
@@ -14074,7 +14610,7 @@
           <a:p>
             <a:r>
               <a:rPr lang="en-US" sz="2400" dirty="0"/>
-              <a:t>Self-driving cars operate in a very complicated partially observable, stochastic dynamic environment. </a:t>
+              <a:t>Self-driving cars operate in a very complicated partially observable, stochastic, and  dynamic environment. </a:t>
             </a:r>
           </a:p>
           <a:p>
@@ -14086,7 +14622,7 @@
           <a:p>
             <a:r>
               <a:rPr lang="en-US" sz="2400" dirty="0"/>
-              <a:t>Require a set of different agents to cooperate.</a:t>
+              <a:t>Require a set of different agents that cooperate.</a:t>
             </a:r>
           </a:p>
         </p:txBody>

--- a/slides/02_agents_discussion.pptx
+++ b/slides/02_agents_discussion.pptx
@@ -6034,7 +6034,7 @@
             <a:fld id="{C590261E-DED2-4ECB-93F0-6041BFF84361}" type="datetimeFigureOut">
               <a:rPr lang="en-US" smtClean="0"/>
               <a:pPr/>
-              <a:t>9/11/2024</a:t>
+              <a:t>11/26/2024</a:t>
             </a:fld>
             <a:endParaRPr lang="en-US"/>
           </a:p>
@@ -9991,10 +9991,13 @@
       </p:sp>
       <p:pic>
         <p:nvPicPr>
-          <p:cNvPr id="1026" name="Picture 2" descr="Robot at the British Library Science Fiction Exhibition">
+          <p:cNvPr id="1026" name="Picture 2">
             <a:extLst>
               <a:ext uri="{FF2B5EF4-FFF2-40B4-BE49-F238E27FC236}">
                 <a16:creationId xmlns:a16="http://schemas.microsoft.com/office/drawing/2014/main" id="{AE5B7659-5440-4C5D-BF12-8650731C1C16}"/>
+              </a:ext>
+              <a:ext uri="{C183D7F6-B498-43B3-948B-1728B52AA6E4}">
+                <adec:decorative xmlns:adec="http://schemas.microsoft.com/office/drawing/2017/decorative" val="1"/>
               </a:ext>
             </a:extLst>
           </p:cNvPr>
@@ -10171,6 +10174,49 @@
       </p:sp>
       <p:sp>
         <p:nvSpPr>
+          <p:cNvPr id="2" name="TextBox 1">
+            <a:extLst>
+              <a:ext uri="{FF2B5EF4-FFF2-40B4-BE49-F238E27FC236}">
+                <a16:creationId xmlns:a16="http://schemas.microsoft.com/office/drawing/2014/main" id="{B9FC7274-F5AC-E29D-A377-AAED5E7A3573}"/>
+              </a:ext>
+              <a:ext uri="{C183D7F6-B498-43B3-948B-1728B52AA6E4}">
+                <adec:decorative xmlns:adec="http://schemas.microsoft.com/office/drawing/2017/decorative" val="1"/>
+              </a:ext>
+            </a:extLst>
+          </p:cNvPr>
+          <p:cNvSpPr txBox="1"/>
+          <p:nvPr/>
+        </p:nvSpPr>
+        <p:spPr>
+          <a:xfrm rot="2099715">
+            <a:off x="1208326" y="632636"/>
+            <a:ext cx="1828800" cy="538609"/>
+          </a:xfrm>
+          <a:prstGeom prst="rect">
+            <a:avLst/>
+          </a:prstGeom>
+          <a:noFill/>
+        </p:spPr>
+        <p:txBody>
+          <a:bodyPr wrap="square" rtlCol="0">
+            <a:spAutoFit/>
+          </a:bodyPr>
+          <a:lstStyle/>
+          <a:p>
+            <a:pPr algn="ctr"/>
+            <a:r>
+              <a:rPr lang="en-US" sz="2900" b="1" dirty="0">
+                <a:latin typeface="+mj-lt"/>
+                <a:ea typeface="+mj-ea"/>
+                <a:cs typeface="+mj-cs"/>
+              </a:rPr>
+              <a:t>Discussion</a:t>
+            </a:r>
+          </a:p>
+        </p:txBody>
+      </p:sp>
+      <p:sp>
+        <p:nvSpPr>
           <p:cNvPr id="8" name="Subtitle 1">
             <a:extLst>
               <a:ext uri="{FF2B5EF4-FFF2-40B4-BE49-F238E27FC236}">
@@ -10388,6 +10434,9 @@
               <a:ext uri="{FF2B5EF4-FFF2-40B4-BE49-F238E27FC236}">
                 <a16:creationId xmlns:a16="http://schemas.microsoft.com/office/drawing/2014/main" id="{4C3C116D-ED66-40ED-AFB0-7D0CA9A0182C}"/>
               </a:ext>
+              <a:ext uri="{C183D7F6-B498-43B3-948B-1728B52AA6E4}">
+                <adec:decorative xmlns:adec="http://schemas.microsoft.com/office/drawing/2017/decorative" val="1"/>
+              </a:ext>
             </a:extLst>
           </p:cNvPr>
           <p:cNvSpPr txBox="1"/>
@@ -10461,10 +10510,13 @@
       </p:sp>
       <p:pic>
         <p:nvPicPr>
-          <p:cNvPr id="1028" name="Picture 4" descr="Creative Commons License">
+          <p:cNvPr id="1028" name="Picture 4">
             <a:extLst>
               <a:ext uri="{FF2B5EF4-FFF2-40B4-BE49-F238E27FC236}">
                 <a16:creationId xmlns:a16="http://schemas.microsoft.com/office/drawing/2014/main" id="{2BB06AE9-068B-4E97-8907-09A9E5C5507E}"/>
+              </a:ext>
+              <a:ext uri="{C183D7F6-B498-43B3-948B-1728B52AA6E4}">
+                <adec:decorative xmlns:adec="http://schemas.microsoft.com/office/drawing/2017/decorative" val="1"/>
               </a:ext>
             </a:extLst>
           </p:cNvPr>
@@ -10625,46 +10677,6 @@
           </a:p>
         </p:txBody>
       </p:sp>
-      <p:sp>
-        <p:nvSpPr>
-          <p:cNvPr id="2" name="TextBox 1">
-            <a:extLst>
-              <a:ext uri="{FF2B5EF4-FFF2-40B4-BE49-F238E27FC236}">
-                <a16:creationId xmlns:a16="http://schemas.microsoft.com/office/drawing/2014/main" id="{B9FC7274-F5AC-E29D-A377-AAED5E7A3573}"/>
-              </a:ext>
-            </a:extLst>
-          </p:cNvPr>
-          <p:cNvSpPr txBox="1"/>
-          <p:nvPr/>
-        </p:nvSpPr>
-        <p:spPr>
-          <a:xfrm rot="2099715">
-            <a:off x="1208326" y="632636"/>
-            <a:ext cx="1828800" cy="538609"/>
-          </a:xfrm>
-          <a:prstGeom prst="rect">
-            <a:avLst/>
-          </a:prstGeom>
-          <a:noFill/>
-        </p:spPr>
-        <p:txBody>
-          <a:bodyPr wrap="square" rtlCol="0">
-            <a:spAutoFit/>
-          </a:bodyPr>
-          <a:lstStyle/>
-          <a:p>
-            <a:pPr algn="ctr"/>
-            <a:r>
-              <a:rPr lang="en-US" sz="2900" b="1" dirty="0">
-                <a:latin typeface="+mj-lt"/>
-                <a:ea typeface="+mj-ea"/>
-                <a:cs typeface="+mj-cs"/>
-              </a:rPr>
-              <a:t>Discussion</a:t>
-            </a:r>
-          </a:p>
-        </p:txBody>
-      </p:sp>
     </p:spTree>
   </p:cSld>
   <p:clrMapOvr>
@@ -10692,10 +10704,13 @@
       </p:grpSpPr>
       <p:pic>
         <p:nvPicPr>
-          <p:cNvPr id="5" name="Picture 2" descr="California to allow testing of self-driving cars without a driver">
+          <p:cNvPr id="5" name="Picture 2">
             <a:extLst>
               <a:ext uri="{FF2B5EF4-FFF2-40B4-BE49-F238E27FC236}">
                 <a16:creationId xmlns:a16="http://schemas.microsoft.com/office/drawing/2014/main" id="{19DEE9E3-4392-126F-234A-9F42A3DE4F99}"/>
+              </a:ext>
+              <a:ext uri="{C183D7F6-B498-43B3-948B-1728B52AA6E4}">
+                <adec:decorative xmlns:adec="http://schemas.microsoft.com/office/drawing/2017/decorative" val="1"/>
               </a:ext>
             </a:extLst>
           </p:cNvPr>
@@ -10766,10 +10781,13 @@
       </p:pic>
       <p:pic>
         <p:nvPicPr>
-          <p:cNvPr id="4" name="Picture 4" descr="Does it work? We put Tesla’s Autopilot to the test | CAR Magazine">
+          <p:cNvPr id="4" name="Picture 4">
             <a:extLst>
               <a:ext uri="{FF2B5EF4-FFF2-40B4-BE49-F238E27FC236}">
                 <a16:creationId xmlns:a16="http://schemas.microsoft.com/office/drawing/2014/main" id="{DC20D215-E341-42A1-A360-25E5EA2B2609}"/>
+              </a:ext>
+              <a:ext uri="{C183D7F6-B498-43B3-948B-1728B52AA6E4}">
+                <adec:decorative xmlns:adec="http://schemas.microsoft.com/office/drawing/2017/decorative" val="1"/>
               </a:ext>
             </a:extLst>
           </p:cNvPr>
@@ -11005,6 +11023,9 @@
             <a:extLst>
               <a:ext uri="{FF2B5EF4-FFF2-40B4-BE49-F238E27FC236}">
                 <a16:creationId xmlns:a16="http://schemas.microsoft.com/office/drawing/2014/main" id="{34DF33D4-366B-5510-395E-9B68207E5AD8}"/>
+              </a:ext>
+              <a:ext uri="{C183D7F6-B498-43B3-948B-1728B52AA6E4}">
+                <adec:decorative xmlns:adec="http://schemas.microsoft.com/office/drawing/2017/decorative" val="1"/>
               </a:ext>
             </a:extLst>
           </p:cNvPr>
@@ -11437,6 +11458,9 @@
             <a:extLst>
               <a:ext uri="{FF2B5EF4-FFF2-40B4-BE49-F238E27FC236}">
                 <a16:creationId xmlns:a16="http://schemas.microsoft.com/office/drawing/2014/main" id="{20AD6A81-08C9-5A19-F0F1-4B885C542F0D}"/>
+              </a:ext>
+              <a:ext uri="{C183D7F6-B498-43B3-948B-1728B52AA6E4}">
+                <adec:decorative xmlns:adec="http://schemas.microsoft.com/office/drawing/2017/decorative" val="1"/>
               </a:ext>
             </a:extLst>
           </p:cNvPr>
@@ -11798,7 +11822,7 @@
       </p:sp>
       <p:graphicFrame>
         <p:nvGraphicFramePr>
-          <p:cNvPr id="4" name="Content Placeholder 3">
+          <p:cNvPr id="4" name="Content Placeholder 3" descr="PEAS Tables">
             <a:extLst>
               <a:ext uri="{FF2B5EF4-FFF2-40B4-BE49-F238E27FC236}">
                 <a16:creationId xmlns:a16="http://schemas.microsoft.com/office/drawing/2014/main" id="{9C8EE6A5-115B-4250-A57D-7EA0DC7DDAE6}"/>
@@ -11812,7 +11836,7 @@
             <p:ph idx="1"/>
             <p:extLst>
               <p:ext uri="{D42A27DB-BD31-4B8C-83A1-F6EECF244321}">
-                <p14:modId xmlns:p14="http://schemas.microsoft.com/office/powerpoint/2010/main" val="1119852024"/>
+                <p14:modId xmlns:p14="http://schemas.microsoft.com/office/powerpoint/2010/main" val="2520200847"/>
               </p:ext>
             </p:extLst>
           </p:nvPr>
@@ -11833,6 +11857,9 @@
             <a:extLst>
               <a:ext uri="{FF2B5EF4-FFF2-40B4-BE49-F238E27FC236}">
                 <a16:creationId xmlns:a16="http://schemas.microsoft.com/office/drawing/2014/main" id="{C501DE79-BED8-664A-A7F5-916398E4B557}"/>
+              </a:ext>
+              <a:ext uri="{C183D7F6-B498-43B3-948B-1728B52AA6E4}">
+                <adec:decorative xmlns:adec="http://schemas.microsoft.com/office/drawing/2017/decorative" val="1"/>
               </a:ext>
             </a:extLst>
           </p:cNvPr>
@@ -11932,10 +11959,83 @@
       </p:grpSpPr>
       <p:sp>
         <p:nvSpPr>
-          <p:cNvPr id="11" name="Rectangle 10">
+          <p:cNvPr id="2" name="Title 1">
+            <a:extLst>
+              <a:ext uri="{FF2B5EF4-FFF2-40B4-BE49-F238E27FC236}">
+                <a16:creationId xmlns:a16="http://schemas.microsoft.com/office/drawing/2014/main" id="{4E5EB913-C294-4869-8267-9373CE4E67B6}"/>
+              </a:ext>
+            </a:extLst>
+          </p:cNvPr>
+          <p:cNvSpPr>
+            <a:spLocks noGrp="1"/>
+          </p:cNvSpPr>
+          <p:nvPr>
+            <p:ph type="title"/>
+          </p:nvPr>
+        </p:nvSpPr>
+        <p:spPr>
+          <a:xfrm>
+            <a:off x="628650" y="365126"/>
+            <a:ext cx="7886700" cy="713163"/>
+          </a:xfrm>
+        </p:spPr>
+        <p:txBody>
+          <a:bodyPr>
+            <a:normAutofit/>
+          </a:bodyPr>
+          <a:lstStyle/>
+          <a:p>
+            <a:r>
+              <a:rPr lang="en-US" dirty="0"/>
+              <a:t>Percepts and States: Self-Driving Car</a:t>
+            </a:r>
+          </a:p>
+        </p:txBody>
+      </p:sp>
+      <p:sp>
+        <p:nvSpPr>
+          <p:cNvPr id="3" name="TextBox 2">
+            <a:extLst>
+              <a:ext uri="{FF2B5EF4-FFF2-40B4-BE49-F238E27FC236}">
+                <a16:creationId xmlns:a16="http://schemas.microsoft.com/office/drawing/2014/main" id="{A8BD2AA4-3A41-666C-9A21-13E65F063BC0}"/>
+              </a:ext>
+            </a:extLst>
+          </p:cNvPr>
+          <p:cNvSpPr txBox="1"/>
+          <p:nvPr/>
+        </p:nvSpPr>
+        <p:spPr>
+          <a:xfrm>
+            <a:off x="1060040" y="1034768"/>
+            <a:ext cx="3638550" cy="338554"/>
+          </a:xfrm>
+          <a:prstGeom prst="rect">
+            <a:avLst/>
+          </a:prstGeom>
+          <a:noFill/>
+        </p:spPr>
+        <p:txBody>
+          <a:bodyPr wrap="square" rtlCol="0">
+            <a:spAutoFit/>
+          </a:bodyPr>
+          <a:lstStyle/>
+          <a:p>
+            <a:r>
+              <a:rPr lang="en-US" sz="1600" dirty="0"/>
+              <a:t>Describe percepts and states.</a:t>
+            </a:r>
+          </a:p>
+        </p:txBody>
+      </p:sp>
+      <p:sp>
+        <p:nvSpPr>
+          <p:cNvPr id="11" name="Rectangle 10" descr="An empty table for percepts and states,">
             <a:extLst>
               <a:ext uri="{FF2B5EF4-FFF2-40B4-BE49-F238E27FC236}">
                 <a16:creationId xmlns:a16="http://schemas.microsoft.com/office/drawing/2014/main" id="{86DF5C27-232E-48B7-8171-EA8A2E3A93E7}"/>
+              </a:ext>
+              <a:ext uri="{C183D7F6-B498-43B3-948B-1728B52AA6E4}">
+                <adec:decorative xmlns:adec="http://schemas.microsoft.com/office/drawing/2017/decorative" val="0"/>
               </a:ext>
             </a:extLst>
           </p:cNvPr>
@@ -11976,45 +12076,13 @@
       </p:sp>
       <p:sp>
         <p:nvSpPr>
-          <p:cNvPr id="2" name="Title 1">
-            <a:extLst>
-              <a:ext uri="{FF2B5EF4-FFF2-40B4-BE49-F238E27FC236}">
-                <a16:creationId xmlns:a16="http://schemas.microsoft.com/office/drawing/2014/main" id="{4E5EB913-C294-4869-8267-9373CE4E67B6}"/>
-              </a:ext>
-            </a:extLst>
-          </p:cNvPr>
-          <p:cNvSpPr>
-            <a:spLocks noGrp="1"/>
-          </p:cNvSpPr>
-          <p:nvPr>
-            <p:ph type="title"/>
-          </p:nvPr>
-        </p:nvSpPr>
-        <p:spPr>
-          <a:xfrm>
-            <a:off x="628650" y="365126"/>
-            <a:ext cx="7886700" cy="713163"/>
-          </a:xfrm>
-        </p:spPr>
-        <p:txBody>
-          <a:bodyPr>
-            <a:normAutofit/>
-          </a:bodyPr>
-          <a:lstStyle/>
-          <a:p>
-            <a:r>
-              <a:rPr lang="en-US" dirty="0"/>
-              <a:t>Percepts and States: Self-Driving Car</a:t>
-            </a:r>
-          </a:p>
-        </p:txBody>
-      </p:sp>
-      <p:sp>
-        <p:nvSpPr>
           <p:cNvPr id="12" name="TextBox 11">
             <a:extLst>
               <a:ext uri="{FF2B5EF4-FFF2-40B4-BE49-F238E27FC236}">
                 <a16:creationId xmlns:a16="http://schemas.microsoft.com/office/drawing/2014/main" id="{88BED5A7-33F5-44FF-A8D2-C1229027E120}"/>
+              </a:ext>
+              <a:ext uri="{C183D7F6-B498-43B3-948B-1728B52AA6E4}">
+                <adec:decorative xmlns:adec="http://schemas.microsoft.com/office/drawing/2017/decorative" val="1"/>
               </a:ext>
             </a:extLst>
           </p:cNvPr>
@@ -12052,6 +12120,9 @@
               <a:ext uri="{FF2B5EF4-FFF2-40B4-BE49-F238E27FC236}">
                 <a16:creationId xmlns:a16="http://schemas.microsoft.com/office/drawing/2014/main" id="{DF174D32-43A7-4A26-B966-801AF47D5F09}"/>
               </a:ext>
+              <a:ext uri="{C183D7F6-B498-43B3-948B-1728B52AA6E4}">
+                <adec:decorative xmlns:adec="http://schemas.microsoft.com/office/drawing/2017/decorative" val="1"/>
+              </a:ext>
             </a:extLst>
           </p:cNvPr>
           <p:cNvSpPr txBox="1"/>
@@ -12090,6 +12161,9 @@
             <a:extLst>
               <a:ext uri="{FF2B5EF4-FFF2-40B4-BE49-F238E27FC236}">
                 <a16:creationId xmlns:a16="http://schemas.microsoft.com/office/drawing/2014/main" id="{54176349-B70C-1AEC-89C0-6BF966029371}"/>
+              </a:ext>
+              <a:ext uri="{C183D7F6-B498-43B3-948B-1728B52AA6E4}">
+                <adec:decorative xmlns:adec="http://schemas.microsoft.com/office/drawing/2017/decorative" val="1"/>
               </a:ext>
             </a:extLst>
           </p:cNvPr>
@@ -12138,6 +12212,9 @@
               <a:ext uri="{FF2B5EF4-FFF2-40B4-BE49-F238E27FC236}">
                 <a16:creationId xmlns:a16="http://schemas.microsoft.com/office/drawing/2014/main" id="{40A742E5-9DB6-B5E0-2C9D-7BB6A1D48E7C}"/>
               </a:ext>
+              <a:ext uri="{C183D7F6-B498-43B3-948B-1728B52AA6E4}">
+                <adec:decorative xmlns:adec="http://schemas.microsoft.com/office/drawing/2017/decorative" val="1"/>
+              </a:ext>
             </a:extLst>
           </p:cNvPr>
           <p:cNvPicPr>
@@ -12169,41 +12246,6 @@
           </a:ln>
         </p:spPr>
       </p:pic>
-      <p:sp>
-        <p:nvSpPr>
-          <p:cNvPr id="3" name="TextBox 2">
-            <a:extLst>
-              <a:ext uri="{FF2B5EF4-FFF2-40B4-BE49-F238E27FC236}">
-                <a16:creationId xmlns:a16="http://schemas.microsoft.com/office/drawing/2014/main" id="{A8BD2AA4-3A41-666C-9A21-13E65F063BC0}"/>
-              </a:ext>
-            </a:extLst>
-          </p:cNvPr>
-          <p:cNvSpPr txBox="1"/>
-          <p:nvPr/>
-        </p:nvSpPr>
-        <p:spPr>
-          <a:xfrm>
-            <a:off x="1060040" y="1034768"/>
-            <a:ext cx="3638550" cy="338554"/>
-          </a:xfrm>
-          <a:prstGeom prst="rect">
-            <a:avLst/>
-          </a:prstGeom>
-          <a:noFill/>
-        </p:spPr>
-        <p:txBody>
-          <a:bodyPr wrap="square" rtlCol="0">
-            <a:spAutoFit/>
-          </a:bodyPr>
-          <a:lstStyle/>
-          <a:p>
-            <a:r>
-              <a:rPr lang="en-US" sz="1600" dirty="0"/>
-              <a:t>Describe percepts and states.</a:t>
-            </a:r>
-          </a:p>
-        </p:txBody>
-      </p:sp>
     </p:spTree>
     <p:extLst>
       <p:ext uri="{BB962C8B-B14F-4D97-AF65-F5344CB8AC3E}">
@@ -12240,6 +12282,9 @@
             <a:extLst>
               <a:ext uri="{FF2B5EF4-FFF2-40B4-BE49-F238E27FC236}">
                 <a16:creationId xmlns:a16="http://schemas.microsoft.com/office/drawing/2014/main" id="{BA80952D-B85D-4F0D-B7D7-FD1AEFB93BCD}"/>
+              </a:ext>
+              <a:ext uri="{C183D7F6-B498-43B3-948B-1728B52AA6E4}">
+                <adec:decorative xmlns:adec="http://schemas.microsoft.com/office/drawing/2017/decorative" val="1"/>
               </a:ext>
             </a:extLst>
           </p:cNvPr>
@@ -12512,6 +12557,9 @@
             <a:extLst>
               <a:ext uri="{FF2B5EF4-FFF2-40B4-BE49-F238E27FC236}">
                 <a16:creationId xmlns:a16="http://schemas.microsoft.com/office/drawing/2014/main" id="{F0A05423-8641-4938-9DCF-1B35787E5046}"/>
+              </a:ext>
+              <a:ext uri="{C183D7F6-B498-43B3-948B-1728B52AA6E4}">
+                <adec:decorative xmlns:adec="http://schemas.microsoft.com/office/drawing/2017/decorative" val="1"/>
               </a:ext>
             </a:extLst>
           </p:cNvPr>
@@ -12598,6 +12646,65 @@
       </p:sp>
       <p:sp>
         <p:nvSpPr>
+          <p:cNvPr id="7" name="TextBox 6">
+            <a:extLst>
+              <a:ext uri="{FF2B5EF4-FFF2-40B4-BE49-F238E27FC236}">
+                <a16:creationId xmlns:a16="http://schemas.microsoft.com/office/drawing/2014/main" id="{DEA7DB37-EDD5-07F3-AF05-F2C68E2B27D3}"/>
+              </a:ext>
+            </a:extLst>
+          </p:cNvPr>
+          <p:cNvSpPr txBox="1"/>
+          <p:nvPr/>
+        </p:nvSpPr>
+        <p:spPr>
+          <a:xfrm>
+            <a:off x="731044" y="1645754"/>
+            <a:ext cx="3124200" cy="523220"/>
+          </a:xfrm>
+          <a:prstGeom prst="rect">
+            <a:avLst/>
+          </a:prstGeom>
+          <a:noFill/>
+        </p:spPr>
+        <p:txBody>
+          <a:bodyPr wrap="square">
+            <a:spAutoFit/>
+          </a:bodyPr>
+          <a:lstStyle/>
+          <a:p>
+            <a:pPr marL="0" indent="0">
+              <a:buNone/>
+            </a:pPr>
+            <a:r>
+              <a:rPr lang="en-US" sz="1400" b="1" dirty="0">
+                <a:solidFill>
+                  <a:srgbClr val="FF0000"/>
+                </a:solidFill>
+              </a:rPr>
+              <a:t>Fully observable: </a:t>
+            </a:r>
+            <a:r>
+              <a:rPr lang="en-US" sz="1400" dirty="0"/>
+              <a:t>The agent’s sensors always show the whole </a:t>
+            </a:r>
+            <a:r>
+              <a:rPr lang="en-US" sz="1400" b="1" dirty="0"/>
+              <a:t>state</a:t>
+            </a:r>
+            <a:r>
+              <a:rPr lang="en-US" sz="1400" dirty="0"/>
+              <a:t>.</a:t>
+            </a:r>
+            <a:endParaRPr lang="en-US" sz="1400" b="1" dirty="0">
+              <a:solidFill>
+                <a:srgbClr val="FF0000"/>
+              </a:solidFill>
+            </a:endParaRPr>
+          </a:p>
+        </p:txBody>
+      </p:sp>
+      <p:sp>
+        <p:nvSpPr>
           <p:cNvPr id="3" name="TextBox 2">
             <a:extLst>
               <a:ext uri="{FF2B5EF4-FFF2-40B4-BE49-F238E27FC236}">
@@ -12637,6 +12744,139 @@
       </p:sp>
       <p:sp>
         <p:nvSpPr>
+          <p:cNvPr id="9" name="TextBox 8">
+            <a:extLst>
+              <a:ext uri="{FF2B5EF4-FFF2-40B4-BE49-F238E27FC236}">
+                <a16:creationId xmlns:a16="http://schemas.microsoft.com/office/drawing/2014/main" id="{DE87FCA1-B948-8AB0-0850-212AAF1F9022}"/>
+              </a:ext>
+            </a:extLst>
+          </p:cNvPr>
+          <p:cNvSpPr txBox="1"/>
+          <p:nvPr/>
+        </p:nvSpPr>
+        <p:spPr>
+          <a:xfrm>
+            <a:off x="4687491" y="1600200"/>
+            <a:ext cx="3495676" cy="738664"/>
+          </a:xfrm>
+          <a:prstGeom prst="rect">
+            <a:avLst/>
+          </a:prstGeom>
+          <a:noFill/>
+        </p:spPr>
+        <p:txBody>
+          <a:bodyPr wrap="square">
+            <a:spAutoFit/>
+          </a:bodyPr>
+          <a:lstStyle/>
+          <a:p>
+            <a:r>
+              <a:rPr lang="en-US" sz="1400" b="1" dirty="0">
+                <a:solidFill>
+                  <a:srgbClr val="FF0000"/>
+                </a:solidFill>
+              </a:rPr>
+              <a:t>Partially observable: </a:t>
+            </a:r>
+            <a:r>
+              <a:rPr lang="en-US" sz="1400" dirty="0"/>
+              <a:t>The agent only perceives part of the </a:t>
+            </a:r>
+            <a:r>
+              <a:rPr lang="en-US" sz="1400" b="1" dirty="0"/>
+              <a:t>state</a:t>
+            </a:r>
+            <a:r>
+              <a:rPr lang="en-US" sz="1400" dirty="0"/>
+              <a:t> and needs to remember or infer the test.</a:t>
+            </a:r>
+          </a:p>
+        </p:txBody>
+      </p:sp>
+      <p:sp>
+        <p:nvSpPr>
+          <p:cNvPr id="11" name="TextBox 10">
+            <a:extLst>
+              <a:ext uri="{FF2B5EF4-FFF2-40B4-BE49-F238E27FC236}">
+                <a16:creationId xmlns:a16="http://schemas.microsoft.com/office/drawing/2014/main" id="{C88C0C5A-BE06-2C42-743D-46DB9EA4EBB2}"/>
+              </a:ext>
+            </a:extLst>
+          </p:cNvPr>
+          <p:cNvSpPr txBox="1"/>
+          <p:nvPr/>
+        </p:nvSpPr>
+        <p:spPr>
+          <a:xfrm>
+            <a:off x="713261" y="2963113"/>
+            <a:ext cx="3352800" cy="1384995"/>
+          </a:xfrm>
+          <a:prstGeom prst="rect">
+            <a:avLst/>
+          </a:prstGeom>
+          <a:noFill/>
+        </p:spPr>
+        <p:txBody>
+          <a:bodyPr wrap="square">
+            <a:spAutoFit/>
+          </a:bodyPr>
+          <a:lstStyle/>
+          <a:p>
+            <a:pPr marL="0" indent="0">
+              <a:buNone/>
+            </a:pPr>
+            <a:r>
+              <a:rPr lang="en-US" sz="1400" b="1" dirty="0">
+                <a:solidFill>
+                  <a:srgbClr val="FF0000"/>
+                </a:solidFill>
+              </a:rPr>
+              <a:t>Deterministic: </a:t>
+            </a:r>
+          </a:p>
+          <a:p>
+            <a:pPr marL="342900" indent="-342900">
+              <a:buFont typeface="+mj-lt"/>
+              <a:buAutoNum type="alphaLcParenR"/>
+            </a:pPr>
+            <a:r>
+              <a:rPr lang="en-US" sz="1400" b="1" dirty="0"/>
+              <a:t>Percepts</a:t>
+            </a:r>
+            <a:r>
+              <a:rPr lang="en-US" sz="1400" dirty="0"/>
+              <a:t> are 100% reliable</a:t>
+            </a:r>
+          </a:p>
+          <a:p>
+            <a:pPr marL="342900" indent="-342900">
+              <a:buFont typeface="+mj-lt"/>
+              <a:buAutoNum type="alphaLcParenR"/>
+            </a:pPr>
+            <a:r>
+              <a:rPr lang="en-US" sz="1400" dirty="0"/>
+              <a:t>Changes in the environment are completely determined by the current </a:t>
+            </a:r>
+            <a:r>
+              <a:rPr lang="en-US" sz="1400" b="1" dirty="0"/>
+              <a:t>state</a:t>
+            </a:r>
+            <a:r>
+              <a:rPr lang="en-US" sz="1400" dirty="0"/>
+              <a:t> of the environment and the agent’s </a:t>
+            </a:r>
+            <a:r>
+              <a:rPr lang="en-US" sz="1400" b="1" dirty="0"/>
+              <a:t>action</a:t>
+            </a:r>
+            <a:r>
+              <a:rPr lang="en-US" sz="1400" dirty="0"/>
+              <a:t>.</a:t>
+            </a:r>
+          </a:p>
+        </p:txBody>
+      </p:sp>
+      <p:sp>
+        <p:nvSpPr>
           <p:cNvPr id="4" name="TextBox 3">
             <a:extLst>
               <a:ext uri="{FF2B5EF4-FFF2-40B4-BE49-F238E27FC236}">
@@ -12676,6 +12916,144 @@
       </p:sp>
       <p:sp>
         <p:nvSpPr>
+          <p:cNvPr id="13" name="TextBox 12">
+            <a:extLst>
+              <a:ext uri="{FF2B5EF4-FFF2-40B4-BE49-F238E27FC236}">
+                <a16:creationId xmlns:a16="http://schemas.microsoft.com/office/drawing/2014/main" id="{40D4564F-4CA9-E994-AEFA-685152CE3843}"/>
+              </a:ext>
+            </a:extLst>
+          </p:cNvPr>
+          <p:cNvSpPr txBox="1"/>
+          <p:nvPr/>
+        </p:nvSpPr>
+        <p:spPr>
+          <a:xfrm>
+            <a:off x="4726781" y="2946481"/>
+            <a:ext cx="3807619" cy="1815882"/>
+          </a:xfrm>
+          <a:prstGeom prst="rect">
+            <a:avLst/>
+          </a:prstGeom>
+          <a:noFill/>
+        </p:spPr>
+        <p:txBody>
+          <a:bodyPr wrap="square">
+            <a:spAutoFit/>
+          </a:bodyPr>
+          <a:lstStyle/>
+          <a:p>
+            <a:pPr marL="0" indent="0">
+              <a:buNone/>
+            </a:pPr>
+            <a:r>
+              <a:rPr lang="en-US" sz="1400" b="1" dirty="0">
+                <a:solidFill>
+                  <a:srgbClr val="FF0000"/>
+                </a:solidFill>
+              </a:rPr>
+              <a:t>Stochastic: </a:t>
+            </a:r>
+          </a:p>
+          <a:p>
+            <a:pPr marL="342900" indent="-342900">
+              <a:buFont typeface="+mj-lt"/>
+              <a:buAutoNum type="alphaLcParenR"/>
+            </a:pPr>
+            <a:r>
+              <a:rPr lang="en-US" sz="1400" b="1" dirty="0"/>
+              <a:t>Percepts</a:t>
+            </a:r>
+            <a:r>
+              <a:rPr lang="en-US" sz="1400" dirty="0"/>
+              <a:t> are unreliable (noise distribution, sensor failure probability, etc.). This is called a stochastic sensor model.</a:t>
+            </a:r>
+            <a:endParaRPr lang="en-US" dirty="0"/>
+          </a:p>
+          <a:p>
+            <a:pPr marL="342900" indent="-342900">
+              <a:buFont typeface="+mj-lt"/>
+              <a:buAutoNum type="alphaLcParenR"/>
+            </a:pPr>
+            <a:r>
+              <a:rPr lang="en-US" sz="1400" dirty="0"/>
+              <a:t>The </a:t>
+            </a:r>
+            <a:r>
+              <a:rPr lang="en-US" sz="1400" b="1" dirty="0"/>
+              <a:t>transition function </a:t>
+            </a:r>
+            <a:r>
+              <a:rPr lang="en-US" sz="1400" dirty="0"/>
+              <a:t>is stochastic leading to transition probabilities and a Markov process.</a:t>
+            </a:r>
+            <a:br>
+              <a:rPr lang="en-US" sz="1400" dirty="0"/>
+            </a:br>
+            <a:endParaRPr lang="en-US" sz="1400" dirty="0"/>
+          </a:p>
+        </p:txBody>
+      </p:sp>
+      <p:sp>
+        <p:nvSpPr>
+          <p:cNvPr id="15" name="TextBox 14">
+            <a:extLst>
+              <a:ext uri="{FF2B5EF4-FFF2-40B4-BE49-F238E27FC236}">
+                <a16:creationId xmlns:a16="http://schemas.microsoft.com/office/drawing/2014/main" id="{7DA81E99-A152-2A54-2420-D8BB4FF0A789}"/>
+              </a:ext>
+            </a:extLst>
+          </p:cNvPr>
+          <p:cNvSpPr txBox="1"/>
+          <p:nvPr/>
+        </p:nvSpPr>
+        <p:spPr>
+          <a:xfrm>
+            <a:off x="761999" y="4917979"/>
+            <a:ext cx="3192066" cy="523220"/>
+          </a:xfrm>
+          <a:prstGeom prst="rect">
+            <a:avLst/>
+          </a:prstGeom>
+          <a:noFill/>
+        </p:spPr>
+        <p:txBody>
+          <a:bodyPr wrap="square">
+            <a:spAutoFit/>
+          </a:bodyPr>
+          <a:lstStyle/>
+          <a:p>
+            <a:pPr marL="0" indent="0">
+              <a:buNone/>
+            </a:pPr>
+            <a:r>
+              <a:rPr lang="en-US" sz="1400" b="1" dirty="0">
+                <a:solidFill>
+                  <a:srgbClr val="FF0000"/>
+                </a:solidFill>
+              </a:rPr>
+              <a:t>Known:</a:t>
+            </a:r>
+            <a:r>
+              <a:rPr lang="en-US" sz="1400" dirty="0"/>
+              <a:t> The agent knows the </a:t>
+            </a:r>
+            <a:r>
+              <a:rPr lang="en-US" sz="1400" b="1" dirty="0"/>
+              <a:t>transition function</a:t>
+            </a:r>
+            <a:r>
+              <a:rPr lang="en-US" sz="1400" dirty="0"/>
+              <a:t>. </a:t>
+            </a:r>
+            <a:endParaRPr lang="en-US" sz="1400" b="1" dirty="0">
+              <a:solidFill>
+                <a:srgbClr val="FF0000"/>
+              </a:solidFill>
+            </a:endParaRPr>
+          </a:p>
+        </p:txBody>
+      </p:sp>
+      <p:sp>
+        <p:nvSpPr>
           <p:cNvPr id="5" name="TextBox 4">
             <a:extLst>
               <a:ext uri="{FF2B5EF4-FFF2-40B4-BE49-F238E27FC236}">
@@ -12715,336 +13093,6 @@
       </p:sp>
       <p:sp>
         <p:nvSpPr>
-          <p:cNvPr id="7" name="TextBox 6">
-            <a:extLst>
-              <a:ext uri="{FF2B5EF4-FFF2-40B4-BE49-F238E27FC236}">
-                <a16:creationId xmlns:a16="http://schemas.microsoft.com/office/drawing/2014/main" id="{DEA7DB37-EDD5-07F3-AF05-F2C68E2B27D3}"/>
-              </a:ext>
-            </a:extLst>
-          </p:cNvPr>
-          <p:cNvSpPr txBox="1"/>
-          <p:nvPr/>
-        </p:nvSpPr>
-        <p:spPr>
-          <a:xfrm>
-            <a:off x="731044" y="1645754"/>
-            <a:ext cx="3124200" cy="523220"/>
-          </a:xfrm>
-          <a:prstGeom prst="rect">
-            <a:avLst/>
-          </a:prstGeom>
-          <a:noFill/>
-        </p:spPr>
-        <p:txBody>
-          <a:bodyPr wrap="square">
-            <a:spAutoFit/>
-          </a:bodyPr>
-          <a:lstStyle/>
-          <a:p>
-            <a:pPr marL="0" indent="0">
-              <a:buNone/>
-            </a:pPr>
-            <a:r>
-              <a:rPr lang="en-US" sz="1400" b="1" dirty="0">
-                <a:solidFill>
-                  <a:srgbClr val="FF0000"/>
-                </a:solidFill>
-              </a:rPr>
-              <a:t>Fully observable: </a:t>
-            </a:r>
-            <a:r>
-              <a:rPr lang="en-US" sz="1400" dirty="0"/>
-              <a:t>The agent’s sensors always show the whole </a:t>
-            </a:r>
-            <a:r>
-              <a:rPr lang="en-US" sz="1400" b="1" dirty="0"/>
-              <a:t>state</a:t>
-            </a:r>
-            <a:r>
-              <a:rPr lang="en-US" sz="1400" dirty="0"/>
-              <a:t>.</a:t>
-            </a:r>
-            <a:endParaRPr lang="en-US" sz="1400" b="1" dirty="0">
-              <a:solidFill>
-                <a:srgbClr val="FF0000"/>
-              </a:solidFill>
-            </a:endParaRPr>
-          </a:p>
-        </p:txBody>
-      </p:sp>
-      <p:sp>
-        <p:nvSpPr>
-          <p:cNvPr id="9" name="TextBox 8">
-            <a:extLst>
-              <a:ext uri="{FF2B5EF4-FFF2-40B4-BE49-F238E27FC236}">
-                <a16:creationId xmlns:a16="http://schemas.microsoft.com/office/drawing/2014/main" id="{DE87FCA1-B948-8AB0-0850-212AAF1F9022}"/>
-              </a:ext>
-            </a:extLst>
-          </p:cNvPr>
-          <p:cNvSpPr txBox="1"/>
-          <p:nvPr/>
-        </p:nvSpPr>
-        <p:spPr>
-          <a:xfrm>
-            <a:off x="4687491" y="1600200"/>
-            <a:ext cx="3495676" cy="738664"/>
-          </a:xfrm>
-          <a:prstGeom prst="rect">
-            <a:avLst/>
-          </a:prstGeom>
-          <a:noFill/>
-        </p:spPr>
-        <p:txBody>
-          <a:bodyPr wrap="square">
-            <a:spAutoFit/>
-          </a:bodyPr>
-          <a:lstStyle/>
-          <a:p>
-            <a:r>
-              <a:rPr lang="en-US" sz="1400" b="1" dirty="0">
-                <a:solidFill>
-                  <a:srgbClr val="FF0000"/>
-                </a:solidFill>
-              </a:rPr>
-              <a:t>Partially observable: </a:t>
-            </a:r>
-            <a:r>
-              <a:rPr lang="en-US" sz="1400" dirty="0"/>
-              <a:t>The agent only perceives part of the </a:t>
-            </a:r>
-            <a:r>
-              <a:rPr lang="en-US" sz="1400" b="1" dirty="0"/>
-              <a:t>state</a:t>
-            </a:r>
-            <a:r>
-              <a:rPr lang="en-US" sz="1400" dirty="0"/>
-              <a:t> and needs to remember or infer the test.</a:t>
-            </a:r>
-          </a:p>
-        </p:txBody>
-      </p:sp>
-      <p:sp>
-        <p:nvSpPr>
-          <p:cNvPr id="11" name="TextBox 10">
-            <a:extLst>
-              <a:ext uri="{FF2B5EF4-FFF2-40B4-BE49-F238E27FC236}">
-                <a16:creationId xmlns:a16="http://schemas.microsoft.com/office/drawing/2014/main" id="{C88C0C5A-BE06-2C42-743D-46DB9EA4EBB2}"/>
-              </a:ext>
-            </a:extLst>
-          </p:cNvPr>
-          <p:cNvSpPr txBox="1"/>
-          <p:nvPr/>
-        </p:nvSpPr>
-        <p:spPr>
-          <a:xfrm>
-            <a:off x="713261" y="2963113"/>
-            <a:ext cx="3352800" cy="1384995"/>
-          </a:xfrm>
-          <a:prstGeom prst="rect">
-            <a:avLst/>
-          </a:prstGeom>
-          <a:noFill/>
-        </p:spPr>
-        <p:txBody>
-          <a:bodyPr wrap="square">
-            <a:spAutoFit/>
-          </a:bodyPr>
-          <a:lstStyle/>
-          <a:p>
-            <a:pPr marL="0" indent="0">
-              <a:buNone/>
-            </a:pPr>
-            <a:r>
-              <a:rPr lang="en-US" sz="1400" b="1" dirty="0">
-                <a:solidFill>
-                  <a:srgbClr val="FF0000"/>
-                </a:solidFill>
-              </a:rPr>
-              <a:t>Deterministic: </a:t>
-            </a:r>
-          </a:p>
-          <a:p>
-            <a:pPr marL="342900" indent="-342900">
-              <a:buFont typeface="+mj-lt"/>
-              <a:buAutoNum type="alphaLcParenR"/>
-            </a:pPr>
-            <a:r>
-              <a:rPr lang="en-US" sz="1400" b="1" dirty="0"/>
-              <a:t>Percepts</a:t>
-            </a:r>
-            <a:r>
-              <a:rPr lang="en-US" sz="1400" dirty="0"/>
-              <a:t> are 100% reliable</a:t>
-            </a:r>
-          </a:p>
-          <a:p>
-            <a:pPr marL="342900" indent="-342900">
-              <a:buFont typeface="+mj-lt"/>
-              <a:buAutoNum type="alphaLcParenR"/>
-            </a:pPr>
-            <a:r>
-              <a:rPr lang="en-US" sz="1400" dirty="0"/>
-              <a:t>Changes in the environment are completely determined by the current </a:t>
-            </a:r>
-            <a:r>
-              <a:rPr lang="en-US" sz="1400" b="1" dirty="0"/>
-              <a:t>state</a:t>
-            </a:r>
-            <a:r>
-              <a:rPr lang="en-US" sz="1400" dirty="0"/>
-              <a:t> of the environment and the agent’s </a:t>
-            </a:r>
-            <a:r>
-              <a:rPr lang="en-US" sz="1400" b="1" dirty="0"/>
-              <a:t>action</a:t>
-            </a:r>
-            <a:r>
-              <a:rPr lang="en-US" sz="1400" dirty="0"/>
-              <a:t>.</a:t>
-            </a:r>
-          </a:p>
-        </p:txBody>
-      </p:sp>
-      <p:sp>
-        <p:nvSpPr>
-          <p:cNvPr id="13" name="TextBox 12">
-            <a:extLst>
-              <a:ext uri="{FF2B5EF4-FFF2-40B4-BE49-F238E27FC236}">
-                <a16:creationId xmlns:a16="http://schemas.microsoft.com/office/drawing/2014/main" id="{40D4564F-4CA9-E994-AEFA-685152CE3843}"/>
-              </a:ext>
-            </a:extLst>
-          </p:cNvPr>
-          <p:cNvSpPr txBox="1"/>
-          <p:nvPr/>
-        </p:nvSpPr>
-        <p:spPr>
-          <a:xfrm>
-            <a:off x="4726781" y="2946481"/>
-            <a:ext cx="3807619" cy="1815882"/>
-          </a:xfrm>
-          <a:prstGeom prst="rect">
-            <a:avLst/>
-          </a:prstGeom>
-          <a:noFill/>
-        </p:spPr>
-        <p:txBody>
-          <a:bodyPr wrap="square">
-            <a:spAutoFit/>
-          </a:bodyPr>
-          <a:lstStyle/>
-          <a:p>
-            <a:pPr marL="0" indent="0">
-              <a:buNone/>
-            </a:pPr>
-            <a:r>
-              <a:rPr lang="en-US" sz="1400" b="1" dirty="0">
-                <a:solidFill>
-                  <a:srgbClr val="FF0000"/>
-                </a:solidFill>
-              </a:rPr>
-              <a:t>Stochastic: </a:t>
-            </a:r>
-          </a:p>
-          <a:p>
-            <a:pPr marL="342900" indent="-342900">
-              <a:buFont typeface="+mj-lt"/>
-              <a:buAutoNum type="alphaLcParenR"/>
-            </a:pPr>
-            <a:r>
-              <a:rPr lang="en-US" sz="1400" b="1" dirty="0"/>
-              <a:t>Percepts</a:t>
-            </a:r>
-            <a:r>
-              <a:rPr lang="en-US" sz="1400" dirty="0"/>
-              <a:t> are unreliable (noise distribution, sensor failure probability, etc.). This is called a stochastic sensor model.</a:t>
-            </a:r>
-            <a:endParaRPr lang="en-US" dirty="0"/>
-          </a:p>
-          <a:p>
-            <a:pPr marL="342900" indent="-342900">
-              <a:buFont typeface="+mj-lt"/>
-              <a:buAutoNum type="alphaLcParenR"/>
-            </a:pPr>
-            <a:r>
-              <a:rPr lang="en-US" sz="1400" dirty="0"/>
-              <a:t>The </a:t>
-            </a:r>
-            <a:r>
-              <a:rPr lang="en-US" sz="1400" b="1" dirty="0"/>
-              <a:t>transition function </a:t>
-            </a:r>
-            <a:r>
-              <a:rPr lang="en-US" sz="1400" dirty="0"/>
-              <a:t>is stochastic leading to transition probabilities and a Markov process.</a:t>
-            </a:r>
-            <a:br>
-              <a:rPr lang="en-US" sz="1400" dirty="0"/>
-            </a:br>
-            <a:endParaRPr lang="en-US" sz="1400" dirty="0"/>
-          </a:p>
-        </p:txBody>
-      </p:sp>
-      <p:sp>
-        <p:nvSpPr>
-          <p:cNvPr id="15" name="TextBox 14">
-            <a:extLst>
-              <a:ext uri="{FF2B5EF4-FFF2-40B4-BE49-F238E27FC236}">
-                <a16:creationId xmlns:a16="http://schemas.microsoft.com/office/drawing/2014/main" id="{7DA81E99-A152-2A54-2420-D8BB4FF0A789}"/>
-              </a:ext>
-            </a:extLst>
-          </p:cNvPr>
-          <p:cNvSpPr txBox="1"/>
-          <p:nvPr/>
-        </p:nvSpPr>
-        <p:spPr>
-          <a:xfrm>
-            <a:off x="761999" y="4917979"/>
-            <a:ext cx="3192066" cy="523220"/>
-          </a:xfrm>
-          <a:prstGeom prst="rect">
-            <a:avLst/>
-          </a:prstGeom>
-          <a:noFill/>
-        </p:spPr>
-        <p:txBody>
-          <a:bodyPr wrap="square">
-            <a:spAutoFit/>
-          </a:bodyPr>
-          <a:lstStyle/>
-          <a:p>
-            <a:pPr marL="0" indent="0">
-              <a:buNone/>
-            </a:pPr>
-            <a:r>
-              <a:rPr lang="en-US" sz="1400" b="1" dirty="0">
-                <a:solidFill>
-                  <a:srgbClr val="FF0000"/>
-                </a:solidFill>
-              </a:rPr>
-              <a:t>Known:</a:t>
-            </a:r>
-            <a:r>
-              <a:rPr lang="en-US" sz="1400" dirty="0"/>
-              <a:t> The agent knows the </a:t>
-            </a:r>
-            <a:r>
-              <a:rPr lang="en-US" sz="1400" b="1" dirty="0"/>
-              <a:t>transition function</a:t>
-            </a:r>
-            <a:r>
-              <a:rPr lang="en-US" sz="1400" dirty="0"/>
-              <a:t>. </a:t>
-            </a:r>
-            <a:endParaRPr lang="en-US" sz="1400" b="1" dirty="0">
-              <a:solidFill>
-                <a:srgbClr val="FF0000"/>
-              </a:solidFill>
-            </a:endParaRPr>
-          </a:p>
-        </p:txBody>
-      </p:sp>
-      <p:sp>
-        <p:nvSpPr>
           <p:cNvPr id="17" name="TextBox 16">
             <a:extLst>
               <a:ext uri="{FF2B5EF4-FFF2-40B4-BE49-F238E27FC236}">
@@ -13104,7 +13152,7 @@
       </p:sp>
       <p:grpSp>
         <p:nvGrpSpPr>
-          <p:cNvPr id="2" name="Group 1">
+          <p:cNvPr id="2" name="Group 1" descr="Check what applies.">
             <a:extLst>
               <a:ext uri="{FF2B5EF4-FFF2-40B4-BE49-F238E27FC236}">
                 <a16:creationId xmlns:a16="http://schemas.microsoft.com/office/drawing/2014/main" id="{DCBF1301-F0D0-37FB-E645-EFE9CD11E7F7}"/>
@@ -13204,6 +13252,9 @@
               <a:ext uri="{FF2B5EF4-FFF2-40B4-BE49-F238E27FC236}">
                 <a16:creationId xmlns:a16="http://schemas.microsoft.com/office/drawing/2014/main" id="{A31EDD93-919E-818B-E148-E34FDD24B095}"/>
               </a:ext>
+              <a:ext uri="{C183D7F6-B498-43B3-948B-1728B52AA6E4}">
+                <adec:decorative xmlns:adec="http://schemas.microsoft.com/office/drawing/2017/decorative" val="1"/>
+              </a:ext>
             </a:extLst>
           </p:cNvPr>
           <p:cNvPicPr>
@@ -13241,6 +13292,9 @@
             <a:extLst>
               <a:ext uri="{FF2B5EF4-FFF2-40B4-BE49-F238E27FC236}">
                 <a16:creationId xmlns:a16="http://schemas.microsoft.com/office/drawing/2014/main" id="{566E63DC-4FAD-0129-38C3-4CF7FEC95F25}"/>
+              </a:ext>
+              <a:ext uri="{C183D7F6-B498-43B3-948B-1728B52AA6E4}">
+                <adec:decorative xmlns:adec="http://schemas.microsoft.com/office/drawing/2017/decorative" val="1"/>
               </a:ext>
             </a:extLst>
           </p:cNvPr>
@@ -13296,6 +13350,9 @@
               <a:ext uri="{FF2B5EF4-FFF2-40B4-BE49-F238E27FC236}">
                 <a16:creationId xmlns:a16="http://schemas.microsoft.com/office/drawing/2014/main" id="{75628FD9-0B73-33F3-50F6-DE1FFCB8F080}"/>
               </a:ext>
+              <a:ext uri="{C183D7F6-B498-43B3-948B-1728B52AA6E4}">
+                <adec:decorative xmlns:adec="http://schemas.microsoft.com/office/drawing/2017/decorative" val="1"/>
+              </a:ext>
             </a:extLst>
           </p:cNvPr>
           <p:cNvSpPr/>
@@ -13350,6 +13407,9 @@
               <a:ext uri="{FF2B5EF4-FFF2-40B4-BE49-F238E27FC236}">
                 <a16:creationId xmlns:a16="http://schemas.microsoft.com/office/drawing/2014/main" id="{2708C98F-8052-7D31-94C5-319C0A31AE60}"/>
               </a:ext>
+              <a:ext uri="{C183D7F6-B498-43B3-948B-1728B52AA6E4}">
+                <adec:decorative xmlns:adec="http://schemas.microsoft.com/office/drawing/2017/decorative" val="1"/>
+              </a:ext>
             </a:extLst>
           </p:cNvPr>
           <p:cNvSpPr/>
@@ -13404,6 +13464,9 @@
               <a:ext uri="{FF2B5EF4-FFF2-40B4-BE49-F238E27FC236}">
                 <a16:creationId xmlns:a16="http://schemas.microsoft.com/office/drawing/2014/main" id="{6B497673-FF9B-1BF0-0C0D-B58F06885D92}"/>
               </a:ext>
+              <a:ext uri="{C183D7F6-B498-43B3-948B-1728B52AA6E4}">
+                <adec:decorative xmlns:adec="http://schemas.microsoft.com/office/drawing/2017/decorative" val="1"/>
+              </a:ext>
             </a:extLst>
           </p:cNvPr>
           <p:cNvSpPr/>
@@ -13458,6 +13521,9 @@
               <a:ext uri="{FF2B5EF4-FFF2-40B4-BE49-F238E27FC236}">
                 <a16:creationId xmlns:a16="http://schemas.microsoft.com/office/drawing/2014/main" id="{958ACB31-3A60-D1BA-B70D-74060BAF3607}"/>
               </a:ext>
+              <a:ext uri="{C183D7F6-B498-43B3-948B-1728B52AA6E4}">
+                <adec:decorative xmlns:adec="http://schemas.microsoft.com/office/drawing/2017/decorative" val="1"/>
+              </a:ext>
             </a:extLst>
           </p:cNvPr>
           <p:cNvSpPr/>
@@ -13512,6 +13578,9 @@
               <a:ext uri="{FF2B5EF4-FFF2-40B4-BE49-F238E27FC236}">
                 <a16:creationId xmlns:a16="http://schemas.microsoft.com/office/drawing/2014/main" id="{4FD65F93-AC14-C686-D4F3-98EDE02C81CE}"/>
               </a:ext>
+              <a:ext uri="{C183D7F6-B498-43B3-948B-1728B52AA6E4}">
+                <adec:decorative xmlns:adec="http://schemas.microsoft.com/office/drawing/2017/decorative" val="1"/>
+              </a:ext>
             </a:extLst>
           </p:cNvPr>
           <p:cNvSpPr/>
@@ -13566,6 +13635,9 @@
               <a:ext uri="{FF2B5EF4-FFF2-40B4-BE49-F238E27FC236}">
                 <a16:creationId xmlns:a16="http://schemas.microsoft.com/office/drawing/2014/main" id="{28040EDB-C97A-AE21-5D4A-0CACE7D9828F}"/>
               </a:ext>
+              <a:ext uri="{C183D7F6-B498-43B3-948B-1728B52AA6E4}">
+                <adec:decorative xmlns:adec="http://schemas.microsoft.com/office/drawing/2017/decorative" val="1"/>
+              </a:ext>
             </a:extLst>
           </p:cNvPr>
           <p:cNvSpPr/>
@@ -13619,6 +13691,9 @@
             <a:extLst>
               <a:ext uri="{FF2B5EF4-FFF2-40B4-BE49-F238E27FC236}">
                 <a16:creationId xmlns:a16="http://schemas.microsoft.com/office/drawing/2014/main" id="{5D0E9108-79B7-BE93-A2D0-6CF2BED3671A}"/>
+              </a:ext>
+              <a:ext uri="{C183D7F6-B498-43B3-948B-1728B52AA6E4}">
+                <adec:decorative xmlns:adec="http://schemas.microsoft.com/office/drawing/2017/decorative" val="1"/>
               </a:ext>
             </a:extLst>
           </p:cNvPr>
@@ -13728,7 +13803,7 @@
       </p:sp>
       <p:graphicFrame>
         <p:nvGraphicFramePr>
-          <p:cNvPr id="2" name="Content Placeholder 1">
+          <p:cNvPr id="2" name="Content Placeholder 1" descr="A figure with the four agent types covered so far. Each agent has a check box.">
             <a:extLst>
               <a:ext uri="{FF2B5EF4-FFF2-40B4-BE49-F238E27FC236}">
                 <a16:creationId xmlns:a16="http://schemas.microsoft.com/office/drawing/2014/main" id="{22A48921-D15F-4F33-808F-C00BAA1FDF19}"/>
@@ -13742,7 +13817,7 @@
             <p:ph idx="1"/>
             <p:extLst>
               <p:ext uri="{D42A27DB-BD31-4B8C-83A1-F6EECF244321}">
-                <p14:modId xmlns:p14="http://schemas.microsoft.com/office/powerpoint/2010/main" val="3203798969"/>
+                <p14:modId xmlns:p14="http://schemas.microsoft.com/office/powerpoint/2010/main" val="3143450747"/>
               </p:ext>
             </p:extLst>
           </p:nvPr>
@@ -13757,6 +13832,111 @@
           </a:graphicData>
         </a:graphic>
       </p:graphicFrame>
+      <p:sp>
+        <p:nvSpPr>
+          <p:cNvPr id="7" name="TextBox 6">
+            <a:extLst>
+              <a:ext uri="{FF2B5EF4-FFF2-40B4-BE49-F238E27FC236}">
+                <a16:creationId xmlns:a16="http://schemas.microsoft.com/office/drawing/2014/main" id="{9AC301F9-4D8F-484A-8F4D-6A05CB5B419A}"/>
+              </a:ext>
+            </a:extLst>
+          </p:cNvPr>
+          <p:cNvSpPr txBox="1"/>
+          <p:nvPr/>
+        </p:nvSpPr>
+        <p:spPr>
+          <a:xfrm>
+            <a:off x="5410200" y="1996837"/>
+            <a:ext cx="3105150" cy="923330"/>
+          </a:xfrm>
+          <a:prstGeom prst="rect">
+            <a:avLst/>
+          </a:prstGeom>
+          <a:noFill/>
+        </p:spPr>
+        <p:txBody>
+          <a:bodyPr wrap="square" rtlCol="0">
+            <a:spAutoFit/>
+          </a:bodyPr>
+          <a:lstStyle/>
+          <a:p>
+            <a:r>
+              <a:rPr lang="en-US" dirty="0"/>
+              <a:t>Does it collect utility over time? How would the utility for each state be defined?</a:t>
+            </a:r>
+          </a:p>
+        </p:txBody>
+      </p:sp>
+      <p:sp>
+        <p:nvSpPr>
+          <p:cNvPr id="6" name="TextBox 5">
+            <a:extLst>
+              <a:ext uri="{FF2B5EF4-FFF2-40B4-BE49-F238E27FC236}">
+                <a16:creationId xmlns:a16="http://schemas.microsoft.com/office/drawing/2014/main" id="{2D499C2C-DA7C-4702-8951-9F3A8E6E1800}"/>
+              </a:ext>
+            </a:extLst>
+          </p:cNvPr>
+          <p:cNvSpPr txBox="1"/>
+          <p:nvPr/>
+        </p:nvSpPr>
+        <p:spPr>
+          <a:xfrm>
+            <a:off x="5410200" y="3113589"/>
+            <a:ext cx="2819400" cy="369332"/>
+          </a:xfrm>
+          <a:prstGeom prst="rect">
+            <a:avLst/>
+          </a:prstGeom>
+          <a:noFill/>
+        </p:spPr>
+        <p:txBody>
+          <a:bodyPr wrap="square" rtlCol="0">
+            <a:spAutoFit/>
+          </a:bodyPr>
+          <a:lstStyle/>
+          <a:p>
+            <a:r>
+              <a:rPr lang="en-US" dirty="0"/>
+              <a:t>Does it have a goal state?</a:t>
+            </a:r>
+          </a:p>
+        </p:txBody>
+      </p:sp>
+      <p:sp>
+        <p:nvSpPr>
+          <p:cNvPr id="4" name="TextBox 3">
+            <a:extLst>
+              <a:ext uri="{FF2B5EF4-FFF2-40B4-BE49-F238E27FC236}">
+                <a16:creationId xmlns:a16="http://schemas.microsoft.com/office/drawing/2014/main" id="{0E543FF3-A7B8-4E61-901C-8229EAC2C575}"/>
+              </a:ext>
+            </a:extLst>
+          </p:cNvPr>
+          <p:cNvSpPr txBox="1"/>
+          <p:nvPr/>
+        </p:nvSpPr>
+        <p:spPr>
+          <a:xfrm>
+            <a:off x="5416378" y="3746895"/>
+            <a:ext cx="3200400" cy="923330"/>
+          </a:xfrm>
+          <a:prstGeom prst="rect">
+            <a:avLst/>
+          </a:prstGeom>
+          <a:noFill/>
+        </p:spPr>
+        <p:txBody>
+          <a:bodyPr wrap="square" rtlCol="0">
+            <a:spAutoFit/>
+          </a:bodyPr>
+          <a:lstStyle/>
+          <a:p>
+            <a:r>
+              <a:rPr lang="en-US" dirty="0"/>
+              <a:t>Does it store state information. How would they be defined (atomic/factored)?</a:t>
+            </a:r>
+          </a:p>
+        </p:txBody>
+      </p:sp>
       <p:sp>
         <p:nvSpPr>
           <p:cNvPr id="3" name="TextBox 2">
@@ -13794,115 +13974,13 @@
       </p:sp>
       <p:sp>
         <p:nvSpPr>
-          <p:cNvPr id="4" name="TextBox 3">
-            <a:extLst>
-              <a:ext uri="{FF2B5EF4-FFF2-40B4-BE49-F238E27FC236}">
-                <a16:creationId xmlns:a16="http://schemas.microsoft.com/office/drawing/2014/main" id="{0E543FF3-A7B8-4E61-901C-8229EAC2C575}"/>
-              </a:ext>
-            </a:extLst>
-          </p:cNvPr>
-          <p:cNvSpPr txBox="1"/>
-          <p:nvPr/>
-        </p:nvSpPr>
-        <p:spPr>
-          <a:xfrm>
-            <a:off x="5416378" y="3746895"/>
-            <a:ext cx="3200400" cy="923330"/>
-          </a:xfrm>
-          <a:prstGeom prst="rect">
-            <a:avLst/>
-          </a:prstGeom>
-          <a:noFill/>
-        </p:spPr>
-        <p:txBody>
-          <a:bodyPr wrap="square" rtlCol="0">
-            <a:spAutoFit/>
-          </a:bodyPr>
-          <a:lstStyle/>
-          <a:p>
-            <a:r>
-              <a:rPr lang="en-US" dirty="0"/>
-              <a:t>Does it store state information. How would they be defined (atomic/factored)?</a:t>
-            </a:r>
-          </a:p>
-        </p:txBody>
-      </p:sp>
-      <p:sp>
-        <p:nvSpPr>
-          <p:cNvPr id="6" name="TextBox 5">
-            <a:extLst>
-              <a:ext uri="{FF2B5EF4-FFF2-40B4-BE49-F238E27FC236}">
-                <a16:creationId xmlns:a16="http://schemas.microsoft.com/office/drawing/2014/main" id="{2D499C2C-DA7C-4702-8951-9F3A8E6E1800}"/>
-              </a:ext>
-            </a:extLst>
-          </p:cNvPr>
-          <p:cNvSpPr txBox="1"/>
-          <p:nvPr/>
-        </p:nvSpPr>
-        <p:spPr>
-          <a:xfrm>
-            <a:off x="5410200" y="3113589"/>
-            <a:ext cx="2819400" cy="369332"/>
-          </a:xfrm>
-          <a:prstGeom prst="rect">
-            <a:avLst/>
-          </a:prstGeom>
-          <a:noFill/>
-        </p:spPr>
-        <p:txBody>
-          <a:bodyPr wrap="square" rtlCol="0">
-            <a:spAutoFit/>
-          </a:bodyPr>
-          <a:lstStyle/>
-          <a:p>
-            <a:r>
-              <a:rPr lang="en-US" dirty="0"/>
-              <a:t>Does it have a goal state?</a:t>
-            </a:r>
-          </a:p>
-        </p:txBody>
-      </p:sp>
-      <p:sp>
-        <p:nvSpPr>
-          <p:cNvPr id="7" name="TextBox 6">
-            <a:extLst>
-              <a:ext uri="{FF2B5EF4-FFF2-40B4-BE49-F238E27FC236}">
-                <a16:creationId xmlns:a16="http://schemas.microsoft.com/office/drawing/2014/main" id="{9AC301F9-4D8F-484A-8F4D-6A05CB5B419A}"/>
-              </a:ext>
-            </a:extLst>
-          </p:cNvPr>
-          <p:cNvSpPr txBox="1"/>
-          <p:nvPr/>
-        </p:nvSpPr>
-        <p:spPr>
-          <a:xfrm>
-            <a:off x="5410200" y="1996837"/>
-            <a:ext cx="3105150" cy="923330"/>
-          </a:xfrm>
-          <a:prstGeom prst="rect">
-            <a:avLst/>
-          </a:prstGeom>
-          <a:noFill/>
-        </p:spPr>
-        <p:txBody>
-          <a:bodyPr wrap="square" rtlCol="0">
-            <a:spAutoFit/>
-          </a:bodyPr>
-          <a:lstStyle/>
-          <a:p>
-            <a:r>
-              <a:rPr lang="en-US" dirty="0"/>
-              <a:t>Does it collect utility over time? How would the utility for each state be defined?</a:t>
-            </a:r>
-          </a:p>
-        </p:txBody>
-      </p:sp>
-      <p:sp>
-        <p:nvSpPr>
           <p:cNvPr id="8" name="Rectangle 7">
             <a:extLst>
               <a:ext uri="{FF2B5EF4-FFF2-40B4-BE49-F238E27FC236}">
                 <a16:creationId xmlns:a16="http://schemas.microsoft.com/office/drawing/2014/main" id="{012AFA01-1466-4DBF-AA3A-9AF70B436486}"/>
+              </a:ext>
+              <a:ext uri="{C183D7F6-B498-43B3-948B-1728B52AA6E4}">
+                <adec:decorative xmlns:adec="http://schemas.microsoft.com/office/drawing/2017/decorative" val="1"/>
               </a:ext>
             </a:extLst>
           </p:cNvPr>
@@ -13951,7 +14029,7 @@
       </p:sp>
       <p:grpSp>
         <p:nvGrpSpPr>
-          <p:cNvPr id="12" name="Group 11">
+          <p:cNvPr id="12" name="Group 11" descr="Check what applies.">
             <a:extLst>
               <a:ext uri="{FF2B5EF4-FFF2-40B4-BE49-F238E27FC236}">
                 <a16:creationId xmlns:a16="http://schemas.microsoft.com/office/drawing/2014/main" id="{3C80410A-2FDB-E16D-D734-401410472D6F}"/>
@@ -14051,6 +14129,9 @@
               <a:ext uri="{FF2B5EF4-FFF2-40B4-BE49-F238E27FC236}">
                 <a16:creationId xmlns:a16="http://schemas.microsoft.com/office/drawing/2014/main" id="{1EE08532-975D-479B-C5BF-966FA6942092}"/>
               </a:ext>
+              <a:ext uri="{C183D7F6-B498-43B3-948B-1728B52AA6E4}">
+                <adec:decorative xmlns:adec="http://schemas.microsoft.com/office/drawing/2017/decorative" val="1"/>
+              </a:ext>
             </a:extLst>
           </p:cNvPr>
           <p:cNvPicPr>
@@ -14088,6 +14169,9 @@
             <a:extLst>
               <a:ext uri="{FF2B5EF4-FFF2-40B4-BE49-F238E27FC236}">
                 <a16:creationId xmlns:a16="http://schemas.microsoft.com/office/drawing/2014/main" id="{2A106359-2FAB-A148-0AAB-FE5F68BEF13C}"/>
+              </a:ext>
+              <a:ext uri="{C183D7F6-B498-43B3-948B-1728B52AA6E4}">
+                <adec:decorative xmlns:adec="http://schemas.microsoft.com/office/drawing/2017/decorative" val="1"/>
               </a:ext>
             </a:extLst>
           </p:cNvPr>
@@ -14143,6 +14227,9 @@
               <a:ext uri="{FF2B5EF4-FFF2-40B4-BE49-F238E27FC236}">
                 <a16:creationId xmlns:a16="http://schemas.microsoft.com/office/drawing/2014/main" id="{E0832BBB-D08C-990F-289A-30DAE7EF6776}"/>
               </a:ext>
+              <a:ext uri="{C183D7F6-B498-43B3-948B-1728B52AA6E4}">
+                <adec:decorative xmlns:adec="http://schemas.microsoft.com/office/drawing/2017/decorative" val="1"/>
+              </a:ext>
             </a:extLst>
           </p:cNvPr>
           <p:cNvSpPr/>
@@ -14197,6 +14284,9 @@
               <a:ext uri="{FF2B5EF4-FFF2-40B4-BE49-F238E27FC236}">
                 <a16:creationId xmlns:a16="http://schemas.microsoft.com/office/drawing/2014/main" id="{4B59F746-FF70-F10B-B65B-A480561B17F6}"/>
               </a:ext>
+              <a:ext uri="{C183D7F6-B498-43B3-948B-1728B52AA6E4}">
+                <adec:decorative xmlns:adec="http://schemas.microsoft.com/office/drawing/2017/decorative" val="1"/>
+              </a:ext>
             </a:extLst>
           </p:cNvPr>
           <p:cNvSpPr/>
@@ -14251,6 +14341,9 @@
               <a:ext uri="{FF2B5EF4-FFF2-40B4-BE49-F238E27FC236}">
                 <a16:creationId xmlns:a16="http://schemas.microsoft.com/office/drawing/2014/main" id="{5E5F1E30-EF93-2A83-69F7-FF310ACC5076}"/>
               </a:ext>
+              <a:ext uri="{C183D7F6-B498-43B3-948B-1728B52AA6E4}">
+                <adec:decorative xmlns:adec="http://schemas.microsoft.com/office/drawing/2017/decorative" val="1"/>
+              </a:ext>
             </a:extLst>
           </p:cNvPr>
           <p:cNvSpPr/>
@@ -14305,6 +14398,9 @@
               <a:ext uri="{FF2B5EF4-FFF2-40B4-BE49-F238E27FC236}">
                 <a16:creationId xmlns:a16="http://schemas.microsoft.com/office/drawing/2014/main" id="{3E1EA7DD-9200-5534-2C7D-00F7F72FBC10}"/>
               </a:ext>
+              <a:ext uri="{C183D7F6-B498-43B3-948B-1728B52AA6E4}">
+                <adec:decorative xmlns:adec="http://schemas.microsoft.com/office/drawing/2017/decorative" val="1"/>
+              </a:ext>
             </a:extLst>
           </p:cNvPr>
           <p:cNvSpPr/>
@@ -14384,10 +14480,13 @@
       </p:grpSpPr>
       <p:pic>
         <p:nvPicPr>
-          <p:cNvPr id="5" name="Picture 2" descr="California to allow testing of self-driving cars without a driver">
+          <p:cNvPr id="5" name="Picture 2">
             <a:extLst>
               <a:ext uri="{FF2B5EF4-FFF2-40B4-BE49-F238E27FC236}">
                 <a16:creationId xmlns:a16="http://schemas.microsoft.com/office/drawing/2014/main" id="{19DEE9E3-4392-126F-234A-9F42A3DE4F99}"/>
+              </a:ext>
+              <a:ext uri="{C183D7F6-B498-43B3-948B-1728B52AA6E4}">
+                <adec:decorative xmlns:adec="http://schemas.microsoft.com/office/drawing/2017/decorative" val="1"/>
               </a:ext>
             </a:extLst>
           </p:cNvPr>
@@ -14458,10 +14557,13 @@
       </p:pic>
       <p:pic>
         <p:nvPicPr>
-          <p:cNvPr id="4" name="Picture 4" descr="Does it work? We put Tesla’s Autopilot to the test | CAR Magazine">
+          <p:cNvPr id="4" name="Picture 4">
             <a:extLst>
               <a:ext uri="{FF2B5EF4-FFF2-40B4-BE49-F238E27FC236}">
                 <a16:creationId xmlns:a16="http://schemas.microsoft.com/office/drawing/2014/main" id="{DC20D215-E341-42A1-A360-25E5EA2B2609}"/>
+              </a:ext>
+              <a:ext uri="{C183D7F6-B498-43B3-948B-1728B52AA6E4}">
+                <adec:decorative xmlns:adec="http://schemas.microsoft.com/office/drawing/2017/decorative" val="1"/>
               </a:ext>
             </a:extLst>
           </p:cNvPr>
@@ -14558,9 +14660,12 @@
           </a:bodyPr>
           <a:lstStyle/>
           <a:p>
-            <a:r>
-              <a:rPr lang="en-US" sz="3000" dirty="0"/>
-              <a:t>Self-driving Cars </a:t>
+            <a:pPr marL="0" indent="0">
+              <a:buNone/>
+            </a:pPr>
+            <a:r>
+              <a:rPr lang="en-US" sz="3200" b="1" dirty="0"/>
+              <a:t>Why is this so hard?</a:t>
             </a:r>
           </a:p>
         </p:txBody>
@@ -14583,30 +14688,15 @@
         </p:nvSpPr>
         <p:spPr>
           <a:xfrm>
-            <a:off x="336042" y="2512611"/>
-            <a:ext cx="3931158" cy="3927813"/>
+            <a:off x="336042" y="2512612"/>
+            <a:ext cx="3931158" cy="3364982"/>
           </a:xfrm>
         </p:spPr>
         <p:txBody>
           <a:bodyPr>
-            <a:normAutofit fontScale="92500" lnSpcReduction="10000"/>
+            <a:normAutofit lnSpcReduction="10000"/>
           </a:bodyPr>
           <a:lstStyle/>
-          <a:p>
-            <a:pPr marL="0" indent="0">
-              <a:buNone/>
-            </a:pPr>
-            <a:r>
-              <a:rPr lang="en-US" sz="2400" b="1" dirty="0"/>
-              <a:t>Why is this so hard?</a:t>
-            </a:r>
-          </a:p>
-          <a:p>
-            <a:pPr marL="0" indent="0">
-              <a:buNone/>
-            </a:pPr>
-            <a:endParaRPr lang="en-US" sz="2400" b="1" dirty="0"/>
-          </a:p>
           <a:p>
             <a:r>
               <a:rPr lang="en-US" sz="2400" dirty="0"/>
@@ -14643,7 +14733,7 @@
 <file path=ppt/theme/theme1.xml><?xml version="1.0" encoding="utf-8"?>
 <a:theme xmlns:a="http://schemas.openxmlformats.org/drawingml/2006/main" name="Office Theme">
   <a:themeElements>
-    <a:clrScheme name="Office">
+    <a:clrScheme name="Office with darker green">
       <a:dk1>
         <a:sysClr val="windowText" lastClr="000000"/>
       </a:dk1>
@@ -14651,34 +14741,34 @@
         <a:sysClr val="window" lastClr="FFFFFF"/>
       </a:lt1>
       <a:dk2>
-        <a:srgbClr val="44546A"/>
+        <a:srgbClr val="0E2841"/>
       </a:dk2>
       <a:lt2>
-        <a:srgbClr val="E7E6E6"/>
+        <a:srgbClr val="E8E8E8"/>
       </a:lt2>
       <a:accent1>
-        <a:srgbClr val="4472C4"/>
+        <a:srgbClr val="156082"/>
       </a:accent1>
       <a:accent2>
-        <a:srgbClr val="ED7D31"/>
+        <a:srgbClr val="E97132"/>
       </a:accent2>
       <a:accent3>
-        <a:srgbClr val="A5A5A5"/>
+        <a:srgbClr val="196B24"/>
       </a:accent3>
       <a:accent4>
-        <a:srgbClr val="FFC000"/>
+        <a:srgbClr val="0F9ED5"/>
       </a:accent4>
       <a:accent5>
-        <a:srgbClr val="5B9BD5"/>
+        <a:srgbClr val="A02B93"/>
       </a:accent5>
       <a:accent6>
-        <a:srgbClr val="70AD47"/>
+        <a:srgbClr val="377620"/>
       </a:accent6>
       <a:hlink>
-        <a:srgbClr val="0563C1"/>
+        <a:srgbClr val="467886"/>
       </a:hlink>
       <a:folHlink>
-        <a:srgbClr val="954F72"/>
+        <a:srgbClr val="96607D"/>
       </a:folHlink>
     </a:clrScheme>
     <a:fontScheme name="Office">

--- a/slides/02_agents_discussion.pptx
+++ b/slides/02_agents_discussion.pptx
@@ -5,18 +5,27 @@
     <p:sldMasterId id="2147483672" r:id="rId1"/>
   </p:sldMasterIdLst>
   <p:notesMasterIdLst>
-    <p:notesMasterId r:id="rId11"/>
+    <p:notesMasterId r:id="rId20"/>
   </p:notesMasterIdLst>
   <p:sldIdLst>
     <p:sldId id="257" r:id="rId2"/>
-    <p:sldId id="801" r:id="rId3"/>
-    <p:sldId id="318" r:id="rId4"/>
-    <p:sldId id="296" r:id="rId5"/>
-    <p:sldId id="300" r:id="rId6"/>
-    <p:sldId id="295" r:id="rId7"/>
-    <p:sldId id="319" r:id="rId8"/>
-    <p:sldId id="298" r:id="rId9"/>
-    <p:sldId id="802" r:id="rId10"/>
+    <p:sldId id="804" r:id="rId3"/>
+    <p:sldId id="305" r:id="rId4"/>
+    <p:sldId id="805" r:id="rId5"/>
+    <p:sldId id="278" r:id="rId6"/>
+    <p:sldId id="280" r:id="rId7"/>
+    <p:sldId id="282" r:id="rId8"/>
+    <p:sldId id="283" r:id="rId9"/>
+    <p:sldId id="806" r:id="rId10"/>
+    <p:sldId id="803" r:id="rId11"/>
+    <p:sldId id="801" r:id="rId12"/>
+    <p:sldId id="318" r:id="rId13"/>
+    <p:sldId id="296" r:id="rId14"/>
+    <p:sldId id="300" r:id="rId15"/>
+    <p:sldId id="295" r:id="rId16"/>
+    <p:sldId id="319" r:id="rId17"/>
+    <p:sldId id="298" r:id="rId18"/>
+    <p:sldId id="802" r:id="rId19"/>
   </p:sldIdLst>
   <p:sldSz cx="9144000" cy="6858000" type="screen4x3"/>
   <p:notesSz cx="7315200" cy="9601200"/>
@@ -6034,7 +6043,7 @@
             <a:fld id="{C590261E-DED2-4ECB-93F0-6041BFF84361}" type="datetimeFigureOut">
               <a:rPr lang="en-US" smtClean="0"/>
               <a:pPr/>
-              <a:t>11/26/2024</a:t>
+              <a:t>6/16/2025</a:t>
             </a:fld>
             <a:endParaRPr lang="en-US"/>
           </a:p>
@@ -6381,6 +6390,265 @@
 </p:notes>
 </file>
 
+<file path=ppt/notesSlides/notesSlide10.xml><?xml version="1.0" encoding="utf-8"?>
+<p:notes xmlns:a="http://schemas.openxmlformats.org/drawingml/2006/main" xmlns:r="http://schemas.openxmlformats.org/officeDocument/2006/relationships" xmlns:p="http://schemas.openxmlformats.org/presentationml/2006/main">
+  <p:cSld>
+    <p:spTree>
+      <p:nvGrpSpPr>
+        <p:cNvPr id="1" name=""/>
+        <p:cNvGrpSpPr/>
+        <p:nvPr/>
+      </p:nvGrpSpPr>
+      <p:grpSpPr>
+        <a:xfrm>
+          <a:off x="0" y="0"/>
+          <a:ext cx="0" cy="0"/>
+          <a:chOff x="0" y="0"/>
+          <a:chExt cx="0" cy="0"/>
+        </a:xfrm>
+      </p:grpSpPr>
+      <p:sp>
+        <p:nvSpPr>
+          <p:cNvPr id="2" name="Slide Image Placeholder 1"/>
+          <p:cNvSpPr>
+            <a:spLocks noGrp="1" noRot="1" noChangeAspect="1"/>
+          </p:cNvSpPr>
+          <p:nvPr>
+            <p:ph type="sldImg"/>
+          </p:nvPr>
+        </p:nvSpPr>
+        <p:spPr/>
+      </p:sp>
+      <p:sp>
+        <p:nvSpPr>
+          <p:cNvPr id="3" name="Notes Placeholder 2"/>
+          <p:cNvSpPr>
+            <a:spLocks noGrp="1"/>
+          </p:cNvSpPr>
+          <p:nvPr>
+            <p:ph type="body" idx="1"/>
+          </p:nvPr>
+        </p:nvSpPr>
+        <p:spPr/>
+        <p:txBody>
+          <a:bodyPr/>
+          <a:lstStyle/>
+          <a:p>
+            <a:endParaRPr lang="en-US" dirty="0"/>
+          </a:p>
+        </p:txBody>
+      </p:sp>
+      <p:sp>
+        <p:nvSpPr>
+          <p:cNvPr id="4" name="Slide Number Placeholder 3"/>
+          <p:cNvSpPr>
+            <a:spLocks noGrp="1"/>
+          </p:cNvSpPr>
+          <p:nvPr>
+            <p:ph type="sldNum" sz="quarter" idx="5"/>
+          </p:nvPr>
+        </p:nvSpPr>
+        <p:spPr/>
+        <p:txBody>
+          <a:bodyPr/>
+          <a:lstStyle/>
+          <a:p>
+            <a:fld id="{2754576A-F041-465B-B05C-90CC0BF4FA50}" type="slidenum">
+              <a:rPr lang="en-US" smtClean="0"/>
+              <a:pPr/>
+              <a:t>15</a:t>
+            </a:fld>
+            <a:endParaRPr lang="en-US"/>
+          </a:p>
+        </p:txBody>
+      </p:sp>
+    </p:spTree>
+    <p:extLst>
+      <p:ext uri="{BB962C8B-B14F-4D97-AF65-F5344CB8AC3E}">
+        <p14:creationId xmlns:p14="http://schemas.microsoft.com/office/powerpoint/2010/main" val="3007257789"/>
+      </p:ext>
+    </p:extLst>
+  </p:cSld>
+  <p:clrMapOvr>
+    <a:masterClrMapping/>
+  </p:clrMapOvr>
+</p:notes>
+</file>
+
+<file path=ppt/notesSlides/notesSlide11.xml><?xml version="1.0" encoding="utf-8"?>
+<p:notes xmlns:a="http://schemas.openxmlformats.org/drawingml/2006/main" xmlns:r="http://schemas.openxmlformats.org/officeDocument/2006/relationships" xmlns:p="http://schemas.openxmlformats.org/presentationml/2006/main">
+  <p:cSld>
+    <p:spTree>
+      <p:nvGrpSpPr>
+        <p:cNvPr id="1" name=""/>
+        <p:cNvGrpSpPr/>
+        <p:nvPr/>
+      </p:nvGrpSpPr>
+      <p:grpSpPr>
+        <a:xfrm>
+          <a:off x="0" y="0"/>
+          <a:ext cx="0" cy="0"/>
+          <a:chOff x="0" y="0"/>
+          <a:chExt cx="0" cy="0"/>
+        </a:xfrm>
+      </p:grpSpPr>
+      <p:sp>
+        <p:nvSpPr>
+          <p:cNvPr id="2" name="Slide Image Placeholder 1"/>
+          <p:cNvSpPr>
+            <a:spLocks noGrp="1" noRot="1" noChangeAspect="1"/>
+          </p:cNvSpPr>
+          <p:nvPr>
+            <p:ph type="sldImg"/>
+          </p:nvPr>
+        </p:nvSpPr>
+        <p:spPr/>
+      </p:sp>
+      <p:sp>
+        <p:nvSpPr>
+          <p:cNvPr id="3" name="Notes Placeholder 2"/>
+          <p:cNvSpPr>
+            <a:spLocks noGrp="1"/>
+          </p:cNvSpPr>
+          <p:nvPr>
+            <p:ph type="body" idx="1"/>
+          </p:nvPr>
+        </p:nvSpPr>
+        <p:spPr/>
+        <p:txBody>
+          <a:bodyPr>
+            <a:normAutofit/>
+          </a:bodyPr>
+          <a:lstStyle/>
+          <a:p>
+            <a:endParaRPr lang="en-US"/>
+          </a:p>
+        </p:txBody>
+      </p:sp>
+      <p:sp>
+        <p:nvSpPr>
+          <p:cNvPr id="4" name="Slide Number Placeholder 3"/>
+          <p:cNvSpPr>
+            <a:spLocks noGrp="1"/>
+          </p:cNvSpPr>
+          <p:nvPr>
+            <p:ph type="sldNum" sz="quarter" idx="10"/>
+          </p:nvPr>
+        </p:nvSpPr>
+        <p:spPr/>
+        <p:txBody>
+          <a:bodyPr/>
+          <a:lstStyle/>
+          <a:p>
+            <a:fld id="{2754576A-F041-465B-B05C-90CC0BF4FA50}" type="slidenum">
+              <a:rPr lang="en-US" smtClean="0"/>
+              <a:pPr/>
+              <a:t>16</a:t>
+            </a:fld>
+            <a:endParaRPr lang="en-US"/>
+          </a:p>
+        </p:txBody>
+      </p:sp>
+    </p:spTree>
+    <p:extLst>
+      <p:ext uri="{BB962C8B-B14F-4D97-AF65-F5344CB8AC3E}">
+        <p14:creationId xmlns:p14="http://schemas.microsoft.com/office/powerpoint/2010/main" val="674475817"/>
+      </p:ext>
+    </p:extLst>
+  </p:cSld>
+  <p:clrMapOvr>
+    <a:masterClrMapping/>
+  </p:clrMapOvr>
+</p:notes>
+</file>
+
+<file path=ppt/notesSlides/notesSlide12.xml><?xml version="1.0" encoding="utf-8"?>
+<p:notes xmlns:a="http://schemas.openxmlformats.org/drawingml/2006/main" xmlns:r="http://schemas.openxmlformats.org/officeDocument/2006/relationships" xmlns:p="http://schemas.openxmlformats.org/presentationml/2006/main">
+  <p:cSld>
+    <p:spTree>
+      <p:nvGrpSpPr>
+        <p:cNvPr id="1" name=""/>
+        <p:cNvGrpSpPr/>
+        <p:nvPr/>
+      </p:nvGrpSpPr>
+      <p:grpSpPr>
+        <a:xfrm>
+          <a:off x="0" y="0"/>
+          <a:ext cx="0" cy="0"/>
+          <a:chOff x="0" y="0"/>
+          <a:chExt cx="0" cy="0"/>
+        </a:xfrm>
+      </p:grpSpPr>
+      <p:sp>
+        <p:nvSpPr>
+          <p:cNvPr id="2" name="Slide Image Placeholder 1"/>
+          <p:cNvSpPr>
+            <a:spLocks noGrp="1" noRot="1" noChangeAspect="1"/>
+          </p:cNvSpPr>
+          <p:nvPr>
+            <p:ph type="sldImg"/>
+          </p:nvPr>
+        </p:nvSpPr>
+        <p:spPr/>
+      </p:sp>
+      <p:sp>
+        <p:nvSpPr>
+          <p:cNvPr id="3" name="Notes Placeholder 2"/>
+          <p:cNvSpPr>
+            <a:spLocks noGrp="1"/>
+          </p:cNvSpPr>
+          <p:nvPr>
+            <p:ph type="body" idx="1"/>
+          </p:nvPr>
+        </p:nvSpPr>
+        <p:spPr/>
+        <p:txBody>
+          <a:bodyPr>
+            <a:normAutofit/>
+          </a:bodyPr>
+          <a:lstStyle/>
+          <a:p>
+            <a:endParaRPr lang="en-US" dirty="0"/>
+          </a:p>
+        </p:txBody>
+      </p:sp>
+      <p:sp>
+        <p:nvSpPr>
+          <p:cNvPr id="4" name="Slide Number Placeholder 3"/>
+          <p:cNvSpPr>
+            <a:spLocks noGrp="1"/>
+          </p:cNvSpPr>
+          <p:nvPr>
+            <p:ph type="sldNum" sz="quarter" idx="10"/>
+          </p:nvPr>
+        </p:nvSpPr>
+        <p:spPr/>
+        <p:txBody>
+          <a:bodyPr/>
+          <a:lstStyle/>
+          <a:p>
+            <a:fld id="{2754576A-F041-465B-B05C-90CC0BF4FA50}" type="slidenum">
+              <a:rPr lang="en-US" smtClean="0"/>
+              <a:pPr/>
+              <a:t>17</a:t>
+            </a:fld>
+            <a:endParaRPr lang="en-US"/>
+          </a:p>
+        </p:txBody>
+      </p:sp>
+    </p:spTree>
+    <p:extLst>
+      <p:ext uri="{BB962C8B-B14F-4D97-AF65-F5344CB8AC3E}">
+        <p14:creationId xmlns:p14="http://schemas.microsoft.com/office/powerpoint/2010/main" val="2447243828"/>
+      </p:ext>
+    </p:extLst>
+  </p:cSld>
+  <p:clrMapOvr>
+    <a:masterClrMapping/>
+  </p:clrMapOvr>
+</p:notes>
+</file>
+
 <file path=ppt/notesSlides/notesSlide2.xml><?xml version="1.0" encoding="utf-8"?>
 <p:notes xmlns:a="http://schemas.openxmlformats.org/drawingml/2006/main" xmlns:r="http://schemas.openxmlformats.org/officeDocument/2006/relationships" xmlns:p="http://schemas.openxmlformats.org/presentationml/2006/main">
   <p:cSld>
@@ -6427,22 +6695,6 @@
           </a:bodyPr>
           <a:lstStyle/>
           <a:p>
-            <a:r>
-              <a:rPr lang="en-US" dirty="0" err="1"/>
-              <a:t>ExpectedUtility</a:t>
-            </a:r>
-            <a:r>
-              <a:rPr lang="en-US" baseline="0" dirty="0"/>
-              <a:t>(action) = </a:t>
-            </a:r>
-            <a:r>
-              <a:rPr lang="en-US" baseline="0" dirty="0" err="1"/>
-              <a:t>sum_outcomes</a:t>
-            </a:r>
-            <a:r>
-              <a:rPr lang="en-US" baseline="0" dirty="0"/>
-              <a:t> Utility(outcome) * P(outcome)</a:t>
-            </a:r>
             <a:endParaRPr lang="en-US" dirty="0"/>
           </a:p>
         </p:txBody>
@@ -6474,7 +6726,7 @@
     </p:spTree>
     <p:extLst>
       <p:ext uri="{BB962C8B-B14F-4D97-AF65-F5344CB8AC3E}">
-        <p14:creationId xmlns:p14="http://schemas.microsoft.com/office/powerpoint/2010/main" val="3964242949"/>
+        <p14:creationId xmlns:p14="http://schemas.microsoft.com/office/powerpoint/2010/main" val="1793264693"/>
       </p:ext>
     </p:extLst>
   </p:cSld>
@@ -6525,9 +6777,27 @@
         </p:nvSpPr>
         <p:spPr/>
         <p:txBody>
-          <a:bodyPr/>
+          <a:bodyPr>
+            <a:normAutofit/>
+          </a:bodyPr>
           <a:lstStyle/>
           <a:p>
+            <a:r>
+              <a:rPr lang="en-US" dirty="0" err="1"/>
+              <a:t>ExpectedUtility</a:t>
+            </a:r>
+            <a:r>
+              <a:rPr lang="en-US" baseline="0" dirty="0"/>
+              <a:t>(action) = </a:t>
+            </a:r>
+            <a:r>
+              <a:rPr lang="en-US" baseline="0" dirty="0" err="1"/>
+              <a:t>sum_outcomes</a:t>
+            </a:r>
+            <a:r>
+              <a:rPr lang="en-US" baseline="0" dirty="0"/>
+              <a:t> Utility(outcome) * P(outcome)</a:t>
+            </a:r>
             <a:endParaRPr lang="en-US" dirty="0"/>
           </a:p>
         </p:txBody>
@@ -6539,7 +6809,7 @@
             <a:spLocks noGrp="1"/>
           </p:cNvSpPr>
           <p:nvPr>
-            <p:ph type="sldNum" sz="quarter" idx="5"/>
+            <p:ph type="sldNum" sz="quarter" idx="10"/>
           </p:nvPr>
         </p:nvSpPr>
         <p:spPr/>
@@ -6550,7 +6820,7 @@
             <a:fld id="{2754576A-F041-465B-B05C-90CC0BF4FA50}" type="slidenum">
               <a:rPr lang="en-US" smtClean="0"/>
               <a:pPr/>
-              <a:t>6</a:t>
+              <a:t>4</a:t>
             </a:fld>
             <a:endParaRPr lang="en-US"/>
           </a:p>
@@ -6559,7 +6829,7 @@
     </p:spTree>
     <p:extLst>
       <p:ext uri="{BB962C8B-B14F-4D97-AF65-F5344CB8AC3E}">
-        <p14:creationId xmlns:p14="http://schemas.microsoft.com/office/powerpoint/2010/main" val="3007257789"/>
+        <p14:creationId xmlns:p14="http://schemas.microsoft.com/office/powerpoint/2010/main" val="3964242949"/>
       </p:ext>
     </p:extLst>
   </p:cSld>
@@ -6637,18 +6907,13 @@
             <a:fld id="{2754576A-F041-465B-B05C-90CC0BF4FA50}" type="slidenum">
               <a:rPr lang="en-US" smtClean="0"/>
               <a:pPr/>
-              <a:t>7</a:t>
+              <a:t>5</a:t>
             </a:fld>
             <a:endParaRPr lang="en-US"/>
           </a:p>
         </p:txBody>
       </p:sp>
     </p:spTree>
-    <p:extLst>
-      <p:ext uri="{BB962C8B-B14F-4D97-AF65-F5344CB8AC3E}">
-        <p14:creationId xmlns:p14="http://schemas.microsoft.com/office/powerpoint/2010/main" val="674475817"/>
-      </p:ext>
-    </p:extLst>
   </p:cSld>
   <p:clrMapOvr>
     <a:masterClrMapping/>
@@ -6702,7 +6967,7 @@
           </a:bodyPr>
           <a:lstStyle/>
           <a:p>
-            <a:endParaRPr lang="en-US" dirty="0"/>
+            <a:endParaRPr lang="en-US"/>
           </a:p>
         </p:txBody>
       </p:sp>
@@ -6724,7 +6989,253 @@
             <a:fld id="{2754576A-F041-465B-B05C-90CC0BF4FA50}" type="slidenum">
               <a:rPr lang="en-US" smtClean="0"/>
               <a:pPr/>
+              <a:t>6</a:t>
+            </a:fld>
+            <a:endParaRPr lang="en-US"/>
+          </a:p>
+        </p:txBody>
+      </p:sp>
+    </p:spTree>
+  </p:cSld>
+  <p:clrMapOvr>
+    <a:masterClrMapping/>
+  </p:clrMapOvr>
+</p:notes>
+</file>
+
+<file path=ppt/notesSlides/notesSlide6.xml><?xml version="1.0" encoding="utf-8"?>
+<p:notes xmlns:a="http://schemas.openxmlformats.org/drawingml/2006/main" xmlns:r="http://schemas.openxmlformats.org/officeDocument/2006/relationships" xmlns:p="http://schemas.openxmlformats.org/presentationml/2006/main">
+  <p:cSld>
+    <p:spTree>
+      <p:nvGrpSpPr>
+        <p:cNvPr id="1" name=""/>
+        <p:cNvGrpSpPr/>
+        <p:nvPr/>
+      </p:nvGrpSpPr>
+      <p:grpSpPr>
+        <a:xfrm>
+          <a:off x="0" y="0"/>
+          <a:ext cx="0" cy="0"/>
+          <a:chOff x="0" y="0"/>
+          <a:chExt cx="0" cy="0"/>
+        </a:xfrm>
+      </p:grpSpPr>
+      <p:sp>
+        <p:nvSpPr>
+          <p:cNvPr id="2" name="Slide Image Placeholder 1"/>
+          <p:cNvSpPr>
+            <a:spLocks noGrp="1" noRot="1" noChangeAspect="1"/>
+          </p:cNvSpPr>
+          <p:nvPr>
+            <p:ph type="sldImg"/>
+          </p:nvPr>
+        </p:nvSpPr>
+        <p:spPr/>
+      </p:sp>
+      <p:sp>
+        <p:nvSpPr>
+          <p:cNvPr id="3" name="Notes Placeholder 2"/>
+          <p:cNvSpPr>
+            <a:spLocks noGrp="1"/>
+          </p:cNvSpPr>
+          <p:nvPr>
+            <p:ph type="body" idx="1"/>
+          </p:nvPr>
+        </p:nvSpPr>
+        <p:spPr/>
+        <p:txBody>
+          <a:bodyPr>
+            <a:normAutofit/>
+          </a:bodyPr>
+          <a:lstStyle/>
+          <a:p>
+            <a:endParaRPr lang="en-US"/>
+          </a:p>
+        </p:txBody>
+      </p:sp>
+      <p:sp>
+        <p:nvSpPr>
+          <p:cNvPr id="4" name="Slide Number Placeholder 3"/>
+          <p:cNvSpPr>
+            <a:spLocks noGrp="1"/>
+          </p:cNvSpPr>
+          <p:nvPr>
+            <p:ph type="sldNum" sz="quarter" idx="10"/>
+          </p:nvPr>
+        </p:nvSpPr>
+        <p:spPr/>
+        <p:txBody>
+          <a:bodyPr/>
+          <a:lstStyle/>
+          <a:p>
+            <a:fld id="{2754576A-F041-465B-B05C-90CC0BF4FA50}" type="slidenum">
+              <a:rPr lang="en-US" smtClean="0"/>
+              <a:pPr/>
+              <a:t>7</a:t>
+            </a:fld>
+            <a:endParaRPr lang="en-US"/>
+          </a:p>
+        </p:txBody>
+      </p:sp>
+    </p:spTree>
+  </p:cSld>
+  <p:clrMapOvr>
+    <a:masterClrMapping/>
+  </p:clrMapOvr>
+</p:notes>
+</file>
+
+<file path=ppt/notesSlides/notesSlide7.xml><?xml version="1.0" encoding="utf-8"?>
+<p:notes xmlns:a="http://schemas.openxmlformats.org/drawingml/2006/main" xmlns:r="http://schemas.openxmlformats.org/officeDocument/2006/relationships" xmlns:p="http://schemas.openxmlformats.org/presentationml/2006/main">
+  <p:cSld>
+    <p:spTree>
+      <p:nvGrpSpPr>
+        <p:cNvPr id="1" name=""/>
+        <p:cNvGrpSpPr/>
+        <p:nvPr/>
+      </p:nvGrpSpPr>
+      <p:grpSpPr>
+        <a:xfrm>
+          <a:off x="0" y="0"/>
+          <a:ext cx="0" cy="0"/>
+          <a:chOff x="0" y="0"/>
+          <a:chExt cx="0" cy="0"/>
+        </a:xfrm>
+      </p:grpSpPr>
+      <p:sp>
+        <p:nvSpPr>
+          <p:cNvPr id="2" name="Slide Image Placeholder 1"/>
+          <p:cNvSpPr>
+            <a:spLocks noGrp="1" noRot="1" noChangeAspect="1"/>
+          </p:cNvSpPr>
+          <p:nvPr>
+            <p:ph type="sldImg"/>
+          </p:nvPr>
+        </p:nvSpPr>
+        <p:spPr/>
+      </p:sp>
+      <p:sp>
+        <p:nvSpPr>
+          <p:cNvPr id="3" name="Notes Placeholder 2"/>
+          <p:cNvSpPr>
+            <a:spLocks noGrp="1"/>
+          </p:cNvSpPr>
+          <p:nvPr>
+            <p:ph type="body" idx="1"/>
+          </p:nvPr>
+        </p:nvSpPr>
+        <p:spPr/>
+        <p:txBody>
+          <a:bodyPr>
+            <a:normAutofit/>
+          </a:bodyPr>
+          <a:lstStyle/>
+          <a:p>
+            <a:endParaRPr lang="en-US" dirty="0"/>
+          </a:p>
+        </p:txBody>
+      </p:sp>
+      <p:sp>
+        <p:nvSpPr>
+          <p:cNvPr id="4" name="Slide Number Placeholder 3"/>
+          <p:cNvSpPr>
+            <a:spLocks noGrp="1"/>
+          </p:cNvSpPr>
+          <p:nvPr>
+            <p:ph type="sldNum" sz="quarter" idx="10"/>
+          </p:nvPr>
+        </p:nvSpPr>
+        <p:spPr/>
+        <p:txBody>
+          <a:bodyPr/>
+          <a:lstStyle/>
+          <a:p>
+            <a:fld id="{2754576A-F041-465B-B05C-90CC0BF4FA50}" type="slidenum">
+              <a:rPr lang="en-US" smtClean="0"/>
+              <a:pPr/>
               <a:t>8</a:t>
+            </a:fld>
+            <a:endParaRPr lang="en-US"/>
+          </a:p>
+        </p:txBody>
+      </p:sp>
+    </p:spTree>
+  </p:cSld>
+  <p:clrMapOvr>
+    <a:masterClrMapping/>
+  </p:clrMapOvr>
+</p:notes>
+</file>
+
+<file path=ppt/notesSlides/notesSlide8.xml><?xml version="1.0" encoding="utf-8"?>
+<p:notes xmlns:a="http://schemas.openxmlformats.org/drawingml/2006/main" xmlns:r="http://schemas.openxmlformats.org/officeDocument/2006/relationships" xmlns:p="http://schemas.openxmlformats.org/presentationml/2006/main">
+  <p:cSld>
+    <p:spTree>
+      <p:nvGrpSpPr>
+        <p:cNvPr id="1" name=""/>
+        <p:cNvGrpSpPr/>
+        <p:nvPr/>
+      </p:nvGrpSpPr>
+      <p:grpSpPr>
+        <a:xfrm>
+          <a:off x="0" y="0"/>
+          <a:ext cx="0" cy="0"/>
+          <a:chOff x="0" y="0"/>
+          <a:chExt cx="0" cy="0"/>
+        </a:xfrm>
+      </p:grpSpPr>
+      <p:sp>
+        <p:nvSpPr>
+          <p:cNvPr id="2" name="Slide Image Placeholder 1"/>
+          <p:cNvSpPr>
+            <a:spLocks noGrp="1" noRot="1" noChangeAspect="1"/>
+          </p:cNvSpPr>
+          <p:nvPr>
+            <p:ph type="sldImg"/>
+          </p:nvPr>
+        </p:nvSpPr>
+        <p:spPr/>
+      </p:sp>
+      <p:sp>
+        <p:nvSpPr>
+          <p:cNvPr id="3" name="Notes Placeholder 2"/>
+          <p:cNvSpPr>
+            <a:spLocks noGrp="1"/>
+          </p:cNvSpPr>
+          <p:nvPr>
+            <p:ph type="body" idx="1"/>
+          </p:nvPr>
+        </p:nvSpPr>
+        <p:spPr/>
+        <p:txBody>
+          <a:bodyPr>
+            <a:normAutofit/>
+          </a:bodyPr>
+          <a:lstStyle/>
+          <a:p>
+            <a:endParaRPr lang="en-US"/>
+          </a:p>
+        </p:txBody>
+      </p:sp>
+      <p:sp>
+        <p:nvSpPr>
+          <p:cNvPr id="4" name="Slide Number Placeholder 3"/>
+          <p:cNvSpPr>
+            <a:spLocks noGrp="1"/>
+          </p:cNvSpPr>
+          <p:nvPr>
+            <p:ph type="sldNum" sz="quarter" idx="10"/>
+          </p:nvPr>
+        </p:nvSpPr>
+        <p:spPr/>
+        <p:txBody>
+          <a:bodyPr/>
+          <a:lstStyle/>
+          <a:p>
+            <a:fld id="{2754576A-F041-465B-B05C-90CC0BF4FA50}" type="slidenum">
+              <a:rPr lang="en-US" smtClean="0"/>
+              <a:pPr/>
+              <a:t>9</a:t>
             </a:fld>
             <a:endParaRPr lang="en-US"/>
           </a:p>
@@ -6733,7 +7244,110 @@
     </p:spTree>
     <p:extLst>
       <p:ext uri="{BB962C8B-B14F-4D97-AF65-F5344CB8AC3E}">
-        <p14:creationId xmlns:p14="http://schemas.microsoft.com/office/powerpoint/2010/main" val="2447243828"/>
+        <p14:creationId xmlns:p14="http://schemas.microsoft.com/office/powerpoint/2010/main" val="674475817"/>
+      </p:ext>
+    </p:extLst>
+  </p:cSld>
+  <p:clrMapOvr>
+    <a:masterClrMapping/>
+  </p:clrMapOvr>
+</p:notes>
+</file>
+
+<file path=ppt/notesSlides/notesSlide9.xml><?xml version="1.0" encoding="utf-8"?>
+<p:notes xmlns:a="http://schemas.openxmlformats.org/drawingml/2006/main" xmlns:r="http://schemas.openxmlformats.org/officeDocument/2006/relationships" xmlns:p="http://schemas.openxmlformats.org/presentationml/2006/main">
+  <p:cSld>
+    <p:spTree>
+      <p:nvGrpSpPr>
+        <p:cNvPr id="1" name=""/>
+        <p:cNvGrpSpPr/>
+        <p:nvPr/>
+      </p:nvGrpSpPr>
+      <p:grpSpPr>
+        <a:xfrm>
+          <a:off x="0" y="0"/>
+          <a:ext cx="0" cy="0"/>
+          <a:chOff x="0" y="0"/>
+          <a:chExt cx="0" cy="0"/>
+        </a:xfrm>
+      </p:grpSpPr>
+      <p:sp>
+        <p:nvSpPr>
+          <p:cNvPr id="2" name="Slide Image Placeholder 1"/>
+          <p:cNvSpPr>
+            <a:spLocks noGrp="1" noRot="1" noChangeAspect="1"/>
+          </p:cNvSpPr>
+          <p:nvPr>
+            <p:ph type="sldImg"/>
+          </p:nvPr>
+        </p:nvSpPr>
+        <p:spPr/>
+      </p:sp>
+      <p:sp>
+        <p:nvSpPr>
+          <p:cNvPr id="3" name="Notes Placeholder 2"/>
+          <p:cNvSpPr>
+            <a:spLocks noGrp="1"/>
+          </p:cNvSpPr>
+          <p:nvPr>
+            <p:ph type="body" idx="1"/>
+          </p:nvPr>
+        </p:nvSpPr>
+        <p:spPr/>
+        <p:txBody>
+          <a:bodyPr>
+            <a:normAutofit/>
+          </a:bodyPr>
+          <a:lstStyle/>
+          <a:p>
+            <a:r>
+              <a:rPr lang="en-US" dirty="0" err="1"/>
+              <a:t>ExpectedUtility</a:t>
+            </a:r>
+            <a:r>
+              <a:rPr lang="en-US" baseline="0" dirty="0"/>
+              <a:t>(action) = </a:t>
+            </a:r>
+            <a:r>
+              <a:rPr lang="en-US" baseline="0" dirty="0" err="1"/>
+              <a:t>sum_outcomes</a:t>
+            </a:r>
+            <a:r>
+              <a:rPr lang="en-US" baseline="0" dirty="0"/>
+              <a:t> Utility(outcome) * P(outcome)</a:t>
+            </a:r>
+            <a:endParaRPr lang="en-US" dirty="0"/>
+          </a:p>
+        </p:txBody>
+      </p:sp>
+      <p:sp>
+        <p:nvSpPr>
+          <p:cNvPr id="4" name="Slide Number Placeholder 3"/>
+          <p:cNvSpPr>
+            <a:spLocks noGrp="1"/>
+          </p:cNvSpPr>
+          <p:nvPr>
+            <p:ph type="sldNum" sz="quarter" idx="10"/>
+          </p:nvPr>
+        </p:nvSpPr>
+        <p:spPr/>
+        <p:txBody>
+          <a:bodyPr/>
+          <a:lstStyle/>
+          <a:p>
+            <a:fld id="{2754576A-F041-465B-B05C-90CC0BF4FA50}" type="slidenum">
+              <a:rPr lang="en-US" smtClean="0"/>
+              <a:pPr/>
+              <a:t>12</a:t>
+            </a:fld>
+            <a:endParaRPr lang="en-US"/>
+          </a:p>
+        </p:txBody>
+      </p:sp>
+    </p:spTree>
+    <p:extLst>
+      <p:ext uri="{BB962C8B-B14F-4D97-AF65-F5344CB8AC3E}">
+        <p14:creationId xmlns:p14="http://schemas.microsoft.com/office/powerpoint/2010/main" val="3964242949"/>
       </p:ext>
     </p:extLst>
   </p:cSld>
@@ -10594,7 +11208,7 @@
                   </a:schemeClr>
                 </a:solidFill>
                 <a:effectLst/>
-                <a:latin typeface="source sans pro" panose="020B0503030403020204" pitchFamily="34" charset="0"/>
+                <a:latin typeface="Calibri" panose="020F0502020204030204" pitchFamily="34" charset="0"/>
               </a:rPr>
               <a:t>This work is licensed under a </a:t>
             </a:r>
@@ -10606,7 +11220,7 @@
                   </a:schemeClr>
                 </a:solidFill>
                 <a:effectLst/>
-                <a:latin typeface="source sans pro" panose="020B0503030403020204" pitchFamily="34" charset="0"/>
+                <a:latin typeface="Calibri" panose="020F0502020204030204" pitchFamily="34" charset="0"/>
                 <a:hlinkClick r:id="rId5">
                   <a:extLst>
                     <a:ext uri="{A12FA001-AC4F-418D-AE19-62706E023703}">
@@ -10625,7 +11239,7 @@
                   </a:schemeClr>
                 </a:solidFill>
                 <a:effectLst/>
-                <a:latin typeface="source sans pro" panose="020B0503030403020204" pitchFamily="34" charset="0"/>
+                <a:latin typeface="Calibri" panose="020F0502020204030204" pitchFamily="34" charset="0"/>
                 <a:hlinkClick r:id="rId5">
                   <a:extLst>
                     <a:ext uri="{A12FA001-AC4F-418D-AE19-62706E023703}">
@@ -10644,7 +11258,7 @@
                   </a:schemeClr>
                 </a:solidFill>
                 <a:effectLst/>
-                <a:latin typeface="source sans pro" panose="020B0503030403020204" pitchFamily="34" charset="0"/>
+                <a:latin typeface="Calibri" panose="020F0502020204030204" pitchFamily="34" charset="0"/>
                 <a:hlinkClick r:id="rId5">
                   <a:extLst>
                     <a:ext uri="{A12FA001-AC4F-418D-AE19-62706E023703}">
@@ -10663,7 +11277,7 @@
                   </a:schemeClr>
                 </a:solidFill>
                 <a:effectLst/>
-                <a:latin typeface="source sans pro" panose="020B0503030403020204" pitchFamily="34" charset="0"/>
+                <a:latin typeface="Calibri" panose="020F0502020204030204" pitchFamily="34" charset="0"/>
               </a:rPr>
               <a:t>.</a:t>
             </a:r>
@@ -10685,7 +11299,222 @@
 </p:sld>
 </file>
 
-<file path=ppt/slides/slide2.xml><?xml version="1.0" encoding="utf-8"?>
+<file path=ppt/slides/slide10.xml><?xml version="1.0" encoding="utf-8"?>
+<p:sld xmlns:a="http://schemas.openxmlformats.org/drawingml/2006/main" xmlns:r="http://schemas.openxmlformats.org/officeDocument/2006/relationships" xmlns:p="http://schemas.openxmlformats.org/presentationml/2006/main">
+  <p:cSld>
+    <p:bg>
+      <p:bgPr>
+        <a:solidFill>
+          <a:srgbClr val="000000"/>
+        </a:solidFill>
+        <a:effectLst/>
+      </p:bgPr>
+    </p:bg>
+    <p:spTree>
+      <p:nvGrpSpPr>
+        <p:cNvPr id="1" name=""/>
+        <p:cNvGrpSpPr/>
+        <p:nvPr/>
+      </p:nvGrpSpPr>
+      <p:grpSpPr>
+        <a:xfrm>
+          <a:off x="0" y="0"/>
+          <a:ext cx="0" cy="0"/>
+          <a:chOff x="0" y="0"/>
+          <a:chExt cx="0" cy="0"/>
+        </a:xfrm>
+      </p:grpSpPr>
+      <p:sp>
+        <p:nvSpPr>
+          <p:cNvPr id="11" name="Rectangle 10">
+            <a:extLst>
+              <a:ext uri="{FF2B5EF4-FFF2-40B4-BE49-F238E27FC236}">
+                <a16:creationId xmlns:a16="http://schemas.microsoft.com/office/drawing/2014/main" id="{71B2258F-86CA-4D4D-8270-BC05FCDEBFB3}"/>
+              </a:ext>
+              <a:ext uri="{C183D7F6-B498-43B3-948B-1728B52AA6E4}">
+                <adec:decorative xmlns:adec="http://schemas.microsoft.com/office/drawing/2017/decorative" val="1"/>
+              </a:ext>
+            </a:extLst>
+          </p:cNvPr>
+          <p:cNvSpPr>
+            <a:spLocks noGrp="1" noRot="1" noChangeAspect="1" noMove="1" noResize="1" noEditPoints="1" noAdjustHandles="1" noChangeArrowheads="1" noChangeShapeType="1" noTextEdit="1"/>
+          </p:cNvSpPr>
+          <p:nvPr>
+            <p:extLst>
+              <p:ext uri="{386F3935-93C4-4BCD-93E2-E3B085C9AB24}">
+                <p16:designElem xmlns:p16="http://schemas.microsoft.com/office/powerpoint/2015/main" val="1"/>
+              </p:ext>
+            </p:extLst>
+          </p:nvPr>
+        </p:nvSpPr>
+        <p:spPr>
+          <a:xfrm>
+            <a:off x="0" y="0"/>
+            <a:ext cx="9144000" cy="6857999"/>
+          </a:xfrm>
+          <a:prstGeom prst="rect">
+            <a:avLst/>
+          </a:prstGeom>
+          <a:solidFill>
+            <a:srgbClr val="000000"/>
+          </a:solidFill>
+          <a:ln>
+            <a:noFill/>
+          </a:ln>
+        </p:spPr>
+        <p:style>
+          <a:lnRef idx="2">
+            <a:schemeClr val="accent1">
+              <a:shade val="50000"/>
+            </a:schemeClr>
+          </a:lnRef>
+          <a:fillRef idx="1">
+            <a:schemeClr val="accent1"/>
+          </a:fillRef>
+          <a:effectRef idx="0">
+            <a:schemeClr val="accent1"/>
+          </a:effectRef>
+          <a:fontRef idx="minor">
+            <a:schemeClr val="lt1"/>
+          </a:fontRef>
+        </p:style>
+        <p:txBody>
+          <a:bodyPr rtlCol="0" anchor="ctr"/>
+          <a:lstStyle/>
+          <a:p>
+            <a:pPr algn="ctr"/>
+            <a:endParaRPr lang="en-US"/>
+          </a:p>
+        </p:txBody>
+      </p:sp>
+      <p:pic>
+        <p:nvPicPr>
+          <p:cNvPr id="7" name="Picture 6" descr="Long exposure of lights">
+            <a:extLst>
+              <a:ext uri="{FF2B5EF4-FFF2-40B4-BE49-F238E27FC236}">
+                <a16:creationId xmlns:a16="http://schemas.microsoft.com/office/drawing/2014/main" id="{792548D1-A513-8555-B72E-A1F5D0C9BE6D}"/>
+              </a:ext>
+            </a:extLst>
+          </p:cNvPr>
+          <p:cNvPicPr>
+            <a:picLocks noChangeAspect="1"/>
+          </p:cNvPicPr>
+          <p:nvPr/>
+        </p:nvPicPr>
+        <p:blipFill>
+          <a:blip r:embed="rId2">
+            <a:alphaModFix amt="50000"/>
+          </a:blip>
+          <a:srcRect l="11000" r="-2" b="-2"/>
+          <a:stretch>
+            <a:fillRect/>
+          </a:stretch>
+        </p:blipFill>
+        <p:spPr>
+          <a:xfrm>
+            <a:off x="20" y="1"/>
+            <a:ext cx="9143980" cy="6857999"/>
+          </a:xfrm>
+          <a:prstGeom prst="rect">
+            <a:avLst/>
+          </a:prstGeom>
+        </p:spPr>
+      </p:pic>
+      <p:sp>
+        <p:nvSpPr>
+          <p:cNvPr id="4" name="Title 3">
+            <a:extLst>
+              <a:ext uri="{FF2B5EF4-FFF2-40B4-BE49-F238E27FC236}">
+                <a16:creationId xmlns:a16="http://schemas.microsoft.com/office/drawing/2014/main" id="{21FBCDB5-C30B-3FF5-0730-276EEF30B4B8}"/>
+              </a:ext>
+            </a:extLst>
+          </p:cNvPr>
+          <p:cNvSpPr>
+            <a:spLocks noGrp="1"/>
+          </p:cNvSpPr>
+          <p:nvPr>
+            <p:ph type="title"/>
+          </p:nvPr>
+        </p:nvSpPr>
+        <p:spPr>
+          <a:xfrm>
+            <a:off x="1143000" y="1122362"/>
+            <a:ext cx="6858000" cy="2900518"/>
+          </a:xfrm>
+        </p:spPr>
+        <p:txBody>
+          <a:bodyPr vert="horz" lIns="91440" tIns="45720" rIns="91440" bIns="45720" rtlCol="0" anchor="b">
+            <a:normAutofit/>
+          </a:bodyPr>
+          <a:lstStyle/>
+          <a:p>
+            <a:pPr algn="ctr" defTabSz="914400"/>
+            <a:r>
+              <a:rPr lang="en-US" sz="6000">
+                <a:solidFill>
+                  <a:srgbClr val="FFFFFF"/>
+                </a:solidFill>
+              </a:rPr>
+              <a:t>Case Study: Self-Driving Cars</a:t>
+            </a:r>
+          </a:p>
+        </p:txBody>
+      </p:sp>
+      <p:sp>
+        <p:nvSpPr>
+          <p:cNvPr id="5" name="Text Placeholder 4">
+            <a:extLst>
+              <a:ext uri="{FF2B5EF4-FFF2-40B4-BE49-F238E27FC236}">
+                <a16:creationId xmlns:a16="http://schemas.microsoft.com/office/drawing/2014/main" id="{D80D5652-4FAA-34E1-C5A5-9271802086F8}"/>
+              </a:ext>
+            </a:extLst>
+          </p:cNvPr>
+          <p:cNvSpPr>
+            <a:spLocks noGrp="1"/>
+          </p:cNvSpPr>
+          <p:nvPr>
+            <p:ph type="body" idx="1"/>
+          </p:nvPr>
+        </p:nvSpPr>
+        <p:spPr>
+          <a:xfrm>
+            <a:off x="1143000" y="4159404"/>
+            <a:ext cx="6858000" cy="1098395"/>
+          </a:xfrm>
+        </p:spPr>
+        <p:txBody>
+          <a:bodyPr vert="horz" lIns="91440" tIns="45720" rIns="91440" bIns="45720" rtlCol="0">
+            <a:normAutofit/>
+          </a:bodyPr>
+          <a:lstStyle/>
+          <a:p>
+            <a:pPr algn="ctr" defTabSz="914400">
+              <a:spcBef>
+                <a:spcPts val="1000"/>
+              </a:spcBef>
+            </a:pPr>
+            <a:endParaRPr lang="en-US" sz="2400">
+              <a:solidFill>
+                <a:srgbClr val="FFFFFF"/>
+              </a:solidFill>
+            </a:endParaRPr>
+          </a:p>
+        </p:txBody>
+      </p:sp>
+    </p:spTree>
+    <p:extLst>
+      <p:ext uri="{BB962C8B-B14F-4D97-AF65-F5344CB8AC3E}">
+        <p14:creationId xmlns:p14="http://schemas.microsoft.com/office/powerpoint/2010/main" val="2729019226"/>
+      </p:ext>
+    </p:extLst>
+  </p:cSld>
+  <p:clrMapOvr>
+    <a:overrideClrMapping bg1="dk1" tx1="lt1" bg2="dk2" tx2="lt2" accent1="accent1" accent2="accent2" accent3="accent3" accent4="accent4" accent5="accent5" accent6="accent6" hlink="hlink" folHlink="folHlink"/>
+  </p:clrMapOvr>
+</p:sld>
+</file>
+
+<file path=ppt/slides/slide11.xml><?xml version="1.0" encoding="utf-8"?>
 <p:sld xmlns:a="http://schemas.openxmlformats.org/drawingml/2006/main" xmlns:r="http://schemas.openxmlformats.org/officeDocument/2006/relationships" xmlns:p="http://schemas.openxmlformats.org/presentationml/2006/main">
   <p:cSld>
     <p:spTree>
@@ -11080,7 +11909,7 @@
 </p:sld>
 </file>
 
-<file path=ppt/slides/slide3.xml><?xml version="1.0" encoding="utf-8"?>
+<file path=ppt/slides/slide12.xml><?xml version="1.0" encoding="utf-8"?>
 <p:sld xmlns:a="http://schemas.openxmlformats.org/drawingml/2006/main" xmlns:r="http://schemas.openxmlformats.org/officeDocument/2006/relationships" xmlns:p="http://schemas.openxmlformats.org/presentationml/2006/main">
   <p:cSld>
     <p:spTree>
@@ -11770,7 +12599,7 @@
 </p:sld>
 </file>
 
-<file path=ppt/slides/slide4.xml><?xml version="1.0" encoding="utf-8"?>
+<file path=ppt/slides/slide13.xml><?xml version="1.0" encoding="utf-8"?>
 <p:sld xmlns:a="http://schemas.openxmlformats.org/drawingml/2006/main" xmlns:r="http://schemas.openxmlformats.org/officeDocument/2006/relationships" xmlns:p="http://schemas.openxmlformats.org/presentationml/2006/main">
   <p:cSld>
     <p:spTree>
@@ -11940,7 +12769,7 @@
 </p:sld>
 </file>
 
-<file path=ppt/slides/slide5.xml><?xml version="1.0" encoding="utf-8"?>
+<file path=ppt/slides/slide14.xml><?xml version="1.0" encoding="utf-8"?>
 <p:sld xmlns:a="http://schemas.openxmlformats.org/drawingml/2006/main" xmlns:r="http://schemas.openxmlformats.org/officeDocument/2006/relationships" xmlns:p="http://schemas.openxmlformats.org/presentationml/2006/main">
   <p:cSld>
     <p:spTree>
@@ -12259,7 +13088,7 @@
 </p:sld>
 </file>
 
-<file path=ppt/slides/slide6.xml><?xml version="1.0" encoding="utf-8"?>
+<file path=ppt/slides/slide15.xml><?xml version="1.0" encoding="utf-8"?>
 <p:sld xmlns:a="http://schemas.openxmlformats.org/drawingml/2006/main" xmlns:r="http://schemas.openxmlformats.org/officeDocument/2006/relationships" xmlns:p="http://schemas.openxmlformats.org/presentationml/2006/main">
   <p:cSld>
     <p:spTree>
@@ -12605,7 +13434,7 @@
 </p:sld>
 </file>
 
-<file path=ppt/slides/slide7.xml><?xml version="1.0" encoding="utf-8"?>
+<file path=ppt/slides/slide16.xml><?xml version="1.0" encoding="utf-8"?>
 <p:sld xmlns:a="http://schemas.openxmlformats.org/drawingml/2006/main" xmlns:r="http://schemas.openxmlformats.org/officeDocument/2006/relationships" xmlns:p="http://schemas.openxmlformats.org/presentationml/2006/main">
   <p:cSld>
     <p:spTree>
@@ -13755,7 +14584,7 @@
 </p:sld>
 </file>
 
-<file path=ppt/slides/slide8.xml><?xml version="1.0" encoding="utf-8"?>
+<file path=ppt/slides/slide17.xml><?xml version="1.0" encoding="utf-8"?>
 <p:sld xmlns:a="http://schemas.openxmlformats.org/drawingml/2006/main" xmlns:r="http://schemas.openxmlformats.org/officeDocument/2006/relationships" xmlns:p="http://schemas.openxmlformats.org/presentationml/2006/main">
   <p:cSld>
     <p:spTree>
@@ -14461,7 +15290,7 @@
 </p:sld>
 </file>
 
-<file path=ppt/slides/slide9.xml><?xml version="1.0" encoding="utf-8"?>
+<file path=ppt/slides/slide18.xml><?xml version="1.0" encoding="utf-8"?>
 <p:sld xmlns:a="http://schemas.openxmlformats.org/drawingml/2006/main" xmlns:r="http://schemas.openxmlformats.org/officeDocument/2006/relationships" xmlns:p="http://schemas.openxmlformats.org/presentationml/2006/main">
   <p:cSld>
     <p:spTree>
@@ -14727,6 +15556,7721 @@
   <p:clrMapOvr>
     <a:masterClrMapping/>
   </p:clrMapOvr>
+</p:sld>
+</file>
+
+<file path=ppt/slides/slide2.xml><?xml version="1.0" encoding="utf-8"?>
+<p:sld xmlns:a="http://schemas.openxmlformats.org/drawingml/2006/main" xmlns:r="http://schemas.openxmlformats.org/officeDocument/2006/relationships" xmlns:p="http://schemas.openxmlformats.org/presentationml/2006/main">
+  <p:cSld>
+    <p:bg>
+      <p:bgPr>
+        <a:solidFill>
+          <a:srgbClr val="000000"/>
+        </a:solidFill>
+        <a:effectLst/>
+      </p:bgPr>
+    </p:bg>
+    <p:spTree>
+      <p:nvGrpSpPr>
+        <p:cNvPr id="1" name=""/>
+        <p:cNvGrpSpPr/>
+        <p:nvPr/>
+      </p:nvGrpSpPr>
+      <p:grpSpPr>
+        <a:xfrm>
+          <a:off x="0" y="0"/>
+          <a:ext cx="0" cy="0"/>
+          <a:chOff x="0" y="0"/>
+          <a:chExt cx="0" cy="0"/>
+        </a:xfrm>
+      </p:grpSpPr>
+      <p:sp>
+        <p:nvSpPr>
+          <p:cNvPr id="11" name="Rectangle 10">
+            <a:extLst>
+              <a:ext uri="{FF2B5EF4-FFF2-40B4-BE49-F238E27FC236}">
+                <a16:creationId xmlns:a16="http://schemas.microsoft.com/office/drawing/2014/main" id="{71B2258F-86CA-4D4D-8270-BC05FCDEBFB3}"/>
+              </a:ext>
+              <a:ext uri="{C183D7F6-B498-43B3-948B-1728B52AA6E4}">
+                <adec:decorative xmlns:adec="http://schemas.microsoft.com/office/drawing/2017/decorative" val="1"/>
+              </a:ext>
+            </a:extLst>
+          </p:cNvPr>
+          <p:cNvSpPr>
+            <a:spLocks noGrp="1" noRot="1" noChangeAspect="1" noMove="1" noResize="1" noEditPoints="1" noAdjustHandles="1" noChangeArrowheads="1" noChangeShapeType="1" noTextEdit="1"/>
+          </p:cNvSpPr>
+          <p:nvPr>
+            <p:extLst>
+              <p:ext uri="{386F3935-93C4-4BCD-93E2-E3B085C9AB24}">
+                <p16:designElem xmlns:p16="http://schemas.microsoft.com/office/powerpoint/2015/main" val="1"/>
+              </p:ext>
+            </p:extLst>
+          </p:nvPr>
+        </p:nvSpPr>
+        <p:spPr>
+          <a:xfrm>
+            <a:off x="0" y="0"/>
+            <a:ext cx="9144000" cy="6857999"/>
+          </a:xfrm>
+          <a:prstGeom prst="rect">
+            <a:avLst/>
+          </a:prstGeom>
+          <a:solidFill>
+            <a:srgbClr val="000000"/>
+          </a:solidFill>
+          <a:ln>
+            <a:noFill/>
+          </a:ln>
+        </p:spPr>
+        <p:style>
+          <a:lnRef idx="2">
+            <a:schemeClr val="accent1">
+              <a:shade val="50000"/>
+            </a:schemeClr>
+          </a:lnRef>
+          <a:fillRef idx="1">
+            <a:schemeClr val="accent1"/>
+          </a:fillRef>
+          <a:effectRef idx="0">
+            <a:schemeClr val="accent1"/>
+          </a:effectRef>
+          <a:fontRef idx="minor">
+            <a:schemeClr val="lt1"/>
+          </a:fontRef>
+        </p:style>
+        <p:txBody>
+          <a:bodyPr rtlCol="0" anchor="ctr"/>
+          <a:lstStyle/>
+          <a:p>
+            <a:pPr algn="ctr"/>
+            <a:endParaRPr lang="en-US"/>
+          </a:p>
+        </p:txBody>
+      </p:sp>
+      <p:pic>
+        <p:nvPicPr>
+          <p:cNvPr id="6" name="Picture 14">
+            <a:extLst>
+              <a:ext uri="{FF2B5EF4-FFF2-40B4-BE49-F238E27FC236}">
+                <a16:creationId xmlns:a16="http://schemas.microsoft.com/office/drawing/2014/main" id="{E4F041C0-7D5C-CB2F-92DA-37E6B770851E}"/>
+              </a:ext>
+              <a:ext uri="{C183D7F6-B498-43B3-948B-1728B52AA6E4}">
+                <adec:decorative xmlns:adec="http://schemas.microsoft.com/office/drawing/2017/decorative" val="1"/>
+              </a:ext>
+            </a:extLst>
+          </p:cNvPr>
+          <p:cNvPicPr>
+            <a:picLocks noChangeAspect="1" noChangeArrowheads="1"/>
+          </p:cNvPicPr>
+          <p:nvPr/>
+        </p:nvPicPr>
+        <p:blipFill rotWithShape="1">
+          <a:blip r:embed="rId2" cstate="print">
+            <a:alphaModFix amt="50000"/>
+          </a:blip>
+          <a:srcRect t="27493" b="22444"/>
+          <a:stretch>
+            <a:fillRect/>
+          </a:stretch>
+        </p:blipFill>
+        <p:spPr bwMode="auto">
+          <a:xfrm>
+            <a:off x="20" y="1"/>
+            <a:ext cx="9143980" cy="6857999"/>
+          </a:xfrm>
+          <a:prstGeom prst="rect">
+            <a:avLst/>
+          </a:prstGeom>
+          <a:noFill/>
+        </p:spPr>
+      </p:pic>
+      <p:sp>
+        <p:nvSpPr>
+          <p:cNvPr id="4" name="Title 3">
+            <a:extLst>
+              <a:ext uri="{FF2B5EF4-FFF2-40B4-BE49-F238E27FC236}">
+                <a16:creationId xmlns:a16="http://schemas.microsoft.com/office/drawing/2014/main" id="{110C9F2C-5F20-241B-A7B4-23BCD535D7A9}"/>
+              </a:ext>
+            </a:extLst>
+          </p:cNvPr>
+          <p:cNvSpPr>
+            <a:spLocks noGrp="1"/>
+          </p:cNvSpPr>
+          <p:nvPr>
+            <p:ph type="title"/>
+          </p:nvPr>
+        </p:nvSpPr>
+        <p:spPr>
+          <a:xfrm>
+            <a:off x="1143000" y="1122362"/>
+            <a:ext cx="6858000" cy="2900518"/>
+          </a:xfrm>
+        </p:spPr>
+        <p:txBody>
+          <a:bodyPr vert="horz" lIns="91440" tIns="45720" rIns="91440" bIns="45720" rtlCol="0" anchor="b">
+            <a:normAutofit/>
+          </a:bodyPr>
+          <a:lstStyle/>
+          <a:p>
+            <a:pPr algn="ctr" defTabSz="914400"/>
+            <a:r>
+              <a:rPr lang="en-US" sz="6000">
+                <a:solidFill>
+                  <a:srgbClr val="FFFFFF"/>
+                </a:solidFill>
+              </a:rPr>
+              <a:t>Module Review</a:t>
+            </a:r>
+          </a:p>
+        </p:txBody>
+      </p:sp>
+      <p:sp>
+        <p:nvSpPr>
+          <p:cNvPr id="5" name="Text Placeholder 4">
+            <a:extLst>
+              <a:ext uri="{FF2B5EF4-FFF2-40B4-BE49-F238E27FC236}">
+                <a16:creationId xmlns:a16="http://schemas.microsoft.com/office/drawing/2014/main" id="{702CF149-4E3E-4BC7-1591-E633BE8275BB}"/>
+              </a:ext>
+            </a:extLst>
+          </p:cNvPr>
+          <p:cNvSpPr>
+            <a:spLocks noGrp="1"/>
+          </p:cNvSpPr>
+          <p:nvPr>
+            <p:ph type="body" idx="1"/>
+          </p:nvPr>
+        </p:nvSpPr>
+        <p:spPr>
+          <a:xfrm>
+            <a:off x="1143000" y="4159404"/>
+            <a:ext cx="6858000" cy="1098395"/>
+          </a:xfrm>
+        </p:spPr>
+        <p:txBody>
+          <a:bodyPr vert="horz" lIns="91440" tIns="45720" rIns="91440" bIns="45720" rtlCol="0">
+            <a:normAutofit/>
+          </a:bodyPr>
+          <a:lstStyle/>
+          <a:p>
+            <a:pPr algn="ctr" defTabSz="914400">
+              <a:spcBef>
+                <a:spcPts val="1000"/>
+              </a:spcBef>
+            </a:pPr>
+            <a:endParaRPr lang="en-US" sz="2400">
+              <a:solidFill>
+                <a:srgbClr val="FFFFFF"/>
+              </a:solidFill>
+            </a:endParaRPr>
+          </a:p>
+        </p:txBody>
+      </p:sp>
+    </p:spTree>
+    <p:extLst>
+      <p:ext uri="{BB962C8B-B14F-4D97-AF65-F5344CB8AC3E}">
+        <p14:creationId xmlns:p14="http://schemas.microsoft.com/office/powerpoint/2010/main" val="499141692"/>
+      </p:ext>
+    </p:extLst>
+  </p:cSld>
+  <p:clrMapOvr>
+    <a:overrideClrMapping bg1="dk1" tx1="lt1" bg2="dk2" tx2="lt2" accent1="accent1" accent2="accent2" accent3="accent3" accent4="accent4" accent5="accent5" accent6="accent6" hlink="hlink" folHlink="folHlink"/>
+  </p:clrMapOvr>
+</p:sld>
+</file>
+
+<file path=ppt/slides/slide3.xml><?xml version="1.0" encoding="utf-8"?>
+<p:sld xmlns:a="http://schemas.openxmlformats.org/drawingml/2006/main" xmlns:r="http://schemas.openxmlformats.org/officeDocument/2006/relationships" xmlns:p="http://schemas.openxmlformats.org/presentationml/2006/main">
+  <p:cSld>
+    <p:spTree>
+      <p:nvGrpSpPr>
+        <p:cNvPr id="1" name=""/>
+        <p:cNvGrpSpPr/>
+        <p:nvPr/>
+      </p:nvGrpSpPr>
+      <p:grpSpPr>
+        <a:xfrm>
+          <a:off x="0" y="0"/>
+          <a:ext cx="0" cy="0"/>
+          <a:chOff x="0" y="0"/>
+          <a:chExt cx="0" cy="0"/>
+        </a:xfrm>
+      </p:grpSpPr>
+      <p:sp>
+        <p:nvSpPr>
+          <p:cNvPr id="24578" name="Rectangle 2"/>
+          <p:cNvSpPr>
+            <a:spLocks noGrp="1" noChangeArrowheads="1"/>
+          </p:cNvSpPr>
+          <p:nvPr>
+            <p:ph type="title"/>
+          </p:nvPr>
+        </p:nvSpPr>
+        <p:spPr>
+          <a:xfrm>
+            <a:off x="628650" y="365127"/>
+            <a:ext cx="7886700" cy="872682"/>
+          </a:xfrm>
+        </p:spPr>
+        <p:txBody>
+          <a:bodyPr/>
+          <a:lstStyle/>
+          <a:p>
+            <a:r>
+              <a:rPr lang="en-US" dirty="0"/>
+              <a:t>Designing a Rational Agent</a:t>
+            </a:r>
+          </a:p>
+        </p:txBody>
+      </p:sp>
+      <p:pic>
+        <p:nvPicPr>
+          <p:cNvPr id="9" name="Picture 4">
+            <a:extLst>
+              <a:ext uri="{FF2B5EF4-FFF2-40B4-BE49-F238E27FC236}">
+                <a16:creationId xmlns:a16="http://schemas.microsoft.com/office/drawing/2014/main" id="{46E8AEF4-D86A-4A0B-B953-150370693E80}"/>
+              </a:ext>
+              <a:ext uri="{C183D7F6-B498-43B3-948B-1728B52AA6E4}">
+                <adec:decorative xmlns:adec="http://schemas.microsoft.com/office/drawing/2017/decorative" val="1"/>
+              </a:ext>
+            </a:extLst>
+          </p:cNvPr>
+          <p:cNvPicPr>
+            <a:picLocks noChangeAspect="1" noChangeArrowheads="1"/>
+          </p:cNvPicPr>
+          <p:nvPr/>
+        </p:nvPicPr>
+        <p:blipFill>
+          <a:blip r:embed="rId3" cstate="print"/>
+          <a:srcRect/>
+          <a:stretch>
+            <a:fillRect/>
+          </a:stretch>
+        </p:blipFill>
+        <p:spPr bwMode="auto">
+          <a:xfrm>
+            <a:off x="317851" y="1295400"/>
+            <a:ext cx="4185764" cy="1823987"/>
+          </a:xfrm>
+          <a:prstGeom prst="rect">
+            <a:avLst/>
+          </a:prstGeom>
+          <a:noFill/>
+          <a:ln w="9525">
+            <a:noFill/>
+            <a:miter lim="800000"/>
+            <a:headEnd/>
+            <a:tailEnd/>
+          </a:ln>
+        </p:spPr>
+      </p:pic>
+      <p:sp>
+        <p:nvSpPr>
+          <p:cNvPr id="3" name="TextBox 2">
+            <a:extLst>
+              <a:ext uri="{FF2B5EF4-FFF2-40B4-BE49-F238E27FC236}">
+                <a16:creationId xmlns:a16="http://schemas.microsoft.com/office/drawing/2014/main" id="{8E5BC799-A91C-F554-D39B-84A41FBC6B8A}"/>
+              </a:ext>
+            </a:extLst>
+          </p:cNvPr>
+          <p:cNvSpPr txBox="1"/>
+          <p:nvPr/>
+        </p:nvSpPr>
+        <p:spPr>
+          <a:xfrm>
+            <a:off x="4572000" y="1295400"/>
+            <a:ext cx="4419600" cy="2292174"/>
+          </a:xfrm>
+          <a:prstGeom prst="rect">
+            <a:avLst/>
+          </a:prstGeom>
+        </p:spPr>
+        <p:style>
+          <a:lnRef idx="2">
+            <a:schemeClr val="accent6"/>
+          </a:lnRef>
+          <a:fillRef idx="1">
+            <a:schemeClr val="lt1"/>
+          </a:fillRef>
+          <a:effectRef idx="0">
+            <a:schemeClr val="accent6"/>
+          </a:effectRef>
+          <a:fontRef idx="minor">
+            <a:schemeClr val="dk1"/>
+          </a:fontRef>
+        </p:style>
+        <p:txBody>
+          <a:bodyPr wrap="square">
+            <a:normAutofit fontScale="77500" lnSpcReduction="20000"/>
+          </a:bodyPr>
+          <a:lstStyle/>
+          <a:p>
+            <a:pPr marL="0" indent="0">
+              <a:buNone/>
+            </a:pPr>
+            <a:r>
+              <a:rPr lang="en-US" sz="2800" dirty="0"/>
+              <a:t>Remember the definition of a rational agent:</a:t>
+            </a:r>
+          </a:p>
+          <a:p>
+            <a:pPr marL="342900" lvl="1" indent="0">
+              <a:buNone/>
+            </a:pPr>
+            <a:r>
+              <a:rPr lang="en-US" sz="2500" i="1" dirty="0"/>
+              <a:t>“For each possible percept sequence, a rational agent should select an </a:t>
+            </a:r>
+            <a:r>
+              <a:rPr lang="en-US" sz="2500" b="1" i="1" dirty="0">
+                <a:solidFill>
+                  <a:srgbClr val="FF0000"/>
+                </a:solidFill>
+              </a:rPr>
+              <a:t>action</a:t>
+            </a:r>
+            <a:r>
+              <a:rPr lang="en-US" sz="2500" i="1" dirty="0"/>
+              <a:t> that</a:t>
+            </a:r>
+            <a:r>
+              <a:rPr lang="en-US" sz="2500" b="1" i="1" dirty="0">
+                <a:solidFill>
+                  <a:srgbClr val="FF0000"/>
+                </a:solidFill>
+              </a:rPr>
+              <a:t> maximizes its expected performance measure</a:t>
+            </a:r>
+            <a:r>
+              <a:rPr lang="en-US" sz="2500" i="1" dirty="0"/>
+              <a:t>, given the evidence provided by the </a:t>
+            </a:r>
+            <a:r>
+              <a:rPr lang="en-US" sz="2500" b="1" i="1" dirty="0">
+                <a:solidFill>
+                  <a:srgbClr val="FF0000"/>
+                </a:solidFill>
+              </a:rPr>
+              <a:t>percept sequence</a:t>
+            </a:r>
+            <a:r>
+              <a:rPr lang="en-US" sz="2500" i="1" dirty="0"/>
+              <a:t> and the </a:t>
+            </a:r>
+            <a:r>
+              <a:rPr lang="en-US" sz="2500" b="1" i="1" dirty="0">
+                <a:solidFill>
+                  <a:srgbClr val="FF0000"/>
+                </a:solidFill>
+              </a:rPr>
+              <a:t>agent’s built-in knowledge</a:t>
+            </a:r>
+            <a:r>
+              <a:rPr lang="en-US" sz="2500" i="1" dirty="0"/>
+              <a:t>.”</a:t>
+            </a:r>
+          </a:p>
+        </p:txBody>
+      </p:sp>
+      <mc:AlternateContent xmlns:mc="http://schemas.openxmlformats.org/markup-compatibility/2006" xmlns:a14="http://schemas.microsoft.com/office/drawing/2010/main">
+        <mc:Choice Requires="a14">
+          <p:sp>
+            <p:nvSpPr>
+              <p:cNvPr id="6" name="TextBox 5">
+                <a:extLst>
+                  <a:ext uri="{FF2B5EF4-FFF2-40B4-BE49-F238E27FC236}">
+                    <a16:creationId xmlns:a16="http://schemas.microsoft.com/office/drawing/2014/main" id="{B3CB2EF1-2F60-BD5B-64D9-52A45BE6269C}"/>
+                  </a:ext>
+                  <a:ext uri="{C183D7F6-B498-43B3-948B-1728B52AA6E4}">
+                    <adec:decorative xmlns:adec="http://schemas.microsoft.com/office/drawing/2017/decorative" val="1"/>
+                  </a:ext>
+                </a:extLst>
+              </p:cNvPr>
+              <p:cNvSpPr txBox="1"/>
+              <p:nvPr/>
+            </p:nvSpPr>
+            <p:spPr>
+              <a:xfrm>
+                <a:off x="3157646" y="1840214"/>
+                <a:ext cx="381000" cy="338554"/>
+              </a:xfrm>
+              <a:prstGeom prst="rect">
+                <a:avLst/>
+              </a:prstGeom>
+              <a:noFill/>
+            </p:spPr>
+            <p:txBody>
+              <a:bodyPr wrap="square">
+                <a:spAutoFit/>
+              </a:bodyPr>
+              <a:lstStyle/>
+              <a:p>
+                <a:pPr/>
+                <a14:m>
+                  <m:oMathPara xmlns:m="http://schemas.openxmlformats.org/officeDocument/2006/math">
+                    <m:oMathParaPr>
+                      <m:jc m:val="centerGroup"/>
+                    </m:oMathParaPr>
+                    <m:oMath xmlns:m="http://schemas.openxmlformats.org/officeDocument/2006/math">
+                      <m:r>
+                        <a:rPr lang="en-US" sz="1600" b="0" i="1" smtClean="0">
+                          <a:latin typeface="Cambria Math" panose="02040503050406030204" pitchFamily="18" charset="0"/>
+                        </a:rPr>
+                        <m:t>𝑓</m:t>
+                      </m:r>
+                    </m:oMath>
+                  </m:oMathPara>
+                </a14:m>
+                <a:endParaRPr lang="en-US" sz="1600" dirty="0"/>
+              </a:p>
+            </p:txBody>
+          </p:sp>
+        </mc:Choice>
+        <mc:Fallback xmlns="">
+          <p:sp>
+            <p:nvSpPr>
+              <p:cNvPr id="6" name="TextBox 5">
+                <a:extLst>
+                  <a:ext uri="{FF2B5EF4-FFF2-40B4-BE49-F238E27FC236}">
+                    <a16:creationId xmlns:a16="http://schemas.microsoft.com/office/drawing/2014/main" id="{B3CB2EF1-2F60-BD5B-64D9-52A45BE6269C}"/>
+                  </a:ext>
+                  <a:ext uri="{C183D7F6-B498-43B3-948B-1728B52AA6E4}">
+                    <adec:decorative xmlns:adec="http://schemas.microsoft.com/office/drawing/2017/decorative" val="1"/>
+                  </a:ext>
+                </a:extLst>
+              </p:cNvPr>
+              <p:cNvSpPr txBox="1">
+                <a:spLocks noRot="1" noChangeAspect="1" noMove="1" noResize="1" noEditPoints="1" noAdjustHandles="1" noChangeArrowheads="1" noChangeShapeType="1" noTextEdit="1"/>
+              </p:cNvSpPr>
+              <p:nvPr/>
+            </p:nvSpPr>
+            <p:spPr>
+              <a:xfrm>
+                <a:off x="3157646" y="1840214"/>
+                <a:ext cx="381000" cy="338554"/>
+              </a:xfrm>
+              <a:prstGeom prst="rect">
+                <a:avLst/>
+              </a:prstGeom>
+              <a:blipFill>
+                <a:blip r:embed="rId4"/>
+                <a:stretch>
+                  <a:fillRect b="-10909"/>
+                </a:stretch>
+              </a:blipFill>
+            </p:spPr>
+            <p:txBody>
+              <a:bodyPr/>
+              <a:lstStyle/>
+              <a:p>
+                <a:r>
+                  <a:rPr lang="en-US">
+                    <a:noFill/>
+                  </a:rPr>
+                  <a:t> </a:t>
+                </a:r>
+              </a:p>
+            </p:txBody>
+          </p:sp>
+        </mc:Fallback>
+      </mc:AlternateContent>
+      <p:cxnSp>
+        <p:nvCxnSpPr>
+          <p:cNvPr id="20" name="Straight Arrow Connector 19">
+            <a:extLst>
+              <a:ext uri="{FF2B5EF4-FFF2-40B4-BE49-F238E27FC236}">
+                <a16:creationId xmlns:a16="http://schemas.microsoft.com/office/drawing/2014/main" id="{197A4365-FAB8-3CB6-5EC2-595FAABE4D28}"/>
+              </a:ext>
+              <a:ext uri="{C183D7F6-B498-43B3-948B-1728B52AA6E4}">
+                <adec:decorative xmlns:adec="http://schemas.microsoft.com/office/drawing/2017/decorative" val="1"/>
+              </a:ext>
+            </a:extLst>
+          </p:cNvPr>
+          <p:cNvCxnSpPr>
+            <a:cxnSpLocks/>
+          </p:cNvCxnSpPr>
+          <p:nvPr/>
+        </p:nvCxnSpPr>
+        <p:spPr>
+          <a:xfrm flipH="1">
+            <a:off x="3192781" y="2100180"/>
+            <a:ext cx="301404" cy="295030"/>
+          </a:xfrm>
+          <a:prstGeom prst="straightConnector1">
+            <a:avLst/>
+          </a:prstGeom>
+          <a:ln>
+            <a:tailEnd type="triangle"/>
+          </a:ln>
+        </p:spPr>
+        <p:style>
+          <a:lnRef idx="1">
+            <a:schemeClr val="dk1"/>
+          </a:lnRef>
+          <a:fillRef idx="0">
+            <a:schemeClr val="dk1"/>
+          </a:fillRef>
+          <a:effectRef idx="0">
+            <a:schemeClr val="dk1"/>
+          </a:effectRef>
+          <a:fontRef idx="minor">
+            <a:schemeClr val="tx1"/>
+          </a:fontRef>
+        </p:style>
+      </p:cxnSp>
+      <p:sp>
+        <p:nvSpPr>
+          <p:cNvPr id="21" name="TextBox 20">
+            <a:extLst>
+              <a:ext uri="{FF2B5EF4-FFF2-40B4-BE49-F238E27FC236}">
+                <a16:creationId xmlns:a16="http://schemas.microsoft.com/office/drawing/2014/main" id="{4D22C628-C220-F760-6CBE-5183B8BCBD9A}"/>
+              </a:ext>
+              <a:ext uri="{C183D7F6-B498-43B3-948B-1728B52AA6E4}">
+                <adec:decorative xmlns:adec="http://schemas.microsoft.com/office/drawing/2017/decorative" val="1"/>
+              </a:ext>
+            </a:extLst>
+          </p:cNvPr>
+          <p:cNvSpPr txBox="1"/>
+          <p:nvPr/>
+        </p:nvSpPr>
+        <p:spPr>
+          <a:xfrm>
+            <a:off x="2895600" y="2100180"/>
+            <a:ext cx="571500" cy="261610"/>
+          </a:xfrm>
+          <a:prstGeom prst="rect">
+            <a:avLst/>
+          </a:prstGeom>
+          <a:noFill/>
+        </p:spPr>
+        <p:txBody>
+          <a:bodyPr wrap="square" rtlCol="0">
+            <a:spAutoFit/>
+          </a:bodyPr>
+          <a:lstStyle/>
+          <a:p>
+            <a:r>
+              <a:rPr lang="en-US" sz="1100" b="1" dirty="0"/>
+              <a:t>action</a:t>
+            </a:r>
+          </a:p>
+        </p:txBody>
+      </p:sp>
+      <p:sp>
+        <p:nvSpPr>
+          <p:cNvPr id="2" name="Arrow: Down 1">
+            <a:extLst>
+              <a:ext uri="{FF2B5EF4-FFF2-40B4-BE49-F238E27FC236}">
+                <a16:creationId xmlns:a16="http://schemas.microsoft.com/office/drawing/2014/main" id="{CEC7A0A7-0C86-2824-B18B-E587AE386CFB}"/>
+              </a:ext>
+              <a:ext uri="{C183D7F6-B498-43B3-948B-1728B52AA6E4}">
+                <adec:decorative xmlns:adec="http://schemas.microsoft.com/office/drawing/2017/decorative" val="1"/>
+              </a:ext>
+            </a:extLst>
+          </p:cNvPr>
+          <p:cNvSpPr/>
+          <p:nvPr/>
+        </p:nvSpPr>
+        <p:spPr>
+          <a:xfrm rot="20595314">
+            <a:off x="3601282" y="2862065"/>
+            <a:ext cx="685800" cy="844374"/>
+          </a:xfrm>
+          <a:prstGeom prst="downArrow">
+            <a:avLst/>
+          </a:prstGeom>
+          <a:ln/>
+        </p:spPr>
+        <p:style>
+          <a:lnRef idx="2">
+            <a:schemeClr val="accent3">
+              <a:shade val="15000"/>
+            </a:schemeClr>
+          </a:lnRef>
+          <a:fillRef idx="1">
+            <a:schemeClr val="accent3"/>
+          </a:fillRef>
+          <a:effectRef idx="0">
+            <a:schemeClr val="accent3"/>
+          </a:effectRef>
+          <a:fontRef idx="minor">
+            <a:schemeClr val="lt1"/>
+          </a:fontRef>
+        </p:style>
+        <p:txBody>
+          <a:bodyPr rtlCol="0" anchor="ctr"/>
+          <a:lstStyle/>
+          <a:p>
+            <a:pPr algn="ctr"/>
+            <a:endParaRPr lang="en-US"/>
+          </a:p>
+        </p:txBody>
+      </p:sp>
+      <p:grpSp>
+        <p:nvGrpSpPr>
+          <p:cNvPr id="8" name="Group 7">
+            <a:extLst>
+              <a:ext uri="{FF2B5EF4-FFF2-40B4-BE49-F238E27FC236}">
+                <a16:creationId xmlns:a16="http://schemas.microsoft.com/office/drawing/2014/main" id="{B38B1A3F-34AA-8D60-73EE-3B5A618630D0}"/>
+              </a:ext>
+              <a:ext uri="{C183D7F6-B498-43B3-948B-1728B52AA6E4}">
+                <adec:decorative xmlns:adec="http://schemas.microsoft.com/office/drawing/2017/decorative" val="1"/>
+              </a:ext>
+            </a:extLst>
+          </p:cNvPr>
+          <p:cNvGrpSpPr/>
+          <p:nvPr/>
+        </p:nvGrpSpPr>
+        <p:grpSpPr>
+          <a:xfrm>
+            <a:off x="2619882" y="3798765"/>
+            <a:ext cx="4648439" cy="2946551"/>
+            <a:chOff x="2619882" y="3798765"/>
+            <a:chExt cx="4648439" cy="2946551"/>
+          </a:xfrm>
+        </p:grpSpPr>
+        <p:grpSp>
+          <p:nvGrpSpPr>
+            <p:cNvPr id="7" name="Group 6">
+              <a:extLst>
+                <a:ext uri="{FF2B5EF4-FFF2-40B4-BE49-F238E27FC236}">
+                  <a16:creationId xmlns:a16="http://schemas.microsoft.com/office/drawing/2014/main" id="{46001A08-347E-082E-76DA-1ED74BFF0012}"/>
+                </a:ext>
+              </a:extLst>
+            </p:cNvPr>
+            <p:cNvGrpSpPr/>
+            <p:nvPr/>
+          </p:nvGrpSpPr>
+          <p:grpSpPr>
+            <a:xfrm>
+              <a:off x="2619882" y="3798765"/>
+              <a:ext cx="4648439" cy="2946551"/>
+              <a:chOff x="2619882" y="3798765"/>
+              <a:chExt cx="4648439" cy="2946551"/>
+            </a:xfrm>
+          </p:grpSpPr>
+          <p:pic>
+            <p:nvPicPr>
+              <p:cNvPr id="12" name="Picture 11">
+                <a:extLst>
+                  <a:ext uri="{FF2B5EF4-FFF2-40B4-BE49-F238E27FC236}">
+                    <a16:creationId xmlns:a16="http://schemas.microsoft.com/office/drawing/2014/main" id="{5BC1C46B-B850-47F4-BE5B-42730CA524ED}"/>
+                  </a:ext>
+                </a:extLst>
+              </p:cNvPr>
+              <p:cNvPicPr>
+                <a:picLocks noChangeAspect="1"/>
+              </p:cNvPicPr>
+              <p:nvPr/>
+            </p:nvPicPr>
+            <p:blipFill>
+              <a:blip r:embed="rId5"/>
+              <a:stretch>
+                <a:fillRect/>
+              </a:stretch>
+            </p:blipFill>
+            <p:spPr>
+              <a:xfrm>
+                <a:off x="2619882" y="3798765"/>
+                <a:ext cx="4648439" cy="2946551"/>
+              </a:xfrm>
+              <a:prstGeom prst="rect">
+                <a:avLst/>
+              </a:prstGeom>
+            </p:spPr>
+          </p:pic>
+          <p:sp>
+            <p:nvSpPr>
+              <p:cNvPr id="16" name="TextBox 15">
+                <a:extLst>
+                  <a:ext uri="{FF2B5EF4-FFF2-40B4-BE49-F238E27FC236}">
+                    <a16:creationId xmlns:a16="http://schemas.microsoft.com/office/drawing/2014/main" id="{F8E8F9ED-1E07-2259-2D05-7D75B295E85D}"/>
+                  </a:ext>
+                </a:extLst>
+              </p:cNvPr>
+              <p:cNvSpPr txBox="1"/>
+              <p:nvPr/>
+            </p:nvSpPr>
+            <p:spPr>
+              <a:xfrm>
+                <a:off x="4091241" y="4227075"/>
+                <a:ext cx="961518" cy="400110"/>
+              </a:xfrm>
+              <a:prstGeom prst="rect">
+                <a:avLst/>
+              </a:prstGeom>
+              <a:noFill/>
+            </p:spPr>
+            <p:txBody>
+              <a:bodyPr wrap="square" rtlCol="0">
+                <a:spAutoFit/>
+              </a:bodyPr>
+              <a:lstStyle/>
+              <a:p>
+                <a:r>
+                  <a:rPr lang="en-US" sz="1000" b="1" dirty="0">
+                    <a:latin typeface="Calibri" panose="020F0502020204030204" pitchFamily="34" charset="0"/>
+                    <a:cs typeface="Calibri" panose="020F0502020204030204" pitchFamily="34" charset="0"/>
+                  </a:rPr>
+                  <a:t>Percept to the agent function</a:t>
+                </a:r>
+              </a:p>
+            </p:txBody>
+          </p:sp>
+          <p:sp>
+            <p:nvSpPr>
+              <p:cNvPr id="17" name="TextBox 16">
+                <a:extLst>
+                  <a:ext uri="{FF2B5EF4-FFF2-40B4-BE49-F238E27FC236}">
+                    <a16:creationId xmlns:a16="http://schemas.microsoft.com/office/drawing/2014/main" id="{7350C410-4579-38AC-CCE6-0C8BF118562D}"/>
+                  </a:ext>
+                </a:extLst>
+              </p:cNvPr>
+              <p:cNvSpPr txBox="1"/>
+              <p:nvPr/>
+            </p:nvSpPr>
+            <p:spPr>
+              <a:xfrm>
+                <a:off x="4114800" y="5695650"/>
+                <a:ext cx="1066800" cy="553998"/>
+              </a:xfrm>
+              <a:prstGeom prst="rect">
+                <a:avLst/>
+              </a:prstGeom>
+              <a:noFill/>
+            </p:spPr>
+            <p:txBody>
+              <a:bodyPr wrap="square" rtlCol="0">
+                <a:spAutoFit/>
+              </a:bodyPr>
+              <a:lstStyle/>
+              <a:p>
+                <a:r>
+                  <a:rPr lang="en-US" sz="1000" b="1" dirty="0">
+                    <a:latin typeface="Calibri" panose="020F0502020204030204" pitchFamily="34" charset="0"/>
+                    <a:cs typeface="Calibri" panose="020F0502020204030204" pitchFamily="34" charset="0"/>
+                  </a:rPr>
+                  <a:t>Action from the agent function to execute</a:t>
+                </a:r>
+              </a:p>
+            </p:txBody>
+          </p:sp>
+        </p:grpSp>
+        <mc:AlternateContent xmlns:mc="http://schemas.openxmlformats.org/markup-compatibility/2006" xmlns:a14="http://schemas.microsoft.com/office/drawing/2010/main">
+          <mc:Choice Requires="a14">
+            <p:sp>
+              <p:nvSpPr>
+                <p:cNvPr id="5" name="TextBox 4">
+                  <a:extLst>
+                    <a:ext uri="{FF2B5EF4-FFF2-40B4-BE49-F238E27FC236}">
+                      <a16:creationId xmlns:a16="http://schemas.microsoft.com/office/drawing/2014/main" id="{42F55595-D275-FF3A-6A20-05F36A7860BC}"/>
+                    </a:ext>
+                  </a:extLst>
+                </p:cNvPr>
+                <p:cNvSpPr txBox="1"/>
+                <p:nvPr/>
+              </p:nvSpPr>
+              <p:spPr>
+                <a:xfrm>
+                  <a:off x="3657600" y="5313055"/>
+                  <a:ext cx="914400" cy="276999"/>
+                </a:xfrm>
+                <a:prstGeom prst="rect">
+                  <a:avLst/>
+                </a:prstGeom>
+                <a:noFill/>
+              </p:spPr>
+              <p:txBody>
+                <a:bodyPr wrap="square">
+                  <a:spAutoFit/>
+                </a:bodyPr>
+                <a:lstStyle/>
+                <a:p>
+                  <a:pPr/>
+                  <a14:m>
+                    <m:oMathPara xmlns:m="http://schemas.openxmlformats.org/officeDocument/2006/math">
+                      <m:oMathParaPr>
+                        <m:jc m:val="centerGroup"/>
+                      </m:oMathParaPr>
+                      <m:oMath xmlns:m="http://schemas.openxmlformats.org/officeDocument/2006/math">
+                        <m:r>
+                          <a:rPr lang="en-US" sz="1200" b="0" i="1" smtClean="0">
+                            <a:latin typeface="Cambria Math" panose="02040503050406030204" pitchFamily="18" charset="0"/>
+                          </a:rPr>
+                          <m:t>𝑎</m:t>
+                        </m:r>
+                        <m:r>
+                          <a:rPr lang="en-US" sz="1200" b="0" i="1" smtClean="0">
+                            <a:latin typeface="Cambria Math" panose="02040503050406030204" pitchFamily="18" charset="0"/>
+                          </a:rPr>
+                          <m:t>=</m:t>
+                        </m:r>
+                        <m:r>
+                          <a:rPr lang="en-US" sz="1200" b="0" i="1" smtClean="0">
+                            <a:latin typeface="Cambria Math" panose="02040503050406030204" pitchFamily="18" charset="0"/>
+                          </a:rPr>
+                          <m:t>𝑓</m:t>
+                        </m:r>
+                        <m:r>
+                          <a:rPr lang="en-US" sz="1200" b="0" i="1" smtClean="0">
+                            <a:latin typeface="Cambria Math" panose="02040503050406030204" pitchFamily="18" charset="0"/>
+                          </a:rPr>
+                          <m:t>(</m:t>
+                        </m:r>
+                        <m:r>
+                          <a:rPr lang="en-US" sz="1200" b="0" i="1" smtClean="0">
+                            <a:latin typeface="Cambria Math" panose="02040503050406030204" pitchFamily="18" charset="0"/>
+                          </a:rPr>
+                          <m:t>𝑝</m:t>
+                        </m:r>
+                        <m:r>
+                          <a:rPr lang="en-US" sz="1200" b="0" i="1" smtClean="0">
+                            <a:latin typeface="Cambria Math" panose="02040503050406030204" pitchFamily="18" charset="0"/>
+                          </a:rPr>
+                          <m:t>)</m:t>
+                        </m:r>
+                      </m:oMath>
+                    </m:oMathPara>
+                  </a14:m>
+                  <a:endParaRPr lang="en-US" sz="1200" dirty="0"/>
+                </a:p>
+              </p:txBody>
+            </p:sp>
+          </mc:Choice>
+          <mc:Fallback xmlns="">
+            <p:sp>
+              <p:nvSpPr>
+                <p:cNvPr id="5" name="TextBox 4">
+                  <a:extLst>
+                    <a:ext uri="{FF2B5EF4-FFF2-40B4-BE49-F238E27FC236}">
+                      <a16:creationId xmlns:a16="http://schemas.microsoft.com/office/drawing/2014/main" id="{42F55595-D275-FF3A-6A20-05F36A7860BC}"/>
+                    </a:ext>
+                  </a:extLst>
+                </p:cNvPr>
+                <p:cNvSpPr txBox="1">
+                  <a:spLocks noRot="1" noChangeAspect="1" noMove="1" noResize="1" noEditPoints="1" noAdjustHandles="1" noChangeArrowheads="1" noChangeShapeType="1" noTextEdit="1"/>
+                </p:cNvSpPr>
+                <p:nvPr/>
+              </p:nvSpPr>
+              <p:spPr>
+                <a:xfrm>
+                  <a:off x="3657600" y="5313055"/>
+                  <a:ext cx="914400" cy="276999"/>
+                </a:xfrm>
+                <a:prstGeom prst="rect">
+                  <a:avLst/>
+                </a:prstGeom>
+                <a:blipFill>
+                  <a:blip r:embed="rId8"/>
+                  <a:stretch>
+                    <a:fillRect b="-8889"/>
+                  </a:stretch>
+                </a:blipFill>
+              </p:spPr>
+              <p:txBody>
+                <a:bodyPr/>
+                <a:lstStyle/>
+                <a:p>
+                  <a:r>
+                    <a:rPr lang="en-US">
+                      <a:noFill/>
+                    </a:rPr>
+                    <a:t> </a:t>
+                  </a:r>
+                </a:p>
+              </p:txBody>
+            </p:sp>
+          </mc:Fallback>
+        </mc:AlternateContent>
+      </p:grpSp>
+      <p:sp>
+        <p:nvSpPr>
+          <p:cNvPr id="11" name="TextBox 10">
+            <a:extLst>
+              <a:ext uri="{FF2B5EF4-FFF2-40B4-BE49-F238E27FC236}">
+                <a16:creationId xmlns:a16="http://schemas.microsoft.com/office/drawing/2014/main" id="{A2B81BA7-1DFE-5682-A706-408F9989DCF6}"/>
+              </a:ext>
+            </a:extLst>
+          </p:cNvPr>
+          <p:cNvSpPr txBox="1"/>
+          <p:nvPr/>
+        </p:nvSpPr>
+        <p:spPr>
+          <a:xfrm>
+            <a:off x="2748200" y="4262178"/>
+            <a:ext cx="961518" cy="1477328"/>
+          </a:xfrm>
+          <a:prstGeom prst="rect">
+            <a:avLst/>
+          </a:prstGeom>
+          <a:noFill/>
+        </p:spPr>
+        <p:txBody>
+          <a:bodyPr wrap="square" rtlCol="0">
+            <a:spAutoFit/>
+          </a:bodyPr>
+          <a:lstStyle/>
+          <a:p>
+            <a:r>
+              <a:rPr lang="en-US" sz="1000" b="1" dirty="0">
+                <a:latin typeface="Calibri" panose="020F0502020204030204" pitchFamily="34" charset="0"/>
+                <a:cs typeface="Calibri" panose="020F0502020204030204" pitchFamily="34" charset="0"/>
+              </a:rPr>
+              <a:t>Hardware + an event loop </a:t>
+            </a:r>
+          </a:p>
+          <a:p>
+            <a:pPr marL="171450" indent="-171450">
+              <a:buFont typeface="Arial" panose="020B0604020202020204" pitchFamily="34" charset="0"/>
+              <a:buChar char="•"/>
+            </a:pPr>
+            <a:r>
+              <a:rPr lang="en-US" sz="1000" b="1" dirty="0">
+                <a:latin typeface="Calibri" panose="020F0502020204030204" pitchFamily="34" charset="0"/>
+                <a:cs typeface="Calibri" panose="020F0502020204030204" pitchFamily="34" charset="0"/>
+              </a:rPr>
+              <a:t>Read the sensors</a:t>
+            </a:r>
+          </a:p>
+          <a:p>
+            <a:pPr marL="171450" indent="-171450">
+              <a:buFont typeface="Arial" panose="020B0604020202020204" pitchFamily="34" charset="0"/>
+              <a:buChar char="•"/>
+            </a:pPr>
+            <a:r>
+              <a:rPr lang="en-US" sz="1000" b="1" dirty="0">
+                <a:latin typeface="Calibri" panose="020F0502020204030204" pitchFamily="34" charset="0"/>
+                <a:cs typeface="Calibri" panose="020F0502020204030204" pitchFamily="34" charset="0"/>
+              </a:rPr>
+              <a:t>Ask agent function for action</a:t>
+            </a:r>
+          </a:p>
+          <a:p>
+            <a:pPr marL="171450" indent="-171450">
+              <a:buFont typeface="Arial" panose="020B0604020202020204" pitchFamily="34" charset="0"/>
+              <a:buChar char="•"/>
+            </a:pPr>
+            <a:r>
+              <a:rPr lang="en-US" sz="1000" b="1" dirty="0">
+                <a:latin typeface="Calibri" panose="020F0502020204030204" pitchFamily="34" charset="0"/>
+                <a:cs typeface="Calibri" panose="020F0502020204030204" pitchFamily="34" charset="0"/>
+              </a:rPr>
+              <a:t>Execute action</a:t>
+            </a:r>
+          </a:p>
+        </p:txBody>
+      </p:sp>
+      <p:sp>
+        <p:nvSpPr>
+          <p:cNvPr id="4" name="Speech Bubble: Rectangle 3">
+            <a:extLst>
+              <a:ext uri="{FF2B5EF4-FFF2-40B4-BE49-F238E27FC236}">
+                <a16:creationId xmlns:a16="http://schemas.microsoft.com/office/drawing/2014/main" id="{B3BCC7E8-1ECE-D23A-F5F7-94B050721690}"/>
+              </a:ext>
+            </a:extLst>
+          </p:cNvPr>
+          <p:cNvSpPr/>
+          <p:nvPr/>
+        </p:nvSpPr>
+        <p:spPr>
+          <a:xfrm>
+            <a:off x="349991" y="4695932"/>
+            <a:ext cx="2011567" cy="1905000"/>
+          </a:xfrm>
+          <a:prstGeom prst="wedgeRectCallout">
+            <a:avLst>
+              <a:gd name="adj1" fmla="val 121190"/>
+              <a:gd name="adj2" fmla="val 616"/>
+            </a:avLst>
+          </a:prstGeom>
+          <a:ln/>
+        </p:spPr>
+        <p:style>
+          <a:lnRef idx="2">
+            <a:schemeClr val="accent3">
+              <a:shade val="15000"/>
+            </a:schemeClr>
+          </a:lnRef>
+          <a:fillRef idx="1">
+            <a:schemeClr val="accent3"/>
+          </a:fillRef>
+          <a:effectRef idx="0">
+            <a:schemeClr val="accent3"/>
+          </a:effectRef>
+          <a:fontRef idx="minor">
+            <a:schemeClr val="lt1"/>
+          </a:fontRef>
+        </p:style>
+        <p:txBody>
+          <a:bodyPr rtlCol="0" anchor="ctr"/>
+          <a:lstStyle/>
+          <a:p>
+            <a:pPr algn="ctr"/>
+            <a:r>
+              <a:rPr lang="en-US" sz="1600" b="1" dirty="0"/>
+              <a:t>Agent Function</a:t>
+            </a:r>
+          </a:p>
+          <a:p>
+            <a:pPr marL="285750" indent="-285750">
+              <a:buFont typeface="Arial" panose="020B0604020202020204" pitchFamily="34" charset="0"/>
+              <a:buChar char="•"/>
+            </a:pPr>
+            <a:r>
+              <a:rPr lang="en-US" sz="1400" dirty="0"/>
+              <a:t>Represents the “brain”</a:t>
+            </a:r>
+          </a:p>
+          <a:p>
+            <a:pPr marL="285750" indent="-285750">
+              <a:buFont typeface="Arial" panose="020B0604020202020204" pitchFamily="34" charset="0"/>
+              <a:buChar char="•"/>
+            </a:pPr>
+            <a:r>
+              <a:rPr lang="en-US" sz="1400" dirty="0"/>
+              <a:t>Assess performance measure</a:t>
+            </a:r>
+          </a:p>
+          <a:p>
+            <a:pPr marL="285750" indent="-285750">
+              <a:buFont typeface="Arial" panose="020B0604020202020204" pitchFamily="34" charset="0"/>
+              <a:buChar char="•"/>
+            </a:pPr>
+            <a:r>
+              <a:rPr lang="en-US" sz="1400" dirty="0"/>
+              <a:t>Remember percept sequence</a:t>
+            </a:r>
+          </a:p>
+          <a:p>
+            <a:pPr marL="285750" indent="-285750">
+              <a:buFont typeface="Arial" panose="020B0604020202020204" pitchFamily="34" charset="0"/>
+              <a:buChar char="•"/>
+            </a:pPr>
+            <a:r>
+              <a:rPr lang="en-US" sz="1400" dirty="0"/>
+              <a:t>Built-in knowledge</a:t>
+            </a:r>
+          </a:p>
+        </p:txBody>
+      </p:sp>
+      <p:sp>
+        <p:nvSpPr>
+          <p:cNvPr id="13" name="TextBox 12">
+            <a:extLst>
+              <a:ext uri="{FF2B5EF4-FFF2-40B4-BE49-F238E27FC236}">
+                <a16:creationId xmlns:a16="http://schemas.microsoft.com/office/drawing/2014/main" id="{084BD0FD-126E-2D69-D249-07D9FB56287C}"/>
+              </a:ext>
+              <a:ext uri="{C183D7F6-B498-43B3-948B-1728B52AA6E4}">
+                <adec:decorative xmlns:adec="http://schemas.microsoft.com/office/drawing/2017/decorative" val="1"/>
+              </a:ext>
+            </a:extLst>
+          </p:cNvPr>
+          <p:cNvSpPr txBox="1"/>
+          <p:nvPr/>
+        </p:nvSpPr>
+        <p:spPr>
+          <a:xfrm>
+            <a:off x="3261166" y="1884040"/>
+            <a:ext cx="625034" cy="279979"/>
+          </a:xfrm>
+          <a:prstGeom prst="rect">
+            <a:avLst/>
+          </a:prstGeom>
+          <a:solidFill>
+            <a:schemeClr val="accent6">
+              <a:alpha val="50000"/>
+            </a:schemeClr>
+          </a:solidFill>
+          <a:ln>
+            <a:noFill/>
+          </a:ln>
+        </p:spPr>
+        <p:style>
+          <a:lnRef idx="0">
+            <a:scrgbClr r="0" g="0" b="0"/>
+          </a:lnRef>
+          <a:fillRef idx="0">
+            <a:scrgbClr r="0" g="0" b="0"/>
+          </a:fillRef>
+          <a:effectRef idx="0">
+            <a:scrgbClr r="0" g="0" b="0"/>
+          </a:effectRef>
+          <a:fontRef idx="minor">
+            <a:schemeClr val="lt1"/>
+          </a:fontRef>
+        </p:style>
+        <p:txBody>
+          <a:bodyPr wrap="square" rtlCol="0">
+            <a:spAutoFit/>
+          </a:bodyPr>
+          <a:lstStyle/>
+          <a:p>
+            <a:endParaRPr lang="en-US" dirty="0"/>
+          </a:p>
+        </p:txBody>
+      </p:sp>
+      <p:sp>
+        <p:nvSpPr>
+          <p:cNvPr id="14" name="TextBox 13">
+            <a:extLst>
+              <a:ext uri="{FF2B5EF4-FFF2-40B4-BE49-F238E27FC236}">
+                <a16:creationId xmlns:a16="http://schemas.microsoft.com/office/drawing/2014/main" id="{BDB8EE00-E784-B5AE-6682-BDE1C2E3213B}"/>
+              </a:ext>
+              <a:ext uri="{C183D7F6-B498-43B3-948B-1728B52AA6E4}">
+                <adec:decorative xmlns:adec="http://schemas.microsoft.com/office/drawing/2017/decorative" val="1"/>
+              </a:ext>
+            </a:extLst>
+          </p:cNvPr>
+          <p:cNvSpPr txBox="1"/>
+          <p:nvPr/>
+        </p:nvSpPr>
+        <p:spPr>
+          <a:xfrm>
+            <a:off x="3709717" y="4850626"/>
+            <a:ext cx="793897" cy="788174"/>
+          </a:xfrm>
+          <a:prstGeom prst="rect">
+            <a:avLst/>
+          </a:prstGeom>
+          <a:solidFill>
+            <a:schemeClr val="accent6">
+              <a:alpha val="50000"/>
+            </a:schemeClr>
+          </a:solidFill>
+          <a:ln>
+            <a:noFill/>
+          </a:ln>
+        </p:spPr>
+        <p:style>
+          <a:lnRef idx="0">
+            <a:scrgbClr r="0" g="0" b="0"/>
+          </a:lnRef>
+          <a:fillRef idx="0">
+            <a:scrgbClr r="0" g="0" b="0"/>
+          </a:fillRef>
+          <a:effectRef idx="0">
+            <a:scrgbClr r="0" g="0" b="0"/>
+          </a:effectRef>
+          <a:fontRef idx="minor">
+            <a:schemeClr val="lt1"/>
+          </a:fontRef>
+        </p:style>
+        <p:txBody>
+          <a:bodyPr wrap="square" rtlCol="0">
+            <a:spAutoFit/>
+          </a:bodyPr>
+          <a:lstStyle/>
+          <a:p>
+            <a:endParaRPr lang="en-US" dirty="0"/>
+          </a:p>
+        </p:txBody>
+      </p:sp>
+      <p:sp>
+        <p:nvSpPr>
+          <p:cNvPr id="18" name="TextBox 17">
+            <a:extLst>
+              <a:ext uri="{FF2B5EF4-FFF2-40B4-BE49-F238E27FC236}">
+                <a16:creationId xmlns:a16="http://schemas.microsoft.com/office/drawing/2014/main" id="{01F3DC52-536A-9328-7E14-B5FA2C6383F0}"/>
+              </a:ext>
+            </a:extLst>
+          </p:cNvPr>
+          <p:cNvSpPr txBox="1"/>
+          <p:nvPr/>
+        </p:nvSpPr>
+        <p:spPr>
+          <a:xfrm>
+            <a:off x="7396639" y="4171450"/>
+            <a:ext cx="1524000" cy="2462213"/>
+          </a:xfrm>
+          <a:prstGeom prst="rect">
+            <a:avLst/>
+          </a:prstGeom>
+          <a:ln/>
+        </p:spPr>
+        <p:style>
+          <a:lnRef idx="2">
+            <a:schemeClr val="accent3">
+              <a:shade val="15000"/>
+            </a:schemeClr>
+          </a:lnRef>
+          <a:fillRef idx="1">
+            <a:schemeClr val="accent3"/>
+          </a:fillRef>
+          <a:effectRef idx="0">
+            <a:schemeClr val="accent3"/>
+          </a:effectRef>
+          <a:fontRef idx="minor">
+            <a:schemeClr val="lt1"/>
+          </a:fontRef>
+        </p:style>
+        <p:txBody>
+          <a:bodyPr wrap="square" rtlCol="0">
+            <a:spAutoFit/>
+          </a:bodyPr>
+          <a:lstStyle/>
+          <a:p>
+            <a:r>
+              <a:rPr lang="en-US" sz="1400" b="1" dirty="0"/>
+              <a:t>Important</a:t>
+            </a:r>
+            <a:r>
+              <a:rPr lang="en-US" sz="1400" dirty="0"/>
+              <a:t>: Everything outside the agent function represents the environment.</a:t>
+            </a:r>
+          </a:p>
+          <a:p>
+            <a:r>
+              <a:rPr lang="en-US" sz="1400" dirty="0"/>
+              <a:t>This includes the physical robot, its sensors and its actuators, and event loop!</a:t>
+            </a:r>
+          </a:p>
+        </p:txBody>
+      </p:sp>
+    </p:spTree>
+    <p:extLst>
+      <p:ext uri="{BB962C8B-B14F-4D97-AF65-F5344CB8AC3E}">
+        <p14:creationId xmlns:p14="http://schemas.microsoft.com/office/powerpoint/2010/main" val="56906529"/>
+      </p:ext>
+    </p:extLst>
+  </p:cSld>
+  <p:clrMapOvr>
+    <a:masterClrMapping/>
+  </p:clrMapOvr>
+  <p:timing>
+    <p:tnLst>
+      <p:par>
+        <p:cTn id="1" dur="indefinite" restart="never" nodeType="tmRoot">
+          <p:childTnLst>
+            <p:seq concurrent="1" nextAc="seek">
+              <p:cTn id="2" dur="indefinite" nodeType="mainSeq">
+                <p:childTnLst>
+                  <p:par>
+                    <p:cTn id="3" fill="hold">
+                      <p:stCondLst>
+                        <p:cond delay="indefinite"/>
+                      </p:stCondLst>
+                      <p:childTnLst>
+                        <p:par>
+                          <p:cTn id="4" fill="hold">
+                            <p:stCondLst>
+                              <p:cond delay="0"/>
+                            </p:stCondLst>
+                            <p:childTnLst>
+                              <p:par>
+                                <p:cTn id="5" presetID="1" presetClass="entr" presetSubtype="0" fill="hold" grpId="0" nodeType="clickEffect">
+                                  <p:stCondLst>
+                                    <p:cond delay="0"/>
+                                  </p:stCondLst>
+                                  <p:childTnLst>
+                                    <p:set>
+                                      <p:cBhvr>
+                                        <p:cTn id="6" dur="1" fill="hold">
+                                          <p:stCondLst>
+                                            <p:cond delay="0"/>
+                                          </p:stCondLst>
+                                        </p:cTn>
+                                        <p:tgtEl>
+                                          <p:spTgt spid="2"/>
+                                        </p:tgtEl>
+                                        <p:attrNameLst>
+                                          <p:attrName>style.visibility</p:attrName>
+                                        </p:attrNameLst>
+                                      </p:cBhvr>
+                                      <p:to>
+                                        <p:strVal val="visible"/>
+                                      </p:to>
+                                    </p:set>
+                                  </p:childTnLst>
+                                </p:cTn>
+                              </p:par>
+                              <p:par>
+                                <p:cTn id="7" presetID="1" presetClass="entr" presetSubtype="0" fill="hold" nodeType="withEffect">
+                                  <p:stCondLst>
+                                    <p:cond delay="0"/>
+                                  </p:stCondLst>
+                                  <p:childTnLst>
+                                    <p:set>
+                                      <p:cBhvr>
+                                        <p:cTn id="8" dur="1" fill="hold">
+                                          <p:stCondLst>
+                                            <p:cond delay="0"/>
+                                          </p:stCondLst>
+                                        </p:cTn>
+                                        <p:tgtEl>
+                                          <p:spTgt spid="8"/>
+                                        </p:tgtEl>
+                                        <p:attrNameLst>
+                                          <p:attrName>style.visibility</p:attrName>
+                                        </p:attrNameLst>
+                                      </p:cBhvr>
+                                      <p:to>
+                                        <p:strVal val="visible"/>
+                                      </p:to>
+                                    </p:set>
+                                  </p:childTnLst>
+                                </p:cTn>
+                              </p:par>
+                            </p:childTnLst>
+                          </p:cTn>
+                        </p:par>
+                        <p:par>
+                          <p:cTn id="9" fill="hold">
+                            <p:stCondLst>
+                              <p:cond delay="0"/>
+                            </p:stCondLst>
+                            <p:childTnLst>
+                              <p:par>
+                                <p:cTn id="10" presetID="1" presetClass="entr" presetSubtype="0" fill="hold" grpId="0" nodeType="afterEffect">
+                                  <p:stCondLst>
+                                    <p:cond delay="0"/>
+                                  </p:stCondLst>
+                                  <p:childTnLst>
+                                    <p:set>
+                                      <p:cBhvr>
+                                        <p:cTn id="11" dur="1" fill="hold">
+                                          <p:stCondLst>
+                                            <p:cond delay="0"/>
+                                          </p:stCondLst>
+                                        </p:cTn>
+                                        <p:tgtEl>
+                                          <p:spTgt spid="14"/>
+                                        </p:tgtEl>
+                                        <p:attrNameLst>
+                                          <p:attrName>style.visibility</p:attrName>
+                                        </p:attrNameLst>
+                                      </p:cBhvr>
+                                      <p:to>
+                                        <p:strVal val="visible"/>
+                                      </p:to>
+                                    </p:set>
+                                  </p:childTnLst>
+                                </p:cTn>
+                              </p:par>
+                              <p:par>
+                                <p:cTn id="12" presetID="1" presetClass="entr" presetSubtype="0" fill="hold" grpId="0" nodeType="withEffect">
+                                  <p:stCondLst>
+                                    <p:cond delay="0"/>
+                                  </p:stCondLst>
+                                  <p:childTnLst>
+                                    <p:set>
+                                      <p:cBhvr>
+                                        <p:cTn id="13" dur="1" fill="hold">
+                                          <p:stCondLst>
+                                            <p:cond delay="0"/>
+                                          </p:stCondLst>
+                                        </p:cTn>
+                                        <p:tgtEl>
+                                          <p:spTgt spid="11"/>
+                                        </p:tgtEl>
+                                        <p:attrNameLst>
+                                          <p:attrName>style.visibility</p:attrName>
+                                        </p:attrNameLst>
+                                      </p:cBhvr>
+                                      <p:to>
+                                        <p:strVal val="visible"/>
+                                      </p:to>
+                                    </p:set>
+                                  </p:childTnLst>
+                                </p:cTn>
+                              </p:par>
+                            </p:childTnLst>
+                          </p:cTn>
+                        </p:par>
+                      </p:childTnLst>
+                    </p:cTn>
+                  </p:par>
+                  <p:par>
+                    <p:cTn id="14" fill="hold">
+                      <p:stCondLst>
+                        <p:cond delay="indefinite"/>
+                      </p:stCondLst>
+                      <p:childTnLst>
+                        <p:par>
+                          <p:cTn id="15" fill="hold">
+                            <p:stCondLst>
+                              <p:cond delay="0"/>
+                            </p:stCondLst>
+                            <p:childTnLst>
+                              <p:par>
+                                <p:cTn id="16" presetID="1" presetClass="entr" presetSubtype="0" fill="hold" grpId="0" nodeType="clickEffect">
+                                  <p:stCondLst>
+                                    <p:cond delay="0"/>
+                                  </p:stCondLst>
+                                  <p:childTnLst>
+                                    <p:set>
+                                      <p:cBhvr>
+                                        <p:cTn id="17" dur="1" fill="hold">
+                                          <p:stCondLst>
+                                            <p:cond delay="0"/>
+                                          </p:stCondLst>
+                                        </p:cTn>
+                                        <p:tgtEl>
+                                          <p:spTgt spid="4"/>
+                                        </p:tgtEl>
+                                        <p:attrNameLst>
+                                          <p:attrName>style.visibility</p:attrName>
+                                        </p:attrNameLst>
+                                      </p:cBhvr>
+                                      <p:to>
+                                        <p:strVal val="visible"/>
+                                      </p:to>
+                                    </p:set>
+                                  </p:childTnLst>
+                                </p:cTn>
+                              </p:par>
+                              <p:par>
+                                <p:cTn id="18" presetID="1" presetClass="entr" presetSubtype="0" fill="hold" grpId="0" nodeType="withEffect">
+                                  <p:stCondLst>
+                                    <p:cond delay="0"/>
+                                  </p:stCondLst>
+                                  <p:childTnLst>
+                                    <p:set>
+                                      <p:cBhvr>
+                                        <p:cTn id="19" dur="1" fill="hold">
+                                          <p:stCondLst>
+                                            <p:cond delay="0"/>
+                                          </p:stCondLst>
+                                        </p:cTn>
+                                        <p:tgtEl>
+                                          <p:spTgt spid="18"/>
+                                        </p:tgtEl>
+                                        <p:attrNameLst>
+                                          <p:attrName>style.visibility</p:attrName>
+                                        </p:attrNameLst>
+                                      </p:cBhvr>
+                                      <p:to>
+                                        <p:strVal val="visible"/>
+                                      </p:to>
+                                    </p:set>
+                                  </p:childTnLst>
+                                </p:cTn>
+                              </p:par>
+                            </p:childTnLst>
+                          </p:cTn>
+                        </p:par>
+                      </p:childTnLst>
+                    </p:cTn>
+                  </p:par>
+                </p:childTnLst>
+              </p:cTn>
+              <p:prevCondLst>
+                <p:cond evt="onPrev" delay="0">
+                  <p:tgtEl>
+                    <p:sldTgt/>
+                  </p:tgtEl>
+                </p:cond>
+              </p:prevCondLst>
+              <p:nextCondLst>
+                <p:cond evt="onNext" delay="0">
+                  <p:tgtEl>
+                    <p:sldTgt/>
+                  </p:tgtEl>
+                </p:cond>
+              </p:nextCondLst>
+            </p:seq>
+          </p:childTnLst>
+        </p:cTn>
+      </p:par>
+    </p:tnLst>
+    <p:bldLst>
+      <p:bldP spid="2" grpId="0" animBg="1"/>
+      <p:bldP spid="11" grpId="0"/>
+      <p:bldP spid="4" grpId="0" animBg="1"/>
+      <p:bldP spid="14" grpId="0" animBg="1"/>
+      <p:bldP spid="18" grpId="0" animBg="1"/>
+    </p:bldLst>
+  </p:timing>
+</p:sld>
+</file>
+
+<file path=ppt/slides/slide4.xml><?xml version="1.0" encoding="utf-8"?>
+<p:sld xmlns:a="http://schemas.openxmlformats.org/drawingml/2006/main" xmlns:r="http://schemas.openxmlformats.org/officeDocument/2006/relationships" xmlns:p="http://schemas.openxmlformats.org/presentationml/2006/main">
+  <p:cSld>
+    <p:spTree>
+      <p:nvGrpSpPr>
+        <p:cNvPr id="1" name=""/>
+        <p:cNvGrpSpPr/>
+        <p:nvPr/>
+      </p:nvGrpSpPr>
+      <p:grpSpPr>
+        <a:xfrm>
+          <a:off x="0" y="0"/>
+          <a:ext cx="0" cy="0"/>
+          <a:chOff x="0" y="0"/>
+          <a:chExt cx="0" cy="0"/>
+        </a:xfrm>
+      </p:grpSpPr>
+      <p:sp>
+        <p:nvSpPr>
+          <p:cNvPr id="10242" name="Rectangle 2"/>
+          <p:cNvSpPr>
+            <a:spLocks noGrp="1" noChangeArrowheads="1"/>
+          </p:cNvSpPr>
+          <p:nvPr>
+            <p:ph type="title"/>
+          </p:nvPr>
+        </p:nvSpPr>
+        <p:spPr/>
+        <p:txBody>
+          <a:bodyPr/>
+          <a:lstStyle/>
+          <a:p>
+            <a:r>
+              <a:rPr lang="en-US" dirty="0"/>
+              <a:t>Rational Agents</a:t>
+            </a:r>
+          </a:p>
+        </p:txBody>
+      </p:sp>
+      <p:sp>
+        <p:nvSpPr>
+          <p:cNvPr id="10243" name="Rectangle 3"/>
+          <p:cNvSpPr>
+            <a:spLocks noGrp="1" noChangeArrowheads="1"/>
+          </p:cNvSpPr>
+          <p:nvPr>
+            <p:ph idx="1"/>
+          </p:nvPr>
+        </p:nvSpPr>
+        <p:spPr>
+          <a:xfrm>
+            <a:off x="628650" y="2765426"/>
+            <a:ext cx="7886700" cy="3368673"/>
+          </a:xfrm>
+        </p:spPr>
+        <p:txBody>
+          <a:bodyPr>
+            <a:normAutofit fontScale="62500" lnSpcReduction="20000"/>
+          </a:bodyPr>
+          <a:lstStyle/>
+          <a:p>
+            <a:pPr marL="0" indent="0">
+              <a:buNone/>
+            </a:pPr>
+            <a:r>
+              <a:rPr lang="en-US" sz="2800" dirty="0"/>
+              <a:t>This means: </a:t>
+            </a:r>
+          </a:p>
+          <a:p>
+            <a:pPr marL="0" indent="0">
+              <a:buNone/>
+            </a:pPr>
+            <a:endParaRPr lang="en-US" sz="2800" dirty="0"/>
+          </a:p>
+          <a:p>
+            <a:pPr lvl="1"/>
+            <a:r>
+              <a:rPr lang="en-US" sz="2500" b="1" dirty="0"/>
+              <a:t>Rationality is an ideal </a:t>
+            </a:r>
+            <a:r>
+              <a:rPr lang="en-US" sz="2500" dirty="0">
+                <a:solidFill>
+                  <a:schemeClr val="tx1">
+                    <a:lumMod val="50000"/>
+                    <a:lumOff val="50000"/>
+                  </a:schemeClr>
+                </a:solidFill>
+              </a:rPr>
+              <a:t>– it implies that no one can build a better agent</a:t>
+            </a:r>
+            <a:endParaRPr lang="en-US" sz="2500" b="1" dirty="0"/>
+          </a:p>
+          <a:p>
+            <a:pPr lvl="1"/>
+            <a:endParaRPr lang="en-US" sz="2500" b="1" dirty="0"/>
+          </a:p>
+          <a:p>
+            <a:pPr lvl="1"/>
+            <a:r>
+              <a:rPr lang="en-US" sz="2500" b="1" dirty="0"/>
+              <a:t>Rationality ≠ Omniscience </a:t>
+            </a:r>
+            <a:r>
+              <a:rPr lang="en-US" sz="2500" dirty="0">
+                <a:solidFill>
+                  <a:schemeClr val="tx1">
+                    <a:lumMod val="50000"/>
+                    <a:lumOff val="50000"/>
+                  </a:schemeClr>
+                </a:solidFill>
+              </a:rPr>
+              <a:t>– rational agents can make mistakes if percepts and knowledge do not suffice to make a good decision</a:t>
+            </a:r>
+          </a:p>
+          <a:p>
+            <a:pPr lvl="1"/>
+            <a:endParaRPr lang="en-US" sz="2500" dirty="0">
+              <a:solidFill>
+                <a:schemeClr val="tx1">
+                  <a:lumMod val="50000"/>
+                  <a:lumOff val="50000"/>
+                </a:schemeClr>
+              </a:solidFill>
+            </a:endParaRPr>
+          </a:p>
+          <a:p>
+            <a:pPr lvl="1"/>
+            <a:r>
+              <a:rPr lang="en-US" sz="2500" b="1" dirty="0"/>
+              <a:t>Rationality ≠ Perfection</a:t>
+            </a:r>
+            <a:r>
+              <a:rPr lang="en-US" sz="2500" b="1" dirty="0">
+                <a:solidFill>
+                  <a:schemeClr val="tx1">
+                    <a:lumMod val="50000"/>
+                    <a:lumOff val="50000"/>
+                  </a:schemeClr>
+                </a:solidFill>
+              </a:rPr>
+              <a:t> </a:t>
+            </a:r>
+            <a:r>
+              <a:rPr lang="en-US" sz="2500" dirty="0">
+                <a:solidFill>
+                  <a:schemeClr val="tx1">
+                    <a:lumMod val="50000"/>
+                    <a:lumOff val="50000"/>
+                  </a:schemeClr>
+                </a:solidFill>
+              </a:rPr>
+              <a:t>– rational agents maximize </a:t>
+            </a:r>
+            <a:r>
+              <a:rPr lang="en-US" sz="2500" b="1" dirty="0">
+                <a:solidFill>
+                  <a:schemeClr val="tx1">
+                    <a:lumMod val="50000"/>
+                    <a:lumOff val="50000"/>
+                  </a:schemeClr>
+                </a:solidFill>
+              </a:rPr>
+              <a:t>expected</a:t>
+            </a:r>
+            <a:r>
+              <a:rPr lang="en-US" sz="2500" dirty="0">
+                <a:solidFill>
+                  <a:schemeClr val="tx1">
+                    <a:lumMod val="50000"/>
+                    <a:lumOff val="50000"/>
+                  </a:schemeClr>
+                </a:solidFill>
+              </a:rPr>
+              <a:t> outcomes not actual outcomes</a:t>
+            </a:r>
+          </a:p>
+          <a:p>
+            <a:pPr lvl="1"/>
+            <a:endParaRPr lang="en-US" sz="2500" dirty="0">
+              <a:solidFill>
+                <a:schemeClr val="tx1">
+                  <a:lumMod val="50000"/>
+                  <a:lumOff val="50000"/>
+                </a:schemeClr>
+              </a:solidFill>
+            </a:endParaRPr>
+          </a:p>
+          <a:p>
+            <a:pPr lvl="1"/>
+            <a:r>
+              <a:rPr lang="en-US" sz="2500" b="1" dirty="0"/>
+              <a:t>It is rational to explore and learn</a:t>
+            </a:r>
+            <a:r>
+              <a:rPr lang="en-US" sz="2500" dirty="0"/>
+              <a:t> </a:t>
+            </a:r>
+            <a:r>
+              <a:rPr lang="en-US" sz="2500" dirty="0">
+                <a:solidFill>
+                  <a:schemeClr val="tx1">
+                    <a:lumMod val="50000"/>
+                    <a:lumOff val="50000"/>
+                  </a:schemeClr>
+                </a:solidFill>
+              </a:rPr>
+              <a:t>– I.e., </a:t>
+            </a:r>
+            <a:r>
+              <a:rPr lang="en-US" sz="2500" b="1" dirty="0">
+                <a:solidFill>
+                  <a:schemeClr val="tx1">
+                    <a:lumMod val="50000"/>
+                    <a:lumOff val="50000"/>
+                  </a:schemeClr>
+                </a:solidFill>
+              </a:rPr>
+              <a:t>use</a:t>
+            </a:r>
+            <a:r>
+              <a:rPr lang="en-US" sz="2500" dirty="0">
+                <a:solidFill>
+                  <a:schemeClr val="tx1">
+                    <a:lumMod val="50000"/>
+                    <a:lumOff val="50000"/>
+                  </a:schemeClr>
+                </a:solidFill>
+              </a:rPr>
+              <a:t> </a:t>
+            </a:r>
+            <a:r>
+              <a:rPr lang="en-US" sz="2500" b="1" dirty="0">
+                <a:solidFill>
+                  <a:schemeClr val="tx1">
+                    <a:lumMod val="50000"/>
+                    <a:lumOff val="50000"/>
+                  </a:schemeClr>
+                </a:solidFill>
+              </a:rPr>
+              <a:t>percepts</a:t>
+            </a:r>
+            <a:r>
+              <a:rPr lang="en-US" sz="2500" dirty="0">
+                <a:solidFill>
+                  <a:schemeClr val="tx1">
+                    <a:lumMod val="50000"/>
+                    <a:lumOff val="50000"/>
+                  </a:schemeClr>
+                </a:solidFill>
+              </a:rPr>
+              <a:t> to supplement prior knowledge and become autonomous</a:t>
+            </a:r>
+          </a:p>
+          <a:p>
+            <a:pPr lvl="1"/>
+            <a:endParaRPr lang="en-US" sz="2500" dirty="0">
+              <a:solidFill>
+                <a:schemeClr val="tx1">
+                  <a:lumMod val="50000"/>
+                  <a:lumOff val="50000"/>
+                </a:schemeClr>
+              </a:solidFill>
+            </a:endParaRPr>
+          </a:p>
+          <a:p>
+            <a:pPr lvl="1"/>
+            <a:r>
+              <a:rPr lang="en-US" sz="2500" b="1" dirty="0"/>
+              <a:t>Rationality is often bounded</a:t>
+            </a:r>
+            <a:r>
+              <a:rPr lang="en-US" sz="2500" dirty="0">
+                <a:solidFill>
+                  <a:schemeClr val="tx1">
+                    <a:lumMod val="50000"/>
+                    <a:lumOff val="50000"/>
+                  </a:schemeClr>
+                </a:solidFill>
+              </a:rPr>
+              <a:t> by available memory, computational power, available sensors, etc.</a:t>
+            </a:r>
+          </a:p>
+        </p:txBody>
+      </p:sp>
+      <mc:AlternateContent xmlns:mc="http://schemas.openxmlformats.org/markup-compatibility/2006" xmlns:a14="http://schemas.microsoft.com/office/drawing/2010/main">
+        <mc:Choice Requires="a14">
+          <p:sp>
+            <p:nvSpPr>
+              <p:cNvPr id="3" name="TextBox 2">
+                <a:extLst>
+                  <a:ext uri="{FF2B5EF4-FFF2-40B4-BE49-F238E27FC236}">
+                    <a16:creationId xmlns:a16="http://schemas.microsoft.com/office/drawing/2014/main" id="{41F7FD68-7C82-41A2-E1B3-CBC99B34AF37}"/>
+                  </a:ext>
+                </a:extLst>
+              </p:cNvPr>
+              <p:cNvSpPr txBox="1"/>
+              <p:nvPr/>
+            </p:nvSpPr>
+            <p:spPr>
+              <a:xfrm>
+                <a:off x="2057400" y="1447800"/>
+                <a:ext cx="4752975" cy="892552"/>
+              </a:xfrm>
+              <a:prstGeom prst="rect">
+                <a:avLst/>
+              </a:prstGeom>
+            </p:spPr>
+            <p:style>
+              <a:lnRef idx="2">
+                <a:schemeClr val="accent3">
+                  <a:shade val="15000"/>
+                </a:schemeClr>
+              </a:lnRef>
+              <a:fillRef idx="1">
+                <a:schemeClr val="accent3"/>
+              </a:fillRef>
+              <a:effectRef idx="0">
+                <a:schemeClr val="accent3"/>
+              </a:effectRef>
+              <a:fontRef idx="minor">
+                <a:schemeClr val="lt1"/>
+              </a:fontRef>
+            </p:style>
+            <p:txBody>
+              <a:bodyPr wrap="square" rtlCol="0">
+                <a:spAutoFit/>
+              </a:bodyPr>
+              <a:lstStyle/>
+              <a:p>
+                <a:r>
+                  <a:rPr lang="en-US" sz="1600" b="1" dirty="0"/>
+                  <a:t>Rule</a:t>
+                </a:r>
+                <a:r>
+                  <a:rPr lang="en-US" sz="1600" dirty="0"/>
+                  <a:t>: Pick the action that maximize the expected utility</a:t>
+                </a:r>
+              </a:p>
+              <a:p>
+                <a:endParaRPr lang="en-US" sz="1600" dirty="0"/>
+              </a:p>
+              <a:p>
+                <a:pPr/>
+                <a14:m>
+                  <m:oMathPara xmlns:m="http://schemas.openxmlformats.org/officeDocument/2006/math">
+                    <m:oMathParaPr>
+                      <m:jc m:val="centerGroup"/>
+                    </m:oMathParaPr>
+                    <m:oMath xmlns:m="http://schemas.openxmlformats.org/officeDocument/2006/math">
+                      <m:r>
+                        <a:rPr lang="en-US" sz="2000" b="0" i="1" smtClean="0">
+                          <a:latin typeface="Cambria Math" panose="02040503050406030204" pitchFamily="18" charset="0"/>
+                        </a:rPr>
+                        <m:t>𝑎</m:t>
+                      </m:r>
+                      <m:r>
+                        <a:rPr lang="en-US" sz="2000" b="0" i="1" smtClean="0">
+                          <a:latin typeface="Cambria Math" panose="02040503050406030204" pitchFamily="18" charset="0"/>
+                        </a:rPr>
+                        <m:t>=</m:t>
+                      </m:r>
+                      <m:sSub>
+                        <m:sSubPr>
+                          <m:ctrlPr>
+                            <a:rPr lang="en-US" sz="2000" b="0" i="1" smtClean="0">
+                              <a:latin typeface="Cambria Math" panose="02040503050406030204" pitchFamily="18" charset="0"/>
+                            </a:rPr>
+                          </m:ctrlPr>
+                        </m:sSubPr>
+                        <m:e>
+                          <m:r>
+                            <m:rPr>
+                              <m:nor/>
+                            </m:rPr>
+                            <a:rPr lang="en-US" sz="2000" b="0" i="0" smtClean="0">
+                              <a:latin typeface="Cambria Math" panose="02040503050406030204" pitchFamily="18" charset="0"/>
+                            </a:rPr>
+                            <m:t>argmax</m:t>
+                          </m:r>
+                        </m:e>
+                        <m:sub>
+                          <m:r>
+                            <a:rPr lang="en-US" sz="2000" b="0" i="1" smtClean="0">
+                              <a:latin typeface="Cambria Math" panose="02040503050406030204" pitchFamily="18" charset="0"/>
+                            </a:rPr>
+                            <m:t>𝑎</m:t>
+                          </m:r>
+                          <m:r>
+                            <a:rPr lang="en-US" sz="2000" b="0" i="1" smtClean="0">
+                              <a:latin typeface="Cambria Math" panose="02040503050406030204" pitchFamily="18" charset="0"/>
+                            </a:rPr>
+                            <m:t>∈</m:t>
+                          </m:r>
+                          <m:r>
+                            <m:rPr>
+                              <m:sty m:val="p"/>
+                            </m:rPr>
+                            <a:rPr lang="en-US" sz="2000" b="0" i="1" smtClean="0">
+                              <a:latin typeface="Cambria Math" panose="02040503050406030204" pitchFamily="18" charset="0"/>
+                            </a:rPr>
+                            <m:t>A</m:t>
+                          </m:r>
+                        </m:sub>
+                      </m:sSub>
+                      <m:r>
+                        <a:rPr lang="en-US" sz="2000" b="0" i="1" smtClean="0">
+                          <a:latin typeface="Cambria Math" panose="02040503050406030204" pitchFamily="18" charset="0"/>
+                        </a:rPr>
+                        <m:t> </m:t>
+                      </m:r>
+                      <m:r>
+                        <a:rPr lang="en-US" sz="2000" b="0" i="1" smtClean="0">
+                          <a:latin typeface="Cambria Math" panose="02040503050406030204" pitchFamily="18" charset="0"/>
+                        </a:rPr>
+                        <m:t>𝐸</m:t>
+                      </m:r>
+                      <m:d>
+                        <m:dPr>
+                          <m:endChr m:val="|"/>
+                          <m:ctrlPr>
+                            <a:rPr lang="en-US" sz="2000" b="0" i="1" smtClean="0">
+                              <a:latin typeface="Cambria Math" panose="02040503050406030204" pitchFamily="18" charset="0"/>
+                            </a:rPr>
+                          </m:ctrlPr>
+                        </m:dPr>
+                        <m:e>
+                          <m:r>
+                            <a:rPr lang="en-US" sz="2000" b="0" i="1" smtClean="0">
+                              <a:latin typeface="Cambria Math" panose="02040503050406030204" pitchFamily="18" charset="0"/>
+                            </a:rPr>
+                            <m:t>𝑈</m:t>
+                          </m:r>
+                          <m:r>
+                            <a:rPr lang="en-US" sz="2000" b="0" i="1" smtClean="0">
+                              <a:latin typeface="Cambria Math" panose="02040503050406030204" pitchFamily="18" charset="0"/>
+                            </a:rPr>
+                            <m:t> </m:t>
+                          </m:r>
+                        </m:e>
+                      </m:d>
+                      <m:r>
+                        <a:rPr lang="en-US" sz="2000" b="0" i="1" smtClean="0">
+                          <a:latin typeface="Cambria Math" panose="02040503050406030204" pitchFamily="18" charset="0"/>
+                        </a:rPr>
+                        <m:t> </m:t>
+                      </m:r>
+                      <m:r>
+                        <a:rPr lang="en-US" sz="2000" b="0" i="1" smtClean="0">
+                          <a:latin typeface="Cambria Math" panose="02040503050406030204" pitchFamily="18" charset="0"/>
+                        </a:rPr>
+                        <m:t>𝑎</m:t>
+                      </m:r>
+                      <m:r>
+                        <a:rPr lang="en-US" sz="2000" b="0" i="1" smtClean="0">
+                          <a:latin typeface="Cambria Math" panose="02040503050406030204" pitchFamily="18" charset="0"/>
+                        </a:rPr>
+                        <m:t>) </m:t>
+                      </m:r>
+                    </m:oMath>
+                  </m:oMathPara>
+                </a14:m>
+                <a:endParaRPr lang="en-US" sz="2000" dirty="0"/>
+              </a:p>
+            </p:txBody>
+          </p:sp>
+        </mc:Choice>
+        <mc:Fallback xmlns="">
+          <p:sp>
+            <p:nvSpPr>
+              <p:cNvPr id="3" name="TextBox 2">
+                <a:extLst>
+                  <a:ext uri="{FF2B5EF4-FFF2-40B4-BE49-F238E27FC236}">
+                    <a16:creationId xmlns:a16="http://schemas.microsoft.com/office/drawing/2014/main" id="{41F7FD68-7C82-41A2-E1B3-CBC99B34AF37}"/>
+                  </a:ext>
+                </a:extLst>
+              </p:cNvPr>
+              <p:cNvSpPr txBox="1">
+                <a:spLocks noRot="1" noChangeAspect="1" noMove="1" noResize="1" noEditPoints="1" noAdjustHandles="1" noChangeArrowheads="1" noChangeShapeType="1" noTextEdit="1"/>
+              </p:cNvSpPr>
+              <p:nvPr/>
+            </p:nvSpPr>
+            <p:spPr>
+              <a:xfrm>
+                <a:off x="2057400" y="1447800"/>
+                <a:ext cx="4752975" cy="892552"/>
+              </a:xfrm>
+              <a:prstGeom prst="rect">
+                <a:avLst/>
+              </a:prstGeom>
+              <a:blipFill>
+                <a:blip r:embed="rId3"/>
+                <a:stretch>
+                  <a:fillRect l="-640" t="-1351" b="-5405"/>
+                </a:stretch>
+              </a:blipFill>
+            </p:spPr>
+            <p:txBody>
+              <a:bodyPr/>
+              <a:lstStyle/>
+              <a:p>
+                <a:r>
+                  <a:rPr lang="en-US">
+                    <a:noFill/>
+                  </a:rPr>
+                  <a:t> </a:t>
+                </a:r>
+              </a:p>
+            </p:txBody>
+          </p:sp>
+        </mc:Fallback>
+      </mc:AlternateContent>
+    </p:spTree>
+    <p:extLst>
+      <p:ext uri="{BB962C8B-B14F-4D97-AF65-F5344CB8AC3E}">
+        <p14:creationId xmlns:p14="http://schemas.microsoft.com/office/powerpoint/2010/main" val="1388019515"/>
+      </p:ext>
+    </p:extLst>
+  </p:cSld>
+  <p:clrMapOvr>
+    <a:masterClrMapping/>
+  </p:clrMapOvr>
+  <p:timing>
+    <p:tnLst>
+      <p:par>
+        <p:cTn id="1" dur="indefinite" restart="never" nodeType="tmRoot">
+          <p:childTnLst>
+            <p:seq concurrent="1" nextAc="seek">
+              <p:cTn id="2" dur="indefinite" nodeType="mainSeq">
+                <p:childTnLst>
+                  <p:par>
+                    <p:cTn id="3" fill="hold">
+                      <p:stCondLst>
+                        <p:cond delay="indefinite"/>
+                      </p:stCondLst>
+                      <p:childTnLst>
+                        <p:par>
+                          <p:cTn id="4" fill="hold">
+                            <p:stCondLst>
+                              <p:cond delay="0"/>
+                            </p:stCondLst>
+                            <p:childTnLst>
+                              <p:par>
+                                <p:cTn id="5" presetID="1" presetClass="entr" presetSubtype="0" fill="hold" grpId="0" nodeType="clickEffect">
+                                  <p:stCondLst>
+                                    <p:cond delay="0"/>
+                                  </p:stCondLst>
+                                  <p:childTnLst>
+                                    <p:set>
+                                      <p:cBhvr>
+                                        <p:cTn id="6" dur="1" fill="hold">
+                                          <p:stCondLst>
+                                            <p:cond delay="0"/>
+                                          </p:stCondLst>
+                                        </p:cTn>
+                                        <p:tgtEl>
+                                          <p:spTgt spid="10243">
+                                            <p:txEl>
+                                              <p:pRg st="0" end="0"/>
+                                            </p:txEl>
+                                          </p:spTgt>
+                                        </p:tgtEl>
+                                        <p:attrNameLst>
+                                          <p:attrName>style.visibility</p:attrName>
+                                        </p:attrNameLst>
+                                      </p:cBhvr>
+                                      <p:to>
+                                        <p:strVal val="visible"/>
+                                      </p:to>
+                                    </p:set>
+                                  </p:childTnLst>
+                                </p:cTn>
+                              </p:par>
+                              <p:par>
+                                <p:cTn id="7" presetID="1" presetClass="entr" presetSubtype="0" fill="hold" grpId="0" nodeType="withEffect">
+                                  <p:stCondLst>
+                                    <p:cond delay="0"/>
+                                  </p:stCondLst>
+                                  <p:childTnLst>
+                                    <p:set>
+                                      <p:cBhvr>
+                                        <p:cTn id="8" dur="1" fill="hold">
+                                          <p:stCondLst>
+                                            <p:cond delay="0"/>
+                                          </p:stCondLst>
+                                        </p:cTn>
+                                        <p:tgtEl>
+                                          <p:spTgt spid="10243">
+                                            <p:txEl>
+                                              <p:pRg st="2" end="2"/>
+                                            </p:txEl>
+                                          </p:spTgt>
+                                        </p:tgtEl>
+                                        <p:attrNameLst>
+                                          <p:attrName>style.visibility</p:attrName>
+                                        </p:attrNameLst>
+                                      </p:cBhvr>
+                                      <p:to>
+                                        <p:strVal val="visible"/>
+                                      </p:to>
+                                    </p:set>
+                                  </p:childTnLst>
+                                </p:cTn>
+                              </p:par>
+                            </p:childTnLst>
+                          </p:cTn>
+                        </p:par>
+                      </p:childTnLst>
+                    </p:cTn>
+                  </p:par>
+                  <p:par>
+                    <p:cTn id="9" fill="hold">
+                      <p:stCondLst>
+                        <p:cond delay="indefinite"/>
+                      </p:stCondLst>
+                      <p:childTnLst>
+                        <p:par>
+                          <p:cTn id="10" fill="hold">
+                            <p:stCondLst>
+                              <p:cond delay="0"/>
+                            </p:stCondLst>
+                            <p:childTnLst>
+                              <p:par>
+                                <p:cTn id="11" presetID="1" presetClass="entr" presetSubtype="0" fill="hold" grpId="0" nodeType="clickEffect">
+                                  <p:stCondLst>
+                                    <p:cond delay="0"/>
+                                  </p:stCondLst>
+                                  <p:childTnLst>
+                                    <p:set>
+                                      <p:cBhvr>
+                                        <p:cTn id="12" dur="1" fill="hold">
+                                          <p:stCondLst>
+                                            <p:cond delay="0"/>
+                                          </p:stCondLst>
+                                        </p:cTn>
+                                        <p:tgtEl>
+                                          <p:spTgt spid="10243">
+                                            <p:txEl>
+                                              <p:pRg st="4" end="4"/>
+                                            </p:txEl>
+                                          </p:spTgt>
+                                        </p:tgtEl>
+                                        <p:attrNameLst>
+                                          <p:attrName>style.visibility</p:attrName>
+                                        </p:attrNameLst>
+                                      </p:cBhvr>
+                                      <p:to>
+                                        <p:strVal val="visible"/>
+                                      </p:to>
+                                    </p:set>
+                                  </p:childTnLst>
+                                </p:cTn>
+                              </p:par>
+                            </p:childTnLst>
+                          </p:cTn>
+                        </p:par>
+                      </p:childTnLst>
+                    </p:cTn>
+                  </p:par>
+                  <p:par>
+                    <p:cTn id="13" fill="hold">
+                      <p:stCondLst>
+                        <p:cond delay="indefinite"/>
+                      </p:stCondLst>
+                      <p:childTnLst>
+                        <p:par>
+                          <p:cTn id="14" fill="hold">
+                            <p:stCondLst>
+                              <p:cond delay="0"/>
+                            </p:stCondLst>
+                            <p:childTnLst>
+                              <p:par>
+                                <p:cTn id="15" presetID="1" presetClass="entr" presetSubtype="0" fill="hold" grpId="0" nodeType="clickEffect">
+                                  <p:stCondLst>
+                                    <p:cond delay="0"/>
+                                  </p:stCondLst>
+                                  <p:childTnLst>
+                                    <p:set>
+                                      <p:cBhvr>
+                                        <p:cTn id="16" dur="1" fill="hold">
+                                          <p:stCondLst>
+                                            <p:cond delay="0"/>
+                                          </p:stCondLst>
+                                        </p:cTn>
+                                        <p:tgtEl>
+                                          <p:spTgt spid="10243">
+                                            <p:txEl>
+                                              <p:pRg st="6" end="6"/>
+                                            </p:txEl>
+                                          </p:spTgt>
+                                        </p:tgtEl>
+                                        <p:attrNameLst>
+                                          <p:attrName>style.visibility</p:attrName>
+                                        </p:attrNameLst>
+                                      </p:cBhvr>
+                                      <p:to>
+                                        <p:strVal val="visible"/>
+                                      </p:to>
+                                    </p:set>
+                                  </p:childTnLst>
+                                </p:cTn>
+                              </p:par>
+                            </p:childTnLst>
+                          </p:cTn>
+                        </p:par>
+                      </p:childTnLst>
+                    </p:cTn>
+                  </p:par>
+                  <p:par>
+                    <p:cTn id="17" fill="hold">
+                      <p:stCondLst>
+                        <p:cond delay="indefinite"/>
+                      </p:stCondLst>
+                      <p:childTnLst>
+                        <p:par>
+                          <p:cTn id="18" fill="hold">
+                            <p:stCondLst>
+                              <p:cond delay="0"/>
+                            </p:stCondLst>
+                            <p:childTnLst>
+                              <p:par>
+                                <p:cTn id="19" presetID="1" presetClass="entr" presetSubtype="0" fill="hold" grpId="0" nodeType="clickEffect">
+                                  <p:stCondLst>
+                                    <p:cond delay="0"/>
+                                  </p:stCondLst>
+                                  <p:childTnLst>
+                                    <p:set>
+                                      <p:cBhvr>
+                                        <p:cTn id="20" dur="1" fill="hold">
+                                          <p:stCondLst>
+                                            <p:cond delay="0"/>
+                                          </p:stCondLst>
+                                        </p:cTn>
+                                        <p:tgtEl>
+                                          <p:spTgt spid="10243">
+                                            <p:txEl>
+                                              <p:pRg st="8" end="8"/>
+                                            </p:txEl>
+                                          </p:spTgt>
+                                        </p:tgtEl>
+                                        <p:attrNameLst>
+                                          <p:attrName>style.visibility</p:attrName>
+                                        </p:attrNameLst>
+                                      </p:cBhvr>
+                                      <p:to>
+                                        <p:strVal val="visible"/>
+                                      </p:to>
+                                    </p:set>
+                                  </p:childTnLst>
+                                </p:cTn>
+                              </p:par>
+                            </p:childTnLst>
+                          </p:cTn>
+                        </p:par>
+                      </p:childTnLst>
+                    </p:cTn>
+                  </p:par>
+                  <p:par>
+                    <p:cTn id="21" fill="hold">
+                      <p:stCondLst>
+                        <p:cond delay="indefinite"/>
+                      </p:stCondLst>
+                      <p:childTnLst>
+                        <p:par>
+                          <p:cTn id="22" fill="hold">
+                            <p:stCondLst>
+                              <p:cond delay="0"/>
+                            </p:stCondLst>
+                            <p:childTnLst>
+                              <p:par>
+                                <p:cTn id="23" presetID="1" presetClass="entr" presetSubtype="0" fill="hold" grpId="0" nodeType="clickEffect">
+                                  <p:stCondLst>
+                                    <p:cond delay="0"/>
+                                  </p:stCondLst>
+                                  <p:childTnLst>
+                                    <p:set>
+                                      <p:cBhvr>
+                                        <p:cTn id="24" dur="1" fill="hold">
+                                          <p:stCondLst>
+                                            <p:cond delay="0"/>
+                                          </p:stCondLst>
+                                        </p:cTn>
+                                        <p:tgtEl>
+                                          <p:spTgt spid="10243">
+                                            <p:txEl>
+                                              <p:pRg st="10" end="10"/>
+                                            </p:txEl>
+                                          </p:spTgt>
+                                        </p:tgtEl>
+                                        <p:attrNameLst>
+                                          <p:attrName>style.visibility</p:attrName>
+                                        </p:attrNameLst>
+                                      </p:cBhvr>
+                                      <p:to>
+                                        <p:strVal val="visible"/>
+                                      </p:to>
+                                    </p:set>
+                                  </p:childTnLst>
+                                </p:cTn>
+                              </p:par>
+                            </p:childTnLst>
+                          </p:cTn>
+                        </p:par>
+                      </p:childTnLst>
+                    </p:cTn>
+                  </p:par>
+                </p:childTnLst>
+              </p:cTn>
+              <p:prevCondLst>
+                <p:cond evt="onPrev" delay="0">
+                  <p:tgtEl>
+                    <p:sldTgt/>
+                  </p:tgtEl>
+                </p:cond>
+              </p:prevCondLst>
+              <p:nextCondLst>
+                <p:cond evt="onNext" delay="0">
+                  <p:tgtEl>
+                    <p:sldTgt/>
+                  </p:tgtEl>
+                </p:cond>
+              </p:nextCondLst>
+            </p:seq>
+          </p:childTnLst>
+        </p:cTn>
+      </p:par>
+    </p:tnLst>
+    <p:bldLst>
+      <p:bldP spid="10243" grpId="0" uiExpand="1" build="p"/>
+    </p:bldLst>
+  </p:timing>
+</p:sld>
+</file>
+
+<file path=ppt/slides/slide5.xml><?xml version="1.0" encoding="utf-8"?>
+<p:sld xmlns:a="http://schemas.openxmlformats.org/drawingml/2006/main" xmlns:r="http://schemas.openxmlformats.org/officeDocument/2006/relationships" xmlns:p="http://schemas.openxmlformats.org/presentationml/2006/main">
+  <p:cSld>
+    <p:spTree>
+      <p:nvGrpSpPr>
+        <p:cNvPr id="1" name=""/>
+        <p:cNvGrpSpPr/>
+        <p:nvPr/>
+      </p:nvGrpSpPr>
+      <p:grpSpPr>
+        <a:xfrm>
+          <a:off x="0" y="0"/>
+          <a:ext cx="0" cy="0"/>
+          <a:chOff x="0" y="0"/>
+          <a:chExt cx="0" cy="0"/>
+        </a:xfrm>
+      </p:grpSpPr>
+      <p:sp>
+        <p:nvSpPr>
+          <p:cNvPr id="24578" name="Rectangle 2"/>
+          <p:cNvSpPr>
+            <a:spLocks noGrp="1" noChangeArrowheads="1"/>
+          </p:cNvSpPr>
+          <p:nvPr>
+            <p:ph type="title"/>
+          </p:nvPr>
+        </p:nvSpPr>
+        <p:spPr/>
+        <p:txBody>
+          <a:bodyPr/>
+          <a:lstStyle/>
+          <a:p>
+            <a:r>
+              <a:rPr lang="en-US" dirty="0"/>
+              <a:t>Simple Reflex Agent</a:t>
+            </a:r>
+          </a:p>
+        </p:txBody>
+      </p:sp>
+      <p:sp>
+        <p:nvSpPr>
+          <p:cNvPr id="6" name="Content Placeholder 5"/>
+          <p:cNvSpPr>
+            <a:spLocks noGrp="1"/>
+          </p:cNvSpPr>
+          <p:nvPr>
+            <p:ph idx="1"/>
+          </p:nvPr>
+        </p:nvSpPr>
+        <p:spPr>
+          <a:xfrm>
+            <a:off x="628650" y="1417639"/>
+            <a:ext cx="7886700" cy="1325562"/>
+          </a:xfrm>
+        </p:spPr>
+        <p:txBody>
+          <a:bodyPr>
+            <a:normAutofit fontScale="85000" lnSpcReduction="20000"/>
+          </a:bodyPr>
+          <a:lstStyle/>
+          <a:p>
+            <a:r>
+              <a:rPr lang="en-US" dirty="0"/>
+              <a:t>Uses only built-in knowledge in the form of </a:t>
+            </a:r>
+            <a:r>
+              <a:rPr lang="en-US" b="1" dirty="0">
+                <a:solidFill>
+                  <a:srgbClr val="FF0000"/>
+                </a:solidFill>
+              </a:rPr>
+              <a:t>rules</a:t>
+            </a:r>
+            <a:r>
+              <a:rPr lang="en-US" dirty="0"/>
+              <a:t> that select action only  </a:t>
+            </a:r>
+            <a:r>
+              <a:rPr lang="en-US" b="1" dirty="0">
+                <a:solidFill>
+                  <a:srgbClr val="FF0000"/>
+                </a:solidFill>
+              </a:rPr>
+              <a:t>based on the current percept. </a:t>
+            </a:r>
+            <a:r>
+              <a:rPr lang="en-US" dirty="0"/>
+              <a:t>This is typically very fast!</a:t>
+            </a:r>
+            <a:endParaRPr lang="en-US" b="1" dirty="0">
+              <a:solidFill>
+                <a:srgbClr val="FF0000"/>
+              </a:solidFill>
+            </a:endParaRPr>
+          </a:p>
+          <a:p>
+            <a:r>
+              <a:rPr lang="en-US" dirty="0"/>
+              <a:t>The </a:t>
+            </a:r>
+            <a:r>
+              <a:rPr lang="en-US" b="1" dirty="0">
+                <a:solidFill>
+                  <a:srgbClr val="FF0000"/>
+                </a:solidFill>
+              </a:rPr>
+              <a:t>agent does not know about the performance measure</a:t>
+            </a:r>
+            <a:r>
+              <a:rPr lang="en-US" dirty="0"/>
+              <a:t>! But well-designed rules can lead to good performance.</a:t>
+            </a:r>
+          </a:p>
+          <a:p>
+            <a:r>
+              <a:rPr lang="en-US" dirty="0"/>
+              <a:t>The agent needs no memory and ignores all past percepts.</a:t>
+            </a:r>
+          </a:p>
+        </p:txBody>
+      </p:sp>
+      <p:grpSp>
+        <p:nvGrpSpPr>
+          <p:cNvPr id="3" name="Group 2" descr="A figure showing that the sensors show the agent how the world is like now. The agent then uses condition-action rules to desice what actions it should take.">
+            <a:extLst>
+              <a:ext uri="{FF2B5EF4-FFF2-40B4-BE49-F238E27FC236}">
+                <a16:creationId xmlns:a16="http://schemas.microsoft.com/office/drawing/2014/main" id="{F4335952-8DB7-263E-0EEA-8140CF315E42}"/>
+              </a:ext>
+            </a:extLst>
+          </p:cNvPr>
+          <p:cNvGrpSpPr/>
+          <p:nvPr/>
+        </p:nvGrpSpPr>
+        <p:grpSpPr>
+          <a:xfrm>
+            <a:off x="2057400" y="2743201"/>
+            <a:ext cx="4603987" cy="2908449"/>
+            <a:chOff x="1981200" y="2984707"/>
+            <a:chExt cx="4603987" cy="2908449"/>
+          </a:xfrm>
+        </p:grpSpPr>
+        <p:pic>
+          <p:nvPicPr>
+            <p:cNvPr id="4" name="Picture 3">
+              <a:extLst>
+                <a:ext uri="{FF2B5EF4-FFF2-40B4-BE49-F238E27FC236}">
+                  <a16:creationId xmlns:a16="http://schemas.microsoft.com/office/drawing/2014/main" id="{181DEF91-8F60-4AD0-929E-67A7782BFCE8}"/>
+                </a:ext>
+              </a:extLst>
+            </p:cNvPr>
+            <p:cNvPicPr>
+              <a:picLocks noChangeAspect="1"/>
+            </p:cNvPicPr>
+            <p:nvPr/>
+          </p:nvPicPr>
+          <p:blipFill>
+            <a:blip r:embed="rId3"/>
+            <a:stretch>
+              <a:fillRect/>
+            </a:stretch>
+          </p:blipFill>
+          <p:spPr>
+            <a:xfrm>
+              <a:off x="1981200" y="2984707"/>
+              <a:ext cx="4603987" cy="2908449"/>
+            </a:xfrm>
+            <a:prstGeom prst="rect">
+              <a:avLst/>
+            </a:prstGeom>
+          </p:spPr>
+        </p:pic>
+        <mc:AlternateContent xmlns:mc="http://schemas.openxmlformats.org/markup-compatibility/2006" xmlns:a14="http://schemas.microsoft.com/office/drawing/2010/main">
+          <mc:Choice Requires="a14">
+            <p:sp>
+              <p:nvSpPr>
+                <p:cNvPr id="5" name="TextBox 4">
+                  <a:extLst>
+                    <a:ext uri="{FF2B5EF4-FFF2-40B4-BE49-F238E27FC236}">
+                      <a16:creationId xmlns:a16="http://schemas.microsoft.com/office/drawing/2014/main" id="{088E4DDC-AC43-2395-FE15-DB33FBB1D188}"/>
+                    </a:ext>
+                  </a:extLst>
+                </p:cNvPr>
+                <p:cNvSpPr txBox="1"/>
+                <p:nvPr/>
+              </p:nvSpPr>
+              <p:spPr>
+                <a:xfrm>
+                  <a:off x="2514600" y="4495800"/>
+                  <a:ext cx="1447800" cy="369332"/>
+                </a:xfrm>
+                <a:prstGeom prst="rect">
+                  <a:avLst/>
+                </a:prstGeom>
+                <a:noFill/>
+              </p:spPr>
+              <p:txBody>
+                <a:bodyPr wrap="square">
+                  <a:spAutoFit/>
+                </a:bodyPr>
+                <a:lstStyle/>
+                <a:p>
+                  <a:pPr/>
+                  <a14:m>
+                    <m:oMathPara xmlns:m="http://schemas.openxmlformats.org/officeDocument/2006/math">
+                      <m:oMathParaPr>
+                        <m:jc m:val="centerGroup"/>
+                      </m:oMathParaPr>
+                      <m:oMath xmlns:m="http://schemas.openxmlformats.org/officeDocument/2006/math">
+                        <m:r>
+                          <a:rPr lang="en-US" b="0" i="1" smtClean="0">
+                            <a:latin typeface="Cambria Math" panose="02040503050406030204" pitchFamily="18" charset="0"/>
+                          </a:rPr>
+                          <m:t>𝑎</m:t>
+                        </m:r>
+                        <m:r>
+                          <a:rPr lang="en-US" b="0" i="1" smtClean="0">
+                            <a:latin typeface="Cambria Math" panose="02040503050406030204" pitchFamily="18" charset="0"/>
+                          </a:rPr>
+                          <m:t>=</m:t>
+                        </m:r>
+                        <m:r>
+                          <a:rPr lang="en-US" b="0" i="1" smtClean="0">
+                            <a:latin typeface="Cambria Math" panose="02040503050406030204" pitchFamily="18" charset="0"/>
+                          </a:rPr>
+                          <m:t>𝑓</m:t>
+                        </m:r>
+                        <m:r>
+                          <a:rPr lang="en-US" b="0" i="1" smtClean="0">
+                            <a:latin typeface="Cambria Math" panose="02040503050406030204" pitchFamily="18" charset="0"/>
+                          </a:rPr>
+                          <m:t>(</m:t>
+                        </m:r>
+                        <m:r>
+                          <a:rPr lang="en-US" b="0" i="1" smtClean="0">
+                            <a:latin typeface="Cambria Math" panose="02040503050406030204" pitchFamily="18" charset="0"/>
+                          </a:rPr>
+                          <m:t>𝑝</m:t>
+                        </m:r>
+                        <m:r>
+                          <a:rPr lang="en-US" b="0" i="1" smtClean="0">
+                            <a:latin typeface="Cambria Math" panose="02040503050406030204" pitchFamily="18" charset="0"/>
+                          </a:rPr>
+                          <m:t>)</m:t>
+                        </m:r>
+                      </m:oMath>
+                    </m:oMathPara>
+                  </a14:m>
+                  <a:endParaRPr lang="en-US" dirty="0"/>
+                </a:p>
+              </p:txBody>
+            </p:sp>
+          </mc:Choice>
+          <mc:Fallback xmlns="">
+            <p:sp>
+              <p:nvSpPr>
+                <p:cNvPr id="5" name="TextBox 4">
+                  <a:extLst>
+                    <a:ext uri="{FF2B5EF4-FFF2-40B4-BE49-F238E27FC236}">
+                      <a16:creationId xmlns:a16="http://schemas.microsoft.com/office/drawing/2014/main" id="{088E4DDC-AC43-2395-FE15-DB33FBB1D188}"/>
+                    </a:ext>
+                  </a:extLst>
+                </p:cNvPr>
+                <p:cNvSpPr txBox="1">
+                  <a:spLocks noRot="1" noChangeAspect="1" noMove="1" noResize="1" noEditPoints="1" noAdjustHandles="1" noChangeArrowheads="1" noChangeShapeType="1" noTextEdit="1"/>
+                </p:cNvSpPr>
+                <p:nvPr/>
+              </p:nvSpPr>
+              <p:spPr>
+                <a:xfrm>
+                  <a:off x="2514600" y="4495800"/>
+                  <a:ext cx="1447800" cy="369332"/>
+                </a:xfrm>
+                <a:prstGeom prst="rect">
+                  <a:avLst/>
+                </a:prstGeom>
+                <a:blipFill>
+                  <a:blip r:embed="rId5"/>
+                  <a:stretch>
+                    <a:fillRect b="-13333"/>
+                  </a:stretch>
+                </a:blipFill>
+              </p:spPr>
+              <p:txBody>
+                <a:bodyPr/>
+                <a:lstStyle/>
+                <a:p>
+                  <a:r>
+                    <a:rPr lang="en-US">
+                      <a:noFill/>
+                    </a:rPr>
+                    <a:t> </a:t>
+                  </a:r>
+                </a:p>
+              </p:txBody>
+            </p:sp>
+          </mc:Fallback>
+        </mc:AlternateContent>
+      </p:grpSp>
+      <mc:AlternateContent xmlns:mc="http://schemas.openxmlformats.org/markup-compatibility/2006" xmlns:a14="http://schemas.microsoft.com/office/drawing/2010/main">
+        <mc:Choice Requires="a14">
+          <p:sp>
+            <p:nvSpPr>
+              <p:cNvPr id="2" name="Rectangle 1">
+                <a:extLst>
+                  <a:ext uri="{FF2B5EF4-FFF2-40B4-BE49-F238E27FC236}">
+                    <a16:creationId xmlns:a16="http://schemas.microsoft.com/office/drawing/2014/main" id="{85F931F8-34A1-48EC-9F54-75986756E228}"/>
+                  </a:ext>
+                </a:extLst>
+              </p:cNvPr>
+              <p:cNvSpPr/>
+              <p:nvPr/>
+            </p:nvSpPr>
+            <p:spPr>
+              <a:xfrm>
+                <a:off x="516867" y="5673054"/>
+                <a:ext cx="8110265" cy="923330"/>
+              </a:xfrm>
+              <a:prstGeom prst="rect">
+                <a:avLst/>
+              </a:prstGeom>
+            </p:spPr>
+            <p:txBody>
+              <a:bodyPr wrap="square">
+                <a:spAutoFit/>
+              </a:bodyPr>
+              <a:lstStyle/>
+              <a:p>
+                <a:r>
+                  <a:rPr lang="en-US" dirty="0"/>
+                  <a:t>The interaction is a sequence:  </a:t>
+                </a:r>
+                <a14:m>
+                  <m:oMath xmlns:m="http://schemas.openxmlformats.org/officeDocument/2006/math">
+                    <m:sSub>
+                      <m:sSubPr>
+                        <m:ctrlPr>
+                          <a:rPr lang="en-US" i="1" smtClean="0">
+                            <a:latin typeface="Cambria Math" panose="02040503050406030204" pitchFamily="18" charset="0"/>
+                          </a:rPr>
+                        </m:ctrlPr>
+                      </m:sSubPr>
+                      <m:e>
+                        <m:r>
+                          <a:rPr lang="en-US" b="0" i="1" smtClean="0">
+                            <a:latin typeface="Cambria Math" panose="02040503050406030204" pitchFamily="18" charset="0"/>
+                          </a:rPr>
+                          <m:t>𝑝</m:t>
+                        </m:r>
+                      </m:e>
+                      <m:sub>
+                        <m:r>
+                          <a:rPr lang="en-US" b="0" i="1" smtClean="0">
+                            <a:latin typeface="Cambria Math" panose="02040503050406030204" pitchFamily="18" charset="0"/>
+                          </a:rPr>
+                          <m:t>0</m:t>
+                        </m:r>
+                      </m:sub>
+                    </m:sSub>
+                    <m:r>
+                      <a:rPr lang="en-US" b="0" i="1" smtClean="0">
+                        <a:latin typeface="Cambria Math" panose="02040503050406030204" pitchFamily="18" charset="0"/>
+                      </a:rPr>
+                      <m:t>,</m:t>
+                    </m:r>
+                    <m:sSub>
+                      <m:sSubPr>
+                        <m:ctrlPr>
+                          <a:rPr lang="en-US" i="1" smtClean="0">
+                            <a:latin typeface="Cambria Math" panose="02040503050406030204" pitchFamily="18" charset="0"/>
+                          </a:rPr>
+                        </m:ctrlPr>
+                      </m:sSubPr>
+                      <m:e>
+                        <m:r>
+                          <a:rPr lang="en-US" b="0" i="1" smtClean="0">
+                            <a:latin typeface="Cambria Math" panose="02040503050406030204" pitchFamily="18" charset="0"/>
+                          </a:rPr>
+                          <m:t>𝑎</m:t>
+                        </m:r>
+                      </m:e>
+                      <m:sub>
+                        <m:r>
+                          <a:rPr lang="en-US" b="0" i="1" smtClean="0">
+                            <a:latin typeface="Cambria Math" panose="02040503050406030204" pitchFamily="18" charset="0"/>
+                          </a:rPr>
+                          <m:t>0</m:t>
+                        </m:r>
+                      </m:sub>
+                    </m:sSub>
+                    <m:r>
+                      <a:rPr lang="en-US" b="0" i="1" smtClean="0">
+                        <a:latin typeface="Cambria Math" panose="02040503050406030204" pitchFamily="18" charset="0"/>
+                      </a:rPr>
+                      <m:t>,</m:t>
+                    </m:r>
+                    <m:sSub>
+                      <m:sSubPr>
+                        <m:ctrlPr>
+                          <a:rPr lang="en-US" i="1" smtClean="0">
+                            <a:latin typeface="Cambria Math" panose="02040503050406030204" pitchFamily="18" charset="0"/>
+                          </a:rPr>
+                        </m:ctrlPr>
+                      </m:sSubPr>
+                      <m:e>
+                        <m:r>
+                          <a:rPr lang="en-US" b="0" i="1" smtClean="0">
+                            <a:latin typeface="Cambria Math" panose="02040503050406030204" pitchFamily="18" charset="0"/>
+                          </a:rPr>
+                          <m:t>𝑝</m:t>
+                        </m:r>
+                      </m:e>
+                      <m:sub>
+                        <m:r>
+                          <a:rPr lang="en-US" b="0" i="1" smtClean="0">
+                            <a:latin typeface="Cambria Math" panose="02040503050406030204" pitchFamily="18" charset="0"/>
+                          </a:rPr>
+                          <m:t>1</m:t>
+                        </m:r>
+                      </m:sub>
+                    </m:sSub>
+                    <m:r>
+                      <a:rPr lang="en-US" b="0" i="1" smtClean="0">
+                        <a:latin typeface="Cambria Math" panose="02040503050406030204" pitchFamily="18" charset="0"/>
+                      </a:rPr>
+                      <m:t>,</m:t>
+                    </m:r>
+                    <m:sSub>
+                      <m:sSubPr>
+                        <m:ctrlPr>
+                          <a:rPr lang="en-US" i="1" smtClean="0">
+                            <a:latin typeface="Cambria Math" panose="02040503050406030204" pitchFamily="18" charset="0"/>
+                          </a:rPr>
+                        </m:ctrlPr>
+                      </m:sSubPr>
+                      <m:e>
+                        <m:r>
+                          <a:rPr lang="en-US" b="0" i="1" smtClean="0">
+                            <a:latin typeface="Cambria Math" panose="02040503050406030204" pitchFamily="18" charset="0"/>
+                          </a:rPr>
+                          <m:t>𝑎</m:t>
+                        </m:r>
+                      </m:e>
+                      <m:sub>
+                        <m:r>
+                          <a:rPr lang="en-US" b="0" i="1" smtClean="0">
+                            <a:latin typeface="Cambria Math" panose="02040503050406030204" pitchFamily="18" charset="0"/>
+                          </a:rPr>
+                          <m:t>1</m:t>
+                        </m:r>
+                      </m:sub>
+                    </m:sSub>
+                    <m:r>
+                      <a:rPr lang="en-US" b="0" i="1" smtClean="0">
+                        <a:latin typeface="Cambria Math" panose="02040503050406030204" pitchFamily="18" charset="0"/>
+                      </a:rPr>
+                      <m:t>,</m:t>
+                    </m:r>
+                    <m:sSub>
+                      <m:sSubPr>
+                        <m:ctrlPr>
+                          <a:rPr lang="en-US" i="1" smtClean="0">
+                            <a:latin typeface="Cambria Math" panose="02040503050406030204" pitchFamily="18" charset="0"/>
+                          </a:rPr>
+                        </m:ctrlPr>
+                      </m:sSubPr>
+                      <m:e>
+                        <m:r>
+                          <a:rPr lang="en-US" b="0" i="1" smtClean="0">
+                            <a:latin typeface="Cambria Math" panose="02040503050406030204" pitchFamily="18" charset="0"/>
+                          </a:rPr>
+                          <m:t>𝑝</m:t>
+                        </m:r>
+                      </m:e>
+                      <m:sub>
+                        <m:r>
+                          <a:rPr lang="en-US" b="0" i="1" smtClean="0">
+                            <a:latin typeface="Cambria Math" panose="02040503050406030204" pitchFamily="18" charset="0"/>
+                          </a:rPr>
+                          <m:t>2</m:t>
+                        </m:r>
+                      </m:sub>
+                    </m:sSub>
+                    <m:r>
+                      <a:rPr lang="en-US" b="0" i="1" smtClean="0">
+                        <a:latin typeface="Cambria Math" panose="02040503050406030204" pitchFamily="18" charset="0"/>
+                      </a:rPr>
+                      <m:t>,</m:t>
+                    </m:r>
+                    <m:sSub>
+                      <m:sSubPr>
+                        <m:ctrlPr>
+                          <a:rPr lang="en-US" i="1" smtClean="0">
+                            <a:latin typeface="Cambria Math" panose="02040503050406030204" pitchFamily="18" charset="0"/>
+                          </a:rPr>
+                        </m:ctrlPr>
+                      </m:sSubPr>
+                      <m:e>
+                        <m:r>
+                          <a:rPr lang="en-US" b="0" i="1" smtClean="0">
+                            <a:latin typeface="Cambria Math" panose="02040503050406030204" pitchFamily="18" charset="0"/>
+                          </a:rPr>
+                          <m:t>𝑎</m:t>
+                        </m:r>
+                      </m:e>
+                      <m:sub>
+                        <m:r>
+                          <a:rPr lang="en-US" b="0" i="1" smtClean="0">
+                            <a:latin typeface="Cambria Math" panose="02040503050406030204" pitchFamily="18" charset="0"/>
+                          </a:rPr>
+                          <m:t>2</m:t>
+                        </m:r>
+                      </m:sub>
+                    </m:sSub>
+                    <m:r>
+                      <a:rPr lang="en-US" b="0" i="1" smtClean="0">
+                        <a:latin typeface="Cambria Math" panose="02040503050406030204" pitchFamily="18" charset="0"/>
+                      </a:rPr>
+                      <m:t>,…</m:t>
+                    </m:r>
+                    <m:sSub>
+                      <m:sSubPr>
+                        <m:ctrlPr>
+                          <a:rPr lang="en-US" i="1" smtClean="0">
+                            <a:latin typeface="Cambria Math" panose="02040503050406030204" pitchFamily="18" charset="0"/>
+                          </a:rPr>
+                        </m:ctrlPr>
+                      </m:sSubPr>
+                      <m:e>
+                        <m:r>
+                          <a:rPr lang="en-US" b="0" i="1" smtClean="0">
+                            <a:latin typeface="Cambria Math" panose="02040503050406030204" pitchFamily="18" charset="0"/>
+                          </a:rPr>
+                          <m:t>𝑝</m:t>
+                        </m:r>
+                      </m:e>
+                      <m:sub>
+                        <m:r>
+                          <a:rPr lang="en-US" b="0" i="1" smtClean="0">
+                            <a:latin typeface="Cambria Math" panose="02040503050406030204" pitchFamily="18" charset="0"/>
+                          </a:rPr>
+                          <m:t>𝑡</m:t>
+                        </m:r>
+                      </m:sub>
+                    </m:sSub>
+                    <m:r>
+                      <a:rPr lang="en-US" b="0" i="1" smtClean="0">
+                        <a:latin typeface="Cambria Math" panose="02040503050406030204" pitchFamily="18" charset="0"/>
+                      </a:rPr>
+                      <m:t>,</m:t>
+                    </m:r>
+                    <m:sSub>
+                      <m:sSubPr>
+                        <m:ctrlPr>
+                          <a:rPr lang="en-US" i="1" smtClean="0">
+                            <a:latin typeface="Cambria Math" panose="02040503050406030204" pitchFamily="18" charset="0"/>
+                          </a:rPr>
+                        </m:ctrlPr>
+                      </m:sSubPr>
+                      <m:e>
+                        <m:r>
+                          <a:rPr lang="en-US" b="0" i="1" smtClean="0">
+                            <a:latin typeface="Cambria Math" panose="02040503050406030204" pitchFamily="18" charset="0"/>
+                          </a:rPr>
+                          <m:t>𝑎</m:t>
+                        </m:r>
+                      </m:e>
+                      <m:sub>
+                        <m:r>
+                          <a:rPr lang="en-US" b="0" i="1" smtClean="0">
+                            <a:latin typeface="Cambria Math" panose="02040503050406030204" pitchFamily="18" charset="0"/>
+                          </a:rPr>
+                          <m:t>𝑡</m:t>
+                        </m:r>
+                      </m:sub>
+                    </m:sSub>
+                    <m:r>
+                      <a:rPr lang="en-US" b="0" i="1" smtClean="0">
+                        <a:latin typeface="Cambria Math" panose="02040503050406030204" pitchFamily="18" charset="0"/>
+                      </a:rPr>
+                      <m:t>,…</m:t>
+                    </m:r>
+                  </m:oMath>
+                </a14:m>
+                <a:endParaRPr lang="en-US" dirty="0"/>
+              </a:p>
+              <a:p>
+                <a:endParaRPr lang="en-US" b="1" dirty="0"/>
+              </a:p>
+              <a:p>
+                <a:r>
+                  <a:rPr lang="en-US" b="1" dirty="0"/>
+                  <a:t>Example</a:t>
+                </a:r>
+                <a:r>
+                  <a:rPr lang="en-US" dirty="0"/>
+                  <a:t>: A simple vacuum cleaner that uses rules based on its current sensor input. </a:t>
+                </a:r>
+              </a:p>
+            </p:txBody>
+          </p:sp>
+        </mc:Choice>
+        <mc:Fallback xmlns="">
+          <p:sp>
+            <p:nvSpPr>
+              <p:cNvPr id="2" name="Rectangle 1">
+                <a:extLst>
+                  <a:ext uri="{FF2B5EF4-FFF2-40B4-BE49-F238E27FC236}">
+                    <a16:creationId xmlns:a16="http://schemas.microsoft.com/office/drawing/2014/main" id="{85F931F8-34A1-48EC-9F54-75986756E228}"/>
+                  </a:ext>
+                </a:extLst>
+              </p:cNvPr>
+              <p:cNvSpPr>
+                <a:spLocks noRot="1" noChangeAspect="1" noMove="1" noResize="1" noEditPoints="1" noAdjustHandles="1" noChangeArrowheads="1" noChangeShapeType="1" noTextEdit="1"/>
+              </p:cNvSpPr>
+              <p:nvPr/>
+            </p:nvSpPr>
+            <p:spPr>
+              <a:xfrm>
+                <a:off x="516867" y="5673054"/>
+                <a:ext cx="8110265" cy="923330"/>
+              </a:xfrm>
+              <a:prstGeom prst="rect">
+                <a:avLst/>
+              </a:prstGeom>
+              <a:blipFill>
+                <a:blip r:embed="rId6"/>
+                <a:stretch>
+                  <a:fillRect l="-677" t="-3974" b="-9934"/>
+                </a:stretch>
+              </a:blipFill>
+            </p:spPr>
+            <p:txBody>
+              <a:bodyPr/>
+              <a:lstStyle/>
+              <a:p>
+                <a:r>
+                  <a:rPr lang="en-US">
+                    <a:noFill/>
+                  </a:rPr>
+                  <a:t> </a:t>
+                </a:r>
+              </a:p>
+            </p:txBody>
+          </p:sp>
+        </mc:Fallback>
+      </mc:AlternateContent>
+    </p:spTree>
+  </p:cSld>
+  <p:clrMapOvr>
+    <a:masterClrMapping/>
+  </p:clrMapOvr>
+</p:sld>
+</file>
+
+<file path=ppt/slides/slide6.xml><?xml version="1.0" encoding="utf-8"?>
+<p:sld xmlns:a="http://schemas.openxmlformats.org/drawingml/2006/main" xmlns:r="http://schemas.openxmlformats.org/officeDocument/2006/relationships" xmlns:p="http://schemas.openxmlformats.org/presentationml/2006/main">
+  <p:cSld>
+    <p:spTree>
+      <p:nvGrpSpPr>
+        <p:cNvPr id="1" name=""/>
+        <p:cNvGrpSpPr/>
+        <p:nvPr/>
+      </p:nvGrpSpPr>
+      <p:grpSpPr>
+        <a:xfrm>
+          <a:off x="0" y="0"/>
+          <a:ext cx="0" cy="0"/>
+          <a:chOff x="0" y="0"/>
+          <a:chExt cx="0" cy="0"/>
+        </a:xfrm>
+      </p:grpSpPr>
+      <p:sp>
+        <p:nvSpPr>
+          <p:cNvPr id="26626" name="Rectangle 2"/>
+          <p:cNvSpPr>
+            <a:spLocks noGrp="1" noChangeArrowheads="1"/>
+          </p:cNvSpPr>
+          <p:nvPr>
+            <p:ph type="title"/>
+          </p:nvPr>
+        </p:nvSpPr>
+        <p:spPr/>
+        <p:txBody>
+          <a:bodyPr/>
+          <a:lstStyle/>
+          <a:p>
+            <a:r>
+              <a:rPr lang="en-US" dirty="0"/>
+              <a:t>Model-based Reflex Agent</a:t>
+            </a:r>
+          </a:p>
+        </p:txBody>
+      </p:sp>
+      <p:sp>
+        <p:nvSpPr>
+          <p:cNvPr id="6" name="Content Placeholder 5"/>
+          <p:cNvSpPr>
+            <a:spLocks noGrp="1"/>
+          </p:cNvSpPr>
+          <p:nvPr>
+            <p:ph idx="1"/>
+          </p:nvPr>
+        </p:nvSpPr>
+        <p:spPr>
+          <a:xfrm>
+            <a:off x="628650" y="1358825"/>
+            <a:ext cx="7886700" cy="1325563"/>
+          </a:xfrm>
+        </p:spPr>
+        <p:txBody>
+          <a:bodyPr>
+            <a:normAutofit fontScale="85000" lnSpcReduction="20000"/>
+          </a:bodyPr>
+          <a:lstStyle/>
+          <a:p>
+            <a:r>
+              <a:rPr lang="en-US" dirty="0"/>
+              <a:t>Maintains a</a:t>
+            </a:r>
+            <a:r>
+              <a:rPr lang="en-US" b="1" dirty="0">
+                <a:solidFill>
+                  <a:srgbClr val="FF0000"/>
+                </a:solidFill>
+              </a:rPr>
+              <a:t> state variable</a:t>
+            </a:r>
+            <a:r>
+              <a:rPr lang="en-US" dirty="0"/>
+              <a:t> to keeps track of aspects of the environment that cannot be currently observed. I.e., it has memory.</a:t>
+            </a:r>
+          </a:p>
+          <a:p>
+            <a:r>
+              <a:rPr lang="en-US" dirty="0"/>
+              <a:t>It knows how the environment evolves over time given its last action. It updates the state using a  </a:t>
+            </a:r>
+            <a:r>
+              <a:rPr lang="en-US" b="1" dirty="0">
+                <a:solidFill>
+                  <a:srgbClr val="FF0000"/>
+                </a:solidFill>
+              </a:rPr>
+              <a:t>transition function</a:t>
+            </a:r>
+            <a:r>
+              <a:rPr lang="en-US" dirty="0"/>
+              <a:t> and the new percept. </a:t>
+            </a:r>
+          </a:p>
+          <a:p>
+            <a:r>
+              <a:rPr lang="en-US" dirty="0"/>
+              <a:t>There is now more information for the </a:t>
+            </a:r>
+            <a:r>
+              <a:rPr lang="en-US" b="1" dirty="0">
+                <a:solidFill>
+                  <a:srgbClr val="FF0000"/>
+                </a:solidFill>
+              </a:rPr>
+              <a:t>rules</a:t>
+            </a:r>
+            <a:r>
+              <a:rPr lang="en-US" dirty="0"/>
+              <a:t> to make better decisions. </a:t>
+            </a:r>
+            <a:endParaRPr lang="en-US" sz="2000" dirty="0"/>
+          </a:p>
+        </p:txBody>
+      </p:sp>
+      <p:pic>
+        <p:nvPicPr>
+          <p:cNvPr id="5" name="Picture 4" descr="A figure that shiws how the agent adds a state and a model that describes how the world envolves.">
+            <a:extLst>
+              <a:ext uri="{FF2B5EF4-FFF2-40B4-BE49-F238E27FC236}">
+                <a16:creationId xmlns:a16="http://schemas.microsoft.com/office/drawing/2014/main" id="{038E5158-0581-49FA-94C4-ABA19CFED948}"/>
+              </a:ext>
+            </a:extLst>
+          </p:cNvPr>
+          <p:cNvPicPr>
+            <a:picLocks noChangeAspect="1"/>
+          </p:cNvPicPr>
+          <p:nvPr/>
+        </p:nvPicPr>
+        <p:blipFill>
+          <a:blip r:embed="rId3"/>
+          <a:stretch>
+            <a:fillRect/>
+          </a:stretch>
+        </p:blipFill>
+        <p:spPr>
+          <a:xfrm>
+            <a:off x="1981200" y="2717650"/>
+            <a:ext cx="4673840" cy="2921150"/>
+          </a:xfrm>
+          <a:prstGeom prst="rect">
+            <a:avLst/>
+          </a:prstGeom>
+        </p:spPr>
+      </p:pic>
+      <mc:AlternateContent xmlns:mc="http://schemas.openxmlformats.org/markup-compatibility/2006" xmlns:a14="http://schemas.microsoft.com/office/drawing/2010/main">
+        <mc:Choice Requires="a14">
+          <p:sp>
+            <p:nvSpPr>
+              <p:cNvPr id="2" name="Rectangle 1">
+                <a:extLst>
+                  <a:ext uri="{FF2B5EF4-FFF2-40B4-BE49-F238E27FC236}">
+                    <a16:creationId xmlns:a16="http://schemas.microsoft.com/office/drawing/2014/main" id="{AE6838F9-B6C4-425B-8572-2F7363951D3D}"/>
+                  </a:ext>
+                </a:extLst>
+              </p:cNvPr>
+              <p:cNvSpPr/>
+              <p:nvPr/>
+            </p:nvSpPr>
+            <p:spPr>
+              <a:xfrm>
+                <a:off x="587829" y="5767797"/>
+                <a:ext cx="7905750" cy="923330"/>
+              </a:xfrm>
+              <a:prstGeom prst="rect">
+                <a:avLst/>
+              </a:prstGeom>
+            </p:spPr>
+            <p:txBody>
+              <a:bodyPr wrap="square">
+                <a:spAutoFit/>
+              </a:bodyPr>
+              <a:lstStyle/>
+              <a:p>
+                <a:r>
+                  <a:rPr lang="en-US" dirty="0"/>
+                  <a:t>The interaction is a sequence:  </a:t>
+                </a:r>
+                <a14:m>
+                  <m:oMath xmlns:m="http://schemas.openxmlformats.org/officeDocument/2006/math">
+                    <m:sSub>
+                      <m:sSubPr>
+                        <m:ctrlPr>
+                          <a:rPr lang="en-US" i="1" smtClean="0">
+                            <a:latin typeface="Cambria Math" panose="02040503050406030204" pitchFamily="18" charset="0"/>
+                          </a:rPr>
+                        </m:ctrlPr>
+                      </m:sSubPr>
+                      <m:e>
+                        <m:sSub>
+                          <m:sSubPr>
+                            <m:ctrlPr>
+                              <a:rPr lang="en-US" b="0" i="1" smtClean="0">
+                                <a:latin typeface="Cambria Math" panose="02040503050406030204" pitchFamily="18" charset="0"/>
+                              </a:rPr>
+                            </m:ctrlPr>
+                          </m:sSubPr>
+                          <m:e>
+                            <m:r>
+                              <a:rPr lang="en-US" b="0" i="1" smtClean="0">
+                                <a:latin typeface="Cambria Math" panose="02040503050406030204" pitchFamily="18" charset="0"/>
+                              </a:rPr>
+                              <m:t>𝑝</m:t>
+                            </m:r>
+                          </m:e>
+                          <m:sub>
+                            <m:r>
+                              <a:rPr lang="en-US" b="0" i="1" smtClean="0">
+                                <a:latin typeface="Cambria Math" panose="02040503050406030204" pitchFamily="18" charset="0"/>
+                              </a:rPr>
+                              <m:t>0</m:t>
+                            </m:r>
+                          </m:sub>
+                        </m:sSub>
+                        <m:r>
+                          <a:rPr lang="en-US" b="0" i="1" smtClean="0">
+                            <a:latin typeface="Cambria Math" panose="02040503050406030204" pitchFamily="18" charset="0"/>
+                          </a:rPr>
+                          <m:t>,</m:t>
+                        </m:r>
+                        <m:r>
+                          <a:rPr lang="en-US" b="0" i="1" smtClean="0">
+                            <a:latin typeface="Cambria Math" panose="02040503050406030204" pitchFamily="18" charset="0"/>
+                          </a:rPr>
+                          <m:t>𝑠</m:t>
+                        </m:r>
+                      </m:e>
+                      <m:sub>
+                        <m:r>
+                          <a:rPr lang="en-US" b="0" i="1" smtClean="0">
+                            <a:latin typeface="Cambria Math" panose="02040503050406030204" pitchFamily="18" charset="0"/>
+                          </a:rPr>
+                          <m:t>0</m:t>
+                        </m:r>
+                      </m:sub>
+                    </m:sSub>
+                    <m:r>
+                      <a:rPr lang="en-US" b="0" i="1" smtClean="0">
+                        <a:latin typeface="Cambria Math" panose="02040503050406030204" pitchFamily="18" charset="0"/>
+                      </a:rPr>
+                      <m:t>,</m:t>
+                    </m:r>
+                    <m:sSub>
+                      <m:sSubPr>
+                        <m:ctrlPr>
+                          <a:rPr lang="en-US" i="1" smtClean="0">
+                            <a:latin typeface="Cambria Math" panose="02040503050406030204" pitchFamily="18" charset="0"/>
+                          </a:rPr>
+                        </m:ctrlPr>
+                      </m:sSubPr>
+                      <m:e>
+                        <m:r>
+                          <a:rPr lang="en-US" b="0" i="1" smtClean="0">
+                            <a:latin typeface="Cambria Math" panose="02040503050406030204" pitchFamily="18" charset="0"/>
+                          </a:rPr>
+                          <m:t>𝑎</m:t>
+                        </m:r>
+                      </m:e>
+                      <m:sub>
+                        <m:r>
+                          <a:rPr lang="en-US" b="0" i="1" smtClean="0">
+                            <a:latin typeface="Cambria Math" panose="02040503050406030204" pitchFamily="18" charset="0"/>
+                          </a:rPr>
+                          <m:t>0</m:t>
+                        </m:r>
+                      </m:sub>
+                    </m:sSub>
+                    <m:r>
+                      <a:rPr lang="en-US" b="0" i="1" smtClean="0">
+                        <a:latin typeface="Cambria Math" panose="02040503050406030204" pitchFamily="18" charset="0"/>
+                      </a:rPr>
+                      <m:t>,</m:t>
+                    </m:r>
+                    <m:sSub>
+                      <m:sSubPr>
+                        <m:ctrlPr>
+                          <a:rPr lang="en-US" b="0" i="1" smtClean="0">
+                            <a:latin typeface="Cambria Math" panose="02040503050406030204" pitchFamily="18" charset="0"/>
+                          </a:rPr>
+                        </m:ctrlPr>
+                      </m:sSubPr>
+                      <m:e>
+                        <m:r>
+                          <a:rPr lang="en-US" b="0" i="1" smtClean="0">
+                            <a:latin typeface="Cambria Math" panose="02040503050406030204" pitchFamily="18" charset="0"/>
+                          </a:rPr>
+                          <m:t>𝑝</m:t>
+                        </m:r>
+                      </m:e>
+                      <m:sub>
+                        <m:r>
+                          <a:rPr lang="en-US" b="0" i="1" smtClean="0">
+                            <a:latin typeface="Cambria Math" panose="02040503050406030204" pitchFamily="18" charset="0"/>
+                          </a:rPr>
+                          <m:t>1</m:t>
+                        </m:r>
+                      </m:sub>
+                    </m:sSub>
+                    <m:r>
+                      <a:rPr lang="en-US" b="0" i="1" smtClean="0">
+                        <a:latin typeface="Cambria Math" panose="02040503050406030204" pitchFamily="18" charset="0"/>
+                      </a:rPr>
+                      <m:t>,</m:t>
+                    </m:r>
+                    <m:sSub>
+                      <m:sSubPr>
+                        <m:ctrlPr>
+                          <a:rPr lang="en-US" i="1" smtClean="0">
+                            <a:latin typeface="Cambria Math" panose="02040503050406030204" pitchFamily="18" charset="0"/>
+                          </a:rPr>
+                        </m:ctrlPr>
+                      </m:sSubPr>
+                      <m:e>
+                        <m:r>
+                          <a:rPr lang="en-US" b="0" i="1" smtClean="0">
+                            <a:latin typeface="Cambria Math" panose="02040503050406030204" pitchFamily="18" charset="0"/>
+                          </a:rPr>
+                          <m:t>𝑠</m:t>
+                        </m:r>
+                      </m:e>
+                      <m:sub>
+                        <m:r>
+                          <a:rPr lang="en-US" b="0" i="1" smtClean="0">
+                            <a:latin typeface="Cambria Math" panose="02040503050406030204" pitchFamily="18" charset="0"/>
+                          </a:rPr>
+                          <m:t>1</m:t>
+                        </m:r>
+                      </m:sub>
+                    </m:sSub>
+                    <m:r>
+                      <a:rPr lang="en-US" b="0" i="1" smtClean="0">
+                        <a:latin typeface="Cambria Math" panose="02040503050406030204" pitchFamily="18" charset="0"/>
+                      </a:rPr>
+                      <m:t>,</m:t>
+                    </m:r>
+                    <m:sSub>
+                      <m:sSubPr>
+                        <m:ctrlPr>
+                          <a:rPr lang="en-US" i="1" smtClean="0">
+                            <a:latin typeface="Cambria Math" panose="02040503050406030204" pitchFamily="18" charset="0"/>
+                          </a:rPr>
+                        </m:ctrlPr>
+                      </m:sSubPr>
+                      <m:e>
+                        <m:r>
+                          <a:rPr lang="en-US" b="0" i="1" smtClean="0">
+                            <a:latin typeface="Cambria Math" panose="02040503050406030204" pitchFamily="18" charset="0"/>
+                          </a:rPr>
+                          <m:t>𝑎</m:t>
+                        </m:r>
+                      </m:e>
+                      <m:sub>
+                        <m:r>
+                          <a:rPr lang="en-US" b="0" i="1" smtClean="0">
+                            <a:latin typeface="Cambria Math" panose="02040503050406030204" pitchFamily="18" charset="0"/>
+                          </a:rPr>
+                          <m:t>1</m:t>
+                        </m:r>
+                      </m:sub>
+                    </m:sSub>
+                    <m:r>
+                      <a:rPr lang="en-US" b="0" i="1" smtClean="0">
+                        <a:latin typeface="Cambria Math" panose="02040503050406030204" pitchFamily="18" charset="0"/>
+                      </a:rPr>
+                      <m:t>,</m:t>
+                    </m:r>
+                    <m:sSub>
+                      <m:sSubPr>
+                        <m:ctrlPr>
+                          <a:rPr lang="en-US" b="0" i="1" smtClean="0">
+                            <a:latin typeface="Cambria Math" panose="02040503050406030204" pitchFamily="18" charset="0"/>
+                          </a:rPr>
+                        </m:ctrlPr>
+                      </m:sSubPr>
+                      <m:e>
+                        <m:r>
+                          <a:rPr lang="en-US" b="0" i="1" smtClean="0">
+                            <a:latin typeface="Cambria Math" panose="02040503050406030204" pitchFamily="18" charset="0"/>
+                          </a:rPr>
+                          <m:t>𝑝</m:t>
+                        </m:r>
+                      </m:e>
+                      <m:sub>
+                        <m:r>
+                          <a:rPr lang="en-US" b="0" i="1" smtClean="0">
+                            <a:latin typeface="Cambria Math" panose="02040503050406030204" pitchFamily="18" charset="0"/>
+                          </a:rPr>
+                          <m:t>2</m:t>
+                        </m:r>
+                      </m:sub>
+                    </m:sSub>
+                    <m:r>
+                      <a:rPr lang="en-US" b="0" i="1" smtClean="0">
+                        <a:latin typeface="Cambria Math" panose="02040503050406030204" pitchFamily="18" charset="0"/>
+                      </a:rPr>
+                      <m:t>,</m:t>
+                    </m:r>
+                    <m:sSub>
+                      <m:sSubPr>
+                        <m:ctrlPr>
+                          <a:rPr lang="en-US" i="1" smtClean="0">
+                            <a:latin typeface="Cambria Math" panose="02040503050406030204" pitchFamily="18" charset="0"/>
+                          </a:rPr>
+                        </m:ctrlPr>
+                      </m:sSubPr>
+                      <m:e>
+                        <m:r>
+                          <a:rPr lang="en-US" b="0" i="1" smtClean="0">
+                            <a:latin typeface="Cambria Math" panose="02040503050406030204" pitchFamily="18" charset="0"/>
+                          </a:rPr>
+                          <m:t>𝑠</m:t>
+                        </m:r>
+                      </m:e>
+                      <m:sub>
+                        <m:r>
+                          <a:rPr lang="en-US" b="0" i="1" smtClean="0">
+                            <a:latin typeface="Cambria Math" panose="02040503050406030204" pitchFamily="18" charset="0"/>
+                          </a:rPr>
+                          <m:t>2</m:t>
+                        </m:r>
+                      </m:sub>
+                    </m:sSub>
+                    <m:r>
+                      <a:rPr lang="en-US" b="0" i="1" smtClean="0">
+                        <a:latin typeface="Cambria Math" panose="02040503050406030204" pitchFamily="18" charset="0"/>
+                      </a:rPr>
+                      <m:t>,</m:t>
+                    </m:r>
+                    <m:sSub>
+                      <m:sSubPr>
+                        <m:ctrlPr>
+                          <a:rPr lang="en-US" i="1" smtClean="0">
+                            <a:latin typeface="Cambria Math" panose="02040503050406030204" pitchFamily="18" charset="0"/>
+                          </a:rPr>
+                        </m:ctrlPr>
+                      </m:sSubPr>
+                      <m:e>
+                        <m:r>
+                          <a:rPr lang="en-US" b="0" i="1" smtClean="0">
+                            <a:latin typeface="Cambria Math" panose="02040503050406030204" pitchFamily="18" charset="0"/>
+                          </a:rPr>
+                          <m:t>𝑎</m:t>
+                        </m:r>
+                      </m:e>
+                      <m:sub>
+                        <m:r>
+                          <a:rPr lang="en-US" b="0" i="1" smtClean="0">
+                            <a:latin typeface="Cambria Math" panose="02040503050406030204" pitchFamily="18" charset="0"/>
+                          </a:rPr>
+                          <m:t>2</m:t>
+                        </m:r>
+                      </m:sub>
+                    </m:sSub>
+                    <m:r>
+                      <a:rPr lang="en-US" b="0" i="1" smtClean="0">
+                        <a:latin typeface="Cambria Math" panose="02040503050406030204" pitchFamily="18" charset="0"/>
+                      </a:rPr>
+                      <m:t>,</m:t>
+                    </m:r>
+                    <m:sSub>
+                      <m:sSubPr>
+                        <m:ctrlPr>
+                          <a:rPr lang="en-US" b="0" i="1" smtClean="0">
+                            <a:latin typeface="Cambria Math" panose="02040503050406030204" pitchFamily="18" charset="0"/>
+                          </a:rPr>
+                        </m:ctrlPr>
+                      </m:sSubPr>
+                      <m:e>
+                        <m:r>
+                          <a:rPr lang="en-US" b="0" i="1" smtClean="0">
+                            <a:latin typeface="Cambria Math" panose="02040503050406030204" pitchFamily="18" charset="0"/>
+                          </a:rPr>
+                          <m:t>𝑝</m:t>
+                        </m:r>
+                      </m:e>
+                      <m:sub>
+                        <m:r>
+                          <a:rPr lang="en-US" b="0" i="1" smtClean="0">
+                            <a:latin typeface="Cambria Math" panose="02040503050406030204" pitchFamily="18" charset="0"/>
+                          </a:rPr>
+                          <m:t>3</m:t>
+                        </m:r>
+                      </m:sub>
+                    </m:sSub>
+                    <m:r>
+                      <a:rPr lang="en-US" b="0" i="1" smtClean="0">
+                        <a:latin typeface="Cambria Math" panose="02040503050406030204" pitchFamily="18" charset="0"/>
+                      </a:rPr>
+                      <m:t>,…, </m:t>
+                    </m:r>
+                    <m:sSub>
+                      <m:sSubPr>
+                        <m:ctrlPr>
+                          <a:rPr lang="en-US" i="1" smtClean="0">
+                            <a:latin typeface="Cambria Math" panose="02040503050406030204" pitchFamily="18" charset="0"/>
+                          </a:rPr>
+                        </m:ctrlPr>
+                      </m:sSubPr>
+                      <m:e>
+                        <m:sSub>
+                          <m:sSubPr>
+                            <m:ctrlPr>
+                              <a:rPr lang="en-US" i="1">
+                                <a:latin typeface="Cambria Math" panose="02040503050406030204" pitchFamily="18" charset="0"/>
+                              </a:rPr>
+                            </m:ctrlPr>
+                          </m:sSubPr>
+                          <m:e>
+                            <m:r>
+                              <a:rPr lang="en-US" i="1">
+                                <a:latin typeface="Cambria Math" panose="02040503050406030204" pitchFamily="18" charset="0"/>
+                              </a:rPr>
+                              <m:t>𝑝</m:t>
+                            </m:r>
+                          </m:e>
+                          <m:sub>
+                            <m:r>
+                              <a:rPr lang="en-US" i="1">
+                                <a:latin typeface="Cambria Math" panose="02040503050406030204" pitchFamily="18" charset="0"/>
+                              </a:rPr>
+                              <m:t>𝑡</m:t>
+                            </m:r>
+                          </m:sub>
+                        </m:sSub>
+                        <m:r>
+                          <a:rPr lang="en-US" b="0" i="1" smtClean="0">
+                            <a:latin typeface="Cambria Math" panose="02040503050406030204" pitchFamily="18" charset="0"/>
+                          </a:rPr>
+                          <m:t>,</m:t>
+                        </m:r>
+                        <m:r>
+                          <a:rPr lang="en-US" b="0" i="1" smtClean="0">
+                            <a:latin typeface="Cambria Math" panose="02040503050406030204" pitchFamily="18" charset="0"/>
+                          </a:rPr>
+                          <m:t>𝑠</m:t>
+                        </m:r>
+                      </m:e>
+                      <m:sub>
+                        <m:r>
+                          <a:rPr lang="en-US" b="0" i="1" smtClean="0">
+                            <a:latin typeface="Cambria Math" panose="02040503050406030204" pitchFamily="18" charset="0"/>
+                          </a:rPr>
+                          <m:t>𝑡</m:t>
+                        </m:r>
+                      </m:sub>
+                    </m:sSub>
+                    <m:r>
+                      <a:rPr lang="en-US" b="0" i="1" smtClean="0">
+                        <a:latin typeface="Cambria Math" panose="02040503050406030204" pitchFamily="18" charset="0"/>
+                      </a:rPr>
+                      <m:t>,</m:t>
+                    </m:r>
+                    <m:sSub>
+                      <m:sSubPr>
+                        <m:ctrlPr>
+                          <a:rPr lang="en-US" i="1" smtClean="0">
+                            <a:latin typeface="Cambria Math" panose="02040503050406030204" pitchFamily="18" charset="0"/>
+                          </a:rPr>
+                        </m:ctrlPr>
+                      </m:sSubPr>
+                      <m:e>
+                        <m:r>
+                          <a:rPr lang="en-US" b="0" i="1" smtClean="0">
+                            <a:latin typeface="Cambria Math" panose="02040503050406030204" pitchFamily="18" charset="0"/>
+                          </a:rPr>
+                          <m:t>𝑎</m:t>
+                        </m:r>
+                      </m:e>
+                      <m:sub>
+                        <m:r>
+                          <a:rPr lang="en-US" b="0" i="1" smtClean="0">
+                            <a:latin typeface="Cambria Math" panose="02040503050406030204" pitchFamily="18" charset="0"/>
+                          </a:rPr>
+                          <m:t>𝑡</m:t>
+                        </m:r>
+                      </m:sub>
+                    </m:sSub>
+                    <m:r>
+                      <a:rPr lang="en-US" b="0" i="1" smtClean="0">
+                        <a:latin typeface="Cambria Math" panose="02040503050406030204" pitchFamily="18" charset="0"/>
+                      </a:rPr>
+                      <m:t>,…</m:t>
+                    </m:r>
+                  </m:oMath>
+                </a14:m>
+                <a:endParaRPr lang="en-US" dirty="0"/>
+              </a:p>
+              <a:p>
+                <a:endParaRPr lang="en-US" b="1" dirty="0"/>
+              </a:p>
+              <a:p>
+                <a:r>
+                  <a:rPr lang="en-US" b="1" dirty="0"/>
+                  <a:t>Example</a:t>
+                </a:r>
+                <a:r>
+                  <a:rPr lang="en-US" dirty="0"/>
+                  <a:t>: A vacuum cleaner that remembers were it has already cleaned.</a:t>
+                </a:r>
+              </a:p>
+            </p:txBody>
+          </p:sp>
+        </mc:Choice>
+        <mc:Fallback xmlns="">
+          <p:sp>
+            <p:nvSpPr>
+              <p:cNvPr id="2" name="Rectangle 1">
+                <a:extLst>
+                  <a:ext uri="{FF2B5EF4-FFF2-40B4-BE49-F238E27FC236}">
+                    <a16:creationId xmlns:a16="http://schemas.microsoft.com/office/drawing/2014/main" id="{AE6838F9-B6C4-425B-8572-2F7363951D3D}"/>
+                  </a:ext>
+                </a:extLst>
+              </p:cNvPr>
+              <p:cNvSpPr>
+                <a:spLocks noRot="1" noChangeAspect="1" noMove="1" noResize="1" noEditPoints="1" noAdjustHandles="1" noChangeArrowheads="1" noChangeShapeType="1" noTextEdit="1"/>
+              </p:cNvSpPr>
+              <p:nvPr/>
+            </p:nvSpPr>
+            <p:spPr>
+              <a:xfrm>
+                <a:off x="587829" y="5767797"/>
+                <a:ext cx="7905750" cy="923330"/>
+              </a:xfrm>
+              <a:prstGeom prst="rect">
+                <a:avLst/>
+              </a:prstGeom>
+              <a:blipFill>
+                <a:blip r:embed="rId4"/>
+                <a:stretch>
+                  <a:fillRect l="-617" t="-3289" b="-9211"/>
+                </a:stretch>
+              </a:blipFill>
+            </p:spPr>
+            <p:txBody>
+              <a:bodyPr/>
+              <a:lstStyle/>
+              <a:p>
+                <a:r>
+                  <a:rPr lang="en-US">
+                    <a:noFill/>
+                  </a:rPr>
+                  <a:t> </a:t>
+                </a:r>
+              </a:p>
+            </p:txBody>
+          </p:sp>
+        </mc:Fallback>
+      </mc:AlternateContent>
+      <p:sp>
+        <p:nvSpPr>
+          <p:cNvPr id="4" name="Rectangle: Rounded Corners 3">
+            <a:extLst>
+              <a:ext uri="{FF2B5EF4-FFF2-40B4-BE49-F238E27FC236}">
+                <a16:creationId xmlns:a16="http://schemas.microsoft.com/office/drawing/2014/main" id="{055F036E-DDEA-4D0D-8190-21B9533B8EBB}"/>
+              </a:ext>
+              <a:ext uri="{C183D7F6-B498-43B3-948B-1728B52AA6E4}">
+                <adec:decorative xmlns:adec="http://schemas.microsoft.com/office/drawing/2017/decorative" val="1"/>
+              </a:ext>
+            </a:extLst>
+          </p:cNvPr>
+          <p:cNvSpPr/>
+          <p:nvPr/>
+        </p:nvSpPr>
+        <p:spPr>
+          <a:xfrm>
+            <a:off x="2362200" y="3035225"/>
+            <a:ext cx="1676400" cy="1143000"/>
+          </a:xfrm>
+          <a:prstGeom prst="roundRect">
+            <a:avLst/>
+          </a:prstGeom>
+          <a:noFill/>
+          <a:ln w="38100" cap="flat" cmpd="sng" algn="ctr">
+            <a:solidFill>
+              <a:schemeClr val="accent2"/>
+            </a:solidFill>
+            <a:prstDash val="solid"/>
+            <a:round/>
+            <a:headEnd type="none" w="med" len="med"/>
+            <a:tailEnd type="none" w="med" len="med"/>
+          </a:ln>
+        </p:spPr>
+        <p:style>
+          <a:lnRef idx="0">
+            <a:scrgbClr r="0" g="0" b="0"/>
+          </a:lnRef>
+          <a:fillRef idx="0">
+            <a:scrgbClr r="0" g="0" b="0"/>
+          </a:fillRef>
+          <a:effectRef idx="0">
+            <a:scrgbClr r="0" g="0" b="0"/>
+          </a:effectRef>
+          <a:fontRef idx="minor">
+            <a:schemeClr val="accent2"/>
+          </a:fontRef>
+        </p:style>
+        <p:txBody>
+          <a:bodyPr rtlCol="0" anchor="ctr"/>
+          <a:lstStyle/>
+          <a:p>
+            <a:pPr algn="ctr"/>
+            <a:endParaRPr lang="en-US"/>
+          </a:p>
+        </p:txBody>
+      </p:sp>
+      <mc:AlternateContent xmlns:mc="http://schemas.openxmlformats.org/markup-compatibility/2006" xmlns:a14="http://schemas.microsoft.com/office/drawing/2010/main">
+        <mc:Choice Requires="a14">
+          <p:sp>
+            <p:nvSpPr>
+              <p:cNvPr id="3" name="TextBox 2">
+                <a:extLst>
+                  <a:ext uri="{FF2B5EF4-FFF2-40B4-BE49-F238E27FC236}">
+                    <a16:creationId xmlns:a16="http://schemas.microsoft.com/office/drawing/2014/main" id="{B8472A49-917C-3517-1988-72929794ABCA}"/>
+                  </a:ext>
+                  <a:ext uri="{C183D7F6-B498-43B3-948B-1728B52AA6E4}">
+                    <adec:decorative xmlns:adec="http://schemas.microsoft.com/office/drawing/2017/decorative" val="1"/>
+                  </a:ext>
+                </a:extLst>
+              </p:cNvPr>
+              <p:cNvSpPr txBox="1"/>
+              <p:nvPr/>
+            </p:nvSpPr>
+            <p:spPr>
+              <a:xfrm>
+                <a:off x="2362200" y="4311134"/>
+                <a:ext cx="1447800" cy="369332"/>
+              </a:xfrm>
+              <a:prstGeom prst="rect">
+                <a:avLst/>
+              </a:prstGeom>
+              <a:noFill/>
+            </p:spPr>
+            <p:txBody>
+              <a:bodyPr wrap="square">
+                <a:spAutoFit/>
+              </a:bodyPr>
+              <a:lstStyle/>
+              <a:p>
+                <a:pPr/>
+                <a14:m>
+                  <m:oMathPara xmlns:m="http://schemas.openxmlformats.org/officeDocument/2006/math">
+                    <m:oMathParaPr>
+                      <m:jc m:val="centerGroup"/>
+                    </m:oMathParaPr>
+                    <m:oMath xmlns:m="http://schemas.openxmlformats.org/officeDocument/2006/math">
+                      <m:r>
+                        <a:rPr lang="en-US" b="0" i="1" smtClean="0">
+                          <a:latin typeface="Cambria Math" panose="02040503050406030204" pitchFamily="18" charset="0"/>
+                        </a:rPr>
+                        <m:t>𝑎</m:t>
+                      </m:r>
+                      <m:r>
+                        <a:rPr lang="en-US" b="0" i="1" smtClean="0">
+                          <a:latin typeface="Cambria Math" panose="02040503050406030204" pitchFamily="18" charset="0"/>
+                        </a:rPr>
+                        <m:t>=</m:t>
+                      </m:r>
+                      <m:r>
+                        <a:rPr lang="en-US" b="0" i="1" smtClean="0">
+                          <a:latin typeface="Cambria Math" panose="02040503050406030204" pitchFamily="18" charset="0"/>
+                        </a:rPr>
+                        <m:t>𝑓</m:t>
+                      </m:r>
+                      <m:r>
+                        <a:rPr lang="en-US" b="0" i="1" smtClean="0">
+                          <a:latin typeface="Cambria Math" panose="02040503050406030204" pitchFamily="18" charset="0"/>
+                        </a:rPr>
+                        <m:t>(</m:t>
+                      </m:r>
+                      <m:r>
+                        <a:rPr lang="en-US" b="0" i="1" smtClean="0">
+                          <a:latin typeface="Cambria Math" panose="02040503050406030204" pitchFamily="18" charset="0"/>
+                        </a:rPr>
+                        <m:t>𝑝</m:t>
+                      </m:r>
+                      <m:r>
+                        <a:rPr lang="en-US" b="0" i="1" smtClean="0">
+                          <a:latin typeface="Cambria Math" panose="02040503050406030204" pitchFamily="18" charset="0"/>
+                        </a:rPr>
+                        <m:t>,</m:t>
+                      </m:r>
+                      <m:r>
+                        <a:rPr lang="en-US" i="1">
+                          <a:latin typeface="Cambria Math" panose="02040503050406030204" pitchFamily="18" charset="0"/>
+                        </a:rPr>
+                        <m:t>𝑠</m:t>
+                      </m:r>
+                      <m:r>
+                        <a:rPr lang="en-US" b="0" i="1" smtClean="0">
+                          <a:latin typeface="Cambria Math" panose="02040503050406030204" pitchFamily="18" charset="0"/>
+                        </a:rPr>
+                        <m:t>)</m:t>
+                      </m:r>
+                    </m:oMath>
+                  </m:oMathPara>
+                </a14:m>
+                <a:endParaRPr lang="en-US" dirty="0"/>
+              </a:p>
+            </p:txBody>
+          </p:sp>
+        </mc:Choice>
+        <mc:Fallback xmlns="">
+          <p:sp>
+            <p:nvSpPr>
+              <p:cNvPr id="3" name="TextBox 2">
+                <a:extLst>
+                  <a:ext uri="{FF2B5EF4-FFF2-40B4-BE49-F238E27FC236}">
+                    <a16:creationId xmlns:a16="http://schemas.microsoft.com/office/drawing/2014/main" id="{B8472A49-917C-3517-1988-72929794ABCA}"/>
+                  </a:ext>
+                  <a:ext uri="{C183D7F6-B498-43B3-948B-1728B52AA6E4}">
+                    <adec:decorative xmlns:adec="http://schemas.microsoft.com/office/drawing/2017/decorative" val="1"/>
+                  </a:ext>
+                </a:extLst>
+              </p:cNvPr>
+              <p:cNvSpPr txBox="1">
+                <a:spLocks noRot="1" noChangeAspect="1" noMove="1" noResize="1" noEditPoints="1" noAdjustHandles="1" noChangeArrowheads="1" noChangeShapeType="1" noTextEdit="1"/>
+              </p:cNvSpPr>
+              <p:nvPr/>
+            </p:nvSpPr>
+            <p:spPr>
+              <a:xfrm>
+                <a:off x="2362200" y="4311134"/>
+                <a:ext cx="1447800" cy="369332"/>
+              </a:xfrm>
+              <a:prstGeom prst="rect">
+                <a:avLst/>
+              </a:prstGeom>
+              <a:blipFill>
+                <a:blip r:embed="rId5"/>
+                <a:stretch>
+                  <a:fillRect b="-13115"/>
+                </a:stretch>
+              </a:blipFill>
+            </p:spPr>
+            <p:txBody>
+              <a:bodyPr/>
+              <a:lstStyle/>
+              <a:p>
+                <a:r>
+                  <a:rPr lang="en-US">
+                    <a:noFill/>
+                  </a:rPr>
+                  <a:t> </a:t>
+                </a:r>
+              </a:p>
+            </p:txBody>
+          </p:sp>
+        </mc:Fallback>
+      </mc:AlternateContent>
+      <mc:AlternateContent xmlns:mc="http://schemas.openxmlformats.org/markup-compatibility/2006" xmlns:a14="http://schemas.microsoft.com/office/drawing/2010/main">
+        <mc:Choice Requires="a14">
+          <p:sp>
+            <p:nvSpPr>
+              <p:cNvPr id="8" name="TextBox 7">
+                <a:extLst>
+                  <a:ext uri="{FF2B5EF4-FFF2-40B4-BE49-F238E27FC236}">
+                    <a16:creationId xmlns:a16="http://schemas.microsoft.com/office/drawing/2014/main" id="{2E904EBC-7259-8524-E9E9-B967895CE755}"/>
+                  </a:ext>
+                  <a:ext uri="{C183D7F6-B498-43B3-948B-1728B52AA6E4}">
+                    <adec:decorative xmlns:adec="http://schemas.microsoft.com/office/drawing/2017/decorative" val="1"/>
+                  </a:ext>
+                </a:extLst>
+              </p:cNvPr>
+              <p:cNvSpPr txBox="1"/>
+              <p:nvPr/>
+            </p:nvSpPr>
+            <p:spPr>
+              <a:xfrm>
+                <a:off x="2667000" y="3001963"/>
+                <a:ext cx="381000" cy="369332"/>
+              </a:xfrm>
+              <a:prstGeom prst="rect">
+                <a:avLst/>
+              </a:prstGeom>
+              <a:noFill/>
+            </p:spPr>
+            <p:txBody>
+              <a:bodyPr wrap="square">
+                <a:spAutoFit/>
+              </a:bodyPr>
+              <a:lstStyle/>
+              <a:p>
+                <a:pPr/>
+                <a14:m>
+                  <m:oMathPara xmlns:m="http://schemas.openxmlformats.org/officeDocument/2006/math">
+                    <m:oMathParaPr>
+                      <m:jc m:val="centerGroup"/>
+                    </m:oMathParaPr>
+                    <m:oMath xmlns:m="http://schemas.openxmlformats.org/officeDocument/2006/math">
+                      <m:r>
+                        <a:rPr lang="en-US" b="0" i="1" smtClean="0">
+                          <a:latin typeface="Cambria Math" panose="02040503050406030204" pitchFamily="18" charset="0"/>
+                        </a:rPr>
+                        <m:t>𝑠</m:t>
+                      </m:r>
+                    </m:oMath>
+                  </m:oMathPara>
+                </a14:m>
+                <a:endParaRPr lang="en-US" dirty="0"/>
+              </a:p>
+            </p:txBody>
+          </p:sp>
+        </mc:Choice>
+        <mc:Fallback xmlns="">
+          <p:sp>
+            <p:nvSpPr>
+              <p:cNvPr id="8" name="TextBox 7">
+                <a:extLst>
+                  <a:ext uri="{FF2B5EF4-FFF2-40B4-BE49-F238E27FC236}">
+                    <a16:creationId xmlns:a16="http://schemas.microsoft.com/office/drawing/2014/main" id="{2E904EBC-7259-8524-E9E9-B967895CE755}"/>
+                  </a:ext>
+                  <a:ext uri="{C183D7F6-B498-43B3-948B-1728B52AA6E4}">
+                    <adec:decorative xmlns:adec="http://schemas.microsoft.com/office/drawing/2017/decorative" val="1"/>
+                  </a:ext>
+                </a:extLst>
+              </p:cNvPr>
+              <p:cNvSpPr txBox="1">
+                <a:spLocks noRot="1" noChangeAspect="1" noMove="1" noResize="1" noEditPoints="1" noAdjustHandles="1" noChangeArrowheads="1" noChangeShapeType="1" noTextEdit="1"/>
+              </p:cNvSpPr>
+              <p:nvPr/>
+            </p:nvSpPr>
+            <p:spPr>
+              <a:xfrm>
+                <a:off x="2667000" y="3001963"/>
+                <a:ext cx="381000" cy="369332"/>
+              </a:xfrm>
+              <a:prstGeom prst="rect">
+                <a:avLst/>
+              </a:prstGeom>
+              <a:blipFill>
+                <a:blip r:embed="rId6"/>
+                <a:stretch>
+                  <a:fillRect/>
+                </a:stretch>
+              </a:blipFill>
+            </p:spPr>
+            <p:txBody>
+              <a:bodyPr/>
+              <a:lstStyle/>
+              <a:p>
+                <a:r>
+                  <a:rPr lang="en-US">
+                    <a:noFill/>
+                  </a:rPr>
+                  <a:t> </a:t>
+                </a:r>
+              </a:p>
+            </p:txBody>
+          </p:sp>
+        </mc:Fallback>
+      </mc:AlternateContent>
+      <mc:AlternateContent xmlns:mc="http://schemas.openxmlformats.org/markup-compatibility/2006" xmlns:a14="http://schemas.microsoft.com/office/drawing/2010/main">
+        <mc:Choice Requires="a14">
+          <p:sp>
+            <p:nvSpPr>
+              <p:cNvPr id="9" name="TextBox 8">
+                <a:extLst>
+                  <a:ext uri="{FF2B5EF4-FFF2-40B4-BE49-F238E27FC236}">
+                    <a16:creationId xmlns:a16="http://schemas.microsoft.com/office/drawing/2014/main" id="{71344880-89A4-3400-45BD-0316FB35ADDC}"/>
+                  </a:ext>
+                  <a:ext uri="{C183D7F6-B498-43B3-948B-1728B52AA6E4}">
+                    <adec:decorative xmlns:adec="http://schemas.microsoft.com/office/drawing/2017/decorative" val="1"/>
+                  </a:ext>
+                </a:extLst>
+              </p:cNvPr>
+              <p:cNvSpPr txBox="1"/>
+              <p:nvPr/>
+            </p:nvSpPr>
+            <p:spPr>
+              <a:xfrm>
+                <a:off x="2438400" y="3544577"/>
+                <a:ext cx="1524000" cy="369332"/>
+              </a:xfrm>
+              <a:prstGeom prst="rect">
+                <a:avLst/>
+              </a:prstGeom>
+              <a:noFill/>
+            </p:spPr>
+            <p:txBody>
+              <a:bodyPr wrap="square">
+                <a:spAutoFit/>
+              </a:bodyPr>
+              <a:lstStyle/>
+              <a:p>
+                <a:pPr/>
+                <a14:m>
+                  <m:oMathPara xmlns:m="http://schemas.openxmlformats.org/officeDocument/2006/math">
+                    <m:oMathParaPr>
+                      <m:jc m:val="centerGroup"/>
+                    </m:oMathParaPr>
+                    <m:oMath xmlns:m="http://schemas.openxmlformats.org/officeDocument/2006/math">
+                      <m:sSup>
+                        <m:sSupPr>
+                          <m:ctrlPr>
+                            <a:rPr lang="en-US" b="0" i="1" smtClean="0">
+                              <a:latin typeface="Cambria Math" panose="02040503050406030204" pitchFamily="18" charset="0"/>
+                            </a:rPr>
+                          </m:ctrlPr>
+                        </m:sSupPr>
+                        <m:e>
+                          <m:r>
+                            <a:rPr lang="en-US" b="0" i="1" smtClean="0">
+                              <a:latin typeface="Cambria Math" panose="02040503050406030204" pitchFamily="18" charset="0"/>
+                            </a:rPr>
+                            <m:t>𝑠</m:t>
+                          </m:r>
+                        </m:e>
+                        <m:sup>
+                          <m:r>
+                            <a:rPr lang="en-US" b="0" i="1" smtClean="0">
+                              <a:latin typeface="Cambria Math" panose="02040503050406030204" pitchFamily="18" charset="0"/>
+                            </a:rPr>
+                            <m:t>′</m:t>
+                          </m:r>
+                        </m:sup>
+                      </m:sSup>
+                      <m:r>
+                        <a:rPr lang="en-US" b="0" i="1" smtClean="0">
+                          <a:latin typeface="Cambria Math" panose="02040503050406030204" pitchFamily="18" charset="0"/>
+                        </a:rPr>
+                        <m:t>=</m:t>
+                      </m:r>
+                      <m:r>
+                        <a:rPr lang="en-US" b="0" i="1" smtClean="0">
+                          <a:latin typeface="Cambria Math" panose="02040503050406030204" pitchFamily="18" charset="0"/>
+                        </a:rPr>
+                        <m:t>𝑇</m:t>
+                      </m:r>
+                      <m:r>
+                        <a:rPr lang="en-US" b="0" i="1" smtClean="0">
+                          <a:latin typeface="Cambria Math" panose="02040503050406030204" pitchFamily="18" charset="0"/>
+                        </a:rPr>
+                        <m:t>(</m:t>
+                      </m:r>
+                      <m:r>
+                        <a:rPr lang="en-US" b="0" i="1" smtClean="0">
+                          <a:latin typeface="Cambria Math" panose="02040503050406030204" pitchFamily="18" charset="0"/>
+                        </a:rPr>
+                        <m:t>𝑠</m:t>
+                      </m:r>
+                      <m:r>
+                        <a:rPr lang="en-US" b="0" i="1" smtClean="0">
+                          <a:latin typeface="Cambria Math" panose="02040503050406030204" pitchFamily="18" charset="0"/>
+                        </a:rPr>
+                        <m:t>,</m:t>
+                      </m:r>
+                      <m:r>
+                        <a:rPr lang="en-US" b="0" i="1" smtClean="0">
+                          <a:latin typeface="Cambria Math" panose="02040503050406030204" pitchFamily="18" charset="0"/>
+                        </a:rPr>
+                        <m:t>𝑎</m:t>
+                      </m:r>
+                      <m:r>
+                        <a:rPr lang="en-US" b="0" i="1" smtClean="0">
+                          <a:latin typeface="Cambria Math" panose="02040503050406030204" pitchFamily="18" charset="0"/>
+                        </a:rPr>
+                        <m:t>)</m:t>
+                      </m:r>
+                    </m:oMath>
+                  </m:oMathPara>
+                </a14:m>
+                <a:endParaRPr lang="en-US" dirty="0"/>
+              </a:p>
+            </p:txBody>
+          </p:sp>
+        </mc:Choice>
+        <mc:Fallback xmlns="">
+          <p:sp>
+            <p:nvSpPr>
+              <p:cNvPr id="9" name="TextBox 8">
+                <a:extLst>
+                  <a:ext uri="{FF2B5EF4-FFF2-40B4-BE49-F238E27FC236}">
+                    <a16:creationId xmlns:a16="http://schemas.microsoft.com/office/drawing/2014/main" id="{71344880-89A4-3400-45BD-0316FB35ADDC}"/>
+                  </a:ext>
+                  <a:ext uri="{C183D7F6-B498-43B3-948B-1728B52AA6E4}">
+                    <adec:decorative xmlns:adec="http://schemas.microsoft.com/office/drawing/2017/decorative" val="1"/>
+                  </a:ext>
+                </a:extLst>
+              </p:cNvPr>
+              <p:cNvSpPr txBox="1">
+                <a:spLocks noRot="1" noChangeAspect="1" noMove="1" noResize="1" noEditPoints="1" noAdjustHandles="1" noChangeArrowheads="1" noChangeShapeType="1" noTextEdit="1"/>
+              </p:cNvSpPr>
+              <p:nvPr/>
+            </p:nvSpPr>
+            <p:spPr>
+              <a:xfrm>
+                <a:off x="2438400" y="3544577"/>
+                <a:ext cx="1524000" cy="369332"/>
+              </a:xfrm>
+              <a:prstGeom prst="rect">
+                <a:avLst/>
+              </a:prstGeom>
+              <a:blipFill>
+                <a:blip r:embed="rId7"/>
+                <a:stretch>
+                  <a:fillRect b="-13115"/>
+                </a:stretch>
+              </a:blipFill>
+            </p:spPr>
+            <p:txBody>
+              <a:bodyPr/>
+              <a:lstStyle/>
+              <a:p>
+                <a:r>
+                  <a:rPr lang="en-US">
+                    <a:noFill/>
+                  </a:rPr>
+                  <a:t> </a:t>
+                </a:r>
+              </a:p>
+            </p:txBody>
+          </p:sp>
+        </mc:Fallback>
+      </mc:AlternateContent>
+      <mc:AlternateContent xmlns:mc="http://schemas.openxmlformats.org/markup-compatibility/2006" xmlns:a14="http://schemas.microsoft.com/office/drawing/2010/main">
+        <mc:Choice Requires="a14">
+          <p:sp>
+            <p:nvSpPr>
+              <p:cNvPr id="10" name="TextBox 9">
+                <a:extLst>
+                  <a:ext uri="{FF2B5EF4-FFF2-40B4-BE49-F238E27FC236}">
+                    <a16:creationId xmlns:a16="http://schemas.microsoft.com/office/drawing/2014/main" id="{DF763B28-6C18-8BF9-D115-799B085EEEC1}"/>
+                  </a:ext>
+                </a:extLst>
+              </p:cNvPr>
+              <p:cNvSpPr txBox="1"/>
+              <p:nvPr/>
+            </p:nvSpPr>
+            <p:spPr>
+              <a:xfrm>
+                <a:off x="4775320" y="3001963"/>
+                <a:ext cx="381000" cy="369332"/>
+              </a:xfrm>
+              <a:prstGeom prst="rect">
+                <a:avLst/>
+              </a:prstGeom>
+              <a:noFill/>
+            </p:spPr>
+            <p:txBody>
+              <a:bodyPr wrap="square">
+                <a:spAutoFit/>
+              </a:bodyPr>
+              <a:lstStyle/>
+              <a:p>
+                <a:pPr/>
+                <a14:m>
+                  <m:oMathPara xmlns:m="http://schemas.openxmlformats.org/officeDocument/2006/math">
+                    <m:oMathParaPr>
+                      <m:jc m:val="centerGroup"/>
+                    </m:oMathParaPr>
+                    <m:oMath xmlns:m="http://schemas.openxmlformats.org/officeDocument/2006/math">
+                      <m:r>
+                        <a:rPr lang="en-US" b="0" i="1" smtClean="0">
+                          <a:latin typeface="Cambria Math" panose="02040503050406030204" pitchFamily="18" charset="0"/>
+                        </a:rPr>
+                        <m:t>𝑝</m:t>
+                      </m:r>
+                    </m:oMath>
+                  </m:oMathPara>
+                </a14:m>
+                <a:endParaRPr lang="en-US" dirty="0"/>
+              </a:p>
+            </p:txBody>
+          </p:sp>
+        </mc:Choice>
+        <mc:Fallback xmlns="">
+          <p:sp>
+            <p:nvSpPr>
+              <p:cNvPr id="10" name="TextBox 9">
+                <a:extLst>
+                  <a:ext uri="{FF2B5EF4-FFF2-40B4-BE49-F238E27FC236}">
+                    <a16:creationId xmlns:a16="http://schemas.microsoft.com/office/drawing/2014/main" id="{DF763B28-6C18-8BF9-D115-799B085EEEC1}"/>
+                  </a:ext>
+                </a:extLst>
+              </p:cNvPr>
+              <p:cNvSpPr txBox="1">
+                <a:spLocks noRot="1" noChangeAspect="1" noMove="1" noResize="1" noEditPoints="1" noAdjustHandles="1" noChangeArrowheads="1" noChangeShapeType="1" noTextEdit="1"/>
+              </p:cNvSpPr>
+              <p:nvPr/>
+            </p:nvSpPr>
+            <p:spPr>
+              <a:xfrm>
+                <a:off x="4775320" y="3001963"/>
+                <a:ext cx="381000" cy="369332"/>
+              </a:xfrm>
+              <a:prstGeom prst="rect">
+                <a:avLst/>
+              </a:prstGeom>
+              <a:blipFill>
+                <a:blip r:embed="rId8"/>
+                <a:stretch>
+                  <a:fillRect b="-6557"/>
+                </a:stretch>
+              </a:blipFill>
+            </p:spPr>
+            <p:txBody>
+              <a:bodyPr/>
+              <a:lstStyle/>
+              <a:p>
+                <a:r>
+                  <a:rPr lang="en-US">
+                    <a:noFill/>
+                  </a:rPr>
+                  <a:t> </a:t>
+                </a:r>
+              </a:p>
+            </p:txBody>
+          </p:sp>
+        </mc:Fallback>
+      </mc:AlternateContent>
+    </p:spTree>
+  </p:cSld>
+  <p:clrMapOvr>
+    <a:masterClrMapping/>
+  </p:clrMapOvr>
+</p:sld>
+</file>
+
+<file path=ppt/slides/slide7.xml><?xml version="1.0" encoding="utf-8"?>
+<p:sld xmlns:a="http://schemas.openxmlformats.org/drawingml/2006/main" xmlns:r="http://schemas.openxmlformats.org/officeDocument/2006/relationships" xmlns:p="http://schemas.openxmlformats.org/presentationml/2006/main">
+  <p:cSld>
+    <p:spTree>
+      <p:nvGrpSpPr>
+        <p:cNvPr id="1" name=""/>
+        <p:cNvGrpSpPr/>
+        <p:nvPr/>
+      </p:nvGrpSpPr>
+      <p:grpSpPr>
+        <a:xfrm>
+          <a:off x="0" y="0"/>
+          <a:ext cx="0" cy="0"/>
+          <a:chOff x="0" y="0"/>
+          <a:chExt cx="0" cy="0"/>
+        </a:xfrm>
+      </p:grpSpPr>
+      <p:sp>
+        <p:nvSpPr>
+          <p:cNvPr id="28674" name="Rectangle 2"/>
+          <p:cNvSpPr>
+            <a:spLocks noGrp="1" noChangeArrowheads="1"/>
+          </p:cNvSpPr>
+          <p:nvPr>
+            <p:ph type="title"/>
+          </p:nvPr>
+        </p:nvSpPr>
+        <p:spPr/>
+        <p:txBody>
+          <a:bodyPr/>
+          <a:lstStyle/>
+          <a:p>
+            <a:r>
+              <a:rPr lang="en-US" dirty="0"/>
+              <a:t>Goal-based Agent</a:t>
+            </a:r>
+          </a:p>
+        </p:txBody>
+      </p:sp>
+      <p:sp>
+        <p:nvSpPr>
+          <p:cNvPr id="7" name="Content Placeholder 6"/>
+          <p:cNvSpPr>
+            <a:spLocks noGrp="1"/>
+          </p:cNvSpPr>
+          <p:nvPr>
+            <p:ph idx="1"/>
+          </p:nvPr>
+        </p:nvSpPr>
+        <p:spPr>
+          <a:xfrm>
+            <a:off x="628650" y="1447801"/>
+            <a:ext cx="7886700" cy="1235149"/>
+          </a:xfrm>
+        </p:spPr>
+        <p:txBody>
+          <a:bodyPr>
+            <a:normAutofit fontScale="85000" lnSpcReduction="10000"/>
+          </a:bodyPr>
+          <a:lstStyle/>
+          <a:p>
+            <a:r>
+              <a:rPr lang="en-US" dirty="0"/>
+              <a:t>The agent has the task of reaching a defined </a:t>
+            </a:r>
+            <a:r>
+              <a:rPr lang="en-US" b="1" dirty="0">
+                <a:solidFill>
+                  <a:srgbClr val="FF0000"/>
+                </a:solidFill>
+              </a:rPr>
+              <a:t>goal state </a:t>
+            </a:r>
+            <a:r>
+              <a:rPr lang="en-US" dirty="0"/>
+              <a:t>and is then finished. </a:t>
+            </a:r>
+          </a:p>
+          <a:p>
+            <a:r>
+              <a:rPr lang="en-US" dirty="0"/>
+              <a:t>The agent needs to move towards the goal. As special type is a </a:t>
+            </a:r>
+            <a:r>
+              <a:rPr lang="en-US" b="1" dirty="0">
+                <a:solidFill>
+                  <a:srgbClr val="FF0000"/>
+                </a:solidFill>
+              </a:rPr>
+              <a:t>planning agent </a:t>
+            </a:r>
+            <a:r>
+              <a:rPr lang="en-US" dirty="0"/>
+              <a:t>that uses </a:t>
+            </a:r>
+            <a:r>
+              <a:rPr lang="en-US" b="1" dirty="0">
+                <a:solidFill>
+                  <a:srgbClr val="FF0000"/>
+                </a:solidFill>
+              </a:rPr>
+              <a:t>search algorithms </a:t>
+            </a:r>
+            <a:r>
+              <a:rPr lang="en-US" dirty="0"/>
+              <a:t>to plan a sequence of actions that leads to the goal.</a:t>
+            </a:r>
+          </a:p>
+          <a:p>
+            <a:r>
+              <a:rPr lang="en-US" dirty="0"/>
+              <a:t>Performance measure: the </a:t>
+            </a:r>
+            <a:r>
+              <a:rPr lang="en-US" b="1" dirty="0">
+                <a:solidFill>
+                  <a:srgbClr val="FF0000"/>
+                </a:solidFill>
+              </a:rPr>
+              <a:t>cost to reach the goal</a:t>
+            </a:r>
+            <a:r>
+              <a:rPr lang="en-US" dirty="0"/>
+              <a:t>.</a:t>
+            </a:r>
+            <a:r>
+              <a:rPr lang="en-US" b="1" dirty="0">
+                <a:solidFill>
+                  <a:srgbClr val="FF0000"/>
+                </a:solidFill>
+              </a:rPr>
+              <a:t>  </a:t>
+            </a:r>
+          </a:p>
+        </p:txBody>
+      </p:sp>
+      <p:grpSp>
+        <p:nvGrpSpPr>
+          <p:cNvPr id="8" name="Group 7" descr="A figure adding goals to the agent.">
+            <a:extLst>
+              <a:ext uri="{FF2B5EF4-FFF2-40B4-BE49-F238E27FC236}">
+                <a16:creationId xmlns:a16="http://schemas.microsoft.com/office/drawing/2014/main" id="{99B13B2A-866C-34B6-3674-D659B2A7835E}"/>
+              </a:ext>
+            </a:extLst>
+          </p:cNvPr>
+          <p:cNvGrpSpPr/>
+          <p:nvPr/>
+        </p:nvGrpSpPr>
+        <p:grpSpPr>
+          <a:xfrm>
+            <a:off x="767978" y="2767543"/>
+            <a:ext cx="4515082" cy="2927500"/>
+            <a:chOff x="2114318" y="2819400"/>
+            <a:chExt cx="4515082" cy="2927500"/>
+          </a:xfrm>
+        </p:grpSpPr>
+        <p:pic>
+          <p:nvPicPr>
+            <p:cNvPr id="9" name="Picture 8">
+              <a:extLst>
+                <a:ext uri="{FF2B5EF4-FFF2-40B4-BE49-F238E27FC236}">
+                  <a16:creationId xmlns:a16="http://schemas.microsoft.com/office/drawing/2014/main" id="{2FE2CE57-5E44-48F8-9543-D465169F4975}"/>
+                </a:ext>
+              </a:extLst>
+            </p:cNvPr>
+            <p:cNvPicPr>
+              <a:picLocks noChangeAspect="1"/>
+            </p:cNvPicPr>
+            <p:nvPr/>
+          </p:nvPicPr>
+          <p:blipFill>
+            <a:blip r:embed="rId3"/>
+            <a:stretch>
+              <a:fillRect/>
+            </a:stretch>
+          </p:blipFill>
+          <p:spPr>
+            <a:xfrm>
+              <a:off x="2114318" y="2819400"/>
+              <a:ext cx="4515082" cy="2927500"/>
+            </a:xfrm>
+            <a:prstGeom prst="rect">
+              <a:avLst/>
+            </a:prstGeom>
+          </p:spPr>
+        </p:pic>
+        <p:sp>
+          <p:nvSpPr>
+            <p:cNvPr id="3" name="Oval 2">
+              <a:extLst>
+                <a:ext uri="{FF2B5EF4-FFF2-40B4-BE49-F238E27FC236}">
+                  <a16:creationId xmlns:a16="http://schemas.microsoft.com/office/drawing/2014/main" id="{8DC68F3E-3623-454B-9115-EF6E8CD7423F}"/>
+                </a:ext>
+              </a:extLst>
+            </p:cNvPr>
+            <p:cNvSpPr/>
+            <p:nvPr/>
+          </p:nvSpPr>
+          <p:spPr>
+            <a:xfrm>
+              <a:off x="2895600" y="4664150"/>
+              <a:ext cx="685800" cy="457200"/>
+            </a:xfrm>
+            <a:prstGeom prst="ellipse">
+              <a:avLst/>
+            </a:prstGeom>
+            <a:noFill/>
+            <a:ln w="28575" cap="flat" cmpd="sng" algn="ctr">
+              <a:solidFill>
+                <a:schemeClr val="accent2"/>
+              </a:solidFill>
+              <a:prstDash val="solid"/>
+              <a:round/>
+              <a:headEnd type="none" w="med" len="med"/>
+              <a:tailEnd type="none" w="med" len="med"/>
+            </a:ln>
+          </p:spPr>
+          <p:style>
+            <a:lnRef idx="0">
+              <a:scrgbClr r="0" g="0" b="0"/>
+            </a:lnRef>
+            <a:fillRef idx="0">
+              <a:scrgbClr r="0" g="0" b="0"/>
+            </a:fillRef>
+            <a:effectRef idx="0">
+              <a:scrgbClr r="0" g="0" b="0"/>
+            </a:effectRef>
+            <a:fontRef idx="minor">
+              <a:schemeClr val="accent2"/>
+            </a:fontRef>
+          </p:style>
+          <p:txBody>
+            <a:bodyPr rtlCol="0" anchor="ctr"/>
+            <a:lstStyle/>
+            <a:p>
+              <a:pPr algn="ctr"/>
+              <a:endParaRPr lang="en-US"/>
+            </a:p>
+          </p:txBody>
+        </p:sp>
+        <p:sp>
+          <p:nvSpPr>
+            <p:cNvPr id="4" name="Rectangle 3">
+              <a:extLst>
+                <a:ext uri="{FF2B5EF4-FFF2-40B4-BE49-F238E27FC236}">
+                  <a16:creationId xmlns:a16="http://schemas.microsoft.com/office/drawing/2014/main" id="{7CAEB44A-E0D5-4126-A2E1-486A8A386ED4}"/>
+                </a:ext>
+              </a:extLst>
+            </p:cNvPr>
+            <p:cNvSpPr/>
+            <p:nvPr/>
+          </p:nvSpPr>
+          <p:spPr>
+            <a:xfrm>
+              <a:off x="4191000" y="3825950"/>
+              <a:ext cx="1447800" cy="457200"/>
+            </a:xfrm>
+            <a:prstGeom prst="rect">
+              <a:avLst/>
+            </a:prstGeom>
+            <a:noFill/>
+            <a:ln w="28575" cap="flat" cmpd="sng" algn="ctr">
+              <a:solidFill>
+                <a:schemeClr val="accent2"/>
+              </a:solidFill>
+              <a:prstDash val="solid"/>
+              <a:round/>
+              <a:headEnd type="none" w="med" len="med"/>
+              <a:tailEnd type="none" w="med" len="med"/>
+            </a:ln>
+          </p:spPr>
+          <p:style>
+            <a:lnRef idx="0">
+              <a:scrgbClr r="0" g="0" b="0"/>
+            </a:lnRef>
+            <a:fillRef idx="0">
+              <a:scrgbClr r="0" g="0" b="0"/>
+            </a:fillRef>
+            <a:effectRef idx="0">
+              <a:scrgbClr r="0" g="0" b="0"/>
+            </a:effectRef>
+            <a:fontRef idx="minor">
+              <a:schemeClr val="accent2"/>
+            </a:fontRef>
+          </p:style>
+          <p:txBody>
+            <a:bodyPr rtlCol="0" anchor="ctr"/>
+            <a:lstStyle/>
+            <a:p>
+              <a:pPr algn="ctr"/>
+              <a:endParaRPr lang="en-US"/>
+            </a:p>
+          </p:txBody>
+        </p:sp>
+        <p:cxnSp>
+          <p:nvCxnSpPr>
+            <p:cNvPr id="5" name="Straight Arrow Connector 4">
+              <a:extLst>
+                <a:ext uri="{FF2B5EF4-FFF2-40B4-BE49-F238E27FC236}">
+                  <a16:creationId xmlns:a16="http://schemas.microsoft.com/office/drawing/2014/main" id="{4B43DD05-3D9B-4F73-B36D-2727CE931ED9}"/>
+                </a:ext>
+              </a:extLst>
+            </p:cNvPr>
+            <p:cNvCxnSpPr/>
+            <p:nvPr/>
+          </p:nvCxnSpPr>
+          <p:spPr>
+            <a:xfrm flipV="1">
+              <a:off x="3429000" y="4206950"/>
+              <a:ext cx="685800" cy="457200"/>
+            </a:xfrm>
+            <a:prstGeom prst="straightConnector1">
+              <a:avLst/>
+            </a:prstGeom>
+            <a:ln w="28575">
+              <a:headEnd type="triangle" w="med" len="med"/>
+              <a:tailEnd type="triangle" w="med" len="med"/>
+            </a:ln>
+          </p:spPr>
+          <p:style>
+            <a:lnRef idx="3">
+              <a:schemeClr val="accent2"/>
+            </a:lnRef>
+            <a:fillRef idx="0">
+              <a:schemeClr val="accent2"/>
+            </a:fillRef>
+            <a:effectRef idx="2">
+              <a:schemeClr val="accent2"/>
+            </a:effectRef>
+            <a:fontRef idx="minor">
+              <a:schemeClr val="tx1"/>
+            </a:fontRef>
+          </p:style>
+        </p:cxnSp>
+      </p:grpSp>
+      <mc:AlternateContent xmlns:mc="http://schemas.openxmlformats.org/markup-compatibility/2006" xmlns:a14="http://schemas.microsoft.com/office/drawing/2010/main">
+        <mc:Choice Requires="a14">
+          <p:sp>
+            <p:nvSpPr>
+              <p:cNvPr id="6" name="TextBox 5">
+                <a:extLst>
+                  <a:ext uri="{FF2B5EF4-FFF2-40B4-BE49-F238E27FC236}">
+                    <a16:creationId xmlns:a16="http://schemas.microsoft.com/office/drawing/2014/main" id="{B309C9C9-D66E-EA9C-F32B-9350BBA1FE6F}"/>
+                  </a:ext>
+                </a:extLst>
+              </p:cNvPr>
+              <p:cNvSpPr txBox="1"/>
+              <p:nvPr/>
+            </p:nvSpPr>
+            <p:spPr>
+              <a:xfrm>
+                <a:off x="5295900" y="2923684"/>
+                <a:ext cx="3784740" cy="972702"/>
+              </a:xfrm>
+              <a:prstGeom prst="rect">
+                <a:avLst/>
+              </a:prstGeom>
+              <a:noFill/>
+            </p:spPr>
+            <p:txBody>
+              <a:bodyPr wrap="square">
+                <a:spAutoFit/>
+              </a:bodyPr>
+              <a:lstStyle/>
+              <a:p>
+                <a:pPr/>
+                <a14:m>
+                  <m:oMathPara xmlns:m="http://schemas.openxmlformats.org/officeDocument/2006/math">
+                    <m:oMathParaPr>
+                      <m:jc m:val="centerGroup"/>
+                    </m:oMathParaPr>
+                    <m:oMath xmlns:m="http://schemas.openxmlformats.org/officeDocument/2006/math">
+                      <m:r>
+                        <a:rPr lang="en-US" b="0" i="1" smtClean="0">
+                          <a:latin typeface="Cambria Math" panose="02040503050406030204" pitchFamily="18" charset="0"/>
+                        </a:rPr>
+                        <m:t>𝑎</m:t>
+                      </m:r>
+                      <m:r>
+                        <a:rPr lang="en-US" b="0" i="1" smtClean="0">
+                          <a:latin typeface="Cambria Math" panose="02040503050406030204" pitchFamily="18" charset="0"/>
+                        </a:rPr>
+                        <m:t>=</m:t>
+                      </m:r>
+                      <m:func>
+                        <m:funcPr>
+                          <m:ctrlPr>
+                            <a:rPr lang="en-US" b="0" i="1" smtClean="0">
+                              <a:latin typeface="Cambria Math" panose="02040503050406030204" pitchFamily="18" charset="0"/>
+                            </a:rPr>
+                          </m:ctrlPr>
+                        </m:funcPr>
+                        <m:fName>
+                          <m:sSub>
+                            <m:sSubPr>
+                              <m:ctrlPr>
+                                <a:rPr lang="en-US" b="0" i="1" smtClean="0">
+                                  <a:latin typeface="Cambria Math" panose="02040503050406030204" pitchFamily="18" charset="0"/>
+                                  <a:ea typeface="Cambria Math" panose="02040503050406030204" pitchFamily="18" charset="0"/>
+                                </a:rPr>
+                              </m:ctrlPr>
+                            </m:sSubPr>
+                            <m:e>
+                              <m:r>
+                                <m:rPr>
+                                  <m:sty m:val="p"/>
+                                </m:rPr>
+                                <a:rPr lang="en-US" b="0" i="0" smtClean="0">
+                                  <a:latin typeface="Cambria Math" panose="02040503050406030204" pitchFamily="18" charset="0"/>
+                                  <a:ea typeface="Cambria Math" panose="02040503050406030204" pitchFamily="18" charset="0"/>
+                                </a:rPr>
+                                <m:t>argmin</m:t>
+                              </m:r>
+                            </m:e>
+                            <m:sub>
+                              <m:sSub>
+                                <m:sSubPr>
+                                  <m:ctrlPr>
+                                    <a:rPr lang="en-US" b="0" i="1" smtClean="0">
+                                      <a:latin typeface="Cambria Math" panose="02040503050406030204" pitchFamily="18" charset="0"/>
+                                      <a:ea typeface="Cambria Math" panose="02040503050406030204" pitchFamily="18" charset="0"/>
+                                    </a:rPr>
+                                  </m:ctrlPr>
+                                </m:sSubPr>
+                                <m:e>
+                                  <m:r>
+                                    <a:rPr lang="en-US" b="0" i="1" smtClean="0">
+                                      <a:latin typeface="Cambria Math" panose="02040503050406030204" pitchFamily="18" charset="0"/>
+                                      <a:ea typeface="Cambria Math" panose="02040503050406030204" pitchFamily="18" charset="0"/>
+                                    </a:rPr>
+                                    <m:t>𝑎</m:t>
+                                  </m:r>
+                                </m:e>
+                                <m:sub>
+                                  <m:r>
+                                    <a:rPr lang="en-US" b="0" i="1" smtClean="0">
+                                      <a:latin typeface="Cambria Math" panose="02040503050406030204" pitchFamily="18" charset="0"/>
+                                      <a:ea typeface="Cambria Math" panose="02040503050406030204" pitchFamily="18" charset="0"/>
+                                    </a:rPr>
+                                    <m:t>0</m:t>
+                                  </m:r>
+                                </m:sub>
+                              </m:sSub>
+                              <m:r>
+                                <a:rPr lang="en-US" b="0" i="1" smtClean="0">
+                                  <a:latin typeface="Cambria Math" panose="02040503050406030204" pitchFamily="18" charset="0"/>
+                                  <a:ea typeface="Cambria Math" panose="02040503050406030204" pitchFamily="18" charset="0"/>
+                                </a:rPr>
+                                <m:t>∈</m:t>
+                              </m:r>
+                              <m:r>
+                                <m:rPr>
+                                  <m:sty m:val="p"/>
+                                </m:rPr>
+                                <a:rPr lang="en-US" b="0" i="0" smtClean="0">
+                                  <a:latin typeface="Cambria Math" panose="02040503050406030204" pitchFamily="18" charset="0"/>
+                                  <a:ea typeface="Cambria Math" panose="02040503050406030204" pitchFamily="18" charset="0"/>
+                                </a:rPr>
+                                <m:t>A</m:t>
+                              </m:r>
+                            </m:sub>
+                          </m:sSub>
+                        </m:fName>
+                        <m:e>
+                          <m:d>
+                            <m:dPr>
+                              <m:begChr m:val="["/>
+                              <m:endChr m:val="]"/>
+                              <m:ctrlPr>
+                                <a:rPr lang="en-US" i="1">
+                                  <a:latin typeface="Cambria Math" panose="02040503050406030204" pitchFamily="18" charset="0"/>
+                                  <a:ea typeface="Cambria Math" panose="02040503050406030204" pitchFamily="18" charset="0"/>
+                                </a:rPr>
+                              </m:ctrlPr>
+                            </m:dPr>
+                            <m:e>
+                              <m:nary>
+                                <m:naryPr>
+                                  <m:chr m:val="∑"/>
+                                  <m:ctrlPr>
+                                    <a:rPr lang="en-US" i="1">
+                                      <a:latin typeface="Cambria Math" panose="02040503050406030204" pitchFamily="18" charset="0"/>
+                                    </a:rPr>
+                                  </m:ctrlPr>
+                                </m:naryPr>
+                                <m:sub>
+                                  <m:r>
+                                    <m:rPr>
+                                      <m:brk m:alnAt="23"/>
+                                    </m:rPr>
+                                    <a:rPr lang="en-US" i="1">
+                                      <a:latin typeface="Cambria Math" panose="02040503050406030204" pitchFamily="18" charset="0"/>
+                                    </a:rPr>
+                                    <m:t>𝑡</m:t>
+                                  </m:r>
+                                  <m:r>
+                                    <a:rPr lang="en-US" i="1">
+                                      <a:latin typeface="Cambria Math" panose="02040503050406030204" pitchFamily="18" charset="0"/>
+                                    </a:rPr>
+                                    <m:t>=0</m:t>
+                                  </m:r>
+                                </m:sub>
+                                <m:sup>
+                                  <m:r>
+                                    <a:rPr lang="en-US" i="1">
+                                      <a:latin typeface="Cambria Math" panose="02040503050406030204" pitchFamily="18" charset="0"/>
+                                    </a:rPr>
+                                    <m:t>𝑇</m:t>
+                                  </m:r>
+                                </m:sup>
+                                <m:e>
+                                  <m:sSub>
+                                    <m:sSubPr>
+                                      <m:ctrlPr>
+                                        <a:rPr lang="en-US" i="1">
+                                          <a:latin typeface="Cambria Math" panose="02040503050406030204" pitchFamily="18" charset="0"/>
+                                        </a:rPr>
+                                      </m:ctrlPr>
+                                    </m:sSubPr>
+                                    <m:e>
+                                      <m:r>
+                                        <a:rPr lang="en-US" i="1">
+                                          <a:latin typeface="Cambria Math" panose="02040503050406030204" pitchFamily="18" charset="0"/>
+                                        </a:rPr>
+                                        <m:t>𝑐</m:t>
+                                      </m:r>
+                                    </m:e>
+                                    <m:sub>
+                                      <m:r>
+                                        <a:rPr lang="en-US" b="0" i="1" smtClean="0">
+                                          <a:latin typeface="Cambria Math" panose="02040503050406030204" pitchFamily="18" charset="0"/>
+                                        </a:rPr>
+                                        <m:t>𝑡</m:t>
+                                      </m:r>
+                                    </m:sub>
+                                  </m:sSub>
+                                </m:e>
+                              </m:nary>
+                              <m:d>
+                                <m:dPr>
+                                  <m:begChr m:val="|"/>
+                                  <m:endChr m:val=""/>
+                                  <m:ctrlPr>
+                                    <a:rPr lang="en-US" i="1" smtClean="0">
+                                      <a:latin typeface="Cambria Math" panose="02040503050406030204" pitchFamily="18" charset="0"/>
+                                    </a:rPr>
+                                  </m:ctrlPr>
+                                </m:dPr>
+                                <m:e>
+                                  <m:sSub>
+                                    <m:sSubPr>
+                                      <m:ctrlPr>
+                                        <a:rPr lang="en-US" i="1">
+                                          <a:latin typeface="Cambria Math" panose="02040503050406030204" pitchFamily="18" charset="0"/>
+                                        </a:rPr>
+                                      </m:ctrlPr>
+                                    </m:sSubPr>
+                                    <m:e>
+                                      <m:r>
+                                        <a:rPr lang="en-US" b="0" i="1" smtClean="0">
+                                          <a:latin typeface="Cambria Math" panose="02040503050406030204" pitchFamily="18" charset="0"/>
+                                        </a:rPr>
+                                        <m:t> </m:t>
+                                      </m:r>
+                                      <m:r>
+                                        <a:rPr lang="en-US" i="1">
+                                          <a:latin typeface="Cambria Math" panose="02040503050406030204" pitchFamily="18" charset="0"/>
+                                        </a:rPr>
+                                        <m:t>𝑠</m:t>
+                                      </m:r>
+                                    </m:e>
+                                    <m:sub>
+                                      <m:r>
+                                        <a:rPr lang="en-US" i="1">
+                                          <a:latin typeface="Cambria Math" panose="02040503050406030204" pitchFamily="18" charset="0"/>
+                                        </a:rPr>
+                                        <m:t>𝑇</m:t>
+                                      </m:r>
+                                    </m:sub>
+                                  </m:sSub>
+                                  <m:r>
+                                    <a:rPr lang="en-US" i="1">
+                                      <a:latin typeface="Cambria Math" panose="02040503050406030204" pitchFamily="18" charset="0"/>
+                                    </a:rPr>
+                                    <m:t>∈</m:t>
+                                  </m:r>
+                                  <m:sSup>
+                                    <m:sSupPr>
+                                      <m:ctrlPr>
+                                        <a:rPr lang="en-US" i="1">
+                                          <a:latin typeface="Cambria Math" panose="02040503050406030204" pitchFamily="18" charset="0"/>
+                                        </a:rPr>
+                                      </m:ctrlPr>
+                                    </m:sSupPr>
+                                    <m:e>
+                                      <m:r>
+                                        <a:rPr lang="en-US" i="1">
+                                          <a:latin typeface="Cambria Math" panose="02040503050406030204" pitchFamily="18" charset="0"/>
+                                        </a:rPr>
+                                        <m:t>𝑆</m:t>
+                                      </m:r>
+                                    </m:e>
+                                    <m:sup>
+                                      <m:r>
+                                        <a:rPr lang="en-US" i="1">
+                                          <a:latin typeface="Cambria Math" panose="02040503050406030204" pitchFamily="18" charset="0"/>
+                                        </a:rPr>
+                                        <m:t>𝑔𝑜𝑎𝑙</m:t>
+                                      </m:r>
+                                    </m:sup>
+                                  </m:sSup>
+                                </m:e>
+                              </m:d>
+                            </m:e>
+                          </m:d>
+                        </m:e>
+                      </m:func>
+                    </m:oMath>
+                  </m:oMathPara>
+                </a14:m>
+                <a:endParaRPr lang="en-US" dirty="0"/>
+              </a:p>
+            </p:txBody>
+          </p:sp>
+        </mc:Choice>
+        <mc:Fallback xmlns="">
+          <p:sp>
+            <p:nvSpPr>
+              <p:cNvPr id="6" name="TextBox 5">
+                <a:extLst>
+                  <a:ext uri="{FF2B5EF4-FFF2-40B4-BE49-F238E27FC236}">
+                    <a16:creationId xmlns:a16="http://schemas.microsoft.com/office/drawing/2014/main" id="{B309C9C9-D66E-EA9C-F32B-9350BBA1FE6F}"/>
+                  </a:ext>
+                </a:extLst>
+              </p:cNvPr>
+              <p:cNvSpPr txBox="1">
+                <a:spLocks noRot="1" noChangeAspect="1" noMove="1" noResize="1" noEditPoints="1" noAdjustHandles="1" noChangeArrowheads="1" noChangeShapeType="1" noTextEdit="1"/>
+              </p:cNvSpPr>
+              <p:nvPr/>
+            </p:nvSpPr>
+            <p:spPr>
+              <a:xfrm>
+                <a:off x="5295900" y="2923684"/>
+                <a:ext cx="3784740" cy="972702"/>
+              </a:xfrm>
+              <a:prstGeom prst="rect">
+                <a:avLst/>
+              </a:prstGeom>
+              <a:blipFill>
+                <a:blip r:embed="rId5"/>
+                <a:stretch>
+                  <a:fillRect/>
+                </a:stretch>
+              </a:blipFill>
+            </p:spPr>
+            <p:txBody>
+              <a:bodyPr/>
+              <a:lstStyle/>
+              <a:p>
+                <a:r>
+                  <a:rPr lang="en-US">
+                    <a:noFill/>
+                  </a:rPr>
+                  <a:t> </a:t>
+                </a:r>
+              </a:p>
+            </p:txBody>
+          </p:sp>
+        </mc:Fallback>
+      </mc:AlternateContent>
+      <p:sp>
+        <p:nvSpPr>
+          <p:cNvPr id="11" name="TextBox 10">
+            <a:extLst>
+              <a:ext uri="{FF2B5EF4-FFF2-40B4-BE49-F238E27FC236}">
+                <a16:creationId xmlns:a16="http://schemas.microsoft.com/office/drawing/2014/main" id="{1655D056-4265-310C-3A14-607DA88A98C3}"/>
+              </a:ext>
+            </a:extLst>
+          </p:cNvPr>
+          <p:cNvSpPr txBox="1"/>
+          <p:nvPr/>
+        </p:nvSpPr>
+        <p:spPr>
+          <a:xfrm>
+            <a:off x="6999745" y="4290296"/>
+            <a:ext cx="1932970" cy="954107"/>
+          </a:xfrm>
+          <a:prstGeom prst="rect">
+            <a:avLst/>
+          </a:prstGeom>
+          <a:noFill/>
+        </p:spPr>
+        <p:txBody>
+          <a:bodyPr wrap="square" rtlCol="0">
+            <a:spAutoFit/>
+          </a:bodyPr>
+          <a:lstStyle/>
+          <a:p>
+            <a:pPr algn="ctr"/>
+            <a:r>
+              <a:rPr lang="en-US" sz="1400" dirty="0"/>
+              <a:t>Sum of the cost</a:t>
+            </a:r>
+            <a:br>
+              <a:rPr lang="en-US" sz="1400" dirty="0"/>
+            </a:br>
+            <a:r>
+              <a:rPr lang="en-US" sz="1400" dirty="0"/>
+              <a:t>of a planed sequence of actions that leads to a goal state </a:t>
+            </a:r>
+          </a:p>
+        </p:txBody>
+      </p:sp>
+      <mc:AlternateContent xmlns:mc="http://schemas.openxmlformats.org/markup-compatibility/2006" xmlns:a14="http://schemas.microsoft.com/office/drawing/2010/main">
+        <mc:Choice Requires="a14">
+          <p:sp>
+            <p:nvSpPr>
+              <p:cNvPr id="2" name="Rectangle 1">
+                <a:extLst>
+                  <a:ext uri="{FF2B5EF4-FFF2-40B4-BE49-F238E27FC236}">
+                    <a16:creationId xmlns:a16="http://schemas.microsoft.com/office/drawing/2014/main" id="{B6DFB2F8-B6C3-45F5-85E4-692E0E5C7665}"/>
+                  </a:ext>
+                </a:extLst>
+              </p:cNvPr>
+              <p:cNvSpPr/>
+              <p:nvPr/>
+            </p:nvSpPr>
+            <p:spPr>
+              <a:xfrm>
+                <a:off x="628650" y="5830141"/>
+                <a:ext cx="6808980" cy="942309"/>
+              </a:xfrm>
+              <a:prstGeom prst="rect">
+                <a:avLst/>
+              </a:prstGeom>
+            </p:spPr>
+            <p:txBody>
+              <a:bodyPr wrap="none">
+                <a:spAutoFit/>
+              </a:bodyPr>
+              <a:lstStyle/>
+              <a:p>
+                <a:r>
+                  <a:rPr lang="en-US" dirty="0"/>
+                  <a:t>The interaction is a sequence:  </a:t>
+                </a:r>
+                <a14:m>
+                  <m:oMath xmlns:m="http://schemas.openxmlformats.org/officeDocument/2006/math">
+                    <m:sSub>
+                      <m:sSubPr>
+                        <m:ctrlPr>
+                          <a:rPr lang="en-US" b="0" i="1" smtClean="0">
+                            <a:latin typeface="Cambria Math" panose="02040503050406030204" pitchFamily="18" charset="0"/>
+                          </a:rPr>
+                        </m:ctrlPr>
+                      </m:sSubPr>
+                      <m:e>
+                        <m:r>
+                          <a:rPr lang="en-US" b="0" i="1" smtClean="0">
+                            <a:latin typeface="Cambria Math" panose="02040503050406030204" pitchFamily="18" charset="0"/>
+                          </a:rPr>
+                          <m:t>𝑝</m:t>
+                        </m:r>
+                      </m:e>
+                      <m:sub>
+                        <m:r>
+                          <a:rPr lang="en-US" b="0" i="1" smtClean="0">
+                            <a:latin typeface="Cambria Math" panose="02040503050406030204" pitchFamily="18" charset="0"/>
+                          </a:rPr>
+                          <m:t>0</m:t>
+                        </m:r>
+                      </m:sub>
+                    </m:sSub>
+                    <m:r>
+                      <a:rPr lang="en-US" b="0" i="0" smtClean="0">
+                        <a:latin typeface="Cambria Math" panose="02040503050406030204" pitchFamily="18" charset="0"/>
+                      </a:rPr>
+                      <m:t>, </m:t>
+                    </m:r>
+                    <m:sSub>
+                      <m:sSubPr>
+                        <m:ctrlPr>
+                          <a:rPr lang="en-US" i="1" smtClean="0">
+                            <a:latin typeface="Cambria Math" panose="02040503050406030204" pitchFamily="18" charset="0"/>
+                          </a:rPr>
+                        </m:ctrlPr>
+                      </m:sSubPr>
+                      <m:e>
+                        <m:r>
+                          <a:rPr lang="en-US" b="0" i="1" smtClean="0">
+                            <a:latin typeface="Cambria Math" panose="02040503050406030204" pitchFamily="18" charset="0"/>
+                          </a:rPr>
+                          <m:t>𝑠</m:t>
+                        </m:r>
+                      </m:e>
+                      <m:sub>
+                        <m:r>
+                          <a:rPr lang="en-US" b="0" i="1" smtClean="0">
+                            <a:latin typeface="Cambria Math" panose="02040503050406030204" pitchFamily="18" charset="0"/>
+                          </a:rPr>
+                          <m:t>0</m:t>
+                        </m:r>
+                      </m:sub>
+                    </m:sSub>
+                    <m:r>
+                      <a:rPr lang="en-US" b="0" i="1" smtClean="0">
+                        <a:latin typeface="Cambria Math" panose="02040503050406030204" pitchFamily="18" charset="0"/>
+                      </a:rPr>
+                      <m:t>,</m:t>
+                    </m:r>
+                    <m:sSub>
+                      <m:sSubPr>
+                        <m:ctrlPr>
+                          <a:rPr lang="en-US" i="1" smtClean="0">
+                            <a:latin typeface="Cambria Math" panose="02040503050406030204" pitchFamily="18" charset="0"/>
+                          </a:rPr>
+                        </m:ctrlPr>
+                      </m:sSubPr>
+                      <m:e>
+                        <m:r>
+                          <a:rPr lang="en-US" b="0" i="1" smtClean="0">
+                            <a:latin typeface="Cambria Math" panose="02040503050406030204" pitchFamily="18" charset="0"/>
+                          </a:rPr>
+                          <m:t>𝑎</m:t>
+                        </m:r>
+                      </m:e>
+                      <m:sub>
+                        <m:r>
+                          <a:rPr lang="en-US" b="0" i="1" smtClean="0">
+                            <a:latin typeface="Cambria Math" panose="02040503050406030204" pitchFamily="18" charset="0"/>
+                          </a:rPr>
+                          <m:t>0</m:t>
+                        </m:r>
+                      </m:sub>
+                    </m:sSub>
+                    <m:r>
+                      <a:rPr lang="en-US" b="0" i="1" smtClean="0">
+                        <a:latin typeface="Cambria Math" panose="02040503050406030204" pitchFamily="18" charset="0"/>
+                      </a:rPr>
+                      <m:t>,</m:t>
+                    </m:r>
+                    <m:sSub>
+                      <m:sSubPr>
+                        <m:ctrlPr>
+                          <a:rPr lang="en-US" b="0" i="1" smtClean="0">
+                            <a:latin typeface="Cambria Math" panose="02040503050406030204" pitchFamily="18" charset="0"/>
+                          </a:rPr>
+                        </m:ctrlPr>
+                      </m:sSubPr>
+                      <m:e>
+                        <m:r>
+                          <a:rPr lang="en-US" b="0" i="1" smtClean="0">
+                            <a:latin typeface="Cambria Math" panose="02040503050406030204" pitchFamily="18" charset="0"/>
+                          </a:rPr>
+                          <m:t>𝑝</m:t>
+                        </m:r>
+                      </m:e>
+                      <m:sub>
+                        <m:r>
+                          <a:rPr lang="en-US" b="0" i="1" smtClean="0">
+                            <a:latin typeface="Cambria Math" panose="02040503050406030204" pitchFamily="18" charset="0"/>
+                          </a:rPr>
+                          <m:t>1</m:t>
+                        </m:r>
+                      </m:sub>
+                    </m:sSub>
+                    <m:r>
+                      <a:rPr lang="en-US" b="0" i="1" smtClean="0">
+                        <a:latin typeface="Cambria Math" panose="02040503050406030204" pitchFamily="18" charset="0"/>
+                      </a:rPr>
+                      <m:t>,</m:t>
+                    </m:r>
+                    <m:sSub>
+                      <m:sSubPr>
+                        <m:ctrlPr>
+                          <a:rPr lang="en-US" i="1" smtClean="0">
+                            <a:latin typeface="Cambria Math" panose="02040503050406030204" pitchFamily="18" charset="0"/>
+                          </a:rPr>
+                        </m:ctrlPr>
+                      </m:sSubPr>
+                      <m:e>
+                        <m:r>
+                          <a:rPr lang="en-US" b="0" i="1" smtClean="0">
+                            <a:latin typeface="Cambria Math" panose="02040503050406030204" pitchFamily="18" charset="0"/>
+                          </a:rPr>
+                          <m:t>𝑠</m:t>
+                        </m:r>
+                      </m:e>
+                      <m:sub>
+                        <m:r>
+                          <a:rPr lang="en-US" b="0" i="1" smtClean="0">
+                            <a:latin typeface="Cambria Math" panose="02040503050406030204" pitchFamily="18" charset="0"/>
+                          </a:rPr>
+                          <m:t>1</m:t>
+                        </m:r>
+                      </m:sub>
+                    </m:sSub>
+                    <m:r>
+                      <a:rPr lang="en-US" b="0" i="1" smtClean="0">
+                        <a:latin typeface="Cambria Math" panose="02040503050406030204" pitchFamily="18" charset="0"/>
+                      </a:rPr>
+                      <m:t>,</m:t>
+                    </m:r>
+                    <m:sSub>
+                      <m:sSubPr>
+                        <m:ctrlPr>
+                          <a:rPr lang="en-US" i="1" smtClean="0">
+                            <a:latin typeface="Cambria Math" panose="02040503050406030204" pitchFamily="18" charset="0"/>
+                          </a:rPr>
+                        </m:ctrlPr>
+                      </m:sSubPr>
+                      <m:e>
+                        <m:r>
+                          <a:rPr lang="en-US" b="0" i="1" smtClean="0">
+                            <a:latin typeface="Cambria Math" panose="02040503050406030204" pitchFamily="18" charset="0"/>
+                          </a:rPr>
+                          <m:t>𝑎</m:t>
+                        </m:r>
+                      </m:e>
+                      <m:sub>
+                        <m:r>
+                          <a:rPr lang="en-US" b="0" i="1" smtClean="0">
+                            <a:latin typeface="Cambria Math" panose="02040503050406030204" pitchFamily="18" charset="0"/>
+                          </a:rPr>
+                          <m:t>1</m:t>
+                        </m:r>
+                      </m:sub>
+                    </m:sSub>
+                    <m:r>
+                      <a:rPr lang="en-US" b="0" i="1" smtClean="0">
+                        <a:latin typeface="Cambria Math" panose="02040503050406030204" pitchFamily="18" charset="0"/>
+                      </a:rPr>
+                      <m:t>,</m:t>
+                    </m:r>
+                    <m:sSub>
+                      <m:sSubPr>
+                        <m:ctrlPr>
+                          <a:rPr lang="en-US" b="0" i="1" smtClean="0">
+                            <a:latin typeface="Cambria Math" panose="02040503050406030204" pitchFamily="18" charset="0"/>
+                          </a:rPr>
+                        </m:ctrlPr>
+                      </m:sSubPr>
+                      <m:e>
+                        <m:r>
+                          <a:rPr lang="en-US" b="0" i="1" smtClean="0">
+                            <a:latin typeface="Cambria Math" panose="02040503050406030204" pitchFamily="18" charset="0"/>
+                          </a:rPr>
+                          <m:t>𝑝</m:t>
+                        </m:r>
+                      </m:e>
+                      <m:sub>
+                        <m:r>
+                          <a:rPr lang="en-US" b="0" i="1" smtClean="0">
+                            <a:latin typeface="Cambria Math" panose="02040503050406030204" pitchFamily="18" charset="0"/>
+                          </a:rPr>
+                          <m:t>2</m:t>
+                        </m:r>
+                      </m:sub>
+                    </m:sSub>
+                    <m:r>
+                      <a:rPr lang="en-US" b="0" i="1" smtClean="0">
+                        <a:latin typeface="Cambria Math" panose="02040503050406030204" pitchFamily="18" charset="0"/>
+                      </a:rPr>
+                      <m:t>,</m:t>
+                    </m:r>
+                    <m:sSub>
+                      <m:sSubPr>
+                        <m:ctrlPr>
+                          <a:rPr lang="en-US" i="1" smtClean="0">
+                            <a:latin typeface="Cambria Math" panose="02040503050406030204" pitchFamily="18" charset="0"/>
+                          </a:rPr>
+                        </m:ctrlPr>
+                      </m:sSubPr>
+                      <m:e>
+                        <m:r>
+                          <a:rPr lang="en-US" b="0" i="1" smtClean="0">
+                            <a:latin typeface="Cambria Math" panose="02040503050406030204" pitchFamily="18" charset="0"/>
+                          </a:rPr>
+                          <m:t>𝑠</m:t>
+                        </m:r>
+                      </m:e>
+                      <m:sub>
+                        <m:r>
+                          <a:rPr lang="en-US" b="0" i="1" smtClean="0">
+                            <a:latin typeface="Cambria Math" panose="02040503050406030204" pitchFamily="18" charset="0"/>
+                          </a:rPr>
+                          <m:t>2</m:t>
+                        </m:r>
+                      </m:sub>
+                    </m:sSub>
+                    <m:r>
+                      <a:rPr lang="en-US" b="0" i="1" smtClean="0">
+                        <a:latin typeface="Cambria Math" panose="02040503050406030204" pitchFamily="18" charset="0"/>
+                      </a:rPr>
+                      <m:t>,</m:t>
+                    </m:r>
+                    <m:sSub>
+                      <m:sSubPr>
+                        <m:ctrlPr>
+                          <a:rPr lang="en-US" i="1" smtClean="0">
+                            <a:latin typeface="Cambria Math" panose="02040503050406030204" pitchFamily="18" charset="0"/>
+                          </a:rPr>
+                        </m:ctrlPr>
+                      </m:sSubPr>
+                      <m:e>
+                        <m:r>
+                          <a:rPr lang="en-US" b="0" i="1" smtClean="0">
+                            <a:latin typeface="Cambria Math" panose="02040503050406030204" pitchFamily="18" charset="0"/>
+                          </a:rPr>
+                          <m:t>𝑎</m:t>
+                        </m:r>
+                      </m:e>
+                      <m:sub>
+                        <m:r>
+                          <a:rPr lang="en-US" b="0" i="1" smtClean="0">
+                            <a:latin typeface="Cambria Math" panose="02040503050406030204" pitchFamily="18" charset="0"/>
+                          </a:rPr>
+                          <m:t>2</m:t>
+                        </m:r>
+                      </m:sub>
+                    </m:sSub>
+                    <m:r>
+                      <a:rPr lang="en-US" b="0" i="1" smtClean="0">
+                        <a:latin typeface="Cambria Math" panose="02040503050406030204" pitchFamily="18" charset="0"/>
+                      </a:rPr>
+                      <m:t>,…,</m:t>
+                    </m:r>
+                    <m:sSup>
+                      <m:sSupPr>
+                        <m:ctrlPr>
+                          <a:rPr lang="en-US" b="0" i="1" smtClean="0">
+                            <a:latin typeface="Cambria Math" panose="02040503050406030204" pitchFamily="18" charset="0"/>
+                          </a:rPr>
+                        </m:ctrlPr>
+                      </m:sSupPr>
+                      <m:e>
+                        <m:r>
+                          <a:rPr lang="en-US" i="1" smtClean="0">
+                            <a:latin typeface="Cambria Math" panose="02040503050406030204" pitchFamily="18" charset="0"/>
+                          </a:rPr>
+                          <m:t>𝑠</m:t>
+                        </m:r>
+                      </m:e>
+                      <m:sup>
+                        <m:r>
+                          <a:rPr lang="en-US" b="0" i="1" smtClean="0">
+                            <a:latin typeface="Cambria Math" panose="02040503050406030204" pitchFamily="18" charset="0"/>
+                          </a:rPr>
+                          <m:t>𝑔𝑜𝑎𝑙</m:t>
+                        </m:r>
+                      </m:sup>
+                    </m:sSup>
+                  </m:oMath>
+                </a14:m>
+                <a:endParaRPr lang="en-US" dirty="0"/>
+              </a:p>
+              <a:p>
+                <a:endParaRPr lang="en-US" b="1" dirty="0"/>
+              </a:p>
+              <a:p>
+                <a:r>
+                  <a:rPr lang="en-US" b="1" dirty="0"/>
+                  <a:t>Example</a:t>
+                </a:r>
+                <a:r>
+                  <a:rPr lang="en-US" dirty="0"/>
+                  <a:t>: Solving a puzzle. What action gets me closer to the solution?</a:t>
+                </a:r>
+              </a:p>
+            </p:txBody>
+          </p:sp>
+        </mc:Choice>
+        <mc:Fallback xmlns="">
+          <p:sp>
+            <p:nvSpPr>
+              <p:cNvPr id="2" name="Rectangle 1">
+                <a:extLst>
+                  <a:ext uri="{FF2B5EF4-FFF2-40B4-BE49-F238E27FC236}">
+                    <a16:creationId xmlns:a16="http://schemas.microsoft.com/office/drawing/2014/main" id="{B6DFB2F8-B6C3-45F5-85E4-692E0E5C7665}"/>
+                  </a:ext>
+                </a:extLst>
+              </p:cNvPr>
+              <p:cNvSpPr>
+                <a:spLocks noRot="1" noChangeAspect="1" noMove="1" noResize="1" noEditPoints="1" noAdjustHandles="1" noChangeArrowheads="1" noChangeShapeType="1" noTextEdit="1"/>
+              </p:cNvSpPr>
+              <p:nvPr/>
+            </p:nvSpPr>
+            <p:spPr>
+              <a:xfrm>
+                <a:off x="628650" y="5830141"/>
+                <a:ext cx="6808980" cy="942309"/>
+              </a:xfrm>
+              <a:prstGeom prst="rect">
+                <a:avLst/>
+              </a:prstGeom>
+              <a:blipFill>
+                <a:blip r:embed="rId6"/>
+                <a:stretch>
+                  <a:fillRect l="-716" t="-2581" b="-7742"/>
+                </a:stretch>
+              </a:blipFill>
+            </p:spPr>
+            <p:txBody>
+              <a:bodyPr/>
+              <a:lstStyle/>
+              <a:p>
+                <a:r>
+                  <a:rPr lang="en-US">
+                    <a:noFill/>
+                  </a:rPr>
+                  <a:t> </a:t>
+                </a:r>
+              </a:p>
+            </p:txBody>
+          </p:sp>
+        </mc:Fallback>
+      </mc:AlternateContent>
+      <p:sp>
+        <p:nvSpPr>
+          <p:cNvPr id="10" name="Left Brace 9">
+            <a:extLst>
+              <a:ext uri="{FF2B5EF4-FFF2-40B4-BE49-F238E27FC236}">
+                <a16:creationId xmlns:a16="http://schemas.microsoft.com/office/drawing/2014/main" id="{2A6DF24A-807F-9B76-3928-56AF087F5171}"/>
+              </a:ext>
+              <a:ext uri="{C183D7F6-B498-43B3-948B-1728B52AA6E4}">
+                <adec:decorative xmlns:adec="http://schemas.microsoft.com/office/drawing/2017/decorative" val="1"/>
+              </a:ext>
+            </a:extLst>
+          </p:cNvPr>
+          <p:cNvSpPr/>
+          <p:nvPr/>
+        </p:nvSpPr>
+        <p:spPr>
+          <a:xfrm rot="16200000">
+            <a:off x="7810958" y="3173675"/>
+            <a:ext cx="288772" cy="1932970"/>
+          </a:xfrm>
+          <a:prstGeom prst="leftBrace">
+            <a:avLst/>
+          </a:prstGeom>
+        </p:spPr>
+        <p:style>
+          <a:lnRef idx="1">
+            <a:schemeClr val="accent1"/>
+          </a:lnRef>
+          <a:fillRef idx="0">
+            <a:schemeClr val="accent1"/>
+          </a:fillRef>
+          <a:effectRef idx="0">
+            <a:schemeClr val="accent1"/>
+          </a:effectRef>
+          <a:fontRef idx="minor">
+            <a:schemeClr val="tx1"/>
+          </a:fontRef>
+        </p:style>
+        <p:txBody>
+          <a:bodyPr rtlCol="0" anchor="ctr"/>
+          <a:lstStyle/>
+          <a:p>
+            <a:pPr algn="ctr"/>
+            <a:endParaRPr lang="en-US"/>
+          </a:p>
+        </p:txBody>
+      </p:sp>
+      <p:sp>
+        <p:nvSpPr>
+          <p:cNvPr id="12" name="Left Brace 11">
+            <a:extLst>
+              <a:ext uri="{FF2B5EF4-FFF2-40B4-BE49-F238E27FC236}">
+                <a16:creationId xmlns:a16="http://schemas.microsoft.com/office/drawing/2014/main" id="{AB771649-5BF3-8747-5429-08474493638E}"/>
+              </a:ext>
+              <a:ext uri="{C183D7F6-B498-43B3-948B-1728B52AA6E4}">
+                <adec:decorative xmlns:adec="http://schemas.microsoft.com/office/drawing/2017/decorative" val="1"/>
+              </a:ext>
+            </a:extLst>
+          </p:cNvPr>
+          <p:cNvSpPr/>
+          <p:nvPr/>
+        </p:nvSpPr>
+        <p:spPr>
+          <a:xfrm rot="16200000">
+            <a:off x="5261807" y="4455988"/>
+            <a:ext cx="144386" cy="3505200"/>
+          </a:xfrm>
+          <a:prstGeom prst="leftBrace">
+            <a:avLst/>
+          </a:prstGeom>
+        </p:spPr>
+        <p:style>
+          <a:lnRef idx="1">
+            <a:schemeClr val="accent1"/>
+          </a:lnRef>
+          <a:fillRef idx="0">
+            <a:schemeClr val="accent1"/>
+          </a:fillRef>
+          <a:effectRef idx="0">
+            <a:schemeClr val="accent1"/>
+          </a:effectRef>
+          <a:fontRef idx="minor">
+            <a:schemeClr val="tx1"/>
+          </a:fontRef>
+        </p:style>
+        <p:txBody>
+          <a:bodyPr rtlCol="0" anchor="ctr"/>
+          <a:lstStyle/>
+          <a:p>
+            <a:pPr algn="ctr"/>
+            <a:endParaRPr lang="en-US"/>
+          </a:p>
+        </p:txBody>
+      </p:sp>
+      <p:sp>
+        <p:nvSpPr>
+          <p:cNvPr id="13" name="TextBox 12">
+            <a:extLst>
+              <a:ext uri="{FF2B5EF4-FFF2-40B4-BE49-F238E27FC236}">
+                <a16:creationId xmlns:a16="http://schemas.microsoft.com/office/drawing/2014/main" id="{8D0B5546-A820-8FF6-7A6B-09F4E0F16CED}"/>
+              </a:ext>
+              <a:ext uri="{C183D7F6-B498-43B3-948B-1728B52AA6E4}">
+                <adec:decorative xmlns:adec="http://schemas.microsoft.com/office/drawing/2017/decorative" val="1"/>
+              </a:ext>
+            </a:extLst>
+          </p:cNvPr>
+          <p:cNvSpPr txBox="1"/>
+          <p:nvPr/>
+        </p:nvSpPr>
+        <p:spPr>
+          <a:xfrm>
+            <a:off x="4395317" y="6205333"/>
+            <a:ext cx="1932970" cy="307777"/>
+          </a:xfrm>
+          <a:prstGeom prst="rect">
+            <a:avLst/>
+          </a:prstGeom>
+          <a:noFill/>
+        </p:spPr>
+        <p:txBody>
+          <a:bodyPr wrap="square" rtlCol="0">
+            <a:spAutoFit/>
+          </a:bodyPr>
+          <a:lstStyle/>
+          <a:p>
+            <a:pPr algn="ctr"/>
+            <a:r>
+              <a:rPr lang="en-US" sz="1400" dirty="0"/>
+              <a:t>cost</a:t>
+            </a:r>
+          </a:p>
+        </p:txBody>
+      </p:sp>
+      <p:sp>
+        <p:nvSpPr>
+          <p:cNvPr id="14" name="TextBox 13">
+            <a:extLst>
+              <a:ext uri="{FF2B5EF4-FFF2-40B4-BE49-F238E27FC236}">
+                <a16:creationId xmlns:a16="http://schemas.microsoft.com/office/drawing/2014/main" id="{E16C1A7F-80A0-191F-C175-0D32EA450CFD}"/>
+              </a:ext>
+              <a:ext uri="{C183D7F6-B498-43B3-948B-1728B52AA6E4}">
+                <adec:decorative xmlns:adec="http://schemas.microsoft.com/office/drawing/2017/decorative" val="1"/>
+              </a:ext>
+            </a:extLst>
+          </p:cNvPr>
+          <p:cNvSpPr txBox="1"/>
+          <p:nvPr/>
+        </p:nvSpPr>
+        <p:spPr>
+          <a:xfrm>
+            <a:off x="3686343" y="4181725"/>
+            <a:ext cx="591829" cy="369332"/>
+          </a:xfrm>
+          <a:prstGeom prst="rect">
+            <a:avLst/>
+          </a:prstGeom>
+          <a:noFill/>
+        </p:spPr>
+        <p:txBody>
+          <a:bodyPr wrap="none" rtlCol="0">
+            <a:spAutoFit/>
+          </a:bodyPr>
+          <a:lstStyle/>
+          <a:p>
+            <a:r>
+              <a:rPr lang="en-US" dirty="0">
+                <a:solidFill>
+                  <a:schemeClr val="accent2"/>
+                </a:solidFill>
+              </a:rPr>
+              <a:t>plan</a:t>
+            </a:r>
+          </a:p>
+        </p:txBody>
+      </p:sp>
+    </p:spTree>
+  </p:cSld>
+  <p:clrMapOvr>
+    <a:masterClrMapping/>
+  </p:clrMapOvr>
+</p:sld>
+</file>
+
+<file path=ppt/slides/slide8.xml><?xml version="1.0" encoding="utf-8"?>
+<p:sld xmlns:a="http://schemas.openxmlformats.org/drawingml/2006/main" xmlns:r="http://schemas.openxmlformats.org/officeDocument/2006/relationships" xmlns:p="http://schemas.openxmlformats.org/presentationml/2006/main">
+  <p:cSld>
+    <p:spTree>
+      <p:nvGrpSpPr>
+        <p:cNvPr id="1" name=""/>
+        <p:cNvGrpSpPr/>
+        <p:nvPr/>
+      </p:nvGrpSpPr>
+      <p:grpSpPr>
+        <a:xfrm>
+          <a:off x="0" y="0"/>
+          <a:ext cx="0" cy="0"/>
+          <a:chOff x="0" y="0"/>
+          <a:chExt cx="0" cy="0"/>
+        </a:xfrm>
+      </p:grpSpPr>
+      <p:sp>
+        <p:nvSpPr>
+          <p:cNvPr id="29698" name="Rectangle 2"/>
+          <p:cNvSpPr>
+            <a:spLocks noGrp="1" noChangeArrowheads="1"/>
+          </p:cNvSpPr>
+          <p:nvPr>
+            <p:ph type="title"/>
+          </p:nvPr>
+        </p:nvSpPr>
+        <p:spPr/>
+        <p:txBody>
+          <a:bodyPr/>
+          <a:lstStyle/>
+          <a:p>
+            <a:r>
+              <a:rPr lang="en-US" dirty="0"/>
+              <a:t>Utility-based Agent</a:t>
+            </a:r>
+          </a:p>
+        </p:txBody>
+      </p:sp>
+      <mc:AlternateContent xmlns:mc="http://schemas.openxmlformats.org/markup-compatibility/2006" xmlns:a14="http://schemas.microsoft.com/office/drawing/2010/main">
+        <mc:Choice Requires="a14">
+          <p:sp>
+            <p:nvSpPr>
+              <p:cNvPr id="6" name="Content Placeholder 5"/>
+              <p:cNvSpPr>
+                <a:spLocks noGrp="1"/>
+              </p:cNvSpPr>
+              <p:nvPr>
+                <p:ph idx="1"/>
+              </p:nvPr>
+            </p:nvSpPr>
+            <p:spPr>
+              <a:xfrm>
+                <a:off x="628650" y="1295400"/>
+                <a:ext cx="7886700" cy="1477965"/>
+              </a:xfrm>
+            </p:spPr>
+            <p:txBody>
+              <a:bodyPr>
+                <a:normAutofit fontScale="92500"/>
+              </a:bodyPr>
+              <a:lstStyle/>
+              <a:p>
+                <a:r>
+                  <a:rPr lang="en-US" dirty="0"/>
+                  <a:t>The agent uses a utility function to evaluate the </a:t>
+                </a:r>
+                <a:r>
+                  <a:rPr lang="en-US" b="1" dirty="0">
+                    <a:solidFill>
+                      <a:srgbClr val="FF0000"/>
+                    </a:solidFill>
+                  </a:rPr>
+                  <a:t>desirability of each possible states. </a:t>
+                </a:r>
+                <a:r>
+                  <a:rPr lang="en-US" dirty="0"/>
+                  <a:t>This is typically expressed as the reward of being in a state </a:t>
+                </a:r>
+                <a14:m>
+                  <m:oMath xmlns:m="http://schemas.openxmlformats.org/officeDocument/2006/math">
+                    <m:r>
+                      <a:rPr lang="en-US" i="1" dirty="0" smtClean="0">
+                        <a:latin typeface="Cambria Math" panose="02040503050406030204" pitchFamily="18" charset="0"/>
+                      </a:rPr>
+                      <m:t>𝑅</m:t>
+                    </m:r>
+                    <m:r>
+                      <a:rPr lang="en-US" i="1" dirty="0" smtClean="0">
+                        <a:latin typeface="Cambria Math" panose="02040503050406030204" pitchFamily="18" charset="0"/>
+                      </a:rPr>
+                      <m:t>(</m:t>
+                    </m:r>
+                    <m:r>
+                      <a:rPr lang="en-US" i="1" dirty="0" smtClean="0">
+                        <a:latin typeface="Cambria Math" panose="02040503050406030204" pitchFamily="18" charset="0"/>
+                      </a:rPr>
+                      <m:t>𝑠</m:t>
+                    </m:r>
+                    <m:r>
+                      <a:rPr lang="en-US" i="1" dirty="0" smtClean="0">
+                        <a:latin typeface="Cambria Math" panose="02040503050406030204" pitchFamily="18" charset="0"/>
+                      </a:rPr>
+                      <m:t>)</m:t>
+                    </m:r>
+                  </m:oMath>
+                </a14:m>
+                <a:r>
+                  <a:rPr lang="en-US" dirty="0"/>
+                  <a:t>.</a:t>
+                </a:r>
+              </a:p>
+              <a:p>
+                <a:r>
+                  <a:rPr lang="en-US" dirty="0"/>
+                  <a:t>Choose actions to stay in desirable states.</a:t>
+                </a:r>
+              </a:p>
+              <a:p>
+                <a:r>
+                  <a:rPr lang="en-US" dirty="0"/>
+                  <a:t>Performance measure: The discounted sum of </a:t>
+                </a:r>
+                <a:r>
+                  <a:rPr lang="en-US" b="1" dirty="0">
+                    <a:solidFill>
+                      <a:srgbClr val="FF0000"/>
+                    </a:solidFill>
+                  </a:rPr>
+                  <a:t>expected utility over time</a:t>
+                </a:r>
+                <a:r>
+                  <a:rPr lang="en-US" dirty="0"/>
+                  <a:t>.</a:t>
+                </a:r>
+              </a:p>
+            </p:txBody>
+          </p:sp>
+        </mc:Choice>
+        <mc:Fallback xmlns="">
+          <p:sp>
+            <p:nvSpPr>
+              <p:cNvPr id="6" name="Content Placeholder 5"/>
+              <p:cNvSpPr>
+                <a:spLocks noGrp="1" noRot="1" noChangeAspect="1" noMove="1" noResize="1" noEditPoints="1" noAdjustHandles="1" noChangeArrowheads="1" noChangeShapeType="1" noTextEdit="1"/>
+              </p:cNvSpPr>
+              <p:nvPr>
+                <p:ph idx="1"/>
+              </p:nvPr>
+            </p:nvSpPr>
+            <p:spPr>
+              <a:xfrm>
+                <a:off x="628650" y="1295400"/>
+                <a:ext cx="7886700" cy="1477965"/>
+              </a:xfrm>
+              <a:blipFill>
+                <a:blip r:embed="rId3"/>
+                <a:stretch>
+                  <a:fillRect l="-541" t="-4132" r="-850"/>
+                </a:stretch>
+              </a:blipFill>
+            </p:spPr>
+            <p:txBody>
+              <a:bodyPr/>
+              <a:lstStyle/>
+              <a:p>
+                <a:r>
+                  <a:rPr lang="en-US">
+                    <a:noFill/>
+                  </a:rPr>
+                  <a:t> </a:t>
+                </a:r>
+              </a:p>
+            </p:txBody>
+          </p:sp>
+        </mc:Fallback>
+      </mc:AlternateContent>
+      <p:pic>
+        <p:nvPicPr>
+          <p:cNvPr id="4" name="Picture 3" descr="Diagram of an agent that adds utility to determine how happy it is with a state.">
+            <a:extLst>
+              <a:ext uri="{FF2B5EF4-FFF2-40B4-BE49-F238E27FC236}">
+                <a16:creationId xmlns:a16="http://schemas.microsoft.com/office/drawing/2014/main" id="{FAF6271A-FC38-434F-B4E3-EEA4639F708B}"/>
+              </a:ext>
+              <a:ext uri="{C183D7F6-B498-43B3-948B-1728B52AA6E4}">
+                <adec:decorative xmlns:adec="http://schemas.microsoft.com/office/drawing/2017/decorative" val="0"/>
+              </a:ext>
+            </a:extLst>
+          </p:cNvPr>
+          <p:cNvPicPr>
+            <a:picLocks noChangeAspect="1"/>
+          </p:cNvPicPr>
+          <p:nvPr/>
+        </p:nvPicPr>
+        <p:blipFill>
+          <a:blip r:embed="rId4"/>
+          <a:stretch>
+            <a:fillRect/>
+          </a:stretch>
+        </p:blipFill>
+        <p:spPr>
+          <a:xfrm>
+            <a:off x="933634" y="2794829"/>
+            <a:ext cx="4483330" cy="2857647"/>
+          </a:xfrm>
+          <a:prstGeom prst="rect">
+            <a:avLst/>
+          </a:prstGeom>
+        </p:spPr>
+      </p:pic>
+      <p:sp>
+        <p:nvSpPr>
+          <p:cNvPr id="3" name="Rectangle: Rounded Corners 2">
+            <a:extLst>
+              <a:ext uri="{FF2B5EF4-FFF2-40B4-BE49-F238E27FC236}">
+                <a16:creationId xmlns:a16="http://schemas.microsoft.com/office/drawing/2014/main" id="{FF3F49AA-5AE7-40C8-A131-B2029CFF8054}"/>
+              </a:ext>
+              <a:ext uri="{C183D7F6-B498-43B3-948B-1728B52AA6E4}">
+                <adec:decorative xmlns:adec="http://schemas.microsoft.com/office/drawing/2017/decorative" val="1"/>
+              </a:ext>
+            </a:extLst>
+          </p:cNvPr>
+          <p:cNvSpPr/>
+          <p:nvPr/>
+        </p:nvSpPr>
+        <p:spPr>
+          <a:xfrm>
+            <a:off x="1390834" y="4283824"/>
+            <a:ext cx="3048000" cy="460148"/>
+          </a:xfrm>
+          <a:prstGeom prst="roundRect">
+            <a:avLst/>
+          </a:prstGeom>
+          <a:noFill/>
+          <a:ln w="28575" cap="flat" cmpd="sng" algn="ctr">
+            <a:solidFill>
+              <a:schemeClr val="accent2"/>
+            </a:solidFill>
+            <a:prstDash val="solid"/>
+            <a:round/>
+            <a:headEnd type="none" w="med" len="med"/>
+            <a:tailEnd type="none" w="med" len="med"/>
+          </a:ln>
+        </p:spPr>
+        <p:style>
+          <a:lnRef idx="0">
+            <a:scrgbClr r="0" g="0" b="0"/>
+          </a:lnRef>
+          <a:fillRef idx="0">
+            <a:scrgbClr r="0" g="0" b="0"/>
+          </a:fillRef>
+          <a:effectRef idx="0">
+            <a:scrgbClr r="0" g="0" b="0"/>
+          </a:effectRef>
+          <a:fontRef idx="minor">
+            <a:schemeClr val="accent2"/>
+          </a:fontRef>
+        </p:style>
+        <p:txBody>
+          <a:bodyPr rtlCol="0" anchor="ctr"/>
+          <a:lstStyle/>
+          <a:p>
+            <a:pPr algn="ctr"/>
+            <a:endParaRPr lang="en-US"/>
+          </a:p>
+        </p:txBody>
+      </p:sp>
+      <mc:AlternateContent xmlns:mc="http://schemas.openxmlformats.org/markup-compatibility/2006" xmlns:a14="http://schemas.microsoft.com/office/drawing/2010/main">
+        <mc:Choice Requires="a14">
+          <p:sp>
+            <p:nvSpPr>
+              <p:cNvPr id="2" name="TextBox 1">
+                <a:extLst>
+                  <a:ext uri="{FF2B5EF4-FFF2-40B4-BE49-F238E27FC236}">
+                    <a16:creationId xmlns:a16="http://schemas.microsoft.com/office/drawing/2014/main" id="{84AFE2FF-0717-3CEE-EC11-6C4E1A3A3186}"/>
+                  </a:ext>
+                </a:extLst>
+              </p:cNvPr>
+              <p:cNvSpPr txBox="1"/>
+              <p:nvPr/>
+            </p:nvSpPr>
+            <p:spPr>
+              <a:xfrm>
+                <a:off x="5486400" y="2743200"/>
+                <a:ext cx="3353996" cy="847861"/>
+              </a:xfrm>
+              <a:prstGeom prst="rect">
+                <a:avLst/>
+              </a:prstGeom>
+              <a:noFill/>
+            </p:spPr>
+            <p:txBody>
+              <a:bodyPr wrap="square">
+                <a:spAutoFit/>
+              </a:bodyPr>
+              <a:lstStyle/>
+              <a:p>
+                <a:pPr/>
+                <a14:m>
+                  <m:oMathPara xmlns:m="http://schemas.openxmlformats.org/officeDocument/2006/math">
+                    <m:oMathParaPr>
+                      <m:jc m:val="centerGroup"/>
+                    </m:oMathParaPr>
+                    <m:oMath xmlns:m="http://schemas.openxmlformats.org/officeDocument/2006/math">
+                      <m:r>
+                        <a:rPr lang="en-US" b="0" i="1" smtClean="0">
+                          <a:latin typeface="Cambria Math" panose="02040503050406030204" pitchFamily="18" charset="0"/>
+                        </a:rPr>
+                        <m:t>𝑎</m:t>
+                      </m:r>
+                      <m:r>
+                        <a:rPr lang="en-US" b="0" i="1" smtClean="0">
+                          <a:latin typeface="Cambria Math" panose="02040503050406030204" pitchFamily="18" charset="0"/>
+                        </a:rPr>
+                        <m:t>=</m:t>
+                      </m:r>
+                      <m:func>
+                        <m:funcPr>
+                          <m:ctrlPr>
+                            <a:rPr lang="en-US" b="0" i="1" smtClean="0">
+                              <a:latin typeface="Cambria Math" panose="02040503050406030204" pitchFamily="18" charset="0"/>
+                            </a:rPr>
+                          </m:ctrlPr>
+                        </m:funcPr>
+                        <m:fName>
+                          <m:sSub>
+                            <m:sSubPr>
+                              <m:ctrlPr>
+                                <a:rPr lang="en-US" b="0" i="1" smtClean="0">
+                                  <a:latin typeface="Cambria Math" panose="02040503050406030204" pitchFamily="18" charset="0"/>
+                                </a:rPr>
+                              </m:ctrlPr>
+                            </m:sSubPr>
+                            <m:e>
+                              <m:r>
+                                <m:rPr>
+                                  <m:sty m:val="p"/>
+                                </m:rPr>
+                                <a:rPr lang="en-US" b="0" i="0" smtClean="0">
+                                  <a:latin typeface="Cambria Math" panose="02040503050406030204" pitchFamily="18" charset="0"/>
+                                </a:rPr>
+                                <m:t>arg</m:t>
+                              </m:r>
+                              <m:r>
+                                <a:rPr lang="en-US" b="0" i="1" smtClean="0">
+                                  <a:latin typeface="Cambria Math" panose="02040503050406030204" pitchFamily="18" charset="0"/>
+                                </a:rPr>
+                                <m:t>𝑚𝑎𝑥</m:t>
+                              </m:r>
+                            </m:e>
+                            <m:sub>
+                              <m:sSub>
+                                <m:sSubPr>
+                                  <m:ctrlPr>
+                                    <a:rPr lang="en-US" b="0" i="1" smtClean="0">
+                                      <a:latin typeface="Cambria Math" panose="02040503050406030204" pitchFamily="18" charset="0"/>
+                                    </a:rPr>
+                                  </m:ctrlPr>
+                                </m:sSubPr>
+                                <m:e>
+                                  <m:r>
+                                    <a:rPr lang="en-US" b="0" i="1" smtClean="0">
+                                      <a:latin typeface="Cambria Math" panose="02040503050406030204" pitchFamily="18" charset="0"/>
+                                    </a:rPr>
+                                    <m:t>𝑎</m:t>
+                                  </m:r>
+                                </m:e>
+                                <m:sub>
+                                  <m:r>
+                                    <a:rPr lang="en-US" b="0" i="1" smtClean="0">
+                                      <a:latin typeface="Cambria Math" panose="02040503050406030204" pitchFamily="18" charset="0"/>
+                                    </a:rPr>
+                                    <m:t>0</m:t>
+                                  </m:r>
+                                </m:sub>
+                              </m:sSub>
+                              <m:r>
+                                <a:rPr lang="en-US" b="0" i="1" smtClean="0">
+                                  <a:latin typeface="Cambria Math" panose="02040503050406030204" pitchFamily="18" charset="0"/>
+                                </a:rPr>
+                                <m:t>∈</m:t>
+                              </m:r>
+                              <m:r>
+                                <m:rPr>
+                                  <m:sty m:val="p"/>
+                                </m:rPr>
+                                <a:rPr lang="en-US" b="0" i="0" smtClean="0">
+                                  <a:latin typeface="Cambria Math" panose="02040503050406030204" pitchFamily="18" charset="0"/>
+                                </a:rPr>
+                                <m:t>A</m:t>
+                              </m:r>
+                            </m:sub>
+                          </m:sSub>
+                        </m:fName>
+                        <m:e>
+                          <m:r>
+                            <a:rPr lang="en-US" b="0" i="1" smtClean="0">
+                              <a:latin typeface="Cambria Math" panose="02040503050406030204" pitchFamily="18" charset="0"/>
+                              <a:ea typeface="Cambria Math" panose="02040503050406030204" pitchFamily="18" charset="0"/>
+                            </a:rPr>
+                            <m:t>𝐸</m:t>
+                          </m:r>
+                          <m:d>
+                            <m:dPr>
+                              <m:begChr m:val="["/>
+                              <m:endChr m:val="]"/>
+                              <m:ctrlPr>
+                                <a:rPr lang="en-US" i="1">
+                                  <a:latin typeface="Cambria Math" panose="02040503050406030204" pitchFamily="18" charset="0"/>
+                                  <a:ea typeface="Cambria Math" panose="02040503050406030204" pitchFamily="18" charset="0"/>
+                                </a:rPr>
+                              </m:ctrlPr>
+                            </m:dPr>
+                            <m:e>
+                              <m:nary>
+                                <m:naryPr>
+                                  <m:chr m:val="∑"/>
+                                  <m:ctrlPr>
+                                    <a:rPr lang="en-US" i="1">
+                                      <a:latin typeface="Cambria Math" panose="02040503050406030204" pitchFamily="18" charset="0"/>
+                                    </a:rPr>
+                                  </m:ctrlPr>
+                                </m:naryPr>
+                                <m:sub>
+                                  <m:r>
+                                    <m:rPr>
+                                      <m:brk m:alnAt="23"/>
+                                    </m:rPr>
+                                    <a:rPr lang="en-US" i="1">
+                                      <a:latin typeface="Cambria Math" panose="02040503050406030204" pitchFamily="18" charset="0"/>
+                                    </a:rPr>
+                                    <m:t>𝑡</m:t>
+                                  </m:r>
+                                  <m:r>
+                                    <a:rPr lang="en-US" i="1">
+                                      <a:latin typeface="Cambria Math" panose="02040503050406030204" pitchFamily="18" charset="0"/>
+                                    </a:rPr>
+                                    <m:t>=0</m:t>
+                                  </m:r>
+                                </m:sub>
+                                <m:sup>
+                                  <m:r>
+                                    <a:rPr lang="en-US" i="1">
+                                      <a:latin typeface="Cambria Math" panose="02040503050406030204" pitchFamily="18" charset="0"/>
+                                    </a:rPr>
+                                    <m:t>∞</m:t>
+                                  </m:r>
+                                </m:sup>
+                                <m:e>
+                                  <m:sSup>
+                                    <m:sSupPr>
+                                      <m:ctrlPr>
+                                        <a:rPr lang="en-US" i="1">
+                                          <a:latin typeface="Cambria Math" panose="02040503050406030204" pitchFamily="18" charset="0"/>
+                                        </a:rPr>
+                                      </m:ctrlPr>
+                                    </m:sSupPr>
+                                    <m:e>
+                                      <m:r>
+                                        <a:rPr lang="en-US" i="1">
+                                          <a:latin typeface="Cambria Math" panose="02040503050406030204" pitchFamily="18" charset="0"/>
+                                        </a:rPr>
+                                        <m:t>𝛾</m:t>
+                                      </m:r>
+                                    </m:e>
+                                    <m:sup>
+                                      <m:r>
+                                        <a:rPr lang="en-US" i="1">
+                                          <a:latin typeface="Cambria Math" panose="02040503050406030204" pitchFamily="18" charset="0"/>
+                                        </a:rPr>
+                                        <m:t>𝑡</m:t>
+                                      </m:r>
+                                    </m:sup>
+                                  </m:sSup>
+                                  <m:sSub>
+                                    <m:sSubPr>
+                                      <m:ctrlPr>
+                                        <a:rPr lang="en-US" i="1">
+                                          <a:latin typeface="Cambria Math" panose="02040503050406030204" pitchFamily="18" charset="0"/>
+                                        </a:rPr>
+                                      </m:ctrlPr>
+                                    </m:sSubPr>
+                                    <m:e>
+                                      <m:r>
+                                        <a:rPr lang="en-US" i="1">
+                                          <a:latin typeface="Cambria Math" panose="02040503050406030204" pitchFamily="18" charset="0"/>
+                                        </a:rPr>
+                                        <m:t>𝑟</m:t>
+                                      </m:r>
+                                    </m:e>
+                                    <m:sub>
+                                      <m:r>
+                                        <a:rPr lang="en-US" i="1">
+                                          <a:latin typeface="Cambria Math" panose="02040503050406030204" pitchFamily="18" charset="0"/>
+                                        </a:rPr>
+                                        <m:t>𝑡</m:t>
+                                      </m:r>
+                                    </m:sub>
+                                  </m:sSub>
+                                </m:e>
+                              </m:nary>
+                              <m:d>
+                                <m:dPr>
+                                  <m:begChr m:val="|"/>
+                                  <m:endChr m:val=""/>
+                                  <m:ctrlPr>
+                                    <a:rPr lang="en-US" i="1" smtClean="0">
+                                      <a:latin typeface="Cambria Math" panose="02040503050406030204" pitchFamily="18" charset="0"/>
+                                    </a:rPr>
+                                  </m:ctrlPr>
+                                </m:dPr>
+                                <m:e>
+                                  <m:sSub>
+                                    <m:sSubPr>
+                                      <m:ctrlPr>
+                                        <a:rPr lang="en-US" b="0" i="1" smtClean="0">
+                                          <a:latin typeface="Cambria Math" panose="02040503050406030204" pitchFamily="18" charset="0"/>
+                                        </a:rPr>
+                                      </m:ctrlPr>
+                                    </m:sSubPr>
+                                    <m:e>
+                                      <m:r>
+                                        <a:rPr lang="en-US" b="0" i="1" smtClean="0">
+                                          <a:latin typeface="Cambria Math" panose="02040503050406030204" pitchFamily="18" charset="0"/>
+                                        </a:rPr>
+                                        <m:t>𝑎</m:t>
+                                      </m:r>
+                                    </m:e>
+                                    <m:sub>
+                                      <m:r>
+                                        <a:rPr lang="en-US" b="0" i="1" smtClean="0">
+                                          <a:latin typeface="Cambria Math" panose="02040503050406030204" pitchFamily="18" charset="0"/>
+                                        </a:rPr>
+                                        <m:t>0</m:t>
+                                      </m:r>
+                                    </m:sub>
+                                  </m:sSub>
+                                </m:e>
+                              </m:d>
+                            </m:e>
+                          </m:d>
+                        </m:e>
+                      </m:func>
+                    </m:oMath>
+                  </m:oMathPara>
+                </a14:m>
+                <a:endParaRPr lang="en-US" dirty="0"/>
+              </a:p>
+            </p:txBody>
+          </p:sp>
+        </mc:Choice>
+        <mc:Fallback xmlns="">
+          <p:sp>
+            <p:nvSpPr>
+              <p:cNvPr id="2" name="TextBox 1">
+                <a:extLst>
+                  <a:ext uri="{FF2B5EF4-FFF2-40B4-BE49-F238E27FC236}">
+                    <a16:creationId xmlns:a16="http://schemas.microsoft.com/office/drawing/2014/main" id="{84AFE2FF-0717-3CEE-EC11-6C4E1A3A3186}"/>
+                  </a:ext>
+                </a:extLst>
+              </p:cNvPr>
+              <p:cNvSpPr txBox="1">
+                <a:spLocks noRot="1" noChangeAspect="1" noMove="1" noResize="1" noEditPoints="1" noAdjustHandles="1" noChangeArrowheads="1" noChangeShapeType="1" noTextEdit="1"/>
+              </p:cNvSpPr>
+              <p:nvPr/>
+            </p:nvSpPr>
+            <p:spPr>
+              <a:xfrm>
+                <a:off x="5486400" y="2743200"/>
+                <a:ext cx="3353996" cy="847861"/>
+              </a:xfrm>
+              <a:prstGeom prst="rect">
+                <a:avLst/>
+              </a:prstGeom>
+              <a:blipFill>
+                <a:blip r:embed="rId5"/>
+                <a:stretch>
+                  <a:fillRect/>
+                </a:stretch>
+              </a:blipFill>
+            </p:spPr>
+            <p:txBody>
+              <a:bodyPr/>
+              <a:lstStyle/>
+              <a:p>
+                <a:r>
+                  <a:rPr lang="en-US">
+                    <a:noFill/>
+                  </a:rPr>
+                  <a:t> </a:t>
+                </a:r>
+              </a:p>
+            </p:txBody>
+          </p:sp>
+        </mc:Fallback>
+      </mc:AlternateContent>
+      <p:sp>
+        <p:nvSpPr>
+          <p:cNvPr id="5" name="Left Brace 4">
+            <a:extLst>
+              <a:ext uri="{FF2B5EF4-FFF2-40B4-BE49-F238E27FC236}">
+                <a16:creationId xmlns:a16="http://schemas.microsoft.com/office/drawing/2014/main" id="{890A0BAA-2317-3D77-5800-B322AC6CED34}"/>
+              </a:ext>
+              <a:ext uri="{C183D7F6-B498-43B3-948B-1728B52AA6E4}">
+                <adec:decorative xmlns:adec="http://schemas.microsoft.com/office/drawing/2017/decorative" val="1"/>
+              </a:ext>
+            </a:extLst>
+          </p:cNvPr>
+          <p:cNvSpPr/>
+          <p:nvPr/>
+        </p:nvSpPr>
+        <p:spPr>
+          <a:xfrm rot="16200000">
+            <a:off x="7954946" y="3179915"/>
+            <a:ext cx="288772" cy="1111063"/>
+          </a:xfrm>
+          <a:prstGeom prst="leftBrace">
+            <a:avLst/>
+          </a:prstGeom>
+        </p:spPr>
+        <p:style>
+          <a:lnRef idx="1">
+            <a:schemeClr val="accent1"/>
+          </a:lnRef>
+          <a:fillRef idx="0">
+            <a:schemeClr val="accent1"/>
+          </a:fillRef>
+          <a:effectRef idx="0">
+            <a:schemeClr val="accent1"/>
+          </a:effectRef>
+          <a:fontRef idx="minor">
+            <a:schemeClr val="tx1"/>
+          </a:fontRef>
+        </p:style>
+        <p:txBody>
+          <a:bodyPr rtlCol="0" anchor="ctr"/>
+          <a:lstStyle/>
+          <a:p>
+            <a:pPr algn="ctr"/>
+            <a:endParaRPr lang="en-US"/>
+          </a:p>
+        </p:txBody>
+      </p:sp>
+      <p:sp>
+        <p:nvSpPr>
+          <p:cNvPr id="7" name="TextBox 6">
+            <a:extLst>
+              <a:ext uri="{FF2B5EF4-FFF2-40B4-BE49-F238E27FC236}">
+                <a16:creationId xmlns:a16="http://schemas.microsoft.com/office/drawing/2014/main" id="{D37A21B7-E7DC-07F5-EF0D-F84D984C558F}"/>
+              </a:ext>
+            </a:extLst>
+          </p:cNvPr>
+          <p:cNvSpPr txBox="1"/>
+          <p:nvPr/>
+        </p:nvSpPr>
+        <p:spPr>
+          <a:xfrm>
+            <a:off x="7169796" y="3848290"/>
+            <a:ext cx="1696278" cy="954107"/>
+          </a:xfrm>
+          <a:prstGeom prst="rect">
+            <a:avLst/>
+          </a:prstGeom>
+          <a:noFill/>
+        </p:spPr>
+        <p:txBody>
+          <a:bodyPr wrap="square" rtlCol="0">
+            <a:spAutoFit/>
+          </a:bodyPr>
+          <a:lstStyle/>
+          <a:p>
+            <a:pPr algn="ctr"/>
+            <a:r>
+              <a:rPr lang="en-US" sz="1400" dirty="0"/>
+              <a:t>Implements rational behavior: Utility is the expected future discounted reward</a:t>
+            </a:r>
+          </a:p>
+        </p:txBody>
+      </p:sp>
+      <p:sp>
+        <p:nvSpPr>
+          <p:cNvPr id="8" name="TextBox 7">
+            <a:extLst>
+              <a:ext uri="{FF2B5EF4-FFF2-40B4-BE49-F238E27FC236}">
+                <a16:creationId xmlns:a16="http://schemas.microsoft.com/office/drawing/2014/main" id="{590C1277-14FF-4879-6A2E-E3A16C07A263}"/>
+              </a:ext>
+            </a:extLst>
+          </p:cNvPr>
+          <p:cNvSpPr txBox="1"/>
+          <p:nvPr/>
+        </p:nvSpPr>
+        <p:spPr>
+          <a:xfrm>
+            <a:off x="5639514" y="4913500"/>
+            <a:ext cx="3353997" cy="646331"/>
+          </a:xfrm>
+          <a:prstGeom prst="rect">
+            <a:avLst/>
+          </a:prstGeom>
+          <a:noFill/>
+        </p:spPr>
+        <p:txBody>
+          <a:bodyPr wrap="square" rtlCol="0">
+            <a:spAutoFit/>
+          </a:bodyPr>
+          <a:lstStyle/>
+          <a:p>
+            <a:pPr algn="ctr"/>
+            <a:r>
+              <a:rPr lang="en-US" b="1" dirty="0"/>
+              <a:t>Techniques</a:t>
+            </a:r>
+            <a:r>
+              <a:rPr lang="en-US" dirty="0"/>
+              <a:t>: Markov decision processes, reinforcement learning</a:t>
+            </a:r>
+          </a:p>
+        </p:txBody>
+      </p:sp>
+      <p:sp>
+        <p:nvSpPr>
+          <p:cNvPr id="10" name="Left Brace 9">
+            <a:extLst>
+              <a:ext uri="{FF2B5EF4-FFF2-40B4-BE49-F238E27FC236}">
+                <a16:creationId xmlns:a16="http://schemas.microsoft.com/office/drawing/2014/main" id="{42D56FA4-703F-9468-26AE-D2AE0657BB5A}"/>
+              </a:ext>
+              <a:ext uri="{C183D7F6-B498-43B3-948B-1728B52AA6E4}">
+                <adec:decorative xmlns:adec="http://schemas.microsoft.com/office/drawing/2017/decorative" val="1"/>
+              </a:ext>
+            </a:extLst>
+          </p:cNvPr>
+          <p:cNvSpPr/>
+          <p:nvPr/>
+        </p:nvSpPr>
+        <p:spPr>
+          <a:xfrm rot="16200000">
+            <a:off x="4866615" y="4698779"/>
+            <a:ext cx="96571" cy="2971801"/>
+          </a:xfrm>
+          <a:prstGeom prst="leftBrace">
+            <a:avLst/>
+          </a:prstGeom>
+        </p:spPr>
+        <p:style>
+          <a:lnRef idx="1">
+            <a:schemeClr val="accent1"/>
+          </a:lnRef>
+          <a:fillRef idx="0">
+            <a:schemeClr val="accent1"/>
+          </a:fillRef>
+          <a:effectRef idx="0">
+            <a:schemeClr val="accent1"/>
+          </a:effectRef>
+          <a:fontRef idx="minor">
+            <a:schemeClr val="tx1"/>
+          </a:fontRef>
+        </p:style>
+        <p:txBody>
+          <a:bodyPr rtlCol="0" anchor="ctr"/>
+          <a:lstStyle/>
+          <a:p>
+            <a:pPr algn="ctr"/>
+            <a:endParaRPr lang="en-US"/>
+          </a:p>
+        </p:txBody>
+      </p:sp>
+      <p:sp>
+        <p:nvSpPr>
+          <p:cNvPr id="11" name="TextBox 10">
+            <a:extLst>
+              <a:ext uri="{FF2B5EF4-FFF2-40B4-BE49-F238E27FC236}">
+                <a16:creationId xmlns:a16="http://schemas.microsoft.com/office/drawing/2014/main" id="{32899228-E8A9-FC7D-842A-375C67A36518}"/>
+              </a:ext>
+              <a:ext uri="{C183D7F6-B498-43B3-948B-1728B52AA6E4}">
+                <adec:decorative xmlns:adec="http://schemas.microsoft.com/office/drawing/2017/decorative" val="1"/>
+              </a:ext>
+            </a:extLst>
+          </p:cNvPr>
+          <p:cNvSpPr txBox="1"/>
+          <p:nvPr/>
+        </p:nvSpPr>
+        <p:spPr>
+          <a:xfrm>
+            <a:off x="4038600" y="6136394"/>
+            <a:ext cx="1932970" cy="307777"/>
+          </a:xfrm>
+          <a:prstGeom prst="rect">
+            <a:avLst/>
+          </a:prstGeom>
+          <a:noFill/>
+        </p:spPr>
+        <p:txBody>
+          <a:bodyPr wrap="square" rtlCol="0">
+            <a:spAutoFit/>
+          </a:bodyPr>
+          <a:lstStyle/>
+          <a:p>
+            <a:pPr algn="ctr"/>
+            <a:r>
+              <a:rPr lang="en-US" sz="1400" dirty="0"/>
+              <a:t>reward</a:t>
+            </a:r>
+          </a:p>
+        </p:txBody>
+      </p:sp>
+      <mc:AlternateContent xmlns:mc="http://schemas.openxmlformats.org/markup-compatibility/2006" xmlns:a14="http://schemas.microsoft.com/office/drawing/2010/main">
+        <mc:Choice Requires="a14">
+          <p:sp>
+            <p:nvSpPr>
+              <p:cNvPr id="9" name="Rectangle 8">
+                <a:extLst>
+                  <a:ext uri="{FF2B5EF4-FFF2-40B4-BE49-F238E27FC236}">
+                    <a16:creationId xmlns:a16="http://schemas.microsoft.com/office/drawing/2014/main" id="{3C026A23-FBAD-4041-B131-AB5A1A014596}"/>
+                  </a:ext>
+                </a:extLst>
+              </p:cNvPr>
+              <p:cNvSpPr/>
+              <p:nvPr/>
+            </p:nvSpPr>
+            <p:spPr>
+              <a:xfrm>
+                <a:off x="457200" y="5817060"/>
+                <a:ext cx="8536311" cy="923330"/>
+              </a:xfrm>
+              <a:prstGeom prst="rect">
+                <a:avLst/>
+              </a:prstGeom>
+            </p:spPr>
+            <p:txBody>
+              <a:bodyPr wrap="none">
+                <a:spAutoFit/>
+              </a:bodyPr>
+              <a:lstStyle/>
+              <a:p>
+                <a:r>
+                  <a:rPr lang="en-US" dirty="0"/>
+                  <a:t>The interaction is a sequence:  </a:t>
+                </a:r>
+                <a14:m>
+                  <m:oMath xmlns:m="http://schemas.openxmlformats.org/officeDocument/2006/math">
+                    <m:sSub>
+                      <m:sSubPr>
+                        <m:ctrlPr>
+                          <a:rPr lang="en-US" i="1" smtClean="0">
+                            <a:latin typeface="Cambria Math" panose="02040503050406030204" pitchFamily="18" charset="0"/>
+                          </a:rPr>
+                        </m:ctrlPr>
+                      </m:sSubPr>
+                      <m:e>
+                        <m:sSub>
+                          <m:sSubPr>
+                            <m:ctrlPr>
+                              <a:rPr lang="en-US" b="0" i="1" smtClean="0">
+                                <a:latin typeface="Cambria Math" panose="02040503050406030204" pitchFamily="18" charset="0"/>
+                              </a:rPr>
+                            </m:ctrlPr>
+                          </m:sSubPr>
+                          <m:e>
+                            <m:r>
+                              <a:rPr lang="en-US" b="0" i="1" smtClean="0">
+                                <a:latin typeface="Cambria Math" panose="02040503050406030204" pitchFamily="18" charset="0"/>
+                              </a:rPr>
+                              <m:t>𝑝</m:t>
+                            </m:r>
+                          </m:e>
+                          <m:sub>
+                            <m:r>
+                              <a:rPr lang="en-US" b="0" i="1" smtClean="0">
+                                <a:latin typeface="Cambria Math" panose="02040503050406030204" pitchFamily="18" charset="0"/>
+                              </a:rPr>
+                              <m:t>0</m:t>
+                            </m:r>
+                          </m:sub>
+                        </m:sSub>
+                        <m:r>
+                          <a:rPr lang="en-US" b="0" i="1" smtClean="0">
+                            <a:latin typeface="Cambria Math" panose="02040503050406030204" pitchFamily="18" charset="0"/>
+                          </a:rPr>
+                          <m:t>, </m:t>
+                        </m:r>
+                        <m:r>
+                          <a:rPr lang="en-US" b="0" i="1" smtClean="0">
+                            <a:latin typeface="Cambria Math" panose="02040503050406030204" pitchFamily="18" charset="0"/>
+                          </a:rPr>
+                          <m:t>𝑠</m:t>
+                        </m:r>
+                      </m:e>
+                      <m:sub>
+                        <m:r>
+                          <a:rPr lang="en-US" b="0" i="1" smtClean="0">
+                            <a:latin typeface="Cambria Math" panose="02040503050406030204" pitchFamily="18" charset="0"/>
+                          </a:rPr>
+                          <m:t>0</m:t>
+                        </m:r>
+                      </m:sub>
+                    </m:sSub>
+                    <m:r>
+                      <a:rPr lang="en-US" b="0" i="1" smtClean="0">
+                        <a:latin typeface="Cambria Math" panose="02040503050406030204" pitchFamily="18" charset="0"/>
+                      </a:rPr>
+                      <m:t>,</m:t>
+                    </m:r>
+                    <m:sSub>
+                      <m:sSubPr>
+                        <m:ctrlPr>
+                          <a:rPr lang="en-US" i="1" smtClean="0">
+                            <a:latin typeface="Cambria Math" panose="02040503050406030204" pitchFamily="18" charset="0"/>
+                          </a:rPr>
+                        </m:ctrlPr>
+                      </m:sSubPr>
+                      <m:e>
+                        <m:r>
+                          <a:rPr lang="en-US" b="0" i="1" smtClean="0">
+                            <a:latin typeface="Cambria Math" panose="02040503050406030204" pitchFamily="18" charset="0"/>
+                          </a:rPr>
+                          <m:t>𝑎</m:t>
+                        </m:r>
+                      </m:e>
+                      <m:sub>
+                        <m:r>
+                          <a:rPr lang="en-US" b="0" i="1" smtClean="0">
+                            <a:latin typeface="Cambria Math" panose="02040503050406030204" pitchFamily="18" charset="0"/>
+                          </a:rPr>
+                          <m:t>0</m:t>
+                        </m:r>
+                      </m:sub>
+                    </m:sSub>
+                    <m:r>
+                      <a:rPr lang="en-US" b="0" i="1" smtClean="0">
+                        <a:latin typeface="Cambria Math" panose="02040503050406030204" pitchFamily="18" charset="0"/>
+                      </a:rPr>
+                      <m:t>,</m:t>
+                    </m:r>
+                    <m:sSub>
+                      <m:sSubPr>
+                        <m:ctrlPr>
+                          <a:rPr lang="en-US" b="0" i="1" smtClean="0">
+                            <a:latin typeface="Cambria Math" panose="02040503050406030204" pitchFamily="18" charset="0"/>
+                          </a:rPr>
+                        </m:ctrlPr>
+                      </m:sSubPr>
+                      <m:e>
+                        <m:r>
+                          <a:rPr lang="en-US" b="0" i="1" smtClean="0">
+                            <a:latin typeface="Cambria Math" panose="02040503050406030204" pitchFamily="18" charset="0"/>
+                          </a:rPr>
+                          <m:t>𝑝</m:t>
+                        </m:r>
+                      </m:e>
+                      <m:sub>
+                        <m:r>
+                          <a:rPr lang="en-US" b="0" i="1" smtClean="0">
+                            <a:latin typeface="Cambria Math" panose="02040503050406030204" pitchFamily="18" charset="0"/>
+                          </a:rPr>
+                          <m:t>1</m:t>
+                        </m:r>
+                      </m:sub>
+                    </m:sSub>
+                    <m:r>
+                      <a:rPr lang="en-US" b="0" i="1" smtClean="0">
+                        <a:latin typeface="Cambria Math" panose="02040503050406030204" pitchFamily="18" charset="0"/>
+                      </a:rPr>
+                      <m:t>,</m:t>
+                    </m:r>
+                    <m:sSub>
+                      <m:sSubPr>
+                        <m:ctrlPr>
+                          <a:rPr lang="en-US" i="1" smtClean="0">
+                            <a:latin typeface="Cambria Math" panose="02040503050406030204" pitchFamily="18" charset="0"/>
+                          </a:rPr>
+                        </m:ctrlPr>
+                      </m:sSubPr>
+                      <m:e>
+                        <m:r>
+                          <a:rPr lang="en-US" b="0" i="1" smtClean="0">
+                            <a:latin typeface="Cambria Math" panose="02040503050406030204" pitchFamily="18" charset="0"/>
+                          </a:rPr>
+                          <m:t>𝑠</m:t>
+                        </m:r>
+                      </m:e>
+                      <m:sub>
+                        <m:r>
+                          <a:rPr lang="en-US" b="0" i="1" smtClean="0">
+                            <a:latin typeface="Cambria Math" panose="02040503050406030204" pitchFamily="18" charset="0"/>
+                          </a:rPr>
+                          <m:t>1</m:t>
+                        </m:r>
+                      </m:sub>
+                    </m:sSub>
+                    <m:r>
+                      <a:rPr lang="en-US" b="0" i="1" smtClean="0">
+                        <a:latin typeface="Cambria Math" panose="02040503050406030204" pitchFamily="18" charset="0"/>
+                      </a:rPr>
+                      <m:t>,</m:t>
+                    </m:r>
+                    <m:sSub>
+                      <m:sSubPr>
+                        <m:ctrlPr>
+                          <a:rPr lang="en-US" i="1" smtClean="0">
+                            <a:latin typeface="Cambria Math" panose="02040503050406030204" pitchFamily="18" charset="0"/>
+                          </a:rPr>
+                        </m:ctrlPr>
+                      </m:sSubPr>
+                      <m:e>
+                        <m:r>
+                          <a:rPr lang="en-US" b="0" i="1" smtClean="0">
+                            <a:latin typeface="Cambria Math" panose="02040503050406030204" pitchFamily="18" charset="0"/>
+                          </a:rPr>
+                          <m:t>𝑎</m:t>
+                        </m:r>
+                      </m:e>
+                      <m:sub>
+                        <m:r>
+                          <a:rPr lang="en-US" b="0" i="1" smtClean="0">
+                            <a:latin typeface="Cambria Math" panose="02040503050406030204" pitchFamily="18" charset="0"/>
+                          </a:rPr>
+                          <m:t>1</m:t>
+                        </m:r>
+                      </m:sub>
+                    </m:sSub>
+                    <m:r>
+                      <a:rPr lang="en-US" b="0" i="1" smtClean="0">
+                        <a:latin typeface="Cambria Math" panose="02040503050406030204" pitchFamily="18" charset="0"/>
+                      </a:rPr>
+                      <m:t>.</m:t>
+                    </m:r>
+                    <m:sSub>
+                      <m:sSubPr>
+                        <m:ctrlPr>
+                          <a:rPr lang="en-US" b="0" i="1" smtClean="0">
+                            <a:latin typeface="Cambria Math" panose="02040503050406030204" pitchFamily="18" charset="0"/>
+                          </a:rPr>
+                        </m:ctrlPr>
+                      </m:sSubPr>
+                      <m:e>
+                        <m:r>
+                          <a:rPr lang="en-US" b="0" i="1" smtClean="0">
+                            <a:latin typeface="Cambria Math" panose="02040503050406030204" pitchFamily="18" charset="0"/>
+                          </a:rPr>
+                          <m:t>𝑝</m:t>
+                        </m:r>
+                      </m:e>
+                      <m:sub>
+                        <m:r>
+                          <a:rPr lang="en-US" b="0" i="1" smtClean="0">
+                            <a:latin typeface="Cambria Math" panose="02040503050406030204" pitchFamily="18" charset="0"/>
+                          </a:rPr>
+                          <m:t>2</m:t>
+                        </m:r>
+                      </m:sub>
+                    </m:sSub>
+                    <m:r>
+                      <a:rPr lang="en-US" b="0" i="1" smtClean="0">
+                        <a:latin typeface="Cambria Math" panose="02040503050406030204" pitchFamily="18" charset="0"/>
+                      </a:rPr>
+                      <m:t>,</m:t>
+                    </m:r>
+                    <m:sSub>
+                      <m:sSubPr>
+                        <m:ctrlPr>
+                          <a:rPr lang="en-US" i="1" smtClean="0">
+                            <a:latin typeface="Cambria Math" panose="02040503050406030204" pitchFamily="18" charset="0"/>
+                          </a:rPr>
+                        </m:ctrlPr>
+                      </m:sSubPr>
+                      <m:e>
+                        <m:r>
+                          <a:rPr lang="en-US" b="0" i="1" smtClean="0">
+                            <a:latin typeface="Cambria Math" panose="02040503050406030204" pitchFamily="18" charset="0"/>
+                          </a:rPr>
+                          <m:t>𝑠</m:t>
+                        </m:r>
+                      </m:e>
+                      <m:sub>
+                        <m:r>
+                          <a:rPr lang="en-US" b="0" i="1" smtClean="0">
+                            <a:latin typeface="Cambria Math" panose="02040503050406030204" pitchFamily="18" charset="0"/>
+                          </a:rPr>
+                          <m:t>2</m:t>
+                        </m:r>
+                      </m:sub>
+                    </m:sSub>
+                    <m:r>
+                      <a:rPr lang="en-US" b="0" i="1" smtClean="0">
+                        <a:latin typeface="Cambria Math" panose="02040503050406030204" pitchFamily="18" charset="0"/>
+                      </a:rPr>
+                      <m:t>,</m:t>
+                    </m:r>
+                    <m:sSub>
+                      <m:sSubPr>
+                        <m:ctrlPr>
+                          <a:rPr lang="en-US" i="1" smtClean="0">
+                            <a:latin typeface="Cambria Math" panose="02040503050406030204" pitchFamily="18" charset="0"/>
+                          </a:rPr>
+                        </m:ctrlPr>
+                      </m:sSubPr>
+                      <m:e>
+                        <m:r>
+                          <a:rPr lang="en-US" b="0" i="1" smtClean="0">
+                            <a:latin typeface="Cambria Math" panose="02040503050406030204" pitchFamily="18" charset="0"/>
+                          </a:rPr>
+                          <m:t>𝑎</m:t>
+                        </m:r>
+                      </m:e>
+                      <m:sub>
+                        <m:r>
+                          <a:rPr lang="en-US" b="0" i="1" smtClean="0">
+                            <a:latin typeface="Cambria Math" panose="02040503050406030204" pitchFamily="18" charset="0"/>
+                          </a:rPr>
+                          <m:t>2</m:t>
+                        </m:r>
+                      </m:sub>
+                    </m:sSub>
+                    <m:r>
+                      <a:rPr lang="en-US" b="0" i="1" smtClean="0">
+                        <a:latin typeface="Cambria Math" panose="02040503050406030204" pitchFamily="18" charset="0"/>
+                      </a:rPr>
+                      <m:t>,…</m:t>
+                    </m:r>
+                  </m:oMath>
+                </a14:m>
+                <a:endParaRPr lang="en-US" b="1" dirty="0"/>
+              </a:p>
+              <a:p>
+                <a:endParaRPr lang="en-US" b="1" dirty="0"/>
+              </a:p>
+              <a:p>
+                <a:r>
+                  <a:rPr lang="en-US" b="1" dirty="0"/>
+                  <a:t>Example</a:t>
+                </a:r>
+                <a:r>
+                  <a:rPr lang="en-US" dirty="0"/>
+                  <a:t>: An autonomous Mars rover prefers states where its battery is not critically low. </a:t>
+                </a:r>
+              </a:p>
+            </p:txBody>
+          </p:sp>
+        </mc:Choice>
+        <mc:Fallback xmlns="">
+          <p:sp>
+            <p:nvSpPr>
+              <p:cNvPr id="9" name="Rectangle 8">
+                <a:extLst>
+                  <a:ext uri="{FF2B5EF4-FFF2-40B4-BE49-F238E27FC236}">
+                    <a16:creationId xmlns:a16="http://schemas.microsoft.com/office/drawing/2014/main" id="{3C026A23-FBAD-4041-B131-AB5A1A014596}"/>
+                  </a:ext>
+                </a:extLst>
+              </p:cNvPr>
+              <p:cNvSpPr>
+                <a:spLocks noRot="1" noChangeAspect="1" noMove="1" noResize="1" noEditPoints="1" noAdjustHandles="1" noChangeArrowheads="1" noChangeShapeType="1" noTextEdit="1"/>
+              </p:cNvSpPr>
+              <p:nvPr/>
+            </p:nvSpPr>
+            <p:spPr>
+              <a:xfrm>
+                <a:off x="457200" y="5817060"/>
+                <a:ext cx="8536311" cy="923330"/>
+              </a:xfrm>
+              <a:prstGeom prst="rect">
+                <a:avLst/>
+              </a:prstGeom>
+              <a:blipFill>
+                <a:blip r:embed="rId6"/>
+                <a:stretch>
+                  <a:fillRect l="-571" t="-3289" b="-9211"/>
+                </a:stretch>
+              </a:blipFill>
+            </p:spPr>
+            <p:txBody>
+              <a:bodyPr/>
+              <a:lstStyle/>
+              <a:p>
+                <a:r>
+                  <a:rPr lang="en-US">
+                    <a:noFill/>
+                  </a:rPr>
+                  <a:t> </a:t>
+                </a:r>
+              </a:p>
+            </p:txBody>
+          </p:sp>
+        </mc:Fallback>
+      </mc:AlternateContent>
+    </p:spTree>
+  </p:cSld>
+  <p:clrMapOvr>
+    <a:masterClrMapping/>
+  </p:clrMapOvr>
+</p:sld>
+</file>
+
+<file path=ppt/slides/slide9.xml><?xml version="1.0" encoding="utf-8"?>
+<p:sld xmlns:a="http://schemas.openxmlformats.org/drawingml/2006/main" xmlns:r="http://schemas.openxmlformats.org/officeDocument/2006/relationships" xmlns:p="http://schemas.openxmlformats.org/presentationml/2006/main">
+  <p:cSld>
+    <p:spTree>
+      <p:nvGrpSpPr>
+        <p:cNvPr id="1" name=""/>
+        <p:cNvGrpSpPr/>
+        <p:nvPr/>
+      </p:nvGrpSpPr>
+      <p:grpSpPr>
+        <a:xfrm>
+          <a:off x="0" y="0"/>
+          <a:ext cx="0" cy="0"/>
+          <a:chOff x="0" y="0"/>
+          <a:chExt cx="0" cy="0"/>
+        </a:xfrm>
+      </p:grpSpPr>
+      <p:sp>
+        <p:nvSpPr>
+          <p:cNvPr id="17410" name="Rectangle 2"/>
+          <p:cNvSpPr>
+            <a:spLocks noGrp="1" noChangeArrowheads="1"/>
+          </p:cNvSpPr>
+          <p:nvPr>
+            <p:ph type="title"/>
+          </p:nvPr>
+        </p:nvSpPr>
+        <p:spPr/>
+        <p:txBody>
+          <a:bodyPr/>
+          <a:lstStyle/>
+          <a:p>
+            <a:r>
+              <a:rPr lang="en-US" dirty="0"/>
+              <a:t>Some Environment Types Revisited</a:t>
+            </a:r>
+          </a:p>
+        </p:txBody>
+      </p:sp>
+      <p:sp>
+        <p:nvSpPr>
+          <p:cNvPr id="7" name="TextBox 6">
+            <a:extLst>
+              <a:ext uri="{FF2B5EF4-FFF2-40B4-BE49-F238E27FC236}">
+                <a16:creationId xmlns:a16="http://schemas.microsoft.com/office/drawing/2014/main" id="{DEA7DB37-EDD5-07F3-AF05-F2C68E2B27D3}"/>
+              </a:ext>
+            </a:extLst>
+          </p:cNvPr>
+          <p:cNvSpPr txBox="1"/>
+          <p:nvPr/>
+        </p:nvSpPr>
+        <p:spPr>
+          <a:xfrm>
+            <a:off x="710803" y="1662370"/>
+            <a:ext cx="3124200" cy="523220"/>
+          </a:xfrm>
+          <a:prstGeom prst="rect">
+            <a:avLst/>
+          </a:prstGeom>
+          <a:noFill/>
+        </p:spPr>
+        <p:txBody>
+          <a:bodyPr wrap="square">
+            <a:spAutoFit/>
+          </a:bodyPr>
+          <a:lstStyle/>
+          <a:p>
+            <a:pPr marL="0" indent="0">
+              <a:buNone/>
+            </a:pPr>
+            <a:r>
+              <a:rPr lang="en-US" sz="1400" b="1" dirty="0">
+                <a:solidFill>
+                  <a:srgbClr val="FF0000"/>
+                </a:solidFill>
+              </a:rPr>
+              <a:t>Fully observable: </a:t>
+            </a:r>
+            <a:r>
+              <a:rPr lang="en-US" sz="1400" dirty="0"/>
+              <a:t>The agent’s sensors always show the whole </a:t>
+            </a:r>
+            <a:r>
+              <a:rPr lang="en-US" sz="1400" b="1" dirty="0"/>
+              <a:t>state</a:t>
+            </a:r>
+            <a:r>
+              <a:rPr lang="en-US" sz="1400" dirty="0"/>
+              <a:t>.</a:t>
+            </a:r>
+            <a:endParaRPr lang="en-US" sz="1400" b="1" dirty="0">
+              <a:solidFill>
+                <a:srgbClr val="FF0000"/>
+              </a:solidFill>
+            </a:endParaRPr>
+          </a:p>
+        </p:txBody>
+      </p:sp>
+      <p:sp>
+        <p:nvSpPr>
+          <p:cNvPr id="3" name="TextBox 2">
+            <a:extLst>
+              <a:ext uri="{FF2B5EF4-FFF2-40B4-BE49-F238E27FC236}">
+                <a16:creationId xmlns:a16="http://schemas.microsoft.com/office/drawing/2014/main" id="{EB4EE6AF-025E-E64D-E65C-8B1334B2C89F}"/>
+              </a:ext>
+            </a:extLst>
+          </p:cNvPr>
+          <p:cNvSpPr txBox="1"/>
+          <p:nvPr/>
+        </p:nvSpPr>
+        <p:spPr>
+          <a:xfrm>
+            <a:off x="3902869" y="1685808"/>
+            <a:ext cx="590550" cy="369332"/>
+          </a:xfrm>
+          <a:prstGeom prst="rect">
+            <a:avLst/>
+          </a:prstGeom>
+          <a:noFill/>
+        </p:spPr>
+        <p:txBody>
+          <a:bodyPr wrap="square" rtlCol="0">
+            <a:spAutoFit/>
+          </a:bodyPr>
+          <a:lstStyle/>
+          <a:p>
+            <a:r>
+              <a:rPr lang="en-US" b="1" dirty="0">
+                <a:solidFill>
+                  <a:srgbClr val="FF0000"/>
+                </a:solidFill>
+              </a:rPr>
+              <a:t>vs.</a:t>
+            </a:r>
+          </a:p>
+        </p:txBody>
+      </p:sp>
+      <p:sp>
+        <p:nvSpPr>
+          <p:cNvPr id="9" name="TextBox 8">
+            <a:extLst>
+              <a:ext uri="{FF2B5EF4-FFF2-40B4-BE49-F238E27FC236}">
+                <a16:creationId xmlns:a16="http://schemas.microsoft.com/office/drawing/2014/main" id="{DE87FCA1-B948-8AB0-0850-212AAF1F9022}"/>
+              </a:ext>
+            </a:extLst>
+          </p:cNvPr>
+          <p:cNvSpPr txBox="1"/>
+          <p:nvPr/>
+        </p:nvSpPr>
+        <p:spPr>
+          <a:xfrm>
+            <a:off x="4505325" y="1600200"/>
+            <a:ext cx="3495676" cy="738664"/>
+          </a:xfrm>
+          <a:prstGeom prst="rect">
+            <a:avLst/>
+          </a:prstGeom>
+          <a:noFill/>
+        </p:spPr>
+        <p:txBody>
+          <a:bodyPr wrap="square">
+            <a:spAutoFit/>
+          </a:bodyPr>
+          <a:lstStyle/>
+          <a:p>
+            <a:r>
+              <a:rPr lang="en-US" sz="1400" b="1" dirty="0">
+                <a:solidFill>
+                  <a:srgbClr val="FF0000"/>
+                </a:solidFill>
+              </a:rPr>
+              <a:t>Partially observable: </a:t>
+            </a:r>
+            <a:r>
+              <a:rPr lang="en-US" sz="1400" dirty="0"/>
+              <a:t>The agent only perceives part of the </a:t>
+            </a:r>
+            <a:r>
+              <a:rPr lang="en-US" sz="1400" b="1" dirty="0"/>
+              <a:t>state</a:t>
+            </a:r>
+            <a:r>
+              <a:rPr lang="en-US" sz="1400" dirty="0"/>
+              <a:t> and needs to remember or infer the rest.</a:t>
+            </a:r>
+          </a:p>
+        </p:txBody>
+      </p:sp>
+      <p:sp>
+        <p:nvSpPr>
+          <p:cNvPr id="11" name="TextBox 10">
+            <a:extLst>
+              <a:ext uri="{FF2B5EF4-FFF2-40B4-BE49-F238E27FC236}">
+                <a16:creationId xmlns:a16="http://schemas.microsoft.com/office/drawing/2014/main" id="{C88C0C5A-BE06-2C42-743D-46DB9EA4EBB2}"/>
+              </a:ext>
+            </a:extLst>
+          </p:cNvPr>
+          <p:cNvSpPr txBox="1"/>
+          <p:nvPr/>
+        </p:nvSpPr>
+        <p:spPr>
+          <a:xfrm>
+            <a:off x="710803" y="2959323"/>
+            <a:ext cx="3352800" cy="1384995"/>
+          </a:xfrm>
+          <a:prstGeom prst="rect">
+            <a:avLst/>
+          </a:prstGeom>
+          <a:noFill/>
+        </p:spPr>
+        <p:txBody>
+          <a:bodyPr wrap="square">
+            <a:spAutoFit/>
+          </a:bodyPr>
+          <a:lstStyle/>
+          <a:p>
+            <a:pPr marL="0" indent="0">
+              <a:buNone/>
+            </a:pPr>
+            <a:r>
+              <a:rPr lang="en-US" sz="1400" b="1" dirty="0">
+                <a:solidFill>
+                  <a:srgbClr val="FF0000"/>
+                </a:solidFill>
+              </a:rPr>
+              <a:t>Deterministic: </a:t>
+            </a:r>
+          </a:p>
+          <a:p>
+            <a:pPr marL="342900" indent="-342900">
+              <a:buFont typeface="+mj-lt"/>
+              <a:buAutoNum type="alphaLcParenR"/>
+            </a:pPr>
+            <a:r>
+              <a:rPr lang="en-US" sz="1400" b="1" dirty="0"/>
+              <a:t>Percepts</a:t>
+            </a:r>
+            <a:r>
+              <a:rPr lang="en-US" sz="1400" dirty="0"/>
+              <a:t> are 100% reliable.</a:t>
+            </a:r>
+          </a:p>
+          <a:p>
+            <a:pPr marL="342900" indent="-342900">
+              <a:buFont typeface="+mj-lt"/>
+              <a:buAutoNum type="alphaLcParenR"/>
+            </a:pPr>
+            <a:r>
+              <a:rPr lang="en-US" sz="1400" dirty="0"/>
+              <a:t>Changes in the environment are completely determined by the current </a:t>
+            </a:r>
+            <a:r>
+              <a:rPr lang="en-US" sz="1400" b="1" dirty="0"/>
+              <a:t>state</a:t>
+            </a:r>
+            <a:r>
+              <a:rPr lang="en-US" sz="1400" dirty="0"/>
+              <a:t> of the environment and the agent’s </a:t>
+            </a:r>
+            <a:r>
+              <a:rPr lang="en-US" sz="1400" b="1" dirty="0"/>
+              <a:t>action</a:t>
+            </a:r>
+            <a:r>
+              <a:rPr lang="en-US" sz="1400" dirty="0"/>
+              <a:t>.</a:t>
+            </a:r>
+          </a:p>
+        </p:txBody>
+      </p:sp>
+      <p:sp>
+        <p:nvSpPr>
+          <p:cNvPr id="4" name="TextBox 3">
+            <a:extLst>
+              <a:ext uri="{FF2B5EF4-FFF2-40B4-BE49-F238E27FC236}">
+                <a16:creationId xmlns:a16="http://schemas.microsoft.com/office/drawing/2014/main" id="{C69EF461-CAB3-3D4F-A7B4-1317532ABE44}"/>
+              </a:ext>
+            </a:extLst>
+          </p:cNvPr>
+          <p:cNvSpPr txBox="1"/>
+          <p:nvPr/>
+        </p:nvSpPr>
+        <p:spPr>
+          <a:xfrm>
+            <a:off x="3902869" y="3310338"/>
+            <a:ext cx="590550" cy="369332"/>
+          </a:xfrm>
+          <a:prstGeom prst="rect">
+            <a:avLst/>
+          </a:prstGeom>
+          <a:noFill/>
+        </p:spPr>
+        <p:txBody>
+          <a:bodyPr wrap="square" rtlCol="0">
+            <a:spAutoFit/>
+          </a:bodyPr>
+          <a:lstStyle/>
+          <a:p>
+            <a:r>
+              <a:rPr lang="en-US" b="1" dirty="0">
+                <a:solidFill>
+                  <a:srgbClr val="FF0000"/>
+                </a:solidFill>
+              </a:rPr>
+              <a:t>vs.</a:t>
+            </a:r>
+          </a:p>
+        </p:txBody>
+      </p:sp>
+      <p:sp>
+        <p:nvSpPr>
+          <p:cNvPr id="13" name="TextBox 12">
+            <a:extLst>
+              <a:ext uri="{FF2B5EF4-FFF2-40B4-BE49-F238E27FC236}">
+                <a16:creationId xmlns:a16="http://schemas.microsoft.com/office/drawing/2014/main" id="{40D4564F-4CA9-E994-AEFA-685152CE3843}"/>
+              </a:ext>
+            </a:extLst>
+          </p:cNvPr>
+          <p:cNvSpPr txBox="1"/>
+          <p:nvPr/>
+        </p:nvSpPr>
+        <p:spPr>
+          <a:xfrm>
+            <a:off x="4544615" y="2946481"/>
+            <a:ext cx="3807619" cy="1815882"/>
+          </a:xfrm>
+          <a:prstGeom prst="rect">
+            <a:avLst/>
+          </a:prstGeom>
+          <a:noFill/>
+        </p:spPr>
+        <p:txBody>
+          <a:bodyPr wrap="square">
+            <a:spAutoFit/>
+          </a:bodyPr>
+          <a:lstStyle/>
+          <a:p>
+            <a:pPr marL="0" indent="0">
+              <a:buNone/>
+            </a:pPr>
+            <a:r>
+              <a:rPr lang="en-US" sz="1400" b="1" dirty="0">
+                <a:solidFill>
+                  <a:srgbClr val="FF0000"/>
+                </a:solidFill>
+              </a:rPr>
+              <a:t>Stochastic: </a:t>
+            </a:r>
+          </a:p>
+          <a:p>
+            <a:pPr marL="342900" indent="-342900">
+              <a:buFont typeface="+mj-lt"/>
+              <a:buAutoNum type="alphaLcParenR"/>
+            </a:pPr>
+            <a:r>
+              <a:rPr lang="en-US" sz="1400" b="1" dirty="0"/>
+              <a:t>Percepts</a:t>
+            </a:r>
+            <a:r>
+              <a:rPr lang="en-US" sz="1400" dirty="0"/>
+              <a:t> are unreliable (noise distribution, sensor failure probability, etc.). This is called a stochastic sensor model.</a:t>
+            </a:r>
+            <a:endParaRPr lang="en-US" dirty="0"/>
+          </a:p>
+          <a:p>
+            <a:pPr marL="342900" indent="-342900">
+              <a:buFont typeface="+mj-lt"/>
+              <a:buAutoNum type="alphaLcParenR"/>
+            </a:pPr>
+            <a:r>
+              <a:rPr lang="en-US" sz="1400" dirty="0"/>
+              <a:t>The </a:t>
+            </a:r>
+            <a:r>
+              <a:rPr lang="en-US" sz="1400" b="1" dirty="0"/>
+              <a:t>transition function </a:t>
+            </a:r>
+            <a:r>
+              <a:rPr lang="en-US" sz="1400" dirty="0"/>
+              <a:t>is stochastic leading to transition probabilities and a Markov process.</a:t>
+            </a:r>
+            <a:br>
+              <a:rPr lang="en-US" sz="1400" dirty="0"/>
+            </a:br>
+            <a:endParaRPr lang="en-US" sz="1400" dirty="0"/>
+          </a:p>
+        </p:txBody>
+      </p:sp>
+      <p:sp>
+        <p:nvSpPr>
+          <p:cNvPr id="15" name="TextBox 14">
+            <a:extLst>
+              <a:ext uri="{FF2B5EF4-FFF2-40B4-BE49-F238E27FC236}">
+                <a16:creationId xmlns:a16="http://schemas.microsoft.com/office/drawing/2014/main" id="{7DA81E99-A152-2A54-2420-D8BB4FF0A789}"/>
+              </a:ext>
+            </a:extLst>
+          </p:cNvPr>
+          <p:cNvSpPr txBox="1"/>
+          <p:nvPr/>
+        </p:nvSpPr>
+        <p:spPr>
+          <a:xfrm>
+            <a:off x="710803" y="4934868"/>
+            <a:ext cx="3192066" cy="523220"/>
+          </a:xfrm>
+          <a:prstGeom prst="rect">
+            <a:avLst/>
+          </a:prstGeom>
+          <a:noFill/>
+        </p:spPr>
+        <p:txBody>
+          <a:bodyPr wrap="square">
+            <a:spAutoFit/>
+          </a:bodyPr>
+          <a:lstStyle/>
+          <a:p>
+            <a:pPr marL="0" indent="0">
+              <a:buNone/>
+            </a:pPr>
+            <a:r>
+              <a:rPr lang="en-US" sz="1400" b="1" dirty="0">
+                <a:solidFill>
+                  <a:srgbClr val="FF0000"/>
+                </a:solidFill>
+              </a:rPr>
+              <a:t>Known:</a:t>
+            </a:r>
+            <a:r>
+              <a:rPr lang="en-US" sz="1400" dirty="0"/>
+              <a:t> The agent knows the </a:t>
+            </a:r>
+            <a:r>
+              <a:rPr lang="en-US" sz="1400" b="1" dirty="0"/>
+              <a:t>transition function</a:t>
+            </a:r>
+            <a:r>
+              <a:rPr lang="en-US" sz="1400" dirty="0"/>
+              <a:t>. </a:t>
+            </a:r>
+            <a:endParaRPr lang="en-US" sz="1400" b="1" dirty="0">
+              <a:solidFill>
+                <a:srgbClr val="FF0000"/>
+              </a:solidFill>
+            </a:endParaRPr>
+          </a:p>
+        </p:txBody>
+      </p:sp>
+      <p:sp>
+        <p:nvSpPr>
+          <p:cNvPr id="5" name="TextBox 4">
+            <a:extLst>
+              <a:ext uri="{FF2B5EF4-FFF2-40B4-BE49-F238E27FC236}">
+                <a16:creationId xmlns:a16="http://schemas.microsoft.com/office/drawing/2014/main" id="{F9F72446-10E7-A83B-5077-42BE18846B52}"/>
+              </a:ext>
+            </a:extLst>
+          </p:cNvPr>
+          <p:cNvSpPr txBox="1"/>
+          <p:nvPr/>
+        </p:nvSpPr>
+        <p:spPr>
+          <a:xfrm>
+            <a:off x="3954065" y="4972356"/>
+            <a:ext cx="590550" cy="369332"/>
+          </a:xfrm>
+          <a:prstGeom prst="rect">
+            <a:avLst/>
+          </a:prstGeom>
+          <a:noFill/>
+        </p:spPr>
+        <p:txBody>
+          <a:bodyPr wrap="square" rtlCol="0">
+            <a:spAutoFit/>
+          </a:bodyPr>
+          <a:lstStyle/>
+          <a:p>
+            <a:r>
+              <a:rPr lang="en-US" b="1" dirty="0">
+                <a:solidFill>
+                  <a:srgbClr val="FF0000"/>
+                </a:solidFill>
+              </a:rPr>
+              <a:t>vs.</a:t>
+            </a:r>
+          </a:p>
+        </p:txBody>
+      </p:sp>
+      <p:sp>
+        <p:nvSpPr>
+          <p:cNvPr id="17" name="TextBox 16">
+            <a:extLst>
+              <a:ext uri="{FF2B5EF4-FFF2-40B4-BE49-F238E27FC236}">
+                <a16:creationId xmlns:a16="http://schemas.microsoft.com/office/drawing/2014/main" id="{31D0578C-E990-7296-FE42-1FD1F0823F03}"/>
+              </a:ext>
+            </a:extLst>
+          </p:cNvPr>
+          <p:cNvSpPr txBox="1"/>
+          <p:nvPr/>
+        </p:nvSpPr>
+        <p:spPr>
+          <a:xfrm>
+            <a:off x="4505325" y="4888450"/>
+            <a:ext cx="3807618" cy="523220"/>
+          </a:xfrm>
+          <a:prstGeom prst="rect">
+            <a:avLst/>
+          </a:prstGeom>
+          <a:noFill/>
+        </p:spPr>
+        <p:txBody>
+          <a:bodyPr wrap="square">
+            <a:spAutoFit/>
+          </a:bodyPr>
+          <a:lstStyle/>
+          <a:p>
+            <a:pPr marL="0" indent="0">
+              <a:buNone/>
+            </a:pPr>
+            <a:r>
+              <a:rPr lang="en-US" sz="1400" b="1" dirty="0">
+                <a:solidFill>
+                  <a:srgbClr val="FF0000"/>
+                </a:solidFill>
+              </a:rPr>
+              <a:t>Unknown: </a:t>
+            </a:r>
+            <a:r>
+              <a:rPr lang="en-US" sz="1400" dirty="0"/>
+              <a:t>The needs to </a:t>
+            </a:r>
+            <a:r>
+              <a:rPr lang="en-US" sz="1400" b="1" dirty="0"/>
+              <a:t>learn the transition function</a:t>
+            </a:r>
+            <a:r>
+              <a:rPr lang="en-US" sz="1400" dirty="0"/>
+              <a:t> by trying actions. </a:t>
+            </a:r>
+            <a:endParaRPr lang="en-US" sz="1400" b="1" dirty="0">
+              <a:solidFill>
+                <a:srgbClr val="FF0000"/>
+              </a:solidFill>
+            </a:endParaRPr>
+          </a:p>
+        </p:txBody>
+      </p:sp>
+      <p:sp>
+        <p:nvSpPr>
+          <p:cNvPr id="6" name="TextBox 5">
+            <a:extLst>
+              <a:ext uri="{FF2B5EF4-FFF2-40B4-BE49-F238E27FC236}">
+                <a16:creationId xmlns:a16="http://schemas.microsoft.com/office/drawing/2014/main" id="{0A6E7F0A-B3BC-72C3-B909-8C0DA961A16C}"/>
+              </a:ext>
+            </a:extLst>
+          </p:cNvPr>
+          <p:cNvSpPr txBox="1"/>
+          <p:nvPr/>
+        </p:nvSpPr>
+        <p:spPr>
+          <a:xfrm>
+            <a:off x="710803" y="5906090"/>
+            <a:ext cx="7696200" cy="646331"/>
+          </a:xfrm>
+          <a:prstGeom prst="rect">
+            <a:avLst/>
+          </a:prstGeom>
+        </p:spPr>
+        <p:style>
+          <a:lnRef idx="3">
+            <a:schemeClr val="lt1"/>
+          </a:lnRef>
+          <a:fillRef idx="1">
+            <a:schemeClr val="accent6"/>
+          </a:fillRef>
+          <a:effectRef idx="1">
+            <a:schemeClr val="accent6"/>
+          </a:effectRef>
+          <a:fontRef idx="minor">
+            <a:schemeClr val="lt1"/>
+          </a:fontRef>
+        </p:style>
+        <p:txBody>
+          <a:bodyPr wrap="square" rtlCol="0">
+            <a:spAutoFit/>
+          </a:bodyPr>
+          <a:lstStyle/>
+          <a:p>
+            <a:pPr algn="ctr"/>
+            <a:r>
+              <a:rPr lang="en-US" dirty="0"/>
+              <a:t>We will spend the whole course on discussing algorithms that can deal with environments that have different combinations of these three properties.</a:t>
+            </a:r>
+          </a:p>
+        </p:txBody>
+      </p:sp>
+    </p:spTree>
+    <p:extLst>
+      <p:ext uri="{BB962C8B-B14F-4D97-AF65-F5344CB8AC3E}">
+        <p14:creationId xmlns:p14="http://schemas.microsoft.com/office/powerpoint/2010/main" val="1285672470"/>
+      </p:ext>
+    </p:extLst>
+  </p:cSld>
+  <p:clrMapOvr>
+    <a:masterClrMapping/>
+  </p:clrMapOvr>
+  <p:timing>
+    <p:tnLst>
+      <p:par>
+        <p:cTn id="1" dur="indefinite" restart="never" nodeType="tmRoot">
+          <p:childTnLst>
+            <p:seq concurrent="1" nextAc="seek">
+              <p:cTn id="2" dur="indefinite" nodeType="mainSeq">
+                <p:childTnLst>
+                  <p:par>
+                    <p:cTn id="3" fill="hold">
+                      <p:stCondLst>
+                        <p:cond delay="indefinite"/>
+                      </p:stCondLst>
+                      <p:childTnLst>
+                        <p:par>
+                          <p:cTn id="4" fill="hold">
+                            <p:stCondLst>
+                              <p:cond delay="0"/>
+                            </p:stCondLst>
+                            <p:childTnLst>
+                              <p:par>
+                                <p:cTn id="5" presetID="1" presetClass="entr" presetSubtype="0" fill="hold" grpId="0" nodeType="clickEffect">
+                                  <p:stCondLst>
+                                    <p:cond delay="0"/>
+                                  </p:stCondLst>
+                                  <p:childTnLst>
+                                    <p:set>
+                                      <p:cBhvr>
+                                        <p:cTn id="6" dur="1" fill="hold">
+                                          <p:stCondLst>
+                                            <p:cond delay="0"/>
+                                          </p:stCondLst>
+                                        </p:cTn>
+                                        <p:tgtEl>
+                                          <p:spTgt spid="3"/>
+                                        </p:tgtEl>
+                                        <p:attrNameLst>
+                                          <p:attrName>style.visibility</p:attrName>
+                                        </p:attrNameLst>
+                                      </p:cBhvr>
+                                      <p:to>
+                                        <p:strVal val="visible"/>
+                                      </p:to>
+                                    </p:set>
+                                  </p:childTnLst>
+                                </p:cTn>
+                              </p:par>
+                              <p:par>
+                                <p:cTn id="7" presetID="1" presetClass="entr" presetSubtype="0" fill="hold" grpId="0" nodeType="withEffect">
+                                  <p:stCondLst>
+                                    <p:cond delay="0"/>
+                                  </p:stCondLst>
+                                  <p:childTnLst>
+                                    <p:set>
+                                      <p:cBhvr>
+                                        <p:cTn id="8" dur="1" fill="hold">
+                                          <p:stCondLst>
+                                            <p:cond delay="0"/>
+                                          </p:stCondLst>
+                                        </p:cTn>
+                                        <p:tgtEl>
+                                          <p:spTgt spid="7"/>
+                                        </p:tgtEl>
+                                        <p:attrNameLst>
+                                          <p:attrName>style.visibility</p:attrName>
+                                        </p:attrNameLst>
+                                      </p:cBhvr>
+                                      <p:to>
+                                        <p:strVal val="visible"/>
+                                      </p:to>
+                                    </p:set>
+                                  </p:childTnLst>
+                                </p:cTn>
+                              </p:par>
+                              <p:par>
+                                <p:cTn id="9" presetID="1" presetClass="entr" presetSubtype="0" fill="hold" grpId="0" nodeType="withEffect">
+                                  <p:stCondLst>
+                                    <p:cond delay="0"/>
+                                  </p:stCondLst>
+                                  <p:childTnLst>
+                                    <p:set>
+                                      <p:cBhvr>
+                                        <p:cTn id="10" dur="1" fill="hold">
+                                          <p:stCondLst>
+                                            <p:cond delay="0"/>
+                                          </p:stCondLst>
+                                        </p:cTn>
+                                        <p:tgtEl>
+                                          <p:spTgt spid="9"/>
+                                        </p:tgtEl>
+                                        <p:attrNameLst>
+                                          <p:attrName>style.visibility</p:attrName>
+                                        </p:attrNameLst>
+                                      </p:cBhvr>
+                                      <p:to>
+                                        <p:strVal val="visible"/>
+                                      </p:to>
+                                    </p:set>
+                                  </p:childTnLst>
+                                </p:cTn>
+                              </p:par>
+                            </p:childTnLst>
+                          </p:cTn>
+                        </p:par>
+                      </p:childTnLst>
+                    </p:cTn>
+                  </p:par>
+                  <p:par>
+                    <p:cTn id="11" fill="hold">
+                      <p:stCondLst>
+                        <p:cond delay="indefinite"/>
+                      </p:stCondLst>
+                      <p:childTnLst>
+                        <p:par>
+                          <p:cTn id="12" fill="hold">
+                            <p:stCondLst>
+                              <p:cond delay="0"/>
+                            </p:stCondLst>
+                            <p:childTnLst>
+                              <p:par>
+                                <p:cTn id="13" presetID="1" presetClass="entr" presetSubtype="0" fill="hold" grpId="0" nodeType="clickEffect">
+                                  <p:stCondLst>
+                                    <p:cond delay="0"/>
+                                  </p:stCondLst>
+                                  <p:childTnLst>
+                                    <p:set>
+                                      <p:cBhvr>
+                                        <p:cTn id="14" dur="1" fill="hold">
+                                          <p:stCondLst>
+                                            <p:cond delay="0"/>
+                                          </p:stCondLst>
+                                        </p:cTn>
+                                        <p:tgtEl>
+                                          <p:spTgt spid="4"/>
+                                        </p:tgtEl>
+                                        <p:attrNameLst>
+                                          <p:attrName>style.visibility</p:attrName>
+                                        </p:attrNameLst>
+                                      </p:cBhvr>
+                                      <p:to>
+                                        <p:strVal val="visible"/>
+                                      </p:to>
+                                    </p:set>
+                                  </p:childTnLst>
+                                </p:cTn>
+                              </p:par>
+                              <p:par>
+                                <p:cTn id="15" presetID="1" presetClass="entr" presetSubtype="0" fill="hold" grpId="0" nodeType="withEffect">
+                                  <p:stCondLst>
+                                    <p:cond delay="0"/>
+                                  </p:stCondLst>
+                                  <p:childTnLst>
+                                    <p:set>
+                                      <p:cBhvr>
+                                        <p:cTn id="16" dur="1" fill="hold">
+                                          <p:stCondLst>
+                                            <p:cond delay="0"/>
+                                          </p:stCondLst>
+                                        </p:cTn>
+                                        <p:tgtEl>
+                                          <p:spTgt spid="11"/>
+                                        </p:tgtEl>
+                                        <p:attrNameLst>
+                                          <p:attrName>style.visibility</p:attrName>
+                                        </p:attrNameLst>
+                                      </p:cBhvr>
+                                      <p:to>
+                                        <p:strVal val="visible"/>
+                                      </p:to>
+                                    </p:set>
+                                  </p:childTnLst>
+                                </p:cTn>
+                              </p:par>
+                              <p:par>
+                                <p:cTn id="17" presetID="1" presetClass="entr" presetSubtype="0" fill="hold" grpId="0" nodeType="withEffect">
+                                  <p:stCondLst>
+                                    <p:cond delay="0"/>
+                                  </p:stCondLst>
+                                  <p:childTnLst>
+                                    <p:set>
+                                      <p:cBhvr>
+                                        <p:cTn id="18" dur="1" fill="hold">
+                                          <p:stCondLst>
+                                            <p:cond delay="0"/>
+                                          </p:stCondLst>
+                                        </p:cTn>
+                                        <p:tgtEl>
+                                          <p:spTgt spid="13"/>
+                                        </p:tgtEl>
+                                        <p:attrNameLst>
+                                          <p:attrName>style.visibility</p:attrName>
+                                        </p:attrNameLst>
+                                      </p:cBhvr>
+                                      <p:to>
+                                        <p:strVal val="visible"/>
+                                      </p:to>
+                                    </p:set>
+                                  </p:childTnLst>
+                                </p:cTn>
+                              </p:par>
+                            </p:childTnLst>
+                          </p:cTn>
+                        </p:par>
+                      </p:childTnLst>
+                    </p:cTn>
+                  </p:par>
+                  <p:par>
+                    <p:cTn id="19" fill="hold">
+                      <p:stCondLst>
+                        <p:cond delay="indefinite"/>
+                      </p:stCondLst>
+                      <p:childTnLst>
+                        <p:par>
+                          <p:cTn id="20" fill="hold">
+                            <p:stCondLst>
+                              <p:cond delay="0"/>
+                            </p:stCondLst>
+                            <p:childTnLst>
+                              <p:par>
+                                <p:cTn id="21" presetID="1" presetClass="entr" presetSubtype="0" fill="hold" grpId="0" nodeType="clickEffect">
+                                  <p:stCondLst>
+                                    <p:cond delay="0"/>
+                                  </p:stCondLst>
+                                  <p:childTnLst>
+                                    <p:set>
+                                      <p:cBhvr>
+                                        <p:cTn id="22" dur="1" fill="hold">
+                                          <p:stCondLst>
+                                            <p:cond delay="0"/>
+                                          </p:stCondLst>
+                                        </p:cTn>
+                                        <p:tgtEl>
+                                          <p:spTgt spid="5"/>
+                                        </p:tgtEl>
+                                        <p:attrNameLst>
+                                          <p:attrName>style.visibility</p:attrName>
+                                        </p:attrNameLst>
+                                      </p:cBhvr>
+                                      <p:to>
+                                        <p:strVal val="visible"/>
+                                      </p:to>
+                                    </p:set>
+                                  </p:childTnLst>
+                                </p:cTn>
+                              </p:par>
+                              <p:par>
+                                <p:cTn id="23" presetID="1" presetClass="entr" presetSubtype="0" fill="hold" grpId="0" nodeType="withEffect">
+                                  <p:stCondLst>
+                                    <p:cond delay="0"/>
+                                  </p:stCondLst>
+                                  <p:childTnLst>
+                                    <p:set>
+                                      <p:cBhvr>
+                                        <p:cTn id="24" dur="1" fill="hold">
+                                          <p:stCondLst>
+                                            <p:cond delay="0"/>
+                                          </p:stCondLst>
+                                        </p:cTn>
+                                        <p:tgtEl>
+                                          <p:spTgt spid="15"/>
+                                        </p:tgtEl>
+                                        <p:attrNameLst>
+                                          <p:attrName>style.visibility</p:attrName>
+                                        </p:attrNameLst>
+                                      </p:cBhvr>
+                                      <p:to>
+                                        <p:strVal val="visible"/>
+                                      </p:to>
+                                    </p:set>
+                                  </p:childTnLst>
+                                </p:cTn>
+                              </p:par>
+                              <p:par>
+                                <p:cTn id="25" presetID="1" presetClass="entr" presetSubtype="0" fill="hold" grpId="0" nodeType="withEffect">
+                                  <p:stCondLst>
+                                    <p:cond delay="0"/>
+                                  </p:stCondLst>
+                                  <p:childTnLst>
+                                    <p:set>
+                                      <p:cBhvr>
+                                        <p:cTn id="26" dur="1" fill="hold">
+                                          <p:stCondLst>
+                                            <p:cond delay="0"/>
+                                          </p:stCondLst>
+                                        </p:cTn>
+                                        <p:tgtEl>
+                                          <p:spTgt spid="17"/>
+                                        </p:tgtEl>
+                                        <p:attrNameLst>
+                                          <p:attrName>style.visibility</p:attrName>
+                                        </p:attrNameLst>
+                                      </p:cBhvr>
+                                      <p:to>
+                                        <p:strVal val="visible"/>
+                                      </p:to>
+                                    </p:set>
+                                  </p:childTnLst>
+                                </p:cTn>
+                              </p:par>
+                            </p:childTnLst>
+                          </p:cTn>
+                        </p:par>
+                      </p:childTnLst>
+                    </p:cTn>
+                  </p:par>
+                  <p:par>
+                    <p:cTn id="27" fill="hold">
+                      <p:stCondLst>
+                        <p:cond delay="indefinite"/>
+                      </p:stCondLst>
+                      <p:childTnLst>
+                        <p:par>
+                          <p:cTn id="28" fill="hold">
+                            <p:stCondLst>
+                              <p:cond delay="0"/>
+                            </p:stCondLst>
+                            <p:childTnLst>
+                              <p:par>
+                                <p:cTn id="29" presetID="1" presetClass="entr" presetSubtype="0" fill="hold" grpId="0" nodeType="clickEffect">
+                                  <p:stCondLst>
+                                    <p:cond delay="0"/>
+                                  </p:stCondLst>
+                                  <p:childTnLst>
+                                    <p:set>
+                                      <p:cBhvr>
+                                        <p:cTn id="30" dur="1" fill="hold">
+                                          <p:stCondLst>
+                                            <p:cond delay="0"/>
+                                          </p:stCondLst>
+                                        </p:cTn>
+                                        <p:tgtEl>
+                                          <p:spTgt spid="6"/>
+                                        </p:tgtEl>
+                                        <p:attrNameLst>
+                                          <p:attrName>style.visibility</p:attrName>
+                                        </p:attrNameLst>
+                                      </p:cBhvr>
+                                      <p:to>
+                                        <p:strVal val="visible"/>
+                                      </p:to>
+                                    </p:set>
+                                  </p:childTnLst>
+                                </p:cTn>
+                              </p:par>
+                            </p:childTnLst>
+                          </p:cTn>
+                        </p:par>
+                      </p:childTnLst>
+                    </p:cTn>
+                  </p:par>
+                </p:childTnLst>
+              </p:cTn>
+              <p:prevCondLst>
+                <p:cond evt="onPrev" delay="0">
+                  <p:tgtEl>
+                    <p:sldTgt/>
+                  </p:tgtEl>
+                </p:cond>
+              </p:prevCondLst>
+              <p:nextCondLst>
+                <p:cond evt="onNext" delay="0">
+                  <p:tgtEl>
+                    <p:sldTgt/>
+                  </p:tgtEl>
+                </p:cond>
+              </p:nextCondLst>
+            </p:seq>
+          </p:childTnLst>
+        </p:cTn>
+      </p:par>
+    </p:tnLst>
+    <p:bldLst>
+      <p:bldP spid="7" grpId="0"/>
+      <p:bldP spid="3" grpId="0"/>
+      <p:bldP spid="9" grpId="0"/>
+      <p:bldP spid="11" grpId="0"/>
+      <p:bldP spid="4" grpId="0"/>
+      <p:bldP spid="13" grpId="0"/>
+      <p:bldP spid="15" grpId="0"/>
+      <p:bldP spid="5" grpId="0"/>
+      <p:bldP spid="17" grpId="0"/>
+      <p:bldP spid="6" grpId="0" animBg="1"/>
+    </p:bldLst>
+  </p:timing>
 </p:sld>
 </file>
 

--- a/slides/02_agents_discussion.pptx
+++ b/slides/02_agents_discussion.pptx
@@ -5,29 +5,31 @@
     <p:sldMasterId id="2147483672" r:id="rId1"/>
   </p:sldMasterIdLst>
   <p:notesMasterIdLst>
-    <p:notesMasterId r:id="rId22"/>
+    <p:notesMasterId r:id="rId24"/>
   </p:notesMasterIdLst>
   <p:sldIdLst>
     <p:sldId id="257" r:id="rId2"/>
     <p:sldId id="804" r:id="rId3"/>
-    <p:sldId id="305" r:id="rId4"/>
-    <p:sldId id="805" r:id="rId5"/>
-    <p:sldId id="806" r:id="rId6"/>
-    <p:sldId id="803" r:id="rId7"/>
-    <p:sldId id="801" r:id="rId8"/>
-    <p:sldId id="318" r:id="rId9"/>
-    <p:sldId id="296" r:id="rId10"/>
-    <p:sldId id="300" r:id="rId11"/>
-    <p:sldId id="295" r:id="rId12"/>
-    <p:sldId id="319" r:id="rId13"/>
-    <p:sldId id="808" r:id="rId14"/>
+    <p:sldId id="260" r:id="rId4"/>
+    <p:sldId id="288" r:id="rId5"/>
+    <p:sldId id="805" r:id="rId6"/>
+    <p:sldId id="806" r:id="rId7"/>
+    <p:sldId id="803" r:id="rId8"/>
+    <p:sldId id="801" r:id="rId9"/>
+    <p:sldId id="318" r:id="rId10"/>
+    <p:sldId id="296" r:id="rId11"/>
+    <p:sldId id="319" r:id="rId12"/>
+    <p:sldId id="808" r:id="rId13"/>
+    <p:sldId id="305" r:id="rId14"/>
     <p:sldId id="278" r:id="rId15"/>
     <p:sldId id="280" r:id="rId16"/>
-    <p:sldId id="282" r:id="rId17"/>
-    <p:sldId id="283" r:id="rId18"/>
-    <p:sldId id="807" r:id="rId19"/>
-    <p:sldId id="298" r:id="rId20"/>
-    <p:sldId id="802" r:id="rId21"/>
+    <p:sldId id="809" r:id="rId17"/>
+    <p:sldId id="282" r:id="rId18"/>
+    <p:sldId id="283" r:id="rId19"/>
+    <p:sldId id="807" r:id="rId20"/>
+    <p:sldId id="295" r:id="rId21"/>
+    <p:sldId id="298" r:id="rId22"/>
+    <p:sldId id="802" r:id="rId23"/>
   </p:sldIdLst>
   <p:sldSz cx="9144000" cy="6858000" type="screen4x3"/>
   <p:notesSz cx="7315200" cy="9601200"/>
@@ -6045,7 +6047,7 @@
             <a:fld id="{C590261E-DED2-4ECB-93F0-6041BFF84361}" type="datetimeFigureOut">
               <a:rPr lang="en-US" smtClean="0"/>
               <a:pPr/>
-              <a:t>9/1/2025</a:t>
+              <a:t>9/3/2025</a:t>
             </a:fld>
             <a:endParaRPr lang="en-US"/>
           </a:p>
@@ -6460,7 +6462,7 @@
             <a:fld id="{2754576A-F041-465B-B05C-90CC0BF4FA50}" type="slidenum">
               <a:rPr lang="en-US" smtClean="0"/>
               <a:pPr/>
-              <a:t>16</a:t>
+              <a:t>15</a:t>
             </a:fld>
             <a:endParaRPr lang="en-US"/>
           </a:p>
@@ -6469,7 +6471,7 @@
     </p:spTree>
     <p:extLst>
       <p:ext uri="{BB962C8B-B14F-4D97-AF65-F5344CB8AC3E}">
-        <p14:creationId xmlns:p14="http://schemas.microsoft.com/office/powerpoint/2010/main" val="1281269335"/>
+        <p14:creationId xmlns:p14="http://schemas.microsoft.com/office/powerpoint/2010/main" val="837978604"/>
       </p:ext>
     </p:extLst>
   </p:cSld>
@@ -6520,9 +6522,7 @@
         </p:nvSpPr>
         <p:spPr/>
         <p:txBody>
-          <a:bodyPr>
-            <a:normAutofit/>
-          </a:bodyPr>
+          <a:bodyPr/>
           <a:lstStyle/>
           <a:p>
             <a:endParaRPr lang="en-US" dirty="0"/>
@@ -6536,7 +6536,7 @@
             <a:spLocks noGrp="1"/>
           </p:cNvSpPr>
           <p:nvPr>
-            <p:ph type="sldNum" sz="quarter" idx="10"/>
+            <p:ph type="sldNum" sz="quarter" idx="5"/>
           </p:nvPr>
         </p:nvSpPr>
         <p:spPr/>
@@ -6547,7 +6547,7 @@
             <a:fld id="{2754576A-F041-465B-B05C-90CC0BF4FA50}" type="slidenum">
               <a:rPr lang="en-US" smtClean="0"/>
               <a:pPr/>
-              <a:t>17</a:t>
+              <a:t>16</a:t>
             </a:fld>
             <a:endParaRPr lang="en-US"/>
           </a:p>
@@ -6556,7 +6556,7 @@
     </p:spTree>
     <p:extLst>
       <p:ext uri="{BB962C8B-B14F-4D97-AF65-F5344CB8AC3E}">
-        <p14:creationId xmlns:p14="http://schemas.microsoft.com/office/powerpoint/2010/main" val="165785871"/>
+        <p14:creationId xmlns:p14="http://schemas.microsoft.com/office/powerpoint/2010/main" val="3007257789"/>
       </p:ext>
     </p:extLst>
   </p:cSld>
@@ -6612,7 +6612,7 @@
           </a:bodyPr>
           <a:lstStyle/>
           <a:p>
-            <a:endParaRPr lang="en-US" dirty="0"/>
+            <a:endParaRPr lang="en-US"/>
           </a:p>
         </p:txBody>
       </p:sp>
@@ -6634,7 +6634,266 @@
             <a:fld id="{2754576A-F041-465B-B05C-90CC0BF4FA50}" type="slidenum">
               <a:rPr lang="en-US" smtClean="0"/>
               <a:pPr/>
-              <a:t>19</a:t>
+              <a:t>17</a:t>
+            </a:fld>
+            <a:endParaRPr lang="en-US"/>
+          </a:p>
+        </p:txBody>
+      </p:sp>
+    </p:spTree>
+    <p:extLst>
+      <p:ext uri="{BB962C8B-B14F-4D97-AF65-F5344CB8AC3E}">
+        <p14:creationId xmlns:p14="http://schemas.microsoft.com/office/powerpoint/2010/main" val="1281269335"/>
+      </p:ext>
+    </p:extLst>
+  </p:cSld>
+  <p:clrMapOvr>
+    <a:masterClrMapping/>
+  </p:clrMapOvr>
+</p:notes>
+</file>
+
+<file path=ppt/notesSlides/notesSlide13.xml><?xml version="1.0" encoding="utf-8"?>
+<p:notes xmlns:a="http://schemas.openxmlformats.org/drawingml/2006/main" xmlns:r="http://schemas.openxmlformats.org/officeDocument/2006/relationships" xmlns:p="http://schemas.openxmlformats.org/presentationml/2006/main">
+  <p:cSld>
+    <p:spTree>
+      <p:nvGrpSpPr>
+        <p:cNvPr id="1" name=""/>
+        <p:cNvGrpSpPr/>
+        <p:nvPr/>
+      </p:nvGrpSpPr>
+      <p:grpSpPr>
+        <a:xfrm>
+          <a:off x="0" y="0"/>
+          <a:ext cx="0" cy="0"/>
+          <a:chOff x="0" y="0"/>
+          <a:chExt cx="0" cy="0"/>
+        </a:xfrm>
+      </p:grpSpPr>
+      <p:sp>
+        <p:nvSpPr>
+          <p:cNvPr id="2" name="Slide Image Placeholder 1"/>
+          <p:cNvSpPr>
+            <a:spLocks noGrp="1" noRot="1" noChangeAspect="1"/>
+          </p:cNvSpPr>
+          <p:nvPr>
+            <p:ph type="sldImg"/>
+          </p:nvPr>
+        </p:nvSpPr>
+        <p:spPr/>
+      </p:sp>
+      <p:sp>
+        <p:nvSpPr>
+          <p:cNvPr id="3" name="Notes Placeholder 2"/>
+          <p:cNvSpPr>
+            <a:spLocks noGrp="1"/>
+          </p:cNvSpPr>
+          <p:nvPr>
+            <p:ph type="body" idx="1"/>
+          </p:nvPr>
+        </p:nvSpPr>
+        <p:spPr/>
+        <p:txBody>
+          <a:bodyPr>
+            <a:normAutofit/>
+          </a:bodyPr>
+          <a:lstStyle/>
+          <a:p>
+            <a:endParaRPr lang="en-US" dirty="0"/>
+          </a:p>
+        </p:txBody>
+      </p:sp>
+      <p:sp>
+        <p:nvSpPr>
+          <p:cNvPr id="4" name="Slide Number Placeholder 3"/>
+          <p:cNvSpPr>
+            <a:spLocks noGrp="1"/>
+          </p:cNvSpPr>
+          <p:nvPr>
+            <p:ph type="sldNum" sz="quarter" idx="10"/>
+          </p:nvPr>
+        </p:nvSpPr>
+        <p:spPr/>
+        <p:txBody>
+          <a:bodyPr/>
+          <a:lstStyle/>
+          <a:p>
+            <a:fld id="{2754576A-F041-465B-B05C-90CC0BF4FA50}" type="slidenum">
+              <a:rPr lang="en-US" smtClean="0"/>
+              <a:pPr/>
+              <a:t>18</a:t>
+            </a:fld>
+            <a:endParaRPr lang="en-US"/>
+          </a:p>
+        </p:txBody>
+      </p:sp>
+    </p:spTree>
+    <p:extLst>
+      <p:ext uri="{BB962C8B-B14F-4D97-AF65-F5344CB8AC3E}">
+        <p14:creationId xmlns:p14="http://schemas.microsoft.com/office/powerpoint/2010/main" val="165785871"/>
+      </p:ext>
+    </p:extLst>
+  </p:cSld>
+  <p:clrMapOvr>
+    <a:masterClrMapping/>
+  </p:clrMapOvr>
+</p:notes>
+</file>
+
+<file path=ppt/notesSlides/notesSlide14.xml><?xml version="1.0" encoding="utf-8"?>
+<p:notes xmlns:a="http://schemas.openxmlformats.org/drawingml/2006/main" xmlns:r="http://schemas.openxmlformats.org/officeDocument/2006/relationships" xmlns:p="http://schemas.openxmlformats.org/presentationml/2006/main">
+  <p:cSld>
+    <p:spTree>
+      <p:nvGrpSpPr>
+        <p:cNvPr id="1" name=""/>
+        <p:cNvGrpSpPr/>
+        <p:nvPr/>
+      </p:nvGrpSpPr>
+      <p:grpSpPr>
+        <a:xfrm>
+          <a:off x="0" y="0"/>
+          <a:ext cx="0" cy="0"/>
+          <a:chOff x="0" y="0"/>
+          <a:chExt cx="0" cy="0"/>
+        </a:xfrm>
+      </p:grpSpPr>
+      <p:sp>
+        <p:nvSpPr>
+          <p:cNvPr id="2" name="Slide Image Placeholder 1"/>
+          <p:cNvSpPr>
+            <a:spLocks noGrp="1" noRot="1" noChangeAspect="1"/>
+          </p:cNvSpPr>
+          <p:nvPr>
+            <p:ph type="sldImg"/>
+          </p:nvPr>
+        </p:nvSpPr>
+        <p:spPr/>
+      </p:sp>
+      <p:sp>
+        <p:nvSpPr>
+          <p:cNvPr id="3" name="Notes Placeholder 2"/>
+          <p:cNvSpPr>
+            <a:spLocks noGrp="1"/>
+          </p:cNvSpPr>
+          <p:nvPr>
+            <p:ph type="body" idx="1"/>
+          </p:nvPr>
+        </p:nvSpPr>
+        <p:spPr/>
+        <p:txBody>
+          <a:bodyPr/>
+          <a:lstStyle/>
+          <a:p>
+            <a:endParaRPr lang="en-US" dirty="0"/>
+          </a:p>
+        </p:txBody>
+      </p:sp>
+      <p:sp>
+        <p:nvSpPr>
+          <p:cNvPr id="4" name="Slide Number Placeholder 3"/>
+          <p:cNvSpPr>
+            <a:spLocks noGrp="1"/>
+          </p:cNvSpPr>
+          <p:nvPr>
+            <p:ph type="sldNum" sz="quarter" idx="5"/>
+          </p:nvPr>
+        </p:nvSpPr>
+        <p:spPr/>
+        <p:txBody>
+          <a:bodyPr/>
+          <a:lstStyle/>
+          <a:p>
+            <a:fld id="{2754576A-F041-465B-B05C-90CC0BF4FA50}" type="slidenum">
+              <a:rPr lang="en-US" smtClean="0"/>
+              <a:pPr/>
+              <a:t>20</a:t>
+            </a:fld>
+            <a:endParaRPr lang="en-US"/>
+          </a:p>
+        </p:txBody>
+      </p:sp>
+    </p:spTree>
+    <p:extLst>
+      <p:ext uri="{BB962C8B-B14F-4D97-AF65-F5344CB8AC3E}">
+        <p14:creationId xmlns:p14="http://schemas.microsoft.com/office/powerpoint/2010/main" val="3007257789"/>
+      </p:ext>
+    </p:extLst>
+  </p:cSld>
+  <p:clrMapOvr>
+    <a:masterClrMapping/>
+  </p:clrMapOvr>
+</p:notes>
+</file>
+
+<file path=ppt/notesSlides/notesSlide15.xml><?xml version="1.0" encoding="utf-8"?>
+<p:notes xmlns:a="http://schemas.openxmlformats.org/drawingml/2006/main" xmlns:r="http://schemas.openxmlformats.org/officeDocument/2006/relationships" xmlns:p="http://schemas.openxmlformats.org/presentationml/2006/main">
+  <p:cSld>
+    <p:spTree>
+      <p:nvGrpSpPr>
+        <p:cNvPr id="1" name=""/>
+        <p:cNvGrpSpPr/>
+        <p:nvPr/>
+      </p:nvGrpSpPr>
+      <p:grpSpPr>
+        <a:xfrm>
+          <a:off x="0" y="0"/>
+          <a:ext cx="0" cy="0"/>
+          <a:chOff x="0" y="0"/>
+          <a:chExt cx="0" cy="0"/>
+        </a:xfrm>
+      </p:grpSpPr>
+      <p:sp>
+        <p:nvSpPr>
+          <p:cNvPr id="2" name="Slide Image Placeholder 1"/>
+          <p:cNvSpPr>
+            <a:spLocks noGrp="1" noRot="1" noChangeAspect="1"/>
+          </p:cNvSpPr>
+          <p:nvPr>
+            <p:ph type="sldImg"/>
+          </p:nvPr>
+        </p:nvSpPr>
+        <p:spPr/>
+      </p:sp>
+      <p:sp>
+        <p:nvSpPr>
+          <p:cNvPr id="3" name="Notes Placeholder 2"/>
+          <p:cNvSpPr>
+            <a:spLocks noGrp="1"/>
+          </p:cNvSpPr>
+          <p:nvPr>
+            <p:ph type="body" idx="1"/>
+          </p:nvPr>
+        </p:nvSpPr>
+        <p:spPr/>
+        <p:txBody>
+          <a:bodyPr>
+            <a:normAutofit/>
+          </a:bodyPr>
+          <a:lstStyle/>
+          <a:p>
+            <a:endParaRPr lang="en-US" dirty="0"/>
+          </a:p>
+        </p:txBody>
+      </p:sp>
+      <p:sp>
+        <p:nvSpPr>
+          <p:cNvPr id="4" name="Slide Number Placeholder 3"/>
+          <p:cNvSpPr>
+            <a:spLocks noGrp="1"/>
+          </p:cNvSpPr>
+          <p:nvPr>
+            <p:ph type="sldNum" sz="quarter" idx="10"/>
+          </p:nvPr>
+        </p:nvSpPr>
+        <p:spPr/>
+        <p:txBody>
+          <a:bodyPr/>
+          <a:lstStyle/>
+          <a:p>
+            <a:fld id="{2754576A-F041-465B-B05C-90CC0BF4FA50}" type="slidenum">
+              <a:rPr lang="en-US" smtClean="0"/>
+              <a:pPr/>
+              <a:t>21</a:t>
             </a:fld>
             <a:endParaRPr lang="en-US"/>
           </a:p>
@@ -6699,7 +6958,7 @@
           </a:bodyPr>
           <a:lstStyle/>
           <a:p>
-            <a:endParaRPr lang="en-US" dirty="0"/>
+            <a:endParaRPr lang="en-US"/>
           </a:p>
         </p:txBody>
       </p:sp>
@@ -6728,11 +6987,6 @@
         </p:txBody>
       </p:sp>
     </p:spTree>
-    <p:extLst>
-      <p:ext uri="{BB962C8B-B14F-4D97-AF65-F5344CB8AC3E}">
-        <p14:creationId xmlns:p14="http://schemas.microsoft.com/office/powerpoint/2010/main" val="1793264693"/>
-      </p:ext>
-    </p:extLst>
   </p:cSld>
   <p:clrMapOvr>
     <a:masterClrMapping/>
@@ -6786,23 +7040,7 @@
           </a:bodyPr>
           <a:lstStyle/>
           <a:p>
-            <a:r>
-              <a:rPr lang="en-US" dirty="0" err="1"/>
-              <a:t>ExpectedUtility</a:t>
-            </a:r>
-            <a:r>
-              <a:rPr lang="en-US" baseline="0" dirty="0"/>
-              <a:t>(action) = </a:t>
-            </a:r>
-            <a:r>
-              <a:rPr lang="en-US" baseline="0" dirty="0" err="1"/>
-              <a:t>sum_outcomes</a:t>
-            </a:r>
-            <a:r>
-              <a:rPr lang="en-US" baseline="0" dirty="0"/>
-              <a:t> Utility(outcome) * P(outcome)</a:t>
-            </a:r>
-            <a:endParaRPr lang="en-US" dirty="0"/>
+            <a:endParaRPr lang="en-US"/>
           </a:p>
         </p:txBody>
       </p:sp>
@@ -6831,11 +7069,6 @@
         </p:txBody>
       </p:sp>
     </p:spTree>
-    <p:extLst>
-      <p:ext uri="{BB962C8B-B14F-4D97-AF65-F5344CB8AC3E}">
-        <p14:creationId xmlns:p14="http://schemas.microsoft.com/office/powerpoint/2010/main" val="3964242949"/>
-      </p:ext>
-    </p:extLst>
   </p:cSld>
   <p:clrMapOvr>
     <a:masterClrMapping/>
@@ -6889,7 +7122,23 @@
           </a:bodyPr>
           <a:lstStyle/>
           <a:p>
-            <a:endParaRPr lang="en-US"/>
+            <a:r>
+              <a:rPr lang="en-US" dirty="0" err="1"/>
+              <a:t>ExpectedUtility</a:t>
+            </a:r>
+            <a:r>
+              <a:rPr lang="en-US" baseline="0" dirty="0"/>
+              <a:t>(action) = </a:t>
+            </a:r>
+            <a:r>
+              <a:rPr lang="en-US" baseline="0" dirty="0" err="1"/>
+              <a:t>sum_outcomes</a:t>
+            </a:r>
+            <a:r>
+              <a:rPr lang="en-US" baseline="0" dirty="0"/>
+              <a:t> Utility(outcome) * P(outcome)</a:t>
+            </a:r>
+            <a:endParaRPr lang="en-US" dirty="0"/>
           </a:p>
         </p:txBody>
       </p:sp>
@@ -6920,7 +7169,7 @@
     </p:spTree>
     <p:extLst>
       <p:ext uri="{BB962C8B-B14F-4D97-AF65-F5344CB8AC3E}">
-        <p14:creationId xmlns:p14="http://schemas.microsoft.com/office/powerpoint/2010/main" val="674475817"/>
+        <p14:creationId xmlns:p14="http://schemas.microsoft.com/office/powerpoint/2010/main" val="3964242949"/>
       </p:ext>
     </p:extLst>
   </p:cSld>
@@ -6976,23 +7225,7 @@
           </a:bodyPr>
           <a:lstStyle/>
           <a:p>
-            <a:r>
-              <a:rPr lang="en-US" dirty="0" err="1"/>
-              <a:t>ExpectedUtility</a:t>
-            </a:r>
-            <a:r>
-              <a:rPr lang="en-US" baseline="0" dirty="0"/>
-              <a:t>(action) = </a:t>
-            </a:r>
-            <a:r>
-              <a:rPr lang="en-US" baseline="0" dirty="0" err="1"/>
-              <a:t>sum_outcomes</a:t>
-            </a:r>
-            <a:r>
-              <a:rPr lang="en-US" baseline="0" dirty="0"/>
-              <a:t> Utility(outcome) * P(outcome)</a:t>
-            </a:r>
-            <a:endParaRPr lang="en-US" dirty="0"/>
+            <a:endParaRPr lang="en-US"/>
           </a:p>
         </p:txBody>
       </p:sp>
@@ -7014,7 +7247,7 @@
             <a:fld id="{2754576A-F041-465B-B05C-90CC0BF4FA50}" type="slidenum">
               <a:rPr lang="en-US" smtClean="0"/>
               <a:pPr/>
-              <a:t>8</a:t>
+              <a:t>6</a:t>
             </a:fld>
             <a:endParaRPr lang="en-US"/>
           </a:p>
@@ -7023,7 +7256,7 @@
     </p:spTree>
     <p:extLst>
       <p:ext uri="{BB962C8B-B14F-4D97-AF65-F5344CB8AC3E}">
-        <p14:creationId xmlns:p14="http://schemas.microsoft.com/office/powerpoint/2010/main" val="3964242949"/>
+        <p14:creationId xmlns:p14="http://schemas.microsoft.com/office/powerpoint/2010/main" val="674475817"/>
       </p:ext>
     </p:extLst>
   </p:cSld>
@@ -7074,9 +7307,27 @@
         </p:nvSpPr>
         <p:spPr/>
         <p:txBody>
-          <a:bodyPr/>
+          <a:bodyPr>
+            <a:normAutofit/>
+          </a:bodyPr>
           <a:lstStyle/>
           <a:p>
+            <a:r>
+              <a:rPr lang="en-US" dirty="0" err="1"/>
+              <a:t>ExpectedUtility</a:t>
+            </a:r>
+            <a:r>
+              <a:rPr lang="en-US" baseline="0" dirty="0"/>
+              <a:t>(action) = </a:t>
+            </a:r>
+            <a:r>
+              <a:rPr lang="en-US" baseline="0" dirty="0" err="1"/>
+              <a:t>sum_outcomes</a:t>
+            </a:r>
+            <a:r>
+              <a:rPr lang="en-US" baseline="0" dirty="0"/>
+              <a:t> Utility(outcome) * P(outcome)</a:t>
+            </a:r>
             <a:endParaRPr lang="en-US" dirty="0"/>
           </a:p>
         </p:txBody>
@@ -7088,7 +7339,7 @@
             <a:spLocks noGrp="1"/>
           </p:cNvSpPr>
           <p:nvPr>
-            <p:ph type="sldNum" sz="quarter" idx="5"/>
+            <p:ph type="sldNum" sz="quarter" idx="10"/>
           </p:nvPr>
         </p:nvSpPr>
         <p:spPr/>
@@ -7099,7 +7350,7 @@
             <a:fld id="{2754576A-F041-465B-B05C-90CC0BF4FA50}" type="slidenum">
               <a:rPr lang="en-US" smtClean="0"/>
               <a:pPr/>
-              <a:t>11</a:t>
+              <a:t>9</a:t>
             </a:fld>
             <a:endParaRPr lang="en-US"/>
           </a:p>
@@ -7108,7 +7359,7 @@
     </p:spTree>
     <p:extLst>
       <p:ext uri="{BB962C8B-B14F-4D97-AF65-F5344CB8AC3E}">
-        <p14:creationId xmlns:p14="http://schemas.microsoft.com/office/powerpoint/2010/main" val="3007257789"/>
+        <p14:creationId xmlns:p14="http://schemas.microsoft.com/office/powerpoint/2010/main" val="3964242949"/>
       </p:ext>
     </p:extLst>
   </p:cSld>
@@ -7186,7 +7437,7 @@
             <a:fld id="{2754576A-F041-465B-B05C-90CC0BF4FA50}" type="slidenum">
               <a:rPr lang="en-US" smtClean="0"/>
               <a:pPr/>
-              <a:t>12</a:t>
+              <a:t>11</a:t>
             </a:fld>
             <a:endParaRPr lang="en-US"/>
           </a:p>
@@ -7251,7 +7502,7 @@
           </a:bodyPr>
           <a:lstStyle/>
           <a:p>
-            <a:endParaRPr lang="en-US"/>
+            <a:endParaRPr lang="en-US" dirty="0"/>
           </a:p>
         </p:txBody>
       </p:sp>
@@ -7273,7 +7524,7 @@
             <a:fld id="{2754576A-F041-465B-B05C-90CC0BF4FA50}" type="slidenum">
               <a:rPr lang="en-US" smtClean="0"/>
               <a:pPr/>
-              <a:t>14</a:t>
+              <a:t>13</a:t>
             </a:fld>
             <a:endParaRPr lang="en-US"/>
           </a:p>
@@ -7282,7 +7533,7 @@
     </p:spTree>
     <p:extLst>
       <p:ext uri="{BB962C8B-B14F-4D97-AF65-F5344CB8AC3E}">
-        <p14:creationId xmlns:p14="http://schemas.microsoft.com/office/powerpoint/2010/main" val="498752570"/>
+        <p14:creationId xmlns:p14="http://schemas.microsoft.com/office/powerpoint/2010/main" val="1793264693"/>
       </p:ext>
     </p:extLst>
   </p:cSld>
@@ -7360,7 +7611,7 @@
             <a:fld id="{2754576A-F041-465B-B05C-90CC0BF4FA50}" type="slidenum">
               <a:rPr lang="en-US" smtClean="0"/>
               <a:pPr/>
-              <a:t>15</a:t>
+              <a:t>14</a:t>
             </a:fld>
             <a:endParaRPr lang="en-US"/>
           </a:p>
@@ -7369,7 +7620,7 @@
     </p:spTree>
     <p:extLst>
       <p:ext uri="{BB962C8B-B14F-4D97-AF65-F5344CB8AC3E}">
-        <p14:creationId xmlns:p14="http://schemas.microsoft.com/office/powerpoint/2010/main" val="837978604"/>
+        <p14:creationId xmlns:p14="http://schemas.microsoft.com/office/powerpoint/2010/main" val="498752570"/>
       </p:ext>
     </p:extLst>
   </p:cSld>
@@ -11343,7 +11594,7 @@
           <p:cNvPr id="2" name="Title 1">
             <a:extLst>
               <a:ext uri="{FF2B5EF4-FFF2-40B4-BE49-F238E27FC236}">
-                <a16:creationId xmlns:a16="http://schemas.microsoft.com/office/drawing/2014/main" id="{4E5EB913-C294-4869-8267-9373CE4E67B6}"/>
+                <a16:creationId xmlns:a16="http://schemas.microsoft.com/office/drawing/2014/main" id="{D64E4370-BFB5-4F7A-82C5-D13C30B62248}"/>
               </a:ext>
             </a:extLst>
           </p:cNvPr>
@@ -11357,241 +11608,57 @@
         <p:spPr>
           <a:xfrm>
             <a:off x="628650" y="365126"/>
-            <a:ext cx="7886700" cy="713163"/>
+            <a:ext cx="6212110" cy="1325563"/>
           </a:xfrm>
         </p:spPr>
         <p:txBody>
-          <a:bodyPr>
-            <a:normAutofit/>
-          </a:bodyPr>
+          <a:bodyPr/>
           <a:lstStyle/>
           <a:p>
             <a:r>
               <a:rPr lang="en-US" dirty="0"/>
-              <a:t>Percepts and States: Self-Driving Car</a:t>
+              <a:t>PEAS Description of the Environment of a Self-Driving Car</a:t>
             </a:r>
           </a:p>
         </p:txBody>
       </p:sp>
-      <p:sp>
-        <p:nvSpPr>
-          <p:cNvPr id="3" name="TextBox 2">
+      <p:graphicFrame>
+        <p:nvGraphicFramePr>
+          <p:cNvPr id="4" name="Content Placeholder 3" descr="PEAS Tables">
             <a:extLst>
               <a:ext uri="{FF2B5EF4-FFF2-40B4-BE49-F238E27FC236}">
-                <a16:creationId xmlns:a16="http://schemas.microsoft.com/office/drawing/2014/main" id="{A8BD2AA4-3A41-666C-9A21-13E65F063BC0}"/>
+                <a16:creationId xmlns:a16="http://schemas.microsoft.com/office/drawing/2014/main" id="{9C8EE6A5-115B-4250-A57D-7EA0DC7DDAE6}"/>
               </a:ext>
             </a:extLst>
           </p:cNvPr>
-          <p:cNvSpPr txBox="1"/>
-          <p:nvPr/>
-        </p:nvSpPr>
-        <p:spPr>
-          <a:xfrm>
-            <a:off x="1060040" y="1034768"/>
-            <a:ext cx="3638550" cy="338554"/>
-          </a:xfrm>
-          <a:prstGeom prst="rect">
-            <a:avLst/>
-          </a:prstGeom>
-          <a:noFill/>
-        </p:spPr>
-        <p:txBody>
-          <a:bodyPr wrap="square" rtlCol="0">
-            <a:spAutoFit/>
-          </a:bodyPr>
-          <a:lstStyle/>
-          <a:p>
-            <a:r>
-              <a:rPr lang="en-US" sz="1600" dirty="0"/>
-              <a:t>Describe percepts and states.</a:t>
-            </a:r>
-          </a:p>
-        </p:txBody>
-      </p:sp>
-      <p:sp>
-        <p:nvSpPr>
-          <p:cNvPr id="11" name="Rectangle 10" descr="An empty table for percepts and states,">
+          <p:cNvGraphicFramePr>
+            <a:graphicFrameLocks noGrp="1"/>
+          </p:cNvGraphicFramePr>
+          <p:nvPr>
+            <p:ph idx="1"/>
+            <p:extLst>
+              <p:ext uri="{D42A27DB-BD31-4B8C-83A1-F6EECF244321}">
+                <p14:modId xmlns:p14="http://schemas.microsoft.com/office/powerpoint/2010/main" val="2520200847"/>
+              </p:ext>
+            </p:extLst>
+          </p:nvPr>
+        </p:nvGraphicFramePr>
+        <p:xfrm>
+          <a:off x="628650" y="1825625"/>
+          <a:ext cx="7886700" cy="4351338"/>
+        </p:xfrm>
+        <a:graphic>
+          <a:graphicData uri="http://schemas.openxmlformats.org/drawingml/2006/diagram">
+            <dgm:relIds xmlns:dgm="http://schemas.openxmlformats.org/drawingml/2006/diagram" xmlns:r="http://schemas.openxmlformats.org/officeDocument/2006/relationships" r:dm="rId2" r:lo="rId3" r:qs="rId4" r:cs="rId5"/>
+          </a:graphicData>
+        </a:graphic>
+      </p:graphicFrame>
+      <p:pic>
+        <p:nvPicPr>
+          <p:cNvPr id="5" name="Picture 6">
             <a:extLst>
               <a:ext uri="{FF2B5EF4-FFF2-40B4-BE49-F238E27FC236}">
-                <a16:creationId xmlns:a16="http://schemas.microsoft.com/office/drawing/2014/main" id="{86DF5C27-232E-48B7-8171-EA8A2E3A93E7}"/>
-              </a:ext>
-              <a:ext uri="{C183D7F6-B498-43B3-948B-1728B52AA6E4}">
-                <adec:decorative xmlns:adec="http://schemas.microsoft.com/office/drawing/2017/decorative" val="0"/>
-              </a:ext>
-            </a:extLst>
-          </p:cNvPr>
-          <p:cNvSpPr/>
-          <p:nvPr/>
-        </p:nvSpPr>
-        <p:spPr>
-          <a:xfrm>
-            <a:off x="1143000" y="1524000"/>
-            <a:ext cx="7086600" cy="4572000"/>
-          </a:xfrm>
-          <a:prstGeom prst="rect">
-            <a:avLst/>
-          </a:prstGeom>
-        </p:spPr>
-        <p:style>
-          <a:lnRef idx="2">
-            <a:schemeClr val="dk1"/>
-          </a:lnRef>
-          <a:fillRef idx="1">
-            <a:schemeClr val="lt1"/>
-          </a:fillRef>
-          <a:effectRef idx="0">
-            <a:schemeClr val="dk1"/>
-          </a:effectRef>
-          <a:fontRef idx="minor">
-            <a:schemeClr val="dk1"/>
-          </a:fontRef>
-        </p:style>
-        <p:txBody>
-          <a:bodyPr rtlCol="0" anchor="ctr"/>
-          <a:lstStyle/>
-          <a:p>
-            <a:pPr algn="ctr"/>
-            <a:endParaRPr lang="en-US"/>
-          </a:p>
-        </p:txBody>
-      </p:sp>
-      <p:sp>
-        <p:nvSpPr>
-          <p:cNvPr id="12" name="TextBox 11">
-            <a:extLst>
-              <a:ext uri="{FF2B5EF4-FFF2-40B4-BE49-F238E27FC236}">
-                <a16:creationId xmlns:a16="http://schemas.microsoft.com/office/drawing/2014/main" id="{88BED5A7-33F5-44FF-A8D2-C1229027E120}"/>
-              </a:ext>
-              <a:ext uri="{C183D7F6-B498-43B3-948B-1728B52AA6E4}">
-                <adec:decorative xmlns:adec="http://schemas.microsoft.com/office/drawing/2017/decorative" val="1"/>
-              </a:ext>
-            </a:extLst>
-          </p:cNvPr>
-          <p:cNvSpPr txBox="1"/>
-          <p:nvPr/>
-        </p:nvSpPr>
-        <p:spPr>
-          <a:xfrm>
-            <a:off x="1447800" y="1714891"/>
-            <a:ext cx="1981200" cy="400110"/>
-          </a:xfrm>
-          <a:prstGeom prst="rect">
-            <a:avLst/>
-          </a:prstGeom>
-          <a:noFill/>
-        </p:spPr>
-        <p:txBody>
-          <a:bodyPr wrap="square" rtlCol="0">
-            <a:spAutoFit/>
-          </a:bodyPr>
-          <a:lstStyle/>
-          <a:p>
-            <a:r>
-              <a:rPr lang="en-US" sz="2000" b="1" dirty="0"/>
-              <a:t>Percepts</a:t>
-            </a:r>
-            <a:endParaRPr lang="en-US" b="1" dirty="0"/>
-          </a:p>
-        </p:txBody>
-      </p:sp>
-      <p:sp>
-        <p:nvSpPr>
-          <p:cNvPr id="14" name="TextBox 13">
-            <a:extLst>
-              <a:ext uri="{FF2B5EF4-FFF2-40B4-BE49-F238E27FC236}">
-                <a16:creationId xmlns:a16="http://schemas.microsoft.com/office/drawing/2014/main" id="{DF174D32-43A7-4A26-B966-801AF47D5F09}"/>
-              </a:ext>
-              <a:ext uri="{C183D7F6-B498-43B3-948B-1728B52AA6E4}">
-                <adec:decorative xmlns:adec="http://schemas.microsoft.com/office/drawing/2017/decorative" val="1"/>
-              </a:ext>
-            </a:extLst>
-          </p:cNvPr>
-          <p:cNvSpPr txBox="1"/>
-          <p:nvPr/>
-        </p:nvSpPr>
-        <p:spPr>
-          <a:xfrm>
-            <a:off x="5064456" y="1712069"/>
-            <a:ext cx="1529688" cy="677108"/>
-          </a:xfrm>
-          <a:prstGeom prst="rect">
-            <a:avLst/>
-          </a:prstGeom>
-          <a:noFill/>
-        </p:spPr>
-        <p:txBody>
-          <a:bodyPr wrap="square" rtlCol="0">
-            <a:spAutoFit/>
-          </a:bodyPr>
-          <a:lstStyle/>
-          <a:p>
-            <a:r>
-              <a:rPr lang="en-US" sz="2000" b="1" dirty="0"/>
-              <a:t>States</a:t>
-            </a:r>
-            <a:endParaRPr lang="en-US" b="1" dirty="0"/>
-          </a:p>
-          <a:p>
-            <a:endParaRPr lang="en-US" b="1" dirty="0"/>
-          </a:p>
-        </p:txBody>
-      </p:sp>
-      <p:cxnSp>
-        <p:nvCxnSpPr>
-          <p:cNvPr id="19" name="Straight Connector 18">
-            <a:extLst>
-              <a:ext uri="{FF2B5EF4-FFF2-40B4-BE49-F238E27FC236}">
-                <a16:creationId xmlns:a16="http://schemas.microsoft.com/office/drawing/2014/main" id="{54176349-B70C-1AEC-89C0-6BF966029371}"/>
-              </a:ext>
-              <a:ext uri="{C183D7F6-B498-43B3-948B-1728B52AA6E4}">
-                <adec:decorative xmlns:adec="http://schemas.microsoft.com/office/drawing/2017/decorative" val="1"/>
-              </a:ext>
-            </a:extLst>
-          </p:cNvPr>
-          <p:cNvCxnSpPr>
-            <a:cxnSpLocks/>
-          </p:cNvCxnSpPr>
-          <p:nvPr/>
-        </p:nvCxnSpPr>
-        <p:spPr>
-          <a:xfrm>
-            <a:off x="4587238" y="1981200"/>
-            <a:ext cx="0" cy="3794845"/>
-          </a:xfrm>
-          <a:prstGeom prst="line">
-            <a:avLst/>
-          </a:prstGeom>
-          <a:ln w="9525" cap="flat" cmpd="sng" algn="ctr">
-            <a:solidFill>
-              <a:schemeClr val="accent1"/>
-            </a:solidFill>
-            <a:prstDash val="dash"/>
-            <a:round/>
-            <a:headEnd type="none" w="med" len="med"/>
-            <a:tailEnd type="none" w="med" len="med"/>
-          </a:ln>
-        </p:spPr>
-        <p:style>
-          <a:lnRef idx="0">
-            <a:scrgbClr r="0" g="0" b="0"/>
-          </a:lnRef>
-          <a:fillRef idx="0">
-            <a:scrgbClr r="0" g="0" b="0"/>
-          </a:fillRef>
-          <a:effectRef idx="0">
-            <a:scrgbClr r="0" g="0" b="0"/>
-          </a:effectRef>
-          <a:fontRef idx="minor">
-            <a:schemeClr val="tx1"/>
-          </a:fontRef>
-        </p:style>
-      </p:cxnSp>
-      <p:pic>
-        <p:nvPicPr>
-          <p:cNvPr id="21" name="Picture 6">
-            <a:extLst>
-              <a:ext uri="{FF2B5EF4-FFF2-40B4-BE49-F238E27FC236}">
-                <a16:creationId xmlns:a16="http://schemas.microsoft.com/office/drawing/2014/main" id="{40A742E5-9DB6-B5E0-2C9D-7BB6A1D48E7C}"/>
+                <a16:creationId xmlns:a16="http://schemas.microsoft.com/office/drawing/2014/main" id="{C501DE79-BED8-664A-A7F5-916398E4B557}"/>
               </a:ext>
               <a:ext uri="{C183D7F6-B498-43B3-948B-1728B52AA6E4}">
                 <adec:decorative xmlns:adec="http://schemas.microsoft.com/office/drawing/2017/decorative" val="1"/>
@@ -11604,7 +11671,7 @@
           <p:nvPr/>
         </p:nvPicPr>
         <p:blipFill>
-          <a:blip r:embed="rId2" cstate="print"/>
+          <a:blip r:embed="rId7" cstate="print"/>
           <a:srcRect/>
           <a:stretch>
             <a:fillRect/>
@@ -11612,7 +11679,7 @@
         </p:blipFill>
         <p:spPr bwMode="auto">
           <a:xfrm>
-            <a:off x="7010400" y="321657"/>
+            <a:off x="6840760" y="627857"/>
             <a:ext cx="1742323" cy="800100"/>
           </a:xfrm>
           <a:prstGeom prst="rect">
@@ -11627,10 +11694,45 @@
           </a:ln>
         </p:spPr>
       </p:pic>
+      <p:sp>
+        <p:nvSpPr>
+          <p:cNvPr id="3" name="TextBox 2">
+            <a:extLst>
+              <a:ext uri="{FF2B5EF4-FFF2-40B4-BE49-F238E27FC236}">
+                <a16:creationId xmlns:a16="http://schemas.microsoft.com/office/drawing/2014/main" id="{DD44A013-EECD-0365-9F5B-4164E530DF2E}"/>
+              </a:ext>
+            </a:extLst>
+          </p:cNvPr>
+          <p:cNvSpPr txBox="1"/>
+          <p:nvPr/>
+        </p:nvSpPr>
+        <p:spPr>
+          <a:xfrm>
+            <a:off x="533400" y="1825625"/>
+            <a:ext cx="3638550" cy="338554"/>
+          </a:xfrm>
+          <a:prstGeom prst="rect">
+            <a:avLst/>
+          </a:prstGeom>
+          <a:noFill/>
+        </p:spPr>
+        <p:txBody>
+          <a:bodyPr wrap="square" rtlCol="0">
+            <a:spAutoFit/>
+          </a:bodyPr>
+          <a:lstStyle/>
+          <a:p>
+            <a:r>
+              <a:rPr lang="en-US" sz="1600" dirty="0"/>
+              <a:t>Complete the PEAS description.</a:t>
+            </a:r>
+          </a:p>
+        </p:txBody>
+      </p:sp>
     </p:spTree>
     <p:extLst>
       <p:ext uri="{BB962C8B-B14F-4D97-AF65-F5344CB8AC3E}">
-        <p14:creationId xmlns:p14="http://schemas.microsoft.com/office/powerpoint/2010/main" val="275789395"/>
+        <p14:creationId xmlns:p14="http://schemas.microsoft.com/office/powerpoint/2010/main" val="1555730670"/>
       </p:ext>
     </p:extLst>
   </p:cSld>
@@ -11641,352 +11743,6 @@
 </file>
 
 <file path=ppt/slides/slide11.xml><?xml version="1.0" encoding="utf-8"?>
-<p:sld xmlns:a="http://schemas.openxmlformats.org/drawingml/2006/main" xmlns:r="http://schemas.openxmlformats.org/officeDocument/2006/relationships" xmlns:p="http://schemas.openxmlformats.org/presentationml/2006/main">
-  <p:cSld>
-    <p:spTree>
-      <p:nvGrpSpPr>
-        <p:cNvPr id="1" name=""/>
-        <p:cNvGrpSpPr/>
-        <p:nvPr/>
-      </p:nvGrpSpPr>
-      <p:grpSpPr>
-        <a:xfrm>
-          <a:off x="0" y="0"/>
-          <a:ext cx="0" cy="0"/>
-          <a:chOff x="0" y="0"/>
-          <a:chExt cx="0" cy="0"/>
-        </a:xfrm>
-      </p:grpSpPr>
-      <p:pic>
-        <p:nvPicPr>
-          <p:cNvPr id="4" name="Picture 3">
-            <a:extLst>
-              <a:ext uri="{FF2B5EF4-FFF2-40B4-BE49-F238E27FC236}">
-                <a16:creationId xmlns:a16="http://schemas.microsoft.com/office/drawing/2014/main" id="{BA80952D-B85D-4F0D-B7D7-FD1AEFB93BCD}"/>
-              </a:ext>
-              <a:ext uri="{C183D7F6-B498-43B3-948B-1728B52AA6E4}">
-                <adec:decorative xmlns:adec="http://schemas.microsoft.com/office/drawing/2017/decorative" val="1"/>
-              </a:ext>
-            </a:extLst>
-          </p:cNvPr>
-          <p:cNvPicPr>
-            <a:picLocks noChangeAspect="1"/>
-          </p:cNvPicPr>
-          <p:nvPr/>
-        </p:nvPicPr>
-        <p:blipFill rotWithShape="1">
-          <a:blip r:embed="rId3"/>
-          <a:srcRect l="25949" r="40741" b="29953"/>
-          <a:stretch/>
-        </p:blipFill>
-        <p:spPr>
-          <a:xfrm>
-            <a:off x="5257800" y="1905000"/>
-            <a:ext cx="1676400" cy="1828800"/>
-          </a:xfrm>
-          <a:prstGeom prst="rect">
-            <a:avLst/>
-          </a:prstGeom>
-        </p:spPr>
-      </p:pic>
-      <p:sp>
-        <p:nvSpPr>
-          <p:cNvPr id="2" name="Title 1">
-            <a:extLst>
-              <a:ext uri="{FF2B5EF4-FFF2-40B4-BE49-F238E27FC236}">
-                <a16:creationId xmlns:a16="http://schemas.microsoft.com/office/drawing/2014/main" id="{0F727B5A-ADFB-4041-8CA1-D79831A7BDD9}"/>
-              </a:ext>
-            </a:extLst>
-          </p:cNvPr>
-          <p:cNvSpPr>
-            <a:spLocks noGrp="1"/>
-          </p:cNvSpPr>
-          <p:nvPr>
-            <p:ph type="title"/>
-          </p:nvPr>
-        </p:nvSpPr>
-        <p:spPr/>
-        <p:txBody>
-          <a:bodyPr/>
-          <a:lstStyle/>
-          <a:p>
-            <a:r>
-              <a:rPr lang="en-US" dirty="0"/>
-              <a:t>State Representation: Self-Driving Car</a:t>
-            </a:r>
-          </a:p>
-        </p:txBody>
-      </p:sp>
-      <p:sp>
-        <p:nvSpPr>
-          <p:cNvPr id="3" name="Content Placeholder 2">
-            <a:extLst>
-              <a:ext uri="{FF2B5EF4-FFF2-40B4-BE49-F238E27FC236}">
-                <a16:creationId xmlns:a16="http://schemas.microsoft.com/office/drawing/2014/main" id="{A8D8124E-678D-40F0-8214-4360179CDBA0}"/>
-              </a:ext>
-            </a:extLst>
-          </p:cNvPr>
-          <p:cNvSpPr>
-            <a:spLocks noGrp="1"/>
-          </p:cNvSpPr>
-          <p:nvPr>
-            <p:ph idx="1"/>
-          </p:nvPr>
-        </p:nvSpPr>
-        <p:spPr>
-          <a:xfrm>
-            <a:off x="628650" y="1371600"/>
-            <a:ext cx="4476750" cy="2286000"/>
-          </a:xfrm>
-        </p:spPr>
-        <p:txBody>
-          <a:bodyPr>
-            <a:normAutofit fontScale="85000" lnSpcReduction="10000"/>
-          </a:bodyPr>
-          <a:lstStyle/>
-          <a:p>
-            <a:pPr marL="0" indent="0">
-              <a:buNone/>
-            </a:pPr>
-            <a:r>
-              <a:rPr lang="en-US" sz="2000" dirty="0"/>
-              <a:t>States help to keep track of the environment and the agent in the environment. </a:t>
-            </a:r>
-          </a:p>
-          <a:p>
-            <a:pPr marL="0" indent="0">
-              <a:buNone/>
-            </a:pPr>
-            <a:endParaRPr lang="en-US" sz="2000" b="1" dirty="0">
-              <a:solidFill>
-                <a:srgbClr val="FF0000"/>
-              </a:solidFill>
-            </a:endParaRPr>
-          </a:p>
-          <a:p>
-            <a:pPr marL="0" indent="0">
-              <a:buNone/>
-            </a:pPr>
-            <a:r>
-              <a:rPr lang="en-US" sz="2000" dirty="0"/>
-              <a:t>Design a structured representation for the state of a self-driving car. </a:t>
-            </a:r>
-          </a:p>
-          <a:p>
-            <a:pPr marL="457200" indent="-457200">
-              <a:buFont typeface="+mj-lt"/>
-              <a:buAutoNum type="alphaLcParenR"/>
-            </a:pPr>
-            <a:r>
-              <a:rPr lang="en-US" sz="2000" dirty="0"/>
-              <a:t>What </a:t>
-            </a:r>
-            <a:r>
-              <a:rPr lang="en-US" sz="2000" dirty="0" err="1"/>
-              <a:t>fluents</a:t>
-            </a:r>
-            <a:r>
-              <a:rPr lang="en-US" sz="2000" dirty="0"/>
-              <a:t> should it contain?</a:t>
-            </a:r>
-          </a:p>
-          <a:p>
-            <a:pPr marL="457200" indent="-457200">
-              <a:buFont typeface="+mj-lt"/>
-              <a:buAutoNum type="alphaLcParenR"/>
-            </a:pPr>
-            <a:r>
-              <a:rPr lang="en-US" sz="2000" dirty="0"/>
-              <a:t>What actions can cause transitions?</a:t>
-            </a:r>
-          </a:p>
-          <a:p>
-            <a:pPr marL="457200" indent="-457200">
-              <a:buFont typeface="+mj-lt"/>
-              <a:buAutoNum type="alphaLcParenR"/>
-            </a:pPr>
-            <a:r>
-              <a:rPr lang="en-US" sz="2000" dirty="0"/>
-              <a:t>Draw a small transition diagram.</a:t>
-            </a:r>
-          </a:p>
-          <a:p>
-            <a:pPr marL="0" indent="0">
-              <a:buNone/>
-            </a:pPr>
-            <a:endParaRPr lang="en-US" sz="2000" dirty="0"/>
-          </a:p>
-        </p:txBody>
-      </p:sp>
-      <p:sp>
-        <p:nvSpPr>
-          <p:cNvPr id="5" name="Speech Bubble: Rectangle 4">
-            <a:extLst>
-              <a:ext uri="{FF2B5EF4-FFF2-40B4-BE49-F238E27FC236}">
-                <a16:creationId xmlns:a16="http://schemas.microsoft.com/office/drawing/2014/main" id="{A1F6455A-2485-B0DA-DAC2-B15E3F61A4BE}"/>
-              </a:ext>
-            </a:extLst>
-          </p:cNvPr>
-          <p:cNvSpPr/>
-          <p:nvPr/>
-        </p:nvSpPr>
-        <p:spPr>
-          <a:xfrm>
-            <a:off x="5361540" y="1447800"/>
-            <a:ext cx="1257300" cy="533400"/>
-          </a:xfrm>
-          <a:prstGeom prst="wedgeRectCallout">
-            <a:avLst>
-              <a:gd name="adj1" fmla="val 6558"/>
-              <a:gd name="adj2" fmla="val 166913"/>
-            </a:avLst>
-          </a:prstGeom>
-        </p:spPr>
-        <p:style>
-          <a:lnRef idx="3">
-            <a:schemeClr val="lt1"/>
-          </a:lnRef>
-          <a:fillRef idx="1">
-            <a:schemeClr val="accent6"/>
-          </a:fillRef>
-          <a:effectRef idx="1">
-            <a:schemeClr val="accent6"/>
-          </a:effectRef>
-          <a:fontRef idx="minor">
-            <a:schemeClr val="lt1"/>
-          </a:fontRef>
-        </p:style>
-        <p:txBody>
-          <a:bodyPr rtlCol="0" anchor="ctr"/>
-          <a:lstStyle/>
-          <a:p>
-            <a:pPr algn="ctr"/>
-            <a:r>
-              <a:rPr lang="en-US" sz="1200" dirty="0"/>
-              <a:t>Action causes transition</a:t>
-            </a:r>
-          </a:p>
-        </p:txBody>
-      </p:sp>
-      <p:sp>
-        <p:nvSpPr>
-          <p:cNvPr id="6" name="Speech Bubble: Rectangle 5">
-            <a:extLst>
-              <a:ext uri="{FF2B5EF4-FFF2-40B4-BE49-F238E27FC236}">
-                <a16:creationId xmlns:a16="http://schemas.microsoft.com/office/drawing/2014/main" id="{DE306C82-3C11-0925-0BB1-2921BC51CE19}"/>
-              </a:ext>
-            </a:extLst>
-          </p:cNvPr>
-          <p:cNvSpPr/>
-          <p:nvPr/>
-        </p:nvSpPr>
-        <p:spPr>
-          <a:xfrm>
-            <a:off x="7086600" y="1897062"/>
-            <a:ext cx="1763160" cy="769938"/>
-          </a:xfrm>
-          <a:prstGeom prst="wedgeRectCallout">
-            <a:avLst>
-              <a:gd name="adj1" fmla="val -79287"/>
-              <a:gd name="adj2" fmla="val 38038"/>
-            </a:avLst>
-          </a:prstGeom>
-          <a:solidFill>
-            <a:schemeClr val="accent6"/>
-          </a:solidFill>
-          <a:ln>
-            <a:noFill/>
-          </a:ln>
-        </p:spPr>
-        <p:style>
-          <a:lnRef idx="0">
-            <a:scrgbClr r="0" g="0" b="0"/>
-          </a:lnRef>
-          <a:fillRef idx="0">
-            <a:scrgbClr r="0" g="0" b="0"/>
-          </a:fillRef>
-          <a:effectRef idx="0">
-            <a:scrgbClr r="0" g="0" b="0"/>
-          </a:effectRef>
-          <a:fontRef idx="minor">
-            <a:schemeClr val="lt1"/>
-          </a:fontRef>
-        </p:style>
-        <p:txBody>
-          <a:bodyPr rtlCol="0" anchor="ctr"/>
-          <a:lstStyle/>
-          <a:p>
-            <a:pPr algn="ctr"/>
-            <a:r>
-              <a:rPr lang="en-US" sz="1200" dirty="0"/>
-              <a:t>Variables describing the system state are called “</a:t>
-            </a:r>
-            <a:r>
-              <a:rPr lang="en-US" sz="1200" dirty="0" err="1"/>
-              <a:t>fluents</a:t>
-            </a:r>
-            <a:r>
-              <a:rPr lang="en-US" sz="1200" dirty="0"/>
-              <a:t>”</a:t>
-            </a:r>
-          </a:p>
-        </p:txBody>
-      </p:sp>
-      <p:pic>
-        <p:nvPicPr>
-          <p:cNvPr id="7" name="Picture 6">
-            <a:extLst>
-              <a:ext uri="{FF2B5EF4-FFF2-40B4-BE49-F238E27FC236}">
-                <a16:creationId xmlns:a16="http://schemas.microsoft.com/office/drawing/2014/main" id="{F0A05423-8641-4938-9DCF-1B35787E5046}"/>
-              </a:ext>
-              <a:ext uri="{C183D7F6-B498-43B3-948B-1728B52AA6E4}">
-                <adec:decorative xmlns:adec="http://schemas.microsoft.com/office/drawing/2017/decorative" val="1"/>
-              </a:ext>
-            </a:extLst>
-          </p:cNvPr>
-          <p:cNvPicPr>
-            <a:picLocks noChangeAspect="1" noChangeArrowheads="1"/>
-          </p:cNvPicPr>
-          <p:nvPr/>
-        </p:nvPicPr>
-        <p:blipFill>
-          <a:blip r:embed="rId4" cstate="print"/>
-          <a:srcRect/>
-          <a:stretch>
-            <a:fillRect/>
-          </a:stretch>
-        </p:blipFill>
-        <p:spPr bwMode="auto">
-          <a:xfrm>
-            <a:off x="7107437" y="301185"/>
-            <a:ext cx="1742323" cy="800100"/>
-          </a:xfrm>
-          <a:prstGeom prst="rect">
-            <a:avLst/>
-          </a:prstGeom>
-          <a:noFill/>
-          <a:ln w="9525">
-            <a:noFill/>
-            <a:miter lim="800000"/>
-            <a:headEnd/>
-            <a:tailEnd/>
-          </a:ln>
-        </p:spPr>
-      </p:pic>
-    </p:spTree>
-    <p:extLst>
-      <p:ext uri="{BB962C8B-B14F-4D97-AF65-F5344CB8AC3E}">
-        <p14:creationId xmlns:p14="http://schemas.microsoft.com/office/powerpoint/2010/main" val="731491796"/>
-      </p:ext>
-    </p:extLst>
-  </p:cSld>
-  <p:clrMapOvr>
-    <a:masterClrMapping/>
-  </p:clrMapOvr>
-</p:sld>
-</file>
-
-<file path=ppt/slides/slide12.xml><?xml version="1.0" encoding="utf-8"?>
 <p:sld xmlns:a="http://schemas.openxmlformats.org/drawingml/2006/main" xmlns:r="http://schemas.openxmlformats.org/officeDocument/2006/relationships" xmlns:p="http://schemas.openxmlformats.org/presentationml/2006/main">
   <p:cSld>
     <p:spTree>
@@ -13136,7 +12892,7 @@
 </p:sld>
 </file>
 
-<file path=ppt/slides/slide13.xml><?xml version="1.0" encoding="utf-8"?>
+<file path=ppt/slides/slide12.xml><?xml version="1.0" encoding="utf-8"?>
 <p:sld xmlns:a="http://schemas.openxmlformats.org/drawingml/2006/main" xmlns:r="http://schemas.openxmlformats.org/officeDocument/2006/relationships" xmlns:p="http://schemas.openxmlformats.org/presentationml/2006/main">
   <p:cSld>
     <p:bg>
@@ -13358,6 +13114,1310 @@
   <p:clrMapOvr>
     <a:overrideClrMapping bg1="dk1" tx1="lt1" bg2="dk2" tx2="lt2" accent1="accent1" accent2="accent2" accent3="accent3" accent4="accent4" accent5="accent5" accent6="accent6" hlink="hlink" folHlink="folHlink"/>
   </p:clrMapOvr>
+</p:sld>
+</file>
+
+<file path=ppt/slides/slide13.xml><?xml version="1.0" encoding="utf-8"?>
+<p:sld xmlns:a="http://schemas.openxmlformats.org/drawingml/2006/main" xmlns:r="http://schemas.openxmlformats.org/officeDocument/2006/relationships" xmlns:p="http://schemas.openxmlformats.org/presentationml/2006/main">
+  <p:cSld>
+    <p:spTree>
+      <p:nvGrpSpPr>
+        <p:cNvPr id="1" name=""/>
+        <p:cNvGrpSpPr/>
+        <p:nvPr/>
+      </p:nvGrpSpPr>
+      <p:grpSpPr>
+        <a:xfrm>
+          <a:off x="0" y="0"/>
+          <a:ext cx="0" cy="0"/>
+          <a:chOff x="0" y="0"/>
+          <a:chExt cx="0" cy="0"/>
+        </a:xfrm>
+      </p:grpSpPr>
+      <p:sp>
+        <p:nvSpPr>
+          <p:cNvPr id="24578" name="Rectangle 2"/>
+          <p:cNvSpPr>
+            <a:spLocks noGrp="1" noChangeArrowheads="1"/>
+          </p:cNvSpPr>
+          <p:nvPr>
+            <p:ph type="title"/>
+          </p:nvPr>
+        </p:nvSpPr>
+        <p:spPr>
+          <a:xfrm>
+            <a:off x="628650" y="365127"/>
+            <a:ext cx="7886700" cy="872682"/>
+          </a:xfrm>
+        </p:spPr>
+        <p:txBody>
+          <a:bodyPr/>
+          <a:lstStyle/>
+          <a:p>
+            <a:r>
+              <a:rPr lang="en-US" dirty="0"/>
+              <a:t>Designing a Rational Agent</a:t>
+            </a:r>
+          </a:p>
+        </p:txBody>
+      </p:sp>
+      <p:pic>
+        <p:nvPicPr>
+          <p:cNvPr id="9" name="Picture 4">
+            <a:extLst>
+              <a:ext uri="{FF2B5EF4-FFF2-40B4-BE49-F238E27FC236}">
+                <a16:creationId xmlns:a16="http://schemas.microsoft.com/office/drawing/2014/main" id="{46E8AEF4-D86A-4A0B-B953-150370693E80}"/>
+              </a:ext>
+              <a:ext uri="{C183D7F6-B498-43B3-948B-1728B52AA6E4}">
+                <adec:decorative xmlns:adec="http://schemas.microsoft.com/office/drawing/2017/decorative" val="1"/>
+              </a:ext>
+            </a:extLst>
+          </p:cNvPr>
+          <p:cNvPicPr>
+            <a:picLocks noChangeAspect="1" noChangeArrowheads="1"/>
+          </p:cNvPicPr>
+          <p:nvPr/>
+        </p:nvPicPr>
+        <p:blipFill>
+          <a:blip r:embed="rId3" cstate="print"/>
+          <a:srcRect/>
+          <a:stretch>
+            <a:fillRect/>
+          </a:stretch>
+        </p:blipFill>
+        <p:spPr bwMode="auto">
+          <a:xfrm>
+            <a:off x="317851" y="1295400"/>
+            <a:ext cx="4185764" cy="1823987"/>
+          </a:xfrm>
+          <a:prstGeom prst="rect">
+            <a:avLst/>
+          </a:prstGeom>
+          <a:noFill/>
+          <a:ln w="9525">
+            <a:noFill/>
+            <a:miter lim="800000"/>
+            <a:headEnd/>
+            <a:tailEnd/>
+          </a:ln>
+        </p:spPr>
+      </p:pic>
+      <p:sp>
+        <p:nvSpPr>
+          <p:cNvPr id="3" name="TextBox 2">
+            <a:extLst>
+              <a:ext uri="{FF2B5EF4-FFF2-40B4-BE49-F238E27FC236}">
+                <a16:creationId xmlns:a16="http://schemas.microsoft.com/office/drawing/2014/main" id="{8E5BC799-A91C-F554-D39B-84A41FBC6B8A}"/>
+              </a:ext>
+            </a:extLst>
+          </p:cNvPr>
+          <p:cNvSpPr txBox="1"/>
+          <p:nvPr/>
+        </p:nvSpPr>
+        <p:spPr>
+          <a:xfrm>
+            <a:off x="4572000" y="1295400"/>
+            <a:ext cx="4419600" cy="2292174"/>
+          </a:xfrm>
+          <a:prstGeom prst="rect">
+            <a:avLst/>
+          </a:prstGeom>
+        </p:spPr>
+        <p:style>
+          <a:lnRef idx="2">
+            <a:schemeClr val="accent6"/>
+          </a:lnRef>
+          <a:fillRef idx="1">
+            <a:schemeClr val="lt1"/>
+          </a:fillRef>
+          <a:effectRef idx="0">
+            <a:schemeClr val="accent6"/>
+          </a:effectRef>
+          <a:fontRef idx="minor">
+            <a:schemeClr val="dk1"/>
+          </a:fontRef>
+        </p:style>
+        <p:txBody>
+          <a:bodyPr wrap="square">
+            <a:normAutofit fontScale="77500" lnSpcReduction="20000"/>
+          </a:bodyPr>
+          <a:lstStyle/>
+          <a:p>
+            <a:pPr marL="0" indent="0">
+              <a:buNone/>
+            </a:pPr>
+            <a:r>
+              <a:rPr lang="en-US" sz="2800" dirty="0"/>
+              <a:t>Remember the definition of a rational agent:</a:t>
+            </a:r>
+          </a:p>
+          <a:p>
+            <a:pPr marL="342900" lvl="1" indent="0">
+              <a:buNone/>
+            </a:pPr>
+            <a:r>
+              <a:rPr lang="en-US" sz="2500" i="1" dirty="0"/>
+              <a:t>“For each possible percept sequence, a rational agent should select an </a:t>
+            </a:r>
+            <a:r>
+              <a:rPr lang="en-US" sz="2500" b="1" i="1" dirty="0">
+                <a:solidFill>
+                  <a:srgbClr val="FF0000"/>
+                </a:solidFill>
+              </a:rPr>
+              <a:t>action</a:t>
+            </a:r>
+            <a:r>
+              <a:rPr lang="en-US" sz="2500" i="1" dirty="0"/>
+              <a:t> that</a:t>
+            </a:r>
+            <a:r>
+              <a:rPr lang="en-US" sz="2500" b="1" i="1" dirty="0">
+                <a:solidFill>
+                  <a:srgbClr val="FF0000"/>
+                </a:solidFill>
+              </a:rPr>
+              <a:t> maximizes its expected performance measure</a:t>
+            </a:r>
+            <a:r>
+              <a:rPr lang="en-US" sz="2500" i="1" dirty="0"/>
+              <a:t>, given the evidence provided by the </a:t>
+            </a:r>
+            <a:r>
+              <a:rPr lang="en-US" sz="2500" b="1" i="1" dirty="0">
+                <a:solidFill>
+                  <a:srgbClr val="FF0000"/>
+                </a:solidFill>
+              </a:rPr>
+              <a:t>percept sequence</a:t>
+            </a:r>
+            <a:r>
+              <a:rPr lang="en-US" sz="2500" i="1" dirty="0"/>
+              <a:t> and the </a:t>
+            </a:r>
+            <a:r>
+              <a:rPr lang="en-US" sz="2500" b="1" i="1" dirty="0">
+                <a:solidFill>
+                  <a:srgbClr val="FF0000"/>
+                </a:solidFill>
+              </a:rPr>
+              <a:t>agent’s built-in knowledge</a:t>
+            </a:r>
+            <a:r>
+              <a:rPr lang="en-US" sz="2500" i="1" dirty="0"/>
+              <a:t>.”</a:t>
+            </a:r>
+          </a:p>
+        </p:txBody>
+      </p:sp>
+      <mc:AlternateContent xmlns:mc="http://schemas.openxmlformats.org/markup-compatibility/2006" xmlns:a14="http://schemas.microsoft.com/office/drawing/2010/main">
+        <mc:Choice Requires="a14">
+          <p:sp>
+            <p:nvSpPr>
+              <p:cNvPr id="6" name="TextBox 5">
+                <a:extLst>
+                  <a:ext uri="{FF2B5EF4-FFF2-40B4-BE49-F238E27FC236}">
+                    <a16:creationId xmlns:a16="http://schemas.microsoft.com/office/drawing/2014/main" id="{B3CB2EF1-2F60-BD5B-64D9-52A45BE6269C}"/>
+                  </a:ext>
+                  <a:ext uri="{C183D7F6-B498-43B3-948B-1728B52AA6E4}">
+                    <adec:decorative xmlns:adec="http://schemas.microsoft.com/office/drawing/2017/decorative" val="1"/>
+                  </a:ext>
+                </a:extLst>
+              </p:cNvPr>
+              <p:cNvSpPr txBox="1"/>
+              <p:nvPr/>
+            </p:nvSpPr>
+            <p:spPr>
+              <a:xfrm>
+                <a:off x="3157646" y="1840214"/>
+                <a:ext cx="381000" cy="338554"/>
+              </a:xfrm>
+              <a:prstGeom prst="rect">
+                <a:avLst/>
+              </a:prstGeom>
+              <a:noFill/>
+            </p:spPr>
+            <p:txBody>
+              <a:bodyPr wrap="square">
+                <a:spAutoFit/>
+              </a:bodyPr>
+              <a:lstStyle/>
+              <a:p>
+                <a:pPr/>
+                <a14:m>
+                  <m:oMathPara xmlns:m="http://schemas.openxmlformats.org/officeDocument/2006/math">
+                    <m:oMathParaPr>
+                      <m:jc m:val="centerGroup"/>
+                    </m:oMathParaPr>
+                    <m:oMath xmlns:m="http://schemas.openxmlformats.org/officeDocument/2006/math">
+                      <m:r>
+                        <a:rPr lang="en-US" sz="1600" b="0" i="1" smtClean="0">
+                          <a:latin typeface="Cambria Math" panose="02040503050406030204" pitchFamily="18" charset="0"/>
+                        </a:rPr>
+                        <m:t>𝑓</m:t>
+                      </m:r>
+                    </m:oMath>
+                  </m:oMathPara>
+                </a14:m>
+                <a:endParaRPr lang="en-US" sz="1600" dirty="0"/>
+              </a:p>
+            </p:txBody>
+          </p:sp>
+        </mc:Choice>
+        <mc:Fallback xmlns="">
+          <p:sp>
+            <p:nvSpPr>
+              <p:cNvPr id="6" name="TextBox 5">
+                <a:extLst>
+                  <a:ext uri="{FF2B5EF4-FFF2-40B4-BE49-F238E27FC236}">
+                    <a16:creationId xmlns:a16="http://schemas.microsoft.com/office/drawing/2014/main" id="{B3CB2EF1-2F60-BD5B-64D9-52A45BE6269C}"/>
+                  </a:ext>
+                  <a:ext uri="{C183D7F6-B498-43B3-948B-1728B52AA6E4}">
+                    <adec:decorative xmlns:adec="http://schemas.microsoft.com/office/drawing/2017/decorative" val="1"/>
+                  </a:ext>
+                </a:extLst>
+              </p:cNvPr>
+              <p:cNvSpPr txBox="1">
+                <a:spLocks noRot="1" noChangeAspect="1" noMove="1" noResize="1" noEditPoints="1" noAdjustHandles="1" noChangeArrowheads="1" noChangeShapeType="1" noTextEdit="1"/>
+              </p:cNvSpPr>
+              <p:nvPr/>
+            </p:nvSpPr>
+            <p:spPr>
+              <a:xfrm>
+                <a:off x="3157646" y="1840214"/>
+                <a:ext cx="381000" cy="338554"/>
+              </a:xfrm>
+              <a:prstGeom prst="rect">
+                <a:avLst/>
+              </a:prstGeom>
+              <a:blipFill>
+                <a:blip r:embed="rId4"/>
+                <a:stretch>
+                  <a:fillRect b="-10909"/>
+                </a:stretch>
+              </a:blipFill>
+            </p:spPr>
+            <p:txBody>
+              <a:bodyPr/>
+              <a:lstStyle/>
+              <a:p>
+                <a:r>
+                  <a:rPr lang="en-US">
+                    <a:noFill/>
+                  </a:rPr>
+                  <a:t> </a:t>
+                </a:r>
+              </a:p>
+            </p:txBody>
+          </p:sp>
+        </mc:Fallback>
+      </mc:AlternateContent>
+      <p:cxnSp>
+        <p:nvCxnSpPr>
+          <p:cNvPr id="20" name="Straight Arrow Connector 19">
+            <a:extLst>
+              <a:ext uri="{FF2B5EF4-FFF2-40B4-BE49-F238E27FC236}">
+                <a16:creationId xmlns:a16="http://schemas.microsoft.com/office/drawing/2014/main" id="{197A4365-FAB8-3CB6-5EC2-595FAABE4D28}"/>
+              </a:ext>
+              <a:ext uri="{C183D7F6-B498-43B3-948B-1728B52AA6E4}">
+                <adec:decorative xmlns:adec="http://schemas.microsoft.com/office/drawing/2017/decorative" val="1"/>
+              </a:ext>
+            </a:extLst>
+          </p:cNvPr>
+          <p:cNvCxnSpPr>
+            <a:cxnSpLocks/>
+          </p:cNvCxnSpPr>
+          <p:nvPr/>
+        </p:nvCxnSpPr>
+        <p:spPr>
+          <a:xfrm flipH="1">
+            <a:off x="3192781" y="2100180"/>
+            <a:ext cx="301404" cy="295030"/>
+          </a:xfrm>
+          <a:prstGeom prst="straightConnector1">
+            <a:avLst/>
+          </a:prstGeom>
+          <a:ln>
+            <a:tailEnd type="triangle"/>
+          </a:ln>
+        </p:spPr>
+        <p:style>
+          <a:lnRef idx="1">
+            <a:schemeClr val="dk1"/>
+          </a:lnRef>
+          <a:fillRef idx="0">
+            <a:schemeClr val="dk1"/>
+          </a:fillRef>
+          <a:effectRef idx="0">
+            <a:schemeClr val="dk1"/>
+          </a:effectRef>
+          <a:fontRef idx="minor">
+            <a:schemeClr val="tx1"/>
+          </a:fontRef>
+        </p:style>
+      </p:cxnSp>
+      <p:sp>
+        <p:nvSpPr>
+          <p:cNvPr id="21" name="TextBox 20">
+            <a:extLst>
+              <a:ext uri="{FF2B5EF4-FFF2-40B4-BE49-F238E27FC236}">
+                <a16:creationId xmlns:a16="http://schemas.microsoft.com/office/drawing/2014/main" id="{4D22C628-C220-F760-6CBE-5183B8BCBD9A}"/>
+              </a:ext>
+              <a:ext uri="{C183D7F6-B498-43B3-948B-1728B52AA6E4}">
+                <adec:decorative xmlns:adec="http://schemas.microsoft.com/office/drawing/2017/decorative" val="1"/>
+              </a:ext>
+            </a:extLst>
+          </p:cNvPr>
+          <p:cNvSpPr txBox="1"/>
+          <p:nvPr/>
+        </p:nvSpPr>
+        <p:spPr>
+          <a:xfrm>
+            <a:off x="2895600" y="2100180"/>
+            <a:ext cx="571500" cy="261610"/>
+          </a:xfrm>
+          <a:prstGeom prst="rect">
+            <a:avLst/>
+          </a:prstGeom>
+          <a:noFill/>
+        </p:spPr>
+        <p:txBody>
+          <a:bodyPr wrap="square" rtlCol="0">
+            <a:spAutoFit/>
+          </a:bodyPr>
+          <a:lstStyle/>
+          <a:p>
+            <a:r>
+              <a:rPr lang="en-US" sz="1100" b="1" dirty="0"/>
+              <a:t>action</a:t>
+            </a:r>
+          </a:p>
+        </p:txBody>
+      </p:sp>
+      <p:sp>
+        <p:nvSpPr>
+          <p:cNvPr id="2" name="Arrow: Down 1">
+            <a:extLst>
+              <a:ext uri="{FF2B5EF4-FFF2-40B4-BE49-F238E27FC236}">
+                <a16:creationId xmlns:a16="http://schemas.microsoft.com/office/drawing/2014/main" id="{CEC7A0A7-0C86-2824-B18B-E587AE386CFB}"/>
+              </a:ext>
+              <a:ext uri="{C183D7F6-B498-43B3-948B-1728B52AA6E4}">
+                <adec:decorative xmlns:adec="http://schemas.microsoft.com/office/drawing/2017/decorative" val="1"/>
+              </a:ext>
+            </a:extLst>
+          </p:cNvPr>
+          <p:cNvSpPr/>
+          <p:nvPr/>
+        </p:nvSpPr>
+        <p:spPr>
+          <a:xfrm rot="20595314">
+            <a:off x="3601282" y="2862065"/>
+            <a:ext cx="685800" cy="844374"/>
+          </a:xfrm>
+          <a:prstGeom prst="downArrow">
+            <a:avLst/>
+          </a:prstGeom>
+          <a:ln/>
+        </p:spPr>
+        <p:style>
+          <a:lnRef idx="2">
+            <a:schemeClr val="accent3">
+              <a:shade val="15000"/>
+            </a:schemeClr>
+          </a:lnRef>
+          <a:fillRef idx="1">
+            <a:schemeClr val="accent3"/>
+          </a:fillRef>
+          <a:effectRef idx="0">
+            <a:schemeClr val="accent3"/>
+          </a:effectRef>
+          <a:fontRef idx="minor">
+            <a:schemeClr val="lt1"/>
+          </a:fontRef>
+        </p:style>
+        <p:txBody>
+          <a:bodyPr rtlCol="0" anchor="ctr"/>
+          <a:lstStyle/>
+          <a:p>
+            <a:pPr algn="ctr"/>
+            <a:endParaRPr lang="en-US"/>
+          </a:p>
+        </p:txBody>
+      </p:sp>
+      <p:grpSp>
+        <p:nvGrpSpPr>
+          <p:cNvPr id="8" name="Group 7">
+            <a:extLst>
+              <a:ext uri="{FF2B5EF4-FFF2-40B4-BE49-F238E27FC236}">
+                <a16:creationId xmlns:a16="http://schemas.microsoft.com/office/drawing/2014/main" id="{B38B1A3F-34AA-8D60-73EE-3B5A618630D0}"/>
+              </a:ext>
+              <a:ext uri="{C183D7F6-B498-43B3-948B-1728B52AA6E4}">
+                <adec:decorative xmlns:adec="http://schemas.microsoft.com/office/drawing/2017/decorative" val="1"/>
+              </a:ext>
+            </a:extLst>
+          </p:cNvPr>
+          <p:cNvGrpSpPr/>
+          <p:nvPr/>
+        </p:nvGrpSpPr>
+        <p:grpSpPr>
+          <a:xfrm>
+            <a:off x="2619882" y="3798765"/>
+            <a:ext cx="4648439" cy="2946551"/>
+            <a:chOff x="2619882" y="3798765"/>
+            <a:chExt cx="4648439" cy="2946551"/>
+          </a:xfrm>
+        </p:grpSpPr>
+        <p:grpSp>
+          <p:nvGrpSpPr>
+            <p:cNvPr id="7" name="Group 6">
+              <a:extLst>
+                <a:ext uri="{FF2B5EF4-FFF2-40B4-BE49-F238E27FC236}">
+                  <a16:creationId xmlns:a16="http://schemas.microsoft.com/office/drawing/2014/main" id="{46001A08-347E-082E-76DA-1ED74BFF0012}"/>
+                </a:ext>
+              </a:extLst>
+            </p:cNvPr>
+            <p:cNvGrpSpPr/>
+            <p:nvPr/>
+          </p:nvGrpSpPr>
+          <p:grpSpPr>
+            <a:xfrm>
+              <a:off x="2619882" y="3798765"/>
+              <a:ext cx="4648439" cy="2946551"/>
+              <a:chOff x="2619882" y="3798765"/>
+              <a:chExt cx="4648439" cy="2946551"/>
+            </a:xfrm>
+          </p:grpSpPr>
+          <p:pic>
+            <p:nvPicPr>
+              <p:cNvPr id="12" name="Picture 11">
+                <a:extLst>
+                  <a:ext uri="{FF2B5EF4-FFF2-40B4-BE49-F238E27FC236}">
+                    <a16:creationId xmlns:a16="http://schemas.microsoft.com/office/drawing/2014/main" id="{5BC1C46B-B850-47F4-BE5B-42730CA524ED}"/>
+                  </a:ext>
+                </a:extLst>
+              </p:cNvPr>
+              <p:cNvPicPr>
+                <a:picLocks noChangeAspect="1"/>
+              </p:cNvPicPr>
+              <p:nvPr/>
+            </p:nvPicPr>
+            <p:blipFill>
+              <a:blip r:embed="rId5"/>
+              <a:stretch>
+                <a:fillRect/>
+              </a:stretch>
+            </p:blipFill>
+            <p:spPr>
+              <a:xfrm>
+                <a:off x="2619882" y="3798765"/>
+                <a:ext cx="4648439" cy="2946551"/>
+              </a:xfrm>
+              <a:prstGeom prst="rect">
+                <a:avLst/>
+              </a:prstGeom>
+            </p:spPr>
+          </p:pic>
+          <p:sp>
+            <p:nvSpPr>
+              <p:cNvPr id="16" name="TextBox 15">
+                <a:extLst>
+                  <a:ext uri="{FF2B5EF4-FFF2-40B4-BE49-F238E27FC236}">
+                    <a16:creationId xmlns:a16="http://schemas.microsoft.com/office/drawing/2014/main" id="{F8E8F9ED-1E07-2259-2D05-7D75B295E85D}"/>
+                  </a:ext>
+                </a:extLst>
+              </p:cNvPr>
+              <p:cNvSpPr txBox="1"/>
+              <p:nvPr/>
+            </p:nvSpPr>
+            <p:spPr>
+              <a:xfrm>
+                <a:off x="4091241" y="4227075"/>
+                <a:ext cx="961518" cy="400110"/>
+              </a:xfrm>
+              <a:prstGeom prst="rect">
+                <a:avLst/>
+              </a:prstGeom>
+              <a:noFill/>
+            </p:spPr>
+            <p:txBody>
+              <a:bodyPr wrap="square" rtlCol="0">
+                <a:spAutoFit/>
+              </a:bodyPr>
+              <a:lstStyle/>
+              <a:p>
+                <a:r>
+                  <a:rPr lang="en-US" sz="1000" b="1" dirty="0">
+                    <a:latin typeface="Calibri" panose="020F0502020204030204" pitchFamily="34" charset="0"/>
+                    <a:cs typeface="Calibri" panose="020F0502020204030204" pitchFamily="34" charset="0"/>
+                  </a:rPr>
+                  <a:t>Percept to the agent function</a:t>
+                </a:r>
+              </a:p>
+            </p:txBody>
+          </p:sp>
+          <p:sp>
+            <p:nvSpPr>
+              <p:cNvPr id="17" name="TextBox 16">
+                <a:extLst>
+                  <a:ext uri="{FF2B5EF4-FFF2-40B4-BE49-F238E27FC236}">
+                    <a16:creationId xmlns:a16="http://schemas.microsoft.com/office/drawing/2014/main" id="{7350C410-4579-38AC-CCE6-0C8BF118562D}"/>
+                  </a:ext>
+                </a:extLst>
+              </p:cNvPr>
+              <p:cNvSpPr txBox="1"/>
+              <p:nvPr/>
+            </p:nvSpPr>
+            <p:spPr>
+              <a:xfrm>
+                <a:off x="4114800" y="5695650"/>
+                <a:ext cx="1066800" cy="553998"/>
+              </a:xfrm>
+              <a:prstGeom prst="rect">
+                <a:avLst/>
+              </a:prstGeom>
+              <a:noFill/>
+            </p:spPr>
+            <p:txBody>
+              <a:bodyPr wrap="square" rtlCol="0">
+                <a:spAutoFit/>
+              </a:bodyPr>
+              <a:lstStyle/>
+              <a:p>
+                <a:r>
+                  <a:rPr lang="en-US" sz="1000" b="1" dirty="0">
+                    <a:latin typeface="Calibri" panose="020F0502020204030204" pitchFamily="34" charset="0"/>
+                    <a:cs typeface="Calibri" panose="020F0502020204030204" pitchFamily="34" charset="0"/>
+                  </a:rPr>
+                  <a:t>Action from the agent function to execute</a:t>
+                </a:r>
+              </a:p>
+            </p:txBody>
+          </p:sp>
+        </p:grpSp>
+        <mc:AlternateContent xmlns:mc="http://schemas.openxmlformats.org/markup-compatibility/2006" xmlns:a14="http://schemas.microsoft.com/office/drawing/2010/main">
+          <mc:Choice Requires="a14">
+            <p:sp>
+              <p:nvSpPr>
+                <p:cNvPr id="5" name="TextBox 4">
+                  <a:extLst>
+                    <a:ext uri="{FF2B5EF4-FFF2-40B4-BE49-F238E27FC236}">
+                      <a16:creationId xmlns:a16="http://schemas.microsoft.com/office/drawing/2014/main" id="{42F55595-D275-FF3A-6A20-05F36A7860BC}"/>
+                    </a:ext>
+                  </a:extLst>
+                </p:cNvPr>
+                <p:cNvSpPr txBox="1"/>
+                <p:nvPr/>
+              </p:nvSpPr>
+              <p:spPr>
+                <a:xfrm>
+                  <a:off x="3657600" y="5313055"/>
+                  <a:ext cx="914400" cy="276999"/>
+                </a:xfrm>
+                <a:prstGeom prst="rect">
+                  <a:avLst/>
+                </a:prstGeom>
+                <a:noFill/>
+              </p:spPr>
+              <p:txBody>
+                <a:bodyPr wrap="square">
+                  <a:spAutoFit/>
+                </a:bodyPr>
+                <a:lstStyle/>
+                <a:p>
+                  <a:pPr/>
+                  <a14:m>
+                    <m:oMathPara xmlns:m="http://schemas.openxmlformats.org/officeDocument/2006/math">
+                      <m:oMathParaPr>
+                        <m:jc m:val="centerGroup"/>
+                      </m:oMathParaPr>
+                      <m:oMath xmlns:m="http://schemas.openxmlformats.org/officeDocument/2006/math">
+                        <m:r>
+                          <a:rPr lang="en-US" sz="1200" b="0" i="1" smtClean="0">
+                            <a:latin typeface="Cambria Math" panose="02040503050406030204" pitchFamily="18" charset="0"/>
+                          </a:rPr>
+                          <m:t>𝑎</m:t>
+                        </m:r>
+                        <m:r>
+                          <a:rPr lang="en-US" sz="1200" b="0" i="1" smtClean="0">
+                            <a:latin typeface="Cambria Math" panose="02040503050406030204" pitchFamily="18" charset="0"/>
+                          </a:rPr>
+                          <m:t>=</m:t>
+                        </m:r>
+                        <m:r>
+                          <a:rPr lang="en-US" sz="1200" b="0" i="1" smtClean="0">
+                            <a:latin typeface="Cambria Math" panose="02040503050406030204" pitchFamily="18" charset="0"/>
+                          </a:rPr>
+                          <m:t>𝑓</m:t>
+                        </m:r>
+                        <m:r>
+                          <a:rPr lang="en-US" sz="1200" b="0" i="1" smtClean="0">
+                            <a:latin typeface="Cambria Math" panose="02040503050406030204" pitchFamily="18" charset="0"/>
+                          </a:rPr>
+                          <m:t>(</m:t>
+                        </m:r>
+                        <m:r>
+                          <a:rPr lang="en-US" sz="1200" b="0" i="1" smtClean="0">
+                            <a:latin typeface="Cambria Math" panose="02040503050406030204" pitchFamily="18" charset="0"/>
+                          </a:rPr>
+                          <m:t>𝑝</m:t>
+                        </m:r>
+                        <m:r>
+                          <a:rPr lang="en-US" sz="1200" b="0" i="1" smtClean="0">
+                            <a:latin typeface="Cambria Math" panose="02040503050406030204" pitchFamily="18" charset="0"/>
+                          </a:rPr>
+                          <m:t>)</m:t>
+                        </m:r>
+                      </m:oMath>
+                    </m:oMathPara>
+                  </a14:m>
+                  <a:endParaRPr lang="en-US" sz="1200" dirty="0"/>
+                </a:p>
+              </p:txBody>
+            </p:sp>
+          </mc:Choice>
+          <mc:Fallback xmlns="">
+            <p:sp>
+              <p:nvSpPr>
+                <p:cNvPr id="5" name="TextBox 4">
+                  <a:extLst>
+                    <a:ext uri="{FF2B5EF4-FFF2-40B4-BE49-F238E27FC236}">
+                      <a16:creationId xmlns:a16="http://schemas.microsoft.com/office/drawing/2014/main" id="{42F55595-D275-FF3A-6A20-05F36A7860BC}"/>
+                    </a:ext>
+                  </a:extLst>
+                </p:cNvPr>
+                <p:cNvSpPr txBox="1">
+                  <a:spLocks noRot="1" noChangeAspect="1" noMove="1" noResize="1" noEditPoints="1" noAdjustHandles="1" noChangeArrowheads="1" noChangeShapeType="1" noTextEdit="1"/>
+                </p:cNvSpPr>
+                <p:nvPr/>
+              </p:nvSpPr>
+              <p:spPr>
+                <a:xfrm>
+                  <a:off x="3657600" y="5313055"/>
+                  <a:ext cx="914400" cy="276999"/>
+                </a:xfrm>
+                <a:prstGeom prst="rect">
+                  <a:avLst/>
+                </a:prstGeom>
+                <a:blipFill>
+                  <a:blip r:embed="rId8"/>
+                  <a:stretch>
+                    <a:fillRect b="-8889"/>
+                  </a:stretch>
+                </a:blipFill>
+              </p:spPr>
+              <p:txBody>
+                <a:bodyPr/>
+                <a:lstStyle/>
+                <a:p>
+                  <a:r>
+                    <a:rPr lang="en-US">
+                      <a:noFill/>
+                    </a:rPr>
+                    <a:t> </a:t>
+                  </a:r>
+                </a:p>
+              </p:txBody>
+            </p:sp>
+          </mc:Fallback>
+        </mc:AlternateContent>
+      </p:grpSp>
+      <p:sp>
+        <p:nvSpPr>
+          <p:cNvPr id="11" name="TextBox 10">
+            <a:extLst>
+              <a:ext uri="{FF2B5EF4-FFF2-40B4-BE49-F238E27FC236}">
+                <a16:creationId xmlns:a16="http://schemas.microsoft.com/office/drawing/2014/main" id="{A2B81BA7-1DFE-5682-A706-408F9989DCF6}"/>
+              </a:ext>
+            </a:extLst>
+          </p:cNvPr>
+          <p:cNvSpPr txBox="1"/>
+          <p:nvPr/>
+        </p:nvSpPr>
+        <p:spPr>
+          <a:xfrm>
+            <a:off x="2748200" y="4262178"/>
+            <a:ext cx="961518" cy="1477328"/>
+          </a:xfrm>
+          <a:prstGeom prst="rect">
+            <a:avLst/>
+          </a:prstGeom>
+          <a:noFill/>
+        </p:spPr>
+        <p:txBody>
+          <a:bodyPr wrap="square" rtlCol="0">
+            <a:spAutoFit/>
+          </a:bodyPr>
+          <a:lstStyle/>
+          <a:p>
+            <a:r>
+              <a:rPr lang="en-US" sz="1000" b="1" dirty="0">
+                <a:latin typeface="Calibri" panose="020F0502020204030204" pitchFamily="34" charset="0"/>
+                <a:cs typeface="Calibri" panose="020F0502020204030204" pitchFamily="34" charset="0"/>
+              </a:rPr>
+              <a:t>Hardware + an event loop </a:t>
+            </a:r>
+          </a:p>
+          <a:p>
+            <a:pPr marL="171450" indent="-171450">
+              <a:buFont typeface="Arial" panose="020B0604020202020204" pitchFamily="34" charset="0"/>
+              <a:buChar char="•"/>
+            </a:pPr>
+            <a:r>
+              <a:rPr lang="en-US" sz="1000" b="1" dirty="0">
+                <a:latin typeface="Calibri" panose="020F0502020204030204" pitchFamily="34" charset="0"/>
+                <a:cs typeface="Calibri" panose="020F0502020204030204" pitchFamily="34" charset="0"/>
+              </a:rPr>
+              <a:t>Read the sensors</a:t>
+            </a:r>
+          </a:p>
+          <a:p>
+            <a:pPr marL="171450" indent="-171450">
+              <a:buFont typeface="Arial" panose="020B0604020202020204" pitchFamily="34" charset="0"/>
+              <a:buChar char="•"/>
+            </a:pPr>
+            <a:r>
+              <a:rPr lang="en-US" sz="1000" b="1" dirty="0">
+                <a:latin typeface="Calibri" panose="020F0502020204030204" pitchFamily="34" charset="0"/>
+                <a:cs typeface="Calibri" panose="020F0502020204030204" pitchFamily="34" charset="0"/>
+              </a:rPr>
+              <a:t>Ask agent function for action</a:t>
+            </a:r>
+          </a:p>
+          <a:p>
+            <a:pPr marL="171450" indent="-171450">
+              <a:buFont typeface="Arial" panose="020B0604020202020204" pitchFamily="34" charset="0"/>
+              <a:buChar char="•"/>
+            </a:pPr>
+            <a:r>
+              <a:rPr lang="en-US" sz="1000" b="1" dirty="0">
+                <a:latin typeface="Calibri" panose="020F0502020204030204" pitchFamily="34" charset="0"/>
+                <a:cs typeface="Calibri" panose="020F0502020204030204" pitchFamily="34" charset="0"/>
+              </a:rPr>
+              <a:t>Execute action</a:t>
+            </a:r>
+          </a:p>
+        </p:txBody>
+      </p:sp>
+      <p:sp>
+        <p:nvSpPr>
+          <p:cNvPr id="4" name="Speech Bubble: Rectangle 3">
+            <a:extLst>
+              <a:ext uri="{FF2B5EF4-FFF2-40B4-BE49-F238E27FC236}">
+                <a16:creationId xmlns:a16="http://schemas.microsoft.com/office/drawing/2014/main" id="{B3BCC7E8-1ECE-D23A-F5F7-94B050721690}"/>
+              </a:ext>
+            </a:extLst>
+          </p:cNvPr>
+          <p:cNvSpPr/>
+          <p:nvPr/>
+        </p:nvSpPr>
+        <p:spPr>
+          <a:xfrm>
+            <a:off x="349991" y="4695932"/>
+            <a:ext cx="2011567" cy="1905000"/>
+          </a:xfrm>
+          <a:prstGeom prst="wedgeRectCallout">
+            <a:avLst>
+              <a:gd name="adj1" fmla="val 121190"/>
+              <a:gd name="adj2" fmla="val 616"/>
+            </a:avLst>
+          </a:prstGeom>
+          <a:ln/>
+        </p:spPr>
+        <p:style>
+          <a:lnRef idx="2">
+            <a:schemeClr val="accent3">
+              <a:shade val="15000"/>
+            </a:schemeClr>
+          </a:lnRef>
+          <a:fillRef idx="1">
+            <a:schemeClr val="accent3"/>
+          </a:fillRef>
+          <a:effectRef idx="0">
+            <a:schemeClr val="accent3"/>
+          </a:effectRef>
+          <a:fontRef idx="minor">
+            <a:schemeClr val="lt1"/>
+          </a:fontRef>
+        </p:style>
+        <p:txBody>
+          <a:bodyPr rtlCol="0" anchor="ctr"/>
+          <a:lstStyle/>
+          <a:p>
+            <a:pPr algn="ctr"/>
+            <a:r>
+              <a:rPr lang="en-US" sz="1600" b="1" dirty="0"/>
+              <a:t>Agent Function</a:t>
+            </a:r>
+          </a:p>
+          <a:p>
+            <a:pPr marL="285750" indent="-285750">
+              <a:buFont typeface="Arial" panose="020B0604020202020204" pitchFamily="34" charset="0"/>
+              <a:buChar char="•"/>
+            </a:pPr>
+            <a:r>
+              <a:rPr lang="en-US" sz="1400" dirty="0"/>
+              <a:t>Represents the “brain”</a:t>
+            </a:r>
+          </a:p>
+          <a:p>
+            <a:pPr marL="285750" indent="-285750">
+              <a:buFont typeface="Arial" panose="020B0604020202020204" pitchFamily="34" charset="0"/>
+              <a:buChar char="•"/>
+            </a:pPr>
+            <a:r>
+              <a:rPr lang="en-US" sz="1400" dirty="0"/>
+              <a:t>Assess performance measure</a:t>
+            </a:r>
+          </a:p>
+          <a:p>
+            <a:pPr marL="285750" indent="-285750">
+              <a:buFont typeface="Arial" panose="020B0604020202020204" pitchFamily="34" charset="0"/>
+              <a:buChar char="•"/>
+            </a:pPr>
+            <a:r>
+              <a:rPr lang="en-US" sz="1400" dirty="0"/>
+              <a:t>Remember percept sequence</a:t>
+            </a:r>
+          </a:p>
+          <a:p>
+            <a:pPr marL="285750" indent="-285750">
+              <a:buFont typeface="Arial" panose="020B0604020202020204" pitchFamily="34" charset="0"/>
+              <a:buChar char="•"/>
+            </a:pPr>
+            <a:r>
+              <a:rPr lang="en-US" sz="1400" dirty="0"/>
+              <a:t>Built-in knowledge</a:t>
+            </a:r>
+          </a:p>
+        </p:txBody>
+      </p:sp>
+      <p:sp>
+        <p:nvSpPr>
+          <p:cNvPr id="13" name="TextBox 12">
+            <a:extLst>
+              <a:ext uri="{FF2B5EF4-FFF2-40B4-BE49-F238E27FC236}">
+                <a16:creationId xmlns:a16="http://schemas.microsoft.com/office/drawing/2014/main" id="{084BD0FD-126E-2D69-D249-07D9FB56287C}"/>
+              </a:ext>
+              <a:ext uri="{C183D7F6-B498-43B3-948B-1728B52AA6E4}">
+                <adec:decorative xmlns:adec="http://schemas.microsoft.com/office/drawing/2017/decorative" val="1"/>
+              </a:ext>
+            </a:extLst>
+          </p:cNvPr>
+          <p:cNvSpPr txBox="1"/>
+          <p:nvPr/>
+        </p:nvSpPr>
+        <p:spPr>
+          <a:xfrm>
+            <a:off x="3261166" y="1884040"/>
+            <a:ext cx="625034" cy="279979"/>
+          </a:xfrm>
+          <a:prstGeom prst="rect">
+            <a:avLst/>
+          </a:prstGeom>
+          <a:solidFill>
+            <a:schemeClr val="accent6">
+              <a:alpha val="50000"/>
+            </a:schemeClr>
+          </a:solidFill>
+          <a:ln>
+            <a:noFill/>
+          </a:ln>
+        </p:spPr>
+        <p:style>
+          <a:lnRef idx="0">
+            <a:scrgbClr r="0" g="0" b="0"/>
+          </a:lnRef>
+          <a:fillRef idx="0">
+            <a:scrgbClr r="0" g="0" b="0"/>
+          </a:fillRef>
+          <a:effectRef idx="0">
+            <a:scrgbClr r="0" g="0" b="0"/>
+          </a:effectRef>
+          <a:fontRef idx="minor">
+            <a:schemeClr val="lt1"/>
+          </a:fontRef>
+        </p:style>
+        <p:txBody>
+          <a:bodyPr wrap="square" rtlCol="0">
+            <a:spAutoFit/>
+          </a:bodyPr>
+          <a:lstStyle/>
+          <a:p>
+            <a:endParaRPr lang="en-US" dirty="0"/>
+          </a:p>
+        </p:txBody>
+      </p:sp>
+      <p:sp>
+        <p:nvSpPr>
+          <p:cNvPr id="14" name="TextBox 13">
+            <a:extLst>
+              <a:ext uri="{FF2B5EF4-FFF2-40B4-BE49-F238E27FC236}">
+                <a16:creationId xmlns:a16="http://schemas.microsoft.com/office/drawing/2014/main" id="{BDB8EE00-E784-B5AE-6682-BDE1C2E3213B}"/>
+              </a:ext>
+              <a:ext uri="{C183D7F6-B498-43B3-948B-1728B52AA6E4}">
+                <adec:decorative xmlns:adec="http://schemas.microsoft.com/office/drawing/2017/decorative" val="1"/>
+              </a:ext>
+            </a:extLst>
+          </p:cNvPr>
+          <p:cNvSpPr txBox="1"/>
+          <p:nvPr/>
+        </p:nvSpPr>
+        <p:spPr>
+          <a:xfrm>
+            <a:off x="3709717" y="4850626"/>
+            <a:ext cx="793897" cy="788174"/>
+          </a:xfrm>
+          <a:prstGeom prst="rect">
+            <a:avLst/>
+          </a:prstGeom>
+          <a:solidFill>
+            <a:schemeClr val="accent6">
+              <a:alpha val="50000"/>
+            </a:schemeClr>
+          </a:solidFill>
+          <a:ln>
+            <a:noFill/>
+          </a:ln>
+        </p:spPr>
+        <p:style>
+          <a:lnRef idx="0">
+            <a:scrgbClr r="0" g="0" b="0"/>
+          </a:lnRef>
+          <a:fillRef idx="0">
+            <a:scrgbClr r="0" g="0" b="0"/>
+          </a:fillRef>
+          <a:effectRef idx="0">
+            <a:scrgbClr r="0" g="0" b="0"/>
+          </a:effectRef>
+          <a:fontRef idx="minor">
+            <a:schemeClr val="lt1"/>
+          </a:fontRef>
+        </p:style>
+        <p:txBody>
+          <a:bodyPr wrap="square" rtlCol="0">
+            <a:spAutoFit/>
+          </a:bodyPr>
+          <a:lstStyle/>
+          <a:p>
+            <a:endParaRPr lang="en-US" dirty="0"/>
+          </a:p>
+        </p:txBody>
+      </p:sp>
+      <p:sp>
+        <p:nvSpPr>
+          <p:cNvPr id="18" name="TextBox 17">
+            <a:extLst>
+              <a:ext uri="{FF2B5EF4-FFF2-40B4-BE49-F238E27FC236}">
+                <a16:creationId xmlns:a16="http://schemas.microsoft.com/office/drawing/2014/main" id="{01F3DC52-536A-9328-7E14-B5FA2C6383F0}"/>
+              </a:ext>
+            </a:extLst>
+          </p:cNvPr>
+          <p:cNvSpPr txBox="1"/>
+          <p:nvPr/>
+        </p:nvSpPr>
+        <p:spPr>
+          <a:xfrm>
+            <a:off x="7396639" y="4171450"/>
+            <a:ext cx="1524000" cy="2462213"/>
+          </a:xfrm>
+          <a:prstGeom prst="rect">
+            <a:avLst/>
+          </a:prstGeom>
+          <a:ln/>
+        </p:spPr>
+        <p:style>
+          <a:lnRef idx="2">
+            <a:schemeClr val="accent3">
+              <a:shade val="15000"/>
+            </a:schemeClr>
+          </a:lnRef>
+          <a:fillRef idx="1">
+            <a:schemeClr val="accent3"/>
+          </a:fillRef>
+          <a:effectRef idx="0">
+            <a:schemeClr val="accent3"/>
+          </a:effectRef>
+          <a:fontRef idx="minor">
+            <a:schemeClr val="lt1"/>
+          </a:fontRef>
+        </p:style>
+        <p:txBody>
+          <a:bodyPr wrap="square" rtlCol="0">
+            <a:spAutoFit/>
+          </a:bodyPr>
+          <a:lstStyle/>
+          <a:p>
+            <a:r>
+              <a:rPr lang="en-US" sz="1400" b="1" dirty="0"/>
+              <a:t>Important</a:t>
+            </a:r>
+            <a:r>
+              <a:rPr lang="en-US" sz="1400" dirty="0"/>
+              <a:t>: Everything outside the agent function represents the environment.</a:t>
+            </a:r>
+          </a:p>
+          <a:p>
+            <a:r>
+              <a:rPr lang="en-US" sz="1400" dirty="0"/>
+              <a:t>This includes the physical robot, its sensors and its actuators, and event loop!</a:t>
+            </a:r>
+          </a:p>
+        </p:txBody>
+      </p:sp>
+    </p:spTree>
+    <p:extLst>
+      <p:ext uri="{BB962C8B-B14F-4D97-AF65-F5344CB8AC3E}">
+        <p14:creationId xmlns:p14="http://schemas.microsoft.com/office/powerpoint/2010/main" val="56906529"/>
+      </p:ext>
+    </p:extLst>
+  </p:cSld>
+  <p:clrMapOvr>
+    <a:masterClrMapping/>
+  </p:clrMapOvr>
+  <p:timing>
+    <p:tnLst>
+      <p:par>
+        <p:cTn id="1" dur="indefinite" restart="never" nodeType="tmRoot">
+          <p:childTnLst>
+            <p:seq concurrent="1" nextAc="seek">
+              <p:cTn id="2" dur="indefinite" nodeType="mainSeq">
+                <p:childTnLst>
+                  <p:par>
+                    <p:cTn id="3" fill="hold">
+                      <p:stCondLst>
+                        <p:cond delay="indefinite"/>
+                      </p:stCondLst>
+                      <p:childTnLst>
+                        <p:par>
+                          <p:cTn id="4" fill="hold">
+                            <p:stCondLst>
+                              <p:cond delay="0"/>
+                            </p:stCondLst>
+                            <p:childTnLst>
+                              <p:par>
+                                <p:cTn id="5" presetID="1" presetClass="entr" presetSubtype="0" fill="hold" grpId="0" nodeType="clickEffect">
+                                  <p:stCondLst>
+                                    <p:cond delay="0"/>
+                                  </p:stCondLst>
+                                  <p:childTnLst>
+                                    <p:set>
+                                      <p:cBhvr>
+                                        <p:cTn id="6" dur="1" fill="hold">
+                                          <p:stCondLst>
+                                            <p:cond delay="0"/>
+                                          </p:stCondLst>
+                                        </p:cTn>
+                                        <p:tgtEl>
+                                          <p:spTgt spid="2"/>
+                                        </p:tgtEl>
+                                        <p:attrNameLst>
+                                          <p:attrName>style.visibility</p:attrName>
+                                        </p:attrNameLst>
+                                      </p:cBhvr>
+                                      <p:to>
+                                        <p:strVal val="visible"/>
+                                      </p:to>
+                                    </p:set>
+                                  </p:childTnLst>
+                                </p:cTn>
+                              </p:par>
+                              <p:par>
+                                <p:cTn id="7" presetID="1" presetClass="entr" presetSubtype="0" fill="hold" nodeType="withEffect">
+                                  <p:stCondLst>
+                                    <p:cond delay="0"/>
+                                  </p:stCondLst>
+                                  <p:childTnLst>
+                                    <p:set>
+                                      <p:cBhvr>
+                                        <p:cTn id="8" dur="1" fill="hold">
+                                          <p:stCondLst>
+                                            <p:cond delay="0"/>
+                                          </p:stCondLst>
+                                        </p:cTn>
+                                        <p:tgtEl>
+                                          <p:spTgt spid="8"/>
+                                        </p:tgtEl>
+                                        <p:attrNameLst>
+                                          <p:attrName>style.visibility</p:attrName>
+                                        </p:attrNameLst>
+                                      </p:cBhvr>
+                                      <p:to>
+                                        <p:strVal val="visible"/>
+                                      </p:to>
+                                    </p:set>
+                                  </p:childTnLst>
+                                </p:cTn>
+                              </p:par>
+                            </p:childTnLst>
+                          </p:cTn>
+                        </p:par>
+                        <p:par>
+                          <p:cTn id="9" fill="hold">
+                            <p:stCondLst>
+                              <p:cond delay="0"/>
+                            </p:stCondLst>
+                            <p:childTnLst>
+                              <p:par>
+                                <p:cTn id="10" presetID="1" presetClass="entr" presetSubtype="0" fill="hold" grpId="0" nodeType="afterEffect">
+                                  <p:stCondLst>
+                                    <p:cond delay="0"/>
+                                  </p:stCondLst>
+                                  <p:childTnLst>
+                                    <p:set>
+                                      <p:cBhvr>
+                                        <p:cTn id="11" dur="1" fill="hold">
+                                          <p:stCondLst>
+                                            <p:cond delay="0"/>
+                                          </p:stCondLst>
+                                        </p:cTn>
+                                        <p:tgtEl>
+                                          <p:spTgt spid="14"/>
+                                        </p:tgtEl>
+                                        <p:attrNameLst>
+                                          <p:attrName>style.visibility</p:attrName>
+                                        </p:attrNameLst>
+                                      </p:cBhvr>
+                                      <p:to>
+                                        <p:strVal val="visible"/>
+                                      </p:to>
+                                    </p:set>
+                                  </p:childTnLst>
+                                </p:cTn>
+                              </p:par>
+                              <p:par>
+                                <p:cTn id="12" presetID="1" presetClass="entr" presetSubtype="0" fill="hold" grpId="0" nodeType="withEffect">
+                                  <p:stCondLst>
+                                    <p:cond delay="0"/>
+                                  </p:stCondLst>
+                                  <p:childTnLst>
+                                    <p:set>
+                                      <p:cBhvr>
+                                        <p:cTn id="13" dur="1" fill="hold">
+                                          <p:stCondLst>
+                                            <p:cond delay="0"/>
+                                          </p:stCondLst>
+                                        </p:cTn>
+                                        <p:tgtEl>
+                                          <p:spTgt spid="11"/>
+                                        </p:tgtEl>
+                                        <p:attrNameLst>
+                                          <p:attrName>style.visibility</p:attrName>
+                                        </p:attrNameLst>
+                                      </p:cBhvr>
+                                      <p:to>
+                                        <p:strVal val="visible"/>
+                                      </p:to>
+                                    </p:set>
+                                  </p:childTnLst>
+                                </p:cTn>
+                              </p:par>
+                            </p:childTnLst>
+                          </p:cTn>
+                        </p:par>
+                      </p:childTnLst>
+                    </p:cTn>
+                  </p:par>
+                  <p:par>
+                    <p:cTn id="14" fill="hold">
+                      <p:stCondLst>
+                        <p:cond delay="indefinite"/>
+                      </p:stCondLst>
+                      <p:childTnLst>
+                        <p:par>
+                          <p:cTn id="15" fill="hold">
+                            <p:stCondLst>
+                              <p:cond delay="0"/>
+                            </p:stCondLst>
+                            <p:childTnLst>
+                              <p:par>
+                                <p:cTn id="16" presetID="1" presetClass="entr" presetSubtype="0" fill="hold" grpId="0" nodeType="clickEffect">
+                                  <p:stCondLst>
+                                    <p:cond delay="0"/>
+                                  </p:stCondLst>
+                                  <p:childTnLst>
+                                    <p:set>
+                                      <p:cBhvr>
+                                        <p:cTn id="17" dur="1" fill="hold">
+                                          <p:stCondLst>
+                                            <p:cond delay="0"/>
+                                          </p:stCondLst>
+                                        </p:cTn>
+                                        <p:tgtEl>
+                                          <p:spTgt spid="4"/>
+                                        </p:tgtEl>
+                                        <p:attrNameLst>
+                                          <p:attrName>style.visibility</p:attrName>
+                                        </p:attrNameLst>
+                                      </p:cBhvr>
+                                      <p:to>
+                                        <p:strVal val="visible"/>
+                                      </p:to>
+                                    </p:set>
+                                  </p:childTnLst>
+                                </p:cTn>
+                              </p:par>
+                              <p:par>
+                                <p:cTn id="18" presetID="1" presetClass="entr" presetSubtype="0" fill="hold" grpId="0" nodeType="withEffect">
+                                  <p:stCondLst>
+                                    <p:cond delay="0"/>
+                                  </p:stCondLst>
+                                  <p:childTnLst>
+                                    <p:set>
+                                      <p:cBhvr>
+                                        <p:cTn id="19" dur="1" fill="hold">
+                                          <p:stCondLst>
+                                            <p:cond delay="0"/>
+                                          </p:stCondLst>
+                                        </p:cTn>
+                                        <p:tgtEl>
+                                          <p:spTgt spid="18"/>
+                                        </p:tgtEl>
+                                        <p:attrNameLst>
+                                          <p:attrName>style.visibility</p:attrName>
+                                        </p:attrNameLst>
+                                      </p:cBhvr>
+                                      <p:to>
+                                        <p:strVal val="visible"/>
+                                      </p:to>
+                                    </p:set>
+                                  </p:childTnLst>
+                                </p:cTn>
+                              </p:par>
+                            </p:childTnLst>
+                          </p:cTn>
+                        </p:par>
+                      </p:childTnLst>
+                    </p:cTn>
+                  </p:par>
+                </p:childTnLst>
+              </p:cTn>
+              <p:prevCondLst>
+                <p:cond evt="onPrev" delay="0">
+                  <p:tgtEl>
+                    <p:sldTgt/>
+                  </p:tgtEl>
+                </p:cond>
+              </p:prevCondLst>
+              <p:nextCondLst>
+                <p:cond evt="onNext" delay="0">
+                  <p:tgtEl>
+                    <p:sldTgt/>
+                  </p:tgtEl>
+                </p:cond>
+              </p:nextCondLst>
+            </p:seq>
+          </p:childTnLst>
+        </p:cTn>
+      </p:par>
+    </p:tnLst>
+    <p:bldLst>
+      <p:bldP spid="2" grpId="0" animBg="1"/>
+      <p:bldP spid="11" grpId="0"/>
+      <p:bldP spid="4" grpId="0" animBg="1"/>
+      <p:bldP spid="14" grpId="0" animBg="1"/>
+      <p:bldP spid="18" grpId="0" animBg="1"/>
+    </p:bldLst>
+  </p:timing>
 </p:sld>
 </file>
 
@@ -15264,6 +16324,548 @@
       </p:grpSpPr>
       <p:sp>
         <p:nvSpPr>
+          <p:cNvPr id="2" name="Title 1">
+            <a:extLst>
+              <a:ext uri="{FF2B5EF4-FFF2-40B4-BE49-F238E27FC236}">
+                <a16:creationId xmlns:a16="http://schemas.microsoft.com/office/drawing/2014/main" id="{0F727B5A-ADFB-4041-8CA1-D79831A7BDD9}"/>
+              </a:ext>
+            </a:extLst>
+          </p:cNvPr>
+          <p:cNvSpPr>
+            <a:spLocks noGrp="1"/>
+          </p:cNvSpPr>
+          <p:nvPr>
+            <p:ph type="title"/>
+          </p:nvPr>
+        </p:nvSpPr>
+        <p:spPr/>
+        <p:txBody>
+          <a:bodyPr/>
+          <a:lstStyle/>
+          <a:p>
+            <a:r>
+              <a:rPr lang="en-US" dirty="0"/>
+              <a:t>State Representation</a:t>
+            </a:r>
+          </a:p>
+        </p:txBody>
+      </p:sp>
+      <p:sp>
+        <p:nvSpPr>
+          <p:cNvPr id="3" name="Content Placeholder 2">
+            <a:extLst>
+              <a:ext uri="{FF2B5EF4-FFF2-40B4-BE49-F238E27FC236}">
+                <a16:creationId xmlns:a16="http://schemas.microsoft.com/office/drawing/2014/main" id="{A8D8124E-678D-40F0-8214-4360179CDBA0}"/>
+              </a:ext>
+            </a:extLst>
+          </p:cNvPr>
+          <p:cNvSpPr>
+            <a:spLocks noGrp="1"/>
+          </p:cNvSpPr>
+          <p:nvPr>
+            <p:ph idx="1"/>
+          </p:nvPr>
+        </p:nvSpPr>
+        <p:spPr>
+          <a:xfrm>
+            <a:off x="628650" y="1600200"/>
+            <a:ext cx="7886700" cy="1143000"/>
+          </a:xfrm>
+        </p:spPr>
+        <p:txBody>
+          <a:bodyPr>
+            <a:normAutofit fontScale="85000" lnSpcReduction="20000"/>
+          </a:bodyPr>
+          <a:lstStyle/>
+          <a:p>
+            <a:pPr marL="0" indent="0">
+              <a:buNone/>
+            </a:pPr>
+            <a:r>
+              <a:rPr lang="en-US" sz="2000" dirty="0"/>
+              <a:t>States help to keep track of the environment and the agent in the environment. This is often also called the </a:t>
+            </a:r>
+            <a:r>
+              <a:rPr lang="en-US" sz="2000" b="1" dirty="0"/>
+              <a:t>system state</a:t>
+            </a:r>
+            <a:r>
+              <a:rPr lang="en-US" sz="2000" dirty="0"/>
+              <a:t>. The representation can be </a:t>
+            </a:r>
+          </a:p>
+          <a:p>
+            <a:pPr lvl="1"/>
+            <a:r>
+              <a:rPr lang="en-US" b="1" dirty="0"/>
+              <a:t>Atomic</a:t>
+            </a:r>
+            <a:r>
+              <a:rPr lang="en-US" dirty="0"/>
+              <a:t>: Just a label for a black box. E.g., A, B</a:t>
+            </a:r>
+          </a:p>
+          <a:p>
+            <a:pPr lvl="1"/>
+            <a:r>
+              <a:rPr lang="en-US" b="1" dirty="0"/>
+              <a:t>Factored</a:t>
+            </a:r>
+            <a:r>
+              <a:rPr lang="en-US" dirty="0"/>
+              <a:t>: A set of attribute values called </a:t>
+            </a:r>
+            <a:r>
+              <a:rPr lang="en-US" dirty="0" err="1"/>
+              <a:t>fluents</a:t>
+            </a:r>
+            <a:r>
+              <a:rPr lang="en-US" dirty="0"/>
+              <a:t>. </a:t>
+            </a:r>
+            <a:br>
+              <a:rPr lang="en-US" dirty="0"/>
+            </a:br>
+            <a:r>
+              <a:rPr lang="en-US" dirty="0"/>
+              <a:t>                  E.g., [location = left, status = clean, temperature = 75 deg. F] </a:t>
+            </a:r>
+            <a:endParaRPr lang="en-US" sz="2400" dirty="0"/>
+          </a:p>
+          <a:p>
+            <a:endParaRPr lang="en-US" sz="2000" dirty="0"/>
+          </a:p>
+          <a:p>
+            <a:endParaRPr lang="en-US" sz="2000" dirty="0"/>
+          </a:p>
+          <a:p>
+            <a:endParaRPr lang="en-US" sz="2000" dirty="0"/>
+          </a:p>
+          <a:p>
+            <a:endParaRPr lang="en-US" sz="2000" dirty="0"/>
+          </a:p>
+          <a:p>
+            <a:endParaRPr lang="en-US" sz="2000" dirty="0"/>
+          </a:p>
+          <a:p>
+            <a:pPr marL="0" indent="0">
+              <a:buNone/>
+            </a:pPr>
+            <a:endParaRPr lang="en-US" sz="2000" b="1" dirty="0">
+              <a:solidFill>
+                <a:srgbClr val="FF0000"/>
+              </a:solidFill>
+            </a:endParaRPr>
+          </a:p>
+          <a:p>
+            <a:pPr marL="0" indent="0">
+              <a:buNone/>
+            </a:pPr>
+            <a:endParaRPr lang="en-US" sz="2000" b="1" dirty="0">
+              <a:solidFill>
+                <a:srgbClr val="FF0000"/>
+              </a:solidFill>
+            </a:endParaRPr>
+          </a:p>
+          <a:p>
+            <a:pPr marL="0" indent="0">
+              <a:buNone/>
+            </a:pPr>
+            <a:endParaRPr lang="en-US" sz="2000" dirty="0"/>
+          </a:p>
+          <a:p>
+            <a:pPr marL="0" indent="0">
+              <a:buNone/>
+            </a:pPr>
+            <a:endParaRPr lang="en-US" sz="2000" dirty="0"/>
+          </a:p>
+        </p:txBody>
+      </p:sp>
+      <p:pic>
+        <p:nvPicPr>
+          <p:cNvPr id="4" name="Picture 3" descr="A figure showinf two atomic states as boxes and then a factored state decription where the states contain variables describing the state.">
+            <a:extLst>
+              <a:ext uri="{FF2B5EF4-FFF2-40B4-BE49-F238E27FC236}">
+                <a16:creationId xmlns:a16="http://schemas.microsoft.com/office/drawing/2014/main" id="{BA80952D-B85D-4F0D-B7D7-FD1AEFB93BCD}"/>
+              </a:ext>
+              <a:ext uri="{C183D7F6-B498-43B3-948B-1728B52AA6E4}">
+                <adec:decorative xmlns:adec="http://schemas.microsoft.com/office/drawing/2017/decorative" val="0"/>
+              </a:ext>
+            </a:extLst>
+          </p:cNvPr>
+          <p:cNvPicPr>
+            <a:picLocks noChangeAspect="1"/>
+          </p:cNvPicPr>
+          <p:nvPr/>
+        </p:nvPicPr>
+        <p:blipFill rotWithShape="1">
+          <a:blip r:embed="rId3"/>
+          <a:srcRect r="40741" b="29953"/>
+          <a:stretch/>
+        </p:blipFill>
+        <p:spPr>
+          <a:xfrm>
+            <a:off x="1981200" y="2971800"/>
+            <a:ext cx="2982360" cy="1828800"/>
+          </a:xfrm>
+          <a:prstGeom prst="rect">
+            <a:avLst/>
+          </a:prstGeom>
+        </p:spPr>
+      </p:pic>
+      <p:sp>
+        <p:nvSpPr>
+          <p:cNvPr id="5" name="Speech Bubble: Rectangle 4">
+            <a:extLst>
+              <a:ext uri="{FF2B5EF4-FFF2-40B4-BE49-F238E27FC236}">
+                <a16:creationId xmlns:a16="http://schemas.microsoft.com/office/drawing/2014/main" id="{A1F6455A-2485-B0DA-DAC2-B15E3F61A4BE}"/>
+              </a:ext>
+            </a:extLst>
+          </p:cNvPr>
+          <p:cNvSpPr/>
+          <p:nvPr/>
+        </p:nvSpPr>
+        <p:spPr>
+          <a:xfrm>
+            <a:off x="1447800" y="2895600"/>
+            <a:ext cx="1257300" cy="533400"/>
+          </a:xfrm>
+          <a:prstGeom prst="wedgeRectCallout">
+            <a:avLst>
+              <a:gd name="adj1" fmla="val 43371"/>
+              <a:gd name="adj2" fmla="val 109770"/>
+            </a:avLst>
+          </a:prstGeom>
+        </p:spPr>
+        <p:style>
+          <a:lnRef idx="2">
+            <a:schemeClr val="accent3">
+              <a:shade val="15000"/>
+            </a:schemeClr>
+          </a:lnRef>
+          <a:fillRef idx="1">
+            <a:schemeClr val="accent3"/>
+          </a:fillRef>
+          <a:effectRef idx="0">
+            <a:schemeClr val="accent3"/>
+          </a:effectRef>
+          <a:fontRef idx="minor">
+            <a:schemeClr val="lt1"/>
+          </a:fontRef>
+        </p:style>
+        <p:txBody>
+          <a:bodyPr rtlCol="0" anchor="ctr"/>
+          <a:lstStyle/>
+          <a:p>
+            <a:pPr algn="ctr"/>
+            <a:r>
+              <a:rPr lang="en-US" sz="1400" dirty="0"/>
+              <a:t>Action causes transition</a:t>
+            </a:r>
+          </a:p>
+        </p:txBody>
+      </p:sp>
+      <p:sp>
+        <p:nvSpPr>
+          <p:cNvPr id="6" name="Speech Bubble: Rectangle 5">
+            <a:extLst>
+              <a:ext uri="{FF2B5EF4-FFF2-40B4-BE49-F238E27FC236}">
+                <a16:creationId xmlns:a16="http://schemas.microsoft.com/office/drawing/2014/main" id="{DE306C82-3C11-0925-0BB1-2921BC51CE19}"/>
+              </a:ext>
+            </a:extLst>
+          </p:cNvPr>
+          <p:cNvSpPr/>
+          <p:nvPr/>
+        </p:nvSpPr>
+        <p:spPr>
+          <a:xfrm>
+            <a:off x="5791200" y="2887663"/>
+            <a:ext cx="1676400" cy="769938"/>
+          </a:xfrm>
+          <a:prstGeom prst="wedgeRectCallout">
+            <a:avLst>
+              <a:gd name="adj1" fmla="val -121544"/>
+              <a:gd name="adj2" fmla="val 43903"/>
+            </a:avLst>
+          </a:prstGeom>
+          <a:ln/>
+        </p:spPr>
+        <p:style>
+          <a:lnRef idx="2">
+            <a:schemeClr val="accent3">
+              <a:shade val="15000"/>
+            </a:schemeClr>
+          </a:lnRef>
+          <a:fillRef idx="1">
+            <a:schemeClr val="accent3"/>
+          </a:fillRef>
+          <a:effectRef idx="0">
+            <a:schemeClr val="accent3"/>
+          </a:effectRef>
+          <a:fontRef idx="minor">
+            <a:schemeClr val="lt1"/>
+          </a:fontRef>
+        </p:style>
+        <p:txBody>
+          <a:bodyPr rtlCol="0" anchor="ctr"/>
+          <a:lstStyle/>
+          <a:p>
+            <a:pPr algn="ctr"/>
+            <a:r>
+              <a:rPr lang="en-US" sz="1400" dirty="0"/>
+              <a:t>Variables describing the system state are called “</a:t>
+            </a:r>
+            <a:r>
+              <a:rPr lang="en-US" sz="1400" dirty="0" err="1"/>
+              <a:t>fluents</a:t>
+            </a:r>
+            <a:r>
+              <a:rPr lang="en-US" sz="1400" dirty="0"/>
+              <a:t>”</a:t>
+            </a:r>
+          </a:p>
+        </p:txBody>
+      </p:sp>
+      <mc:AlternateContent xmlns:mc="http://schemas.openxmlformats.org/markup-compatibility/2006" xmlns:a14="http://schemas.microsoft.com/office/drawing/2010/main">
+        <mc:Choice Requires="a14">
+          <p:sp>
+            <p:nvSpPr>
+              <p:cNvPr id="8" name="TextBox 7">
+                <a:extLst>
+                  <a:ext uri="{FF2B5EF4-FFF2-40B4-BE49-F238E27FC236}">
+                    <a16:creationId xmlns:a16="http://schemas.microsoft.com/office/drawing/2014/main" id="{01D0D7C3-8100-410F-21C7-DAC246620F5E}"/>
+                  </a:ext>
+                </a:extLst>
+              </p:cNvPr>
+              <p:cNvSpPr txBox="1"/>
+              <p:nvPr/>
+            </p:nvSpPr>
+            <p:spPr>
+              <a:xfrm>
+                <a:off x="628650" y="4929612"/>
+                <a:ext cx="8001000" cy="1569660"/>
+              </a:xfrm>
+              <a:prstGeom prst="rect">
+                <a:avLst/>
+              </a:prstGeom>
+              <a:noFill/>
+            </p:spPr>
+            <p:txBody>
+              <a:bodyPr wrap="square">
+                <a:spAutoFit/>
+              </a:bodyPr>
+              <a:lstStyle/>
+              <a:p>
+                <a:r>
+                  <a:rPr lang="en-US" sz="1600" dirty="0"/>
+                  <a:t>We often construct atomic labels from factored information. E.g.: If the agent’s state is the coordinate x = 7 and y = 3, then the atomic state label could be the string “(7, 3)”. With the atomic representation, we can only compare if two labels are the same. With the factored state representation, we can reason more and calculate the distance between states!</a:t>
+                </a:r>
+              </a:p>
+              <a:p>
+                <a:pPr marL="285750" indent="-285750">
+                  <a:buFont typeface="Arial" panose="020B0604020202020204" pitchFamily="34" charset="0"/>
+                  <a:buChar char="•"/>
+                </a:pPr>
+                <a:endParaRPr lang="en-US" sz="1600" dirty="0"/>
+              </a:p>
+              <a:p>
+                <a:r>
+                  <a:rPr lang="en-US" sz="1600" dirty="0"/>
+                  <a:t>The set of all possible states is called the </a:t>
+                </a:r>
+                <a:r>
+                  <a:rPr lang="en-US" sz="1600" b="1" dirty="0">
+                    <a:solidFill>
+                      <a:srgbClr val="FF0000"/>
+                    </a:solidFill>
+                  </a:rPr>
+                  <a:t>state space </a:t>
+                </a:r>
+                <a14:m>
+                  <m:oMath xmlns:m="http://schemas.openxmlformats.org/officeDocument/2006/math">
+                    <m:r>
+                      <a:rPr lang="en-US" sz="1600" b="1" i="1" smtClean="0">
+                        <a:solidFill>
+                          <a:srgbClr val="FF0000"/>
+                        </a:solidFill>
+                        <a:latin typeface="Cambria Math" panose="02040503050406030204" pitchFamily="18" charset="0"/>
+                      </a:rPr>
+                      <m:t>𝑺</m:t>
+                    </m:r>
+                    <m:r>
+                      <a:rPr lang="en-US" sz="1600" b="0" i="0" smtClean="0">
+                        <a:solidFill>
+                          <a:srgbClr val="FF0000"/>
+                        </a:solidFill>
+                        <a:latin typeface="Cambria Math" panose="02040503050406030204" pitchFamily="18" charset="0"/>
+                      </a:rPr>
+                      <m:t>.</m:t>
+                    </m:r>
+                  </m:oMath>
+                </a14:m>
+                <a:r>
+                  <a:rPr lang="en-US" sz="1600" dirty="0"/>
+                  <a:t> This set is typically very large!</a:t>
+                </a:r>
+              </a:p>
+            </p:txBody>
+          </p:sp>
+        </mc:Choice>
+        <mc:Fallback xmlns="">
+          <p:sp>
+            <p:nvSpPr>
+              <p:cNvPr id="8" name="TextBox 7">
+                <a:extLst>
+                  <a:ext uri="{FF2B5EF4-FFF2-40B4-BE49-F238E27FC236}">
+                    <a16:creationId xmlns:a16="http://schemas.microsoft.com/office/drawing/2014/main" id="{01D0D7C3-8100-410F-21C7-DAC246620F5E}"/>
+                  </a:ext>
+                </a:extLst>
+              </p:cNvPr>
+              <p:cNvSpPr txBox="1">
+                <a:spLocks noRot="1" noChangeAspect="1" noMove="1" noResize="1" noEditPoints="1" noAdjustHandles="1" noChangeArrowheads="1" noChangeShapeType="1" noTextEdit="1"/>
+              </p:cNvSpPr>
+              <p:nvPr/>
+            </p:nvSpPr>
+            <p:spPr>
+              <a:xfrm>
+                <a:off x="628650" y="4929612"/>
+                <a:ext cx="8001000" cy="1569660"/>
+              </a:xfrm>
+              <a:prstGeom prst="rect">
+                <a:avLst/>
+              </a:prstGeom>
+              <a:blipFill>
+                <a:blip r:embed="rId4"/>
+                <a:stretch>
+                  <a:fillRect l="-381" t="-1167" b="-4280"/>
+                </a:stretch>
+              </a:blipFill>
+            </p:spPr>
+            <p:txBody>
+              <a:bodyPr/>
+              <a:lstStyle/>
+              <a:p>
+                <a:r>
+                  <a:rPr lang="en-US">
+                    <a:noFill/>
+                  </a:rPr>
+                  <a:t> </a:t>
+                </a:r>
+              </a:p>
+            </p:txBody>
+          </p:sp>
+        </mc:Fallback>
+      </mc:AlternateContent>
+    </p:spTree>
+    <p:extLst>
+      <p:ext uri="{BB962C8B-B14F-4D97-AF65-F5344CB8AC3E}">
+        <p14:creationId xmlns:p14="http://schemas.microsoft.com/office/powerpoint/2010/main" val="4267257786"/>
+      </p:ext>
+    </p:extLst>
+  </p:cSld>
+  <p:clrMapOvr>
+    <a:masterClrMapping/>
+  </p:clrMapOvr>
+  <p:timing>
+    <p:tnLst>
+      <p:par>
+        <p:cTn id="1" dur="indefinite" restart="never" nodeType="tmRoot">
+          <p:childTnLst>
+            <p:seq concurrent="1" nextAc="seek">
+              <p:cTn id="2" dur="indefinite" nodeType="mainSeq">
+                <p:childTnLst>
+                  <p:par>
+                    <p:cTn id="3" fill="hold">
+                      <p:stCondLst>
+                        <p:cond delay="indefinite"/>
+                      </p:stCondLst>
+                      <p:childTnLst>
+                        <p:par>
+                          <p:cTn id="4" fill="hold">
+                            <p:stCondLst>
+                              <p:cond delay="0"/>
+                            </p:stCondLst>
+                            <p:childTnLst>
+                              <p:par>
+                                <p:cTn id="5" presetID="1" presetClass="entr" presetSubtype="0" fill="hold" grpId="0" nodeType="clickEffect">
+                                  <p:stCondLst>
+                                    <p:cond delay="0"/>
+                                  </p:stCondLst>
+                                  <p:childTnLst>
+                                    <p:set>
+                                      <p:cBhvr>
+                                        <p:cTn id="6" dur="1" fill="hold">
+                                          <p:stCondLst>
+                                            <p:cond delay="0"/>
+                                          </p:stCondLst>
+                                        </p:cTn>
+                                        <p:tgtEl>
+                                          <p:spTgt spid="8"/>
+                                        </p:tgtEl>
+                                        <p:attrNameLst>
+                                          <p:attrName>style.visibility</p:attrName>
+                                        </p:attrNameLst>
+                                      </p:cBhvr>
+                                      <p:to>
+                                        <p:strVal val="visible"/>
+                                      </p:to>
+                                    </p:set>
+                                  </p:childTnLst>
+                                </p:cTn>
+                              </p:par>
+                            </p:childTnLst>
+                          </p:cTn>
+                        </p:par>
+                      </p:childTnLst>
+                    </p:cTn>
+                  </p:par>
+                </p:childTnLst>
+              </p:cTn>
+              <p:prevCondLst>
+                <p:cond evt="onPrev" delay="0">
+                  <p:tgtEl>
+                    <p:sldTgt/>
+                  </p:tgtEl>
+                </p:cond>
+              </p:prevCondLst>
+              <p:nextCondLst>
+                <p:cond evt="onNext" delay="0">
+                  <p:tgtEl>
+                    <p:sldTgt/>
+                  </p:tgtEl>
+                </p:cond>
+              </p:nextCondLst>
+            </p:seq>
+          </p:childTnLst>
+        </p:cTn>
+      </p:par>
+    </p:tnLst>
+    <p:bldLst>
+      <p:bldP spid="8" grpId="0"/>
+    </p:bldLst>
+  </p:timing>
+</p:sld>
+</file>
+
+<file path=ppt/slides/slide17.xml><?xml version="1.0" encoding="utf-8"?>
+<p:sld xmlns:a="http://schemas.openxmlformats.org/drawingml/2006/main" xmlns:r="http://schemas.openxmlformats.org/officeDocument/2006/relationships" xmlns:p="http://schemas.openxmlformats.org/presentationml/2006/main">
+  <p:cSld>
+    <p:spTree>
+      <p:nvGrpSpPr>
+        <p:cNvPr id="1" name=""/>
+        <p:cNvGrpSpPr/>
+        <p:nvPr/>
+      </p:nvGrpSpPr>
+      <p:grpSpPr>
+        <a:xfrm>
+          <a:off x="0" y="0"/>
+          <a:ext cx="0" cy="0"/>
+          <a:chOff x="0" y="0"/>
+          <a:chExt cx="0" cy="0"/>
+        </a:xfrm>
+      </p:grpSpPr>
+      <p:sp>
+        <p:nvSpPr>
           <p:cNvPr id="28674" name="Rectangle 2"/>
           <p:cNvSpPr>
             <a:spLocks noGrp="1" noChangeArrowheads="1"/>
@@ -16550,7 +18152,7 @@
 </p:sld>
 </file>
 
-<file path=ppt/slides/slide17.xml><?xml version="1.0" encoding="utf-8"?>
+<file path=ppt/slides/slide18.xml><?xml version="1.0" encoding="utf-8"?>
 <p:sld xmlns:a="http://schemas.openxmlformats.org/drawingml/2006/main" xmlns:r="http://schemas.openxmlformats.org/officeDocument/2006/relationships" xmlns:p="http://schemas.openxmlformats.org/presentationml/2006/main">
   <p:cSld>
     <p:spTree>
@@ -17747,7 +19349,7 @@
 </p:sld>
 </file>
 
-<file path=ppt/slides/slide18.xml><?xml version="1.0" encoding="utf-8"?>
+<file path=ppt/slides/slide19.xml><?xml version="1.0" encoding="utf-8"?>
 <p:sld xmlns:a="http://schemas.openxmlformats.org/drawingml/2006/main" xmlns:r="http://schemas.openxmlformats.org/officeDocument/2006/relationships" xmlns:p="http://schemas.openxmlformats.org/presentationml/2006/main">
   <p:cSld>
     <p:bg>
@@ -17968,7 +19570,572 @@
 </p:sld>
 </file>
 
-<file path=ppt/slides/slide19.xml><?xml version="1.0" encoding="utf-8"?>
+<file path=ppt/slides/slide2.xml><?xml version="1.0" encoding="utf-8"?>
+<p:sld xmlns:a="http://schemas.openxmlformats.org/drawingml/2006/main" xmlns:r="http://schemas.openxmlformats.org/officeDocument/2006/relationships" xmlns:p="http://schemas.openxmlformats.org/presentationml/2006/main">
+  <p:cSld>
+    <p:bg>
+      <p:bgPr>
+        <a:solidFill>
+          <a:srgbClr val="000000"/>
+        </a:solidFill>
+        <a:effectLst/>
+      </p:bgPr>
+    </p:bg>
+    <p:spTree>
+      <p:nvGrpSpPr>
+        <p:cNvPr id="1" name=""/>
+        <p:cNvGrpSpPr/>
+        <p:nvPr/>
+      </p:nvGrpSpPr>
+      <p:grpSpPr>
+        <a:xfrm>
+          <a:off x="0" y="0"/>
+          <a:ext cx="0" cy="0"/>
+          <a:chOff x="0" y="0"/>
+          <a:chExt cx="0" cy="0"/>
+        </a:xfrm>
+      </p:grpSpPr>
+      <p:sp>
+        <p:nvSpPr>
+          <p:cNvPr id="11" name="Rectangle 10">
+            <a:extLst>
+              <a:ext uri="{FF2B5EF4-FFF2-40B4-BE49-F238E27FC236}">
+                <a16:creationId xmlns:a16="http://schemas.microsoft.com/office/drawing/2014/main" id="{71B2258F-86CA-4D4D-8270-BC05FCDEBFB3}"/>
+              </a:ext>
+              <a:ext uri="{C183D7F6-B498-43B3-948B-1728B52AA6E4}">
+                <adec:decorative xmlns:adec="http://schemas.microsoft.com/office/drawing/2017/decorative" val="1"/>
+              </a:ext>
+            </a:extLst>
+          </p:cNvPr>
+          <p:cNvSpPr>
+            <a:spLocks noGrp="1" noRot="1" noChangeAspect="1" noMove="1" noResize="1" noEditPoints="1" noAdjustHandles="1" noChangeArrowheads="1" noChangeShapeType="1" noTextEdit="1"/>
+          </p:cNvSpPr>
+          <p:nvPr>
+            <p:extLst>
+              <p:ext uri="{386F3935-93C4-4BCD-93E2-E3B085C9AB24}">
+                <p16:designElem xmlns:p16="http://schemas.microsoft.com/office/powerpoint/2015/main" val="1"/>
+              </p:ext>
+            </p:extLst>
+          </p:nvPr>
+        </p:nvSpPr>
+        <p:spPr>
+          <a:xfrm>
+            <a:off x="0" y="0"/>
+            <a:ext cx="9144000" cy="6857999"/>
+          </a:xfrm>
+          <a:prstGeom prst="rect">
+            <a:avLst/>
+          </a:prstGeom>
+          <a:solidFill>
+            <a:srgbClr val="000000"/>
+          </a:solidFill>
+          <a:ln>
+            <a:noFill/>
+          </a:ln>
+        </p:spPr>
+        <p:style>
+          <a:lnRef idx="2">
+            <a:schemeClr val="accent1">
+              <a:shade val="50000"/>
+            </a:schemeClr>
+          </a:lnRef>
+          <a:fillRef idx="1">
+            <a:schemeClr val="accent1"/>
+          </a:fillRef>
+          <a:effectRef idx="0">
+            <a:schemeClr val="accent1"/>
+          </a:effectRef>
+          <a:fontRef idx="minor">
+            <a:schemeClr val="lt1"/>
+          </a:fontRef>
+        </p:style>
+        <p:txBody>
+          <a:bodyPr rtlCol="0" anchor="ctr"/>
+          <a:lstStyle/>
+          <a:p>
+            <a:pPr algn="ctr"/>
+            <a:endParaRPr lang="en-US"/>
+          </a:p>
+        </p:txBody>
+      </p:sp>
+      <p:pic>
+        <p:nvPicPr>
+          <p:cNvPr id="6" name="Picture 14">
+            <a:extLst>
+              <a:ext uri="{FF2B5EF4-FFF2-40B4-BE49-F238E27FC236}">
+                <a16:creationId xmlns:a16="http://schemas.microsoft.com/office/drawing/2014/main" id="{E4F041C0-7D5C-CB2F-92DA-37E6B770851E}"/>
+              </a:ext>
+              <a:ext uri="{C183D7F6-B498-43B3-948B-1728B52AA6E4}">
+                <adec:decorative xmlns:adec="http://schemas.microsoft.com/office/drawing/2017/decorative" val="1"/>
+              </a:ext>
+            </a:extLst>
+          </p:cNvPr>
+          <p:cNvPicPr>
+            <a:picLocks noChangeAspect="1" noChangeArrowheads="1"/>
+          </p:cNvPicPr>
+          <p:nvPr/>
+        </p:nvPicPr>
+        <p:blipFill rotWithShape="1">
+          <a:blip r:embed="rId2" cstate="print">
+            <a:alphaModFix amt="50000"/>
+          </a:blip>
+          <a:srcRect t="27493" b="22444"/>
+          <a:stretch>
+            <a:fillRect/>
+          </a:stretch>
+        </p:blipFill>
+        <p:spPr bwMode="auto">
+          <a:xfrm>
+            <a:off x="20" y="1"/>
+            <a:ext cx="9143980" cy="6857999"/>
+          </a:xfrm>
+          <a:prstGeom prst="rect">
+            <a:avLst/>
+          </a:prstGeom>
+          <a:noFill/>
+        </p:spPr>
+      </p:pic>
+      <p:sp>
+        <p:nvSpPr>
+          <p:cNvPr id="4" name="Title 3">
+            <a:extLst>
+              <a:ext uri="{FF2B5EF4-FFF2-40B4-BE49-F238E27FC236}">
+                <a16:creationId xmlns:a16="http://schemas.microsoft.com/office/drawing/2014/main" id="{110C9F2C-5F20-241B-A7B4-23BCD535D7A9}"/>
+              </a:ext>
+            </a:extLst>
+          </p:cNvPr>
+          <p:cNvSpPr>
+            <a:spLocks noGrp="1"/>
+          </p:cNvSpPr>
+          <p:nvPr>
+            <p:ph type="title"/>
+          </p:nvPr>
+        </p:nvSpPr>
+        <p:spPr>
+          <a:xfrm>
+            <a:off x="1143000" y="1122362"/>
+            <a:ext cx="6858000" cy="2900518"/>
+          </a:xfrm>
+        </p:spPr>
+        <p:txBody>
+          <a:bodyPr vert="horz" lIns="91440" tIns="45720" rIns="91440" bIns="45720" rtlCol="0" anchor="b">
+            <a:normAutofit/>
+          </a:bodyPr>
+          <a:lstStyle/>
+          <a:p>
+            <a:pPr algn="ctr" defTabSz="914400"/>
+            <a:r>
+              <a:rPr lang="en-US" sz="6000" dirty="0">
+                <a:solidFill>
+                  <a:srgbClr val="FFFFFF"/>
+                </a:solidFill>
+              </a:rPr>
+              <a:t>Module Review 1</a:t>
+            </a:r>
+          </a:p>
+        </p:txBody>
+      </p:sp>
+      <p:sp>
+        <p:nvSpPr>
+          <p:cNvPr id="5" name="Text Placeholder 4">
+            <a:extLst>
+              <a:ext uri="{FF2B5EF4-FFF2-40B4-BE49-F238E27FC236}">
+                <a16:creationId xmlns:a16="http://schemas.microsoft.com/office/drawing/2014/main" id="{702CF149-4E3E-4BC7-1591-E633BE8275BB}"/>
+              </a:ext>
+            </a:extLst>
+          </p:cNvPr>
+          <p:cNvSpPr>
+            <a:spLocks noGrp="1"/>
+          </p:cNvSpPr>
+          <p:nvPr>
+            <p:ph type="body" idx="1"/>
+          </p:nvPr>
+        </p:nvSpPr>
+        <p:spPr>
+          <a:xfrm>
+            <a:off x="1143000" y="4159404"/>
+            <a:ext cx="6858000" cy="1098395"/>
+          </a:xfrm>
+        </p:spPr>
+        <p:txBody>
+          <a:bodyPr vert="horz" lIns="91440" tIns="45720" rIns="91440" bIns="45720" rtlCol="0">
+            <a:normAutofit/>
+          </a:bodyPr>
+          <a:lstStyle/>
+          <a:p>
+            <a:pPr algn="ctr" defTabSz="914400">
+              <a:spcBef>
+                <a:spcPts val="1000"/>
+              </a:spcBef>
+            </a:pPr>
+            <a:endParaRPr lang="en-US" sz="2400">
+              <a:solidFill>
+                <a:srgbClr val="FFFFFF"/>
+              </a:solidFill>
+            </a:endParaRPr>
+          </a:p>
+        </p:txBody>
+      </p:sp>
+    </p:spTree>
+    <p:extLst>
+      <p:ext uri="{BB962C8B-B14F-4D97-AF65-F5344CB8AC3E}">
+        <p14:creationId xmlns:p14="http://schemas.microsoft.com/office/powerpoint/2010/main" val="499141692"/>
+      </p:ext>
+    </p:extLst>
+  </p:cSld>
+  <p:clrMapOvr>
+    <a:overrideClrMapping bg1="dk1" tx1="lt1" bg2="dk2" tx2="lt2" accent1="accent1" accent2="accent2" accent3="accent3" accent4="accent4" accent5="accent5" accent6="accent6" hlink="hlink" folHlink="folHlink"/>
+  </p:clrMapOvr>
+</p:sld>
+</file>
+
+<file path=ppt/slides/slide20.xml><?xml version="1.0" encoding="utf-8"?>
+<p:sld xmlns:a="http://schemas.openxmlformats.org/drawingml/2006/main" xmlns:r="http://schemas.openxmlformats.org/officeDocument/2006/relationships" xmlns:p="http://schemas.openxmlformats.org/presentationml/2006/main">
+  <p:cSld>
+    <p:spTree>
+      <p:nvGrpSpPr>
+        <p:cNvPr id="1" name=""/>
+        <p:cNvGrpSpPr/>
+        <p:nvPr/>
+      </p:nvGrpSpPr>
+      <p:grpSpPr>
+        <a:xfrm>
+          <a:off x="0" y="0"/>
+          <a:ext cx="0" cy="0"/>
+          <a:chOff x="0" y="0"/>
+          <a:chExt cx="0" cy="0"/>
+        </a:xfrm>
+      </p:grpSpPr>
+      <p:pic>
+        <p:nvPicPr>
+          <p:cNvPr id="4" name="Picture 3">
+            <a:extLst>
+              <a:ext uri="{FF2B5EF4-FFF2-40B4-BE49-F238E27FC236}">
+                <a16:creationId xmlns:a16="http://schemas.microsoft.com/office/drawing/2014/main" id="{BA80952D-B85D-4F0D-B7D7-FD1AEFB93BCD}"/>
+              </a:ext>
+              <a:ext uri="{C183D7F6-B498-43B3-948B-1728B52AA6E4}">
+                <adec:decorative xmlns:adec="http://schemas.microsoft.com/office/drawing/2017/decorative" val="1"/>
+              </a:ext>
+            </a:extLst>
+          </p:cNvPr>
+          <p:cNvPicPr>
+            <a:picLocks noChangeAspect="1"/>
+          </p:cNvPicPr>
+          <p:nvPr/>
+        </p:nvPicPr>
+        <p:blipFill rotWithShape="1">
+          <a:blip r:embed="rId3"/>
+          <a:srcRect l="25949" r="40741" b="29953"/>
+          <a:stretch/>
+        </p:blipFill>
+        <p:spPr>
+          <a:xfrm>
+            <a:off x="5257800" y="1905000"/>
+            <a:ext cx="1676400" cy="1828800"/>
+          </a:xfrm>
+          <a:prstGeom prst="rect">
+            <a:avLst/>
+          </a:prstGeom>
+        </p:spPr>
+      </p:pic>
+      <p:sp>
+        <p:nvSpPr>
+          <p:cNvPr id="2" name="Title 1">
+            <a:extLst>
+              <a:ext uri="{FF2B5EF4-FFF2-40B4-BE49-F238E27FC236}">
+                <a16:creationId xmlns:a16="http://schemas.microsoft.com/office/drawing/2014/main" id="{0F727B5A-ADFB-4041-8CA1-D79831A7BDD9}"/>
+              </a:ext>
+            </a:extLst>
+          </p:cNvPr>
+          <p:cNvSpPr>
+            <a:spLocks noGrp="1"/>
+          </p:cNvSpPr>
+          <p:nvPr>
+            <p:ph type="title"/>
+          </p:nvPr>
+        </p:nvSpPr>
+        <p:spPr/>
+        <p:txBody>
+          <a:bodyPr/>
+          <a:lstStyle/>
+          <a:p>
+            <a:r>
+              <a:rPr lang="en-US" dirty="0"/>
+              <a:t>State Representation: Self-Driving Car</a:t>
+            </a:r>
+          </a:p>
+        </p:txBody>
+      </p:sp>
+      <p:sp>
+        <p:nvSpPr>
+          <p:cNvPr id="3" name="Content Placeholder 2">
+            <a:extLst>
+              <a:ext uri="{FF2B5EF4-FFF2-40B4-BE49-F238E27FC236}">
+                <a16:creationId xmlns:a16="http://schemas.microsoft.com/office/drawing/2014/main" id="{A8D8124E-678D-40F0-8214-4360179CDBA0}"/>
+              </a:ext>
+            </a:extLst>
+          </p:cNvPr>
+          <p:cNvSpPr>
+            <a:spLocks noGrp="1"/>
+          </p:cNvSpPr>
+          <p:nvPr>
+            <p:ph idx="1"/>
+          </p:nvPr>
+        </p:nvSpPr>
+        <p:spPr>
+          <a:xfrm>
+            <a:off x="628650" y="1371600"/>
+            <a:ext cx="4476750" cy="2286000"/>
+          </a:xfrm>
+        </p:spPr>
+        <p:txBody>
+          <a:bodyPr>
+            <a:normAutofit fontScale="85000" lnSpcReduction="10000"/>
+          </a:bodyPr>
+          <a:lstStyle/>
+          <a:p>
+            <a:pPr marL="0" indent="0">
+              <a:buNone/>
+            </a:pPr>
+            <a:r>
+              <a:rPr lang="en-US" sz="2000" dirty="0"/>
+              <a:t>States help to keep track of the environment and the agent in the environment. </a:t>
+            </a:r>
+          </a:p>
+          <a:p>
+            <a:pPr marL="0" indent="0">
+              <a:buNone/>
+            </a:pPr>
+            <a:endParaRPr lang="en-US" sz="2000" b="1" dirty="0">
+              <a:solidFill>
+                <a:srgbClr val="FF0000"/>
+              </a:solidFill>
+            </a:endParaRPr>
+          </a:p>
+          <a:p>
+            <a:pPr marL="0" indent="0">
+              <a:buNone/>
+            </a:pPr>
+            <a:r>
+              <a:rPr lang="en-US" sz="2000" dirty="0"/>
+              <a:t>Design a structured representation for the state of a self-driving car. </a:t>
+            </a:r>
+          </a:p>
+          <a:p>
+            <a:pPr marL="457200" indent="-457200">
+              <a:buFont typeface="+mj-lt"/>
+              <a:buAutoNum type="alphaLcParenR"/>
+            </a:pPr>
+            <a:r>
+              <a:rPr lang="en-US" sz="2000" dirty="0"/>
+              <a:t>What </a:t>
+            </a:r>
+            <a:r>
+              <a:rPr lang="en-US" sz="2000" dirty="0" err="1"/>
+              <a:t>fluents</a:t>
+            </a:r>
+            <a:r>
+              <a:rPr lang="en-US" sz="2000" dirty="0"/>
+              <a:t> should it contain?</a:t>
+            </a:r>
+          </a:p>
+          <a:p>
+            <a:pPr marL="457200" indent="-457200">
+              <a:buFont typeface="+mj-lt"/>
+              <a:buAutoNum type="alphaLcParenR"/>
+            </a:pPr>
+            <a:r>
+              <a:rPr lang="en-US" sz="2000" dirty="0"/>
+              <a:t>What actions can cause transitions?</a:t>
+            </a:r>
+          </a:p>
+          <a:p>
+            <a:pPr marL="457200" indent="-457200">
+              <a:buFont typeface="+mj-lt"/>
+              <a:buAutoNum type="alphaLcParenR"/>
+            </a:pPr>
+            <a:r>
+              <a:rPr lang="en-US" sz="2000" dirty="0"/>
+              <a:t>Draw a small transition diagram.</a:t>
+            </a:r>
+          </a:p>
+          <a:p>
+            <a:pPr marL="0" indent="0">
+              <a:buNone/>
+            </a:pPr>
+            <a:endParaRPr lang="en-US" sz="2000" dirty="0"/>
+          </a:p>
+        </p:txBody>
+      </p:sp>
+      <p:sp>
+        <p:nvSpPr>
+          <p:cNvPr id="5" name="Speech Bubble: Rectangle 4">
+            <a:extLst>
+              <a:ext uri="{FF2B5EF4-FFF2-40B4-BE49-F238E27FC236}">
+                <a16:creationId xmlns:a16="http://schemas.microsoft.com/office/drawing/2014/main" id="{A1F6455A-2485-B0DA-DAC2-B15E3F61A4BE}"/>
+              </a:ext>
+            </a:extLst>
+          </p:cNvPr>
+          <p:cNvSpPr/>
+          <p:nvPr/>
+        </p:nvSpPr>
+        <p:spPr>
+          <a:xfrm>
+            <a:off x="5361540" y="1447800"/>
+            <a:ext cx="1257300" cy="533400"/>
+          </a:xfrm>
+          <a:prstGeom prst="wedgeRectCallout">
+            <a:avLst>
+              <a:gd name="adj1" fmla="val 6558"/>
+              <a:gd name="adj2" fmla="val 166913"/>
+            </a:avLst>
+          </a:prstGeom>
+        </p:spPr>
+        <p:style>
+          <a:lnRef idx="3">
+            <a:schemeClr val="lt1"/>
+          </a:lnRef>
+          <a:fillRef idx="1">
+            <a:schemeClr val="accent6"/>
+          </a:fillRef>
+          <a:effectRef idx="1">
+            <a:schemeClr val="accent6"/>
+          </a:effectRef>
+          <a:fontRef idx="minor">
+            <a:schemeClr val="lt1"/>
+          </a:fontRef>
+        </p:style>
+        <p:txBody>
+          <a:bodyPr rtlCol="0" anchor="ctr"/>
+          <a:lstStyle/>
+          <a:p>
+            <a:pPr algn="ctr"/>
+            <a:r>
+              <a:rPr lang="en-US" sz="1200" dirty="0"/>
+              <a:t>Action causes transition</a:t>
+            </a:r>
+          </a:p>
+        </p:txBody>
+      </p:sp>
+      <p:sp>
+        <p:nvSpPr>
+          <p:cNvPr id="6" name="Speech Bubble: Rectangle 5">
+            <a:extLst>
+              <a:ext uri="{FF2B5EF4-FFF2-40B4-BE49-F238E27FC236}">
+                <a16:creationId xmlns:a16="http://schemas.microsoft.com/office/drawing/2014/main" id="{DE306C82-3C11-0925-0BB1-2921BC51CE19}"/>
+              </a:ext>
+            </a:extLst>
+          </p:cNvPr>
+          <p:cNvSpPr/>
+          <p:nvPr/>
+        </p:nvSpPr>
+        <p:spPr>
+          <a:xfrm>
+            <a:off x="7086600" y="1897062"/>
+            <a:ext cx="1763160" cy="769938"/>
+          </a:xfrm>
+          <a:prstGeom prst="wedgeRectCallout">
+            <a:avLst>
+              <a:gd name="adj1" fmla="val -79287"/>
+              <a:gd name="adj2" fmla="val 38038"/>
+            </a:avLst>
+          </a:prstGeom>
+          <a:solidFill>
+            <a:schemeClr val="accent6"/>
+          </a:solidFill>
+          <a:ln>
+            <a:noFill/>
+          </a:ln>
+        </p:spPr>
+        <p:style>
+          <a:lnRef idx="0">
+            <a:scrgbClr r="0" g="0" b="0"/>
+          </a:lnRef>
+          <a:fillRef idx="0">
+            <a:scrgbClr r="0" g="0" b="0"/>
+          </a:fillRef>
+          <a:effectRef idx="0">
+            <a:scrgbClr r="0" g="0" b="0"/>
+          </a:effectRef>
+          <a:fontRef idx="minor">
+            <a:schemeClr val="lt1"/>
+          </a:fontRef>
+        </p:style>
+        <p:txBody>
+          <a:bodyPr rtlCol="0" anchor="ctr"/>
+          <a:lstStyle/>
+          <a:p>
+            <a:pPr algn="ctr"/>
+            <a:r>
+              <a:rPr lang="en-US" sz="1200" dirty="0"/>
+              <a:t>Variables describing the system state are called “</a:t>
+            </a:r>
+            <a:r>
+              <a:rPr lang="en-US" sz="1200" dirty="0" err="1"/>
+              <a:t>fluents</a:t>
+            </a:r>
+            <a:r>
+              <a:rPr lang="en-US" sz="1200" dirty="0"/>
+              <a:t>”</a:t>
+            </a:r>
+          </a:p>
+        </p:txBody>
+      </p:sp>
+      <p:pic>
+        <p:nvPicPr>
+          <p:cNvPr id="7" name="Picture 6">
+            <a:extLst>
+              <a:ext uri="{FF2B5EF4-FFF2-40B4-BE49-F238E27FC236}">
+                <a16:creationId xmlns:a16="http://schemas.microsoft.com/office/drawing/2014/main" id="{F0A05423-8641-4938-9DCF-1B35787E5046}"/>
+              </a:ext>
+              <a:ext uri="{C183D7F6-B498-43B3-948B-1728B52AA6E4}">
+                <adec:decorative xmlns:adec="http://schemas.microsoft.com/office/drawing/2017/decorative" val="1"/>
+              </a:ext>
+            </a:extLst>
+          </p:cNvPr>
+          <p:cNvPicPr>
+            <a:picLocks noChangeAspect="1" noChangeArrowheads="1"/>
+          </p:cNvPicPr>
+          <p:nvPr/>
+        </p:nvPicPr>
+        <p:blipFill>
+          <a:blip r:embed="rId4" cstate="print"/>
+          <a:srcRect/>
+          <a:stretch>
+            <a:fillRect/>
+          </a:stretch>
+        </p:blipFill>
+        <p:spPr bwMode="auto">
+          <a:xfrm>
+            <a:off x="7107437" y="301185"/>
+            <a:ext cx="1742323" cy="800100"/>
+          </a:xfrm>
+          <a:prstGeom prst="rect">
+            <a:avLst/>
+          </a:prstGeom>
+          <a:noFill/>
+          <a:ln w="9525">
+            <a:noFill/>
+            <a:miter lim="800000"/>
+            <a:headEnd/>
+            <a:tailEnd/>
+          </a:ln>
+        </p:spPr>
+      </p:pic>
+    </p:spTree>
+    <p:extLst>
+      <p:ext uri="{BB962C8B-B14F-4D97-AF65-F5344CB8AC3E}">
+        <p14:creationId xmlns:p14="http://schemas.microsoft.com/office/powerpoint/2010/main" val="731491796"/>
+      </p:ext>
+    </p:extLst>
+  </p:cSld>
+  <p:clrMapOvr>
+    <a:masterClrMapping/>
+  </p:clrMapOvr>
+</p:sld>
+</file>
+
+<file path=ppt/slides/slide21.xml><?xml version="1.0" encoding="utf-8"?>
 <p:sld xmlns:a="http://schemas.openxmlformats.org/drawingml/2006/main" xmlns:r="http://schemas.openxmlformats.org/officeDocument/2006/relationships" xmlns:p="http://schemas.openxmlformats.org/presentationml/2006/main">
   <p:cSld>
     <p:spTree>
@@ -18674,226 +20841,7 @@
 </p:sld>
 </file>
 
-<file path=ppt/slides/slide2.xml><?xml version="1.0" encoding="utf-8"?>
-<p:sld xmlns:a="http://schemas.openxmlformats.org/drawingml/2006/main" xmlns:r="http://schemas.openxmlformats.org/officeDocument/2006/relationships" xmlns:p="http://schemas.openxmlformats.org/presentationml/2006/main">
-  <p:cSld>
-    <p:bg>
-      <p:bgPr>
-        <a:solidFill>
-          <a:srgbClr val="000000"/>
-        </a:solidFill>
-        <a:effectLst/>
-      </p:bgPr>
-    </p:bg>
-    <p:spTree>
-      <p:nvGrpSpPr>
-        <p:cNvPr id="1" name=""/>
-        <p:cNvGrpSpPr/>
-        <p:nvPr/>
-      </p:nvGrpSpPr>
-      <p:grpSpPr>
-        <a:xfrm>
-          <a:off x="0" y="0"/>
-          <a:ext cx="0" cy="0"/>
-          <a:chOff x="0" y="0"/>
-          <a:chExt cx="0" cy="0"/>
-        </a:xfrm>
-      </p:grpSpPr>
-      <p:sp>
-        <p:nvSpPr>
-          <p:cNvPr id="11" name="Rectangle 10">
-            <a:extLst>
-              <a:ext uri="{FF2B5EF4-FFF2-40B4-BE49-F238E27FC236}">
-                <a16:creationId xmlns:a16="http://schemas.microsoft.com/office/drawing/2014/main" id="{71B2258F-86CA-4D4D-8270-BC05FCDEBFB3}"/>
-              </a:ext>
-              <a:ext uri="{C183D7F6-B498-43B3-948B-1728B52AA6E4}">
-                <adec:decorative xmlns:adec="http://schemas.microsoft.com/office/drawing/2017/decorative" val="1"/>
-              </a:ext>
-            </a:extLst>
-          </p:cNvPr>
-          <p:cNvSpPr>
-            <a:spLocks noGrp="1" noRot="1" noChangeAspect="1" noMove="1" noResize="1" noEditPoints="1" noAdjustHandles="1" noChangeArrowheads="1" noChangeShapeType="1" noTextEdit="1"/>
-          </p:cNvSpPr>
-          <p:nvPr>
-            <p:extLst>
-              <p:ext uri="{386F3935-93C4-4BCD-93E2-E3B085C9AB24}">
-                <p16:designElem xmlns:p16="http://schemas.microsoft.com/office/powerpoint/2015/main" val="1"/>
-              </p:ext>
-            </p:extLst>
-          </p:nvPr>
-        </p:nvSpPr>
-        <p:spPr>
-          <a:xfrm>
-            <a:off x="0" y="0"/>
-            <a:ext cx="9144000" cy="6857999"/>
-          </a:xfrm>
-          <a:prstGeom prst="rect">
-            <a:avLst/>
-          </a:prstGeom>
-          <a:solidFill>
-            <a:srgbClr val="000000"/>
-          </a:solidFill>
-          <a:ln>
-            <a:noFill/>
-          </a:ln>
-        </p:spPr>
-        <p:style>
-          <a:lnRef idx="2">
-            <a:schemeClr val="accent1">
-              <a:shade val="50000"/>
-            </a:schemeClr>
-          </a:lnRef>
-          <a:fillRef idx="1">
-            <a:schemeClr val="accent1"/>
-          </a:fillRef>
-          <a:effectRef idx="0">
-            <a:schemeClr val="accent1"/>
-          </a:effectRef>
-          <a:fontRef idx="minor">
-            <a:schemeClr val="lt1"/>
-          </a:fontRef>
-        </p:style>
-        <p:txBody>
-          <a:bodyPr rtlCol="0" anchor="ctr"/>
-          <a:lstStyle/>
-          <a:p>
-            <a:pPr algn="ctr"/>
-            <a:endParaRPr lang="en-US"/>
-          </a:p>
-        </p:txBody>
-      </p:sp>
-      <p:pic>
-        <p:nvPicPr>
-          <p:cNvPr id="6" name="Picture 14">
-            <a:extLst>
-              <a:ext uri="{FF2B5EF4-FFF2-40B4-BE49-F238E27FC236}">
-                <a16:creationId xmlns:a16="http://schemas.microsoft.com/office/drawing/2014/main" id="{E4F041C0-7D5C-CB2F-92DA-37E6B770851E}"/>
-              </a:ext>
-              <a:ext uri="{C183D7F6-B498-43B3-948B-1728B52AA6E4}">
-                <adec:decorative xmlns:adec="http://schemas.microsoft.com/office/drawing/2017/decorative" val="1"/>
-              </a:ext>
-            </a:extLst>
-          </p:cNvPr>
-          <p:cNvPicPr>
-            <a:picLocks noChangeAspect="1" noChangeArrowheads="1"/>
-          </p:cNvPicPr>
-          <p:nvPr/>
-        </p:nvPicPr>
-        <p:blipFill rotWithShape="1">
-          <a:blip r:embed="rId2" cstate="print">
-            <a:alphaModFix amt="50000"/>
-          </a:blip>
-          <a:srcRect t="27493" b="22444"/>
-          <a:stretch>
-            <a:fillRect/>
-          </a:stretch>
-        </p:blipFill>
-        <p:spPr bwMode="auto">
-          <a:xfrm>
-            <a:off x="20" y="1"/>
-            <a:ext cx="9143980" cy="6857999"/>
-          </a:xfrm>
-          <a:prstGeom prst="rect">
-            <a:avLst/>
-          </a:prstGeom>
-          <a:noFill/>
-        </p:spPr>
-      </p:pic>
-      <p:sp>
-        <p:nvSpPr>
-          <p:cNvPr id="4" name="Title 3">
-            <a:extLst>
-              <a:ext uri="{FF2B5EF4-FFF2-40B4-BE49-F238E27FC236}">
-                <a16:creationId xmlns:a16="http://schemas.microsoft.com/office/drawing/2014/main" id="{110C9F2C-5F20-241B-A7B4-23BCD535D7A9}"/>
-              </a:ext>
-            </a:extLst>
-          </p:cNvPr>
-          <p:cNvSpPr>
-            <a:spLocks noGrp="1"/>
-          </p:cNvSpPr>
-          <p:nvPr>
-            <p:ph type="title"/>
-          </p:nvPr>
-        </p:nvSpPr>
-        <p:spPr>
-          <a:xfrm>
-            <a:off x="1143000" y="1122362"/>
-            <a:ext cx="6858000" cy="2900518"/>
-          </a:xfrm>
-        </p:spPr>
-        <p:txBody>
-          <a:bodyPr vert="horz" lIns="91440" tIns="45720" rIns="91440" bIns="45720" rtlCol="0" anchor="b">
-            <a:normAutofit/>
-          </a:bodyPr>
-          <a:lstStyle/>
-          <a:p>
-            <a:pPr algn="ctr" defTabSz="914400"/>
-            <a:r>
-              <a:rPr lang="en-US" sz="6000" dirty="0">
-                <a:solidFill>
-                  <a:srgbClr val="FFFFFF"/>
-                </a:solidFill>
-              </a:rPr>
-              <a:t>Module Review 1</a:t>
-            </a:r>
-          </a:p>
-        </p:txBody>
-      </p:sp>
-      <p:sp>
-        <p:nvSpPr>
-          <p:cNvPr id="5" name="Text Placeholder 4">
-            <a:extLst>
-              <a:ext uri="{FF2B5EF4-FFF2-40B4-BE49-F238E27FC236}">
-                <a16:creationId xmlns:a16="http://schemas.microsoft.com/office/drawing/2014/main" id="{702CF149-4E3E-4BC7-1591-E633BE8275BB}"/>
-              </a:ext>
-            </a:extLst>
-          </p:cNvPr>
-          <p:cNvSpPr>
-            <a:spLocks noGrp="1"/>
-          </p:cNvSpPr>
-          <p:nvPr>
-            <p:ph type="body" idx="1"/>
-          </p:nvPr>
-        </p:nvSpPr>
-        <p:spPr>
-          <a:xfrm>
-            <a:off x="1143000" y="4159404"/>
-            <a:ext cx="6858000" cy="1098395"/>
-          </a:xfrm>
-        </p:spPr>
-        <p:txBody>
-          <a:bodyPr vert="horz" lIns="91440" tIns="45720" rIns="91440" bIns="45720" rtlCol="0">
-            <a:normAutofit/>
-          </a:bodyPr>
-          <a:lstStyle/>
-          <a:p>
-            <a:pPr algn="ctr" defTabSz="914400">
-              <a:spcBef>
-                <a:spcPts val="1000"/>
-              </a:spcBef>
-            </a:pPr>
-            <a:endParaRPr lang="en-US" sz="2400">
-              <a:solidFill>
-                <a:srgbClr val="FFFFFF"/>
-              </a:solidFill>
-            </a:endParaRPr>
-          </a:p>
-        </p:txBody>
-      </p:sp>
-    </p:spTree>
-    <p:extLst>
-      <p:ext uri="{BB962C8B-B14F-4D97-AF65-F5344CB8AC3E}">
-        <p14:creationId xmlns:p14="http://schemas.microsoft.com/office/powerpoint/2010/main" val="499141692"/>
-      </p:ext>
-    </p:extLst>
-  </p:cSld>
-  <p:clrMapOvr>
-    <a:overrideClrMapping bg1="dk1" tx1="lt1" bg2="dk2" tx2="lt2" accent1="accent1" accent2="accent2" accent3="accent3" accent4="accent4" accent5="accent5" accent6="accent6" hlink="hlink" folHlink="folHlink"/>
-  </p:clrMapOvr>
-</p:sld>
-</file>
-
-<file path=ppt/slides/slide20.xml><?xml version="1.0" encoding="utf-8"?>
+<file path=ppt/slides/slide22.xml><?xml version="1.0" encoding="utf-8"?>
 <p:sld xmlns:a="http://schemas.openxmlformats.org/drawingml/2006/main" xmlns:r="http://schemas.openxmlformats.org/officeDocument/2006/relationships" xmlns:p="http://schemas.openxmlformats.org/presentationml/2006/main">
   <p:cSld>
     <p:spTree>
@@ -19179,39 +21127,12 @@
           <a:chExt cx="0" cy="0"/>
         </a:xfrm>
       </p:grpSpPr>
-      <p:sp>
-        <p:nvSpPr>
-          <p:cNvPr id="24578" name="Rectangle 2"/>
-          <p:cNvSpPr>
-            <a:spLocks noGrp="1" noChangeArrowheads="1"/>
-          </p:cNvSpPr>
-          <p:nvPr>
-            <p:ph type="title"/>
-          </p:nvPr>
-        </p:nvSpPr>
-        <p:spPr>
-          <a:xfrm>
-            <a:off x="628650" y="365127"/>
-            <a:ext cx="7886700" cy="872682"/>
-          </a:xfrm>
-        </p:spPr>
-        <p:txBody>
-          <a:bodyPr/>
-          <a:lstStyle/>
-          <a:p>
-            <a:r>
-              <a:rPr lang="en-US" dirty="0"/>
-              <a:t>Designing a Rational Agent</a:t>
-            </a:r>
-          </a:p>
-        </p:txBody>
-      </p:sp>
       <p:pic>
         <p:nvPicPr>
-          <p:cNvPr id="9" name="Picture 4">
+          <p:cNvPr id="5" name="Picture 4">
             <a:extLst>
               <a:ext uri="{FF2B5EF4-FFF2-40B4-BE49-F238E27FC236}">
-                <a16:creationId xmlns:a16="http://schemas.microsoft.com/office/drawing/2014/main" id="{46E8AEF4-D86A-4A0B-B953-150370693E80}"/>
+                <a16:creationId xmlns:a16="http://schemas.microsoft.com/office/drawing/2014/main" id="{1DDCFE71-9CDB-A319-F442-B9F489FF5A63}"/>
               </a:ext>
               <a:ext uri="{C183D7F6-B498-43B3-948B-1728B52AA6E4}">
                 <adec:decorative xmlns:adec="http://schemas.microsoft.com/office/drawing/2017/decorative" val="1"/>
@@ -19232,8 +21153,8 @@
         </p:blipFill>
         <p:spPr bwMode="auto">
           <a:xfrm>
-            <a:off x="317851" y="1295400"/>
-            <a:ext cx="4185764" cy="1823987"/>
+            <a:off x="3048000" y="2133401"/>
+            <a:ext cx="4953000" cy="2133799"/>
           </a:xfrm>
           <a:prstGeom prst="rect">
             <a:avLst/>
@@ -19249,10 +21170,372 @@
       </p:pic>
       <p:sp>
         <p:nvSpPr>
+          <p:cNvPr id="6146" name="Rectangle 2"/>
+          <p:cNvSpPr>
+            <a:spLocks noGrp="1" noChangeArrowheads="1"/>
+          </p:cNvSpPr>
+          <p:nvPr>
+            <p:ph type="title"/>
+          </p:nvPr>
+        </p:nvSpPr>
+        <p:spPr/>
+        <p:txBody>
+          <a:bodyPr/>
+          <a:lstStyle/>
+          <a:p>
+            <a:r>
+              <a:rPr lang="en-US" dirty="0"/>
+              <a:t>Agent Function and Agent Program</a:t>
+            </a:r>
+          </a:p>
+        </p:txBody>
+      </p:sp>
+      <mc:AlternateContent xmlns:mc="http://schemas.openxmlformats.org/markup-compatibility/2006" xmlns:a14="http://schemas.microsoft.com/office/drawing/2010/main">
+        <mc:Choice Requires="a14">
+          <p:sp>
+            <p:nvSpPr>
+              <p:cNvPr id="6147" name="Rectangle 3"/>
+              <p:cNvSpPr>
+                <a:spLocks noGrp="1" noChangeArrowheads="1"/>
+              </p:cNvSpPr>
+              <p:nvPr>
+                <p:ph idx="1"/>
+              </p:nvPr>
+            </p:nvSpPr>
+            <p:spPr>
+              <a:xfrm>
+                <a:off x="628650" y="1524001"/>
+                <a:ext cx="7753350" cy="3962399"/>
+              </a:xfrm>
+            </p:spPr>
+            <p:txBody>
+              <a:bodyPr>
+                <a:normAutofit fontScale="62500" lnSpcReduction="20000"/>
+              </a:bodyPr>
+              <a:lstStyle/>
+              <a:p>
+                <a:pPr marL="0" indent="0">
+                  <a:buNone/>
+                </a:pPr>
+                <a:r>
+                  <a:rPr lang="en-US" sz="2800" dirty="0"/>
+                  <a:t>The </a:t>
+                </a:r>
+                <a:r>
+                  <a:rPr lang="en-US" sz="2800" dirty="0">
+                    <a:solidFill>
+                      <a:srgbClr val="FF0000"/>
+                    </a:solidFill>
+                  </a:rPr>
+                  <a:t>agent</a:t>
+                </a:r>
+                <a:r>
+                  <a:rPr lang="en-US" sz="2800" dirty="0"/>
+                  <a:t> </a:t>
+                </a:r>
+                <a:r>
+                  <a:rPr lang="en-US" sz="2800" dirty="0">
+                    <a:solidFill>
+                      <a:srgbClr val="FF0000"/>
+                    </a:solidFill>
+                  </a:rPr>
+                  <a:t>function</a:t>
+                </a:r>
+                <a14:m>
+                  <m:oMath xmlns:m="http://schemas.openxmlformats.org/officeDocument/2006/math">
+                    <m:r>
+                      <a:rPr lang="en-US" sz="2800" i="1">
+                        <a:latin typeface="Cambria Math" panose="02040503050406030204" pitchFamily="18" charset="0"/>
+                      </a:rPr>
+                      <m:t> </m:t>
+                    </m:r>
+                  </m:oMath>
+                </a14:m>
+                <a:r>
+                  <a:rPr lang="en-US" sz="2800" dirty="0"/>
+                  <a:t>maps from the set of all possible </a:t>
+                </a:r>
+                <a:r>
+                  <a:rPr lang="en-US" sz="2800" i="1" dirty="0"/>
+                  <a:t>percept sequences </a:t>
+                </a:r>
+                <a14:m>
+                  <m:oMath xmlns:m="http://schemas.openxmlformats.org/officeDocument/2006/math">
+                    <m:sSup>
+                      <m:sSupPr>
+                        <m:ctrlPr>
+                          <a:rPr lang="en-US" sz="2800" i="1">
+                            <a:latin typeface="Cambria Math" panose="02040503050406030204" pitchFamily="18" charset="0"/>
+                          </a:rPr>
+                        </m:ctrlPr>
+                      </m:sSupPr>
+                      <m:e>
+                        <m:r>
+                          <a:rPr lang="en-US" sz="2800" i="1">
+                            <a:latin typeface="Cambria Math" panose="02040503050406030204" pitchFamily="18" charset="0"/>
+                          </a:rPr>
+                          <m:t>𝑃</m:t>
+                        </m:r>
+                      </m:e>
+                      <m:sup>
+                        <m:r>
+                          <a:rPr lang="en-US" sz="2800" i="1">
+                            <a:latin typeface="Cambria Math" panose="02040503050406030204" pitchFamily="18" charset="0"/>
+                          </a:rPr>
+                          <m:t>∗</m:t>
+                        </m:r>
+                      </m:sup>
+                    </m:sSup>
+                    <m:r>
+                      <a:rPr lang="en-US" sz="2800" i="1">
+                        <a:latin typeface="Cambria Math" panose="02040503050406030204" pitchFamily="18" charset="0"/>
+                      </a:rPr>
+                      <m:t> </m:t>
+                    </m:r>
+                  </m:oMath>
+                </a14:m>
+                <a:r>
+                  <a:rPr lang="en-US" sz="2800" dirty="0"/>
+                  <a:t>to the</a:t>
+                </a:r>
+                <a:r>
+                  <a:rPr lang="en-US" sz="2800" i="1" dirty="0"/>
+                  <a:t> set of actions </a:t>
+                </a:r>
+                <a14:m>
+                  <m:oMath xmlns:m="http://schemas.openxmlformats.org/officeDocument/2006/math">
+                    <m:r>
+                      <a:rPr lang="en-US" sz="2800" i="1">
+                        <a:latin typeface="Cambria Math" panose="02040503050406030204" pitchFamily="18" charset="0"/>
+                      </a:rPr>
+                      <m:t>𝐴</m:t>
+                    </m:r>
+                    <m:r>
+                      <a:rPr lang="en-US" sz="2800" i="1">
+                        <a:latin typeface="Cambria Math" panose="02040503050406030204" pitchFamily="18" charset="0"/>
+                      </a:rPr>
+                      <m:t> </m:t>
+                    </m:r>
+                  </m:oMath>
+                </a14:m>
+                <a:r>
+                  <a:rPr lang="en-US" sz="2800" dirty="0"/>
+                  <a:t>formulated as an abstract mathematical function. </a:t>
+                </a:r>
+              </a:p>
+              <a:p>
+                <a:pPr marL="0" indent="0">
+                  <a:buNone/>
+                </a:pPr>
+                <a:endParaRPr lang="en-US" sz="2800" dirty="0"/>
+              </a:p>
+              <a:p>
+                <a:pPr marL="0" indent="0">
+                  <a:buNone/>
+                </a:pPr>
+                <a:endParaRPr lang="en-US" sz="2800" dirty="0"/>
+              </a:p>
+              <a:p>
+                <a:pPr marL="0" indent="0">
+                  <a:buNone/>
+                </a:pPr>
+                <a:endParaRPr lang="en-US" sz="2800" dirty="0"/>
+              </a:p>
+              <a:p>
+                <a:pPr marL="0" indent="0">
+                  <a:buNone/>
+                </a:pPr>
+                <a:endParaRPr lang="en-US" sz="2800" dirty="0"/>
+              </a:p>
+              <a:p>
+                <a:pPr marL="342900" lvl="1" indent="0">
+                  <a:buNone/>
+                </a:pPr>
+                <a14:m>
+                  <m:oMath xmlns:m="http://schemas.openxmlformats.org/officeDocument/2006/math">
+                    <m:r>
+                      <a:rPr lang="en-US" sz="3400" b="0" i="1" smtClean="0">
+                        <a:latin typeface="Cambria Math" panose="02040503050406030204" pitchFamily="18" charset="0"/>
+                      </a:rPr>
+                      <m:t>𝑓</m:t>
+                    </m:r>
+                    <m:r>
+                      <a:rPr lang="en-US" sz="3400" b="0" i="1" smtClean="0">
+                        <a:latin typeface="Cambria Math" panose="02040503050406030204" pitchFamily="18" charset="0"/>
+                      </a:rPr>
+                      <m:t> : </m:t>
+                    </m:r>
+                    <m:sSup>
+                      <m:sSupPr>
+                        <m:ctrlPr>
+                          <a:rPr lang="en-US" sz="3400" b="0" i="1" smtClean="0">
+                            <a:latin typeface="Cambria Math" panose="02040503050406030204" pitchFamily="18" charset="0"/>
+                          </a:rPr>
+                        </m:ctrlPr>
+                      </m:sSupPr>
+                      <m:e>
+                        <m:r>
+                          <a:rPr lang="en-US" sz="3400" b="0" i="1" smtClean="0">
+                            <a:latin typeface="Cambria Math" panose="02040503050406030204" pitchFamily="18" charset="0"/>
+                          </a:rPr>
+                          <m:t>𝑃</m:t>
+                        </m:r>
+                      </m:e>
+                      <m:sup>
+                        <m:r>
+                          <a:rPr lang="en-US" sz="3400" b="0" i="1" smtClean="0">
+                            <a:latin typeface="Cambria Math" panose="02040503050406030204" pitchFamily="18" charset="0"/>
+                          </a:rPr>
+                          <m:t>∗</m:t>
+                        </m:r>
+                      </m:sup>
+                    </m:sSup>
+                    <m:r>
+                      <a:rPr lang="en-US" sz="3400" b="0" i="1" smtClean="0">
+                        <a:latin typeface="Cambria Math" panose="02040503050406030204" pitchFamily="18" charset="0"/>
+                      </a:rPr>
+                      <m:t> →</m:t>
+                    </m:r>
+                    <m:r>
+                      <a:rPr lang="en-US" sz="3400" b="0" i="1" smtClean="0">
+                        <a:latin typeface="Cambria Math" panose="02040503050406030204" pitchFamily="18" charset="0"/>
+                      </a:rPr>
+                      <m:t>𝐴</m:t>
+                    </m:r>
+                  </m:oMath>
+                </a14:m>
+                <a:r>
+                  <a:rPr lang="en-US" sz="2500" dirty="0"/>
+                  <a:t>           </a:t>
+                </a:r>
+              </a:p>
+              <a:p>
+                <a:pPr marL="0" indent="0">
+                  <a:buNone/>
+                </a:pPr>
+                <a:endParaRPr lang="en-US" sz="2800" dirty="0"/>
+              </a:p>
+              <a:p>
+                <a:pPr marL="0" indent="0">
+                  <a:buNone/>
+                </a:pPr>
+                <a:endParaRPr lang="en-US" sz="2800" dirty="0"/>
+              </a:p>
+              <a:p>
+                <a:pPr marL="0" indent="0">
+                  <a:buNone/>
+                </a:pPr>
+                <a:endParaRPr lang="en-US" sz="2800" dirty="0"/>
+              </a:p>
+              <a:p>
+                <a:pPr marL="0" indent="0">
+                  <a:buNone/>
+                </a:pPr>
+                <a:r>
+                  <a:rPr lang="en-US" sz="2800" dirty="0"/>
+                  <a:t>The </a:t>
+                </a:r>
+                <a:r>
+                  <a:rPr lang="en-US" sz="2800" dirty="0">
+                    <a:solidFill>
+                      <a:srgbClr val="FF0000"/>
+                    </a:solidFill>
+                  </a:rPr>
+                  <a:t>agent</a:t>
+                </a:r>
+                <a:r>
+                  <a:rPr lang="en-US" sz="2800" dirty="0"/>
+                  <a:t> </a:t>
+                </a:r>
+                <a:r>
+                  <a:rPr lang="en-US" sz="2800" dirty="0">
+                    <a:solidFill>
+                      <a:srgbClr val="FF0000"/>
+                    </a:solidFill>
+                  </a:rPr>
+                  <a:t>program</a:t>
+                </a:r>
+                <a:r>
+                  <a:rPr lang="en-US" sz="2800" dirty="0"/>
+                  <a:t> is a concrete implementation of this function for a given physical system.</a:t>
+                </a:r>
+              </a:p>
+              <a:p>
+                <a:pPr marL="0" indent="0">
+                  <a:buNone/>
+                </a:pPr>
+                <a:endParaRPr lang="en-US" sz="2800" dirty="0"/>
+              </a:p>
+              <a:p>
+                <a:pPr marL="0" indent="0">
+                  <a:buNone/>
+                </a:pPr>
+                <a:r>
+                  <a:rPr lang="en-US" sz="2800" dirty="0"/>
+                  <a:t>Agent = architecture (hardware) + agent program (implementation of </a:t>
+                </a:r>
+                <a14:m>
+                  <m:oMath xmlns:m="http://schemas.openxmlformats.org/officeDocument/2006/math">
+                    <m:r>
+                      <a:rPr lang="en-US" sz="2800" i="1">
+                        <a:latin typeface="Cambria Math" panose="02040503050406030204" pitchFamily="18" charset="0"/>
+                      </a:rPr>
+                      <m:t>𝑓</m:t>
+                    </m:r>
+                  </m:oMath>
+                </a14:m>
+                <a:r>
+                  <a:rPr lang="en-US" sz="2800" dirty="0"/>
+                  <a:t>)</a:t>
+                </a:r>
+              </a:p>
+            </p:txBody>
+          </p:sp>
+        </mc:Choice>
+        <mc:Fallback xmlns="">
+          <p:sp>
+            <p:nvSpPr>
+              <p:cNvPr id="6147" name="Rectangle 3"/>
+              <p:cNvSpPr>
+                <a:spLocks noGrp="1" noRot="1" noChangeAspect="1" noMove="1" noResize="1" noEditPoints="1" noAdjustHandles="1" noChangeArrowheads="1" noChangeShapeType="1" noTextEdit="1"/>
+              </p:cNvSpPr>
+              <p:nvPr>
+                <p:ph idx="1"/>
+              </p:nvPr>
+            </p:nvSpPr>
+            <p:spPr>
+              <a:xfrm>
+                <a:off x="628650" y="1524001"/>
+                <a:ext cx="7753350" cy="3962399"/>
+              </a:xfrm>
+              <a:blipFill>
+                <a:blip r:embed="rId4"/>
+                <a:stretch>
+                  <a:fillRect l="-629" t="-2462" b="-615"/>
+                </a:stretch>
+              </a:blipFill>
+            </p:spPr>
+            <p:txBody>
+              <a:bodyPr/>
+              <a:lstStyle/>
+              <a:p>
+                <a:r>
+                  <a:rPr lang="en-US">
+                    <a:noFill/>
+                  </a:rPr>
+                  <a:t> </a:t>
+                </a:r>
+              </a:p>
+            </p:txBody>
+          </p:sp>
+        </mc:Fallback>
+      </mc:AlternateContent>
+      <p:sp>
+        <p:nvSpPr>
           <p:cNvPr id="3" name="TextBox 2">
             <a:extLst>
               <a:ext uri="{FF2B5EF4-FFF2-40B4-BE49-F238E27FC236}">
-                <a16:creationId xmlns:a16="http://schemas.microsoft.com/office/drawing/2014/main" id="{8E5BC799-A91C-F554-D39B-84A41FBC6B8A}"/>
+                <a16:creationId xmlns:a16="http://schemas.microsoft.com/office/drawing/2014/main" id="{A2EA5988-3EF3-423E-9255-6C4428FE792D}"/>
               </a:ext>
             </a:extLst>
           </p:cNvPr>
@@ -19261,8 +21544,8 @@
         </p:nvSpPr>
         <p:spPr>
           <a:xfrm>
-            <a:off x="4572000" y="1295400"/>
-            <a:ext cx="4419600" cy="2292174"/>
+            <a:off x="1328057" y="5721945"/>
+            <a:ext cx="2520370" cy="923330"/>
           </a:xfrm>
           <a:prstGeom prst="rect">
             <a:avLst/>
@@ -19270,88 +21553,150 @@
         </p:spPr>
         <p:style>
           <a:lnRef idx="2">
-            <a:schemeClr val="accent6"/>
+            <a:schemeClr val="accent1">
+              <a:shade val="50000"/>
+            </a:schemeClr>
+          </a:lnRef>
+          <a:fillRef idx="1">
+            <a:schemeClr val="accent1"/>
+          </a:fillRef>
+          <a:effectRef idx="0">
+            <a:schemeClr val="accent1"/>
+          </a:effectRef>
+          <a:fontRef idx="minor">
+            <a:schemeClr val="lt1"/>
+          </a:fontRef>
+        </p:style>
+        <p:txBody>
+          <a:bodyPr wrap="none" rtlCol="0">
+            <a:spAutoFit/>
+          </a:bodyPr>
+          <a:lstStyle/>
+          <a:p>
+            <a:pPr marL="285750" indent="-285750">
+              <a:buFont typeface="Arial" panose="020B0604020202020204" pitchFamily="34" charset="0"/>
+              <a:buChar char="•"/>
+            </a:pPr>
+            <a:r>
+              <a:rPr lang="en-US" dirty="0"/>
+              <a:t>Sensors</a:t>
+            </a:r>
+          </a:p>
+          <a:p>
+            <a:pPr marL="285750" indent="-285750">
+              <a:buFont typeface="Arial" panose="020B0604020202020204" pitchFamily="34" charset="0"/>
+              <a:buChar char="•"/>
+            </a:pPr>
+            <a:r>
+              <a:rPr lang="en-US" dirty="0"/>
+              <a:t>Memory</a:t>
+            </a:r>
+          </a:p>
+          <a:p>
+            <a:pPr marL="285750" indent="-285750">
+              <a:buFont typeface="Arial" panose="020B0604020202020204" pitchFamily="34" charset="0"/>
+              <a:buChar char="•"/>
+            </a:pPr>
+            <a:r>
+              <a:rPr lang="en-US" dirty="0"/>
+              <a:t>Computational power</a:t>
+            </a:r>
+          </a:p>
+        </p:txBody>
+      </p:sp>
+      <p:sp>
+        <p:nvSpPr>
+          <p:cNvPr id="4" name="Arrow: Down 3">
+            <a:extLst>
+              <a:ext uri="{FF2B5EF4-FFF2-40B4-BE49-F238E27FC236}">
+                <a16:creationId xmlns:a16="http://schemas.microsoft.com/office/drawing/2014/main" id="{C78490AF-4FEA-47BC-83F2-FBCDACE93FDE}"/>
+              </a:ext>
+              <a:ext uri="{C183D7F6-B498-43B3-948B-1728B52AA6E4}">
+                <adec:decorative xmlns:adec="http://schemas.microsoft.com/office/drawing/2017/decorative" val="1"/>
+              </a:ext>
+            </a:extLst>
+          </p:cNvPr>
+          <p:cNvSpPr/>
+          <p:nvPr/>
+        </p:nvSpPr>
+        <p:spPr>
+          <a:xfrm>
+            <a:off x="2435842" y="5388428"/>
+            <a:ext cx="304800" cy="305098"/>
+          </a:xfrm>
+          <a:prstGeom prst="downArrow">
+            <a:avLst/>
+          </a:prstGeom>
+        </p:spPr>
+        <p:style>
+          <a:lnRef idx="2">
+            <a:schemeClr val="accent1">
+              <a:shade val="50000"/>
+            </a:schemeClr>
+          </a:lnRef>
+          <a:fillRef idx="1">
+            <a:schemeClr val="accent1"/>
+          </a:fillRef>
+          <a:effectRef idx="0">
+            <a:schemeClr val="accent1"/>
+          </a:effectRef>
+          <a:fontRef idx="minor">
+            <a:schemeClr val="lt1"/>
+          </a:fontRef>
+        </p:style>
+        <p:txBody>
+          <a:bodyPr rtlCol="0" anchor="ctr"/>
+          <a:lstStyle/>
+          <a:p>
+            <a:pPr algn="ctr"/>
+            <a:endParaRPr lang="en-US"/>
+          </a:p>
+        </p:txBody>
+      </p:sp>
+      <p:sp>
+        <p:nvSpPr>
+          <p:cNvPr id="7" name="Rectangle 6">
+            <a:extLst>
+              <a:ext uri="{FF2B5EF4-FFF2-40B4-BE49-F238E27FC236}">
+                <a16:creationId xmlns:a16="http://schemas.microsoft.com/office/drawing/2014/main" id="{587470C2-4341-7CA5-300A-0259AEE9A1CF}"/>
+              </a:ext>
+              <a:ext uri="{C183D7F6-B498-43B3-948B-1728B52AA6E4}">
+                <adec:decorative xmlns:adec="http://schemas.microsoft.com/office/drawing/2017/decorative" val="1"/>
+              </a:ext>
+            </a:extLst>
+          </p:cNvPr>
+          <p:cNvSpPr/>
+          <p:nvPr/>
+        </p:nvSpPr>
+        <p:spPr>
+          <a:xfrm>
+            <a:off x="6496566" y="2802596"/>
+            <a:ext cx="858611" cy="366711"/>
+          </a:xfrm>
+          <a:prstGeom prst="rect">
+            <a:avLst/>
+          </a:prstGeom>
+        </p:spPr>
+        <p:style>
+          <a:lnRef idx="2">
+            <a:schemeClr val="dk1"/>
           </a:lnRef>
           <a:fillRef idx="1">
             <a:schemeClr val="lt1"/>
           </a:fillRef>
           <a:effectRef idx="0">
-            <a:schemeClr val="accent6"/>
+            <a:schemeClr val="dk1"/>
           </a:effectRef>
           <a:fontRef idx="minor">
             <a:schemeClr val="dk1"/>
           </a:fontRef>
         </p:style>
         <p:txBody>
-          <a:bodyPr wrap="square">
-            <a:normAutofit fontScale="77500" lnSpcReduction="20000"/>
-          </a:bodyPr>
+          <a:bodyPr rtlCol="0" anchor="ctr"/>
           <a:lstStyle/>
           <a:p>
-            <a:pPr marL="0" indent="0">
-              <a:buNone/>
-            </a:pPr>
-            <a:r>
-              <a:rPr lang="en-US" sz="2800" dirty="0"/>
-              <a:t>Remember the definition of a rational agent:</a:t>
-            </a:r>
-          </a:p>
-          <a:p>
-            <a:pPr marL="342900" lvl="1" indent="0">
-              <a:buNone/>
-            </a:pPr>
-            <a:r>
-              <a:rPr lang="en-US" sz="2500" i="1" dirty="0"/>
-              <a:t>“For each possible percept sequence, a rational agent should select an </a:t>
-            </a:r>
-            <a:r>
-              <a:rPr lang="en-US" sz="2500" b="1" i="1" dirty="0">
-                <a:solidFill>
-                  <a:srgbClr val="FF0000"/>
-                </a:solidFill>
-              </a:rPr>
-              <a:t>action</a:t>
-            </a:r>
-            <a:r>
-              <a:rPr lang="en-US" sz="2500" i="1" dirty="0"/>
-              <a:t> that</a:t>
-            </a:r>
-            <a:r>
-              <a:rPr lang="en-US" sz="2500" b="1" i="1" dirty="0">
-                <a:solidFill>
-                  <a:srgbClr val="FF0000"/>
-                </a:solidFill>
-              </a:rPr>
-              <a:t> maximizes its expected performance measure</a:t>
-            </a:r>
-            <a:r>
-              <a:rPr lang="en-US" sz="2500" i="1" dirty="0"/>
-              <a:t>, given the evidence provided by the </a:t>
-            </a:r>
-            <a:r>
-              <a:rPr lang="en-US" sz="2500" b="1" i="1" dirty="0">
-                <a:solidFill>
-                  <a:srgbClr val="FF0000"/>
-                </a:solidFill>
-              </a:rPr>
-              <a:t>percept sequence</a:t>
-            </a:r>
-            <a:r>
-              <a:rPr lang="en-US" sz="2500" i="1" dirty="0"/>
-              <a:t> and the </a:t>
-            </a:r>
-            <a:r>
-              <a:rPr lang="en-US" sz="2500" b="1" i="1" dirty="0">
-                <a:solidFill>
-                  <a:srgbClr val="FF0000"/>
-                </a:solidFill>
-              </a:rPr>
-              <a:t>agent’s built-in knowledge</a:t>
-            </a:r>
-            <a:r>
-              <a:rPr lang="en-US" sz="2500" i="1" dirty="0"/>
-              <a:t>.”</a:t>
-            </a:r>
+            <a:pPr algn="ctr"/>
+            <a:endParaRPr lang="en-US"/>
           </a:p>
         </p:txBody>
       </p:sp>
@@ -19362,7 +21707,7 @@
               <p:cNvPr id="6" name="TextBox 5">
                 <a:extLst>
                   <a:ext uri="{FF2B5EF4-FFF2-40B4-BE49-F238E27FC236}">
-                    <a16:creationId xmlns:a16="http://schemas.microsoft.com/office/drawing/2014/main" id="{B3CB2EF1-2F60-BD5B-64D9-52A45BE6269C}"/>
+                    <a16:creationId xmlns:a16="http://schemas.microsoft.com/office/drawing/2014/main" id="{DB5E80B8-B618-5127-170D-56D831FC7051}"/>
                   </a:ext>
                   <a:ext uri="{C183D7F6-B498-43B3-948B-1728B52AA6E4}">
                     <adec:decorative xmlns:adec="http://schemas.microsoft.com/office/drawing/2017/decorative" val="1"/>
@@ -19374,8 +21719,164 @@
             </p:nvSpPr>
             <p:spPr>
               <a:xfrm>
-                <a:off x="3157646" y="1840214"/>
-                <a:ext cx="381000" cy="338554"/>
+                <a:off x="6420366" y="2828539"/>
+                <a:ext cx="1047234" cy="307777"/>
+              </a:xfrm>
+              <a:prstGeom prst="rect">
+                <a:avLst/>
+              </a:prstGeom>
+              <a:noFill/>
+            </p:spPr>
+            <p:txBody>
+              <a:bodyPr wrap="square">
+                <a:spAutoFit/>
+              </a:bodyPr>
+              <a:lstStyle/>
+              <a:p>
+                <a:pPr marL="0" indent="0" algn="ctr">
+                  <a:buNone/>
+                </a:pPr>
+                <a14:m>
+                  <m:oMathPara xmlns:m="http://schemas.openxmlformats.org/officeDocument/2006/math">
+                    <m:oMathParaPr>
+                      <m:jc m:val="left"/>
+                    </m:oMathParaPr>
+                    <m:oMath xmlns:m="http://schemas.openxmlformats.org/officeDocument/2006/math">
+                      <m:r>
+                        <a:rPr lang="en-US" sz="1400" b="1" i="1" dirty="0" smtClean="0">
+                          <a:solidFill>
+                            <a:srgbClr val="FF0000"/>
+                          </a:solidFill>
+                          <a:latin typeface="Cambria Math" panose="02040503050406030204" pitchFamily="18" charset="0"/>
+                        </a:rPr>
+                        <m:t>𝒂</m:t>
+                      </m:r>
+                      <m:r>
+                        <a:rPr lang="en-US" sz="1400" b="1" i="1" dirty="0" smtClean="0">
+                          <a:solidFill>
+                            <a:srgbClr val="FF0000"/>
+                          </a:solidFill>
+                          <a:latin typeface="Cambria Math" panose="02040503050406030204" pitchFamily="18" charset="0"/>
+                        </a:rPr>
+                        <m:t> = </m:t>
+                      </m:r>
+                      <m:r>
+                        <a:rPr lang="en-US" sz="1400" b="1" i="1" dirty="0" smtClean="0">
+                          <a:solidFill>
+                            <a:srgbClr val="FF0000"/>
+                          </a:solidFill>
+                          <a:latin typeface="Cambria Math" panose="02040503050406030204" pitchFamily="18" charset="0"/>
+                        </a:rPr>
+                        <m:t>𝒇</m:t>
+                      </m:r>
+                      <m:r>
+                        <a:rPr lang="en-US" sz="1400" b="1" i="1" dirty="0" smtClean="0">
+                          <a:solidFill>
+                            <a:srgbClr val="FF0000"/>
+                          </a:solidFill>
+                          <a:latin typeface="Cambria Math" panose="02040503050406030204" pitchFamily="18" charset="0"/>
+                        </a:rPr>
+                        <m:t>(</m:t>
+                      </m:r>
+                      <m:r>
+                        <a:rPr lang="en-US" sz="1400" b="1" i="1" dirty="0" smtClean="0">
+                          <a:solidFill>
+                            <a:srgbClr val="FF0000"/>
+                          </a:solidFill>
+                          <a:latin typeface="Cambria Math" panose="02040503050406030204" pitchFamily="18" charset="0"/>
+                        </a:rPr>
+                        <m:t>𝒑</m:t>
+                      </m:r>
+                      <m:r>
+                        <a:rPr lang="en-US" sz="1400" b="1" i="1" dirty="0" smtClean="0">
+                          <a:solidFill>
+                            <a:srgbClr val="FF0000"/>
+                          </a:solidFill>
+                          <a:latin typeface="Cambria Math" panose="02040503050406030204" pitchFamily="18" charset="0"/>
+                        </a:rPr>
+                        <m:t>)</m:t>
+                      </m:r>
+                    </m:oMath>
+                  </m:oMathPara>
+                </a14:m>
+                <a:endParaRPr lang="en-US" sz="1400" b="1" dirty="0">
+                  <a:solidFill>
+                    <a:srgbClr val="FF0000"/>
+                  </a:solidFill>
+                </a:endParaRPr>
+              </a:p>
+            </p:txBody>
+          </p:sp>
+        </mc:Choice>
+        <mc:Fallback xmlns="">
+          <p:sp>
+            <p:nvSpPr>
+              <p:cNvPr id="6" name="TextBox 5">
+                <a:extLst>
+                  <a:ext uri="{FF2B5EF4-FFF2-40B4-BE49-F238E27FC236}">
+                    <a16:creationId xmlns:a16="http://schemas.microsoft.com/office/drawing/2014/main" id="{DB5E80B8-B618-5127-170D-56D831FC7051}"/>
+                  </a:ext>
+                  <a:ext uri="{C183D7F6-B498-43B3-948B-1728B52AA6E4}">
+                    <adec:decorative xmlns:adec="http://schemas.microsoft.com/office/drawing/2017/decorative" val="1"/>
+                  </a:ext>
+                </a:extLst>
+              </p:cNvPr>
+              <p:cNvSpPr txBox="1">
+                <a:spLocks noRot="1" noChangeAspect="1" noMove="1" noResize="1" noEditPoints="1" noAdjustHandles="1" noChangeArrowheads="1" noChangeShapeType="1" noTextEdit="1"/>
+              </p:cNvSpPr>
+              <p:nvPr/>
+            </p:nvSpPr>
+            <p:spPr>
+              <a:xfrm>
+                <a:off x="6420366" y="2828539"/>
+                <a:ext cx="1047234" cy="307777"/>
+              </a:xfrm>
+              <a:prstGeom prst="rect">
+                <a:avLst/>
+              </a:prstGeom>
+              <a:blipFill>
+                <a:blip r:embed="rId5"/>
+                <a:stretch>
+                  <a:fillRect b="-8000"/>
+                </a:stretch>
+              </a:blipFill>
+            </p:spPr>
+            <p:txBody>
+              <a:bodyPr/>
+              <a:lstStyle/>
+              <a:p>
+                <a:r>
+                  <a:rPr lang="en-US">
+                    <a:noFill/>
+                  </a:rPr>
+                  <a:t> </a:t>
+                </a:r>
+              </a:p>
+            </p:txBody>
+          </p:sp>
+        </mc:Fallback>
+      </mc:AlternateContent>
+      <mc:AlternateContent xmlns:mc="http://schemas.openxmlformats.org/markup-compatibility/2006" xmlns:a14="http://schemas.microsoft.com/office/drawing/2010/main">
+        <mc:Choice Requires="a14">
+          <p:sp>
+            <p:nvSpPr>
+              <p:cNvPr id="10" name="TextBox 9">
+                <a:extLst>
+                  <a:ext uri="{FF2B5EF4-FFF2-40B4-BE49-F238E27FC236}">
+                    <a16:creationId xmlns:a16="http://schemas.microsoft.com/office/drawing/2014/main" id="{F95A021F-E12D-2F4E-E8D8-B959451272C3}"/>
+                  </a:ext>
+                  <a:ext uri="{C183D7F6-B498-43B3-948B-1728B52AA6E4}">
+                    <adec:decorative xmlns:adec="http://schemas.microsoft.com/office/drawing/2017/decorative" val="1"/>
+                  </a:ext>
+                </a:extLst>
+              </p:cNvPr>
+              <p:cNvSpPr txBox="1"/>
+              <p:nvPr/>
+            </p:nvSpPr>
+            <p:spPr>
+              <a:xfrm>
+                <a:off x="5486400" y="3485670"/>
+                <a:ext cx="304800" cy="369332"/>
               </a:xfrm>
               <a:prstGeom prst="rect">
                 <a:avLst/>
@@ -19396,15 +21897,18 @@
                     </m:oMathParaPr>
                     <m:oMath xmlns:m="http://schemas.openxmlformats.org/officeDocument/2006/math">
                       <m:r>
-                        <a:rPr lang="en-US" sz="1600" b="0" i="1" smtClean="0">
+                        <a:rPr lang="en-US" sz="1800" b="1" i="1" dirty="0" smtClean="0">
+                          <a:solidFill>
+                            <a:srgbClr val="FF0000"/>
+                          </a:solidFill>
                           <a:latin typeface="Cambria Math" panose="02040503050406030204" pitchFamily="18" charset="0"/>
                         </a:rPr>
-                        <m:t>𝑓</m:t>
+                        <m:t>𝒂</m:t>
                       </m:r>
                     </m:oMath>
                   </m:oMathPara>
                 </a14:m>
-                <a:endParaRPr lang="en-US" sz="1600" dirty="0"/>
+                <a:endParaRPr lang="en-US" dirty="0"/>
               </a:p>
             </p:txBody>
           </p:sp>
@@ -19412,10 +21916,10 @@
         <mc:Fallback xmlns="">
           <p:sp>
             <p:nvSpPr>
-              <p:cNvPr id="6" name="TextBox 5">
+              <p:cNvPr id="10" name="TextBox 9">
                 <a:extLst>
                   <a:ext uri="{FF2B5EF4-FFF2-40B4-BE49-F238E27FC236}">
-                    <a16:creationId xmlns:a16="http://schemas.microsoft.com/office/drawing/2014/main" id="{B3CB2EF1-2F60-BD5B-64D9-52A45BE6269C}"/>
+                    <a16:creationId xmlns:a16="http://schemas.microsoft.com/office/drawing/2014/main" id="{F95A021F-E12D-2F4E-E8D8-B959451272C3}"/>
                   </a:ext>
                   <a:ext uri="{C183D7F6-B498-43B3-948B-1728B52AA6E4}">
                     <adec:decorative xmlns:adec="http://schemas.microsoft.com/office/drawing/2017/decorative" val="1"/>
@@ -19429,16 +21933,16 @@
             </p:nvSpPr>
             <p:spPr>
               <a:xfrm>
-                <a:off x="3157646" y="1840214"/>
-                <a:ext cx="381000" cy="338554"/>
+                <a:off x="5486400" y="3485670"/>
+                <a:ext cx="304800" cy="369332"/>
               </a:xfrm>
               <a:prstGeom prst="rect">
                 <a:avLst/>
               </a:prstGeom>
               <a:blipFill>
-                <a:blip r:embed="rId4"/>
+                <a:blip r:embed="rId6"/>
                 <a:stretch>
-                  <a:fillRect b="-10909"/>
+                  <a:fillRect/>
                 </a:stretch>
               </a:blipFill>
             </p:spPr>
@@ -19457,97 +21961,1369 @@
           </p:sp>
         </mc:Fallback>
       </mc:AlternateContent>
-      <p:cxnSp>
-        <p:nvCxnSpPr>
-          <p:cNvPr id="20" name="Straight Arrow Connector 19">
-            <a:extLst>
-              <a:ext uri="{FF2B5EF4-FFF2-40B4-BE49-F238E27FC236}">
-                <a16:creationId xmlns:a16="http://schemas.microsoft.com/office/drawing/2014/main" id="{197A4365-FAB8-3CB6-5EC2-595FAABE4D28}"/>
-              </a:ext>
-              <a:ext uri="{C183D7F6-B498-43B3-948B-1728B52AA6E4}">
-                <adec:decorative xmlns:adec="http://schemas.microsoft.com/office/drawing/2017/decorative" val="1"/>
-              </a:ext>
-            </a:extLst>
-          </p:cNvPr>
-          <p:cNvCxnSpPr>
-            <a:cxnSpLocks/>
-          </p:cNvCxnSpPr>
-          <p:nvPr/>
-        </p:nvCxnSpPr>
-        <p:spPr>
-          <a:xfrm flipH="1">
-            <a:off x="3192781" y="2100180"/>
-            <a:ext cx="301404" cy="295030"/>
-          </a:xfrm>
-          <a:prstGeom prst="straightConnector1">
-            <a:avLst/>
-          </a:prstGeom>
-          <a:ln>
-            <a:tailEnd type="triangle"/>
-          </a:ln>
-        </p:spPr>
-        <p:style>
-          <a:lnRef idx="1">
-            <a:schemeClr val="dk1"/>
-          </a:lnRef>
-          <a:fillRef idx="0">
-            <a:schemeClr val="dk1"/>
-          </a:fillRef>
-          <a:effectRef idx="0">
-            <a:schemeClr val="dk1"/>
-          </a:effectRef>
-          <a:fontRef idx="minor">
-            <a:schemeClr val="tx1"/>
-          </a:fontRef>
-        </p:style>
-      </p:cxnSp>
+      <mc:AlternateContent xmlns:mc="http://schemas.openxmlformats.org/markup-compatibility/2006" xmlns:a14="http://schemas.microsoft.com/office/drawing/2010/main">
+        <mc:Choice Requires="a14">
+          <p:sp>
+            <p:nvSpPr>
+              <p:cNvPr id="11" name="TextBox 10">
+                <a:extLst>
+                  <a:ext uri="{FF2B5EF4-FFF2-40B4-BE49-F238E27FC236}">
+                    <a16:creationId xmlns:a16="http://schemas.microsoft.com/office/drawing/2014/main" id="{F99183F8-130C-455B-92FB-005B2F5EB2BB}"/>
+                  </a:ext>
+                  <a:ext uri="{C183D7F6-B498-43B3-948B-1728B52AA6E4}">
+                    <adec:decorative xmlns:adec="http://schemas.microsoft.com/office/drawing/2017/decorative" val="1"/>
+                  </a:ext>
+                </a:extLst>
+              </p:cNvPr>
+              <p:cNvSpPr txBox="1"/>
+              <p:nvPr/>
+            </p:nvSpPr>
+            <p:spPr>
+              <a:xfrm>
+                <a:off x="5486400" y="2256124"/>
+                <a:ext cx="304800" cy="369332"/>
+              </a:xfrm>
+              <a:prstGeom prst="rect">
+                <a:avLst/>
+              </a:prstGeom>
+              <a:noFill/>
+            </p:spPr>
+            <p:txBody>
+              <a:bodyPr wrap="square">
+                <a:spAutoFit/>
+              </a:bodyPr>
+              <a:lstStyle/>
+              <a:p>
+                <a:pPr/>
+                <a14:m>
+                  <m:oMathPara xmlns:m="http://schemas.openxmlformats.org/officeDocument/2006/math">
+                    <m:oMathParaPr>
+                      <m:jc m:val="centerGroup"/>
+                    </m:oMathParaPr>
+                    <m:oMath xmlns:m="http://schemas.openxmlformats.org/officeDocument/2006/math">
+                      <m:r>
+                        <a:rPr lang="en-US" sz="1800" b="1" i="1" dirty="0" smtClean="0">
+                          <a:solidFill>
+                            <a:srgbClr val="FF0000"/>
+                          </a:solidFill>
+                          <a:latin typeface="Cambria Math" panose="02040503050406030204" pitchFamily="18" charset="0"/>
+                        </a:rPr>
+                        <m:t>𝒑</m:t>
+                      </m:r>
+                    </m:oMath>
+                  </m:oMathPara>
+                </a14:m>
+                <a:endParaRPr lang="en-US" dirty="0"/>
+              </a:p>
+            </p:txBody>
+          </p:sp>
+        </mc:Choice>
+        <mc:Fallback xmlns="">
+          <p:sp>
+            <p:nvSpPr>
+              <p:cNvPr id="11" name="TextBox 10">
+                <a:extLst>
+                  <a:ext uri="{FF2B5EF4-FFF2-40B4-BE49-F238E27FC236}">
+                    <a16:creationId xmlns:a16="http://schemas.microsoft.com/office/drawing/2014/main" id="{F99183F8-130C-455B-92FB-005B2F5EB2BB}"/>
+                  </a:ext>
+                  <a:ext uri="{C183D7F6-B498-43B3-948B-1728B52AA6E4}">
+                    <adec:decorative xmlns:adec="http://schemas.microsoft.com/office/drawing/2017/decorative" val="1"/>
+                  </a:ext>
+                </a:extLst>
+              </p:cNvPr>
+              <p:cNvSpPr txBox="1">
+                <a:spLocks noRot="1" noChangeAspect="1" noMove="1" noResize="1" noEditPoints="1" noAdjustHandles="1" noChangeArrowheads="1" noChangeShapeType="1" noTextEdit="1"/>
+              </p:cNvSpPr>
+              <p:nvPr/>
+            </p:nvSpPr>
+            <p:spPr>
+              <a:xfrm>
+                <a:off x="5486400" y="2256124"/>
+                <a:ext cx="304800" cy="369332"/>
+              </a:xfrm>
+              <a:prstGeom prst="rect">
+                <a:avLst/>
+              </a:prstGeom>
+              <a:blipFill>
+                <a:blip r:embed="rId7"/>
+                <a:stretch>
+                  <a:fillRect r="-6000" b="-6557"/>
+                </a:stretch>
+              </a:blipFill>
+            </p:spPr>
+            <p:txBody>
+              <a:bodyPr/>
+              <a:lstStyle/>
+              <a:p>
+                <a:r>
+                  <a:rPr lang="en-US">
+                    <a:noFill/>
+                  </a:rPr>
+                  <a:t> </a:t>
+                </a:r>
+              </a:p>
+            </p:txBody>
+          </p:sp>
+        </mc:Fallback>
+      </mc:AlternateContent>
+    </p:spTree>
+  </p:cSld>
+  <p:clrMapOvr>
+    <a:masterClrMapping/>
+  </p:clrMapOvr>
+  <p:timing>
+    <p:tnLst>
+      <p:par>
+        <p:cTn id="1" dur="indefinite" restart="never" nodeType="tmRoot">
+          <p:childTnLst>
+            <p:seq concurrent="1" nextAc="seek">
+              <p:cTn id="2" dur="indefinite" nodeType="mainSeq">
+                <p:childTnLst>
+                  <p:par>
+                    <p:cTn id="3" fill="hold">
+                      <p:stCondLst>
+                        <p:cond delay="indefinite"/>
+                        <p:cond evt="onBegin" delay="0">
+                          <p:tn val="2"/>
+                        </p:cond>
+                      </p:stCondLst>
+                      <p:childTnLst>
+                        <p:par>
+                          <p:cTn id="4" fill="hold">
+                            <p:stCondLst>
+                              <p:cond delay="0"/>
+                            </p:stCondLst>
+                            <p:childTnLst>
+                              <p:par>
+                                <p:cTn id="5" presetID="1" presetClass="entr" presetSubtype="0" fill="hold" grpId="0" nodeType="withEffect">
+                                  <p:stCondLst>
+                                    <p:cond delay="0"/>
+                                  </p:stCondLst>
+                                  <p:childTnLst>
+                                    <p:set>
+                                      <p:cBhvr>
+                                        <p:cTn id="6" dur="1" fill="hold">
+                                          <p:stCondLst>
+                                            <p:cond delay="0"/>
+                                          </p:stCondLst>
+                                        </p:cTn>
+                                        <p:tgtEl>
+                                          <p:spTgt spid="6147">
+                                            <p:txEl>
+                                              <p:pRg st="0" end="0"/>
+                                            </p:txEl>
+                                          </p:spTgt>
+                                        </p:tgtEl>
+                                        <p:attrNameLst>
+                                          <p:attrName>style.visibility</p:attrName>
+                                        </p:attrNameLst>
+                                      </p:cBhvr>
+                                      <p:to>
+                                        <p:strVal val="visible"/>
+                                      </p:to>
+                                    </p:set>
+                                  </p:childTnLst>
+                                </p:cTn>
+                              </p:par>
+                              <p:par>
+                                <p:cTn id="7" presetID="1" presetClass="entr" presetSubtype="0" fill="hold" grpId="0" nodeType="withEffect">
+                                  <p:stCondLst>
+                                    <p:cond delay="0"/>
+                                  </p:stCondLst>
+                                  <p:childTnLst>
+                                    <p:set>
+                                      <p:cBhvr>
+                                        <p:cTn id="8" dur="1" fill="hold">
+                                          <p:stCondLst>
+                                            <p:cond delay="0"/>
+                                          </p:stCondLst>
+                                        </p:cTn>
+                                        <p:tgtEl>
+                                          <p:spTgt spid="6147">
+                                            <p:txEl>
+                                              <p:pRg st="5" end="5"/>
+                                            </p:txEl>
+                                          </p:spTgt>
+                                        </p:tgtEl>
+                                        <p:attrNameLst>
+                                          <p:attrName>style.visibility</p:attrName>
+                                        </p:attrNameLst>
+                                      </p:cBhvr>
+                                      <p:to>
+                                        <p:strVal val="visible"/>
+                                      </p:to>
+                                    </p:set>
+                                  </p:childTnLst>
+                                </p:cTn>
+                              </p:par>
+                            </p:childTnLst>
+                          </p:cTn>
+                        </p:par>
+                      </p:childTnLst>
+                    </p:cTn>
+                  </p:par>
+                  <p:par>
+                    <p:cTn id="9" fill="hold">
+                      <p:stCondLst>
+                        <p:cond delay="indefinite"/>
+                      </p:stCondLst>
+                      <p:childTnLst>
+                        <p:par>
+                          <p:cTn id="10" fill="hold">
+                            <p:stCondLst>
+                              <p:cond delay="0"/>
+                            </p:stCondLst>
+                            <p:childTnLst>
+                              <p:par>
+                                <p:cTn id="11" presetID="1" presetClass="entr" presetSubtype="0" fill="hold" grpId="0" nodeType="clickEffect">
+                                  <p:stCondLst>
+                                    <p:cond delay="0"/>
+                                  </p:stCondLst>
+                                  <p:childTnLst>
+                                    <p:set>
+                                      <p:cBhvr>
+                                        <p:cTn id="12" dur="1" fill="hold">
+                                          <p:stCondLst>
+                                            <p:cond delay="0"/>
+                                          </p:stCondLst>
+                                        </p:cTn>
+                                        <p:tgtEl>
+                                          <p:spTgt spid="6147">
+                                            <p:txEl>
+                                              <p:pRg st="9" end="9"/>
+                                            </p:txEl>
+                                          </p:spTgt>
+                                        </p:tgtEl>
+                                        <p:attrNameLst>
+                                          <p:attrName>style.visibility</p:attrName>
+                                        </p:attrNameLst>
+                                      </p:cBhvr>
+                                      <p:to>
+                                        <p:strVal val="visible"/>
+                                      </p:to>
+                                    </p:set>
+                                  </p:childTnLst>
+                                </p:cTn>
+                              </p:par>
+                            </p:childTnLst>
+                          </p:cTn>
+                        </p:par>
+                      </p:childTnLst>
+                    </p:cTn>
+                  </p:par>
+                  <p:par>
+                    <p:cTn id="13" fill="hold">
+                      <p:stCondLst>
+                        <p:cond delay="indefinite"/>
+                      </p:stCondLst>
+                      <p:childTnLst>
+                        <p:par>
+                          <p:cTn id="14" fill="hold">
+                            <p:stCondLst>
+                              <p:cond delay="0"/>
+                            </p:stCondLst>
+                            <p:childTnLst>
+                              <p:par>
+                                <p:cTn id="15" presetID="1" presetClass="entr" presetSubtype="0" fill="hold" grpId="0" nodeType="clickEffect">
+                                  <p:stCondLst>
+                                    <p:cond delay="0"/>
+                                  </p:stCondLst>
+                                  <p:childTnLst>
+                                    <p:set>
+                                      <p:cBhvr>
+                                        <p:cTn id="16" dur="1" fill="hold">
+                                          <p:stCondLst>
+                                            <p:cond delay="0"/>
+                                          </p:stCondLst>
+                                        </p:cTn>
+                                        <p:tgtEl>
+                                          <p:spTgt spid="6147">
+                                            <p:txEl>
+                                              <p:pRg st="11" end="11"/>
+                                            </p:txEl>
+                                          </p:spTgt>
+                                        </p:tgtEl>
+                                        <p:attrNameLst>
+                                          <p:attrName>style.visibility</p:attrName>
+                                        </p:attrNameLst>
+                                      </p:cBhvr>
+                                      <p:to>
+                                        <p:strVal val="visible"/>
+                                      </p:to>
+                                    </p:set>
+                                  </p:childTnLst>
+                                </p:cTn>
+                              </p:par>
+                              <p:par>
+                                <p:cTn id="17" presetID="1" presetClass="entr" presetSubtype="0" fill="hold" grpId="0" nodeType="withEffect">
+                                  <p:stCondLst>
+                                    <p:cond delay="0"/>
+                                  </p:stCondLst>
+                                  <p:childTnLst>
+                                    <p:set>
+                                      <p:cBhvr>
+                                        <p:cTn id="18" dur="1" fill="hold">
+                                          <p:stCondLst>
+                                            <p:cond delay="0"/>
+                                          </p:stCondLst>
+                                        </p:cTn>
+                                        <p:tgtEl>
+                                          <p:spTgt spid="4"/>
+                                        </p:tgtEl>
+                                        <p:attrNameLst>
+                                          <p:attrName>style.visibility</p:attrName>
+                                        </p:attrNameLst>
+                                      </p:cBhvr>
+                                      <p:to>
+                                        <p:strVal val="visible"/>
+                                      </p:to>
+                                    </p:set>
+                                  </p:childTnLst>
+                                </p:cTn>
+                              </p:par>
+                              <p:par>
+                                <p:cTn id="19" presetID="1" presetClass="entr" presetSubtype="0" fill="hold" grpId="0" nodeType="withEffect">
+                                  <p:stCondLst>
+                                    <p:cond delay="0"/>
+                                  </p:stCondLst>
+                                  <p:childTnLst>
+                                    <p:set>
+                                      <p:cBhvr>
+                                        <p:cTn id="20" dur="1" fill="hold">
+                                          <p:stCondLst>
+                                            <p:cond delay="0"/>
+                                          </p:stCondLst>
+                                        </p:cTn>
+                                        <p:tgtEl>
+                                          <p:spTgt spid="3"/>
+                                        </p:tgtEl>
+                                        <p:attrNameLst>
+                                          <p:attrName>style.visibility</p:attrName>
+                                        </p:attrNameLst>
+                                      </p:cBhvr>
+                                      <p:to>
+                                        <p:strVal val="visible"/>
+                                      </p:to>
+                                    </p:set>
+                                  </p:childTnLst>
+                                </p:cTn>
+                              </p:par>
+                            </p:childTnLst>
+                          </p:cTn>
+                        </p:par>
+                      </p:childTnLst>
+                    </p:cTn>
+                  </p:par>
+                </p:childTnLst>
+              </p:cTn>
+              <p:prevCondLst>
+                <p:cond evt="onPrev" delay="0">
+                  <p:tgtEl>
+                    <p:sldTgt/>
+                  </p:tgtEl>
+                </p:cond>
+              </p:prevCondLst>
+              <p:nextCondLst>
+                <p:cond evt="onNext" delay="0">
+                  <p:tgtEl>
+                    <p:sldTgt/>
+                  </p:tgtEl>
+                </p:cond>
+              </p:nextCondLst>
+            </p:seq>
+          </p:childTnLst>
+        </p:cTn>
+      </p:par>
+    </p:tnLst>
+    <p:bldLst>
+      <p:bldP spid="6147" grpId="0" uiExpand="1" build="p"/>
+      <p:bldP spid="3" grpId="0" animBg="1"/>
+      <p:bldP spid="4" grpId="0" animBg="1"/>
+    </p:bldLst>
+  </p:timing>
+</p:sld>
+</file>
+
+<file path=ppt/slides/slide4.xml><?xml version="1.0" encoding="utf-8"?>
+<p:sld xmlns:a="http://schemas.openxmlformats.org/drawingml/2006/main" xmlns:r="http://schemas.openxmlformats.org/officeDocument/2006/relationships" xmlns:p="http://schemas.openxmlformats.org/presentationml/2006/main">
+  <p:cSld>
+    <p:spTree>
+      <p:nvGrpSpPr>
+        <p:cNvPr id="1" name=""/>
+        <p:cNvGrpSpPr/>
+        <p:nvPr/>
+      </p:nvGrpSpPr>
+      <p:grpSpPr>
+        <a:xfrm>
+          <a:off x="0" y="0"/>
+          <a:ext cx="0" cy="0"/>
+          <a:chOff x="0" y="0"/>
+          <a:chExt cx="0" cy="0"/>
+        </a:xfrm>
+      </p:grpSpPr>
       <p:sp>
         <p:nvSpPr>
-          <p:cNvPr id="21" name="TextBox 20">
-            <a:extLst>
-              <a:ext uri="{FF2B5EF4-FFF2-40B4-BE49-F238E27FC236}">
-                <a16:creationId xmlns:a16="http://schemas.microsoft.com/office/drawing/2014/main" id="{4D22C628-C220-F760-6CBE-5183B8BCBD9A}"/>
-              </a:ext>
-              <a:ext uri="{C183D7F6-B498-43B3-948B-1728B52AA6E4}">
-                <adec:decorative xmlns:adec="http://schemas.microsoft.com/office/drawing/2017/decorative" val="1"/>
-              </a:ext>
-            </a:extLst>
-          </p:cNvPr>
-          <p:cNvSpPr txBox="1"/>
-          <p:nvPr/>
+          <p:cNvPr id="7170" name="Rectangle 2"/>
+          <p:cNvSpPr>
+            <a:spLocks noGrp="1" noChangeArrowheads="1"/>
+          </p:cNvSpPr>
+          <p:nvPr>
+            <p:ph type="title"/>
+          </p:nvPr>
+        </p:nvSpPr>
+        <p:spPr/>
+        <p:txBody>
+          <a:bodyPr/>
+          <a:lstStyle/>
+          <a:p>
+            <a:r>
+              <a:rPr lang="en-US" dirty="0"/>
+              <a:t>Example:</a:t>
+            </a:r>
+            <a:br>
+              <a:rPr lang="en-US" dirty="0"/>
+            </a:br>
+            <a:r>
+              <a:rPr lang="en-US" dirty="0"/>
+              <a:t>Vacuum-cleaner World</a:t>
+            </a:r>
+          </a:p>
+        </p:txBody>
+      </p:sp>
+      <p:sp>
+        <p:nvSpPr>
+          <p:cNvPr id="7171" name="Rectangle 3"/>
+          <p:cNvSpPr>
+            <a:spLocks noGrp="1" noChangeArrowheads="1"/>
+          </p:cNvSpPr>
+          <p:nvPr>
+            <p:ph idx="1"/>
+          </p:nvPr>
         </p:nvSpPr>
         <p:spPr>
           <a:xfrm>
-            <a:off x="2895600" y="2100180"/>
-            <a:ext cx="571500" cy="261610"/>
+            <a:off x="628650" y="1524000"/>
+            <a:ext cx="3638551" cy="1981200"/>
+          </a:xfrm>
+        </p:spPr>
+        <p:txBody>
+          <a:bodyPr>
+            <a:normAutofit/>
+          </a:bodyPr>
+          <a:lstStyle/>
+          <a:p>
+            <a:r>
+              <a:rPr lang="en-US" b="1" dirty="0"/>
+              <a:t>Percepts:</a:t>
+            </a:r>
+            <a:r>
+              <a:rPr lang="en-US" dirty="0"/>
+              <a:t> </a:t>
+            </a:r>
+            <a:br>
+              <a:rPr lang="en-US" dirty="0"/>
+            </a:br>
+            <a:r>
+              <a:rPr lang="en-US" dirty="0"/>
+              <a:t>	Location and status, </a:t>
+            </a:r>
+            <a:br>
+              <a:rPr lang="en-US" dirty="0"/>
+            </a:br>
+            <a:r>
+              <a:rPr lang="en-US" dirty="0"/>
+              <a:t>	e.g., </a:t>
+            </a:r>
+            <a:r>
+              <a:rPr lang="en-US" dirty="0">
+                <a:solidFill>
+                  <a:schemeClr val="accent3"/>
+                </a:solidFill>
+              </a:rPr>
+              <a:t>[A, Dirty]</a:t>
+            </a:r>
+          </a:p>
+          <a:p>
+            <a:r>
+              <a:rPr lang="en-US" b="1" dirty="0"/>
+              <a:t>Actions:</a:t>
+            </a:r>
+            <a:r>
+              <a:rPr lang="en-US" dirty="0"/>
+              <a:t> </a:t>
+            </a:r>
+            <a:br>
+              <a:rPr lang="en-US" dirty="0"/>
+            </a:br>
+            <a:r>
+              <a:rPr lang="en-US" dirty="0"/>
+              <a:t>	</a:t>
+            </a:r>
+            <a:r>
+              <a:rPr lang="en-US" dirty="0">
+                <a:solidFill>
+                  <a:srgbClr val="FF0000"/>
+                </a:solidFill>
+              </a:rPr>
+              <a:t>Left, Right, Suck, </a:t>
+            </a:r>
+            <a:r>
+              <a:rPr lang="en-US" dirty="0" err="1">
+                <a:solidFill>
+                  <a:srgbClr val="FF0000"/>
+                </a:solidFill>
+              </a:rPr>
+              <a:t>NoOp</a:t>
+            </a:r>
+            <a:endParaRPr lang="en-US" dirty="0">
+              <a:solidFill>
+                <a:srgbClr val="FF0000"/>
+              </a:solidFill>
+            </a:endParaRPr>
+          </a:p>
+          <a:p>
+            <a:endParaRPr lang="en-US" i="1" dirty="0"/>
+          </a:p>
+          <a:p>
+            <a:pPr>
+              <a:buNone/>
+            </a:pPr>
+            <a:endParaRPr lang="en-US" dirty="0">
+              <a:solidFill>
+                <a:srgbClr val="FF0000"/>
+              </a:solidFill>
+              <a:latin typeface="Courier New" panose="02070309020205020404" pitchFamily="49" charset="0"/>
+              <a:cs typeface="Courier New" panose="02070309020205020404" pitchFamily="49" charset="0"/>
+            </a:endParaRPr>
+          </a:p>
+        </p:txBody>
+      </p:sp>
+      <p:pic>
+        <p:nvPicPr>
+          <p:cNvPr id="7172" name="Picture 4" descr="vacuum2-environment"/>
+          <p:cNvPicPr>
+            <a:picLocks noChangeAspect="1" noChangeArrowheads="1"/>
+          </p:cNvPicPr>
+          <p:nvPr/>
+        </p:nvPicPr>
+        <p:blipFill>
+          <a:blip r:embed="rId3" cstate="print"/>
+          <a:srcRect/>
+          <a:stretch>
+            <a:fillRect/>
+          </a:stretch>
+        </p:blipFill>
+        <p:spPr bwMode="auto">
+          <a:xfrm>
+            <a:off x="4876800" y="609600"/>
+            <a:ext cx="3872345" cy="1981200"/>
           </a:xfrm>
           <a:prstGeom prst="rect">
             <a:avLst/>
           </a:prstGeom>
           <a:noFill/>
         </p:spPr>
-        <p:txBody>
-          <a:bodyPr wrap="square" rtlCol="0">
-            <a:spAutoFit/>
-          </a:bodyPr>
-          <a:lstStyle/>
-          <a:p>
-            <a:r>
-              <a:rPr lang="en-US" sz="1100" b="1" dirty="0"/>
-              <a:t>action</a:t>
-            </a:r>
-          </a:p>
-        </p:txBody>
-      </p:sp>
+      </p:pic>
+      <mc:AlternateContent xmlns:mc="http://schemas.openxmlformats.org/markup-compatibility/2006" xmlns:a14="http://schemas.microsoft.com/office/drawing/2010/main">
+        <mc:Choice Requires="a14">
+          <p:sp>
+            <p:nvSpPr>
+              <p:cNvPr id="2" name="Rectangle 1">
+                <a:extLst>
+                  <a:ext uri="{FF2B5EF4-FFF2-40B4-BE49-F238E27FC236}">
+                    <a16:creationId xmlns:a16="http://schemas.microsoft.com/office/drawing/2014/main" id="{9ADB47C7-D44C-4FF8-8772-B83961F5A3A0}"/>
+                  </a:ext>
+                </a:extLst>
+              </p:cNvPr>
+              <p:cNvSpPr/>
+              <p:nvPr/>
+            </p:nvSpPr>
+            <p:spPr>
+              <a:xfrm>
+                <a:off x="4114800" y="3429000"/>
+                <a:ext cx="4876799" cy="2985433"/>
+              </a:xfrm>
+              <a:prstGeom prst="rect">
+                <a:avLst/>
+              </a:prstGeom>
+            </p:spPr>
+            <p:style>
+              <a:lnRef idx="2">
+                <a:schemeClr val="dk1"/>
+              </a:lnRef>
+              <a:fillRef idx="1">
+                <a:schemeClr val="lt1"/>
+              </a:fillRef>
+              <a:effectRef idx="0">
+                <a:schemeClr val="dk1"/>
+              </a:effectRef>
+              <a:fontRef idx="minor">
+                <a:schemeClr val="dk1"/>
+              </a:fontRef>
+            </p:style>
+            <p:txBody>
+              <a:bodyPr wrap="square">
+                <a:spAutoFit/>
+              </a:bodyPr>
+              <a:lstStyle/>
+              <a:p>
+                <a:pPr>
+                  <a:buNone/>
+                </a:pPr>
+                <a:r>
+                  <a:rPr lang="en-US" sz="2000" dirty="0"/>
+                  <a:t>Implemented agent program:</a:t>
+                </a:r>
+                <a:br>
+                  <a:rPr lang="en-US" sz="2000" dirty="0"/>
+                </a:br>
+                <a:endParaRPr lang="en-US" sz="2000" dirty="0"/>
+              </a:p>
+              <a:p>
+                <a:pPr>
+                  <a:buNone/>
+                </a:pPr>
+                <a:r>
+                  <a:rPr lang="en-US" sz="2000" b="1" dirty="0">
+                    <a:solidFill>
+                      <a:schemeClr val="tx1"/>
+                    </a:solidFill>
+                  </a:rPr>
+                  <a:t>function Vacuum-Agent</a:t>
+                </a:r>
+                <a:r>
+                  <a:rPr lang="en-US" sz="2000" dirty="0">
+                    <a:solidFill>
+                      <a:schemeClr val="tx1"/>
+                    </a:solidFill>
+                  </a:rPr>
+                  <a:t>( </a:t>
+                </a:r>
+                <a:r>
+                  <a:rPr lang="en-US" sz="2000" dirty="0">
+                    <a:solidFill>
+                      <a:schemeClr val="accent3"/>
+                    </a:solidFill>
+                  </a:rPr>
+                  <a:t>[location, status] </a:t>
+                </a:r>
+                <a:r>
+                  <a:rPr lang="en-US" sz="2000" dirty="0">
+                    <a:solidFill>
+                      <a:schemeClr val="tx1"/>
+                    </a:solidFill>
+                  </a:rPr>
+                  <a:t>) </a:t>
+                </a:r>
+                <a:br>
+                  <a:rPr lang="en-US" sz="2000" dirty="0">
+                    <a:solidFill>
+                      <a:schemeClr val="tx1"/>
+                    </a:solidFill>
+                  </a:rPr>
+                </a:br>
+                <a:r>
+                  <a:rPr lang="en-US" sz="2000" dirty="0">
+                    <a:solidFill>
+                      <a:schemeClr val="tx1"/>
+                    </a:solidFill>
+                  </a:rPr>
+                  <a:t>   </a:t>
+                </a:r>
+                <a:r>
+                  <a:rPr lang="en-US" sz="1600" dirty="0">
+                    <a:solidFill>
+                      <a:schemeClr val="tx1"/>
+                    </a:solidFill>
+                    <a:ea typeface="+mn-ea"/>
+                    <a:cs typeface="+mn-cs"/>
+                  </a:rPr>
+                  <a:t>returns</a:t>
+                </a:r>
+                <a:r>
+                  <a:rPr lang="en-US" sz="2000" dirty="0">
+                    <a:solidFill>
+                      <a:schemeClr val="tx1"/>
+                    </a:solidFill>
+                    <a:ea typeface="+mn-ea"/>
+                    <a:cs typeface="+mn-cs"/>
+                  </a:rPr>
+                  <a:t> an </a:t>
+                </a:r>
+                <a:r>
+                  <a:rPr lang="en-US" sz="2000" dirty="0">
+                    <a:solidFill>
+                      <a:srgbClr val="FF0000"/>
+                    </a:solidFill>
+                    <a:ea typeface="+mn-ea"/>
+                    <a:cs typeface="+mn-cs"/>
+                  </a:rPr>
+                  <a:t>action </a:t>
+                </a:r>
+                <a14:m>
+                  <m:oMath xmlns:m="http://schemas.openxmlformats.org/officeDocument/2006/math">
+                    <m:r>
+                      <a:rPr lang="en-US" sz="2000" i="1" dirty="0" smtClean="0">
+                        <a:solidFill>
+                          <a:srgbClr val="FF0000"/>
+                        </a:solidFill>
+                        <a:latin typeface="Cambria Math" panose="02040503050406030204" pitchFamily="18" charset="0"/>
+                        <a:ea typeface="+mn-ea"/>
+                        <a:cs typeface="+mn-cs"/>
+                      </a:rPr>
+                      <m:t>𝑎</m:t>
+                    </m:r>
+                  </m:oMath>
+                </a14:m>
+                <a:endParaRPr lang="en-US" sz="2000" dirty="0">
+                  <a:solidFill>
+                    <a:srgbClr val="FF0000"/>
+                  </a:solidFill>
+                  <a:ea typeface="+mn-ea"/>
+                  <a:cs typeface="+mn-cs"/>
+                </a:endParaRPr>
+              </a:p>
+              <a:p>
+                <a:pPr>
+                  <a:buNone/>
+                </a:pPr>
+                <a:endParaRPr lang="en-US" i="1" dirty="0">
+                  <a:solidFill>
+                    <a:schemeClr val="tx1"/>
+                  </a:solidFill>
+                  <a:latin typeface="Courier New" panose="02070309020205020404" pitchFamily="49" charset="0"/>
+                  <a:cs typeface="Courier New" panose="02070309020205020404" pitchFamily="49" charset="0"/>
+                </a:endParaRPr>
+              </a:p>
+              <a:p>
+                <a:r>
+                  <a:rPr lang="en-US" i="1" dirty="0">
+                    <a:solidFill>
+                      <a:schemeClr val="tx1"/>
+                    </a:solidFill>
+                    <a:latin typeface="Courier New" panose="02070309020205020404" pitchFamily="49" charset="0"/>
+                    <a:cs typeface="Courier New" panose="02070309020205020404" pitchFamily="49" charset="0"/>
+                  </a:rPr>
+                  <a:t>if</a:t>
+                </a:r>
+                <a:r>
+                  <a:rPr lang="en-US" dirty="0">
+                    <a:solidFill>
+                      <a:schemeClr val="tx1"/>
+                    </a:solidFill>
+                    <a:latin typeface="Courier New" panose="02070309020205020404" pitchFamily="49" charset="0"/>
+                    <a:cs typeface="Courier New" panose="02070309020205020404" pitchFamily="49" charset="0"/>
+                  </a:rPr>
+                  <a:t> </a:t>
+                </a:r>
+                <a:r>
+                  <a:rPr lang="en-US" dirty="0">
+                    <a:solidFill>
+                      <a:schemeClr val="accent3"/>
+                    </a:solidFill>
+                    <a:latin typeface="Courier New" panose="02070309020205020404" pitchFamily="49" charset="0"/>
+                    <a:cs typeface="Courier New" panose="02070309020205020404" pitchFamily="49" charset="0"/>
+                  </a:rPr>
+                  <a:t>status = Dirty </a:t>
+                </a:r>
+                <a:r>
+                  <a:rPr lang="en-US" i="1" dirty="0">
+                    <a:solidFill>
+                      <a:schemeClr val="tx1"/>
+                    </a:solidFill>
+                    <a:latin typeface="Courier New" panose="02070309020205020404" pitchFamily="49" charset="0"/>
+                    <a:cs typeface="Courier New" panose="02070309020205020404" pitchFamily="49" charset="0"/>
+                  </a:rPr>
+                  <a:t>then</a:t>
+                </a:r>
+                <a:r>
+                  <a:rPr lang="en-US" dirty="0">
+                    <a:solidFill>
+                      <a:schemeClr val="tx1"/>
+                    </a:solidFill>
+                    <a:latin typeface="Courier New" panose="02070309020205020404" pitchFamily="49" charset="0"/>
+                    <a:cs typeface="Courier New" panose="02070309020205020404" pitchFamily="49" charset="0"/>
+                  </a:rPr>
+                  <a:t> return </a:t>
+                </a:r>
+                <a:r>
+                  <a:rPr lang="en-US" dirty="0">
+                    <a:solidFill>
+                      <a:srgbClr val="FF0000"/>
+                    </a:solidFill>
+                    <a:latin typeface="Courier New" panose="02070309020205020404" pitchFamily="49" charset="0"/>
+                    <a:cs typeface="Courier New" panose="02070309020205020404" pitchFamily="49" charset="0"/>
+                  </a:rPr>
+                  <a:t>Suck</a:t>
+                </a:r>
+              </a:p>
+              <a:p>
+                <a:r>
+                  <a:rPr lang="en-US" i="1" dirty="0">
+                    <a:solidFill>
+                      <a:schemeClr val="tx1"/>
+                    </a:solidFill>
+                    <a:latin typeface="Courier New" panose="02070309020205020404" pitchFamily="49" charset="0"/>
+                    <a:cs typeface="Courier New" panose="02070309020205020404" pitchFamily="49" charset="0"/>
+                  </a:rPr>
+                  <a:t>else if</a:t>
+                </a:r>
+                <a:r>
+                  <a:rPr lang="en-US" dirty="0">
+                    <a:solidFill>
+                      <a:schemeClr val="tx1"/>
+                    </a:solidFill>
+                    <a:latin typeface="Courier New" panose="02070309020205020404" pitchFamily="49" charset="0"/>
+                    <a:cs typeface="Courier New" panose="02070309020205020404" pitchFamily="49" charset="0"/>
+                  </a:rPr>
+                  <a:t> </a:t>
+                </a:r>
+                <a:r>
+                  <a:rPr lang="en-US" dirty="0">
+                    <a:solidFill>
+                      <a:schemeClr val="accent3"/>
+                    </a:solidFill>
+                    <a:latin typeface="Courier New" panose="02070309020205020404" pitchFamily="49" charset="0"/>
+                    <a:cs typeface="Courier New" panose="02070309020205020404" pitchFamily="49" charset="0"/>
+                  </a:rPr>
+                  <a:t>location = A </a:t>
+                </a:r>
+                <a:r>
+                  <a:rPr lang="en-US" i="1" dirty="0">
+                    <a:solidFill>
+                      <a:schemeClr val="tx1"/>
+                    </a:solidFill>
+                    <a:latin typeface="Courier New" panose="02070309020205020404" pitchFamily="49" charset="0"/>
+                    <a:cs typeface="Courier New" panose="02070309020205020404" pitchFamily="49" charset="0"/>
+                  </a:rPr>
+                  <a:t>then</a:t>
+                </a:r>
+                <a:r>
+                  <a:rPr lang="en-US" dirty="0">
+                    <a:solidFill>
+                      <a:schemeClr val="tx1"/>
+                    </a:solidFill>
+                    <a:latin typeface="Courier New" panose="02070309020205020404" pitchFamily="49" charset="0"/>
+                    <a:cs typeface="Courier New" panose="02070309020205020404" pitchFamily="49" charset="0"/>
+                  </a:rPr>
+                  <a:t> </a:t>
+                </a:r>
+                <a:br>
+                  <a:rPr lang="en-US" dirty="0">
+                    <a:solidFill>
+                      <a:schemeClr val="tx1"/>
+                    </a:solidFill>
+                    <a:latin typeface="Courier New" panose="02070309020205020404" pitchFamily="49" charset="0"/>
+                    <a:cs typeface="Courier New" panose="02070309020205020404" pitchFamily="49" charset="0"/>
+                  </a:rPr>
+                </a:br>
+                <a:r>
+                  <a:rPr lang="en-US" dirty="0">
+                    <a:solidFill>
+                      <a:schemeClr val="tx1"/>
+                    </a:solidFill>
+                    <a:latin typeface="Courier New" panose="02070309020205020404" pitchFamily="49" charset="0"/>
+                    <a:cs typeface="Courier New" panose="02070309020205020404" pitchFamily="49" charset="0"/>
+                  </a:rPr>
+                  <a:t>                     return </a:t>
+                </a:r>
+                <a:r>
+                  <a:rPr lang="en-US" dirty="0">
+                    <a:solidFill>
+                      <a:srgbClr val="FF0000"/>
+                    </a:solidFill>
+                    <a:latin typeface="Courier New" panose="02070309020205020404" pitchFamily="49" charset="0"/>
+                    <a:cs typeface="Courier New" panose="02070309020205020404" pitchFamily="49" charset="0"/>
+                  </a:rPr>
+                  <a:t>Right</a:t>
+                </a:r>
+                <a:endParaRPr lang="en-US" i="1" dirty="0">
+                  <a:solidFill>
+                    <a:srgbClr val="FF0000"/>
+                  </a:solidFill>
+                  <a:latin typeface="Courier New" panose="02070309020205020404" pitchFamily="49" charset="0"/>
+                  <a:cs typeface="Courier New" panose="02070309020205020404" pitchFamily="49" charset="0"/>
+                </a:endParaRPr>
+              </a:p>
+              <a:p>
+                <a:r>
+                  <a:rPr lang="en-US" i="1" dirty="0">
+                    <a:solidFill>
+                      <a:schemeClr val="tx1"/>
+                    </a:solidFill>
+                    <a:latin typeface="Courier New" panose="02070309020205020404" pitchFamily="49" charset="0"/>
+                    <a:cs typeface="Courier New" panose="02070309020205020404" pitchFamily="49" charset="0"/>
+                  </a:rPr>
+                  <a:t>else if</a:t>
+                </a:r>
+                <a:r>
+                  <a:rPr lang="en-US" dirty="0">
+                    <a:solidFill>
+                      <a:schemeClr val="tx1"/>
+                    </a:solidFill>
+                    <a:latin typeface="Courier New" panose="02070309020205020404" pitchFamily="49" charset="0"/>
+                    <a:cs typeface="Courier New" panose="02070309020205020404" pitchFamily="49" charset="0"/>
+                  </a:rPr>
+                  <a:t> </a:t>
+                </a:r>
+                <a:r>
+                  <a:rPr lang="en-US" dirty="0">
+                    <a:solidFill>
+                      <a:schemeClr val="accent3"/>
+                    </a:solidFill>
+                    <a:latin typeface="Courier New" panose="02070309020205020404" pitchFamily="49" charset="0"/>
+                    <a:cs typeface="Courier New" panose="02070309020205020404" pitchFamily="49" charset="0"/>
+                  </a:rPr>
+                  <a:t>location = B </a:t>
+                </a:r>
+                <a:r>
+                  <a:rPr lang="en-US" i="1" dirty="0">
+                    <a:solidFill>
+                      <a:schemeClr val="tx1"/>
+                    </a:solidFill>
+                    <a:latin typeface="Courier New" panose="02070309020205020404" pitchFamily="49" charset="0"/>
+                    <a:cs typeface="Courier New" panose="02070309020205020404" pitchFamily="49" charset="0"/>
+                  </a:rPr>
+                  <a:t>then</a:t>
+                </a:r>
+                <a:r>
+                  <a:rPr lang="en-US" dirty="0">
+                    <a:solidFill>
+                      <a:schemeClr val="tx1"/>
+                    </a:solidFill>
+                    <a:latin typeface="Courier New" panose="02070309020205020404" pitchFamily="49" charset="0"/>
+                    <a:cs typeface="Courier New" panose="02070309020205020404" pitchFamily="49" charset="0"/>
+                  </a:rPr>
+                  <a:t> </a:t>
+                </a:r>
+              </a:p>
+              <a:p>
+                <a:r>
+                  <a:rPr lang="en-US" dirty="0">
+                    <a:solidFill>
+                      <a:schemeClr val="tx1"/>
+                    </a:solidFill>
+                    <a:latin typeface="Courier New" panose="02070309020205020404" pitchFamily="49" charset="0"/>
+                    <a:cs typeface="Courier New" panose="02070309020205020404" pitchFamily="49" charset="0"/>
+                  </a:rPr>
+                  <a:t>                     return </a:t>
+                </a:r>
+                <a:r>
+                  <a:rPr lang="en-US" dirty="0">
+                    <a:solidFill>
+                      <a:srgbClr val="FF0000"/>
+                    </a:solidFill>
+                    <a:latin typeface="Courier New" panose="02070309020205020404" pitchFamily="49" charset="0"/>
+                    <a:cs typeface="Courier New" panose="02070309020205020404" pitchFamily="49" charset="0"/>
+                  </a:rPr>
+                  <a:t>Left</a:t>
+                </a:r>
+                <a:endParaRPr lang="en-US" dirty="0"/>
+              </a:p>
+            </p:txBody>
+          </p:sp>
+        </mc:Choice>
+        <mc:Fallback xmlns="">
+          <p:sp>
+            <p:nvSpPr>
+              <p:cNvPr id="2" name="Rectangle 1">
+                <a:extLst>
+                  <a:ext uri="{FF2B5EF4-FFF2-40B4-BE49-F238E27FC236}">
+                    <a16:creationId xmlns:a16="http://schemas.microsoft.com/office/drawing/2014/main" id="{9ADB47C7-D44C-4FF8-8772-B83961F5A3A0}"/>
+                  </a:ext>
+                </a:extLst>
+              </p:cNvPr>
+              <p:cNvSpPr>
+                <a:spLocks noRot="1" noChangeAspect="1" noMove="1" noResize="1" noEditPoints="1" noAdjustHandles="1" noChangeArrowheads="1" noChangeShapeType="1" noTextEdit="1"/>
+              </p:cNvSpPr>
+              <p:nvPr/>
+            </p:nvSpPr>
+            <p:spPr>
+              <a:xfrm>
+                <a:off x="4114800" y="3429000"/>
+                <a:ext cx="4876799" cy="2985433"/>
+              </a:xfrm>
+              <a:prstGeom prst="rect">
+                <a:avLst/>
+              </a:prstGeom>
+              <a:blipFill>
+                <a:blip r:embed="rId4"/>
+                <a:stretch>
+                  <a:fillRect l="-1122" t="-1018" b="-2240"/>
+                </a:stretch>
+              </a:blipFill>
+            </p:spPr>
+            <p:txBody>
+              <a:bodyPr/>
+              <a:lstStyle/>
+              <a:p>
+                <a:r>
+                  <a:rPr lang="en-US">
+                    <a:noFill/>
+                  </a:rPr>
+                  <a:t> </a:t>
+                </a:r>
+              </a:p>
+            </p:txBody>
+          </p:sp>
+        </mc:Fallback>
+      </mc:AlternateContent>
+      <mc:AlternateContent xmlns:mc="http://schemas.openxmlformats.org/markup-compatibility/2006" xmlns:a14="http://schemas.microsoft.com/office/drawing/2010/main">
+        <mc:Choice Requires="a14">
+          <p:sp>
+            <p:nvSpPr>
+              <p:cNvPr id="6" name="Rectangle 5">
+                <a:extLst>
+                  <a:ext uri="{FF2B5EF4-FFF2-40B4-BE49-F238E27FC236}">
+                    <a16:creationId xmlns:a16="http://schemas.microsoft.com/office/drawing/2014/main" id="{6F517ADE-3F92-425E-93AD-EB81559C8C54}"/>
+                  </a:ext>
+                </a:extLst>
+              </p:cNvPr>
+              <p:cNvSpPr/>
+              <p:nvPr/>
+            </p:nvSpPr>
+            <p:spPr>
+              <a:xfrm>
+                <a:off x="381001" y="3429000"/>
+                <a:ext cx="3638551" cy="2862322"/>
+              </a:xfrm>
+              <a:prstGeom prst="rect">
+                <a:avLst/>
+              </a:prstGeom>
+            </p:spPr>
+            <p:style>
+              <a:lnRef idx="2">
+                <a:schemeClr val="dk1"/>
+              </a:lnRef>
+              <a:fillRef idx="1">
+                <a:schemeClr val="lt1"/>
+              </a:fillRef>
+              <a:effectRef idx="0">
+                <a:schemeClr val="dk1"/>
+              </a:effectRef>
+              <a:fontRef idx="minor">
+                <a:schemeClr val="dk1"/>
+              </a:fontRef>
+            </p:style>
+            <p:txBody>
+              <a:bodyPr wrap="square">
+                <a:spAutoFit/>
+              </a:bodyPr>
+              <a:lstStyle/>
+              <a:p>
+                <a:pPr>
+                  <a:buNone/>
+                </a:pPr>
+                <a:r>
+                  <a:rPr lang="en-US" dirty="0"/>
+                  <a:t>Agent function: </a:t>
+                </a:r>
+                <a14:m>
+                  <m:oMath xmlns:m="http://schemas.openxmlformats.org/officeDocument/2006/math">
+                    <m:r>
+                      <a:rPr lang="en-US" i="1">
+                        <a:latin typeface="Cambria Math" panose="02040503050406030204" pitchFamily="18" charset="0"/>
+                      </a:rPr>
+                      <m:t>𝑓</m:t>
+                    </m:r>
+                    <m:r>
+                      <a:rPr lang="en-US" i="1">
+                        <a:latin typeface="Cambria Math" panose="02040503050406030204" pitchFamily="18" charset="0"/>
+                      </a:rPr>
+                      <m:t> : </m:t>
+                    </m:r>
+                    <m:sSup>
+                      <m:sSupPr>
+                        <m:ctrlPr>
+                          <a:rPr lang="en-US" i="1">
+                            <a:latin typeface="Cambria Math" panose="02040503050406030204" pitchFamily="18" charset="0"/>
+                          </a:rPr>
+                        </m:ctrlPr>
+                      </m:sSupPr>
+                      <m:e>
+                        <m:r>
+                          <a:rPr lang="en-US" i="1">
+                            <a:latin typeface="Cambria Math" panose="02040503050406030204" pitchFamily="18" charset="0"/>
+                          </a:rPr>
+                          <m:t>𝑃</m:t>
+                        </m:r>
+                      </m:e>
+                      <m:sup>
+                        <m:r>
+                          <a:rPr lang="en-US" i="1">
+                            <a:latin typeface="Cambria Math" panose="02040503050406030204" pitchFamily="18" charset="0"/>
+                          </a:rPr>
+                          <m:t>∗</m:t>
+                        </m:r>
+                      </m:sup>
+                    </m:sSup>
+                    <m:r>
+                      <a:rPr lang="en-US" i="1">
+                        <a:latin typeface="Cambria Math" panose="02040503050406030204" pitchFamily="18" charset="0"/>
+                      </a:rPr>
+                      <m:t> →</m:t>
+                    </m:r>
+                    <m:r>
+                      <a:rPr lang="en-US" i="1">
+                        <a:latin typeface="Cambria Math" panose="02040503050406030204" pitchFamily="18" charset="0"/>
+                      </a:rPr>
+                      <m:t>𝐴</m:t>
+                    </m:r>
+                  </m:oMath>
+                </a14:m>
+                <a:br>
+                  <a:rPr lang="en-US" dirty="0"/>
+                </a:br>
+                <a:endParaRPr lang="en-US" dirty="0"/>
+              </a:p>
+              <a:p>
+                <a:pPr>
+                  <a:buNone/>
+                </a:pPr>
+                <a:r>
+                  <a:rPr lang="en-US" b="1" u="sng" dirty="0"/>
+                  <a:t>Percept Sequence</a:t>
+                </a:r>
+                <a:r>
+                  <a:rPr lang="en-US" u="sng" dirty="0"/>
+                  <a:t>		Action</a:t>
+                </a:r>
+              </a:p>
+              <a:p>
+                <a:pPr>
+                  <a:buNone/>
+                </a:pPr>
+                <a:r>
+                  <a:rPr lang="en-US" dirty="0"/>
+                  <a:t>[A, Clean]			Right</a:t>
+                </a:r>
+              </a:p>
+              <a:p>
+                <a:pPr>
+                  <a:buNone/>
+                </a:pPr>
+                <a:r>
+                  <a:rPr lang="en-US" dirty="0"/>
+                  <a:t>[A, Dirty]			Suck</a:t>
+                </a:r>
+              </a:p>
+              <a:p>
+                <a:pPr>
+                  <a:buNone/>
+                </a:pPr>
+                <a:r>
+                  <a:rPr lang="en-US" dirty="0"/>
+                  <a:t>…</a:t>
+                </a:r>
+              </a:p>
+              <a:p>
+                <a:pPr>
+                  <a:buNone/>
+                </a:pPr>
+                <a:r>
+                  <a:rPr lang="en-US" dirty="0"/>
+                  <a:t>[A, Clean], [B, Clean]	Left</a:t>
+                </a:r>
+              </a:p>
+              <a:p>
+                <a:pPr>
+                  <a:buNone/>
+                </a:pPr>
+                <a:r>
+                  <a:rPr lang="en-US" dirty="0"/>
+                  <a:t>…</a:t>
+                </a:r>
+              </a:p>
+              <a:p>
+                <a:pPr>
+                  <a:buNone/>
+                </a:pPr>
+                <a:r>
+                  <a:rPr lang="en-US" dirty="0"/>
+                  <a:t>[A, Clean], [B, Clean], [A, Dirty] Suck</a:t>
+                </a:r>
+              </a:p>
+              <a:p>
+                <a:pPr>
+                  <a:buNone/>
+                </a:pPr>
+                <a:r>
+                  <a:rPr lang="en-US" dirty="0"/>
+                  <a:t>…</a:t>
+                </a:r>
+              </a:p>
+            </p:txBody>
+          </p:sp>
+        </mc:Choice>
+        <mc:Fallback xmlns="">
+          <p:sp>
+            <p:nvSpPr>
+              <p:cNvPr id="6" name="Rectangle 5">
+                <a:extLst>
+                  <a:ext uri="{FF2B5EF4-FFF2-40B4-BE49-F238E27FC236}">
+                    <a16:creationId xmlns:a16="http://schemas.microsoft.com/office/drawing/2014/main" id="{6F517ADE-3F92-425E-93AD-EB81559C8C54}"/>
+                  </a:ext>
+                </a:extLst>
+              </p:cNvPr>
+              <p:cNvSpPr>
+                <a:spLocks noRot="1" noChangeAspect="1" noMove="1" noResize="1" noEditPoints="1" noAdjustHandles="1" noChangeArrowheads="1" noChangeShapeType="1" noTextEdit="1"/>
+              </p:cNvSpPr>
+              <p:nvPr/>
+            </p:nvSpPr>
+            <p:spPr>
+              <a:xfrm>
+                <a:off x="381001" y="3429000"/>
+                <a:ext cx="3638551" cy="2862322"/>
+              </a:xfrm>
+              <a:prstGeom prst="rect">
+                <a:avLst/>
+              </a:prstGeom>
+              <a:blipFill>
+                <a:blip r:embed="rId5"/>
+                <a:stretch>
+                  <a:fillRect l="-1338" t="-1062" b="-2123"/>
+                </a:stretch>
+              </a:blipFill>
+            </p:spPr>
+            <p:txBody>
+              <a:bodyPr/>
+              <a:lstStyle/>
+              <a:p>
+                <a:r>
+                  <a:rPr lang="en-US">
+                    <a:noFill/>
+                  </a:rPr>
+                  <a:t> </a:t>
+                </a:r>
+              </a:p>
+            </p:txBody>
+          </p:sp>
+        </mc:Fallback>
+      </mc:AlternateContent>
+      <mc:AlternateContent xmlns:mc="http://schemas.openxmlformats.org/markup-compatibility/2006" xmlns:a14="http://schemas.microsoft.com/office/drawing/2010/main">
+        <mc:Choice Requires="a14">
+          <p:sp>
+            <p:nvSpPr>
+              <p:cNvPr id="3" name="Callout: Line 2">
+                <a:extLst>
+                  <a:ext uri="{FF2B5EF4-FFF2-40B4-BE49-F238E27FC236}">
+                    <a16:creationId xmlns:a16="http://schemas.microsoft.com/office/drawing/2014/main" id="{CDE773EB-84A3-4DC9-B16C-C93A1E7351DF}"/>
+                  </a:ext>
+                </a:extLst>
+              </p:cNvPr>
+              <p:cNvSpPr/>
+              <p:nvPr/>
+            </p:nvSpPr>
+            <p:spPr>
+              <a:xfrm>
+                <a:off x="7485497" y="2634567"/>
+                <a:ext cx="1416047" cy="685799"/>
+              </a:xfrm>
+              <a:prstGeom prst="borderCallout1">
+                <a:avLst>
+                  <a:gd name="adj1" fmla="val 107639"/>
+                  <a:gd name="adj2" fmla="val 43139"/>
+                  <a:gd name="adj3" fmla="val 208107"/>
+                  <a:gd name="adj4" fmla="val -8564"/>
+                </a:avLst>
+              </a:prstGeom>
+            </p:spPr>
+            <p:style>
+              <a:lnRef idx="2">
+                <a:schemeClr val="accent1">
+                  <a:shade val="50000"/>
+                </a:schemeClr>
+              </a:lnRef>
+              <a:fillRef idx="1">
+                <a:schemeClr val="accent1"/>
+              </a:fillRef>
+              <a:effectRef idx="0">
+                <a:schemeClr val="accent1"/>
+              </a:effectRef>
+              <a:fontRef idx="minor">
+                <a:schemeClr val="lt1"/>
+              </a:fontRef>
+            </p:style>
+            <p:txBody>
+              <a:bodyPr rtlCol="0" anchor="ctr"/>
+              <a:lstStyle/>
+              <a:p>
+                <a:pPr algn="ctr"/>
+                <a:r>
+                  <a:rPr lang="en-US" dirty="0"/>
+                  <a:t>Most recent Percept </a:t>
+                </a:r>
+                <a14:m>
+                  <m:oMath xmlns:m="http://schemas.openxmlformats.org/officeDocument/2006/math">
+                    <m:r>
+                      <a:rPr lang="en-US" i="1" dirty="0" smtClean="0">
+                        <a:latin typeface="Cambria Math" panose="02040503050406030204" pitchFamily="18" charset="0"/>
+                      </a:rPr>
+                      <m:t>𝑝</m:t>
+                    </m:r>
+                  </m:oMath>
+                </a14:m>
+                <a:endParaRPr lang="en-US" dirty="0"/>
+              </a:p>
+            </p:txBody>
+          </p:sp>
+        </mc:Choice>
+        <mc:Fallback xmlns="">
+          <p:sp>
+            <p:nvSpPr>
+              <p:cNvPr id="3" name="Callout: Line 2">
+                <a:extLst>
+                  <a:ext uri="{FF2B5EF4-FFF2-40B4-BE49-F238E27FC236}">
+                    <a16:creationId xmlns:a16="http://schemas.microsoft.com/office/drawing/2014/main" id="{CDE773EB-84A3-4DC9-B16C-C93A1E7351DF}"/>
+                  </a:ext>
+                </a:extLst>
+              </p:cNvPr>
+              <p:cNvSpPr>
+                <a:spLocks noRot="1" noChangeAspect="1" noMove="1" noResize="1" noEditPoints="1" noAdjustHandles="1" noChangeArrowheads="1" noChangeShapeType="1" noTextEdit="1"/>
+              </p:cNvSpPr>
+              <p:nvPr/>
+            </p:nvSpPr>
+            <p:spPr>
+              <a:xfrm>
+                <a:off x="7485497" y="2634567"/>
+                <a:ext cx="1416047" cy="685799"/>
+              </a:xfrm>
+              <a:prstGeom prst="borderCallout1">
+                <a:avLst>
+                  <a:gd name="adj1" fmla="val 107639"/>
+                  <a:gd name="adj2" fmla="val 43139"/>
+                  <a:gd name="adj3" fmla="val 208107"/>
+                  <a:gd name="adj4" fmla="val -8564"/>
+                </a:avLst>
+              </a:prstGeom>
+              <a:blipFill>
+                <a:blip r:embed="rId6"/>
+                <a:stretch>
+                  <a:fillRect t="-420" r="-2756"/>
+                </a:stretch>
+              </a:blipFill>
+            </p:spPr>
+            <p:txBody>
+              <a:bodyPr/>
+              <a:lstStyle/>
+              <a:p>
+                <a:r>
+                  <a:rPr lang="en-US">
+                    <a:noFill/>
+                  </a:rPr>
+                  <a:t> </a:t>
+                </a:r>
+              </a:p>
+            </p:txBody>
+          </p:sp>
+        </mc:Fallback>
+      </mc:AlternateContent>
       <p:sp>
         <p:nvSpPr>
-          <p:cNvPr id="2" name="Arrow: Down 1">
+          <p:cNvPr id="8" name="Callout: Line 7">
             <a:extLst>
               <a:ext uri="{FF2B5EF4-FFF2-40B4-BE49-F238E27FC236}">
-                <a16:creationId xmlns:a16="http://schemas.microsoft.com/office/drawing/2014/main" id="{CEC7A0A7-0C86-2824-B18B-E587AE386CFB}"/>
-              </a:ext>
-              <a:ext uri="{C183D7F6-B498-43B3-948B-1728B52AA6E4}">
-                <adec:decorative xmlns:adec="http://schemas.microsoft.com/office/drawing/2017/decorative" val="1"/>
+                <a16:creationId xmlns:a16="http://schemas.microsoft.com/office/drawing/2014/main" id="{0575EB97-504D-4C56-8275-A26AAC7BBA25}"/>
               </a:ext>
             </a:extLst>
           </p:cNvPr>
@@ -19555,26 +23331,30 @@
           <p:nvPr/>
         </p:nvSpPr>
         <p:spPr>
-          <a:xfrm rot="20595314">
-            <a:off x="3601282" y="2862065"/>
-            <a:ext cx="685800" cy="844374"/>
+          <a:xfrm>
+            <a:off x="533400" y="6452414"/>
+            <a:ext cx="5181600" cy="304800"/>
           </a:xfrm>
-          <a:prstGeom prst="downArrow">
-            <a:avLst/>
+          <a:prstGeom prst="borderCallout1">
+            <a:avLst>
+              <a:gd name="adj1" fmla="val 31794"/>
+              <a:gd name="adj2" fmla="val -660"/>
+              <a:gd name="adj3" fmla="val -98260"/>
+              <a:gd name="adj4" fmla="val 923"/>
+            </a:avLst>
           </a:prstGeom>
-          <a:ln/>
         </p:spPr>
         <p:style>
           <a:lnRef idx="2">
-            <a:schemeClr val="accent3">
-              <a:shade val="15000"/>
+            <a:schemeClr val="accent1">
+              <a:shade val="50000"/>
             </a:schemeClr>
           </a:lnRef>
           <a:fillRef idx="1">
-            <a:schemeClr val="accent3"/>
+            <a:schemeClr val="accent1"/>
           </a:fillRef>
           <a:effectRef idx="0">
-            <a:schemeClr val="accent3"/>
+            <a:schemeClr val="accent1"/>
           </a:effectRef>
           <a:fontRef idx="minor">
             <a:schemeClr val="lt1"/>
@@ -19585,636 +23365,18 @@
           <a:lstStyle/>
           <a:p>
             <a:pPr algn="ctr"/>
-            <a:endParaRPr lang="en-US"/>
-          </a:p>
-        </p:txBody>
-      </p:sp>
-      <p:grpSp>
-        <p:nvGrpSpPr>
-          <p:cNvPr id="8" name="Group 7">
-            <a:extLst>
-              <a:ext uri="{FF2B5EF4-FFF2-40B4-BE49-F238E27FC236}">
-                <a16:creationId xmlns:a16="http://schemas.microsoft.com/office/drawing/2014/main" id="{B38B1A3F-34AA-8D60-73EE-3B5A618630D0}"/>
-              </a:ext>
-              <a:ext uri="{C183D7F6-B498-43B3-948B-1728B52AA6E4}">
-                <adec:decorative xmlns:adec="http://schemas.microsoft.com/office/drawing/2017/decorative" val="1"/>
-              </a:ext>
-            </a:extLst>
-          </p:cNvPr>
-          <p:cNvGrpSpPr/>
-          <p:nvPr/>
-        </p:nvGrpSpPr>
-        <p:grpSpPr>
-          <a:xfrm>
-            <a:off x="2619882" y="3798765"/>
-            <a:ext cx="4648439" cy="2946551"/>
-            <a:chOff x="2619882" y="3798765"/>
-            <a:chExt cx="4648439" cy="2946551"/>
-          </a:xfrm>
-        </p:grpSpPr>
-        <p:grpSp>
-          <p:nvGrpSpPr>
-            <p:cNvPr id="7" name="Group 6">
-              <a:extLst>
-                <a:ext uri="{FF2B5EF4-FFF2-40B4-BE49-F238E27FC236}">
-                  <a16:creationId xmlns:a16="http://schemas.microsoft.com/office/drawing/2014/main" id="{46001A08-347E-082E-76DA-1ED74BFF0012}"/>
-                </a:ext>
-              </a:extLst>
-            </p:cNvPr>
-            <p:cNvGrpSpPr/>
-            <p:nvPr/>
-          </p:nvGrpSpPr>
-          <p:grpSpPr>
-            <a:xfrm>
-              <a:off x="2619882" y="3798765"/>
-              <a:ext cx="4648439" cy="2946551"/>
-              <a:chOff x="2619882" y="3798765"/>
-              <a:chExt cx="4648439" cy="2946551"/>
-            </a:xfrm>
-          </p:grpSpPr>
-          <p:pic>
-            <p:nvPicPr>
-              <p:cNvPr id="12" name="Picture 11">
-                <a:extLst>
-                  <a:ext uri="{FF2B5EF4-FFF2-40B4-BE49-F238E27FC236}">
-                    <a16:creationId xmlns:a16="http://schemas.microsoft.com/office/drawing/2014/main" id="{5BC1C46B-B850-47F4-BE5B-42730CA524ED}"/>
-                  </a:ext>
-                </a:extLst>
-              </p:cNvPr>
-              <p:cNvPicPr>
-                <a:picLocks noChangeAspect="1"/>
-              </p:cNvPicPr>
-              <p:nvPr/>
-            </p:nvPicPr>
-            <p:blipFill>
-              <a:blip r:embed="rId5"/>
-              <a:stretch>
-                <a:fillRect/>
-              </a:stretch>
-            </p:blipFill>
-            <p:spPr>
-              <a:xfrm>
-                <a:off x="2619882" y="3798765"/>
-                <a:ext cx="4648439" cy="2946551"/>
-              </a:xfrm>
-              <a:prstGeom prst="rect">
-                <a:avLst/>
-              </a:prstGeom>
-            </p:spPr>
-          </p:pic>
-          <p:sp>
-            <p:nvSpPr>
-              <p:cNvPr id="16" name="TextBox 15">
-                <a:extLst>
-                  <a:ext uri="{FF2B5EF4-FFF2-40B4-BE49-F238E27FC236}">
-                    <a16:creationId xmlns:a16="http://schemas.microsoft.com/office/drawing/2014/main" id="{F8E8F9ED-1E07-2259-2D05-7D75B295E85D}"/>
-                  </a:ext>
-                </a:extLst>
-              </p:cNvPr>
-              <p:cNvSpPr txBox="1"/>
-              <p:nvPr/>
-            </p:nvSpPr>
-            <p:spPr>
-              <a:xfrm>
-                <a:off x="4091241" y="4227075"/>
-                <a:ext cx="961518" cy="400110"/>
-              </a:xfrm>
-              <a:prstGeom prst="rect">
-                <a:avLst/>
-              </a:prstGeom>
-              <a:noFill/>
-            </p:spPr>
-            <p:txBody>
-              <a:bodyPr wrap="square" rtlCol="0">
-                <a:spAutoFit/>
-              </a:bodyPr>
-              <a:lstStyle/>
-              <a:p>
-                <a:r>
-                  <a:rPr lang="en-US" sz="1000" b="1" dirty="0">
-                    <a:latin typeface="Calibri" panose="020F0502020204030204" pitchFamily="34" charset="0"/>
-                    <a:cs typeface="Calibri" panose="020F0502020204030204" pitchFamily="34" charset="0"/>
-                  </a:rPr>
-                  <a:t>Percept to the agent function</a:t>
-                </a:r>
-              </a:p>
-            </p:txBody>
-          </p:sp>
-          <p:sp>
-            <p:nvSpPr>
-              <p:cNvPr id="17" name="TextBox 16">
-                <a:extLst>
-                  <a:ext uri="{FF2B5EF4-FFF2-40B4-BE49-F238E27FC236}">
-                    <a16:creationId xmlns:a16="http://schemas.microsoft.com/office/drawing/2014/main" id="{7350C410-4579-38AC-CCE6-0C8BF118562D}"/>
-                  </a:ext>
-                </a:extLst>
-              </p:cNvPr>
-              <p:cNvSpPr txBox="1"/>
-              <p:nvPr/>
-            </p:nvSpPr>
-            <p:spPr>
-              <a:xfrm>
-                <a:off x="4114800" y="5695650"/>
-                <a:ext cx="1066800" cy="553998"/>
-              </a:xfrm>
-              <a:prstGeom prst="rect">
-                <a:avLst/>
-              </a:prstGeom>
-              <a:noFill/>
-            </p:spPr>
-            <p:txBody>
-              <a:bodyPr wrap="square" rtlCol="0">
-                <a:spAutoFit/>
-              </a:bodyPr>
-              <a:lstStyle/>
-              <a:p>
-                <a:r>
-                  <a:rPr lang="en-US" sz="1000" b="1" dirty="0">
-                    <a:latin typeface="Calibri" panose="020F0502020204030204" pitchFamily="34" charset="0"/>
-                    <a:cs typeface="Calibri" panose="020F0502020204030204" pitchFamily="34" charset="0"/>
-                  </a:rPr>
-                  <a:t>Action from the agent function to execute</a:t>
-                </a:r>
-              </a:p>
-            </p:txBody>
-          </p:sp>
-        </p:grpSp>
-        <mc:AlternateContent xmlns:mc="http://schemas.openxmlformats.org/markup-compatibility/2006" xmlns:a14="http://schemas.microsoft.com/office/drawing/2010/main">
-          <mc:Choice Requires="a14">
-            <p:sp>
-              <p:nvSpPr>
-                <p:cNvPr id="5" name="TextBox 4">
-                  <a:extLst>
-                    <a:ext uri="{FF2B5EF4-FFF2-40B4-BE49-F238E27FC236}">
-                      <a16:creationId xmlns:a16="http://schemas.microsoft.com/office/drawing/2014/main" id="{42F55595-D275-FF3A-6A20-05F36A7860BC}"/>
-                    </a:ext>
-                  </a:extLst>
-                </p:cNvPr>
-                <p:cNvSpPr txBox="1"/>
-                <p:nvPr/>
-              </p:nvSpPr>
-              <p:spPr>
-                <a:xfrm>
-                  <a:off x="3657600" y="5313055"/>
-                  <a:ext cx="914400" cy="276999"/>
-                </a:xfrm>
-                <a:prstGeom prst="rect">
-                  <a:avLst/>
-                </a:prstGeom>
-                <a:noFill/>
-              </p:spPr>
-              <p:txBody>
-                <a:bodyPr wrap="square">
-                  <a:spAutoFit/>
-                </a:bodyPr>
-                <a:lstStyle/>
-                <a:p>
-                  <a:pPr/>
-                  <a14:m>
-                    <m:oMathPara xmlns:m="http://schemas.openxmlformats.org/officeDocument/2006/math">
-                      <m:oMathParaPr>
-                        <m:jc m:val="centerGroup"/>
-                      </m:oMathParaPr>
-                      <m:oMath xmlns:m="http://schemas.openxmlformats.org/officeDocument/2006/math">
-                        <m:r>
-                          <a:rPr lang="en-US" sz="1200" b="0" i="1" smtClean="0">
-                            <a:latin typeface="Cambria Math" panose="02040503050406030204" pitchFamily="18" charset="0"/>
-                          </a:rPr>
-                          <m:t>𝑎</m:t>
-                        </m:r>
-                        <m:r>
-                          <a:rPr lang="en-US" sz="1200" b="0" i="1" smtClean="0">
-                            <a:latin typeface="Cambria Math" panose="02040503050406030204" pitchFamily="18" charset="0"/>
-                          </a:rPr>
-                          <m:t>=</m:t>
-                        </m:r>
-                        <m:r>
-                          <a:rPr lang="en-US" sz="1200" b="0" i="1" smtClean="0">
-                            <a:latin typeface="Cambria Math" panose="02040503050406030204" pitchFamily="18" charset="0"/>
-                          </a:rPr>
-                          <m:t>𝑓</m:t>
-                        </m:r>
-                        <m:r>
-                          <a:rPr lang="en-US" sz="1200" b="0" i="1" smtClean="0">
-                            <a:latin typeface="Cambria Math" panose="02040503050406030204" pitchFamily="18" charset="0"/>
-                          </a:rPr>
-                          <m:t>(</m:t>
-                        </m:r>
-                        <m:r>
-                          <a:rPr lang="en-US" sz="1200" b="0" i="1" smtClean="0">
-                            <a:latin typeface="Cambria Math" panose="02040503050406030204" pitchFamily="18" charset="0"/>
-                          </a:rPr>
-                          <m:t>𝑝</m:t>
-                        </m:r>
-                        <m:r>
-                          <a:rPr lang="en-US" sz="1200" b="0" i="1" smtClean="0">
-                            <a:latin typeface="Cambria Math" panose="02040503050406030204" pitchFamily="18" charset="0"/>
-                          </a:rPr>
-                          <m:t>)</m:t>
-                        </m:r>
-                      </m:oMath>
-                    </m:oMathPara>
-                  </a14:m>
-                  <a:endParaRPr lang="en-US" sz="1200" dirty="0"/>
-                </a:p>
-              </p:txBody>
-            </p:sp>
-          </mc:Choice>
-          <mc:Fallback xmlns="">
-            <p:sp>
-              <p:nvSpPr>
-                <p:cNvPr id="5" name="TextBox 4">
-                  <a:extLst>
-                    <a:ext uri="{FF2B5EF4-FFF2-40B4-BE49-F238E27FC236}">
-                      <a16:creationId xmlns:a16="http://schemas.microsoft.com/office/drawing/2014/main" id="{42F55595-D275-FF3A-6A20-05F36A7860BC}"/>
-                    </a:ext>
-                  </a:extLst>
-                </p:cNvPr>
-                <p:cNvSpPr txBox="1">
-                  <a:spLocks noRot="1" noChangeAspect="1" noMove="1" noResize="1" noEditPoints="1" noAdjustHandles="1" noChangeArrowheads="1" noChangeShapeType="1" noTextEdit="1"/>
-                </p:cNvSpPr>
-                <p:nvPr/>
-              </p:nvSpPr>
-              <p:spPr>
-                <a:xfrm>
-                  <a:off x="3657600" y="5313055"/>
-                  <a:ext cx="914400" cy="276999"/>
-                </a:xfrm>
-                <a:prstGeom prst="rect">
-                  <a:avLst/>
-                </a:prstGeom>
-                <a:blipFill>
-                  <a:blip r:embed="rId8"/>
-                  <a:stretch>
-                    <a:fillRect b="-8889"/>
-                  </a:stretch>
-                </a:blipFill>
-              </p:spPr>
-              <p:txBody>
-                <a:bodyPr/>
-                <a:lstStyle/>
-                <a:p>
-                  <a:r>
-                    <a:rPr lang="en-US">
-                      <a:noFill/>
-                    </a:rPr>
-                    <a:t> </a:t>
-                  </a:r>
-                </a:p>
-              </p:txBody>
-            </p:sp>
-          </mc:Fallback>
-        </mc:AlternateContent>
-      </p:grpSp>
-      <p:sp>
-        <p:nvSpPr>
-          <p:cNvPr id="11" name="TextBox 10">
-            <a:extLst>
-              <a:ext uri="{FF2B5EF4-FFF2-40B4-BE49-F238E27FC236}">
-                <a16:creationId xmlns:a16="http://schemas.microsoft.com/office/drawing/2014/main" id="{A2B81BA7-1DFE-5682-A706-408F9989DCF6}"/>
-              </a:ext>
-            </a:extLst>
-          </p:cNvPr>
-          <p:cNvSpPr txBox="1"/>
-          <p:nvPr/>
-        </p:nvSpPr>
-        <p:spPr>
-          <a:xfrm>
-            <a:off x="2748200" y="4262178"/>
-            <a:ext cx="961518" cy="1477328"/>
-          </a:xfrm>
-          <a:prstGeom prst="rect">
-            <a:avLst/>
-          </a:prstGeom>
-          <a:noFill/>
-        </p:spPr>
-        <p:txBody>
-          <a:bodyPr wrap="square" rtlCol="0">
-            <a:spAutoFit/>
-          </a:bodyPr>
-          <a:lstStyle/>
-          <a:p>
-            <a:r>
-              <a:rPr lang="en-US" sz="1000" b="1" dirty="0">
-                <a:latin typeface="Calibri" panose="020F0502020204030204" pitchFamily="34" charset="0"/>
-                <a:cs typeface="Calibri" panose="020F0502020204030204" pitchFamily="34" charset="0"/>
-              </a:rPr>
-              <a:t>Hardware + an event loop </a:t>
-            </a:r>
-          </a:p>
-          <a:p>
-            <a:pPr marL="171450" indent="-171450">
-              <a:buFont typeface="Arial" panose="020B0604020202020204" pitchFamily="34" charset="0"/>
-              <a:buChar char="•"/>
-            </a:pPr>
-            <a:r>
-              <a:rPr lang="en-US" sz="1000" b="1" dirty="0">
-                <a:latin typeface="Calibri" panose="020F0502020204030204" pitchFamily="34" charset="0"/>
-                <a:cs typeface="Calibri" panose="020F0502020204030204" pitchFamily="34" charset="0"/>
-              </a:rPr>
-              <a:t>Read the sensors</a:t>
-            </a:r>
-          </a:p>
-          <a:p>
-            <a:pPr marL="171450" indent="-171450">
-              <a:buFont typeface="Arial" panose="020B0604020202020204" pitchFamily="34" charset="0"/>
-              <a:buChar char="•"/>
-            </a:pPr>
-            <a:r>
-              <a:rPr lang="en-US" sz="1000" b="1" dirty="0">
-                <a:latin typeface="Calibri" panose="020F0502020204030204" pitchFamily="34" charset="0"/>
-                <a:cs typeface="Calibri" panose="020F0502020204030204" pitchFamily="34" charset="0"/>
-              </a:rPr>
-              <a:t>Ask agent function for action</a:t>
-            </a:r>
-          </a:p>
-          <a:p>
-            <a:pPr marL="171450" indent="-171450">
-              <a:buFont typeface="Arial" panose="020B0604020202020204" pitchFamily="34" charset="0"/>
-              <a:buChar char="•"/>
-            </a:pPr>
-            <a:r>
-              <a:rPr lang="en-US" sz="1000" b="1" dirty="0">
-                <a:latin typeface="Calibri" panose="020F0502020204030204" pitchFamily="34" charset="0"/>
-                <a:cs typeface="Calibri" panose="020F0502020204030204" pitchFamily="34" charset="0"/>
-              </a:rPr>
-              <a:t>Execute action</a:t>
-            </a:r>
-          </a:p>
-        </p:txBody>
-      </p:sp>
-      <p:sp>
-        <p:nvSpPr>
-          <p:cNvPr id="4" name="Speech Bubble: Rectangle 3">
-            <a:extLst>
-              <a:ext uri="{FF2B5EF4-FFF2-40B4-BE49-F238E27FC236}">
-                <a16:creationId xmlns:a16="http://schemas.microsoft.com/office/drawing/2014/main" id="{B3BCC7E8-1ECE-D23A-F5F7-94B050721690}"/>
-              </a:ext>
-            </a:extLst>
-          </p:cNvPr>
-          <p:cNvSpPr/>
-          <p:nvPr/>
-        </p:nvSpPr>
-        <p:spPr>
-          <a:xfrm>
-            <a:off x="349991" y="4695932"/>
-            <a:ext cx="2011567" cy="1905000"/>
-          </a:xfrm>
-          <a:prstGeom prst="wedgeRectCallout">
-            <a:avLst>
-              <a:gd name="adj1" fmla="val 121190"/>
-              <a:gd name="adj2" fmla="val 616"/>
-            </a:avLst>
-          </a:prstGeom>
-          <a:ln/>
-        </p:spPr>
-        <p:style>
-          <a:lnRef idx="2">
-            <a:schemeClr val="accent3">
-              <a:shade val="15000"/>
-            </a:schemeClr>
-          </a:lnRef>
-          <a:fillRef idx="1">
-            <a:schemeClr val="accent3"/>
-          </a:fillRef>
-          <a:effectRef idx="0">
-            <a:schemeClr val="accent3"/>
-          </a:effectRef>
-          <a:fontRef idx="minor">
-            <a:schemeClr val="lt1"/>
-          </a:fontRef>
-        </p:style>
-        <p:txBody>
-          <a:bodyPr rtlCol="0" anchor="ctr"/>
-          <a:lstStyle/>
-          <a:p>
-            <a:pPr algn="ctr"/>
-            <a:r>
-              <a:rPr lang="en-US" sz="1600" b="1" dirty="0"/>
-              <a:t>Agent Function</a:t>
-            </a:r>
-          </a:p>
-          <a:p>
-            <a:pPr marL="285750" indent="-285750">
-              <a:buFont typeface="Arial" panose="020B0604020202020204" pitchFamily="34" charset="0"/>
-              <a:buChar char="•"/>
-            </a:pPr>
-            <a:r>
-              <a:rPr lang="en-US" sz="1400" dirty="0"/>
-              <a:t>Represents the “brain”</a:t>
-            </a:r>
-          </a:p>
-          <a:p>
-            <a:pPr marL="285750" indent="-285750">
-              <a:buFont typeface="Arial" panose="020B0604020202020204" pitchFamily="34" charset="0"/>
-              <a:buChar char="•"/>
-            </a:pPr>
-            <a:r>
-              <a:rPr lang="en-US" sz="1400" dirty="0"/>
-              <a:t>Assess performance measure</a:t>
-            </a:r>
-          </a:p>
-          <a:p>
-            <a:pPr marL="285750" indent="-285750">
-              <a:buFont typeface="Arial" panose="020B0604020202020204" pitchFamily="34" charset="0"/>
-              <a:buChar char="•"/>
-            </a:pPr>
-            <a:r>
-              <a:rPr lang="en-US" sz="1400" dirty="0"/>
-              <a:t>Remember percept sequence</a:t>
-            </a:r>
-          </a:p>
-          <a:p>
-            <a:pPr marL="285750" indent="-285750">
-              <a:buFont typeface="Arial" panose="020B0604020202020204" pitchFamily="34" charset="0"/>
-              <a:buChar char="•"/>
-            </a:pPr>
-            <a:r>
-              <a:rPr lang="en-US" sz="1400" dirty="0"/>
-              <a:t>Built-in knowledge</a:t>
-            </a:r>
-          </a:p>
-        </p:txBody>
-      </p:sp>
-      <p:sp>
-        <p:nvSpPr>
-          <p:cNvPr id="13" name="TextBox 12">
-            <a:extLst>
-              <a:ext uri="{FF2B5EF4-FFF2-40B4-BE49-F238E27FC236}">
-                <a16:creationId xmlns:a16="http://schemas.microsoft.com/office/drawing/2014/main" id="{084BD0FD-126E-2D69-D249-07D9FB56287C}"/>
-              </a:ext>
-              <a:ext uri="{C183D7F6-B498-43B3-948B-1728B52AA6E4}">
-                <adec:decorative xmlns:adec="http://schemas.microsoft.com/office/drawing/2017/decorative" val="1"/>
-              </a:ext>
-            </a:extLst>
-          </p:cNvPr>
-          <p:cNvSpPr txBox="1"/>
-          <p:nvPr/>
-        </p:nvSpPr>
-        <p:spPr>
-          <a:xfrm>
-            <a:off x="3261166" y="1884040"/>
-            <a:ext cx="625034" cy="279979"/>
-          </a:xfrm>
-          <a:prstGeom prst="rect">
-            <a:avLst/>
-          </a:prstGeom>
-          <a:solidFill>
-            <a:schemeClr val="accent6">
-              <a:alpha val="50000"/>
-            </a:schemeClr>
-          </a:solidFill>
-          <a:ln>
-            <a:noFill/>
-          </a:ln>
-        </p:spPr>
-        <p:style>
-          <a:lnRef idx="0">
-            <a:scrgbClr r="0" g="0" b="0"/>
-          </a:lnRef>
-          <a:fillRef idx="0">
-            <a:scrgbClr r="0" g="0" b="0"/>
-          </a:fillRef>
-          <a:effectRef idx="0">
-            <a:scrgbClr r="0" g="0" b="0"/>
-          </a:effectRef>
-          <a:fontRef idx="minor">
-            <a:schemeClr val="lt1"/>
-          </a:fontRef>
-        </p:style>
-        <p:txBody>
-          <a:bodyPr wrap="square" rtlCol="0">
-            <a:spAutoFit/>
-          </a:bodyPr>
-          <a:lstStyle/>
-          <a:p>
-            <a:endParaRPr lang="en-US" dirty="0"/>
-          </a:p>
-        </p:txBody>
-      </p:sp>
-      <p:sp>
-        <p:nvSpPr>
-          <p:cNvPr id="14" name="TextBox 13">
-            <a:extLst>
-              <a:ext uri="{FF2B5EF4-FFF2-40B4-BE49-F238E27FC236}">
-                <a16:creationId xmlns:a16="http://schemas.microsoft.com/office/drawing/2014/main" id="{BDB8EE00-E784-B5AE-6682-BDE1C2E3213B}"/>
-              </a:ext>
-              <a:ext uri="{C183D7F6-B498-43B3-948B-1728B52AA6E4}">
-                <adec:decorative xmlns:adec="http://schemas.microsoft.com/office/drawing/2017/decorative" val="1"/>
-              </a:ext>
-            </a:extLst>
-          </p:cNvPr>
-          <p:cNvSpPr txBox="1"/>
-          <p:nvPr/>
-        </p:nvSpPr>
-        <p:spPr>
-          <a:xfrm>
-            <a:off x="3709717" y="4850626"/>
-            <a:ext cx="793897" cy="788174"/>
-          </a:xfrm>
-          <a:prstGeom prst="rect">
-            <a:avLst/>
-          </a:prstGeom>
-          <a:solidFill>
-            <a:schemeClr val="accent6">
-              <a:alpha val="50000"/>
-            </a:schemeClr>
-          </a:solidFill>
-          <a:ln>
-            <a:noFill/>
-          </a:ln>
-        </p:spPr>
-        <p:style>
-          <a:lnRef idx="0">
-            <a:scrgbClr r="0" g="0" b="0"/>
-          </a:lnRef>
-          <a:fillRef idx="0">
-            <a:scrgbClr r="0" g="0" b="0"/>
-          </a:fillRef>
-          <a:effectRef idx="0">
-            <a:scrgbClr r="0" g="0" b="0"/>
-          </a:effectRef>
-          <a:fontRef idx="minor">
-            <a:schemeClr val="lt1"/>
-          </a:fontRef>
-        </p:style>
-        <p:txBody>
-          <a:bodyPr wrap="square" rtlCol="0">
-            <a:spAutoFit/>
-          </a:bodyPr>
-          <a:lstStyle/>
-          <a:p>
-            <a:endParaRPr lang="en-US" dirty="0"/>
-          </a:p>
-        </p:txBody>
-      </p:sp>
-      <p:sp>
-        <p:nvSpPr>
-          <p:cNvPr id="18" name="TextBox 17">
-            <a:extLst>
-              <a:ext uri="{FF2B5EF4-FFF2-40B4-BE49-F238E27FC236}">
-                <a16:creationId xmlns:a16="http://schemas.microsoft.com/office/drawing/2014/main" id="{01F3DC52-536A-9328-7E14-B5FA2C6383F0}"/>
-              </a:ext>
-            </a:extLst>
-          </p:cNvPr>
-          <p:cNvSpPr txBox="1"/>
-          <p:nvPr/>
-        </p:nvSpPr>
-        <p:spPr>
-          <a:xfrm>
-            <a:off x="7396639" y="4171450"/>
-            <a:ext cx="1524000" cy="2462213"/>
-          </a:xfrm>
-          <a:prstGeom prst="rect">
-            <a:avLst/>
-          </a:prstGeom>
-          <a:ln/>
-        </p:spPr>
-        <p:style>
-          <a:lnRef idx="2">
-            <a:schemeClr val="accent3">
-              <a:shade val="15000"/>
-            </a:schemeClr>
-          </a:lnRef>
-          <a:fillRef idx="1">
-            <a:schemeClr val="accent3"/>
-          </a:fillRef>
-          <a:effectRef idx="0">
-            <a:schemeClr val="accent3"/>
-          </a:effectRef>
-          <a:fontRef idx="minor">
-            <a:schemeClr val="lt1"/>
-          </a:fontRef>
-        </p:style>
-        <p:txBody>
-          <a:bodyPr wrap="square" rtlCol="0">
-            <a:spAutoFit/>
-          </a:bodyPr>
-          <a:lstStyle/>
-          <a:p>
-            <a:r>
-              <a:rPr lang="en-US" sz="1400" b="1" dirty="0"/>
-              <a:t>Important</a:t>
-            </a:r>
-            <a:r>
-              <a:rPr lang="en-US" sz="1400" dirty="0"/>
-              <a:t>: Everything outside the agent function represents the environment.</a:t>
-            </a:r>
-          </a:p>
-          <a:p>
-            <a:r>
-              <a:rPr lang="en-US" sz="1400" dirty="0"/>
-              <a:t>This includes the physical robot, its sensors and its actuators, and event loop!</a:t>
+            <a:r>
+              <a:rPr lang="en-US" b="1" dirty="0"/>
+              <a:t>Problem</a:t>
+            </a:r>
+            <a:r>
+              <a:rPr lang="en-US" dirty="0"/>
+              <a:t>: This table can become infinitively large! </a:t>
             </a:r>
           </a:p>
         </p:txBody>
       </p:sp>
     </p:spTree>
-    <p:extLst>
-      <p:ext uri="{BB962C8B-B14F-4D97-AF65-F5344CB8AC3E}">
-        <p14:creationId xmlns:p14="http://schemas.microsoft.com/office/powerpoint/2010/main" val="56906529"/>
-      </p:ext>
-    </p:extLst>
   </p:cSld>
   <p:clrMapOvr>
     <a:masterClrMapping/>
@@ -20253,7 +23415,7 @@
                                           </p:stCondLst>
                                         </p:cTn>
                                         <p:tgtEl>
-                                          <p:spTgt spid="2"/>
+                                          <p:spTgt spid="6"/>
                                         </p:tgtEl>
                                         <p:attrNameLst>
                                           <p:attrName>style.visibility</p:attrName>
@@ -20267,7 +23429,7 @@
                                 </p:cTn>
                               </p:par>
                               <p:par>
-                                <p:cTn id="7" presetID="1" presetClass="entr" presetSubtype="0" fill="hold" nodeType="withEffect">
+                                <p:cTn id="7" presetID="1" presetClass="entr" presetSubtype="0" fill="hold" grpId="0" nodeType="withEffect">
                                   <p:stCondLst>
                                     <p:cond delay="0"/>
                                   </p:stCondLst>
@@ -20296,27 +23458,36 @@
                             </p:childTnLst>
                           </p:cTn>
                         </p:par>
+                      </p:childTnLst>
+                    </p:cTn>
+                  </p:par>
+                  <p:par>
+                    <p:cTn id="9" fill="hold">
+                      <p:stCondLst>
+                        <p:cond delay="indefinite"/>
+                      </p:stCondLst>
+                      <p:childTnLst>
                         <p:par>
-                          <p:cTn id="9" fill="hold">
+                          <p:cTn id="10" fill="hold">
                             <p:stCondLst>
                               <p:cond delay="0"/>
                             </p:stCondLst>
                             <p:childTnLst>
                               <p:par>
-                                <p:cTn id="10" presetID="1" presetClass="entr" presetSubtype="0" fill="hold" grpId="0" nodeType="afterEffect">
+                                <p:cTn id="11" presetID="1" presetClass="entr" presetSubtype="0" fill="hold" grpId="0" nodeType="clickEffect">
                                   <p:stCondLst>
                                     <p:cond delay="0"/>
                                   </p:stCondLst>
                                   <p:childTnLst>
                                     <p:set>
                                       <p:cBhvr>
-                                        <p:cTn id="11" dur="1" fill="hold">
+                                        <p:cTn id="12" dur="1" fill="hold">
                                           <p:stCondLst>
                                             <p:cond delay="0"/>
                                           </p:stCondLst>
                                         </p:cTn>
                                         <p:tgtEl>
-                                          <p:spTgt spid="14"/>
+                                          <p:spTgt spid="3"/>
                                         </p:tgtEl>
                                         <p:attrNameLst>
                                           <p:attrName>style.visibility</p:attrName>
@@ -20330,92 +23501,20 @@
                                 </p:cTn>
                               </p:par>
                               <p:par>
-                                <p:cTn id="12" presetID="1" presetClass="entr" presetSubtype="0" fill="hold" grpId="0" nodeType="withEffect">
+                                <p:cTn id="13" presetID="1" presetClass="entr" presetSubtype="0" fill="hold" grpId="0" nodeType="withEffect">
                                   <p:stCondLst>
                                     <p:cond delay="0"/>
                                   </p:stCondLst>
                                   <p:childTnLst>
                                     <p:set>
                                       <p:cBhvr>
-                                        <p:cTn id="13" dur="1" fill="hold">
+                                        <p:cTn id="14" dur="1" fill="hold">
                                           <p:stCondLst>
                                             <p:cond delay="0"/>
                                           </p:stCondLst>
                                         </p:cTn>
                                         <p:tgtEl>
-                                          <p:spTgt spid="11"/>
-                                        </p:tgtEl>
-                                        <p:attrNameLst>
-                                          <p:attrName>style.visibility</p:attrName>
-                                        </p:attrNameLst>
-                                      </p:cBhvr>
-                                      <p:to>
-                                        <p:strVal val="visible"/>
-                                      </p:to>
-                                    </p:set>
-                                  </p:childTnLst>
-                                </p:cTn>
-                              </p:par>
-                            </p:childTnLst>
-                          </p:cTn>
-                        </p:par>
-                      </p:childTnLst>
-                    </p:cTn>
-                  </p:par>
-                  <p:par>
-                    <p:cTn id="14" fill="hold">
-                      <p:stCondLst>
-                        <p:cond delay="indefinite"/>
-                      </p:stCondLst>
-                      <p:childTnLst>
-                        <p:par>
-                          <p:cTn id="15" fill="hold">
-                            <p:stCondLst>
-                              <p:cond delay="0"/>
-                            </p:stCondLst>
-                            <p:childTnLst>
-                              <p:par>
-                                <p:cTn id="16" presetID="1" presetClass="entr" presetSubtype="0" fill="hold" grpId="0" nodeType="clickEffect">
-                                  <p:stCondLst>
-                                    <p:cond delay="0"/>
-                                  </p:stCondLst>
-                                  <p:childTnLst>
-                                    <p:set>
-                                      <p:cBhvr>
-                                        <p:cTn id="17" dur="1" fill="hold">
-                                          <p:stCondLst>
-                                            <p:cond delay="0"/>
-                                          </p:stCondLst>
-                                        </p:cTn>
-                                        <p:tgtEl>
-                                          <p:spTgt spid="4"/>
-                                        </p:tgtEl>
-                                        <p:attrNameLst>
-                                          <p:attrName>style.visibility</p:attrName>
-                                        </p:attrNameLst>
-                                      </p:cBhvr>
-                                      <p:to>
-                                        <p:strVal val="visible"/>
-                                      </p:to>
-                                    </p:set>
-                                  </p:childTnLst>
-                                </p:cTn>
-                              </p:par>
-                              <p:par>
-                                <p:cTn id="18" presetID="1" presetClass="entr" presetSubtype="0" fill="hold" grpId="0" nodeType="withEffect">
-                                  <p:stCondLst>
-                                    <p:cond delay="0"/>
-                                  </p:stCondLst>
-                                  <p:childTnLst>
-                                    <p:set>
-                                      <p:cBhvr>
-                                        <p:cTn id="19" dur="1" fill="hold">
-                                          <p:stCondLst>
-                                            <p:cond delay="0"/>
-                                          </p:stCondLst>
-                                        </p:cTn>
-                                        <p:tgtEl>
-                                          <p:spTgt spid="18"/>
+                                          <p:spTgt spid="2"/>
                                         </p:tgtEl>
                                         <p:attrNameLst>
                                           <p:attrName>style.visibility</p:attrName>
@@ -20457,16 +23556,15 @@
     </p:tnLst>
     <p:bldLst>
       <p:bldP spid="2" grpId="0" animBg="1"/>
-      <p:bldP spid="11" grpId="0"/>
-      <p:bldP spid="4" grpId="0" animBg="1"/>
-      <p:bldP spid="14" grpId="0" animBg="1"/>
-      <p:bldP spid="18" grpId="0" animBg="1"/>
+      <p:bldP spid="6" grpId="0" animBg="1"/>
+      <p:bldP spid="3" grpId="0" animBg="1"/>
+      <p:bldP spid="8" grpId="0" animBg="1"/>
     </p:bldLst>
   </p:timing>
 </p:sld>
 </file>
 
-<file path=ppt/slides/slide4.xml><?xml version="1.0" encoding="utf-8"?>
+<file path=ppt/slides/slide5.xml><?xml version="1.0" encoding="utf-8"?>
 <p:sld xmlns:a="http://schemas.openxmlformats.org/drawingml/2006/main" xmlns:r="http://schemas.openxmlformats.org/officeDocument/2006/relationships" xmlns:p="http://schemas.openxmlformats.org/presentationml/2006/main">
   <p:cSld>
     <p:spTree>
@@ -21301,7 +24399,7 @@
 </p:sld>
 </file>
 
-<file path=ppt/slides/slide5.xml><?xml version="1.0" encoding="utf-8"?>
+<file path=ppt/slides/slide6.xml><?xml version="1.0" encoding="utf-8"?>
 <p:sld xmlns:a="http://schemas.openxmlformats.org/drawingml/2006/main" xmlns:r="http://schemas.openxmlformats.org/officeDocument/2006/relationships" xmlns:p="http://schemas.openxmlformats.org/presentationml/2006/main">
   <p:cSld>
     <p:spTree>
@@ -22292,7 +25390,7 @@
 </p:sld>
 </file>
 
-<file path=ppt/slides/slide6.xml><?xml version="1.0" encoding="utf-8"?>
+<file path=ppt/slides/slide7.xml><?xml version="1.0" encoding="utf-8"?>
 <p:sld xmlns:a="http://schemas.openxmlformats.org/drawingml/2006/main" xmlns:r="http://schemas.openxmlformats.org/officeDocument/2006/relationships" xmlns:p="http://schemas.openxmlformats.org/presentationml/2006/main">
   <p:cSld>
     <p:bg>
@@ -22507,7 +25605,7 @@
 </p:sld>
 </file>
 
-<file path=ppt/slides/slide7.xml><?xml version="1.0" encoding="utf-8"?>
+<file path=ppt/slides/slide8.xml><?xml version="1.0" encoding="utf-8"?>
 <p:sld xmlns:a="http://schemas.openxmlformats.org/drawingml/2006/main" xmlns:r="http://schemas.openxmlformats.org/officeDocument/2006/relationships" xmlns:p="http://schemas.openxmlformats.org/presentationml/2006/main">
   <p:cSld>
     <p:spTree>
@@ -22902,7 +26000,7 @@
 </p:sld>
 </file>
 
-<file path=ppt/slides/slide8.xml><?xml version="1.0" encoding="utf-8"?>
+<file path=ppt/slides/slide9.xml><?xml version="1.0" encoding="utf-8"?>
 <p:sld xmlns:a="http://schemas.openxmlformats.org/drawingml/2006/main" xmlns:r="http://schemas.openxmlformats.org/officeDocument/2006/relationships" xmlns:p="http://schemas.openxmlformats.org/presentationml/2006/main">
   <p:cSld>
     <p:spTree>
@@ -23589,176 +26687,6 @@
       <p:bldP spid="10243" grpId="0" build="p"/>
     </p:bldLst>
   </p:timing>
-</p:sld>
-</file>
-
-<file path=ppt/slides/slide9.xml><?xml version="1.0" encoding="utf-8"?>
-<p:sld xmlns:a="http://schemas.openxmlformats.org/drawingml/2006/main" xmlns:r="http://schemas.openxmlformats.org/officeDocument/2006/relationships" xmlns:p="http://schemas.openxmlformats.org/presentationml/2006/main">
-  <p:cSld>
-    <p:spTree>
-      <p:nvGrpSpPr>
-        <p:cNvPr id="1" name=""/>
-        <p:cNvGrpSpPr/>
-        <p:nvPr/>
-      </p:nvGrpSpPr>
-      <p:grpSpPr>
-        <a:xfrm>
-          <a:off x="0" y="0"/>
-          <a:ext cx="0" cy="0"/>
-          <a:chOff x="0" y="0"/>
-          <a:chExt cx="0" cy="0"/>
-        </a:xfrm>
-      </p:grpSpPr>
-      <p:sp>
-        <p:nvSpPr>
-          <p:cNvPr id="2" name="Title 1">
-            <a:extLst>
-              <a:ext uri="{FF2B5EF4-FFF2-40B4-BE49-F238E27FC236}">
-                <a16:creationId xmlns:a16="http://schemas.microsoft.com/office/drawing/2014/main" id="{D64E4370-BFB5-4F7A-82C5-D13C30B62248}"/>
-              </a:ext>
-            </a:extLst>
-          </p:cNvPr>
-          <p:cNvSpPr>
-            <a:spLocks noGrp="1"/>
-          </p:cNvSpPr>
-          <p:nvPr>
-            <p:ph type="title"/>
-          </p:nvPr>
-        </p:nvSpPr>
-        <p:spPr>
-          <a:xfrm>
-            <a:off x="628650" y="365126"/>
-            <a:ext cx="6212110" cy="1325563"/>
-          </a:xfrm>
-        </p:spPr>
-        <p:txBody>
-          <a:bodyPr/>
-          <a:lstStyle/>
-          <a:p>
-            <a:r>
-              <a:rPr lang="en-US" dirty="0"/>
-              <a:t>PEAS Description of the Environment of a Self-Driving Car</a:t>
-            </a:r>
-          </a:p>
-        </p:txBody>
-      </p:sp>
-      <p:graphicFrame>
-        <p:nvGraphicFramePr>
-          <p:cNvPr id="4" name="Content Placeholder 3" descr="PEAS Tables">
-            <a:extLst>
-              <a:ext uri="{FF2B5EF4-FFF2-40B4-BE49-F238E27FC236}">
-                <a16:creationId xmlns:a16="http://schemas.microsoft.com/office/drawing/2014/main" id="{9C8EE6A5-115B-4250-A57D-7EA0DC7DDAE6}"/>
-              </a:ext>
-            </a:extLst>
-          </p:cNvPr>
-          <p:cNvGraphicFramePr>
-            <a:graphicFrameLocks noGrp="1"/>
-          </p:cNvGraphicFramePr>
-          <p:nvPr>
-            <p:ph idx="1"/>
-            <p:extLst>
-              <p:ext uri="{D42A27DB-BD31-4B8C-83A1-F6EECF244321}">
-                <p14:modId xmlns:p14="http://schemas.microsoft.com/office/powerpoint/2010/main" val="2520200847"/>
-              </p:ext>
-            </p:extLst>
-          </p:nvPr>
-        </p:nvGraphicFramePr>
-        <p:xfrm>
-          <a:off x="628650" y="1825625"/>
-          <a:ext cx="7886700" cy="4351338"/>
-        </p:xfrm>
-        <a:graphic>
-          <a:graphicData uri="http://schemas.openxmlformats.org/drawingml/2006/diagram">
-            <dgm:relIds xmlns:dgm="http://schemas.openxmlformats.org/drawingml/2006/diagram" xmlns:r="http://schemas.openxmlformats.org/officeDocument/2006/relationships" r:dm="rId2" r:lo="rId3" r:qs="rId4" r:cs="rId5"/>
-          </a:graphicData>
-        </a:graphic>
-      </p:graphicFrame>
-      <p:pic>
-        <p:nvPicPr>
-          <p:cNvPr id="5" name="Picture 6">
-            <a:extLst>
-              <a:ext uri="{FF2B5EF4-FFF2-40B4-BE49-F238E27FC236}">
-                <a16:creationId xmlns:a16="http://schemas.microsoft.com/office/drawing/2014/main" id="{C501DE79-BED8-664A-A7F5-916398E4B557}"/>
-              </a:ext>
-              <a:ext uri="{C183D7F6-B498-43B3-948B-1728B52AA6E4}">
-                <adec:decorative xmlns:adec="http://schemas.microsoft.com/office/drawing/2017/decorative" val="1"/>
-              </a:ext>
-            </a:extLst>
-          </p:cNvPr>
-          <p:cNvPicPr>
-            <a:picLocks noChangeAspect="1" noChangeArrowheads="1"/>
-          </p:cNvPicPr>
-          <p:nvPr/>
-        </p:nvPicPr>
-        <p:blipFill>
-          <a:blip r:embed="rId7" cstate="print"/>
-          <a:srcRect/>
-          <a:stretch>
-            <a:fillRect/>
-          </a:stretch>
-        </p:blipFill>
-        <p:spPr bwMode="auto">
-          <a:xfrm>
-            <a:off x="6840760" y="627857"/>
-            <a:ext cx="1742323" cy="800100"/>
-          </a:xfrm>
-          <a:prstGeom prst="rect">
-            <a:avLst/>
-          </a:prstGeom>
-          <a:noFill/>
-          <a:ln w="9525">
-            <a:noFill/>
-            <a:miter lim="800000"/>
-            <a:headEnd/>
-            <a:tailEnd/>
-          </a:ln>
-        </p:spPr>
-      </p:pic>
-      <p:sp>
-        <p:nvSpPr>
-          <p:cNvPr id="3" name="TextBox 2">
-            <a:extLst>
-              <a:ext uri="{FF2B5EF4-FFF2-40B4-BE49-F238E27FC236}">
-                <a16:creationId xmlns:a16="http://schemas.microsoft.com/office/drawing/2014/main" id="{DD44A013-EECD-0365-9F5B-4164E530DF2E}"/>
-              </a:ext>
-            </a:extLst>
-          </p:cNvPr>
-          <p:cNvSpPr txBox="1"/>
-          <p:nvPr/>
-        </p:nvSpPr>
-        <p:spPr>
-          <a:xfrm>
-            <a:off x="533400" y="1825625"/>
-            <a:ext cx="3638550" cy="338554"/>
-          </a:xfrm>
-          <a:prstGeom prst="rect">
-            <a:avLst/>
-          </a:prstGeom>
-          <a:noFill/>
-        </p:spPr>
-        <p:txBody>
-          <a:bodyPr wrap="square" rtlCol="0">
-            <a:spAutoFit/>
-          </a:bodyPr>
-          <a:lstStyle/>
-          <a:p>
-            <a:r>
-              <a:rPr lang="en-US" sz="1600" dirty="0"/>
-              <a:t>Complete the PEAS description.</a:t>
-            </a:r>
-          </a:p>
-        </p:txBody>
-      </p:sp>
-    </p:spTree>
-    <p:extLst>
-      <p:ext uri="{BB962C8B-B14F-4D97-AF65-F5344CB8AC3E}">
-        <p14:creationId xmlns:p14="http://schemas.microsoft.com/office/powerpoint/2010/main" val="1555730670"/>
-      </p:ext>
-    </p:extLst>
-  </p:cSld>
-  <p:clrMapOvr>
-    <a:masterClrMapping/>
-  </p:clrMapOvr>
 </p:sld>
 </file>
 

--- a/slides/02_agents_discussion.pptx
+++ b/slides/02_agents_discussion.pptx
@@ -5,7 +5,7 @@
     <p:sldMasterId id="2147483672" r:id="rId1"/>
   </p:sldMasterIdLst>
   <p:notesMasterIdLst>
-    <p:notesMasterId r:id="rId24"/>
+    <p:notesMasterId r:id="rId26"/>
   </p:notesMasterIdLst>
   <p:sldIdLst>
     <p:sldId id="257" r:id="rId2"/>
@@ -18,18 +18,20 @@
     <p:sldId id="318" r:id="rId9"/>
     <p:sldId id="296" r:id="rId10"/>
     <p:sldId id="293" r:id="rId11"/>
-    <p:sldId id="808" r:id="rId12"/>
-    <p:sldId id="305" r:id="rId13"/>
-    <p:sldId id="278" r:id="rId14"/>
-    <p:sldId id="280" r:id="rId15"/>
-    <p:sldId id="809" r:id="rId16"/>
-    <p:sldId id="320" r:id="rId17"/>
-    <p:sldId id="807" r:id="rId18"/>
-    <p:sldId id="295" r:id="rId19"/>
-    <p:sldId id="810" r:id="rId20"/>
-    <p:sldId id="298" r:id="rId21"/>
-    <p:sldId id="802" r:id="rId22"/>
-    <p:sldId id="321" r:id="rId23"/>
+    <p:sldId id="811" r:id="rId12"/>
+    <p:sldId id="808" r:id="rId13"/>
+    <p:sldId id="305" r:id="rId14"/>
+    <p:sldId id="278" r:id="rId15"/>
+    <p:sldId id="280" r:id="rId16"/>
+    <p:sldId id="809" r:id="rId17"/>
+    <p:sldId id="320" r:id="rId18"/>
+    <p:sldId id="807" r:id="rId19"/>
+    <p:sldId id="295" r:id="rId20"/>
+    <p:sldId id="810" r:id="rId21"/>
+    <p:sldId id="298" r:id="rId22"/>
+    <p:sldId id="802" r:id="rId23"/>
+    <p:sldId id="321" r:id="rId24"/>
+    <p:sldId id="812" r:id="rId25"/>
   </p:sldIdLst>
   <p:sldSz cx="9144000" cy="6858000" type="screen4x3"/>
   <p:notesSz cx="7315200" cy="9601200"/>
@@ -10106,7 +10108,7 @@
             <a:fld id="{C590261E-DED2-4ECB-93F0-6041BFF84361}" type="datetimeFigureOut">
               <a:rPr lang="en-US" smtClean="0"/>
               <a:pPr/>
-              <a:t>9/11/2025</a:t>
+              <a:t>9/18/2025</a:t>
             </a:fld>
             <a:endParaRPr lang="en-US"/>
           </a:p>
@@ -10519,7 +10521,7 @@
             <a:fld id="{2754576A-F041-465B-B05C-90CC0BF4FA50}" type="slidenum">
               <a:rPr lang="en-US" smtClean="0"/>
               <a:pPr/>
-              <a:t>16</a:t>
+              <a:t>17</a:t>
             </a:fld>
             <a:endParaRPr lang="en-US"/>
           </a:p>
@@ -10604,7 +10606,7 @@
             <a:fld id="{2754576A-F041-465B-B05C-90CC0BF4FA50}" type="slidenum">
               <a:rPr lang="en-US" smtClean="0"/>
               <a:pPr/>
-              <a:t>18</a:t>
+              <a:t>19</a:t>
             </a:fld>
             <a:endParaRPr lang="en-US"/>
           </a:p>
@@ -10715,7 +10717,7 @@
             <a:fld id="{2754576A-F041-465B-B05C-90CC0BF4FA50}" type="slidenum">
               <a:rPr lang="en-US" smtClean="0"/>
               <a:pPr/>
-              <a:t>19</a:t>
+              <a:t>20</a:t>
             </a:fld>
             <a:endParaRPr lang="en-US"/>
           </a:p>
@@ -10802,7 +10804,7 @@
             <a:fld id="{2754576A-F041-465B-B05C-90CC0BF4FA50}" type="slidenum">
               <a:rPr lang="en-US" smtClean="0"/>
               <a:pPr/>
-              <a:t>20</a:t>
+              <a:t>21</a:t>
             </a:fld>
             <a:endParaRPr lang="en-US"/>
           </a:p>
@@ -11259,7 +11261,7 @@
             <a:fld id="{2754576A-F041-465B-B05C-90CC0BF4FA50}" type="slidenum">
               <a:rPr lang="en-US" smtClean="0"/>
               <a:pPr/>
-              <a:t>12</a:t>
+              <a:t>13</a:t>
             </a:fld>
             <a:endParaRPr lang="en-US"/>
           </a:p>
@@ -11346,7 +11348,7 @@
             <a:fld id="{2754576A-F041-465B-B05C-90CC0BF4FA50}" type="slidenum">
               <a:rPr lang="en-US" smtClean="0"/>
               <a:pPr/>
-              <a:t>13</a:t>
+              <a:t>14</a:t>
             </a:fld>
             <a:endParaRPr lang="en-US"/>
           </a:p>
@@ -11433,7 +11435,7 @@
             <a:fld id="{2754576A-F041-465B-B05C-90CC0BF4FA50}" type="slidenum">
               <a:rPr lang="en-US" smtClean="0"/>
               <a:pPr/>
-              <a:t>14</a:t>
+              <a:t>15</a:t>
             </a:fld>
             <a:endParaRPr lang="en-US"/>
           </a:p>
@@ -11518,7 +11520,7 @@
             <a:fld id="{2754576A-F041-465B-B05C-90CC0BF4FA50}" type="slidenum">
               <a:rPr lang="en-US" smtClean="0"/>
               <a:pPr/>
-              <a:t>15</a:t>
+              <a:t>16</a:t>
             </a:fld>
             <a:endParaRPr lang="en-US"/>
           </a:p>
@@ -15612,6 +15614,92 @@
 <file path=ppt/slides/slide11.xml><?xml version="1.0" encoding="utf-8"?>
 <p:sld xmlns:a="http://schemas.openxmlformats.org/drawingml/2006/main" xmlns:r="http://schemas.openxmlformats.org/officeDocument/2006/relationships" xmlns:p="http://schemas.openxmlformats.org/presentationml/2006/main">
   <p:cSld>
+    <p:spTree>
+      <p:nvGrpSpPr>
+        <p:cNvPr id="1" name=""/>
+        <p:cNvGrpSpPr/>
+        <p:nvPr/>
+      </p:nvGrpSpPr>
+      <p:grpSpPr>
+        <a:xfrm>
+          <a:off x="0" y="0"/>
+          <a:ext cx="0" cy="0"/>
+          <a:chOff x="0" y="0"/>
+          <a:chExt cx="0" cy="0"/>
+        </a:xfrm>
+      </p:grpSpPr>
+      <p:sp>
+        <p:nvSpPr>
+          <p:cNvPr id="4" name="Title 3">
+            <a:extLst>
+              <a:ext uri="{FF2B5EF4-FFF2-40B4-BE49-F238E27FC236}">
+                <a16:creationId xmlns:a16="http://schemas.microsoft.com/office/drawing/2014/main" id="{68184ACE-B0ED-EF17-4DAA-C07670FD36F3}"/>
+              </a:ext>
+            </a:extLst>
+          </p:cNvPr>
+          <p:cNvSpPr>
+            <a:spLocks noGrp="1"/>
+          </p:cNvSpPr>
+          <p:nvPr>
+            <p:ph type="title"/>
+          </p:nvPr>
+        </p:nvSpPr>
+        <p:spPr/>
+        <p:txBody>
+          <a:bodyPr/>
+          <a:lstStyle/>
+          <a:p>
+            <a:r>
+              <a:rPr lang="en-US" dirty="0"/>
+              <a:t>Assignment 1</a:t>
+            </a:r>
+          </a:p>
+        </p:txBody>
+      </p:sp>
+      <p:sp>
+        <p:nvSpPr>
+          <p:cNvPr id="5" name="Text Placeholder 4">
+            <a:extLst>
+              <a:ext uri="{FF2B5EF4-FFF2-40B4-BE49-F238E27FC236}">
+                <a16:creationId xmlns:a16="http://schemas.microsoft.com/office/drawing/2014/main" id="{94BCF58E-5796-DD68-B75D-9D1A6DFE5B20}"/>
+              </a:ext>
+            </a:extLst>
+          </p:cNvPr>
+          <p:cNvSpPr>
+            <a:spLocks noGrp="1"/>
+          </p:cNvSpPr>
+          <p:nvPr>
+            <p:ph type="body" idx="1"/>
+          </p:nvPr>
+        </p:nvSpPr>
+        <p:spPr/>
+        <p:txBody>
+          <a:bodyPr/>
+          <a:lstStyle/>
+          <a:p>
+            <a:r>
+              <a:rPr lang="en-US" dirty="0"/>
+              <a:t>Introduction : Environment</a:t>
+            </a:r>
+          </a:p>
+        </p:txBody>
+      </p:sp>
+    </p:spTree>
+    <p:extLst>
+      <p:ext uri="{BB962C8B-B14F-4D97-AF65-F5344CB8AC3E}">
+        <p14:creationId xmlns:p14="http://schemas.microsoft.com/office/powerpoint/2010/main" val="1154130421"/>
+      </p:ext>
+    </p:extLst>
+  </p:cSld>
+  <p:clrMapOvr>
+    <a:masterClrMapping/>
+  </p:clrMapOvr>
+</p:sld>
+</file>
+
+<file path=ppt/slides/slide12.xml><?xml version="1.0" encoding="utf-8"?>
+<p:sld xmlns:a="http://schemas.openxmlformats.org/drawingml/2006/main" xmlns:r="http://schemas.openxmlformats.org/officeDocument/2006/relationships" xmlns:p="http://schemas.openxmlformats.org/presentationml/2006/main">
+  <p:cSld>
     <p:bg>
       <p:bgPr>
         <a:solidFill>
@@ -15834,7 +15922,7 @@
 </p:sld>
 </file>
 
-<file path=ppt/slides/slide12.xml><?xml version="1.0" encoding="utf-8"?>
+<file path=ppt/slides/slide13.xml><?xml version="1.0" encoding="utf-8"?>
 <p:sld xmlns:a="http://schemas.openxmlformats.org/drawingml/2006/main" xmlns:r="http://schemas.openxmlformats.org/officeDocument/2006/relationships" xmlns:p="http://schemas.openxmlformats.org/presentationml/2006/main">
   <p:cSld>
     <p:spTree>
@@ -17138,7 +17226,7 @@
 </p:sld>
 </file>
 
-<file path=ppt/slides/slide13.xml><?xml version="1.0" encoding="utf-8"?>
+<file path=ppt/slides/slide14.xml><?xml version="1.0" encoding="utf-8"?>
 <p:sld xmlns:a="http://schemas.openxmlformats.org/drawingml/2006/main" xmlns:r="http://schemas.openxmlformats.org/officeDocument/2006/relationships" xmlns:p="http://schemas.openxmlformats.org/presentationml/2006/main">
   <p:cSld>
     <p:spTree>
@@ -17797,7 +17885,7 @@
 </p:sld>
 </file>
 
-<file path=ppt/slides/slide14.xml><?xml version="1.0" encoding="utf-8"?>
+<file path=ppt/slides/slide15.xml><?xml version="1.0" encoding="utf-8"?>
 <p:sld xmlns:a="http://schemas.openxmlformats.org/drawingml/2006/main" xmlns:r="http://schemas.openxmlformats.org/officeDocument/2006/relationships" xmlns:p="http://schemas.openxmlformats.org/presentationml/2006/main">
   <p:cSld>
     <p:spTree>
@@ -19022,7 +19110,7 @@
 </p:sld>
 </file>
 
-<file path=ppt/slides/slide15.xml><?xml version="1.0" encoding="utf-8"?>
+<file path=ppt/slides/slide16.xml><?xml version="1.0" encoding="utf-8"?>
 <p:sld xmlns:a="http://schemas.openxmlformats.org/drawingml/2006/main" xmlns:r="http://schemas.openxmlformats.org/officeDocument/2006/relationships" xmlns:p="http://schemas.openxmlformats.org/presentationml/2006/main">
   <p:cSld>
     <p:spTree>
@@ -19564,7 +19652,7 @@
 </p:sld>
 </file>
 
-<file path=ppt/slides/slide16.xml><?xml version="1.0" encoding="utf-8"?>
+<file path=ppt/slides/slide17.xml><?xml version="1.0" encoding="utf-8"?>
 <p:sld xmlns:a="http://schemas.openxmlformats.org/drawingml/2006/main" xmlns:r="http://schemas.openxmlformats.org/officeDocument/2006/relationships" xmlns:p="http://schemas.openxmlformats.org/presentationml/2006/main">
   <p:cSld>
     <p:spTree>
@@ -20484,7 +20572,7 @@
 </p:sld>
 </file>
 
-<file path=ppt/slides/slide17.xml><?xml version="1.0" encoding="utf-8"?>
+<file path=ppt/slides/slide18.xml><?xml version="1.0" encoding="utf-8"?>
 <p:sld xmlns:a="http://schemas.openxmlformats.org/drawingml/2006/main" xmlns:r="http://schemas.openxmlformats.org/officeDocument/2006/relationships" xmlns:p="http://schemas.openxmlformats.org/presentationml/2006/main">
   <p:cSld>
     <p:bg>
@@ -20705,7 +20793,7 @@
 </p:sld>
 </file>
 
-<file path=ppt/slides/slide18.xml><?xml version="1.0" encoding="utf-8"?>
+<file path=ppt/slides/slide19.xml><?xml version="1.0" encoding="utf-8"?>
 <p:sld xmlns:a="http://schemas.openxmlformats.org/drawingml/2006/main" xmlns:r="http://schemas.openxmlformats.org/officeDocument/2006/relationships" xmlns:p="http://schemas.openxmlformats.org/presentationml/2006/main">
   <p:cSld>
     <p:spTree>
@@ -21051,7 +21139,226 @@
 </p:sld>
 </file>
 
-<file path=ppt/slides/slide19.xml><?xml version="1.0" encoding="utf-8"?>
+<file path=ppt/slides/slide2.xml><?xml version="1.0" encoding="utf-8"?>
+<p:sld xmlns:a="http://schemas.openxmlformats.org/drawingml/2006/main" xmlns:r="http://schemas.openxmlformats.org/officeDocument/2006/relationships" xmlns:p="http://schemas.openxmlformats.org/presentationml/2006/main">
+  <p:cSld>
+    <p:bg>
+      <p:bgPr>
+        <a:solidFill>
+          <a:srgbClr val="000000"/>
+        </a:solidFill>
+        <a:effectLst/>
+      </p:bgPr>
+    </p:bg>
+    <p:spTree>
+      <p:nvGrpSpPr>
+        <p:cNvPr id="1" name=""/>
+        <p:cNvGrpSpPr/>
+        <p:nvPr/>
+      </p:nvGrpSpPr>
+      <p:grpSpPr>
+        <a:xfrm>
+          <a:off x="0" y="0"/>
+          <a:ext cx="0" cy="0"/>
+          <a:chOff x="0" y="0"/>
+          <a:chExt cx="0" cy="0"/>
+        </a:xfrm>
+      </p:grpSpPr>
+      <p:sp>
+        <p:nvSpPr>
+          <p:cNvPr id="11" name="Rectangle 10">
+            <a:extLst>
+              <a:ext uri="{FF2B5EF4-FFF2-40B4-BE49-F238E27FC236}">
+                <a16:creationId xmlns:a16="http://schemas.microsoft.com/office/drawing/2014/main" id="{71B2258F-86CA-4D4D-8270-BC05FCDEBFB3}"/>
+              </a:ext>
+              <a:ext uri="{C183D7F6-B498-43B3-948B-1728B52AA6E4}">
+                <adec:decorative xmlns:adec="http://schemas.microsoft.com/office/drawing/2017/decorative" val="1"/>
+              </a:ext>
+            </a:extLst>
+          </p:cNvPr>
+          <p:cNvSpPr>
+            <a:spLocks noGrp="1" noRot="1" noChangeAspect="1" noMove="1" noResize="1" noEditPoints="1" noAdjustHandles="1" noChangeArrowheads="1" noChangeShapeType="1" noTextEdit="1"/>
+          </p:cNvSpPr>
+          <p:nvPr>
+            <p:extLst>
+              <p:ext uri="{386F3935-93C4-4BCD-93E2-E3B085C9AB24}">
+                <p16:designElem xmlns:p16="http://schemas.microsoft.com/office/powerpoint/2015/main" val="1"/>
+              </p:ext>
+            </p:extLst>
+          </p:nvPr>
+        </p:nvSpPr>
+        <p:spPr>
+          <a:xfrm>
+            <a:off x="0" y="0"/>
+            <a:ext cx="9144000" cy="6857999"/>
+          </a:xfrm>
+          <a:prstGeom prst="rect">
+            <a:avLst/>
+          </a:prstGeom>
+          <a:solidFill>
+            <a:srgbClr val="000000"/>
+          </a:solidFill>
+          <a:ln>
+            <a:noFill/>
+          </a:ln>
+        </p:spPr>
+        <p:style>
+          <a:lnRef idx="2">
+            <a:schemeClr val="accent1">
+              <a:shade val="50000"/>
+            </a:schemeClr>
+          </a:lnRef>
+          <a:fillRef idx="1">
+            <a:schemeClr val="accent1"/>
+          </a:fillRef>
+          <a:effectRef idx="0">
+            <a:schemeClr val="accent1"/>
+          </a:effectRef>
+          <a:fontRef idx="minor">
+            <a:schemeClr val="lt1"/>
+          </a:fontRef>
+        </p:style>
+        <p:txBody>
+          <a:bodyPr rtlCol="0" anchor="ctr"/>
+          <a:lstStyle/>
+          <a:p>
+            <a:pPr algn="ctr"/>
+            <a:endParaRPr lang="en-US"/>
+          </a:p>
+        </p:txBody>
+      </p:sp>
+      <p:pic>
+        <p:nvPicPr>
+          <p:cNvPr id="6" name="Picture 14">
+            <a:extLst>
+              <a:ext uri="{FF2B5EF4-FFF2-40B4-BE49-F238E27FC236}">
+                <a16:creationId xmlns:a16="http://schemas.microsoft.com/office/drawing/2014/main" id="{E4F041C0-7D5C-CB2F-92DA-37E6B770851E}"/>
+              </a:ext>
+              <a:ext uri="{C183D7F6-B498-43B3-948B-1728B52AA6E4}">
+                <adec:decorative xmlns:adec="http://schemas.microsoft.com/office/drawing/2017/decorative" val="1"/>
+              </a:ext>
+            </a:extLst>
+          </p:cNvPr>
+          <p:cNvPicPr>
+            <a:picLocks noChangeAspect="1" noChangeArrowheads="1"/>
+          </p:cNvPicPr>
+          <p:nvPr/>
+        </p:nvPicPr>
+        <p:blipFill rotWithShape="1">
+          <a:blip r:embed="rId2" cstate="print">
+            <a:alphaModFix amt="50000"/>
+          </a:blip>
+          <a:srcRect t="27493" b="22444"/>
+          <a:stretch>
+            <a:fillRect/>
+          </a:stretch>
+        </p:blipFill>
+        <p:spPr bwMode="auto">
+          <a:xfrm>
+            <a:off x="20" y="1"/>
+            <a:ext cx="9143980" cy="6857999"/>
+          </a:xfrm>
+          <a:prstGeom prst="rect">
+            <a:avLst/>
+          </a:prstGeom>
+          <a:noFill/>
+        </p:spPr>
+      </p:pic>
+      <p:sp>
+        <p:nvSpPr>
+          <p:cNvPr id="4" name="Title 3">
+            <a:extLst>
+              <a:ext uri="{FF2B5EF4-FFF2-40B4-BE49-F238E27FC236}">
+                <a16:creationId xmlns:a16="http://schemas.microsoft.com/office/drawing/2014/main" id="{110C9F2C-5F20-241B-A7B4-23BCD535D7A9}"/>
+              </a:ext>
+            </a:extLst>
+          </p:cNvPr>
+          <p:cNvSpPr>
+            <a:spLocks noGrp="1"/>
+          </p:cNvSpPr>
+          <p:nvPr>
+            <p:ph type="title"/>
+          </p:nvPr>
+        </p:nvSpPr>
+        <p:spPr>
+          <a:xfrm>
+            <a:off x="1143000" y="1122362"/>
+            <a:ext cx="6858000" cy="2900518"/>
+          </a:xfrm>
+        </p:spPr>
+        <p:txBody>
+          <a:bodyPr vert="horz" lIns="91440" tIns="45720" rIns="91440" bIns="45720" rtlCol="0" anchor="b">
+            <a:normAutofit/>
+          </a:bodyPr>
+          <a:lstStyle/>
+          <a:p>
+            <a:pPr algn="ctr" defTabSz="914400"/>
+            <a:r>
+              <a:rPr lang="en-US" sz="6000" dirty="0">
+                <a:solidFill>
+                  <a:srgbClr val="FFFFFF"/>
+                </a:solidFill>
+              </a:rPr>
+              <a:t>Module Review 1</a:t>
+            </a:r>
+          </a:p>
+        </p:txBody>
+      </p:sp>
+      <p:sp>
+        <p:nvSpPr>
+          <p:cNvPr id="5" name="Text Placeholder 4">
+            <a:extLst>
+              <a:ext uri="{FF2B5EF4-FFF2-40B4-BE49-F238E27FC236}">
+                <a16:creationId xmlns:a16="http://schemas.microsoft.com/office/drawing/2014/main" id="{702CF149-4E3E-4BC7-1591-E633BE8275BB}"/>
+              </a:ext>
+            </a:extLst>
+          </p:cNvPr>
+          <p:cNvSpPr>
+            <a:spLocks noGrp="1"/>
+          </p:cNvSpPr>
+          <p:nvPr>
+            <p:ph type="body" idx="1"/>
+          </p:nvPr>
+        </p:nvSpPr>
+        <p:spPr>
+          <a:xfrm>
+            <a:off x="1143000" y="4159404"/>
+            <a:ext cx="6858000" cy="1098395"/>
+          </a:xfrm>
+        </p:spPr>
+        <p:txBody>
+          <a:bodyPr vert="horz" lIns="91440" tIns="45720" rIns="91440" bIns="45720" rtlCol="0">
+            <a:normAutofit/>
+          </a:bodyPr>
+          <a:lstStyle/>
+          <a:p>
+            <a:pPr algn="ctr" defTabSz="914400">
+              <a:spcBef>
+                <a:spcPts val="1000"/>
+              </a:spcBef>
+            </a:pPr>
+            <a:endParaRPr lang="en-US" sz="2400">
+              <a:solidFill>
+                <a:srgbClr val="FFFFFF"/>
+              </a:solidFill>
+            </a:endParaRPr>
+          </a:p>
+        </p:txBody>
+      </p:sp>
+    </p:spTree>
+    <p:extLst>
+      <p:ext uri="{BB962C8B-B14F-4D97-AF65-F5344CB8AC3E}">
+        <p14:creationId xmlns:p14="http://schemas.microsoft.com/office/powerpoint/2010/main" val="499141692"/>
+      </p:ext>
+    </p:extLst>
+  </p:cSld>
+  <p:clrMapOvr>
+    <a:overrideClrMapping bg1="dk1" tx1="lt1" bg2="dk2" tx2="lt2" accent1="accent1" accent2="accent2" accent3="accent3" accent4="accent4" accent5="accent5" accent6="accent6" hlink="hlink" folHlink="folHlink"/>
+  </p:clrMapOvr>
+</p:sld>
+</file>
+
+<file path=ppt/slides/slide20.xml><?xml version="1.0" encoding="utf-8"?>
 <p:sld xmlns:a="http://schemas.openxmlformats.org/drawingml/2006/main" xmlns:r="http://schemas.openxmlformats.org/officeDocument/2006/relationships" xmlns:p="http://schemas.openxmlformats.org/presentationml/2006/main">
   <p:cSld>
     <p:spTree>
@@ -21099,347 +21406,6 @@
               <a:rPr lang="en-US" dirty="0"/>
               <a:t>Environment for a Self-Driving Car</a:t>
             </a:r>
-          </a:p>
-        </p:txBody>
-      </p:sp>
-      <p:sp>
-        <p:nvSpPr>
-          <p:cNvPr id="7" name="TextBox 6">
-            <a:extLst>
-              <a:ext uri="{FF2B5EF4-FFF2-40B4-BE49-F238E27FC236}">
-                <a16:creationId xmlns:a16="http://schemas.microsoft.com/office/drawing/2014/main" id="{AB7D9275-A093-9438-1831-775CEF49E280}"/>
-              </a:ext>
-            </a:extLst>
-          </p:cNvPr>
-          <p:cNvSpPr txBox="1"/>
-          <p:nvPr/>
-        </p:nvSpPr>
-        <p:spPr>
-          <a:xfrm>
-            <a:off x="731044" y="1645754"/>
-            <a:ext cx="3124200" cy="738664"/>
-          </a:xfrm>
-          <a:prstGeom prst="rect">
-            <a:avLst/>
-          </a:prstGeom>
-          <a:noFill/>
-        </p:spPr>
-        <p:txBody>
-          <a:bodyPr wrap="square">
-            <a:spAutoFit/>
-          </a:bodyPr>
-          <a:lstStyle/>
-          <a:p>
-            <a:pPr marL="0" indent="0">
-              <a:buNone/>
-            </a:pPr>
-            <a:r>
-              <a:rPr lang="en-US" sz="1400" b="1" dirty="0">
-                <a:solidFill>
-                  <a:srgbClr val="FF0000"/>
-                </a:solidFill>
-              </a:rPr>
-              <a:t>Fully observable: </a:t>
-            </a:r>
-            <a:r>
-              <a:rPr lang="en-US" sz="1400" dirty="0"/>
-              <a:t>The agent has access to the complete current </a:t>
-            </a:r>
-            <a:r>
-              <a:rPr lang="en-US" sz="1400" b="1" dirty="0"/>
-              <a:t>state </a:t>
-            </a:r>
-            <a:r>
-              <a:rPr lang="en-US" sz="1400" dirty="0"/>
-              <a:t>of the environment.</a:t>
-            </a:r>
-            <a:endParaRPr lang="en-US" sz="1400" b="1" dirty="0">
-              <a:solidFill>
-                <a:srgbClr val="FF0000"/>
-              </a:solidFill>
-            </a:endParaRPr>
-          </a:p>
-        </p:txBody>
-      </p:sp>
-      <p:sp>
-        <p:nvSpPr>
-          <p:cNvPr id="3" name="TextBox 2">
-            <a:extLst>
-              <a:ext uri="{FF2B5EF4-FFF2-40B4-BE49-F238E27FC236}">
-                <a16:creationId xmlns:a16="http://schemas.microsoft.com/office/drawing/2014/main" id="{DA5A99D2-DBCA-F975-9400-EA69F8E5B146}"/>
-              </a:ext>
-            </a:extLst>
-          </p:cNvPr>
-          <p:cNvSpPr txBox="1"/>
-          <p:nvPr/>
-        </p:nvSpPr>
-        <p:spPr>
-          <a:xfrm>
-            <a:off x="3902869" y="1685808"/>
-            <a:ext cx="590550" cy="369332"/>
-          </a:xfrm>
-          <a:prstGeom prst="rect">
-            <a:avLst/>
-          </a:prstGeom>
-          <a:noFill/>
-        </p:spPr>
-        <p:txBody>
-          <a:bodyPr wrap="square" rtlCol="0">
-            <a:spAutoFit/>
-          </a:bodyPr>
-          <a:lstStyle/>
-          <a:p>
-            <a:r>
-              <a:rPr lang="en-US" b="1" dirty="0">
-                <a:solidFill>
-                  <a:srgbClr val="FF0000"/>
-                </a:solidFill>
-              </a:rPr>
-              <a:t>vs.</a:t>
-            </a:r>
-          </a:p>
-        </p:txBody>
-      </p:sp>
-      <p:sp>
-        <p:nvSpPr>
-          <p:cNvPr id="9" name="TextBox 8">
-            <a:extLst>
-              <a:ext uri="{FF2B5EF4-FFF2-40B4-BE49-F238E27FC236}">
-                <a16:creationId xmlns:a16="http://schemas.microsoft.com/office/drawing/2014/main" id="{73BCD054-D3C1-1A6E-BA7E-A99E78CFF527}"/>
-              </a:ext>
-            </a:extLst>
-          </p:cNvPr>
-          <p:cNvSpPr txBox="1"/>
-          <p:nvPr/>
-        </p:nvSpPr>
-        <p:spPr>
-          <a:xfrm>
-            <a:off x="4687491" y="1600200"/>
-            <a:ext cx="3495676" cy="738664"/>
-          </a:xfrm>
-          <a:prstGeom prst="rect">
-            <a:avLst/>
-          </a:prstGeom>
-          <a:noFill/>
-        </p:spPr>
-        <p:txBody>
-          <a:bodyPr wrap="square">
-            <a:spAutoFit/>
-          </a:bodyPr>
-          <a:lstStyle/>
-          <a:p>
-            <a:r>
-              <a:rPr lang="en-US" sz="1400" b="1" dirty="0">
-                <a:solidFill>
-                  <a:srgbClr val="FF0000"/>
-                </a:solidFill>
-              </a:rPr>
-              <a:t>Partially observable: </a:t>
-            </a:r>
-            <a:r>
-              <a:rPr lang="en-US" sz="1400" dirty="0"/>
-              <a:t>The agent’s  sensors provide incomplete or noisy information about the state of the environment.</a:t>
-            </a:r>
-          </a:p>
-        </p:txBody>
-      </p:sp>
-      <p:sp>
-        <p:nvSpPr>
-          <p:cNvPr id="11" name="TextBox 10">
-            <a:extLst>
-              <a:ext uri="{FF2B5EF4-FFF2-40B4-BE49-F238E27FC236}">
-                <a16:creationId xmlns:a16="http://schemas.microsoft.com/office/drawing/2014/main" id="{DD8323B0-5128-032E-1E85-CB3D5DD61D51}"/>
-              </a:ext>
-            </a:extLst>
-          </p:cNvPr>
-          <p:cNvSpPr txBox="1"/>
-          <p:nvPr/>
-        </p:nvSpPr>
-        <p:spPr>
-          <a:xfrm>
-            <a:off x="713261" y="2531232"/>
-            <a:ext cx="3352800" cy="1815882"/>
-          </a:xfrm>
-          <a:prstGeom prst="rect">
-            <a:avLst/>
-          </a:prstGeom>
-          <a:noFill/>
-        </p:spPr>
-        <p:txBody>
-          <a:bodyPr wrap="square">
-            <a:spAutoFit/>
-          </a:bodyPr>
-          <a:lstStyle/>
-          <a:p>
-            <a:pPr marL="0" indent="0">
-              <a:buNone/>
-            </a:pPr>
-            <a:r>
-              <a:rPr lang="en-US" sz="1400" b="1" dirty="0">
-                <a:solidFill>
-                  <a:srgbClr val="FF0000"/>
-                </a:solidFill>
-              </a:rPr>
-              <a:t>Deterministic: </a:t>
-            </a:r>
-          </a:p>
-          <a:p>
-            <a:pPr marL="342900" indent="-342900">
-              <a:buFont typeface="+mj-lt"/>
-              <a:buAutoNum type="alphaLcParenR"/>
-            </a:pPr>
-            <a:r>
-              <a:rPr lang="en-US" sz="1400" dirty="0"/>
-              <a:t>Deterministic </a:t>
-            </a:r>
-            <a:r>
-              <a:rPr lang="en-US" sz="1400" b="1" dirty="0"/>
-              <a:t>percepts</a:t>
-            </a:r>
-            <a:r>
-              <a:rPr lang="en-US" sz="1400" dirty="0"/>
-              <a:t> are 100% reliable</a:t>
-            </a:r>
-          </a:p>
-          <a:p>
-            <a:pPr marL="342900" indent="-342900">
-              <a:buFont typeface="+mj-lt"/>
-              <a:buAutoNum type="alphaLcParenR"/>
-            </a:pPr>
-            <a:r>
-              <a:rPr lang="en-US" sz="1400" dirty="0"/>
-              <a:t>Deterministic </a:t>
-            </a:r>
-            <a:r>
-              <a:rPr lang="en-US" sz="1400" b="1" dirty="0"/>
-              <a:t>transition function</a:t>
-            </a:r>
-            <a:r>
-              <a:rPr lang="en-US" sz="1400" dirty="0"/>
-              <a:t>: Changes in the environment are completely determined by the current state of the environment and the agent’s action.</a:t>
-            </a:r>
-          </a:p>
-        </p:txBody>
-      </p:sp>
-      <p:sp>
-        <p:nvSpPr>
-          <p:cNvPr id="4" name="TextBox 3">
-            <a:extLst>
-              <a:ext uri="{FF2B5EF4-FFF2-40B4-BE49-F238E27FC236}">
-                <a16:creationId xmlns:a16="http://schemas.microsoft.com/office/drawing/2014/main" id="{EBB1364B-968D-ED21-F335-F7B024829714}"/>
-              </a:ext>
-            </a:extLst>
-          </p:cNvPr>
-          <p:cNvSpPr txBox="1"/>
-          <p:nvPr/>
-        </p:nvSpPr>
-        <p:spPr>
-          <a:xfrm>
-            <a:off x="3902869" y="2878457"/>
-            <a:ext cx="590550" cy="369332"/>
-          </a:xfrm>
-          <a:prstGeom prst="rect">
-            <a:avLst/>
-          </a:prstGeom>
-          <a:noFill/>
-        </p:spPr>
-        <p:txBody>
-          <a:bodyPr wrap="square" rtlCol="0">
-            <a:spAutoFit/>
-          </a:bodyPr>
-          <a:lstStyle/>
-          <a:p>
-            <a:r>
-              <a:rPr lang="en-US" b="1" dirty="0">
-                <a:solidFill>
-                  <a:srgbClr val="FF0000"/>
-                </a:solidFill>
-              </a:rPr>
-              <a:t>vs.</a:t>
-            </a:r>
-          </a:p>
-        </p:txBody>
-      </p:sp>
-      <p:sp>
-        <p:nvSpPr>
-          <p:cNvPr id="13" name="TextBox 12">
-            <a:extLst>
-              <a:ext uri="{FF2B5EF4-FFF2-40B4-BE49-F238E27FC236}">
-                <a16:creationId xmlns:a16="http://schemas.microsoft.com/office/drawing/2014/main" id="{F2FCE8FC-9E62-EE31-4861-AC71C50C1CDC}"/>
-              </a:ext>
-            </a:extLst>
-          </p:cNvPr>
-          <p:cNvSpPr txBox="1"/>
-          <p:nvPr/>
-        </p:nvSpPr>
-        <p:spPr>
-          <a:xfrm>
-            <a:off x="4726781" y="2514600"/>
-            <a:ext cx="3807619" cy="2031325"/>
-          </a:xfrm>
-          <a:prstGeom prst="rect">
-            <a:avLst/>
-          </a:prstGeom>
-          <a:noFill/>
-        </p:spPr>
-        <p:txBody>
-          <a:bodyPr wrap="square">
-            <a:spAutoFit/>
-          </a:bodyPr>
-          <a:lstStyle/>
-          <a:p>
-            <a:pPr marL="0" indent="0">
-              <a:buNone/>
-            </a:pPr>
-            <a:r>
-              <a:rPr lang="en-US" sz="1400" b="1" dirty="0">
-                <a:solidFill>
-                  <a:srgbClr val="FF0000"/>
-                </a:solidFill>
-              </a:rPr>
-              <a:t>Stochastic: </a:t>
-            </a:r>
-          </a:p>
-          <a:p>
-            <a:pPr marL="342900" indent="-342900">
-              <a:buFont typeface="+mj-lt"/>
-              <a:buAutoNum type="alphaLcParenR"/>
-            </a:pPr>
-            <a:r>
-              <a:rPr lang="en-US" sz="1400" dirty="0"/>
-              <a:t>Stochastic </a:t>
-            </a:r>
-            <a:r>
-              <a:rPr lang="en-US" sz="1400" b="1" dirty="0"/>
-              <a:t>percepts</a:t>
-            </a:r>
-            <a:r>
-              <a:rPr lang="en-US" sz="1400" dirty="0"/>
-              <a:t> are unreliable (noise distribution, sensor failure probability, error model, etc.). This is called a stochastic sensor model.</a:t>
-            </a:r>
-            <a:endParaRPr lang="en-US" dirty="0"/>
-          </a:p>
-          <a:p>
-            <a:pPr marL="342900" indent="-342900">
-              <a:buFont typeface="+mj-lt"/>
-              <a:buAutoNum type="alphaLcParenR"/>
-            </a:pPr>
-            <a:r>
-              <a:rPr lang="en-US" sz="1400" dirty="0"/>
-              <a:t>Stochastic </a:t>
-            </a:r>
-            <a:r>
-              <a:rPr lang="en-US" sz="1400" b="1" dirty="0"/>
-              <a:t>transition function:  </a:t>
-            </a:r>
-            <a:r>
-              <a:rPr lang="en-US" sz="1400" dirty="0"/>
-              <a:t>leads to transition probabilities and a Markov process.</a:t>
-            </a:r>
-            <a:br>
-              <a:rPr lang="en-US" sz="1400" dirty="0"/>
-            </a:br>
-            <a:endParaRPr lang="en-US" sz="1400" dirty="0"/>
           </a:p>
         </p:txBody>
       </p:sp>
@@ -21738,291 +21704,6 @@
       </p:pic>
       <p:sp>
         <p:nvSpPr>
-          <p:cNvPr id="6" name="Rectangle 5">
-            <a:extLst>
-              <a:ext uri="{FF2B5EF4-FFF2-40B4-BE49-F238E27FC236}">
-                <a16:creationId xmlns:a16="http://schemas.microsoft.com/office/drawing/2014/main" id="{E36777DE-AA6F-36FB-ED43-4E64D2985733}"/>
-              </a:ext>
-              <a:ext uri="{C183D7F6-B498-43B3-948B-1728B52AA6E4}">
-                <adec:decorative xmlns:adec="http://schemas.microsoft.com/office/drawing/2017/decorative" val="1"/>
-              </a:ext>
-            </a:extLst>
-          </p:cNvPr>
-          <p:cNvSpPr/>
-          <p:nvPr/>
-        </p:nvSpPr>
-        <p:spPr>
-          <a:xfrm>
-            <a:off x="569272" y="1747024"/>
-            <a:ext cx="150019" cy="152400"/>
-          </a:xfrm>
-          <a:prstGeom prst="rect">
-            <a:avLst/>
-          </a:prstGeom>
-          <a:noFill/>
-          <a:ln w="28575" cap="flat" cmpd="sng" algn="ctr">
-            <a:solidFill>
-              <a:schemeClr val="dk1"/>
-            </a:solidFill>
-            <a:prstDash val="solid"/>
-            <a:round/>
-            <a:headEnd type="none" w="med" len="med"/>
-            <a:tailEnd type="none" w="med" len="med"/>
-          </a:ln>
-        </p:spPr>
-        <p:style>
-          <a:lnRef idx="0">
-            <a:scrgbClr r="0" g="0" b="0"/>
-          </a:lnRef>
-          <a:fillRef idx="0">
-            <a:scrgbClr r="0" g="0" b="0"/>
-          </a:fillRef>
-          <a:effectRef idx="0">
-            <a:scrgbClr r="0" g="0" b="0"/>
-          </a:effectRef>
-          <a:fontRef idx="minor">
-            <a:schemeClr val="dk1"/>
-          </a:fontRef>
-        </p:style>
-        <p:txBody>
-          <a:bodyPr rtlCol="0" anchor="ctr"/>
-          <a:lstStyle/>
-          <a:p>
-            <a:pPr algn="ctr"/>
-            <a:endParaRPr lang="en-US"/>
-          </a:p>
-        </p:txBody>
-      </p:sp>
-      <p:sp>
-        <p:nvSpPr>
-          <p:cNvPr id="12" name="Rectangle 11">
-            <a:extLst>
-              <a:ext uri="{FF2B5EF4-FFF2-40B4-BE49-F238E27FC236}">
-                <a16:creationId xmlns:a16="http://schemas.microsoft.com/office/drawing/2014/main" id="{4C604242-1862-80C5-1182-4D821FA1B887}"/>
-              </a:ext>
-              <a:ext uri="{C183D7F6-B498-43B3-948B-1728B52AA6E4}">
-                <adec:decorative xmlns:adec="http://schemas.microsoft.com/office/drawing/2017/decorative" val="1"/>
-              </a:ext>
-            </a:extLst>
-          </p:cNvPr>
-          <p:cNvSpPr/>
-          <p:nvPr/>
-        </p:nvSpPr>
-        <p:spPr>
-          <a:xfrm>
-            <a:off x="4553525" y="1702769"/>
-            <a:ext cx="150019" cy="152400"/>
-          </a:xfrm>
-          <a:prstGeom prst="rect">
-            <a:avLst/>
-          </a:prstGeom>
-          <a:noFill/>
-          <a:ln w="28575" cap="flat" cmpd="sng" algn="ctr">
-            <a:solidFill>
-              <a:schemeClr val="dk1"/>
-            </a:solidFill>
-            <a:prstDash val="solid"/>
-            <a:round/>
-            <a:headEnd type="none" w="med" len="med"/>
-            <a:tailEnd type="none" w="med" len="med"/>
-          </a:ln>
-        </p:spPr>
-        <p:style>
-          <a:lnRef idx="0">
-            <a:scrgbClr r="0" g="0" b="0"/>
-          </a:lnRef>
-          <a:fillRef idx="0">
-            <a:scrgbClr r="0" g="0" b="0"/>
-          </a:fillRef>
-          <a:effectRef idx="0">
-            <a:scrgbClr r="0" g="0" b="0"/>
-          </a:effectRef>
-          <a:fontRef idx="minor">
-            <a:schemeClr val="dk1"/>
-          </a:fontRef>
-        </p:style>
-        <p:txBody>
-          <a:bodyPr rtlCol="0" anchor="ctr"/>
-          <a:lstStyle/>
-          <a:p>
-            <a:pPr algn="ctr"/>
-            <a:endParaRPr lang="en-US"/>
-          </a:p>
-        </p:txBody>
-      </p:sp>
-      <p:sp>
-        <p:nvSpPr>
-          <p:cNvPr id="14" name="Rectangle 13">
-            <a:extLst>
-              <a:ext uri="{FF2B5EF4-FFF2-40B4-BE49-F238E27FC236}">
-                <a16:creationId xmlns:a16="http://schemas.microsoft.com/office/drawing/2014/main" id="{A9F74705-281C-7A35-DDF0-E58E8B51997A}"/>
-              </a:ext>
-              <a:ext uri="{C183D7F6-B498-43B3-948B-1728B52AA6E4}">
-                <adec:decorative xmlns:adec="http://schemas.microsoft.com/office/drawing/2017/decorative" val="1"/>
-              </a:ext>
-            </a:extLst>
-          </p:cNvPr>
-          <p:cNvSpPr/>
-          <p:nvPr/>
-        </p:nvSpPr>
-        <p:spPr>
-          <a:xfrm>
-            <a:off x="569271" y="2836788"/>
-            <a:ext cx="150019" cy="152400"/>
-          </a:xfrm>
-          <a:prstGeom prst="rect">
-            <a:avLst/>
-          </a:prstGeom>
-          <a:noFill/>
-          <a:ln w="28575" cap="flat" cmpd="sng" algn="ctr">
-            <a:solidFill>
-              <a:schemeClr val="dk1"/>
-            </a:solidFill>
-            <a:prstDash val="solid"/>
-            <a:round/>
-            <a:headEnd type="none" w="med" len="med"/>
-            <a:tailEnd type="none" w="med" len="med"/>
-          </a:ln>
-        </p:spPr>
-        <p:style>
-          <a:lnRef idx="0">
-            <a:scrgbClr r="0" g="0" b="0"/>
-          </a:lnRef>
-          <a:fillRef idx="0">
-            <a:scrgbClr r="0" g="0" b="0"/>
-          </a:fillRef>
-          <a:effectRef idx="0">
-            <a:scrgbClr r="0" g="0" b="0"/>
-          </a:effectRef>
-          <a:fontRef idx="minor">
-            <a:schemeClr val="dk1"/>
-          </a:fontRef>
-        </p:style>
-        <p:txBody>
-          <a:bodyPr rtlCol="0" anchor="ctr"/>
-          <a:lstStyle/>
-          <a:p>
-            <a:pPr algn="ctr"/>
-            <a:endParaRPr lang="en-US"/>
-          </a:p>
-        </p:txBody>
-      </p:sp>
-      <p:sp>
-        <p:nvSpPr>
-          <p:cNvPr id="16" name="Rectangle 15">
-            <a:extLst>
-              <a:ext uri="{FF2B5EF4-FFF2-40B4-BE49-F238E27FC236}">
-                <a16:creationId xmlns:a16="http://schemas.microsoft.com/office/drawing/2014/main" id="{ACF94FC6-793A-6FFA-2D73-FB582A2DBCCA}"/>
-              </a:ext>
-              <a:ext uri="{C183D7F6-B498-43B3-948B-1728B52AA6E4}">
-                <adec:decorative xmlns:adec="http://schemas.microsoft.com/office/drawing/2017/decorative" val="1"/>
-              </a:ext>
-            </a:extLst>
-          </p:cNvPr>
-          <p:cNvSpPr/>
-          <p:nvPr/>
-        </p:nvSpPr>
-        <p:spPr>
-          <a:xfrm>
-            <a:off x="575598" y="3257530"/>
-            <a:ext cx="150019" cy="152400"/>
-          </a:xfrm>
-          <a:prstGeom prst="rect">
-            <a:avLst/>
-          </a:prstGeom>
-          <a:noFill/>
-          <a:ln w="28575" cap="flat" cmpd="sng" algn="ctr">
-            <a:solidFill>
-              <a:schemeClr val="dk1"/>
-            </a:solidFill>
-            <a:prstDash val="solid"/>
-            <a:round/>
-            <a:headEnd type="none" w="med" len="med"/>
-            <a:tailEnd type="none" w="med" len="med"/>
-          </a:ln>
-        </p:spPr>
-        <p:style>
-          <a:lnRef idx="0">
-            <a:scrgbClr r="0" g="0" b="0"/>
-          </a:lnRef>
-          <a:fillRef idx="0">
-            <a:scrgbClr r="0" g="0" b="0"/>
-          </a:fillRef>
-          <a:effectRef idx="0">
-            <a:scrgbClr r="0" g="0" b="0"/>
-          </a:effectRef>
-          <a:fontRef idx="minor">
-            <a:schemeClr val="dk1"/>
-          </a:fontRef>
-        </p:style>
-        <p:txBody>
-          <a:bodyPr rtlCol="0" anchor="ctr"/>
-          <a:lstStyle/>
-          <a:p>
-            <a:pPr algn="ctr"/>
-            <a:endParaRPr lang="en-US"/>
-          </a:p>
-        </p:txBody>
-      </p:sp>
-      <p:sp>
-        <p:nvSpPr>
-          <p:cNvPr id="19" name="Rectangle 18">
-            <a:extLst>
-              <a:ext uri="{FF2B5EF4-FFF2-40B4-BE49-F238E27FC236}">
-                <a16:creationId xmlns:a16="http://schemas.microsoft.com/office/drawing/2014/main" id="{587F5464-4C74-041C-33AC-55DD2C7B21FC}"/>
-              </a:ext>
-              <a:ext uri="{C183D7F6-B498-43B3-948B-1728B52AA6E4}">
-                <adec:decorative xmlns:adec="http://schemas.microsoft.com/office/drawing/2017/decorative" val="1"/>
-              </a:ext>
-            </a:extLst>
-          </p:cNvPr>
-          <p:cNvSpPr/>
-          <p:nvPr/>
-        </p:nvSpPr>
-        <p:spPr>
-          <a:xfrm>
-            <a:off x="4553525" y="2808475"/>
-            <a:ext cx="150019" cy="152400"/>
-          </a:xfrm>
-          <a:prstGeom prst="rect">
-            <a:avLst/>
-          </a:prstGeom>
-          <a:noFill/>
-          <a:ln w="28575" cap="flat" cmpd="sng" algn="ctr">
-            <a:solidFill>
-              <a:schemeClr val="dk1"/>
-            </a:solidFill>
-            <a:prstDash val="solid"/>
-            <a:round/>
-            <a:headEnd type="none" w="med" len="med"/>
-            <a:tailEnd type="none" w="med" len="med"/>
-          </a:ln>
-        </p:spPr>
-        <p:style>
-          <a:lnRef idx="0">
-            <a:scrgbClr r="0" g="0" b="0"/>
-          </a:lnRef>
-          <a:fillRef idx="0">
-            <a:scrgbClr r="0" g="0" b="0"/>
-          </a:fillRef>
-          <a:effectRef idx="0">
-            <a:scrgbClr r="0" g="0" b="0"/>
-          </a:effectRef>
-          <a:fontRef idx="minor">
-            <a:schemeClr val="dk1"/>
-          </a:fontRef>
-        </p:style>
-        <p:txBody>
-          <a:bodyPr rtlCol="0" anchor="ctr"/>
-          <a:lstStyle/>
-          <a:p>
-            <a:pPr algn="ctr"/>
-            <a:endParaRPr lang="en-US"/>
-          </a:p>
-        </p:txBody>
-      </p:sp>
-      <p:sp>
-        <p:nvSpPr>
           <p:cNvPr id="20" name="Rectangle 19">
             <a:extLst>
               <a:ext uri="{FF2B5EF4-FFF2-40B4-BE49-F238E27FC236}">
@@ -22038,64 +21719,7 @@
         </p:nvSpPr>
         <p:spPr>
           <a:xfrm>
-            <a:off x="573175" y="4565077"/>
-            <a:ext cx="150019" cy="152400"/>
-          </a:xfrm>
-          <a:prstGeom prst="rect">
-            <a:avLst/>
-          </a:prstGeom>
-          <a:noFill/>
-          <a:ln w="28575" cap="flat" cmpd="sng" algn="ctr">
-            <a:solidFill>
-              <a:schemeClr val="dk1"/>
-            </a:solidFill>
-            <a:prstDash val="solid"/>
-            <a:round/>
-            <a:headEnd type="none" w="med" len="med"/>
-            <a:tailEnd type="none" w="med" len="med"/>
-          </a:ln>
-        </p:spPr>
-        <p:style>
-          <a:lnRef idx="0">
-            <a:scrgbClr r="0" g="0" b="0"/>
-          </a:lnRef>
-          <a:fillRef idx="0">
-            <a:scrgbClr r="0" g="0" b="0"/>
-          </a:fillRef>
-          <a:effectRef idx="0">
-            <a:scrgbClr r="0" g="0" b="0"/>
-          </a:effectRef>
-          <a:fontRef idx="minor">
-            <a:schemeClr val="dk1"/>
-          </a:fontRef>
-        </p:style>
-        <p:txBody>
-          <a:bodyPr rtlCol="0" anchor="ctr"/>
-          <a:lstStyle/>
-          <a:p>
-            <a:pPr algn="ctr"/>
-            <a:endParaRPr lang="en-US"/>
-          </a:p>
-        </p:txBody>
-      </p:sp>
-      <p:sp>
-        <p:nvSpPr>
-          <p:cNvPr id="21" name="Rectangle 20">
-            <a:extLst>
-              <a:ext uri="{FF2B5EF4-FFF2-40B4-BE49-F238E27FC236}">
-                <a16:creationId xmlns:a16="http://schemas.microsoft.com/office/drawing/2014/main" id="{F0068770-5CFD-EB6E-6867-85848C2ADDD6}"/>
-              </a:ext>
-              <a:ext uri="{C183D7F6-B498-43B3-948B-1728B52AA6E4}">
-                <adec:decorative xmlns:adec="http://schemas.microsoft.com/office/drawing/2017/decorative" val="1"/>
-              </a:ext>
-            </a:extLst>
-          </p:cNvPr>
-          <p:cNvSpPr/>
-          <p:nvPr/>
-        </p:nvSpPr>
-        <p:spPr>
-          <a:xfrm>
-            <a:off x="4553525" y="3469756"/>
+            <a:off x="555807" y="4565077"/>
             <a:ext cx="150019" cy="152400"/>
           </a:xfrm>
           <a:prstGeom prst="rect">
@@ -22348,7 +21972,7 @@
         </p:nvSpPr>
         <p:spPr>
           <a:xfrm>
-            <a:off x="538438" y="5146363"/>
+            <a:off x="555807" y="5146363"/>
             <a:ext cx="150019" cy="152400"/>
           </a:xfrm>
           <a:prstGeom prst="rect">
@@ -22445,6 +22069,554 @@
           </a:p>
         </p:txBody>
       </p:sp>
+      <p:sp>
+        <p:nvSpPr>
+          <p:cNvPr id="28" name="TextBox 27">
+            <a:extLst>
+              <a:ext uri="{FF2B5EF4-FFF2-40B4-BE49-F238E27FC236}">
+                <a16:creationId xmlns:a16="http://schemas.microsoft.com/office/drawing/2014/main" id="{E7197E3B-C307-F8C3-9E4B-43987DE3D68C}"/>
+              </a:ext>
+            </a:extLst>
+          </p:cNvPr>
+          <p:cNvSpPr txBox="1"/>
+          <p:nvPr/>
+        </p:nvSpPr>
+        <p:spPr>
+          <a:xfrm>
+            <a:off x="731044" y="1645754"/>
+            <a:ext cx="3124200" cy="1384995"/>
+          </a:xfrm>
+          <a:prstGeom prst="rect">
+            <a:avLst/>
+          </a:prstGeom>
+          <a:noFill/>
+        </p:spPr>
+        <p:txBody>
+          <a:bodyPr wrap="square">
+            <a:spAutoFit/>
+          </a:bodyPr>
+          <a:lstStyle/>
+          <a:p>
+            <a:r>
+              <a:rPr lang="en-US" sz="1400" b="1" dirty="0">
+                <a:solidFill>
+                  <a:srgbClr val="FF0000"/>
+                </a:solidFill>
+              </a:rPr>
+              <a:t>Fully observable: </a:t>
+            </a:r>
+            <a:r>
+              <a:rPr lang="en-US" sz="1400" dirty="0"/>
+              <a:t>The agent has access to the complete current </a:t>
+            </a:r>
+            <a:r>
+              <a:rPr lang="en-US" sz="1400" b="1" dirty="0"/>
+              <a:t>state </a:t>
+            </a:r>
+            <a:r>
+              <a:rPr lang="en-US" sz="1400" dirty="0"/>
+              <a:t>of the environment. </a:t>
+            </a:r>
+            <a:br>
+              <a:rPr lang="en-US" sz="1400" dirty="0"/>
+            </a:br>
+            <a:r>
+              <a:rPr lang="en-US" sz="1400" dirty="0"/>
+              <a:t>Has deterministic percepts that are 100% reliable.</a:t>
+            </a:r>
+          </a:p>
+          <a:p>
+            <a:pPr marL="0" indent="0">
+              <a:buNone/>
+            </a:pPr>
+            <a:endParaRPr lang="en-US" sz="1400" b="1" dirty="0">
+              <a:solidFill>
+                <a:srgbClr val="FF0000"/>
+              </a:solidFill>
+            </a:endParaRPr>
+          </a:p>
+        </p:txBody>
+      </p:sp>
+      <p:sp>
+        <p:nvSpPr>
+          <p:cNvPr id="29" name="TextBox 28">
+            <a:extLst>
+              <a:ext uri="{FF2B5EF4-FFF2-40B4-BE49-F238E27FC236}">
+                <a16:creationId xmlns:a16="http://schemas.microsoft.com/office/drawing/2014/main" id="{3A47775B-DBDF-30A6-8078-A725B9D1AA64}"/>
+              </a:ext>
+            </a:extLst>
+          </p:cNvPr>
+          <p:cNvSpPr txBox="1"/>
+          <p:nvPr/>
+        </p:nvSpPr>
+        <p:spPr>
+          <a:xfrm>
+            <a:off x="3902869" y="1685808"/>
+            <a:ext cx="590550" cy="369332"/>
+          </a:xfrm>
+          <a:prstGeom prst="rect">
+            <a:avLst/>
+          </a:prstGeom>
+          <a:noFill/>
+        </p:spPr>
+        <p:txBody>
+          <a:bodyPr wrap="square" rtlCol="0">
+            <a:spAutoFit/>
+          </a:bodyPr>
+          <a:lstStyle/>
+          <a:p>
+            <a:r>
+              <a:rPr lang="en-US" b="1" dirty="0">
+                <a:solidFill>
+                  <a:srgbClr val="FF0000"/>
+                </a:solidFill>
+              </a:rPr>
+              <a:t>vs.</a:t>
+            </a:r>
+          </a:p>
+        </p:txBody>
+      </p:sp>
+      <p:sp>
+        <p:nvSpPr>
+          <p:cNvPr id="30" name="TextBox 29">
+            <a:extLst>
+              <a:ext uri="{FF2B5EF4-FFF2-40B4-BE49-F238E27FC236}">
+                <a16:creationId xmlns:a16="http://schemas.microsoft.com/office/drawing/2014/main" id="{E314B86C-16D4-2AFE-3CD3-BF0D06CE53A5}"/>
+              </a:ext>
+            </a:extLst>
+          </p:cNvPr>
+          <p:cNvSpPr txBox="1"/>
+          <p:nvPr/>
+        </p:nvSpPr>
+        <p:spPr>
+          <a:xfrm>
+            <a:off x="4670856" y="1679516"/>
+            <a:ext cx="3495676" cy="1384995"/>
+          </a:xfrm>
+          <a:prstGeom prst="rect">
+            <a:avLst/>
+          </a:prstGeom>
+          <a:noFill/>
+        </p:spPr>
+        <p:txBody>
+          <a:bodyPr wrap="square">
+            <a:spAutoFit/>
+          </a:bodyPr>
+          <a:lstStyle/>
+          <a:p>
+            <a:r>
+              <a:rPr lang="en-US" sz="1400" b="1" dirty="0">
+                <a:solidFill>
+                  <a:srgbClr val="FF0000"/>
+                </a:solidFill>
+              </a:rPr>
+              <a:t>Partially observable: </a:t>
+            </a:r>
+            <a:r>
+              <a:rPr lang="en-US" sz="1400" dirty="0"/>
+              <a:t>The agent’s sensors provide incomplete or noisy information about the </a:t>
+            </a:r>
+            <a:r>
+              <a:rPr lang="en-US" sz="1400" b="1" dirty="0"/>
+              <a:t>state</a:t>
+            </a:r>
+            <a:r>
+              <a:rPr lang="en-US" sz="1400" dirty="0"/>
+              <a:t> of the environment.</a:t>
+            </a:r>
+            <a:br>
+              <a:rPr lang="en-US" sz="1400" dirty="0"/>
+            </a:br>
+            <a:r>
+              <a:rPr lang="en-US" sz="1400" dirty="0"/>
+              <a:t>Noisy information means unreliable stochastic percepts (aka a stochastic sensor model)</a:t>
+            </a:r>
+          </a:p>
+        </p:txBody>
+      </p:sp>
+      <p:sp>
+        <p:nvSpPr>
+          <p:cNvPr id="31" name="TextBox 30">
+            <a:extLst>
+              <a:ext uri="{FF2B5EF4-FFF2-40B4-BE49-F238E27FC236}">
+                <a16:creationId xmlns:a16="http://schemas.microsoft.com/office/drawing/2014/main" id="{B414FFA9-1B92-3F4B-3849-110ADE38424A}"/>
+              </a:ext>
+            </a:extLst>
+          </p:cNvPr>
+          <p:cNvSpPr txBox="1"/>
+          <p:nvPr/>
+        </p:nvSpPr>
+        <p:spPr>
+          <a:xfrm>
+            <a:off x="713261" y="3140832"/>
+            <a:ext cx="3352800" cy="1169551"/>
+          </a:xfrm>
+          <a:prstGeom prst="rect">
+            <a:avLst/>
+          </a:prstGeom>
+          <a:noFill/>
+        </p:spPr>
+        <p:txBody>
+          <a:bodyPr wrap="square">
+            <a:spAutoFit/>
+          </a:bodyPr>
+          <a:lstStyle/>
+          <a:p>
+            <a:pPr marL="0" indent="0">
+              <a:buNone/>
+            </a:pPr>
+            <a:r>
+              <a:rPr lang="en-US" sz="1400" b="1" dirty="0">
+                <a:solidFill>
+                  <a:srgbClr val="FF0000"/>
+                </a:solidFill>
+              </a:rPr>
+              <a:t>Deterministic: </a:t>
+            </a:r>
+          </a:p>
+          <a:p>
+            <a:r>
+              <a:rPr lang="en-US" sz="1400" dirty="0"/>
+              <a:t>Deterministic </a:t>
+            </a:r>
+            <a:r>
+              <a:rPr lang="en-US" sz="1400" b="1" dirty="0"/>
+              <a:t>transition function</a:t>
+            </a:r>
+            <a:r>
+              <a:rPr lang="en-US" sz="1400" dirty="0"/>
+              <a:t>: Changes in the environment are completely determined by the current state of the environment and the agent’s action.</a:t>
+            </a:r>
+          </a:p>
+        </p:txBody>
+      </p:sp>
+      <p:sp>
+        <p:nvSpPr>
+          <p:cNvPr id="32" name="TextBox 31">
+            <a:extLst>
+              <a:ext uri="{FF2B5EF4-FFF2-40B4-BE49-F238E27FC236}">
+                <a16:creationId xmlns:a16="http://schemas.microsoft.com/office/drawing/2014/main" id="{E5E42B62-D95D-36E5-8F59-FB633DABEF5A}"/>
+              </a:ext>
+            </a:extLst>
+          </p:cNvPr>
+          <p:cNvSpPr txBox="1"/>
+          <p:nvPr/>
+        </p:nvSpPr>
+        <p:spPr>
+          <a:xfrm>
+            <a:off x="3902869" y="3488057"/>
+            <a:ext cx="590550" cy="369332"/>
+          </a:xfrm>
+          <a:prstGeom prst="rect">
+            <a:avLst/>
+          </a:prstGeom>
+          <a:noFill/>
+        </p:spPr>
+        <p:txBody>
+          <a:bodyPr wrap="square" rtlCol="0">
+            <a:spAutoFit/>
+          </a:bodyPr>
+          <a:lstStyle/>
+          <a:p>
+            <a:r>
+              <a:rPr lang="en-US" b="1" dirty="0">
+                <a:solidFill>
+                  <a:srgbClr val="FF0000"/>
+                </a:solidFill>
+              </a:rPr>
+              <a:t>vs.</a:t>
+            </a:r>
+          </a:p>
+        </p:txBody>
+      </p:sp>
+      <p:sp>
+        <p:nvSpPr>
+          <p:cNvPr id="33" name="TextBox 32">
+            <a:extLst>
+              <a:ext uri="{FF2B5EF4-FFF2-40B4-BE49-F238E27FC236}">
+                <a16:creationId xmlns:a16="http://schemas.microsoft.com/office/drawing/2014/main" id="{B4C53512-DE58-E40E-D58F-EB59D22B6D8F}"/>
+              </a:ext>
+            </a:extLst>
+          </p:cNvPr>
+          <p:cNvSpPr txBox="1"/>
+          <p:nvPr/>
+        </p:nvSpPr>
+        <p:spPr>
+          <a:xfrm>
+            <a:off x="4726781" y="3124200"/>
+            <a:ext cx="3807619" cy="954107"/>
+          </a:xfrm>
+          <a:prstGeom prst="rect">
+            <a:avLst/>
+          </a:prstGeom>
+          <a:noFill/>
+        </p:spPr>
+        <p:txBody>
+          <a:bodyPr wrap="square">
+            <a:spAutoFit/>
+          </a:bodyPr>
+          <a:lstStyle/>
+          <a:p>
+            <a:pPr marL="0" indent="0">
+              <a:buNone/>
+            </a:pPr>
+            <a:r>
+              <a:rPr lang="en-US" sz="1400" b="1" dirty="0">
+                <a:solidFill>
+                  <a:srgbClr val="FF0000"/>
+                </a:solidFill>
+              </a:rPr>
+              <a:t>Stochastic: </a:t>
+            </a:r>
+          </a:p>
+          <a:p>
+            <a:r>
+              <a:rPr lang="en-US" sz="1400" dirty="0"/>
+              <a:t>Stochastic </a:t>
+            </a:r>
+            <a:r>
+              <a:rPr lang="en-US" sz="1400" b="1" dirty="0"/>
+              <a:t>transition function:  </a:t>
+            </a:r>
+            <a:r>
+              <a:rPr lang="en-US" sz="1400" dirty="0"/>
+              <a:t>leads to transition probabilities and a Markov process.</a:t>
+            </a:r>
+            <a:br>
+              <a:rPr lang="en-US" sz="1400" dirty="0"/>
+            </a:br>
+            <a:endParaRPr lang="en-US" sz="1400" dirty="0"/>
+          </a:p>
+        </p:txBody>
+      </p:sp>
+      <p:sp>
+        <p:nvSpPr>
+          <p:cNvPr id="34" name="Rectangle 33">
+            <a:extLst>
+              <a:ext uri="{FF2B5EF4-FFF2-40B4-BE49-F238E27FC236}">
+                <a16:creationId xmlns:a16="http://schemas.microsoft.com/office/drawing/2014/main" id="{CCE735BC-43C0-1424-80FC-1E666D311E5C}"/>
+              </a:ext>
+              <a:ext uri="{C183D7F6-B498-43B3-948B-1728B52AA6E4}">
+                <adec:decorative xmlns:adec="http://schemas.microsoft.com/office/drawing/2017/decorative" val="1"/>
+              </a:ext>
+            </a:extLst>
+          </p:cNvPr>
+          <p:cNvSpPr/>
+          <p:nvPr/>
+        </p:nvSpPr>
+        <p:spPr>
+          <a:xfrm>
+            <a:off x="555807" y="3213803"/>
+            <a:ext cx="150019" cy="152400"/>
+          </a:xfrm>
+          <a:prstGeom prst="rect">
+            <a:avLst/>
+          </a:prstGeom>
+          <a:noFill/>
+          <a:ln w="28575" cap="flat" cmpd="sng" algn="ctr">
+            <a:solidFill>
+              <a:schemeClr val="dk1"/>
+            </a:solidFill>
+            <a:prstDash val="solid"/>
+            <a:round/>
+            <a:headEnd type="none" w="med" len="med"/>
+            <a:tailEnd type="none" w="med" len="med"/>
+          </a:ln>
+        </p:spPr>
+        <p:style>
+          <a:lnRef idx="0">
+            <a:scrgbClr r="0" g="0" b="0"/>
+          </a:lnRef>
+          <a:fillRef idx="0">
+            <a:scrgbClr r="0" g="0" b="0"/>
+          </a:fillRef>
+          <a:effectRef idx="0">
+            <a:scrgbClr r="0" g="0" b="0"/>
+          </a:effectRef>
+          <a:fontRef idx="minor">
+            <a:schemeClr val="dk1"/>
+          </a:fontRef>
+        </p:style>
+        <p:txBody>
+          <a:bodyPr rtlCol="0" anchor="ctr"/>
+          <a:lstStyle/>
+          <a:p>
+            <a:pPr algn="ctr"/>
+            <a:endParaRPr lang="en-US"/>
+          </a:p>
+        </p:txBody>
+      </p:sp>
+      <p:sp>
+        <p:nvSpPr>
+          <p:cNvPr id="35" name="Rectangle 34">
+            <a:extLst>
+              <a:ext uri="{FF2B5EF4-FFF2-40B4-BE49-F238E27FC236}">
+                <a16:creationId xmlns:a16="http://schemas.microsoft.com/office/drawing/2014/main" id="{CD3CEA96-E39D-3641-4315-C8A88FDC9138}"/>
+              </a:ext>
+              <a:ext uri="{C183D7F6-B498-43B3-948B-1728B52AA6E4}">
+                <adec:decorative xmlns:adec="http://schemas.microsoft.com/office/drawing/2017/decorative" val="1"/>
+              </a:ext>
+            </a:extLst>
+          </p:cNvPr>
+          <p:cNvSpPr/>
+          <p:nvPr/>
+        </p:nvSpPr>
+        <p:spPr>
+          <a:xfrm>
+            <a:off x="555807" y="1720514"/>
+            <a:ext cx="150019" cy="152400"/>
+          </a:xfrm>
+          <a:prstGeom prst="rect">
+            <a:avLst/>
+          </a:prstGeom>
+          <a:noFill/>
+          <a:ln w="28575" cap="flat" cmpd="sng" algn="ctr">
+            <a:solidFill>
+              <a:schemeClr val="dk1"/>
+            </a:solidFill>
+            <a:prstDash val="solid"/>
+            <a:round/>
+            <a:headEnd type="none" w="med" len="med"/>
+            <a:tailEnd type="none" w="med" len="med"/>
+          </a:ln>
+        </p:spPr>
+        <p:style>
+          <a:lnRef idx="0">
+            <a:scrgbClr r="0" g="0" b="0"/>
+          </a:lnRef>
+          <a:fillRef idx="0">
+            <a:scrgbClr r="0" g="0" b="0"/>
+          </a:fillRef>
+          <a:effectRef idx="0">
+            <a:scrgbClr r="0" g="0" b="0"/>
+          </a:effectRef>
+          <a:fontRef idx="minor">
+            <a:schemeClr val="dk1"/>
+          </a:fontRef>
+        </p:style>
+        <p:txBody>
+          <a:bodyPr rtlCol="0" anchor="ctr"/>
+          <a:lstStyle/>
+          <a:p>
+            <a:pPr algn="ctr"/>
+            <a:endParaRPr lang="en-US"/>
+          </a:p>
+        </p:txBody>
+      </p:sp>
+      <p:sp>
+        <p:nvSpPr>
+          <p:cNvPr id="36" name="Rectangle 35">
+            <a:extLst>
+              <a:ext uri="{FF2B5EF4-FFF2-40B4-BE49-F238E27FC236}">
+                <a16:creationId xmlns:a16="http://schemas.microsoft.com/office/drawing/2014/main" id="{1708EE67-7246-E4AF-7B81-56A6C9A2994B}"/>
+              </a:ext>
+              <a:ext uri="{C183D7F6-B498-43B3-948B-1728B52AA6E4}">
+                <adec:decorative xmlns:adec="http://schemas.microsoft.com/office/drawing/2017/decorative" val="1"/>
+              </a:ext>
+            </a:extLst>
+          </p:cNvPr>
+          <p:cNvSpPr/>
+          <p:nvPr/>
+        </p:nvSpPr>
+        <p:spPr>
+          <a:xfrm>
+            <a:off x="4553525" y="3226652"/>
+            <a:ext cx="150019" cy="152400"/>
+          </a:xfrm>
+          <a:prstGeom prst="rect">
+            <a:avLst/>
+          </a:prstGeom>
+          <a:noFill/>
+          <a:ln w="28575" cap="flat" cmpd="sng" algn="ctr">
+            <a:solidFill>
+              <a:schemeClr val="dk1"/>
+            </a:solidFill>
+            <a:prstDash val="solid"/>
+            <a:round/>
+            <a:headEnd type="none" w="med" len="med"/>
+            <a:tailEnd type="none" w="med" len="med"/>
+          </a:ln>
+        </p:spPr>
+        <p:style>
+          <a:lnRef idx="0">
+            <a:scrgbClr r="0" g="0" b="0"/>
+          </a:lnRef>
+          <a:fillRef idx="0">
+            <a:scrgbClr r="0" g="0" b="0"/>
+          </a:fillRef>
+          <a:effectRef idx="0">
+            <a:scrgbClr r="0" g="0" b="0"/>
+          </a:effectRef>
+          <a:fontRef idx="minor">
+            <a:schemeClr val="dk1"/>
+          </a:fontRef>
+        </p:style>
+        <p:txBody>
+          <a:bodyPr rtlCol="0" anchor="ctr"/>
+          <a:lstStyle/>
+          <a:p>
+            <a:pPr algn="ctr"/>
+            <a:endParaRPr lang="en-US"/>
+          </a:p>
+        </p:txBody>
+      </p:sp>
+      <p:sp>
+        <p:nvSpPr>
+          <p:cNvPr id="37" name="Rectangle 36">
+            <a:extLst>
+              <a:ext uri="{FF2B5EF4-FFF2-40B4-BE49-F238E27FC236}">
+                <a16:creationId xmlns:a16="http://schemas.microsoft.com/office/drawing/2014/main" id="{5BBE6D01-2F08-F6F8-5A75-C2558533B2F5}"/>
+              </a:ext>
+              <a:ext uri="{C183D7F6-B498-43B3-948B-1728B52AA6E4}">
+                <adec:decorative xmlns:adec="http://schemas.microsoft.com/office/drawing/2017/decorative" val="1"/>
+              </a:ext>
+            </a:extLst>
+          </p:cNvPr>
+          <p:cNvSpPr/>
+          <p:nvPr/>
+        </p:nvSpPr>
+        <p:spPr>
+          <a:xfrm>
+            <a:off x="4547931" y="1776630"/>
+            <a:ext cx="150019" cy="152400"/>
+          </a:xfrm>
+          <a:prstGeom prst="rect">
+            <a:avLst/>
+          </a:prstGeom>
+          <a:noFill/>
+          <a:ln w="28575" cap="flat" cmpd="sng" algn="ctr">
+            <a:solidFill>
+              <a:schemeClr val="dk1"/>
+            </a:solidFill>
+            <a:prstDash val="solid"/>
+            <a:round/>
+            <a:headEnd type="none" w="med" len="med"/>
+            <a:tailEnd type="none" w="med" len="med"/>
+          </a:ln>
+        </p:spPr>
+        <p:style>
+          <a:lnRef idx="0">
+            <a:scrgbClr r="0" g="0" b="0"/>
+          </a:lnRef>
+          <a:fillRef idx="0">
+            <a:scrgbClr r="0" g="0" b="0"/>
+          </a:fillRef>
+          <a:effectRef idx="0">
+            <a:scrgbClr r="0" g="0" b="0"/>
+          </a:effectRef>
+          <a:fontRef idx="minor">
+            <a:schemeClr val="dk1"/>
+          </a:fontRef>
+        </p:style>
+        <p:txBody>
+          <a:bodyPr rtlCol="0" anchor="ctr"/>
+          <a:lstStyle/>
+          <a:p>
+            <a:pPr algn="ctr"/>
+            <a:endParaRPr lang="en-US"/>
+          </a:p>
+        </p:txBody>
+      </p:sp>
     </p:spTree>
     <p:extLst>
       <p:ext uri="{BB962C8B-B14F-4D97-AF65-F5344CB8AC3E}">
@@ -22458,226 +22630,7 @@
 </p:sld>
 </file>
 
-<file path=ppt/slides/slide2.xml><?xml version="1.0" encoding="utf-8"?>
-<p:sld xmlns:a="http://schemas.openxmlformats.org/drawingml/2006/main" xmlns:r="http://schemas.openxmlformats.org/officeDocument/2006/relationships" xmlns:p="http://schemas.openxmlformats.org/presentationml/2006/main">
-  <p:cSld>
-    <p:bg>
-      <p:bgPr>
-        <a:solidFill>
-          <a:srgbClr val="000000"/>
-        </a:solidFill>
-        <a:effectLst/>
-      </p:bgPr>
-    </p:bg>
-    <p:spTree>
-      <p:nvGrpSpPr>
-        <p:cNvPr id="1" name=""/>
-        <p:cNvGrpSpPr/>
-        <p:nvPr/>
-      </p:nvGrpSpPr>
-      <p:grpSpPr>
-        <a:xfrm>
-          <a:off x="0" y="0"/>
-          <a:ext cx="0" cy="0"/>
-          <a:chOff x="0" y="0"/>
-          <a:chExt cx="0" cy="0"/>
-        </a:xfrm>
-      </p:grpSpPr>
-      <p:sp>
-        <p:nvSpPr>
-          <p:cNvPr id="11" name="Rectangle 10">
-            <a:extLst>
-              <a:ext uri="{FF2B5EF4-FFF2-40B4-BE49-F238E27FC236}">
-                <a16:creationId xmlns:a16="http://schemas.microsoft.com/office/drawing/2014/main" id="{71B2258F-86CA-4D4D-8270-BC05FCDEBFB3}"/>
-              </a:ext>
-              <a:ext uri="{C183D7F6-B498-43B3-948B-1728B52AA6E4}">
-                <adec:decorative xmlns:adec="http://schemas.microsoft.com/office/drawing/2017/decorative" val="1"/>
-              </a:ext>
-            </a:extLst>
-          </p:cNvPr>
-          <p:cNvSpPr>
-            <a:spLocks noGrp="1" noRot="1" noChangeAspect="1" noMove="1" noResize="1" noEditPoints="1" noAdjustHandles="1" noChangeArrowheads="1" noChangeShapeType="1" noTextEdit="1"/>
-          </p:cNvSpPr>
-          <p:nvPr>
-            <p:extLst>
-              <p:ext uri="{386F3935-93C4-4BCD-93E2-E3B085C9AB24}">
-                <p16:designElem xmlns:p16="http://schemas.microsoft.com/office/powerpoint/2015/main" val="1"/>
-              </p:ext>
-            </p:extLst>
-          </p:nvPr>
-        </p:nvSpPr>
-        <p:spPr>
-          <a:xfrm>
-            <a:off x="0" y="0"/>
-            <a:ext cx="9144000" cy="6857999"/>
-          </a:xfrm>
-          <a:prstGeom prst="rect">
-            <a:avLst/>
-          </a:prstGeom>
-          <a:solidFill>
-            <a:srgbClr val="000000"/>
-          </a:solidFill>
-          <a:ln>
-            <a:noFill/>
-          </a:ln>
-        </p:spPr>
-        <p:style>
-          <a:lnRef idx="2">
-            <a:schemeClr val="accent1">
-              <a:shade val="50000"/>
-            </a:schemeClr>
-          </a:lnRef>
-          <a:fillRef idx="1">
-            <a:schemeClr val="accent1"/>
-          </a:fillRef>
-          <a:effectRef idx="0">
-            <a:schemeClr val="accent1"/>
-          </a:effectRef>
-          <a:fontRef idx="minor">
-            <a:schemeClr val="lt1"/>
-          </a:fontRef>
-        </p:style>
-        <p:txBody>
-          <a:bodyPr rtlCol="0" anchor="ctr"/>
-          <a:lstStyle/>
-          <a:p>
-            <a:pPr algn="ctr"/>
-            <a:endParaRPr lang="en-US"/>
-          </a:p>
-        </p:txBody>
-      </p:sp>
-      <p:pic>
-        <p:nvPicPr>
-          <p:cNvPr id="6" name="Picture 14">
-            <a:extLst>
-              <a:ext uri="{FF2B5EF4-FFF2-40B4-BE49-F238E27FC236}">
-                <a16:creationId xmlns:a16="http://schemas.microsoft.com/office/drawing/2014/main" id="{E4F041C0-7D5C-CB2F-92DA-37E6B770851E}"/>
-              </a:ext>
-              <a:ext uri="{C183D7F6-B498-43B3-948B-1728B52AA6E4}">
-                <adec:decorative xmlns:adec="http://schemas.microsoft.com/office/drawing/2017/decorative" val="1"/>
-              </a:ext>
-            </a:extLst>
-          </p:cNvPr>
-          <p:cNvPicPr>
-            <a:picLocks noChangeAspect="1" noChangeArrowheads="1"/>
-          </p:cNvPicPr>
-          <p:nvPr/>
-        </p:nvPicPr>
-        <p:blipFill rotWithShape="1">
-          <a:blip r:embed="rId2" cstate="print">
-            <a:alphaModFix amt="50000"/>
-          </a:blip>
-          <a:srcRect t="27493" b="22444"/>
-          <a:stretch>
-            <a:fillRect/>
-          </a:stretch>
-        </p:blipFill>
-        <p:spPr bwMode="auto">
-          <a:xfrm>
-            <a:off x="20" y="1"/>
-            <a:ext cx="9143980" cy="6857999"/>
-          </a:xfrm>
-          <a:prstGeom prst="rect">
-            <a:avLst/>
-          </a:prstGeom>
-          <a:noFill/>
-        </p:spPr>
-      </p:pic>
-      <p:sp>
-        <p:nvSpPr>
-          <p:cNvPr id="4" name="Title 3">
-            <a:extLst>
-              <a:ext uri="{FF2B5EF4-FFF2-40B4-BE49-F238E27FC236}">
-                <a16:creationId xmlns:a16="http://schemas.microsoft.com/office/drawing/2014/main" id="{110C9F2C-5F20-241B-A7B4-23BCD535D7A9}"/>
-              </a:ext>
-            </a:extLst>
-          </p:cNvPr>
-          <p:cNvSpPr>
-            <a:spLocks noGrp="1"/>
-          </p:cNvSpPr>
-          <p:nvPr>
-            <p:ph type="title"/>
-          </p:nvPr>
-        </p:nvSpPr>
-        <p:spPr>
-          <a:xfrm>
-            <a:off x="1143000" y="1122362"/>
-            <a:ext cx="6858000" cy="2900518"/>
-          </a:xfrm>
-        </p:spPr>
-        <p:txBody>
-          <a:bodyPr vert="horz" lIns="91440" tIns="45720" rIns="91440" bIns="45720" rtlCol="0" anchor="b">
-            <a:normAutofit/>
-          </a:bodyPr>
-          <a:lstStyle/>
-          <a:p>
-            <a:pPr algn="ctr" defTabSz="914400"/>
-            <a:r>
-              <a:rPr lang="en-US" sz="6000" dirty="0">
-                <a:solidFill>
-                  <a:srgbClr val="FFFFFF"/>
-                </a:solidFill>
-              </a:rPr>
-              <a:t>Module Review 1</a:t>
-            </a:r>
-          </a:p>
-        </p:txBody>
-      </p:sp>
-      <p:sp>
-        <p:nvSpPr>
-          <p:cNvPr id="5" name="Text Placeholder 4">
-            <a:extLst>
-              <a:ext uri="{FF2B5EF4-FFF2-40B4-BE49-F238E27FC236}">
-                <a16:creationId xmlns:a16="http://schemas.microsoft.com/office/drawing/2014/main" id="{702CF149-4E3E-4BC7-1591-E633BE8275BB}"/>
-              </a:ext>
-            </a:extLst>
-          </p:cNvPr>
-          <p:cNvSpPr>
-            <a:spLocks noGrp="1"/>
-          </p:cNvSpPr>
-          <p:nvPr>
-            <p:ph type="body" idx="1"/>
-          </p:nvPr>
-        </p:nvSpPr>
-        <p:spPr>
-          <a:xfrm>
-            <a:off x="1143000" y="4159404"/>
-            <a:ext cx="6858000" cy="1098395"/>
-          </a:xfrm>
-        </p:spPr>
-        <p:txBody>
-          <a:bodyPr vert="horz" lIns="91440" tIns="45720" rIns="91440" bIns="45720" rtlCol="0">
-            <a:normAutofit/>
-          </a:bodyPr>
-          <a:lstStyle/>
-          <a:p>
-            <a:pPr algn="ctr" defTabSz="914400">
-              <a:spcBef>
-                <a:spcPts val="1000"/>
-              </a:spcBef>
-            </a:pPr>
-            <a:endParaRPr lang="en-US" sz="2400">
-              <a:solidFill>
-                <a:srgbClr val="FFFFFF"/>
-              </a:solidFill>
-            </a:endParaRPr>
-          </a:p>
-        </p:txBody>
-      </p:sp>
-    </p:spTree>
-    <p:extLst>
-      <p:ext uri="{BB962C8B-B14F-4D97-AF65-F5344CB8AC3E}">
-        <p14:creationId xmlns:p14="http://schemas.microsoft.com/office/powerpoint/2010/main" val="499141692"/>
-      </p:ext>
-    </p:extLst>
-  </p:cSld>
-  <p:clrMapOvr>
-    <a:overrideClrMapping bg1="dk1" tx1="lt1" bg2="dk2" tx2="lt2" accent1="accent1" accent2="accent2" accent3="accent3" accent4="accent4" accent5="accent5" accent6="accent6" hlink="hlink" folHlink="folHlink"/>
-  </p:clrMapOvr>
-</p:sld>
-</file>
-
-<file path=ppt/slides/slide20.xml><?xml version="1.0" encoding="utf-8"?>
+<file path=ppt/slides/slide21.xml><?xml version="1.0" encoding="utf-8"?>
 <p:sld xmlns:a="http://schemas.openxmlformats.org/drawingml/2006/main" xmlns:r="http://schemas.openxmlformats.org/officeDocument/2006/relationships" xmlns:p="http://schemas.openxmlformats.org/presentationml/2006/main">
   <p:cSld>
     <p:spTree>
@@ -23383,7 +23336,7 @@
 </p:sld>
 </file>
 
-<file path=ppt/slides/slide21.xml><?xml version="1.0" encoding="utf-8"?>
+<file path=ppt/slides/slide22.xml><?xml version="1.0" encoding="utf-8"?>
 <p:sld xmlns:a="http://schemas.openxmlformats.org/drawingml/2006/main" xmlns:r="http://schemas.openxmlformats.org/officeDocument/2006/relationships" xmlns:p="http://schemas.openxmlformats.org/presentationml/2006/main">
   <p:cSld>
     <p:spTree>
@@ -23652,7 +23605,7 @@
 </p:sld>
 </file>
 
-<file path=ppt/slides/slide22.xml><?xml version="1.0" encoding="utf-8"?>
+<file path=ppt/slides/slide23.xml><?xml version="1.0" encoding="utf-8"?>
 <p:sld xmlns:a="http://schemas.openxmlformats.org/drawingml/2006/main" xmlns:r="http://schemas.openxmlformats.org/officeDocument/2006/relationships" xmlns:p="http://schemas.openxmlformats.org/presentationml/2006/main">
   <p:cSld>
     <p:spTree>
@@ -24285,6 +24238,98 @@
       <p:bldP spid="3" grpId="0" build="p"/>
     </p:bldLst>
   </p:timing>
+</p:sld>
+</file>
+
+<file path=ppt/slides/slide24.xml><?xml version="1.0" encoding="utf-8"?>
+<p:sld xmlns:a="http://schemas.openxmlformats.org/drawingml/2006/main" xmlns:r="http://schemas.openxmlformats.org/officeDocument/2006/relationships" xmlns:p="http://schemas.openxmlformats.org/presentationml/2006/main">
+  <p:cSld>
+    <p:spTree>
+      <p:nvGrpSpPr>
+        <p:cNvPr id="1" name="">
+          <a:extLst>
+            <a:ext uri="{FF2B5EF4-FFF2-40B4-BE49-F238E27FC236}">
+              <a16:creationId xmlns:a16="http://schemas.microsoft.com/office/drawing/2014/main" id="{AA87AD58-0FFB-3FEA-2D02-19846ECFB2F3}"/>
+            </a:ext>
+          </a:extLst>
+        </p:cNvPr>
+        <p:cNvGrpSpPr/>
+        <p:nvPr/>
+      </p:nvGrpSpPr>
+      <p:grpSpPr>
+        <a:xfrm>
+          <a:off x="0" y="0"/>
+          <a:ext cx="0" cy="0"/>
+          <a:chOff x="0" y="0"/>
+          <a:chExt cx="0" cy="0"/>
+        </a:xfrm>
+      </p:grpSpPr>
+      <p:sp>
+        <p:nvSpPr>
+          <p:cNvPr id="4" name="Title 3">
+            <a:extLst>
+              <a:ext uri="{FF2B5EF4-FFF2-40B4-BE49-F238E27FC236}">
+                <a16:creationId xmlns:a16="http://schemas.microsoft.com/office/drawing/2014/main" id="{0266BF2C-073A-E61B-F314-D1327A8F4903}"/>
+              </a:ext>
+            </a:extLst>
+          </p:cNvPr>
+          <p:cNvSpPr>
+            <a:spLocks noGrp="1"/>
+          </p:cNvSpPr>
+          <p:nvPr>
+            <p:ph type="title"/>
+          </p:nvPr>
+        </p:nvSpPr>
+        <p:spPr/>
+        <p:txBody>
+          <a:bodyPr/>
+          <a:lstStyle/>
+          <a:p>
+            <a:r>
+              <a:rPr lang="en-US" dirty="0"/>
+              <a:t>Assignment 1</a:t>
+            </a:r>
+          </a:p>
+        </p:txBody>
+      </p:sp>
+      <p:sp>
+        <p:nvSpPr>
+          <p:cNvPr id="5" name="Text Placeholder 4">
+            <a:extLst>
+              <a:ext uri="{FF2B5EF4-FFF2-40B4-BE49-F238E27FC236}">
+                <a16:creationId xmlns:a16="http://schemas.microsoft.com/office/drawing/2014/main" id="{E8268822-6F82-4F45-B3D4-2541D6F59527}"/>
+              </a:ext>
+            </a:extLst>
+          </p:cNvPr>
+          <p:cNvSpPr>
+            <a:spLocks noGrp="1"/>
+          </p:cNvSpPr>
+          <p:nvPr>
+            <p:ph type="body" idx="1"/>
+          </p:nvPr>
+        </p:nvSpPr>
+        <p:spPr/>
+        <p:txBody>
+          <a:bodyPr/>
+          <a:lstStyle/>
+          <a:p>
+            <a:r>
+              <a:rPr lang="en-US" dirty="0"/>
+              <a:t>Reflex Agents</a:t>
+            </a:r>
+          </a:p>
+        </p:txBody>
+      </p:sp>
+    </p:spTree>
+    <p:extLst>
+      <p:ext uri="{BB962C8B-B14F-4D97-AF65-F5344CB8AC3E}">
+        <p14:creationId xmlns:p14="http://schemas.microsoft.com/office/powerpoint/2010/main" val="483190766"/>
+      </p:ext>
+    </p:extLst>
+  </p:cSld>
+  <p:clrMapOvr>
+    <a:masterClrMapping/>
+  </p:clrMapOvr>
 </p:sld>
 </file>
 
